--- a/docs/Testy jednostkowe.pptx
+++ b/docs/Testy jednostkowe.pptx
@@ -2,30 +2,32 @@
 <file path=ppt/presentation.xml><?xml version="1.0" encoding="utf-8"?>
 <p:presentation xmlns:a="http://schemas.openxmlformats.org/drawingml/2006/main" xmlns:r="http://schemas.openxmlformats.org/officeDocument/2006/relationships" xmlns:p="http://schemas.openxmlformats.org/presentationml/2006/main" saveSubsetFonts="1">
   <p:sldMasterIdLst>
-    <p:sldMasterId id="2147483648" r:id="rId1"/>
+    <p:sldMasterId id="2147483672" r:id="rId1"/>
   </p:sldMasterIdLst>
   <p:sldIdLst>
     <p:sldId id="256" r:id="rId2"/>
-    <p:sldId id="257" r:id="rId3"/>
-    <p:sldId id="258" r:id="rId4"/>
-    <p:sldId id="259" r:id="rId5"/>
-    <p:sldId id="263" r:id="rId6"/>
-    <p:sldId id="260" r:id="rId7"/>
-    <p:sldId id="261" r:id="rId8"/>
+    <p:sldId id="259" r:id="rId3"/>
+    <p:sldId id="260" r:id="rId4"/>
+    <p:sldId id="257" r:id="rId5"/>
+    <p:sldId id="258" r:id="rId6"/>
+    <p:sldId id="261" r:id="rId7"/>
+    <p:sldId id="270" r:id="rId8"/>
     <p:sldId id="264" r:id="rId9"/>
-    <p:sldId id="265" r:id="rId10"/>
-    <p:sldId id="266" r:id="rId11"/>
-    <p:sldId id="267" r:id="rId12"/>
-    <p:sldId id="268" r:id="rId13"/>
-    <p:sldId id="269" r:id="rId14"/>
+    <p:sldId id="271" r:id="rId10"/>
+    <p:sldId id="265" r:id="rId11"/>
+    <p:sldId id="272" r:id="rId12"/>
+    <p:sldId id="266" r:id="rId13"/>
+    <p:sldId id="267" r:id="rId14"/>
+    <p:sldId id="268" r:id="rId15"/>
+    <p:sldId id="269" r:id="rId16"/>
   </p:sldIdLst>
   <p:sldSz cx="12192000" cy="6858000"/>
   <p:notesSz cx="6858000" cy="9144000"/>
   <p:defaultTextStyle>
     <a:defPPr>
-      <a:defRPr lang="pl-PL"/>
+      <a:defRPr lang="en-US"/>
     </a:defPPr>
-    <a:lvl1pPr marL="0" algn="l" defTabSz="914400" rtl="0" eaLnBrk="1" latinLnBrk="0" hangingPunct="1">
+    <a:lvl1pPr marL="0" algn="l" defTabSz="457200" rtl="0" eaLnBrk="1" latinLnBrk="0" hangingPunct="1">
       <a:defRPr sz="1800" kern="1200">
         <a:solidFill>
           <a:schemeClr val="tx1"/>
@@ -35,7 +37,7 @@
         <a:cs typeface="+mn-cs"/>
       </a:defRPr>
     </a:lvl1pPr>
-    <a:lvl2pPr marL="457200" algn="l" defTabSz="914400" rtl="0" eaLnBrk="1" latinLnBrk="0" hangingPunct="1">
+    <a:lvl2pPr marL="457200" algn="l" defTabSz="457200" rtl="0" eaLnBrk="1" latinLnBrk="0" hangingPunct="1">
       <a:defRPr sz="1800" kern="1200">
         <a:solidFill>
           <a:schemeClr val="tx1"/>
@@ -45,7 +47,7 @@
         <a:cs typeface="+mn-cs"/>
       </a:defRPr>
     </a:lvl2pPr>
-    <a:lvl3pPr marL="914400" algn="l" defTabSz="914400" rtl="0" eaLnBrk="1" latinLnBrk="0" hangingPunct="1">
+    <a:lvl3pPr marL="914400" algn="l" defTabSz="457200" rtl="0" eaLnBrk="1" latinLnBrk="0" hangingPunct="1">
       <a:defRPr sz="1800" kern="1200">
         <a:solidFill>
           <a:schemeClr val="tx1"/>
@@ -55,7 +57,7 @@
         <a:cs typeface="+mn-cs"/>
       </a:defRPr>
     </a:lvl3pPr>
-    <a:lvl4pPr marL="1371600" algn="l" defTabSz="914400" rtl="0" eaLnBrk="1" latinLnBrk="0" hangingPunct="1">
+    <a:lvl4pPr marL="1371600" algn="l" defTabSz="457200" rtl="0" eaLnBrk="1" latinLnBrk="0" hangingPunct="1">
       <a:defRPr sz="1800" kern="1200">
         <a:solidFill>
           <a:schemeClr val="tx1"/>
@@ -65,7 +67,7 @@
         <a:cs typeface="+mn-cs"/>
       </a:defRPr>
     </a:lvl4pPr>
-    <a:lvl5pPr marL="1828800" algn="l" defTabSz="914400" rtl="0" eaLnBrk="1" latinLnBrk="0" hangingPunct="1">
+    <a:lvl5pPr marL="1828800" algn="l" defTabSz="457200" rtl="0" eaLnBrk="1" latinLnBrk="0" hangingPunct="1">
       <a:defRPr sz="1800" kern="1200">
         <a:solidFill>
           <a:schemeClr val="tx1"/>
@@ -75,7 +77,7 @@
         <a:cs typeface="+mn-cs"/>
       </a:defRPr>
     </a:lvl5pPr>
-    <a:lvl6pPr marL="2286000" algn="l" defTabSz="914400" rtl="0" eaLnBrk="1" latinLnBrk="0" hangingPunct="1">
+    <a:lvl6pPr marL="2286000" algn="l" defTabSz="457200" rtl="0" eaLnBrk="1" latinLnBrk="0" hangingPunct="1">
       <a:defRPr sz="1800" kern="1200">
         <a:solidFill>
           <a:schemeClr val="tx1"/>
@@ -85,7 +87,7 @@
         <a:cs typeface="+mn-cs"/>
       </a:defRPr>
     </a:lvl6pPr>
-    <a:lvl7pPr marL="2743200" algn="l" defTabSz="914400" rtl="0" eaLnBrk="1" latinLnBrk="0" hangingPunct="1">
+    <a:lvl7pPr marL="2743200" algn="l" defTabSz="457200" rtl="0" eaLnBrk="1" latinLnBrk="0" hangingPunct="1">
       <a:defRPr sz="1800" kern="1200">
         <a:solidFill>
           <a:schemeClr val="tx1"/>
@@ -95,7 +97,7 @@
         <a:cs typeface="+mn-cs"/>
       </a:defRPr>
     </a:lvl7pPr>
-    <a:lvl8pPr marL="3200400" algn="l" defTabSz="914400" rtl="0" eaLnBrk="1" latinLnBrk="0" hangingPunct="1">
+    <a:lvl8pPr marL="3200400" algn="l" defTabSz="457200" rtl="0" eaLnBrk="1" latinLnBrk="0" hangingPunct="1">
       <a:defRPr sz="1800" kern="1200">
         <a:solidFill>
           <a:schemeClr val="tx1"/>
@@ -105,7 +107,7 @@
         <a:cs typeface="+mn-cs"/>
       </a:defRPr>
     </a:lvl8pPr>
-    <a:lvl9pPr marL="3657600" algn="l" defTabSz="914400" rtl="0" eaLnBrk="1" latinLnBrk="0" hangingPunct="1">
+    <a:lvl9pPr marL="3657600" algn="l" defTabSz="457200" rtl="0" eaLnBrk="1" latinLnBrk="0" hangingPunct="1">
       <a:defRPr sz="1800" kern="1200">
         <a:solidFill>
           <a:schemeClr val="tx1"/>
@@ -116,6 +118,11 @@
       </a:defRPr>
     </a:lvl9pPr>
   </p:defaultTextStyle>
+  <p:extLst>
+    <p:ext uri="{EFAFB233-063F-42B5-8137-9DF3F51BA10A}">
+      <p15:sldGuideLst xmlns:p15="http://schemas.microsoft.com/office/powerpoint/2012/main"/>
+    </p:ext>
+  </p:extLst>
 </p:presentation>
 </file>
 
@@ -138,185 +145,303 @@
       </p:grpSpPr>
       <p:sp>
         <p:nvSpPr>
-          <p:cNvPr id="2" name="Tytuł 1">
-            <a:extLst>
-              <a:ext uri="{FF2B5EF4-FFF2-40B4-BE49-F238E27FC236}">
-                <a16:creationId xmlns:a16="http://schemas.microsoft.com/office/drawing/2014/main" id="{A17571FF-656E-4D67-AA83-CF72E26CAD73}"/>
-              </a:ext>
-            </a:extLst>
-          </p:cNvPr>
-          <p:cNvSpPr>
-            <a:spLocks noGrp="1"/>
-          </p:cNvSpPr>
-          <p:nvPr>
-            <p:ph type="ctrTitle"/>
-          </p:nvPr>
+          <p:cNvPr id="7" name="Rectangle 6"/>
+          <p:cNvSpPr/>
+          <p:nvPr/>
         </p:nvSpPr>
         <p:spPr>
           <a:xfrm>
-            <a:off x="1524000" y="1122363"/>
-            <a:ext cx="9144000" cy="2387600"/>
+            <a:off x="446534" y="3085765"/>
+            <a:ext cx="11262866" cy="3304800"/>
+          </a:xfrm>
+          <a:prstGeom prst="rect">
+            <a:avLst/>
+          </a:prstGeom>
+          <a:solidFill>
+            <a:schemeClr val="accent1"/>
+          </a:solidFill>
+          <a:ln>
+            <a:noFill/>
+          </a:ln>
+          <a:effectLst/>
+        </p:spPr>
+        <p:style>
+          <a:lnRef idx="1">
+            <a:schemeClr val="accent1"/>
+          </a:lnRef>
+          <a:fillRef idx="3">
+            <a:schemeClr val="accent1"/>
+          </a:fillRef>
+          <a:effectRef idx="2">
+            <a:schemeClr val="accent1"/>
+          </a:effectRef>
+          <a:fontRef idx="minor">
+            <a:schemeClr val="lt1"/>
+          </a:fontRef>
+        </p:style>
+      </p:sp>
+      <p:sp>
+        <p:nvSpPr>
+          <p:cNvPr id="2" name="Title 1"/>
+          <p:cNvSpPr>
+            <a:spLocks noGrp="1"/>
+          </p:cNvSpPr>
+          <p:nvPr>
+            <p:ph type="ctrTitle"/>
+          </p:nvPr>
+        </p:nvSpPr>
+        <p:spPr>
+          <a:xfrm>
+            <a:off x="581191" y="1020431"/>
+            <a:ext cx="10993549" cy="1475013"/>
+          </a:xfrm>
+          <a:effectLst/>
+        </p:spPr>
+        <p:txBody>
+          <a:bodyPr anchor="b">
+            <a:normAutofit/>
+          </a:bodyPr>
+          <a:lstStyle>
+            <a:lvl1pPr>
+              <a:defRPr sz="3600">
+                <a:solidFill>
+                  <a:schemeClr val="accent1"/>
+                </a:solidFill>
+              </a:defRPr>
+            </a:lvl1pPr>
+          </a:lstStyle>
+          <a:p>
+            <a:r>
+              <a:rPr lang="pl-PL"/>
+              <a:t>Kliknij, aby edytować styl</a:t>
+            </a:r>
+            <a:endParaRPr lang="en-US" dirty="0"/>
+          </a:p>
+        </p:txBody>
+      </p:sp>
+      <p:sp>
+        <p:nvSpPr>
+          <p:cNvPr id="3" name="Subtitle 2"/>
+          <p:cNvSpPr>
+            <a:spLocks noGrp="1"/>
+          </p:cNvSpPr>
+          <p:nvPr>
+            <p:ph type="subTitle" idx="1"/>
+          </p:nvPr>
+        </p:nvSpPr>
+        <p:spPr>
+          <a:xfrm>
+            <a:off x="581194" y="2495445"/>
+            <a:ext cx="10993546" cy="590321"/>
           </a:xfrm>
         </p:spPr>
         <p:txBody>
-          <a:bodyPr anchor="b"/>
+          <a:bodyPr anchor="t">
+            <a:normAutofit/>
+          </a:bodyPr>
           <a:lstStyle>
-            <a:lvl1pPr algn="ctr">
-              <a:defRPr sz="6000"/>
+            <a:lvl1pPr marL="0" indent="0" algn="l">
+              <a:buNone/>
+              <a:defRPr sz="1600" cap="all">
+                <a:solidFill>
+                  <a:schemeClr val="accent2"/>
+                </a:solidFill>
+              </a:defRPr>
+            </a:lvl1pPr>
+            <a:lvl2pPr marL="457200" indent="0" algn="ctr">
+              <a:buNone/>
+              <a:defRPr>
+                <a:solidFill>
+                  <a:schemeClr val="tx1">
+                    <a:tint val="75000"/>
+                  </a:schemeClr>
+                </a:solidFill>
+              </a:defRPr>
+            </a:lvl2pPr>
+            <a:lvl3pPr marL="914400" indent="0" algn="ctr">
+              <a:buNone/>
+              <a:defRPr>
+                <a:solidFill>
+                  <a:schemeClr val="tx1">
+                    <a:tint val="75000"/>
+                  </a:schemeClr>
+                </a:solidFill>
+              </a:defRPr>
+            </a:lvl3pPr>
+            <a:lvl4pPr marL="1371600" indent="0" algn="ctr">
+              <a:buNone/>
+              <a:defRPr>
+                <a:solidFill>
+                  <a:schemeClr val="tx1">
+                    <a:tint val="75000"/>
+                  </a:schemeClr>
+                </a:solidFill>
+              </a:defRPr>
+            </a:lvl4pPr>
+            <a:lvl5pPr marL="1828800" indent="0" algn="ctr">
+              <a:buNone/>
+              <a:defRPr>
+                <a:solidFill>
+                  <a:schemeClr val="tx1">
+                    <a:tint val="75000"/>
+                  </a:schemeClr>
+                </a:solidFill>
+              </a:defRPr>
+            </a:lvl5pPr>
+            <a:lvl6pPr marL="2286000" indent="0" algn="ctr">
+              <a:buNone/>
+              <a:defRPr>
+                <a:solidFill>
+                  <a:schemeClr val="tx1">
+                    <a:tint val="75000"/>
+                  </a:schemeClr>
+                </a:solidFill>
+              </a:defRPr>
+            </a:lvl6pPr>
+            <a:lvl7pPr marL="2743200" indent="0" algn="ctr">
+              <a:buNone/>
+              <a:defRPr>
+                <a:solidFill>
+                  <a:schemeClr val="tx1">
+                    <a:tint val="75000"/>
+                  </a:schemeClr>
+                </a:solidFill>
+              </a:defRPr>
+            </a:lvl7pPr>
+            <a:lvl8pPr marL="3200400" indent="0" algn="ctr">
+              <a:buNone/>
+              <a:defRPr>
+                <a:solidFill>
+                  <a:schemeClr val="tx1">
+                    <a:tint val="75000"/>
+                  </a:schemeClr>
+                </a:solidFill>
+              </a:defRPr>
+            </a:lvl8pPr>
+            <a:lvl9pPr marL="3657600" indent="0" algn="ctr">
+              <a:buNone/>
+              <a:defRPr>
+                <a:solidFill>
+                  <a:schemeClr val="tx1">
+                    <a:tint val="75000"/>
+                  </a:schemeClr>
+                </a:solidFill>
+              </a:defRPr>
+            </a:lvl9pPr>
+          </a:lstStyle>
+          <a:p>
+            <a:r>
+              <a:rPr lang="pl-PL"/>
+              <a:t>Kliknij, aby edytować styl wzorca podtytułu</a:t>
+            </a:r>
+            <a:endParaRPr lang="en-US" dirty="0"/>
+          </a:p>
+        </p:txBody>
+      </p:sp>
+      <p:sp>
+        <p:nvSpPr>
+          <p:cNvPr id="4" name="Date Placeholder 3"/>
+          <p:cNvSpPr>
+            <a:spLocks noGrp="1"/>
+          </p:cNvSpPr>
+          <p:nvPr>
+            <p:ph type="dt" sz="half" idx="10"/>
+          </p:nvPr>
+        </p:nvSpPr>
+        <p:spPr>
+          <a:xfrm>
+            <a:off x="7605951" y="5956137"/>
+            <a:ext cx="2844800" cy="365125"/>
+          </a:xfrm>
+        </p:spPr>
+        <p:txBody>
+          <a:bodyPr/>
+          <a:lstStyle>
+            <a:lvl1pPr>
+              <a:defRPr>
+                <a:solidFill>
+                  <a:schemeClr val="accent1">
+                    <a:lumMod val="75000"/>
+                    <a:lumOff val="25000"/>
+                  </a:schemeClr>
+                </a:solidFill>
+              </a:defRPr>
             </a:lvl1pPr>
           </a:lstStyle>
           <a:p>
-            <a:r>
-              <a:rPr lang="pl-PL"/>
-              <a:t>Kliknij, aby edytować styl</a:t>
-            </a:r>
-          </a:p>
-        </p:txBody>
-      </p:sp>
-      <p:sp>
-        <p:nvSpPr>
-          <p:cNvPr id="3" name="Podtytuł 2">
-            <a:extLst>
-              <a:ext uri="{FF2B5EF4-FFF2-40B4-BE49-F238E27FC236}">
-                <a16:creationId xmlns:a16="http://schemas.microsoft.com/office/drawing/2014/main" id="{705894D7-D6DC-40BD-9116-A40318110AC6}"/>
-              </a:ext>
-            </a:extLst>
-          </p:cNvPr>
-          <p:cNvSpPr>
-            <a:spLocks noGrp="1"/>
-          </p:cNvSpPr>
-          <p:nvPr>
-            <p:ph type="subTitle" idx="1"/>
+            <a:fld id="{54187E25-B117-416D-8A32-FE022F1E280E}" type="datetimeFigureOut">
+              <a:rPr lang="pl-PL" smtClean="0"/>
+              <a:t>25.06.2017</a:t>
+            </a:fld>
+            <a:endParaRPr lang="pl-PL"/>
+          </a:p>
+        </p:txBody>
+      </p:sp>
+      <p:sp>
+        <p:nvSpPr>
+          <p:cNvPr id="5" name="Footer Placeholder 4"/>
+          <p:cNvSpPr>
+            <a:spLocks noGrp="1"/>
+          </p:cNvSpPr>
+          <p:nvPr>
+            <p:ph type="ftr" sz="quarter" idx="11"/>
           </p:nvPr>
         </p:nvSpPr>
         <p:spPr>
           <a:xfrm>
-            <a:off x="1524000" y="3602038"/>
-            <a:ext cx="9144000" cy="1655762"/>
+            <a:off x="581192" y="5951811"/>
+            <a:ext cx="6917210" cy="365125"/>
           </a:xfrm>
         </p:spPr>
         <p:txBody>
           <a:bodyPr/>
           <a:lstStyle>
-            <a:lvl1pPr marL="0" indent="0" algn="ctr">
-              <a:buNone/>
-              <a:defRPr sz="2400"/>
+            <a:lvl1pPr>
+              <a:defRPr>
+                <a:solidFill>
+                  <a:schemeClr val="accent1">
+                    <a:lumMod val="75000"/>
+                    <a:lumOff val="25000"/>
+                  </a:schemeClr>
+                </a:solidFill>
+              </a:defRPr>
             </a:lvl1pPr>
-            <a:lvl2pPr marL="457200" indent="0" algn="ctr">
-              <a:buNone/>
-              <a:defRPr sz="2000"/>
-            </a:lvl2pPr>
-            <a:lvl3pPr marL="914400" indent="0" algn="ctr">
-              <a:buNone/>
-              <a:defRPr sz="1800"/>
-            </a:lvl3pPr>
-            <a:lvl4pPr marL="1371600" indent="0" algn="ctr">
-              <a:buNone/>
-              <a:defRPr sz="1600"/>
-            </a:lvl4pPr>
-            <a:lvl5pPr marL="1828800" indent="0" algn="ctr">
-              <a:buNone/>
-              <a:defRPr sz="1600"/>
-            </a:lvl5pPr>
-            <a:lvl6pPr marL="2286000" indent="0" algn="ctr">
-              <a:buNone/>
-              <a:defRPr sz="1600"/>
-            </a:lvl6pPr>
-            <a:lvl7pPr marL="2743200" indent="0" algn="ctr">
-              <a:buNone/>
-              <a:defRPr sz="1600"/>
-            </a:lvl7pPr>
-            <a:lvl8pPr marL="3200400" indent="0" algn="ctr">
-              <a:buNone/>
-              <a:defRPr sz="1600"/>
-            </a:lvl8pPr>
-            <a:lvl9pPr marL="3657600" indent="0" algn="ctr">
-              <a:buNone/>
-              <a:defRPr sz="1600"/>
-            </a:lvl9pPr>
           </a:lstStyle>
           <a:p>
-            <a:r>
-              <a:rPr lang="pl-PL"/>
-              <a:t>Kliknij, aby edytować styl wzorca podtytułu</a:t>
-            </a:r>
-          </a:p>
-        </p:txBody>
-      </p:sp>
-      <p:sp>
-        <p:nvSpPr>
-          <p:cNvPr id="4" name="Symbol zastępczy daty 3">
-            <a:extLst>
-              <a:ext uri="{FF2B5EF4-FFF2-40B4-BE49-F238E27FC236}">
-                <a16:creationId xmlns:a16="http://schemas.microsoft.com/office/drawing/2014/main" id="{5F8E142B-F4A4-415B-88E7-7C6B55E0B60D}"/>
-              </a:ext>
-            </a:extLst>
-          </p:cNvPr>
-          <p:cNvSpPr>
-            <a:spLocks noGrp="1"/>
-          </p:cNvSpPr>
-          <p:nvPr>
-            <p:ph type="dt" sz="half" idx="10"/>
-          </p:nvPr>
-        </p:nvSpPr>
-        <p:spPr/>
+            <a:endParaRPr lang="pl-PL"/>
+          </a:p>
+        </p:txBody>
+      </p:sp>
+      <p:sp>
+        <p:nvSpPr>
+          <p:cNvPr id="6" name="Slide Number Placeholder 5"/>
+          <p:cNvSpPr>
+            <a:spLocks noGrp="1"/>
+          </p:cNvSpPr>
+          <p:nvPr>
+            <p:ph type="sldNum" sz="quarter" idx="12"/>
+          </p:nvPr>
+        </p:nvSpPr>
+        <p:spPr>
+          <a:xfrm>
+            <a:off x="10558300" y="5956137"/>
+            <a:ext cx="1016440" cy="365125"/>
+          </a:xfrm>
+        </p:spPr>
         <p:txBody>
           <a:bodyPr/>
-          <a:lstStyle/>
-          <a:p>
-            <a:fld id="{54187E25-B117-416D-8A32-FE022F1E280E}" type="datetimeFigureOut">
-              <a:rPr lang="pl-PL" smtClean="0"/>
-              <a:t>19.06.2017</a:t>
-            </a:fld>
-            <a:endParaRPr lang="pl-PL"/>
-          </a:p>
-        </p:txBody>
-      </p:sp>
-      <p:sp>
-        <p:nvSpPr>
-          <p:cNvPr id="5" name="Symbol zastępczy stopki 4">
-            <a:extLst>
-              <a:ext uri="{FF2B5EF4-FFF2-40B4-BE49-F238E27FC236}">
-                <a16:creationId xmlns:a16="http://schemas.microsoft.com/office/drawing/2014/main" id="{70C69A55-F166-4540-80AF-8A183D9C6C5E}"/>
-              </a:ext>
-            </a:extLst>
-          </p:cNvPr>
-          <p:cNvSpPr>
-            <a:spLocks noGrp="1"/>
-          </p:cNvSpPr>
-          <p:nvPr>
-            <p:ph type="ftr" sz="quarter" idx="11"/>
-          </p:nvPr>
-        </p:nvSpPr>
-        <p:spPr/>
-        <p:txBody>
-          <a:bodyPr/>
-          <a:lstStyle/>
-          <a:p>
-            <a:endParaRPr lang="pl-PL"/>
-          </a:p>
-        </p:txBody>
-      </p:sp>
-      <p:sp>
-        <p:nvSpPr>
-          <p:cNvPr id="6" name="Symbol zastępczy numeru slajdu 5">
-            <a:extLst>
-              <a:ext uri="{FF2B5EF4-FFF2-40B4-BE49-F238E27FC236}">
-                <a16:creationId xmlns:a16="http://schemas.microsoft.com/office/drawing/2014/main" id="{75C70AA6-9FC4-4B57-B542-1AEE531B301B}"/>
-              </a:ext>
-            </a:extLst>
-          </p:cNvPr>
-          <p:cNvSpPr>
-            <a:spLocks noGrp="1"/>
-          </p:cNvSpPr>
-          <p:nvPr>
-            <p:ph type="sldNum" sz="quarter" idx="12"/>
-          </p:nvPr>
-        </p:nvSpPr>
-        <p:spPr/>
-        <p:txBody>
-          <a:bodyPr/>
-          <a:lstStyle/>
+          <a:lstStyle>
+            <a:lvl1pPr>
+              <a:defRPr>
+                <a:solidFill>
+                  <a:schemeClr val="accent1">
+                    <a:lumMod val="75000"/>
+                    <a:lumOff val="25000"/>
+                  </a:schemeClr>
+                </a:solidFill>
+              </a:defRPr>
+            </a:lvl1pPr>
+          </a:lstStyle>
           <a:p>
             <a:fld id="{8FA36833-993B-41A7-80BD-08FAB36F43B0}" type="slidenum">
               <a:rPr lang="pl-PL" smtClean="0"/>
@@ -329,7 +454,7 @@
     </p:spTree>
     <p:extLst>
       <p:ext uri="{BB962C8B-B14F-4D97-AF65-F5344CB8AC3E}">
-        <p14:creationId xmlns:p14="http://schemas.microsoft.com/office/powerpoint/2010/main" val="3049995249"/>
+        <p14:creationId xmlns:p14="http://schemas.microsoft.com/office/powerpoint/2010/main" val="3472616815"/>
       </p:ext>
     </p:extLst>
   </p:cSld>
@@ -358,13 +483,46 @@
       </p:grpSpPr>
       <p:sp>
         <p:nvSpPr>
-          <p:cNvPr id="2" name="Tytuł 1">
-            <a:extLst>
-              <a:ext uri="{FF2B5EF4-FFF2-40B4-BE49-F238E27FC236}">
-                <a16:creationId xmlns:a16="http://schemas.microsoft.com/office/drawing/2014/main" id="{197C5F6B-ED46-4692-9849-FD564523203B}"/>
-              </a:ext>
-            </a:extLst>
-          </p:cNvPr>
+          <p:cNvPr id="8" name="Rectangle 7"/>
+          <p:cNvSpPr>
+            <a:spLocks noChangeAspect="1"/>
+          </p:cNvSpPr>
+          <p:nvPr/>
+        </p:nvSpPr>
+        <p:spPr>
+          <a:xfrm>
+            <a:off x="440286" y="614407"/>
+            <a:ext cx="11309338" cy="1189298"/>
+          </a:xfrm>
+          <a:prstGeom prst="rect">
+            <a:avLst/>
+          </a:prstGeom>
+          <a:solidFill>
+            <a:schemeClr val="accent1"/>
+          </a:solidFill>
+          <a:ln>
+            <a:noFill/>
+          </a:ln>
+          <a:effectLst/>
+        </p:spPr>
+        <p:style>
+          <a:lnRef idx="1">
+            <a:schemeClr val="accent1"/>
+          </a:lnRef>
+          <a:fillRef idx="3">
+            <a:schemeClr val="accent1"/>
+          </a:fillRef>
+          <a:effectRef idx="2">
+            <a:schemeClr val="accent1"/>
+          </a:effectRef>
+          <a:fontRef idx="minor">
+            <a:schemeClr val="lt1"/>
+          </a:fontRef>
+        </p:style>
+      </p:sp>
+      <p:sp>
+        <p:nvSpPr>
+          <p:cNvPr id="9" name="Title 1"/>
           <p:cNvSpPr>
             <a:spLocks noGrp="1"/>
           </p:cNvSpPr>
@@ -372,7 +530,12 @@
             <p:ph type="title"/>
           </p:nvPr>
         </p:nvSpPr>
-        <p:spPr/>
+        <p:spPr>
+          <a:xfrm>
+            <a:off x="581192" y="702156"/>
+            <a:ext cx="11029616" cy="1013800"/>
+          </a:xfrm>
+        </p:spPr>
         <p:txBody>
           <a:bodyPr/>
           <a:lstStyle/>
@@ -381,18 +544,13 @@
               <a:rPr lang="pl-PL"/>
               <a:t>Kliknij, aby edytować styl</a:t>
             </a:r>
-          </a:p>
-        </p:txBody>
-      </p:sp>
-      <p:sp>
-        <p:nvSpPr>
-          <p:cNvPr id="3" name="Symbol zastępczy tytułu pionowego 2">
-            <a:extLst>
-              <a:ext uri="{FF2B5EF4-FFF2-40B4-BE49-F238E27FC236}">
-                <a16:creationId xmlns:a16="http://schemas.microsoft.com/office/drawing/2014/main" id="{0B0257C7-39AA-438F-8371-178E9E2E611F}"/>
-              </a:ext>
-            </a:extLst>
-          </p:cNvPr>
+            <a:endParaRPr lang="en-US" dirty="0"/>
+          </a:p>
+        </p:txBody>
+      </p:sp>
+      <p:sp>
+        <p:nvSpPr>
+          <p:cNvPr id="3" name="Vertical Text Placeholder 2"/>
           <p:cNvSpPr>
             <a:spLocks noGrp="1"/>
           </p:cNvSpPr>
@@ -402,8 +560,24 @@
         </p:nvSpPr>
         <p:spPr/>
         <p:txBody>
-          <a:bodyPr vert="eaVert"/>
-          <a:lstStyle/>
+          <a:bodyPr vert="eaVert" anchor="t"/>
+          <a:lstStyle>
+            <a:lvl1pPr algn="l">
+              <a:defRPr/>
+            </a:lvl1pPr>
+            <a:lvl2pPr algn="l">
+              <a:defRPr/>
+            </a:lvl2pPr>
+            <a:lvl3pPr algn="l">
+              <a:defRPr/>
+            </a:lvl3pPr>
+            <a:lvl4pPr algn="l">
+              <a:defRPr/>
+            </a:lvl4pPr>
+            <a:lvl5pPr algn="l">
+              <a:defRPr/>
+            </a:lvl5pPr>
+          </a:lstStyle>
           <a:p>
             <a:pPr lvl="0"/>
             <a:r>
@@ -438,18 +612,13 @@
               <a:rPr lang="pl-PL"/>
               <a:t>Piąty poziom</a:t>
             </a:r>
-          </a:p>
-        </p:txBody>
-      </p:sp>
-      <p:sp>
-        <p:nvSpPr>
-          <p:cNvPr id="4" name="Symbol zastępczy daty 3">
-            <a:extLst>
-              <a:ext uri="{FF2B5EF4-FFF2-40B4-BE49-F238E27FC236}">
-                <a16:creationId xmlns:a16="http://schemas.microsoft.com/office/drawing/2014/main" id="{E5E18EF3-1F4D-4C76-AD03-559A422E815A}"/>
-              </a:ext>
-            </a:extLst>
-          </p:cNvPr>
+            <a:endParaRPr lang="en-US" dirty="0"/>
+          </a:p>
+        </p:txBody>
+      </p:sp>
+      <p:sp>
+        <p:nvSpPr>
+          <p:cNvPr id="4" name="Date Placeholder 3"/>
           <p:cNvSpPr>
             <a:spLocks noGrp="1"/>
           </p:cNvSpPr>
@@ -464,7 +633,7 @@
           <a:p>
             <a:fld id="{54187E25-B117-416D-8A32-FE022F1E280E}" type="datetimeFigureOut">
               <a:rPr lang="pl-PL" smtClean="0"/>
-              <a:t>19.06.2017</a:t>
+              <a:t>25.06.2017</a:t>
             </a:fld>
             <a:endParaRPr lang="pl-PL"/>
           </a:p>
@@ -472,13 +641,7 @@
       </p:sp>
       <p:sp>
         <p:nvSpPr>
-          <p:cNvPr id="5" name="Symbol zastępczy stopki 4">
-            <a:extLst>
-              <a:ext uri="{FF2B5EF4-FFF2-40B4-BE49-F238E27FC236}">
-                <a16:creationId xmlns:a16="http://schemas.microsoft.com/office/drawing/2014/main" id="{3354CEF4-F8A6-4918-AFB9-32B56201D3B2}"/>
-              </a:ext>
-            </a:extLst>
-          </p:cNvPr>
+          <p:cNvPr id="5" name="Footer Placeholder 4"/>
           <p:cNvSpPr>
             <a:spLocks noGrp="1"/>
           </p:cNvSpPr>
@@ -497,13 +660,7 @@
       </p:sp>
       <p:sp>
         <p:nvSpPr>
-          <p:cNvPr id="6" name="Symbol zastępczy numeru slajdu 5">
-            <a:extLst>
-              <a:ext uri="{FF2B5EF4-FFF2-40B4-BE49-F238E27FC236}">
-                <a16:creationId xmlns:a16="http://schemas.microsoft.com/office/drawing/2014/main" id="{60AE7312-10CE-4D2F-BA26-F4E0E1CC0A62}"/>
-              </a:ext>
-            </a:extLst>
-          </p:cNvPr>
+          <p:cNvPr id="6" name="Slide Number Placeholder 5"/>
           <p:cNvSpPr>
             <a:spLocks noGrp="1"/>
           </p:cNvSpPr>
@@ -527,7 +684,7 @@
     </p:spTree>
     <p:extLst>
       <p:ext uri="{BB962C8B-B14F-4D97-AF65-F5344CB8AC3E}">
-        <p14:creationId xmlns:p14="http://schemas.microsoft.com/office/powerpoint/2010/main" val="330699849"/>
+        <p14:creationId xmlns:p14="http://schemas.microsoft.com/office/powerpoint/2010/main" val="3302465987"/>
       </p:ext>
     </p:extLst>
   </p:cSld>
@@ -556,24 +713,57 @@
       </p:grpSpPr>
       <p:sp>
         <p:nvSpPr>
-          <p:cNvPr id="2" name="Tytuł pionowy 1">
-            <a:extLst>
-              <a:ext uri="{FF2B5EF4-FFF2-40B4-BE49-F238E27FC236}">
-                <a16:creationId xmlns:a16="http://schemas.microsoft.com/office/drawing/2014/main" id="{DFFC6E14-F977-4EAE-8D37-D4458FD3A019}"/>
-              </a:ext>
-            </a:extLst>
-          </p:cNvPr>
-          <p:cNvSpPr>
-            <a:spLocks noGrp="1"/>
-          </p:cNvSpPr>
-          <p:nvPr>
-            <p:ph type="title" orient="vert"/>
-          </p:nvPr>
+          <p:cNvPr id="7" name="Rectangle 6"/>
+          <p:cNvSpPr>
+            <a:spLocks noChangeAspect="1"/>
+          </p:cNvSpPr>
+          <p:nvPr/>
         </p:nvSpPr>
         <p:spPr>
           <a:xfrm>
-            <a:off x="8724900" y="365125"/>
-            <a:ext cx="2628900" cy="5811838"/>
+            <a:off x="8839201" y="599725"/>
+            <a:ext cx="2906817" cy="5816950"/>
+          </a:xfrm>
+          <a:prstGeom prst="rect">
+            <a:avLst/>
+          </a:prstGeom>
+          <a:solidFill>
+            <a:schemeClr val="accent1"/>
+          </a:solidFill>
+          <a:ln>
+            <a:noFill/>
+          </a:ln>
+          <a:effectLst/>
+        </p:spPr>
+        <p:style>
+          <a:lnRef idx="1">
+            <a:schemeClr val="accent1"/>
+          </a:lnRef>
+          <a:fillRef idx="3">
+            <a:schemeClr val="accent1"/>
+          </a:fillRef>
+          <a:effectRef idx="2">
+            <a:schemeClr val="accent1"/>
+          </a:effectRef>
+          <a:fontRef idx="minor">
+            <a:schemeClr val="lt1"/>
+          </a:fontRef>
+        </p:style>
+      </p:sp>
+      <p:sp>
+        <p:nvSpPr>
+          <p:cNvPr id="2" name="Vertical Title 1"/>
+          <p:cNvSpPr>
+            <a:spLocks noGrp="1"/>
+          </p:cNvSpPr>
+          <p:nvPr>
+            <p:ph type="title" orient="vert"/>
+          </p:nvPr>
+        </p:nvSpPr>
+        <p:spPr>
+          <a:xfrm>
+            <a:off x="8839201" y="675726"/>
+            <a:ext cx="2004164" cy="5183073"/>
           </a:xfrm>
         </p:spPr>
         <p:txBody>
@@ -584,18 +774,13 @@
               <a:rPr lang="pl-PL"/>
               <a:t>Kliknij, aby edytować styl</a:t>
             </a:r>
-          </a:p>
-        </p:txBody>
-      </p:sp>
-      <p:sp>
-        <p:nvSpPr>
-          <p:cNvPr id="3" name="Symbol zastępczy tytułu pionowego 2">
-            <a:extLst>
-              <a:ext uri="{FF2B5EF4-FFF2-40B4-BE49-F238E27FC236}">
-                <a16:creationId xmlns:a16="http://schemas.microsoft.com/office/drawing/2014/main" id="{163A7EF0-EA4F-409B-8FD6-C10EA96827C2}"/>
-              </a:ext>
-            </a:extLst>
-          </p:cNvPr>
+            <a:endParaRPr lang="en-US" dirty="0"/>
+          </a:p>
+        </p:txBody>
+      </p:sp>
+      <p:sp>
+        <p:nvSpPr>
+          <p:cNvPr id="3" name="Vertical Text Placeholder 2"/>
           <p:cNvSpPr>
             <a:spLocks noGrp="1"/>
           </p:cNvSpPr>
@@ -605,12 +790,12 @@
         </p:nvSpPr>
         <p:spPr>
           <a:xfrm>
-            <a:off x="838200" y="365125"/>
-            <a:ext cx="7734300" cy="5811838"/>
+            <a:off x="774923" y="675726"/>
+            <a:ext cx="7896279" cy="5183073"/>
           </a:xfrm>
         </p:spPr>
         <p:txBody>
-          <a:bodyPr vert="eaVert"/>
+          <a:bodyPr vert="eaVert" anchor="t"/>
           <a:lstStyle/>
           <a:p>
             <a:pPr lvl="0"/>
@@ -646,18 +831,13 @@
               <a:rPr lang="pl-PL"/>
               <a:t>Piąty poziom</a:t>
             </a:r>
-          </a:p>
-        </p:txBody>
-      </p:sp>
-      <p:sp>
-        <p:nvSpPr>
-          <p:cNvPr id="4" name="Symbol zastępczy daty 3">
-            <a:extLst>
-              <a:ext uri="{FF2B5EF4-FFF2-40B4-BE49-F238E27FC236}">
-                <a16:creationId xmlns:a16="http://schemas.microsoft.com/office/drawing/2014/main" id="{2B7A1C30-2968-4B88-B7EC-C9E95DE8A416}"/>
-              </a:ext>
-            </a:extLst>
-          </p:cNvPr>
+            <a:endParaRPr lang="en-US" dirty="0"/>
+          </a:p>
+        </p:txBody>
+      </p:sp>
+      <p:sp>
+        <p:nvSpPr>
+          <p:cNvPr id="4" name="Date Placeholder 3"/>
           <p:cNvSpPr>
             <a:spLocks noGrp="1"/>
           </p:cNvSpPr>
@@ -665,64 +845,89 @@
             <p:ph type="dt" sz="half" idx="10"/>
           </p:nvPr>
         </p:nvSpPr>
-        <p:spPr/>
+        <p:spPr>
+          <a:xfrm>
+            <a:off x="8993673" y="5956137"/>
+            <a:ext cx="1328141" cy="365125"/>
+          </a:xfrm>
+        </p:spPr>
+        <p:txBody>
+          <a:bodyPr/>
+          <a:lstStyle>
+            <a:lvl1pPr>
+              <a:defRPr>
+                <a:solidFill>
+                  <a:schemeClr val="accent1">
+                    <a:lumMod val="75000"/>
+                    <a:lumOff val="25000"/>
+                  </a:schemeClr>
+                </a:solidFill>
+              </a:defRPr>
+            </a:lvl1pPr>
+          </a:lstStyle>
+          <a:p>
+            <a:fld id="{54187E25-B117-416D-8A32-FE022F1E280E}" type="datetimeFigureOut">
+              <a:rPr lang="pl-PL" smtClean="0"/>
+              <a:t>25.06.2017</a:t>
+            </a:fld>
+            <a:endParaRPr lang="pl-PL"/>
+          </a:p>
+        </p:txBody>
+      </p:sp>
+      <p:sp>
+        <p:nvSpPr>
+          <p:cNvPr id="5" name="Footer Placeholder 4"/>
+          <p:cNvSpPr>
+            <a:spLocks noGrp="1"/>
+          </p:cNvSpPr>
+          <p:nvPr>
+            <p:ph type="ftr" sz="quarter" idx="11"/>
+          </p:nvPr>
+        </p:nvSpPr>
+        <p:spPr>
+          <a:xfrm>
+            <a:off x="774923" y="5951811"/>
+            <a:ext cx="7896279" cy="365125"/>
+          </a:xfrm>
+        </p:spPr>
         <p:txBody>
           <a:bodyPr/>
           <a:lstStyle/>
           <a:p>
-            <a:fld id="{54187E25-B117-416D-8A32-FE022F1E280E}" type="datetimeFigureOut">
-              <a:rPr lang="pl-PL" smtClean="0"/>
-              <a:t>19.06.2017</a:t>
-            </a:fld>
             <a:endParaRPr lang="pl-PL"/>
           </a:p>
         </p:txBody>
       </p:sp>
       <p:sp>
         <p:nvSpPr>
-          <p:cNvPr id="5" name="Symbol zastępczy stopki 4">
-            <a:extLst>
-              <a:ext uri="{FF2B5EF4-FFF2-40B4-BE49-F238E27FC236}">
-                <a16:creationId xmlns:a16="http://schemas.microsoft.com/office/drawing/2014/main" id="{67FA6A3C-C071-4871-ACAB-D4971CAAE23C}"/>
-              </a:ext>
-            </a:extLst>
-          </p:cNvPr>
-          <p:cNvSpPr>
-            <a:spLocks noGrp="1"/>
-          </p:cNvSpPr>
-          <p:nvPr>
-            <p:ph type="ftr" sz="quarter" idx="11"/>
-          </p:nvPr>
-        </p:nvSpPr>
-        <p:spPr/>
+          <p:cNvPr id="6" name="Slide Number Placeholder 5"/>
+          <p:cNvSpPr>
+            <a:spLocks noGrp="1"/>
+          </p:cNvSpPr>
+          <p:nvPr>
+            <p:ph type="sldNum" sz="quarter" idx="12"/>
+          </p:nvPr>
+        </p:nvSpPr>
+        <p:spPr>
+          <a:xfrm>
+            <a:off x="10446615" y="5956137"/>
+            <a:ext cx="1164195" cy="365125"/>
+          </a:xfrm>
+        </p:spPr>
         <p:txBody>
           <a:bodyPr/>
-          <a:lstStyle/>
-          <a:p>
-            <a:endParaRPr lang="pl-PL"/>
-          </a:p>
-        </p:txBody>
-      </p:sp>
-      <p:sp>
-        <p:nvSpPr>
-          <p:cNvPr id="6" name="Symbol zastępczy numeru slajdu 5">
-            <a:extLst>
-              <a:ext uri="{FF2B5EF4-FFF2-40B4-BE49-F238E27FC236}">
-                <a16:creationId xmlns:a16="http://schemas.microsoft.com/office/drawing/2014/main" id="{FCC04A79-BFB2-4932-8244-36543B9ADCEE}"/>
-              </a:ext>
-            </a:extLst>
-          </p:cNvPr>
-          <p:cNvSpPr>
-            <a:spLocks noGrp="1"/>
-          </p:cNvSpPr>
-          <p:nvPr>
-            <p:ph type="sldNum" sz="quarter" idx="12"/>
-          </p:nvPr>
-        </p:nvSpPr>
-        <p:spPr/>
-        <p:txBody>
-          <a:bodyPr/>
-          <a:lstStyle/>
+          <a:lstStyle>
+            <a:lvl1pPr>
+              <a:defRPr>
+                <a:solidFill>
+                  <a:schemeClr val="accent1">
+                    <a:lumMod val="75000"/>
+                    <a:lumOff val="25000"/>
+                  </a:schemeClr>
+                </a:solidFill>
+              </a:defRPr>
+            </a:lvl1pPr>
+          </a:lstStyle>
           <a:p>
             <a:fld id="{8FA36833-993B-41A7-80BD-08FAB36F43B0}" type="slidenum">
               <a:rPr lang="pl-PL" smtClean="0"/>
@@ -735,7 +940,7 @@
     </p:spTree>
     <p:extLst>
       <p:ext uri="{BB962C8B-B14F-4D97-AF65-F5344CB8AC3E}">
-        <p14:creationId xmlns:p14="http://schemas.microsoft.com/office/powerpoint/2010/main" val="1197416752"/>
+        <p14:creationId xmlns:p14="http://schemas.microsoft.com/office/powerpoint/2010/main" val="1542277432"/>
       </p:ext>
     </p:extLst>
   </p:cSld>
@@ -764,13 +969,46 @@
       </p:grpSpPr>
       <p:sp>
         <p:nvSpPr>
-          <p:cNvPr id="2" name="Tytuł 1">
-            <a:extLst>
-              <a:ext uri="{FF2B5EF4-FFF2-40B4-BE49-F238E27FC236}">
-                <a16:creationId xmlns:a16="http://schemas.microsoft.com/office/drawing/2014/main" id="{E4E7DA38-75CD-49D8-B6C3-F0F4FA0E0E4E}"/>
-              </a:ext>
-            </a:extLst>
-          </p:cNvPr>
+          <p:cNvPr id="7" name="Rectangle 6"/>
+          <p:cNvSpPr>
+            <a:spLocks noChangeAspect="1"/>
+          </p:cNvSpPr>
+          <p:nvPr/>
+        </p:nvSpPr>
+        <p:spPr>
+          <a:xfrm>
+            <a:off x="440286" y="614407"/>
+            <a:ext cx="11309338" cy="1189298"/>
+          </a:xfrm>
+          <a:prstGeom prst="rect">
+            <a:avLst/>
+          </a:prstGeom>
+          <a:solidFill>
+            <a:schemeClr val="accent1"/>
+          </a:solidFill>
+          <a:ln>
+            <a:noFill/>
+          </a:ln>
+          <a:effectLst/>
+        </p:spPr>
+        <p:style>
+          <a:lnRef idx="1">
+            <a:schemeClr val="accent1"/>
+          </a:lnRef>
+          <a:fillRef idx="3">
+            <a:schemeClr val="accent1"/>
+          </a:fillRef>
+          <a:effectRef idx="2">
+            <a:schemeClr val="accent1"/>
+          </a:effectRef>
+          <a:fontRef idx="minor">
+            <a:schemeClr val="lt1"/>
+          </a:fontRef>
+        </p:style>
+      </p:sp>
+      <p:sp>
+        <p:nvSpPr>
+          <p:cNvPr id="2" name="Title 1"/>
           <p:cNvSpPr>
             <a:spLocks noGrp="1"/>
           </p:cNvSpPr>
@@ -778,7 +1016,12 @@
             <p:ph type="title"/>
           </p:nvPr>
         </p:nvSpPr>
-        <p:spPr/>
+        <p:spPr>
+          <a:xfrm>
+            <a:off x="581192" y="702156"/>
+            <a:ext cx="11029616" cy="1013800"/>
+          </a:xfrm>
+        </p:spPr>
         <p:txBody>
           <a:bodyPr/>
           <a:lstStyle/>
@@ -787,18 +1030,13 @@
               <a:rPr lang="pl-PL"/>
               <a:t>Kliknij, aby edytować styl</a:t>
             </a:r>
-          </a:p>
-        </p:txBody>
-      </p:sp>
-      <p:sp>
-        <p:nvSpPr>
-          <p:cNvPr id="3" name="Symbol zastępczy zawartości 2">
-            <a:extLst>
-              <a:ext uri="{FF2B5EF4-FFF2-40B4-BE49-F238E27FC236}">
-                <a16:creationId xmlns:a16="http://schemas.microsoft.com/office/drawing/2014/main" id="{254FEE75-6CD3-4637-A046-C055C41103E9}"/>
-              </a:ext>
-            </a:extLst>
-          </p:cNvPr>
+            <a:endParaRPr lang="en-US" dirty="0"/>
+          </a:p>
+        </p:txBody>
+      </p:sp>
+      <p:sp>
+        <p:nvSpPr>
+          <p:cNvPr id="3" name="Content Placeholder 2"/>
           <p:cNvSpPr>
             <a:spLocks noGrp="1"/>
           </p:cNvSpPr>
@@ -806,7 +1044,12 @@
             <p:ph idx="1"/>
           </p:nvPr>
         </p:nvSpPr>
-        <p:spPr/>
+        <p:spPr>
+          <a:xfrm>
+            <a:off x="581192" y="2180496"/>
+            <a:ext cx="11029615" cy="3678303"/>
+          </a:xfrm>
+        </p:spPr>
         <p:txBody>
           <a:bodyPr/>
           <a:lstStyle/>
@@ -844,18 +1087,13 @@
               <a:rPr lang="pl-PL"/>
               <a:t>Piąty poziom</a:t>
             </a:r>
-          </a:p>
-        </p:txBody>
-      </p:sp>
-      <p:sp>
-        <p:nvSpPr>
-          <p:cNvPr id="4" name="Symbol zastępczy daty 3">
-            <a:extLst>
-              <a:ext uri="{FF2B5EF4-FFF2-40B4-BE49-F238E27FC236}">
-                <a16:creationId xmlns:a16="http://schemas.microsoft.com/office/drawing/2014/main" id="{759FA565-13CB-4D61-B09E-A1F5B932E617}"/>
-              </a:ext>
-            </a:extLst>
-          </p:cNvPr>
+            <a:endParaRPr lang="en-US" dirty="0"/>
+          </a:p>
+        </p:txBody>
+      </p:sp>
+      <p:sp>
+        <p:nvSpPr>
+          <p:cNvPr id="4" name="Date Placeholder 3"/>
           <p:cNvSpPr>
             <a:spLocks noGrp="1"/>
           </p:cNvSpPr>
@@ -870,7 +1108,7 @@
           <a:p>
             <a:fld id="{54187E25-B117-416D-8A32-FE022F1E280E}" type="datetimeFigureOut">
               <a:rPr lang="pl-PL" smtClean="0"/>
-              <a:t>19.06.2017</a:t>
+              <a:t>25.06.2017</a:t>
             </a:fld>
             <a:endParaRPr lang="pl-PL"/>
           </a:p>
@@ -878,13 +1116,7 @@
       </p:sp>
       <p:sp>
         <p:nvSpPr>
-          <p:cNvPr id="5" name="Symbol zastępczy stopki 4">
-            <a:extLst>
-              <a:ext uri="{FF2B5EF4-FFF2-40B4-BE49-F238E27FC236}">
-                <a16:creationId xmlns:a16="http://schemas.microsoft.com/office/drawing/2014/main" id="{4B0E5833-5140-4150-AF9B-CED220609480}"/>
-              </a:ext>
-            </a:extLst>
-          </p:cNvPr>
+          <p:cNvPr id="5" name="Footer Placeholder 4"/>
           <p:cNvSpPr>
             <a:spLocks noGrp="1"/>
           </p:cNvSpPr>
@@ -903,13 +1135,7 @@
       </p:sp>
       <p:sp>
         <p:nvSpPr>
-          <p:cNvPr id="6" name="Symbol zastępczy numeru slajdu 5">
-            <a:extLst>
-              <a:ext uri="{FF2B5EF4-FFF2-40B4-BE49-F238E27FC236}">
-                <a16:creationId xmlns:a16="http://schemas.microsoft.com/office/drawing/2014/main" id="{35B4A9E8-D1E2-43FA-8C55-3767B69EF407}"/>
-              </a:ext>
-            </a:extLst>
-          </p:cNvPr>
+          <p:cNvPr id="6" name="Slide Number Placeholder 5"/>
           <p:cNvSpPr>
             <a:spLocks noGrp="1"/>
           </p:cNvSpPr>
@@ -917,7 +1143,12 @@
             <p:ph type="sldNum" sz="quarter" idx="12"/>
           </p:nvPr>
         </p:nvSpPr>
-        <p:spPr/>
+        <p:spPr>
+          <a:xfrm>
+            <a:off x="10558300" y="5956137"/>
+            <a:ext cx="1052508" cy="365125"/>
+          </a:xfrm>
+        </p:spPr>
         <p:txBody>
           <a:bodyPr/>
           <a:lstStyle/>
@@ -933,7 +1164,7 @@
     </p:spTree>
     <p:extLst>
       <p:ext uri="{BB962C8B-B14F-4D97-AF65-F5344CB8AC3E}">
-        <p14:creationId xmlns:p14="http://schemas.microsoft.com/office/powerpoint/2010/main" val="3931520624"/>
+        <p14:creationId xmlns:p14="http://schemas.microsoft.com/office/powerpoint/2010/main" val="4288254862"/>
       </p:ext>
     </p:extLst>
   </p:cSld>
@@ -962,31 +1193,70 @@
       </p:grpSpPr>
       <p:sp>
         <p:nvSpPr>
-          <p:cNvPr id="2" name="Tytuł 1">
-            <a:extLst>
-              <a:ext uri="{FF2B5EF4-FFF2-40B4-BE49-F238E27FC236}">
-                <a16:creationId xmlns:a16="http://schemas.microsoft.com/office/drawing/2014/main" id="{55A5F802-5A33-4AFF-99F5-5BA14B9B0D1C}"/>
-              </a:ext>
-            </a:extLst>
-          </p:cNvPr>
-          <p:cNvSpPr>
-            <a:spLocks noGrp="1"/>
-          </p:cNvSpPr>
-          <p:nvPr>
-            <p:ph type="title"/>
-          </p:nvPr>
+          <p:cNvPr id="8" name="Rectangle 7"/>
+          <p:cNvSpPr>
+            <a:spLocks noChangeAspect="1"/>
+          </p:cNvSpPr>
+          <p:nvPr/>
         </p:nvSpPr>
         <p:spPr>
           <a:xfrm>
-            <a:off x="831850" y="1709738"/>
-            <a:ext cx="10515600" cy="2852737"/>
+            <a:off x="447817" y="5141974"/>
+            <a:ext cx="11290860" cy="1258827"/>
+          </a:xfrm>
+          <a:prstGeom prst="rect">
+            <a:avLst/>
+          </a:prstGeom>
+          <a:solidFill>
+            <a:schemeClr val="accent1"/>
+          </a:solidFill>
+          <a:ln>
+            <a:noFill/>
+          </a:ln>
+          <a:effectLst/>
+        </p:spPr>
+        <p:style>
+          <a:lnRef idx="1">
+            <a:schemeClr val="accent1"/>
+          </a:lnRef>
+          <a:fillRef idx="3">
+            <a:schemeClr val="accent1"/>
+          </a:fillRef>
+          <a:effectRef idx="2">
+            <a:schemeClr val="accent1"/>
+          </a:effectRef>
+          <a:fontRef idx="minor">
+            <a:schemeClr val="lt1"/>
+          </a:fontRef>
+        </p:style>
+      </p:sp>
+      <p:sp>
+        <p:nvSpPr>
+          <p:cNvPr id="2" name="Title 1"/>
+          <p:cNvSpPr>
+            <a:spLocks noGrp="1"/>
+          </p:cNvSpPr>
+          <p:nvPr>
+            <p:ph type="title"/>
+          </p:nvPr>
+        </p:nvSpPr>
+        <p:spPr>
+          <a:xfrm>
+            <a:off x="581193" y="3043910"/>
+            <a:ext cx="11029615" cy="1497507"/>
           </a:xfrm>
         </p:spPr>
         <p:txBody>
-          <a:bodyPr anchor="b"/>
+          <a:bodyPr anchor="b">
+            <a:normAutofit/>
+          </a:bodyPr>
           <a:lstStyle>
-            <a:lvl1pPr>
-              <a:defRPr sz="6000"/>
+            <a:lvl1pPr algn="l">
+              <a:defRPr sz="3600" b="0" cap="all">
+                <a:solidFill>
+                  <a:schemeClr val="accent1"/>
+                </a:solidFill>
+              </a:defRPr>
             </a:lvl1pPr>
           </a:lstStyle>
           <a:p>
@@ -994,18 +1264,13 @@
               <a:rPr lang="pl-PL"/>
               <a:t>Kliknij, aby edytować styl</a:t>
             </a:r>
-          </a:p>
-        </p:txBody>
-      </p:sp>
-      <p:sp>
-        <p:nvSpPr>
-          <p:cNvPr id="3" name="Symbol zastępczy tekstu 2">
-            <a:extLst>
-              <a:ext uri="{FF2B5EF4-FFF2-40B4-BE49-F238E27FC236}">
-                <a16:creationId xmlns:a16="http://schemas.microsoft.com/office/drawing/2014/main" id="{0C77BBD7-4E1C-46F0-ABF7-2A6B114F9ED0}"/>
-              </a:ext>
-            </a:extLst>
-          </p:cNvPr>
+            <a:endParaRPr lang="en-US" dirty="0"/>
+          </a:p>
+        </p:txBody>
+      </p:sp>
+      <p:sp>
+        <p:nvSpPr>
+          <p:cNvPr id="3" name="Text Placeholder 2"/>
           <p:cNvSpPr>
             <a:spLocks noGrp="1"/>
           </p:cNvSpPr>
@@ -1015,102 +1280,102 @@
         </p:nvSpPr>
         <p:spPr>
           <a:xfrm>
-            <a:off x="831850" y="4589463"/>
-            <a:ext cx="10515600" cy="1500187"/>
+            <a:off x="581192" y="4541417"/>
+            <a:ext cx="11029615" cy="600556"/>
           </a:xfrm>
         </p:spPr>
         <p:txBody>
-          <a:bodyPr/>
+          <a:bodyPr anchor="t">
+            <a:normAutofit/>
+          </a:bodyPr>
           <a:lstStyle>
-            <a:lvl1pPr marL="0" indent="0">
-              <a:buNone/>
-              <a:defRPr sz="2400">
+            <a:lvl1pPr marL="0" indent="0" algn="l">
+              <a:buNone/>
+              <a:defRPr sz="1800" cap="all">
+                <a:solidFill>
+                  <a:schemeClr val="accent2"/>
+                </a:solidFill>
+              </a:defRPr>
+            </a:lvl1pPr>
+            <a:lvl2pPr marL="457200" indent="0">
+              <a:buNone/>
+              <a:defRPr sz="1800">
                 <a:solidFill>
                   <a:schemeClr val="tx1">
                     <a:tint val="75000"/>
                   </a:schemeClr>
                 </a:solidFill>
               </a:defRPr>
-            </a:lvl1pPr>
-            <a:lvl2pPr marL="457200" indent="0">
-              <a:buNone/>
-              <a:defRPr sz="2000">
+            </a:lvl2pPr>
+            <a:lvl3pPr marL="914400" indent="0">
+              <a:buNone/>
+              <a:defRPr sz="1600">
                 <a:solidFill>
                   <a:schemeClr val="tx1">
                     <a:tint val="75000"/>
                   </a:schemeClr>
                 </a:solidFill>
               </a:defRPr>
-            </a:lvl2pPr>
-            <a:lvl3pPr marL="914400" indent="0">
-              <a:buNone/>
-              <a:defRPr sz="1800">
+            </a:lvl3pPr>
+            <a:lvl4pPr marL="1371600" indent="0">
+              <a:buNone/>
+              <a:defRPr sz="1400">
                 <a:solidFill>
                   <a:schemeClr val="tx1">
                     <a:tint val="75000"/>
                   </a:schemeClr>
                 </a:solidFill>
               </a:defRPr>
-            </a:lvl3pPr>
-            <a:lvl4pPr marL="1371600" indent="0">
-              <a:buNone/>
-              <a:defRPr sz="1600">
+            </a:lvl4pPr>
+            <a:lvl5pPr marL="1828800" indent="0">
+              <a:buNone/>
+              <a:defRPr sz="1400">
                 <a:solidFill>
                   <a:schemeClr val="tx1">
                     <a:tint val="75000"/>
                   </a:schemeClr>
                 </a:solidFill>
               </a:defRPr>
-            </a:lvl4pPr>
-            <a:lvl5pPr marL="1828800" indent="0">
-              <a:buNone/>
-              <a:defRPr sz="1600">
+            </a:lvl5pPr>
+            <a:lvl6pPr marL="2286000" indent="0">
+              <a:buNone/>
+              <a:defRPr sz="1400">
                 <a:solidFill>
                   <a:schemeClr val="tx1">
                     <a:tint val="75000"/>
                   </a:schemeClr>
                 </a:solidFill>
               </a:defRPr>
-            </a:lvl5pPr>
-            <a:lvl6pPr marL="2286000" indent="0">
-              <a:buNone/>
-              <a:defRPr sz="1600">
+            </a:lvl6pPr>
+            <a:lvl7pPr marL="2743200" indent="0">
+              <a:buNone/>
+              <a:defRPr sz="1400">
                 <a:solidFill>
                   <a:schemeClr val="tx1">
                     <a:tint val="75000"/>
                   </a:schemeClr>
                 </a:solidFill>
               </a:defRPr>
-            </a:lvl6pPr>
-            <a:lvl7pPr marL="2743200" indent="0">
-              <a:buNone/>
-              <a:defRPr sz="1600">
+            </a:lvl7pPr>
+            <a:lvl8pPr marL="3200400" indent="0">
+              <a:buNone/>
+              <a:defRPr sz="1400">
                 <a:solidFill>
                   <a:schemeClr val="tx1">
                     <a:tint val="75000"/>
                   </a:schemeClr>
                 </a:solidFill>
               </a:defRPr>
-            </a:lvl7pPr>
-            <a:lvl8pPr marL="3200400" indent="0">
-              <a:buNone/>
-              <a:defRPr sz="1600">
+            </a:lvl8pPr>
+            <a:lvl9pPr marL="3657600" indent="0">
+              <a:buNone/>
+              <a:defRPr sz="1400">
                 <a:solidFill>
                   <a:schemeClr val="tx1">
                     <a:tint val="75000"/>
                   </a:schemeClr>
                 </a:solidFill>
               </a:defRPr>
-            </a:lvl8pPr>
-            <a:lvl9pPr marL="3657600" indent="0">
-              <a:buNone/>
-              <a:defRPr sz="1600">
-                <a:solidFill>
-                  <a:schemeClr val="tx1">
-                    <a:tint val="75000"/>
-                  </a:schemeClr>
-                </a:solidFill>
-              </a:defRPr>
             </a:lvl9pPr>
           </a:lstStyle>
           <a:p>
@@ -1124,13 +1389,7 @@
       </p:sp>
       <p:sp>
         <p:nvSpPr>
-          <p:cNvPr id="4" name="Symbol zastępczy daty 3">
-            <a:extLst>
-              <a:ext uri="{FF2B5EF4-FFF2-40B4-BE49-F238E27FC236}">
-                <a16:creationId xmlns:a16="http://schemas.microsoft.com/office/drawing/2014/main" id="{1DA9A30A-9E96-468C-BF77-AA725FCECC61}"/>
-              </a:ext>
-            </a:extLst>
-          </p:cNvPr>
+          <p:cNvPr id="4" name="Date Placeholder 3"/>
           <p:cNvSpPr>
             <a:spLocks noGrp="1"/>
           </p:cNvSpPr>
@@ -1141,11 +1400,22 @@
         <p:spPr/>
         <p:txBody>
           <a:bodyPr/>
-          <a:lstStyle/>
+          <a:lstStyle>
+            <a:lvl1pPr>
+              <a:defRPr>
+                <a:solidFill>
+                  <a:schemeClr val="accent1">
+                    <a:lumMod val="75000"/>
+                    <a:lumOff val="25000"/>
+                  </a:schemeClr>
+                </a:solidFill>
+              </a:defRPr>
+            </a:lvl1pPr>
+          </a:lstStyle>
           <a:p>
             <a:fld id="{54187E25-B117-416D-8A32-FE022F1E280E}" type="datetimeFigureOut">
               <a:rPr lang="pl-PL" smtClean="0"/>
-              <a:t>19.06.2017</a:t>
+              <a:t>25.06.2017</a:t>
             </a:fld>
             <a:endParaRPr lang="pl-PL"/>
           </a:p>
@@ -1153,13 +1423,7 @@
       </p:sp>
       <p:sp>
         <p:nvSpPr>
-          <p:cNvPr id="5" name="Symbol zastępczy stopki 4">
-            <a:extLst>
-              <a:ext uri="{FF2B5EF4-FFF2-40B4-BE49-F238E27FC236}">
-                <a16:creationId xmlns:a16="http://schemas.microsoft.com/office/drawing/2014/main" id="{E173A7FF-75B1-4BAE-B0B2-72914E7D22C9}"/>
-              </a:ext>
-            </a:extLst>
-          </p:cNvPr>
+          <p:cNvPr id="5" name="Footer Placeholder 4"/>
           <p:cNvSpPr>
             <a:spLocks noGrp="1"/>
           </p:cNvSpPr>
@@ -1170,7 +1434,18 @@
         <p:spPr/>
         <p:txBody>
           <a:bodyPr/>
-          <a:lstStyle/>
+          <a:lstStyle>
+            <a:lvl1pPr>
+              <a:defRPr>
+                <a:solidFill>
+                  <a:schemeClr val="accent1">
+                    <a:lumMod val="75000"/>
+                    <a:lumOff val="25000"/>
+                  </a:schemeClr>
+                </a:solidFill>
+              </a:defRPr>
+            </a:lvl1pPr>
+          </a:lstStyle>
           <a:p>
             <a:endParaRPr lang="pl-PL"/>
           </a:p>
@@ -1178,13 +1453,7 @@
       </p:sp>
       <p:sp>
         <p:nvSpPr>
-          <p:cNvPr id="6" name="Symbol zastępczy numeru slajdu 5">
-            <a:extLst>
-              <a:ext uri="{FF2B5EF4-FFF2-40B4-BE49-F238E27FC236}">
-                <a16:creationId xmlns:a16="http://schemas.microsoft.com/office/drawing/2014/main" id="{2C5879F3-3A2C-403C-8223-8170950352AC}"/>
-              </a:ext>
-            </a:extLst>
-          </p:cNvPr>
+          <p:cNvPr id="6" name="Slide Number Placeholder 5"/>
           <p:cNvSpPr>
             <a:spLocks noGrp="1"/>
           </p:cNvSpPr>
@@ -1195,7 +1464,18 @@
         <p:spPr/>
         <p:txBody>
           <a:bodyPr/>
-          <a:lstStyle/>
+          <a:lstStyle>
+            <a:lvl1pPr>
+              <a:defRPr>
+                <a:solidFill>
+                  <a:schemeClr val="accent1">
+                    <a:lumMod val="75000"/>
+                    <a:lumOff val="25000"/>
+                  </a:schemeClr>
+                </a:solidFill>
+              </a:defRPr>
+            </a:lvl1pPr>
+          </a:lstStyle>
           <a:p>
             <a:fld id="{8FA36833-993B-41A7-80BD-08FAB36F43B0}" type="slidenum">
               <a:rPr lang="pl-PL" smtClean="0"/>
@@ -1208,7 +1488,7 @@
     </p:spTree>
     <p:extLst>
       <p:ext uri="{BB962C8B-B14F-4D97-AF65-F5344CB8AC3E}">
-        <p14:creationId xmlns:p14="http://schemas.microsoft.com/office/powerpoint/2010/main" val="1000767823"/>
+        <p14:creationId xmlns:p14="http://schemas.microsoft.com/office/powerpoint/2010/main" val="2868844209"/>
       </p:ext>
     </p:extLst>
   </p:cSld>
@@ -1237,13 +1517,46 @@
       </p:grpSpPr>
       <p:sp>
         <p:nvSpPr>
-          <p:cNvPr id="2" name="Tytuł 1">
-            <a:extLst>
-              <a:ext uri="{FF2B5EF4-FFF2-40B4-BE49-F238E27FC236}">
-                <a16:creationId xmlns:a16="http://schemas.microsoft.com/office/drawing/2014/main" id="{58869EC7-A8AF-4ECB-A5C1-7B632ADA56F7}"/>
-              </a:ext>
-            </a:extLst>
-          </p:cNvPr>
+          <p:cNvPr id="8" name="Rectangle 7"/>
+          <p:cNvSpPr>
+            <a:spLocks noChangeAspect="1"/>
+          </p:cNvSpPr>
+          <p:nvPr/>
+        </p:nvSpPr>
+        <p:spPr>
+          <a:xfrm>
+            <a:off x="445982" y="606554"/>
+            <a:ext cx="11300036" cy="1258827"/>
+          </a:xfrm>
+          <a:prstGeom prst="rect">
+            <a:avLst/>
+          </a:prstGeom>
+          <a:solidFill>
+            <a:schemeClr val="accent1"/>
+          </a:solidFill>
+          <a:ln>
+            <a:noFill/>
+          </a:ln>
+          <a:effectLst/>
+        </p:spPr>
+        <p:style>
+          <a:lnRef idx="1">
+            <a:schemeClr val="accent1"/>
+          </a:lnRef>
+          <a:fillRef idx="3">
+            <a:schemeClr val="accent1"/>
+          </a:fillRef>
+          <a:effectRef idx="2">
+            <a:schemeClr val="accent1"/>
+          </a:effectRef>
+          <a:fontRef idx="minor">
+            <a:schemeClr val="lt1"/>
+          </a:fontRef>
+        </p:style>
+      </p:sp>
+      <p:sp>
+        <p:nvSpPr>
+          <p:cNvPr id="2" name="Title 1"/>
           <p:cNvSpPr>
             <a:spLocks noGrp="1"/>
           </p:cNvSpPr>
@@ -1251,7 +1564,12 @@
             <p:ph type="title"/>
           </p:nvPr>
         </p:nvSpPr>
-        <p:spPr/>
+        <p:spPr>
+          <a:xfrm>
+            <a:off x="581193" y="729658"/>
+            <a:ext cx="11029616" cy="988332"/>
+          </a:xfrm>
+        </p:spPr>
         <p:txBody>
           <a:bodyPr/>
           <a:lstStyle/>
@@ -1260,18 +1578,13 @@
               <a:rPr lang="pl-PL"/>
               <a:t>Kliknij, aby edytować styl</a:t>
             </a:r>
-          </a:p>
-        </p:txBody>
-      </p:sp>
-      <p:sp>
-        <p:nvSpPr>
-          <p:cNvPr id="3" name="Symbol zastępczy zawartości 2">
-            <a:extLst>
-              <a:ext uri="{FF2B5EF4-FFF2-40B4-BE49-F238E27FC236}">
-                <a16:creationId xmlns:a16="http://schemas.microsoft.com/office/drawing/2014/main" id="{C77AD6DF-38CA-4AFF-A067-084A06CA0881}"/>
-              </a:ext>
-            </a:extLst>
-          </p:cNvPr>
+            <a:endParaRPr lang="en-US" dirty="0"/>
+          </a:p>
+        </p:txBody>
+      </p:sp>
+      <p:sp>
+        <p:nvSpPr>
+          <p:cNvPr id="3" name="Content Placeholder 2"/>
           <p:cNvSpPr>
             <a:spLocks noGrp="1"/>
           </p:cNvSpPr>
@@ -1281,175 +1594,157 @@
         </p:nvSpPr>
         <p:spPr>
           <a:xfrm>
-            <a:off x="838200" y="1825625"/>
-            <a:ext cx="5181600" cy="4351338"/>
+            <a:off x="581193" y="2228003"/>
+            <a:ext cx="5422390" cy="3633047"/>
           </a:xfrm>
         </p:spPr>
         <p:txBody>
+          <a:bodyPr>
+            <a:normAutofit/>
+          </a:bodyPr>
+          <a:lstStyle/>
+          <a:p>
+            <a:pPr lvl="0"/>
+            <a:r>
+              <a:rPr lang="pl-PL"/>
+              <a:t>Edytuj style wzorca tekstu</a:t>
+            </a:r>
+          </a:p>
+          <a:p>
+            <a:pPr lvl="1"/>
+            <a:r>
+              <a:rPr lang="pl-PL"/>
+              <a:t>Drugi poziom</a:t>
+            </a:r>
+          </a:p>
+          <a:p>
+            <a:pPr lvl="2"/>
+            <a:r>
+              <a:rPr lang="pl-PL"/>
+              <a:t>Trzeci poziom</a:t>
+            </a:r>
+          </a:p>
+          <a:p>
+            <a:pPr lvl="3"/>
+            <a:r>
+              <a:rPr lang="pl-PL"/>
+              <a:t>Czwarty poziom</a:t>
+            </a:r>
+          </a:p>
+          <a:p>
+            <a:pPr lvl="4"/>
+            <a:r>
+              <a:rPr lang="pl-PL"/>
+              <a:t>Piąty poziom</a:t>
+            </a:r>
+            <a:endParaRPr lang="en-US" dirty="0"/>
+          </a:p>
+        </p:txBody>
+      </p:sp>
+      <p:sp>
+        <p:nvSpPr>
+          <p:cNvPr id="4" name="Content Placeholder 3"/>
+          <p:cNvSpPr>
+            <a:spLocks noGrp="1"/>
+          </p:cNvSpPr>
+          <p:nvPr>
+            <p:ph sz="half" idx="2"/>
+          </p:nvPr>
+        </p:nvSpPr>
+        <p:spPr>
+          <a:xfrm>
+            <a:off x="6188417" y="2228003"/>
+            <a:ext cx="5422392" cy="3633047"/>
+          </a:xfrm>
+        </p:spPr>
+        <p:txBody>
+          <a:bodyPr>
+            <a:normAutofit/>
+          </a:bodyPr>
+          <a:lstStyle/>
+          <a:p>
+            <a:pPr lvl="0"/>
+            <a:r>
+              <a:rPr lang="pl-PL"/>
+              <a:t>Edytuj style wzorca tekstu</a:t>
+            </a:r>
+          </a:p>
+          <a:p>
+            <a:pPr lvl="1"/>
+            <a:r>
+              <a:rPr lang="pl-PL"/>
+              <a:t>Drugi poziom</a:t>
+            </a:r>
+          </a:p>
+          <a:p>
+            <a:pPr lvl="2"/>
+            <a:r>
+              <a:rPr lang="pl-PL"/>
+              <a:t>Trzeci poziom</a:t>
+            </a:r>
+          </a:p>
+          <a:p>
+            <a:pPr lvl="3"/>
+            <a:r>
+              <a:rPr lang="pl-PL"/>
+              <a:t>Czwarty poziom</a:t>
+            </a:r>
+          </a:p>
+          <a:p>
+            <a:pPr lvl="4"/>
+            <a:r>
+              <a:rPr lang="pl-PL"/>
+              <a:t>Piąty poziom</a:t>
+            </a:r>
+            <a:endParaRPr lang="en-US" dirty="0"/>
+          </a:p>
+        </p:txBody>
+      </p:sp>
+      <p:sp>
+        <p:nvSpPr>
+          <p:cNvPr id="5" name="Date Placeholder 4"/>
+          <p:cNvSpPr>
+            <a:spLocks noGrp="1"/>
+          </p:cNvSpPr>
+          <p:nvPr>
+            <p:ph type="dt" sz="half" idx="10"/>
+          </p:nvPr>
+        </p:nvSpPr>
+        <p:spPr/>
+        <p:txBody>
           <a:bodyPr/>
           <a:lstStyle/>
           <a:p>
-            <a:pPr lvl="0"/>
-            <a:r>
-              <a:rPr lang="pl-PL"/>
-              <a:t>Edytuj style wzorca tekstu</a:t>
-            </a:r>
-          </a:p>
-          <a:p>
-            <a:pPr lvl="1"/>
-            <a:r>
-              <a:rPr lang="pl-PL"/>
-              <a:t>Drugi poziom</a:t>
-            </a:r>
-          </a:p>
-          <a:p>
-            <a:pPr lvl="2"/>
-            <a:r>
-              <a:rPr lang="pl-PL"/>
-              <a:t>Trzeci poziom</a:t>
-            </a:r>
-          </a:p>
-          <a:p>
-            <a:pPr lvl="3"/>
-            <a:r>
-              <a:rPr lang="pl-PL"/>
-              <a:t>Czwarty poziom</a:t>
-            </a:r>
-          </a:p>
-          <a:p>
-            <a:pPr lvl="4"/>
-            <a:r>
-              <a:rPr lang="pl-PL"/>
-              <a:t>Piąty poziom</a:t>
-            </a:r>
-          </a:p>
-        </p:txBody>
-      </p:sp>
-      <p:sp>
-        <p:nvSpPr>
-          <p:cNvPr id="4" name="Symbol zastępczy zawartości 3">
-            <a:extLst>
-              <a:ext uri="{FF2B5EF4-FFF2-40B4-BE49-F238E27FC236}">
-                <a16:creationId xmlns:a16="http://schemas.microsoft.com/office/drawing/2014/main" id="{3CB875B7-BA29-4574-BA92-5AE0454E3BDC}"/>
-              </a:ext>
-            </a:extLst>
-          </p:cNvPr>
-          <p:cNvSpPr>
-            <a:spLocks noGrp="1"/>
-          </p:cNvSpPr>
-          <p:nvPr>
-            <p:ph sz="half" idx="2"/>
-          </p:nvPr>
-        </p:nvSpPr>
-        <p:spPr>
-          <a:xfrm>
-            <a:off x="6172200" y="1825625"/>
-            <a:ext cx="5181600" cy="4351338"/>
-          </a:xfrm>
-        </p:spPr>
+            <a:fld id="{54187E25-B117-416D-8A32-FE022F1E280E}" type="datetimeFigureOut">
+              <a:rPr lang="pl-PL" smtClean="0"/>
+              <a:t>25.06.2017</a:t>
+            </a:fld>
+            <a:endParaRPr lang="pl-PL"/>
+          </a:p>
+        </p:txBody>
+      </p:sp>
+      <p:sp>
+        <p:nvSpPr>
+          <p:cNvPr id="6" name="Footer Placeholder 5"/>
+          <p:cNvSpPr>
+            <a:spLocks noGrp="1"/>
+          </p:cNvSpPr>
+          <p:nvPr>
+            <p:ph type="ftr" sz="quarter" idx="11"/>
+          </p:nvPr>
+        </p:nvSpPr>
+        <p:spPr/>
         <p:txBody>
           <a:bodyPr/>
           <a:lstStyle/>
           <a:p>
-            <a:pPr lvl="0"/>
-            <a:r>
-              <a:rPr lang="pl-PL"/>
-              <a:t>Edytuj style wzorca tekstu</a:t>
-            </a:r>
-          </a:p>
-          <a:p>
-            <a:pPr lvl="1"/>
-            <a:r>
-              <a:rPr lang="pl-PL"/>
-              <a:t>Drugi poziom</a:t>
-            </a:r>
-          </a:p>
-          <a:p>
-            <a:pPr lvl="2"/>
-            <a:r>
-              <a:rPr lang="pl-PL"/>
-              <a:t>Trzeci poziom</a:t>
-            </a:r>
-          </a:p>
-          <a:p>
-            <a:pPr lvl="3"/>
-            <a:r>
-              <a:rPr lang="pl-PL"/>
-              <a:t>Czwarty poziom</a:t>
-            </a:r>
-          </a:p>
-          <a:p>
-            <a:pPr lvl="4"/>
-            <a:r>
-              <a:rPr lang="pl-PL"/>
-              <a:t>Piąty poziom</a:t>
-            </a:r>
-          </a:p>
-        </p:txBody>
-      </p:sp>
-      <p:sp>
-        <p:nvSpPr>
-          <p:cNvPr id="5" name="Symbol zastępczy daty 4">
-            <a:extLst>
-              <a:ext uri="{FF2B5EF4-FFF2-40B4-BE49-F238E27FC236}">
-                <a16:creationId xmlns:a16="http://schemas.microsoft.com/office/drawing/2014/main" id="{81DE7019-4ABD-4389-A371-2DA2844CDEB0}"/>
-              </a:ext>
-            </a:extLst>
-          </p:cNvPr>
-          <p:cNvSpPr>
-            <a:spLocks noGrp="1"/>
-          </p:cNvSpPr>
-          <p:nvPr>
-            <p:ph type="dt" sz="half" idx="10"/>
-          </p:nvPr>
-        </p:nvSpPr>
-        <p:spPr/>
-        <p:txBody>
-          <a:bodyPr/>
-          <a:lstStyle/>
-          <a:p>
-            <a:fld id="{54187E25-B117-416D-8A32-FE022F1E280E}" type="datetimeFigureOut">
-              <a:rPr lang="pl-PL" smtClean="0"/>
-              <a:t>19.06.2017</a:t>
-            </a:fld>
             <a:endParaRPr lang="pl-PL"/>
           </a:p>
         </p:txBody>
       </p:sp>
       <p:sp>
         <p:nvSpPr>
-          <p:cNvPr id="6" name="Symbol zastępczy stopki 5">
-            <a:extLst>
-              <a:ext uri="{FF2B5EF4-FFF2-40B4-BE49-F238E27FC236}">
-                <a16:creationId xmlns:a16="http://schemas.microsoft.com/office/drawing/2014/main" id="{3C7ABDBC-B2BE-4952-913D-4F77DE40659C}"/>
-              </a:ext>
-            </a:extLst>
-          </p:cNvPr>
-          <p:cNvSpPr>
-            <a:spLocks noGrp="1"/>
-          </p:cNvSpPr>
-          <p:nvPr>
-            <p:ph type="ftr" sz="quarter" idx="11"/>
-          </p:nvPr>
-        </p:nvSpPr>
-        <p:spPr/>
-        <p:txBody>
-          <a:bodyPr/>
-          <a:lstStyle/>
-          <a:p>
-            <a:endParaRPr lang="pl-PL"/>
-          </a:p>
-        </p:txBody>
-      </p:sp>
-      <p:sp>
-        <p:nvSpPr>
-          <p:cNvPr id="7" name="Symbol zastępczy numeru slajdu 6">
-            <a:extLst>
-              <a:ext uri="{FF2B5EF4-FFF2-40B4-BE49-F238E27FC236}">
-                <a16:creationId xmlns:a16="http://schemas.microsoft.com/office/drawing/2014/main" id="{057C8BA4-524E-4208-9F7E-0F8627C1A37C}"/>
-              </a:ext>
-            </a:extLst>
-          </p:cNvPr>
+          <p:cNvPr id="7" name="Slide Number Placeholder 6"/>
           <p:cNvSpPr>
             <a:spLocks noGrp="1"/>
           </p:cNvSpPr>
@@ -1473,7 +1768,7 @@
     </p:spTree>
     <p:extLst>
       <p:ext uri="{BB962C8B-B14F-4D97-AF65-F5344CB8AC3E}">
-        <p14:creationId xmlns:p14="http://schemas.microsoft.com/office/powerpoint/2010/main" val="3321917559"/>
+        <p14:creationId xmlns:p14="http://schemas.microsoft.com/office/powerpoint/2010/main" val="322138950"/>
       </p:ext>
     </p:extLst>
   </p:cSld>
@@ -1502,24 +1797,57 @@
       </p:grpSpPr>
       <p:sp>
         <p:nvSpPr>
-          <p:cNvPr id="2" name="Tytuł 1">
-            <a:extLst>
-              <a:ext uri="{FF2B5EF4-FFF2-40B4-BE49-F238E27FC236}">
-                <a16:creationId xmlns:a16="http://schemas.microsoft.com/office/drawing/2014/main" id="{37D2F206-0B0D-4C37-99D8-0846DABFE94B}"/>
-              </a:ext>
-            </a:extLst>
-          </p:cNvPr>
-          <p:cNvSpPr>
-            <a:spLocks noGrp="1"/>
-          </p:cNvSpPr>
-          <p:nvPr>
-            <p:ph type="title"/>
-          </p:nvPr>
+          <p:cNvPr id="11" name="Rectangle 10"/>
+          <p:cNvSpPr>
+            <a:spLocks noChangeAspect="1"/>
+          </p:cNvSpPr>
+          <p:nvPr/>
         </p:nvSpPr>
         <p:spPr>
           <a:xfrm>
-            <a:off x="839788" y="365125"/>
-            <a:ext cx="10515600" cy="1325563"/>
+            <a:off x="445982" y="606554"/>
+            <a:ext cx="11300036" cy="1258827"/>
+          </a:xfrm>
+          <a:prstGeom prst="rect">
+            <a:avLst/>
+          </a:prstGeom>
+          <a:solidFill>
+            <a:schemeClr val="accent1"/>
+          </a:solidFill>
+          <a:ln>
+            <a:noFill/>
+          </a:ln>
+          <a:effectLst/>
+        </p:spPr>
+        <p:style>
+          <a:lnRef idx="1">
+            <a:schemeClr val="accent1"/>
+          </a:lnRef>
+          <a:fillRef idx="3">
+            <a:schemeClr val="accent1"/>
+          </a:fillRef>
+          <a:effectRef idx="2">
+            <a:schemeClr val="accent1"/>
+          </a:effectRef>
+          <a:fontRef idx="minor">
+            <a:schemeClr val="lt1"/>
+          </a:fontRef>
+        </p:style>
+      </p:sp>
+      <p:sp>
+        <p:nvSpPr>
+          <p:cNvPr id="12" name="Title 1"/>
+          <p:cNvSpPr>
+            <a:spLocks noGrp="1"/>
+          </p:cNvSpPr>
+          <p:nvPr>
+            <p:ph type="title"/>
+          </p:nvPr>
+        </p:nvSpPr>
+        <p:spPr>
+          <a:xfrm>
+            <a:off x="581193" y="729658"/>
+            <a:ext cx="11029616" cy="988332"/>
           </a:xfrm>
         </p:spPr>
         <p:txBody>
@@ -1530,18 +1858,13 @@
               <a:rPr lang="pl-PL"/>
               <a:t>Kliknij, aby edytować styl</a:t>
             </a:r>
-          </a:p>
-        </p:txBody>
-      </p:sp>
-      <p:sp>
-        <p:nvSpPr>
-          <p:cNvPr id="3" name="Symbol zastępczy tekstu 2">
-            <a:extLst>
-              <a:ext uri="{FF2B5EF4-FFF2-40B4-BE49-F238E27FC236}">
-                <a16:creationId xmlns:a16="http://schemas.microsoft.com/office/drawing/2014/main" id="{DAB46107-6FD0-42EC-8796-E0CBD9A02D23}"/>
-              </a:ext>
-            </a:extLst>
-          </p:cNvPr>
+            <a:endParaRPr lang="en-US" dirty="0"/>
+          </a:p>
+        </p:txBody>
+      </p:sp>
+      <p:sp>
+        <p:nvSpPr>
+          <p:cNvPr id="3" name="Text Placeholder 2"/>
           <p:cNvSpPr>
             <a:spLocks noGrp="1"/>
           </p:cNvSpPr>
@@ -1551,16 +1874,22 @@
         </p:nvSpPr>
         <p:spPr>
           <a:xfrm>
-            <a:off x="839788" y="1681163"/>
-            <a:ext cx="5157787" cy="823912"/>
+            <a:off x="887219" y="2250892"/>
+            <a:ext cx="5087075" cy="536005"/>
           </a:xfrm>
         </p:spPr>
         <p:txBody>
-          <a:bodyPr anchor="b"/>
+          <a:bodyPr anchor="b">
+            <a:noAutofit/>
+          </a:bodyPr>
           <a:lstStyle>
             <a:lvl1pPr marL="0" indent="0">
               <a:buNone/>
-              <a:defRPr sz="2400" b="1"/>
+              <a:defRPr sz="2200" b="0">
+                <a:solidFill>
+                  <a:schemeClr val="accent2"/>
+                </a:solidFill>
+              </a:defRPr>
             </a:lvl1pPr>
             <a:lvl2pPr marL="457200" indent="0">
               <a:buNone/>
@@ -1606,13 +1935,7 @@
       </p:sp>
       <p:sp>
         <p:nvSpPr>
-          <p:cNvPr id="4" name="Symbol zastępczy zawartości 3">
-            <a:extLst>
-              <a:ext uri="{FF2B5EF4-FFF2-40B4-BE49-F238E27FC236}">
-                <a16:creationId xmlns:a16="http://schemas.microsoft.com/office/drawing/2014/main" id="{29A0FDF1-8148-4FAD-8276-A9B164E674AE}"/>
-              </a:ext>
-            </a:extLst>
-          </p:cNvPr>
+          <p:cNvPr id="4" name="Content Placeholder 3"/>
           <p:cNvSpPr>
             <a:spLocks noGrp="1"/>
           </p:cNvSpPr>
@@ -1622,12 +1945,14 @@
         </p:nvSpPr>
         <p:spPr>
           <a:xfrm>
-            <a:off x="839788" y="2505075"/>
-            <a:ext cx="5157787" cy="3684588"/>
+            <a:off x="581194" y="2926052"/>
+            <a:ext cx="5393100" cy="2934999"/>
           </a:xfrm>
         </p:spPr>
         <p:txBody>
-          <a:bodyPr/>
+          <a:bodyPr anchor="t">
+            <a:normAutofit/>
+          </a:bodyPr>
           <a:lstStyle/>
           <a:p>
             <a:pPr lvl="0"/>
@@ -1663,18 +1988,13 @@
               <a:rPr lang="pl-PL"/>
               <a:t>Piąty poziom</a:t>
             </a:r>
-          </a:p>
-        </p:txBody>
-      </p:sp>
-      <p:sp>
-        <p:nvSpPr>
-          <p:cNvPr id="5" name="Symbol zastępczy tekstu 4">
-            <a:extLst>
-              <a:ext uri="{FF2B5EF4-FFF2-40B4-BE49-F238E27FC236}">
-                <a16:creationId xmlns:a16="http://schemas.microsoft.com/office/drawing/2014/main" id="{18DEE5DE-6A64-4AB5-8FB3-CB000D831FD3}"/>
-              </a:ext>
-            </a:extLst>
-          </p:cNvPr>
+            <a:endParaRPr lang="en-US" dirty="0"/>
+          </a:p>
+        </p:txBody>
+      </p:sp>
+      <p:sp>
+        <p:nvSpPr>
+          <p:cNvPr id="5" name="Text Placeholder 4"/>
           <p:cNvSpPr>
             <a:spLocks noGrp="1"/>
           </p:cNvSpPr>
@@ -1684,16 +2004,22 @@
         </p:nvSpPr>
         <p:spPr>
           <a:xfrm>
-            <a:off x="6172200" y="1681163"/>
-            <a:ext cx="5183188" cy="823912"/>
+            <a:off x="6523735" y="2250892"/>
+            <a:ext cx="5087073" cy="553373"/>
           </a:xfrm>
         </p:spPr>
         <p:txBody>
-          <a:bodyPr anchor="b"/>
+          <a:bodyPr anchor="b">
+            <a:noAutofit/>
+          </a:bodyPr>
           <a:lstStyle>
             <a:lvl1pPr marL="0" indent="0">
               <a:buNone/>
-              <a:defRPr sz="2400" b="1"/>
+              <a:defRPr sz="2200" b="0">
+                <a:solidFill>
+                  <a:schemeClr val="accent2"/>
+                </a:solidFill>
+              </a:defRPr>
             </a:lvl1pPr>
             <a:lvl2pPr marL="457200" indent="0">
               <a:buNone/>
@@ -1739,13 +2065,7 @@
       </p:sp>
       <p:sp>
         <p:nvSpPr>
-          <p:cNvPr id="6" name="Symbol zastępczy zawartości 5">
-            <a:extLst>
-              <a:ext uri="{FF2B5EF4-FFF2-40B4-BE49-F238E27FC236}">
-                <a16:creationId xmlns:a16="http://schemas.microsoft.com/office/drawing/2014/main" id="{FE6B71FF-4E4E-4443-B123-09B22EBCB3D5}"/>
-              </a:ext>
-            </a:extLst>
-          </p:cNvPr>
+          <p:cNvPr id="6" name="Content Placeholder 5"/>
           <p:cNvSpPr>
             <a:spLocks noGrp="1"/>
           </p:cNvSpPr>
@@ -1755,64 +2075,84 @@
         </p:nvSpPr>
         <p:spPr>
           <a:xfrm>
-            <a:off x="6172200" y="2505075"/>
-            <a:ext cx="5183188" cy="3684588"/>
+            <a:off x="6217709" y="2926052"/>
+            <a:ext cx="5393100" cy="2934999"/>
           </a:xfrm>
         </p:spPr>
         <p:txBody>
+          <a:bodyPr anchor="t">
+            <a:normAutofit/>
+          </a:bodyPr>
+          <a:lstStyle/>
+          <a:p>
+            <a:pPr lvl="0"/>
+            <a:r>
+              <a:rPr lang="pl-PL"/>
+              <a:t>Edytuj style wzorca tekstu</a:t>
+            </a:r>
+          </a:p>
+          <a:p>
+            <a:pPr lvl="1"/>
+            <a:r>
+              <a:rPr lang="pl-PL"/>
+              <a:t>Drugi poziom</a:t>
+            </a:r>
+          </a:p>
+          <a:p>
+            <a:pPr lvl="2"/>
+            <a:r>
+              <a:rPr lang="pl-PL"/>
+              <a:t>Trzeci poziom</a:t>
+            </a:r>
+          </a:p>
+          <a:p>
+            <a:pPr lvl="3"/>
+            <a:r>
+              <a:rPr lang="pl-PL"/>
+              <a:t>Czwarty poziom</a:t>
+            </a:r>
+          </a:p>
+          <a:p>
+            <a:pPr lvl="4"/>
+            <a:r>
+              <a:rPr lang="pl-PL"/>
+              <a:t>Piąty poziom</a:t>
+            </a:r>
+            <a:endParaRPr lang="en-US" dirty="0"/>
+          </a:p>
+        </p:txBody>
+      </p:sp>
+      <p:sp>
+        <p:nvSpPr>
+          <p:cNvPr id="7" name="Date Placeholder 6"/>
+          <p:cNvSpPr>
+            <a:spLocks noGrp="1"/>
+          </p:cNvSpPr>
+          <p:nvPr>
+            <p:ph type="dt" sz="half" idx="10"/>
+          </p:nvPr>
+        </p:nvSpPr>
+        <p:spPr/>
+        <p:txBody>
           <a:bodyPr/>
           <a:lstStyle/>
           <a:p>
-            <a:pPr lvl="0"/>
-            <a:r>
-              <a:rPr lang="pl-PL"/>
-              <a:t>Edytuj style wzorca tekstu</a:t>
-            </a:r>
-          </a:p>
-          <a:p>
-            <a:pPr lvl="1"/>
-            <a:r>
-              <a:rPr lang="pl-PL"/>
-              <a:t>Drugi poziom</a:t>
-            </a:r>
-          </a:p>
-          <a:p>
-            <a:pPr lvl="2"/>
-            <a:r>
-              <a:rPr lang="pl-PL"/>
-              <a:t>Trzeci poziom</a:t>
-            </a:r>
-          </a:p>
-          <a:p>
-            <a:pPr lvl="3"/>
-            <a:r>
-              <a:rPr lang="pl-PL"/>
-              <a:t>Czwarty poziom</a:t>
-            </a:r>
-          </a:p>
-          <a:p>
-            <a:pPr lvl="4"/>
-            <a:r>
-              <a:rPr lang="pl-PL"/>
-              <a:t>Piąty poziom</a:t>
-            </a:r>
-          </a:p>
-        </p:txBody>
-      </p:sp>
-      <p:sp>
-        <p:nvSpPr>
-          <p:cNvPr id="7" name="Symbol zastępczy daty 6">
-            <a:extLst>
-              <a:ext uri="{FF2B5EF4-FFF2-40B4-BE49-F238E27FC236}">
-                <a16:creationId xmlns:a16="http://schemas.microsoft.com/office/drawing/2014/main" id="{EE129000-069E-459C-90B1-8E75DBB5E28A}"/>
-              </a:ext>
-            </a:extLst>
-          </p:cNvPr>
-          <p:cNvSpPr>
-            <a:spLocks noGrp="1"/>
-          </p:cNvSpPr>
-          <p:nvPr>
-            <p:ph type="dt" sz="half" idx="10"/>
+            <a:fld id="{54187E25-B117-416D-8A32-FE022F1E280E}" type="datetimeFigureOut">
+              <a:rPr lang="pl-PL" smtClean="0"/>
+              <a:t>25.06.2017</a:t>
+            </a:fld>
+            <a:endParaRPr lang="pl-PL"/>
+          </a:p>
+        </p:txBody>
+      </p:sp>
+      <p:sp>
+        <p:nvSpPr>
+          <p:cNvPr id="8" name="Footer Placeholder 7"/>
+          <p:cNvSpPr>
+            <a:spLocks noGrp="1"/>
+          </p:cNvSpPr>
+          <p:nvPr>
+            <p:ph type="ftr" sz="quarter" idx="11"/>
           </p:nvPr>
         </p:nvSpPr>
         <p:spPr/>
@@ -1820,48 +2160,13 @@
           <a:bodyPr/>
           <a:lstStyle/>
           <a:p>
-            <a:fld id="{54187E25-B117-416D-8A32-FE022F1E280E}" type="datetimeFigureOut">
-              <a:rPr lang="pl-PL" smtClean="0"/>
-              <a:t>19.06.2017</a:t>
-            </a:fld>
             <a:endParaRPr lang="pl-PL"/>
           </a:p>
         </p:txBody>
       </p:sp>
       <p:sp>
         <p:nvSpPr>
-          <p:cNvPr id="8" name="Symbol zastępczy stopki 7">
-            <a:extLst>
-              <a:ext uri="{FF2B5EF4-FFF2-40B4-BE49-F238E27FC236}">
-                <a16:creationId xmlns:a16="http://schemas.microsoft.com/office/drawing/2014/main" id="{57109645-9E72-4564-B5BD-61871493E11F}"/>
-              </a:ext>
-            </a:extLst>
-          </p:cNvPr>
-          <p:cNvSpPr>
-            <a:spLocks noGrp="1"/>
-          </p:cNvSpPr>
-          <p:nvPr>
-            <p:ph type="ftr" sz="quarter" idx="11"/>
-          </p:nvPr>
-        </p:nvSpPr>
-        <p:spPr/>
-        <p:txBody>
-          <a:bodyPr/>
-          <a:lstStyle/>
-          <a:p>
-            <a:endParaRPr lang="pl-PL"/>
-          </a:p>
-        </p:txBody>
-      </p:sp>
-      <p:sp>
-        <p:nvSpPr>
-          <p:cNvPr id="9" name="Symbol zastępczy numeru slajdu 8">
-            <a:extLst>
-              <a:ext uri="{FF2B5EF4-FFF2-40B4-BE49-F238E27FC236}">
-                <a16:creationId xmlns:a16="http://schemas.microsoft.com/office/drawing/2014/main" id="{61042B3D-7F2B-4109-995A-DE45A5527BCD}"/>
-              </a:ext>
-            </a:extLst>
-          </p:cNvPr>
+          <p:cNvPr id="9" name="Slide Number Placeholder 8"/>
           <p:cNvSpPr>
             <a:spLocks noGrp="1"/>
           </p:cNvSpPr>
@@ -1885,7 +2190,7 @@
     </p:spTree>
     <p:extLst>
       <p:ext uri="{BB962C8B-B14F-4D97-AF65-F5344CB8AC3E}">
-        <p14:creationId xmlns:p14="http://schemas.microsoft.com/office/powerpoint/2010/main" val="1843980612"/>
+        <p14:creationId xmlns:p14="http://schemas.microsoft.com/office/powerpoint/2010/main" val="1047958198"/>
       </p:ext>
     </p:extLst>
   </p:cSld>
@@ -1914,18 +2219,12 @@
       </p:grpSpPr>
       <p:sp>
         <p:nvSpPr>
-          <p:cNvPr id="2" name="Tytuł 1">
-            <a:extLst>
-              <a:ext uri="{FF2B5EF4-FFF2-40B4-BE49-F238E27FC236}">
-                <a16:creationId xmlns:a16="http://schemas.microsoft.com/office/drawing/2014/main" id="{C3224716-7833-4BDC-84A8-4FE6D95716AF}"/>
-              </a:ext>
-            </a:extLst>
-          </p:cNvPr>
-          <p:cNvSpPr>
-            <a:spLocks noGrp="1"/>
-          </p:cNvSpPr>
-          <p:nvPr>
-            <p:ph type="title"/>
+          <p:cNvPr id="3" name="Date Placeholder 2"/>
+          <p:cNvSpPr>
+            <a:spLocks noGrp="1"/>
+          </p:cNvSpPr>
+          <p:nvPr>
+            <p:ph type="dt" sz="half" idx="10"/>
           </p:nvPr>
         </p:nvSpPr>
         <p:spPr/>
@@ -1933,27 +2232,22 @@
           <a:bodyPr/>
           <a:lstStyle/>
           <a:p>
-            <a:r>
-              <a:rPr lang="pl-PL"/>
-              <a:t>Kliknij, aby edytować styl</a:t>
-            </a:r>
-          </a:p>
-        </p:txBody>
-      </p:sp>
-      <p:sp>
-        <p:nvSpPr>
-          <p:cNvPr id="3" name="Symbol zastępczy daty 2">
-            <a:extLst>
-              <a:ext uri="{FF2B5EF4-FFF2-40B4-BE49-F238E27FC236}">
-                <a16:creationId xmlns:a16="http://schemas.microsoft.com/office/drawing/2014/main" id="{57786A92-FF1A-451E-8E4F-CF71B73F09AB}"/>
-              </a:ext>
-            </a:extLst>
-          </p:cNvPr>
-          <p:cNvSpPr>
-            <a:spLocks noGrp="1"/>
-          </p:cNvSpPr>
-          <p:nvPr>
-            <p:ph type="dt" sz="half" idx="10"/>
+            <a:fld id="{54187E25-B117-416D-8A32-FE022F1E280E}" type="datetimeFigureOut">
+              <a:rPr lang="pl-PL" smtClean="0"/>
+              <a:t>25.06.2017</a:t>
+            </a:fld>
+            <a:endParaRPr lang="pl-PL"/>
+          </a:p>
+        </p:txBody>
+      </p:sp>
+      <p:sp>
+        <p:nvSpPr>
+          <p:cNvPr id="4" name="Footer Placeholder 3"/>
+          <p:cNvSpPr>
+            <a:spLocks noGrp="1"/>
+          </p:cNvSpPr>
+          <p:nvPr>
+            <p:ph type="ftr" sz="quarter" idx="11"/>
           </p:nvPr>
         </p:nvSpPr>
         <p:spPr/>
@@ -1961,48 +2255,13 @@
           <a:bodyPr/>
           <a:lstStyle/>
           <a:p>
-            <a:fld id="{54187E25-B117-416D-8A32-FE022F1E280E}" type="datetimeFigureOut">
-              <a:rPr lang="pl-PL" smtClean="0"/>
-              <a:t>19.06.2017</a:t>
-            </a:fld>
             <a:endParaRPr lang="pl-PL"/>
           </a:p>
         </p:txBody>
       </p:sp>
       <p:sp>
         <p:nvSpPr>
-          <p:cNvPr id="4" name="Symbol zastępczy stopki 3">
-            <a:extLst>
-              <a:ext uri="{FF2B5EF4-FFF2-40B4-BE49-F238E27FC236}">
-                <a16:creationId xmlns:a16="http://schemas.microsoft.com/office/drawing/2014/main" id="{61280E28-9577-4FFB-9219-A6C9910387B9}"/>
-              </a:ext>
-            </a:extLst>
-          </p:cNvPr>
-          <p:cNvSpPr>
-            <a:spLocks noGrp="1"/>
-          </p:cNvSpPr>
-          <p:nvPr>
-            <p:ph type="ftr" sz="quarter" idx="11"/>
-          </p:nvPr>
-        </p:nvSpPr>
-        <p:spPr/>
-        <p:txBody>
-          <a:bodyPr/>
-          <a:lstStyle/>
-          <a:p>
-            <a:endParaRPr lang="pl-PL"/>
-          </a:p>
-        </p:txBody>
-      </p:sp>
-      <p:sp>
-        <p:nvSpPr>
-          <p:cNvPr id="5" name="Symbol zastępczy numeru slajdu 4">
-            <a:extLst>
-              <a:ext uri="{FF2B5EF4-FFF2-40B4-BE49-F238E27FC236}">
-                <a16:creationId xmlns:a16="http://schemas.microsoft.com/office/drawing/2014/main" id="{C3968C09-6B27-40BB-96C5-A072AA8DABDE}"/>
-              </a:ext>
-            </a:extLst>
-          </p:cNvPr>
+          <p:cNvPr id="5" name="Slide Number Placeholder 4"/>
           <p:cNvSpPr>
             <a:spLocks noGrp="1"/>
           </p:cNvSpPr>
@@ -2023,10 +2282,77 @@
           </a:p>
         </p:txBody>
       </p:sp>
+      <p:sp>
+        <p:nvSpPr>
+          <p:cNvPr id="7" name="Rectangle 6"/>
+          <p:cNvSpPr>
+            <a:spLocks noChangeAspect="1"/>
+          </p:cNvSpPr>
+          <p:nvPr/>
+        </p:nvSpPr>
+        <p:spPr>
+          <a:xfrm>
+            <a:off x="440683" y="606554"/>
+            <a:ext cx="11300036" cy="1258827"/>
+          </a:xfrm>
+          <a:prstGeom prst="rect">
+            <a:avLst/>
+          </a:prstGeom>
+          <a:solidFill>
+            <a:schemeClr val="accent1"/>
+          </a:solidFill>
+          <a:ln>
+            <a:noFill/>
+          </a:ln>
+          <a:effectLst/>
+        </p:spPr>
+        <p:style>
+          <a:lnRef idx="1">
+            <a:schemeClr val="accent1"/>
+          </a:lnRef>
+          <a:fillRef idx="3">
+            <a:schemeClr val="accent1"/>
+          </a:fillRef>
+          <a:effectRef idx="2">
+            <a:schemeClr val="accent1"/>
+          </a:effectRef>
+          <a:fontRef idx="minor">
+            <a:schemeClr val="lt1"/>
+          </a:fontRef>
+        </p:style>
+      </p:sp>
+      <p:sp>
+        <p:nvSpPr>
+          <p:cNvPr id="8" name="Title 1"/>
+          <p:cNvSpPr>
+            <a:spLocks noGrp="1"/>
+          </p:cNvSpPr>
+          <p:nvPr>
+            <p:ph type="title"/>
+          </p:nvPr>
+        </p:nvSpPr>
+        <p:spPr>
+          <a:xfrm>
+            <a:off x="575894" y="729658"/>
+            <a:ext cx="11029616" cy="988332"/>
+          </a:xfrm>
+        </p:spPr>
+        <p:txBody>
+          <a:bodyPr/>
+          <a:lstStyle/>
+          <a:p>
+            <a:r>
+              <a:rPr lang="pl-PL"/>
+              <a:t>Kliknij, aby edytować styl</a:t>
+            </a:r>
+            <a:endParaRPr lang="en-US" dirty="0"/>
+          </a:p>
+        </p:txBody>
+      </p:sp>
     </p:spTree>
     <p:extLst>
       <p:ext uri="{BB962C8B-B14F-4D97-AF65-F5344CB8AC3E}">
-        <p14:creationId xmlns:p14="http://schemas.microsoft.com/office/powerpoint/2010/main" val="2623563351"/>
+        <p14:creationId xmlns:p14="http://schemas.microsoft.com/office/powerpoint/2010/main" val="774801621"/>
       </p:ext>
     </p:extLst>
   </p:cSld>
@@ -2055,13 +2381,7 @@
       </p:grpSpPr>
       <p:sp>
         <p:nvSpPr>
-          <p:cNvPr id="2" name="Symbol zastępczy daty 1">
-            <a:extLst>
-              <a:ext uri="{FF2B5EF4-FFF2-40B4-BE49-F238E27FC236}">
-                <a16:creationId xmlns:a16="http://schemas.microsoft.com/office/drawing/2014/main" id="{92DF7C24-A0A8-48E8-B65C-6AC862CA994F}"/>
-              </a:ext>
-            </a:extLst>
-          </p:cNvPr>
+          <p:cNvPr id="2" name="Date Placeholder 1"/>
           <p:cNvSpPr>
             <a:spLocks noGrp="1"/>
           </p:cNvSpPr>
@@ -2076,7 +2396,7 @@
           <a:p>
             <a:fld id="{54187E25-B117-416D-8A32-FE022F1E280E}" type="datetimeFigureOut">
               <a:rPr lang="pl-PL" smtClean="0"/>
-              <a:t>19.06.2017</a:t>
+              <a:t>25.06.2017</a:t>
             </a:fld>
             <a:endParaRPr lang="pl-PL"/>
           </a:p>
@@ -2084,13 +2404,7 @@
       </p:sp>
       <p:sp>
         <p:nvSpPr>
-          <p:cNvPr id="3" name="Symbol zastępczy stopki 2">
-            <a:extLst>
-              <a:ext uri="{FF2B5EF4-FFF2-40B4-BE49-F238E27FC236}">
-                <a16:creationId xmlns:a16="http://schemas.microsoft.com/office/drawing/2014/main" id="{69256D64-8297-49ED-BF11-DC2E27C30500}"/>
-              </a:ext>
-            </a:extLst>
-          </p:cNvPr>
+          <p:cNvPr id="3" name="Footer Placeholder 2"/>
           <p:cNvSpPr>
             <a:spLocks noGrp="1"/>
           </p:cNvSpPr>
@@ -2109,13 +2423,7 @@
       </p:sp>
       <p:sp>
         <p:nvSpPr>
-          <p:cNvPr id="4" name="Symbol zastępczy numeru slajdu 3">
-            <a:extLst>
-              <a:ext uri="{FF2B5EF4-FFF2-40B4-BE49-F238E27FC236}">
-                <a16:creationId xmlns:a16="http://schemas.microsoft.com/office/drawing/2014/main" id="{9FFA9258-F3BD-41AB-A2CF-C2B2F6625E6C}"/>
-              </a:ext>
-            </a:extLst>
-          </p:cNvPr>
+          <p:cNvPr id="4" name="Slide Number Placeholder 3"/>
           <p:cNvSpPr>
             <a:spLocks noGrp="1"/>
           </p:cNvSpPr>
@@ -2139,7 +2447,7 @@
     </p:spTree>
     <p:extLst>
       <p:ext uri="{BB962C8B-B14F-4D97-AF65-F5344CB8AC3E}">
-        <p14:creationId xmlns:p14="http://schemas.microsoft.com/office/powerpoint/2010/main" val="3116507439"/>
+        <p14:creationId xmlns:p14="http://schemas.microsoft.com/office/powerpoint/2010/main" val="3411760717"/>
       </p:ext>
     </p:extLst>
   </p:cSld>
@@ -2168,276 +2476,365 @@
       </p:grpSpPr>
       <p:sp>
         <p:nvSpPr>
-          <p:cNvPr id="2" name="Tytuł 1">
-            <a:extLst>
-              <a:ext uri="{FF2B5EF4-FFF2-40B4-BE49-F238E27FC236}">
-                <a16:creationId xmlns:a16="http://schemas.microsoft.com/office/drawing/2014/main" id="{52BBB77F-8479-42ED-9C41-4FE24A6AF178}"/>
-              </a:ext>
-            </a:extLst>
-          </p:cNvPr>
-          <p:cNvSpPr>
-            <a:spLocks noGrp="1"/>
-          </p:cNvSpPr>
-          <p:nvPr>
-            <p:ph type="title"/>
-          </p:nvPr>
+          <p:cNvPr id="9" name="Rectangle 8"/>
+          <p:cNvSpPr>
+            <a:spLocks noChangeAspect="1"/>
+          </p:cNvSpPr>
+          <p:nvPr/>
         </p:nvSpPr>
         <p:spPr>
           <a:xfrm>
-            <a:off x="839788" y="457200"/>
-            <a:ext cx="3932237" cy="1600200"/>
+            <a:off x="447817" y="5141973"/>
+            <a:ext cx="11298200" cy="1274702"/>
+          </a:xfrm>
+          <a:prstGeom prst="rect">
+            <a:avLst/>
+          </a:prstGeom>
+          <a:solidFill>
+            <a:schemeClr val="accent1"/>
+          </a:solidFill>
+          <a:ln>
+            <a:noFill/>
+          </a:ln>
+          <a:effectLst/>
+        </p:spPr>
+        <p:style>
+          <a:lnRef idx="1">
+            <a:schemeClr val="accent1"/>
+          </a:lnRef>
+          <a:fillRef idx="3">
+            <a:schemeClr val="accent1"/>
+          </a:fillRef>
+          <a:effectRef idx="2">
+            <a:schemeClr val="accent1"/>
+          </a:effectRef>
+          <a:fontRef idx="minor">
+            <a:schemeClr val="lt1"/>
+          </a:fontRef>
+        </p:style>
+      </p:sp>
+      <p:sp>
+        <p:nvSpPr>
+          <p:cNvPr id="2" name="Title 1"/>
+          <p:cNvSpPr>
+            <a:spLocks noGrp="1"/>
+          </p:cNvSpPr>
+          <p:nvPr>
+            <p:ph type="title"/>
+          </p:nvPr>
+        </p:nvSpPr>
+        <p:spPr>
+          <a:xfrm>
+            <a:off x="581192" y="5262296"/>
+            <a:ext cx="4909445" cy="689514"/>
           </a:xfrm>
         </p:spPr>
         <p:txBody>
-          <a:bodyPr anchor="b"/>
+          <a:bodyPr anchor="ctr"/>
+          <a:lstStyle>
+            <a:lvl1pPr algn="l">
+              <a:defRPr sz="2000" b="0">
+                <a:solidFill>
+                  <a:schemeClr val="accent1">
+                    <a:lumMod val="75000"/>
+                    <a:lumOff val="25000"/>
+                  </a:schemeClr>
+                </a:solidFill>
+              </a:defRPr>
+            </a:lvl1pPr>
+          </a:lstStyle>
+          <a:p>
+            <a:r>
+              <a:rPr lang="pl-PL"/>
+              <a:t>Kliknij, aby edytować styl</a:t>
+            </a:r>
+            <a:endParaRPr lang="en-US" dirty="0"/>
+          </a:p>
+        </p:txBody>
+      </p:sp>
+      <p:sp>
+        <p:nvSpPr>
+          <p:cNvPr id="3" name="Content Placeholder 2"/>
+          <p:cNvSpPr>
+            <a:spLocks noGrp="1"/>
+          </p:cNvSpPr>
+          <p:nvPr>
+            <p:ph idx="1"/>
+          </p:nvPr>
+        </p:nvSpPr>
+        <p:spPr>
+          <a:xfrm>
+            <a:off x="447816" y="601200"/>
+            <a:ext cx="11292840" cy="4204800"/>
+          </a:xfrm>
+        </p:spPr>
+        <p:txBody>
+          <a:bodyPr anchor="ctr">
+            <a:normAutofit/>
+          </a:bodyPr>
           <a:lstStyle>
             <a:lvl1pPr>
-              <a:defRPr sz="3200"/>
+              <a:defRPr sz="2000">
+                <a:solidFill>
+                  <a:schemeClr val="tx2"/>
+                </a:solidFill>
+              </a:defRPr>
             </a:lvl1pPr>
+            <a:lvl2pPr>
+              <a:defRPr sz="1800">
+                <a:solidFill>
+                  <a:schemeClr val="tx2"/>
+                </a:solidFill>
+              </a:defRPr>
+            </a:lvl2pPr>
+            <a:lvl3pPr>
+              <a:defRPr sz="1600">
+                <a:solidFill>
+                  <a:schemeClr val="tx2"/>
+                </a:solidFill>
+              </a:defRPr>
+            </a:lvl3pPr>
+            <a:lvl4pPr>
+              <a:defRPr sz="1400">
+                <a:solidFill>
+                  <a:schemeClr val="tx2"/>
+                </a:solidFill>
+              </a:defRPr>
+            </a:lvl4pPr>
+            <a:lvl5pPr>
+              <a:defRPr sz="1400">
+                <a:solidFill>
+                  <a:schemeClr val="tx2"/>
+                </a:solidFill>
+              </a:defRPr>
+            </a:lvl5pPr>
+            <a:lvl6pPr>
+              <a:defRPr sz="1400">
+                <a:solidFill>
+                  <a:schemeClr val="tx2"/>
+                </a:solidFill>
+              </a:defRPr>
+            </a:lvl6pPr>
+            <a:lvl7pPr>
+              <a:defRPr sz="1400">
+                <a:solidFill>
+                  <a:schemeClr val="tx2"/>
+                </a:solidFill>
+              </a:defRPr>
+            </a:lvl7pPr>
+            <a:lvl8pPr>
+              <a:defRPr sz="1400">
+                <a:solidFill>
+                  <a:schemeClr val="tx2"/>
+                </a:solidFill>
+              </a:defRPr>
+            </a:lvl8pPr>
+            <a:lvl9pPr>
+              <a:defRPr sz="1400">
+                <a:solidFill>
+                  <a:schemeClr val="tx2"/>
+                </a:solidFill>
+              </a:defRPr>
+            </a:lvl9pPr>
           </a:lstStyle>
           <a:p>
+            <a:pPr lvl="0"/>
             <a:r>
               <a:rPr lang="pl-PL"/>
-              <a:t>Kliknij, aby edytować styl</a:t>
-            </a:r>
-          </a:p>
-        </p:txBody>
-      </p:sp>
-      <p:sp>
-        <p:nvSpPr>
-          <p:cNvPr id="3" name="Symbol zastępczy zawartości 2">
-            <a:extLst>
-              <a:ext uri="{FF2B5EF4-FFF2-40B4-BE49-F238E27FC236}">
-                <a16:creationId xmlns:a16="http://schemas.microsoft.com/office/drawing/2014/main" id="{3330F24C-9852-4C79-A9FD-22DFAAEFBACD}"/>
-              </a:ext>
-            </a:extLst>
-          </p:cNvPr>
-          <p:cNvSpPr>
-            <a:spLocks noGrp="1"/>
-          </p:cNvSpPr>
-          <p:nvPr>
-            <p:ph idx="1"/>
+              <a:t>Edytuj style wzorca tekstu</a:t>
+            </a:r>
+          </a:p>
+          <a:p>
+            <a:pPr lvl="1"/>
+            <a:r>
+              <a:rPr lang="pl-PL"/>
+              <a:t>Drugi poziom</a:t>
+            </a:r>
+          </a:p>
+          <a:p>
+            <a:pPr lvl="2"/>
+            <a:r>
+              <a:rPr lang="pl-PL"/>
+              <a:t>Trzeci poziom</a:t>
+            </a:r>
+          </a:p>
+          <a:p>
+            <a:pPr lvl="3"/>
+            <a:r>
+              <a:rPr lang="pl-PL"/>
+              <a:t>Czwarty poziom</a:t>
+            </a:r>
+          </a:p>
+          <a:p>
+            <a:pPr lvl="4"/>
+            <a:r>
+              <a:rPr lang="pl-PL"/>
+              <a:t>Piąty poziom</a:t>
+            </a:r>
+            <a:endParaRPr lang="en-US" dirty="0"/>
+          </a:p>
+        </p:txBody>
+      </p:sp>
+      <p:sp>
+        <p:nvSpPr>
+          <p:cNvPr id="4" name="Text Placeholder 3"/>
+          <p:cNvSpPr>
+            <a:spLocks noGrp="1"/>
+          </p:cNvSpPr>
+          <p:nvPr>
+            <p:ph type="body" sz="half" idx="2"/>
           </p:nvPr>
         </p:nvSpPr>
         <p:spPr>
           <a:xfrm>
-            <a:off x="5183188" y="987425"/>
-            <a:ext cx="6172200" cy="4873625"/>
+            <a:off x="5740823" y="5262296"/>
+            <a:ext cx="5869987" cy="689515"/>
           </a:xfrm>
         </p:spPr>
+        <p:txBody>
+          <a:bodyPr anchor="ctr">
+            <a:normAutofit/>
+          </a:bodyPr>
+          <a:lstStyle>
+            <a:lvl1pPr marL="0" indent="0" algn="r">
+              <a:buNone/>
+              <a:defRPr sz="1100">
+                <a:solidFill>
+                  <a:schemeClr val="bg1"/>
+                </a:solidFill>
+              </a:defRPr>
+            </a:lvl1pPr>
+            <a:lvl2pPr marL="457200" indent="0">
+              <a:buNone/>
+              <a:defRPr sz="1100"/>
+            </a:lvl2pPr>
+            <a:lvl3pPr marL="914400" indent="0">
+              <a:buNone/>
+              <a:defRPr sz="1000"/>
+            </a:lvl3pPr>
+            <a:lvl4pPr marL="1371600" indent="0">
+              <a:buNone/>
+              <a:defRPr sz="900"/>
+            </a:lvl4pPr>
+            <a:lvl5pPr marL="1828800" indent="0">
+              <a:buNone/>
+              <a:defRPr sz="900"/>
+            </a:lvl5pPr>
+            <a:lvl6pPr marL="2286000" indent="0">
+              <a:buNone/>
+              <a:defRPr sz="900"/>
+            </a:lvl6pPr>
+            <a:lvl7pPr marL="2743200" indent="0">
+              <a:buNone/>
+              <a:defRPr sz="900"/>
+            </a:lvl7pPr>
+            <a:lvl8pPr marL="3200400" indent="0">
+              <a:buNone/>
+              <a:defRPr sz="900"/>
+            </a:lvl8pPr>
+            <a:lvl9pPr marL="3657600" indent="0">
+              <a:buNone/>
+              <a:defRPr sz="900"/>
+            </a:lvl9pPr>
+          </a:lstStyle>
+          <a:p>
+            <a:pPr lvl="0"/>
+            <a:r>
+              <a:rPr lang="pl-PL"/>
+              <a:t>Edytuj style wzorca tekstu</a:t>
+            </a:r>
+          </a:p>
+        </p:txBody>
+      </p:sp>
+      <p:sp>
+        <p:nvSpPr>
+          <p:cNvPr id="5" name="Date Placeholder 4"/>
+          <p:cNvSpPr>
+            <a:spLocks noGrp="1"/>
+          </p:cNvSpPr>
+          <p:nvPr>
+            <p:ph type="dt" sz="half" idx="10"/>
+          </p:nvPr>
+        </p:nvSpPr>
+        <p:spPr/>
         <p:txBody>
           <a:bodyPr/>
           <a:lstStyle>
             <a:lvl1pPr>
-              <a:defRPr sz="3200"/>
+              <a:defRPr>
+                <a:solidFill>
+                  <a:schemeClr val="accent1">
+                    <a:lumMod val="75000"/>
+                    <a:lumOff val="25000"/>
+                  </a:schemeClr>
+                </a:solidFill>
+              </a:defRPr>
             </a:lvl1pPr>
-            <a:lvl2pPr>
-              <a:defRPr sz="2800"/>
-            </a:lvl2pPr>
-            <a:lvl3pPr>
-              <a:defRPr sz="2400"/>
-            </a:lvl3pPr>
-            <a:lvl4pPr>
-              <a:defRPr sz="2000"/>
-            </a:lvl4pPr>
-            <a:lvl5pPr>
-              <a:defRPr sz="2000"/>
-            </a:lvl5pPr>
-            <a:lvl6pPr>
-              <a:defRPr sz="2000"/>
-            </a:lvl6pPr>
-            <a:lvl7pPr>
-              <a:defRPr sz="2000"/>
-            </a:lvl7pPr>
-            <a:lvl8pPr>
-              <a:defRPr sz="2000"/>
-            </a:lvl8pPr>
-            <a:lvl9pPr>
-              <a:defRPr sz="2000"/>
-            </a:lvl9pPr>
           </a:lstStyle>
           <a:p>
-            <a:pPr lvl="0"/>
-            <a:r>
-              <a:rPr lang="pl-PL"/>
-              <a:t>Edytuj style wzorca tekstu</a:t>
-            </a:r>
-          </a:p>
-          <a:p>
-            <a:pPr lvl="1"/>
-            <a:r>
-              <a:rPr lang="pl-PL"/>
-              <a:t>Drugi poziom</a:t>
-            </a:r>
-          </a:p>
-          <a:p>
-            <a:pPr lvl="2"/>
-            <a:r>
-              <a:rPr lang="pl-PL"/>
-              <a:t>Trzeci poziom</a:t>
-            </a:r>
-          </a:p>
-          <a:p>
-            <a:pPr lvl="3"/>
-            <a:r>
-              <a:rPr lang="pl-PL"/>
-              <a:t>Czwarty poziom</a:t>
-            </a:r>
-          </a:p>
-          <a:p>
-            <a:pPr lvl="4"/>
-            <a:r>
-              <a:rPr lang="pl-PL"/>
-              <a:t>Piąty poziom</a:t>
-            </a:r>
-          </a:p>
-        </p:txBody>
-      </p:sp>
-      <p:sp>
-        <p:nvSpPr>
-          <p:cNvPr id="4" name="Symbol zastępczy tekstu 3">
-            <a:extLst>
-              <a:ext uri="{FF2B5EF4-FFF2-40B4-BE49-F238E27FC236}">
-                <a16:creationId xmlns:a16="http://schemas.microsoft.com/office/drawing/2014/main" id="{C47A0D61-B2AB-46C9-9A06-89EC90595116}"/>
-              </a:ext>
-            </a:extLst>
-          </p:cNvPr>
-          <p:cNvSpPr>
-            <a:spLocks noGrp="1"/>
-          </p:cNvSpPr>
-          <p:nvPr>
-            <p:ph type="body" sz="half" idx="2"/>
-          </p:nvPr>
-        </p:nvSpPr>
-        <p:spPr>
-          <a:xfrm>
-            <a:off x="839788" y="2057400"/>
-            <a:ext cx="3932237" cy="3811588"/>
-          </a:xfrm>
-        </p:spPr>
+            <a:fld id="{54187E25-B117-416D-8A32-FE022F1E280E}" type="datetimeFigureOut">
+              <a:rPr lang="pl-PL" smtClean="0"/>
+              <a:t>25.06.2017</a:t>
+            </a:fld>
+            <a:endParaRPr lang="pl-PL"/>
+          </a:p>
+        </p:txBody>
+      </p:sp>
+      <p:sp>
+        <p:nvSpPr>
+          <p:cNvPr id="6" name="Footer Placeholder 5"/>
+          <p:cNvSpPr>
+            <a:spLocks noGrp="1"/>
+          </p:cNvSpPr>
+          <p:nvPr>
+            <p:ph type="ftr" sz="quarter" idx="11"/>
+          </p:nvPr>
+        </p:nvSpPr>
+        <p:spPr/>
         <p:txBody>
           <a:bodyPr/>
           <a:lstStyle>
-            <a:lvl1pPr marL="0" indent="0">
-              <a:buNone/>
-              <a:defRPr sz="1600"/>
+            <a:lvl1pPr>
+              <a:defRPr>
+                <a:solidFill>
+                  <a:schemeClr val="accent1">
+                    <a:lumMod val="75000"/>
+                    <a:lumOff val="25000"/>
+                  </a:schemeClr>
+                </a:solidFill>
+              </a:defRPr>
             </a:lvl1pPr>
-            <a:lvl2pPr marL="457200" indent="0">
-              <a:buNone/>
-              <a:defRPr sz="1400"/>
-            </a:lvl2pPr>
-            <a:lvl3pPr marL="914400" indent="0">
-              <a:buNone/>
-              <a:defRPr sz="1200"/>
-            </a:lvl3pPr>
-            <a:lvl4pPr marL="1371600" indent="0">
-              <a:buNone/>
-              <a:defRPr sz="1000"/>
-            </a:lvl4pPr>
-            <a:lvl5pPr marL="1828800" indent="0">
-              <a:buNone/>
-              <a:defRPr sz="1000"/>
-            </a:lvl5pPr>
-            <a:lvl6pPr marL="2286000" indent="0">
-              <a:buNone/>
-              <a:defRPr sz="1000"/>
-            </a:lvl6pPr>
-            <a:lvl7pPr marL="2743200" indent="0">
-              <a:buNone/>
-              <a:defRPr sz="1000"/>
-            </a:lvl7pPr>
-            <a:lvl8pPr marL="3200400" indent="0">
-              <a:buNone/>
-              <a:defRPr sz="1000"/>
-            </a:lvl8pPr>
-            <a:lvl9pPr marL="3657600" indent="0">
-              <a:buNone/>
-              <a:defRPr sz="1000"/>
-            </a:lvl9pPr>
           </a:lstStyle>
           <a:p>
-            <a:pPr lvl="0"/>
-            <a:r>
-              <a:rPr lang="pl-PL"/>
-              <a:t>Edytuj style wzorca tekstu</a:t>
-            </a:r>
-          </a:p>
-        </p:txBody>
-      </p:sp>
-      <p:sp>
-        <p:nvSpPr>
-          <p:cNvPr id="5" name="Symbol zastępczy daty 4">
-            <a:extLst>
-              <a:ext uri="{FF2B5EF4-FFF2-40B4-BE49-F238E27FC236}">
-                <a16:creationId xmlns:a16="http://schemas.microsoft.com/office/drawing/2014/main" id="{33C5B0AB-5666-4392-9C68-CA63F6E5A6B6}"/>
-              </a:ext>
-            </a:extLst>
-          </p:cNvPr>
-          <p:cNvSpPr>
-            <a:spLocks noGrp="1"/>
-          </p:cNvSpPr>
-          <p:nvPr>
-            <p:ph type="dt" sz="half" idx="10"/>
+            <a:endParaRPr lang="pl-PL"/>
+          </a:p>
+        </p:txBody>
+      </p:sp>
+      <p:sp>
+        <p:nvSpPr>
+          <p:cNvPr id="7" name="Slide Number Placeholder 6"/>
+          <p:cNvSpPr>
+            <a:spLocks noGrp="1"/>
+          </p:cNvSpPr>
+          <p:nvPr>
+            <p:ph type="sldNum" sz="quarter" idx="12"/>
           </p:nvPr>
         </p:nvSpPr>
         <p:spPr/>
         <p:txBody>
           <a:bodyPr/>
-          <a:lstStyle/>
-          <a:p>
-            <a:fld id="{54187E25-B117-416D-8A32-FE022F1E280E}" type="datetimeFigureOut">
-              <a:rPr lang="pl-PL" smtClean="0"/>
-              <a:t>19.06.2017</a:t>
-            </a:fld>
-            <a:endParaRPr lang="pl-PL"/>
-          </a:p>
-        </p:txBody>
-      </p:sp>
-      <p:sp>
-        <p:nvSpPr>
-          <p:cNvPr id="6" name="Symbol zastępczy stopki 5">
-            <a:extLst>
-              <a:ext uri="{FF2B5EF4-FFF2-40B4-BE49-F238E27FC236}">
-                <a16:creationId xmlns:a16="http://schemas.microsoft.com/office/drawing/2014/main" id="{EB734813-7710-4717-B1E0-5DDF3171E7B5}"/>
-              </a:ext>
-            </a:extLst>
-          </p:cNvPr>
-          <p:cNvSpPr>
-            <a:spLocks noGrp="1"/>
-          </p:cNvSpPr>
-          <p:nvPr>
-            <p:ph type="ftr" sz="quarter" idx="11"/>
-          </p:nvPr>
-        </p:nvSpPr>
-        <p:spPr/>
-        <p:txBody>
-          <a:bodyPr/>
-          <a:lstStyle/>
-          <a:p>
-            <a:endParaRPr lang="pl-PL"/>
-          </a:p>
-        </p:txBody>
-      </p:sp>
-      <p:sp>
-        <p:nvSpPr>
-          <p:cNvPr id="7" name="Symbol zastępczy numeru slajdu 6">
-            <a:extLst>
-              <a:ext uri="{FF2B5EF4-FFF2-40B4-BE49-F238E27FC236}">
-                <a16:creationId xmlns:a16="http://schemas.microsoft.com/office/drawing/2014/main" id="{E8A569DF-95CF-4A7F-96EF-02090793A652}"/>
-              </a:ext>
-            </a:extLst>
-          </p:cNvPr>
-          <p:cNvSpPr>
-            <a:spLocks noGrp="1"/>
-          </p:cNvSpPr>
-          <p:nvPr>
-            <p:ph type="sldNum" sz="quarter" idx="12"/>
-          </p:nvPr>
-        </p:nvSpPr>
-        <p:spPr/>
-        <p:txBody>
-          <a:bodyPr/>
-          <a:lstStyle/>
+          <a:lstStyle>
+            <a:lvl1pPr>
+              <a:defRPr>
+                <a:solidFill>
+                  <a:schemeClr val="accent1">
+                    <a:lumMod val="75000"/>
+                    <a:lumOff val="25000"/>
+                  </a:schemeClr>
+                </a:solidFill>
+              </a:defRPr>
+            </a:lvl1pPr>
+          </a:lstStyle>
           <a:p>
             <a:fld id="{8FA36833-993B-41A7-80BD-08FAB36F43B0}" type="slidenum">
               <a:rPr lang="pl-PL" smtClean="0"/>
@@ -2450,7 +2847,7 @@
     </p:spTree>
     <p:extLst>
       <p:ext uri="{BB962C8B-B14F-4D97-AF65-F5344CB8AC3E}">
-        <p14:creationId xmlns:p14="http://schemas.microsoft.com/office/powerpoint/2010/main" val="2627913252"/>
+        <p14:creationId xmlns:p14="http://schemas.microsoft.com/office/powerpoint/2010/main" val="999557067"/>
       </p:ext>
     </p:extLst>
   </p:cSld>
@@ -2479,13 +2876,7 @@
       </p:grpSpPr>
       <p:sp>
         <p:nvSpPr>
-          <p:cNvPr id="2" name="Tytuł 1">
-            <a:extLst>
-              <a:ext uri="{FF2B5EF4-FFF2-40B4-BE49-F238E27FC236}">
-                <a16:creationId xmlns:a16="http://schemas.microsoft.com/office/drawing/2014/main" id="{23410804-8C8F-4D1B-BDDC-87C1AA06B289}"/>
-              </a:ext>
-            </a:extLst>
-          </p:cNvPr>
+          <p:cNvPr id="2" name="Title 1"/>
           <p:cNvSpPr>
             <a:spLocks noGrp="1"/>
           </p:cNvSpPr>
@@ -2495,15 +2886,21 @@
         </p:nvSpPr>
         <p:spPr>
           <a:xfrm>
-            <a:off x="839788" y="457200"/>
-            <a:ext cx="3932237" cy="1600200"/>
+            <a:off x="581193" y="4693389"/>
+            <a:ext cx="11029616" cy="566738"/>
           </a:xfrm>
         </p:spPr>
         <p:txBody>
-          <a:bodyPr anchor="b"/>
+          <a:bodyPr anchor="b">
+            <a:normAutofit/>
+          </a:bodyPr>
           <a:lstStyle>
-            <a:lvl1pPr>
-              <a:defRPr sz="3200"/>
+            <a:lvl1pPr algn="l">
+              <a:defRPr sz="2400" b="0">
+                <a:solidFill>
+                  <a:schemeClr val="accent1"/>
+                </a:solidFill>
+              </a:defRPr>
             </a:lvl1pPr>
           </a:lstStyle>
           <a:p>
@@ -2511,20 +2908,15 @@
               <a:rPr lang="pl-PL"/>
               <a:t>Kliknij, aby edytować styl</a:t>
             </a:r>
-          </a:p>
-        </p:txBody>
-      </p:sp>
-      <p:sp>
-        <p:nvSpPr>
-          <p:cNvPr id="3" name="Symbol zastępczy obrazu 2">
-            <a:extLst>
-              <a:ext uri="{FF2B5EF4-FFF2-40B4-BE49-F238E27FC236}">
-                <a16:creationId xmlns:a16="http://schemas.microsoft.com/office/drawing/2014/main" id="{A0C48192-41F7-43A7-897B-A29D30FED2EE}"/>
-              </a:ext>
-            </a:extLst>
-          </p:cNvPr>
-          <p:cNvSpPr>
-            <a:spLocks noGrp="1"/>
+            <a:endParaRPr lang="en-US" dirty="0"/>
+          </a:p>
+        </p:txBody>
+      </p:sp>
+      <p:sp>
+        <p:nvSpPr>
+          <p:cNvPr id="3" name="Picture Placeholder 2"/>
+          <p:cNvSpPr>
+            <a:spLocks noGrp="1" noChangeAspect="1"/>
           </p:cNvSpPr>
           <p:nvPr>
             <p:ph type="pic" idx="1"/>
@@ -2532,118 +2924,120 @@
         </p:nvSpPr>
         <p:spPr>
           <a:xfrm>
-            <a:off x="5183188" y="987425"/>
-            <a:ext cx="6172200" cy="4873625"/>
+            <a:off x="447817" y="599725"/>
+            <a:ext cx="11290859" cy="3557252"/>
           </a:xfrm>
         </p:spPr>
         <p:txBody>
-          <a:bodyPr/>
+          <a:bodyPr anchor="t">
+            <a:normAutofit/>
+          </a:bodyPr>
           <a:lstStyle>
-            <a:lvl1pPr marL="0" indent="0">
-              <a:buNone/>
-              <a:defRPr sz="3200"/>
-            </a:lvl1pPr>
-            <a:lvl2pPr marL="457200" indent="0">
-              <a:buNone/>
-              <a:defRPr sz="2800"/>
-            </a:lvl2pPr>
-            <a:lvl3pPr marL="914400" indent="0">
-              <a:buNone/>
-              <a:defRPr sz="2400"/>
-            </a:lvl3pPr>
-            <a:lvl4pPr marL="1371600" indent="0">
-              <a:buNone/>
-              <a:defRPr sz="2000"/>
-            </a:lvl4pPr>
-            <a:lvl5pPr marL="1828800" indent="0">
-              <a:buNone/>
-              <a:defRPr sz="2000"/>
-            </a:lvl5pPr>
-            <a:lvl6pPr marL="2286000" indent="0">
-              <a:buNone/>
-              <a:defRPr sz="2000"/>
-            </a:lvl6pPr>
-            <a:lvl7pPr marL="2743200" indent="0">
-              <a:buNone/>
-              <a:defRPr sz="2000"/>
-            </a:lvl7pPr>
-            <a:lvl8pPr marL="3200400" indent="0">
-              <a:buNone/>
-              <a:defRPr sz="2000"/>
-            </a:lvl8pPr>
-            <a:lvl9pPr marL="3657600" indent="0">
-              <a:buNone/>
-              <a:defRPr sz="2000"/>
-            </a:lvl9pPr>
-          </a:lstStyle>
-          <a:p>
-            <a:endParaRPr lang="pl-PL"/>
-          </a:p>
-        </p:txBody>
-      </p:sp>
-      <p:sp>
-        <p:nvSpPr>
-          <p:cNvPr id="4" name="Symbol zastępczy tekstu 3">
-            <a:extLst>
-              <a:ext uri="{FF2B5EF4-FFF2-40B4-BE49-F238E27FC236}">
-                <a16:creationId xmlns:a16="http://schemas.microsoft.com/office/drawing/2014/main" id="{A832847E-1922-43EE-812A-A2B09DA4086A}"/>
-              </a:ext>
-            </a:extLst>
-          </p:cNvPr>
-          <p:cNvSpPr>
-            <a:spLocks noGrp="1"/>
-          </p:cNvSpPr>
-          <p:nvPr>
-            <p:ph type="body" sz="half" idx="2"/>
-          </p:nvPr>
-        </p:nvSpPr>
-        <p:spPr>
-          <a:xfrm>
-            <a:off x="839788" y="2057400"/>
-            <a:ext cx="3932237" cy="3811588"/>
-          </a:xfrm>
-        </p:spPr>
-        <p:txBody>
-          <a:bodyPr/>
-          <a:lstStyle>
-            <a:lvl1pPr marL="0" indent="0">
+            <a:lvl1pPr marL="0" indent="0" algn="ctr">
               <a:buNone/>
               <a:defRPr sz="1600"/>
             </a:lvl1pPr>
             <a:lvl2pPr marL="457200" indent="0">
               <a:buNone/>
-              <a:defRPr sz="1400"/>
+              <a:defRPr sz="1600"/>
             </a:lvl2pPr>
             <a:lvl3pPr marL="914400" indent="0">
               <a:buNone/>
-              <a:defRPr sz="1200"/>
+              <a:defRPr sz="1600"/>
             </a:lvl3pPr>
             <a:lvl4pPr marL="1371600" indent="0">
               <a:buNone/>
-              <a:defRPr sz="1000"/>
+              <a:defRPr sz="1600"/>
             </a:lvl4pPr>
             <a:lvl5pPr marL="1828800" indent="0">
               <a:buNone/>
-              <a:defRPr sz="1000"/>
+              <a:defRPr sz="1600"/>
             </a:lvl5pPr>
             <a:lvl6pPr marL="2286000" indent="0">
               <a:buNone/>
-              <a:defRPr sz="1000"/>
+              <a:defRPr sz="1600"/>
             </a:lvl6pPr>
             <a:lvl7pPr marL="2743200" indent="0">
               <a:buNone/>
-              <a:defRPr sz="1000"/>
+              <a:defRPr sz="1600"/>
             </a:lvl7pPr>
             <a:lvl8pPr marL="3200400" indent="0">
               <a:buNone/>
-              <a:defRPr sz="1000"/>
+              <a:defRPr sz="1600"/>
             </a:lvl8pPr>
             <a:lvl9pPr marL="3657600" indent="0">
               <a:buNone/>
-              <a:defRPr sz="1000"/>
+              <a:defRPr sz="1600"/>
             </a:lvl9pPr>
           </a:lstStyle>
           <a:p>
+            <a:r>
+              <a:rPr lang="pl-PL"/>
+              <a:t>Kliknij ikonę, aby dodać obraz</a:t>
+            </a:r>
+            <a:endParaRPr lang="en-US" dirty="0"/>
+          </a:p>
+        </p:txBody>
+      </p:sp>
+      <p:sp>
+        <p:nvSpPr>
+          <p:cNvPr id="4" name="Text Placeholder 3"/>
+          <p:cNvSpPr>
+            <a:spLocks noGrp="1"/>
+          </p:cNvSpPr>
+          <p:nvPr>
+            <p:ph type="body" sz="half" idx="2"/>
+          </p:nvPr>
+        </p:nvSpPr>
+        <p:spPr>
+          <a:xfrm>
+            <a:off x="581192" y="5260127"/>
+            <a:ext cx="11029617" cy="598671"/>
+          </a:xfrm>
+        </p:spPr>
+        <p:txBody>
+          <a:bodyPr>
+            <a:normAutofit/>
+          </a:bodyPr>
+          <a:lstStyle>
+            <a:lvl1pPr marL="0" indent="0">
+              <a:buNone/>
+              <a:defRPr sz="1200"/>
+            </a:lvl1pPr>
+            <a:lvl2pPr marL="457200" indent="0">
+              <a:buNone/>
+              <a:defRPr sz="1200"/>
+            </a:lvl2pPr>
+            <a:lvl3pPr marL="914400" indent="0">
+              <a:buNone/>
+              <a:defRPr sz="1000"/>
+            </a:lvl3pPr>
+            <a:lvl4pPr marL="1371600" indent="0">
+              <a:buNone/>
+              <a:defRPr sz="900"/>
+            </a:lvl4pPr>
+            <a:lvl5pPr marL="1828800" indent="0">
+              <a:buNone/>
+              <a:defRPr sz="900"/>
+            </a:lvl5pPr>
+            <a:lvl6pPr marL="2286000" indent="0">
+              <a:buNone/>
+              <a:defRPr sz="900"/>
+            </a:lvl6pPr>
+            <a:lvl7pPr marL="2743200" indent="0">
+              <a:buNone/>
+              <a:defRPr sz="900"/>
+            </a:lvl7pPr>
+            <a:lvl8pPr marL="3200400" indent="0">
+              <a:buNone/>
+              <a:defRPr sz="900"/>
+            </a:lvl8pPr>
+            <a:lvl9pPr marL="3657600" indent="0">
+              <a:buNone/>
+              <a:defRPr sz="900"/>
+            </a:lvl9pPr>
+          </a:lstStyle>
+          <a:p>
             <a:pPr lvl="0"/>
             <a:r>
               <a:rPr lang="pl-PL"/>
@@ -2654,13 +3048,7 @@
       </p:sp>
       <p:sp>
         <p:nvSpPr>
-          <p:cNvPr id="5" name="Symbol zastępczy daty 4">
-            <a:extLst>
-              <a:ext uri="{FF2B5EF4-FFF2-40B4-BE49-F238E27FC236}">
-                <a16:creationId xmlns:a16="http://schemas.microsoft.com/office/drawing/2014/main" id="{7D1749EA-12DC-466E-B4AB-2FA9AF0E17E7}"/>
-              </a:ext>
-            </a:extLst>
-          </p:cNvPr>
+          <p:cNvPr id="5" name="Date Placeholder 4"/>
           <p:cNvSpPr>
             <a:spLocks noGrp="1"/>
           </p:cNvSpPr>
@@ -2675,7 +3063,7 @@
           <a:p>
             <a:fld id="{54187E25-B117-416D-8A32-FE022F1E280E}" type="datetimeFigureOut">
               <a:rPr lang="pl-PL" smtClean="0"/>
-              <a:t>19.06.2017</a:t>
+              <a:t>25.06.2017</a:t>
             </a:fld>
             <a:endParaRPr lang="pl-PL"/>
           </a:p>
@@ -2683,13 +3071,7 @@
       </p:sp>
       <p:sp>
         <p:nvSpPr>
-          <p:cNvPr id="6" name="Symbol zastępczy stopki 5">
-            <a:extLst>
-              <a:ext uri="{FF2B5EF4-FFF2-40B4-BE49-F238E27FC236}">
-                <a16:creationId xmlns:a16="http://schemas.microsoft.com/office/drawing/2014/main" id="{6226B092-7DD2-4399-88A6-B7FCF0DC96FC}"/>
-              </a:ext>
-            </a:extLst>
-          </p:cNvPr>
+          <p:cNvPr id="6" name="Footer Placeholder 5"/>
           <p:cNvSpPr>
             <a:spLocks noGrp="1"/>
           </p:cNvSpPr>
@@ -2708,13 +3090,7 @@
       </p:sp>
       <p:sp>
         <p:nvSpPr>
-          <p:cNvPr id="7" name="Symbol zastępczy numeru slajdu 6">
-            <a:extLst>
-              <a:ext uri="{FF2B5EF4-FFF2-40B4-BE49-F238E27FC236}">
-                <a16:creationId xmlns:a16="http://schemas.microsoft.com/office/drawing/2014/main" id="{28FD2B17-9189-40B4-84C5-58FC6AB1FA64}"/>
-              </a:ext>
-            </a:extLst>
-          </p:cNvPr>
+          <p:cNvPr id="7" name="Slide Number Placeholder 6"/>
           <p:cNvSpPr>
             <a:spLocks noGrp="1"/>
           </p:cNvSpPr>
@@ -2738,7 +3114,7 @@
     </p:spTree>
     <p:extLst>
       <p:ext uri="{BB962C8B-B14F-4D97-AF65-F5344CB8AC3E}">
-        <p14:creationId xmlns:p14="http://schemas.microsoft.com/office/powerpoint/2010/main" val="2953735973"/>
+        <p14:creationId xmlns:p14="http://schemas.microsoft.com/office/powerpoint/2010/main" val="4005139131"/>
       </p:ext>
     </p:extLst>
   </p:cSld>
@@ -2772,13 +3148,7 @@
       </p:grpSpPr>
       <p:sp>
         <p:nvSpPr>
-          <p:cNvPr id="2" name="Symbol zastępczy tytułu 1">
-            <a:extLst>
-              <a:ext uri="{FF2B5EF4-FFF2-40B4-BE49-F238E27FC236}">
-                <a16:creationId xmlns:a16="http://schemas.microsoft.com/office/drawing/2014/main" id="{BBA70D3C-44E3-4327-BA51-7DC77E3BFBD6}"/>
-              </a:ext>
-            </a:extLst>
-          </p:cNvPr>
+          <p:cNvPr id="2" name="Title Placeholder 1"/>
           <p:cNvSpPr>
             <a:spLocks noGrp="1"/>
           </p:cNvSpPr>
@@ -2788,15 +3158,15 @@
         </p:nvSpPr>
         <p:spPr>
           <a:xfrm>
-            <a:off x="838200" y="365125"/>
-            <a:ext cx="10515600" cy="1325563"/>
+            <a:off x="581192" y="705124"/>
+            <a:ext cx="11029616" cy="1189554"/>
           </a:xfrm>
           <a:prstGeom prst="rect">
             <a:avLst/>
           </a:prstGeom>
         </p:spPr>
         <p:txBody>
-          <a:bodyPr vert="horz" lIns="91440" tIns="45720" rIns="91440" bIns="45720" rtlCol="0" anchor="ctr">
+          <a:bodyPr vert="horz" lIns="91440" tIns="45720" rIns="91440" bIns="45720" rtlCol="0" anchor="b">
             <a:normAutofit/>
           </a:bodyPr>
           <a:lstStyle/>
@@ -2805,18 +3175,13 @@
               <a:rPr lang="pl-PL"/>
               <a:t>Kliknij, aby edytować styl</a:t>
             </a:r>
-          </a:p>
-        </p:txBody>
-      </p:sp>
-      <p:sp>
-        <p:nvSpPr>
-          <p:cNvPr id="3" name="Symbol zastępczy tekstu 2">
-            <a:extLst>
-              <a:ext uri="{FF2B5EF4-FFF2-40B4-BE49-F238E27FC236}">
-                <a16:creationId xmlns:a16="http://schemas.microsoft.com/office/drawing/2014/main" id="{8A9FA5F2-CFEA-482A-AE38-FBDE2F78EFC6}"/>
-              </a:ext>
-            </a:extLst>
-          </p:cNvPr>
+            <a:endParaRPr lang="en-US" dirty="0"/>
+          </a:p>
+        </p:txBody>
+      </p:sp>
+      <p:sp>
+        <p:nvSpPr>
+          <p:cNvPr id="3" name="Text Placeholder 2"/>
           <p:cNvSpPr>
             <a:spLocks noGrp="1"/>
           </p:cNvSpPr>
@@ -2826,15 +3191,15 @@
         </p:nvSpPr>
         <p:spPr>
           <a:xfrm>
-            <a:off x="838200" y="1825625"/>
-            <a:ext cx="10515600" cy="4351338"/>
+            <a:off x="581192" y="2336003"/>
+            <a:ext cx="11029616" cy="3522794"/>
           </a:xfrm>
           <a:prstGeom prst="rect">
             <a:avLst/>
           </a:prstGeom>
         </p:spPr>
         <p:txBody>
-          <a:bodyPr vert="horz" lIns="91440" tIns="45720" rIns="91440" bIns="45720" rtlCol="0">
+          <a:bodyPr vert="horz" lIns="91440" tIns="45720" rIns="91440" bIns="45720" rtlCol="0" anchor="ctr">
             <a:normAutofit/>
           </a:bodyPr>
           <a:lstStyle/>
@@ -2872,18 +3237,13 @@
               <a:rPr lang="pl-PL"/>
               <a:t>Piąty poziom</a:t>
             </a:r>
-          </a:p>
-        </p:txBody>
-      </p:sp>
-      <p:sp>
-        <p:nvSpPr>
-          <p:cNvPr id="4" name="Symbol zastępczy daty 3">
-            <a:extLst>
-              <a:ext uri="{FF2B5EF4-FFF2-40B4-BE49-F238E27FC236}">
-                <a16:creationId xmlns:a16="http://schemas.microsoft.com/office/drawing/2014/main" id="{29F2A780-8085-4CDE-8A7A-3EEA3801C76E}"/>
-              </a:ext>
-            </a:extLst>
-          </p:cNvPr>
+            <a:endParaRPr lang="en-US" dirty="0"/>
+          </a:p>
+        </p:txBody>
+      </p:sp>
+      <p:sp>
+        <p:nvSpPr>
+          <p:cNvPr id="4" name="Date Placeholder 3"/>
           <p:cNvSpPr>
             <a:spLocks noGrp="1"/>
           </p:cNvSpPr>
@@ -2893,8 +3253,8 @@
         </p:nvSpPr>
         <p:spPr>
           <a:xfrm>
-            <a:off x="838200" y="6356350"/>
-            <a:ext cx="2743200" cy="365125"/>
+            <a:off x="7605951" y="5956137"/>
+            <a:ext cx="2844799" cy="365125"/>
           </a:xfrm>
           <a:prstGeom prst="rect">
             <a:avLst/>
@@ -2903,12 +3263,10 @@
         <p:txBody>
           <a:bodyPr vert="horz" lIns="91440" tIns="45720" rIns="91440" bIns="45720" rtlCol="0" anchor="ctr"/>
           <a:lstStyle>
-            <a:lvl1pPr algn="l">
-              <a:defRPr sz="1200">
-                <a:solidFill>
-                  <a:schemeClr val="tx1">
-                    <a:tint val="75000"/>
-                  </a:schemeClr>
+            <a:lvl1pPr algn="r">
+              <a:defRPr sz="900">
+                <a:solidFill>
+                  <a:schemeClr val="accent2"/>
                 </a:solidFill>
               </a:defRPr>
             </a:lvl1pPr>
@@ -2916,7 +3274,7 @@
           <a:p>
             <a:fld id="{54187E25-B117-416D-8A32-FE022F1E280E}" type="datetimeFigureOut">
               <a:rPr lang="pl-PL" smtClean="0"/>
-              <a:t>19.06.2017</a:t>
+              <a:t>25.06.2017</a:t>
             </a:fld>
             <a:endParaRPr lang="pl-PL"/>
           </a:p>
@@ -2924,13 +3282,7 @@
       </p:sp>
       <p:sp>
         <p:nvSpPr>
-          <p:cNvPr id="5" name="Symbol zastępczy stopki 4">
-            <a:extLst>
-              <a:ext uri="{FF2B5EF4-FFF2-40B4-BE49-F238E27FC236}">
-                <a16:creationId xmlns:a16="http://schemas.microsoft.com/office/drawing/2014/main" id="{B249A48D-FF3D-49DD-9EA2-7811B48FDBFF}"/>
-              </a:ext>
-            </a:extLst>
-          </p:cNvPr>
+          <p:cNvPr id="5" name="Footer Placeholder 4"/>
           <p:cNvSpPr>
             <a:spLocks noGrp="1"/>
           </p:cNvSpPr>
@@ -2940,8 +3292,8 @@
         </p:nvSpPr>
         <p:spPr>
           <a:xfrm>
-            <a:off x="4038600" y="6356350"/>
-            <a:ext cx="4114800" cy="365125"/>
+            <a:off x="581192" y="5951811"/>
+            <a:ext cx="6917210" cy="365125"/>
           </a:xfrm>
           <a:prstGeom prst="rect">
             <a:avLst/>
@@ -2950,12 +3302,10 @@
         <p:txBody>
           <a:bodyPr vert="horz" lIns="91440" tIns="45720" rIns="91440" bIns="45720" rtlCol="0" anchor="ctr"/>
           <a:lstStyle>
-            <a:lvl1pPr algn="ctr">
-              <a:defRPr sz="1200">
-                <a:solidFill>
-                  <a:schemeClr val="tx1">
-                    <a:tint val="75000"/>
-                  </a:schemeClr>
+            <a:lvl1pPr algn="l">
+              <a:defRPr sz="900" cap="all">
+                <a:solidFill>
+                  <a:schemeClr val="accent2"/>
                 </a:solidFill>
               </a:defRPr>
             </a:lvl1pPr>
@@ -2967,13 +3317,7 @@
       </p:sp>
       <p:sp>
         <p:nvSpPr>
-          <p:cNvPr id="6" name="Symbol zastępczy numeru slajdu 5">
-            <a:extLst>
-              <a:ext uri="{FF2B5EF4-FFF2-40B4-BE49-F238E27FC236}">
-                <a16:creationId xmlns:a16="http://schemas.microsoft.com/office/drawing/2014/main" id="{E89B26A2-F2E9-40B2-84B7-8EC6CE4FEBDA}"/>
-              </a:ext>
-            </a:extLst>
-          </p:cNvPr>
+          <p:cNvPr id="6" name="Slide Number Placeholder 5"/>
           <p:cNvSpPr>
             <a:spLocks noGrp="1"/>
           </p:cNvSpPr>
@@ -2983,8 +3327,8 @@
         </p:nvSpPr>
         <p:spPr>
           <a:xfrm>
-            <a:off x="8610600" y="6356350"/>
-            <a:ext cx="2743200" cy="365125"/>
+            <a:off x="10558300" y="5956137"/>
+            <a:ext cx="1052510" cy="365125"/>
           </a:xfrm>
           <a:prstGeom prst="rect">
             <a:avLst/>
@@ -2994,11 +3338,9 @@
           <a:bodyPr vert="horz" lIns="91440" tIns="45720" rIns="91440" bIns="45720" rtlCol="0" anchor="ctr"/>
           <a:lstStyle>
             <a:lvl1pPr algn="r">
-              <a:defRPr sz="1200">
-                <a:solidFill>
-                  <a:schemeClr val="tx1">
-                    <a:tint val="75000"/>
-                  </a:schemeClr>
+              <a:defRPr sz="900">
+                <a:solidFill>
+                  <a:schemeClr val="accent2"/>
                 </a:solidFill>
               </a:defRPr>
             </a:lvl1pPr>
@@ -3012,58 +3354,417 @@
           </a:p>
         </p:txBody>
       </p:sp>
+      <p:sp>
+        <p:nvSpPr>
+          <p:cNvPr id="9" name="Rectangle 8"/>
+          <p:cNvSpPr/>
+          <p:nvPr/>
+        </p:nvSpPr>
+        <p:spPr>
+          <a:xfrm>
+            <a:off x="446534" y="457200"/>
+            <a:ext cx="3703320" cy="94997"/>
+          </a:xfrm>
+          <a:prstGeom prst="rect">
+            <a:avLst/>
+          </a:prstGeom>
+          <a:solidFill>
+            <a:schemeClr val="accent1"/>
+          </a:solidFill>
+          <a:ln>
+            <a:noFill/>
+          </a:ln>
+          <a:effectLst/>
+        </p:spPr>
+        <p:style>
+          <a:lnRef idx="1">
+            <a:schemeClr val="accent1"/>
+          </a:lnRef>
+          <a:fillRef idx="3">
+            <a:schemeClr val="accent1"/>
+          </a:fillRef>
+          <a:effectRef idx="2">
+            <a:schemeClr val="accent1"/>
+          </a:effectRef>
+          <a:fontRef idx="minor">
+            <a:schemeClr val="lt1"/>
+          </a:fontRef>
+        </p:style>
+      </p:sp>
+      <p:sp>
+        <p:nvSpPr>
+          <p:cNvPr id="10" name="Rectangle 9"/>
+          <p:cNvSpPr/>
+          <p:nvPr/>
+        </p:nvSpPr>
+        <p:spPr>
+          <a:xfrm>
+            <a:off x="8042147" y="453643"/>
+            <a:ext cx="3703320" cy="98554"/>
+          </a:xfrm>
+          <a:prstGeom prst="rect">
+            <a:avLst/>
+          </a:prstGeom>
+          <a:solidFill>
+            <a:schemeClr val="accent4"/>
+          </a:solidFill>
+          <a:ln>
+            <a:noFill/>
+          </a:ln>
+          <a:effectLst/>
+        </p:spPr>
+        <p:style>
+          <a:lnRef idx="1">
+            <a:schemeClr val="accent1"/>
+          </a:lnRef>
+          <a:fillRef idx="3">
+            <a:schemeClr val="accent1"/>
+          </a:fillRef>
+          <a:effectRef idx="2">
+            <a:schemeClr val="accent1"/>
+          </a:effectRef>
+          <a:fontRef idx="minor">
+            <a:schemeClr val="lt1"/>
+          </a:fontRef>
+        </p:style>
+      </p:sp>
+      <p:sp>
+        <p:nvSpPr>
+          <p:cNvPr id="11" name="Rectangle 10"/>
+          <p:cNvSpPr/>
+          <p:nvPr/>
+        </p:nvSpPr>
+        <p:spPr>
+          <a:xfrm>
+            <a:off x="4241830" y="457200"/>
+            <a:ext cx="3703320" cy="91440"/>
+          </a:xfrm>
+          <a:prstGeom prst="rect">
+            <a:avLst/>
+          </a:prstGeom>
+          <a:solidFill>
+            <a:schemeClr val="accent2"/>
+          </a:solidFill>
+          <a:ln>
+            <a:noFill/>
+          </a:ln>
+          <a:effectLst/>
+        </p:spPr>
+        <p:style>
+          <a:lnRef idx="1">
+            <a:schemeClr val="accent1"/>
+          </a:lnRef>
+          <a:fillRef idx="3">
+            <a:schemeClr val="accent1"/>
+          </a:fillRef>
+          <a:effectRef idx="2">
+            <a:schemeClr val="accent1"/>
+          </a:effectRef>
+          <a:fontRef idx="minor">
+            <a:schemeClr val="lt1"/>
+          </a:fontRef>
+        </p:style>
+      </p:sp>
     </p:spTree>
     <p:extLst>
       <p:ext uri="{BB962C8B-B14F-4D97-AF65-F5344CB8AC3E}">
-        <p14:creationId xmlns:p14="http://schemas.microsoft.com/office/powerpoint/2010/main" val="3072063127"/>
+        <p14:creationId xmlns:p14="http://schemas.microsoft.com/office/powerpoint/2010/main" val="2028935677"/>
       </p:ext>
     </p:extLst>
   </p:cSld>
   <p:clrMap bg1="lt1" tx1="dk1" bg2="lt2" tx2="dk2" accent1="accent1" accent2="accent2" accent3="accent3" accent4="accent4" accent5="accent5" accent6="accent6" hlink="hlink" folHlink="folHlink"/>
   <p:sldLayoutIdLst>
-    <p:sldLayoutId id="2147483649" r:id="rId1"/>
-    <p:sldLayoutId id="2147483650" r:id="rId2"/>
-    <p:sldLayoutId id="2147483651" r:id="rId3"/>
-    <p:sldLayoutId id="2147483652" r:id="rId4"/>
-    <p:sldLayoutId id="2147483653" r:id="rId5"/>
-    <p:sldLayoutId id="2147483654" r:id="rId6"/>
-    <p:sldLayoutId id="2147483655" r:id="rId7"/>
-    <p:sldLayoutId id="2147483656" r:id="rId8"/>
-    <p:sldLayoutId id="2147483657" r:id="rId9"/>
-    <p:sldLayoutId id="2147483658" r:id="rId10"/>
-    <p:sldLayoutId id="2147483659" r:id="rId11"/>
+    <p:sldLayoutId id="2147483673" r:id="rId1"/>
+    <p:sldLayoutId id="2147483674" r:id="rId2"/>
+    <p:sldLayoutId id="2147483675" r:id="rId3"/>
+    <p:sldLayoutId id="2147483676" r:id="rId4"/>
+    <p:sldLayoutId id="2147483677" r:id="rId5"/>
+    <p:sldLayoutId id="2147483678" r:id="rId6"/>
+    <p:sldLayoutId id="2147483679" r:id="rId7"/>
+    <p:sldLayoutId id="2147483680" r:id="rId8"/>
+    <p:sldLayoutId id="2147483681" r:id="rId9"/>
+    <p:sldLayoutId id="2147483682" r:id="rId10"/>
+    <p:sldLayoutId id="2147483683" r:id="rId11"/>
   </p:sldLayoutIdLst>
   <p:txStyles>
     <p:titleStyle>
-      <a:lvl1pPr algn="l" defTabSz="914400" rtl="0" eaLnBrk="1" latinLnBrk="0" hangingPunct="1">
-        <a:lnSpc>
-          <a:spcPct val="90000"/>
-        </a:lnSpc>
+      <a:lvl1pPr algn="l" defTabSz="457200" rtl="0" eaLnBrk="1" latinLnBrk="0" hangingPunct="1">
         <a:spcBef>
           <a:spcPct val="0"/>
         </a:spcBef>
         <a:buNone/>
-        <a:defRPr sz="4400" kern="1200">
+        <a:defRPr sz="2800" b="0" kern="1200" cap="all">
           <a:solidFill>
-            <a:schemeClr val="tx1"/>
+            <a:schemeClr val="bg1"/>
           </a:solidFill>
           <a:latin typeface="+mj-lt"/>
           <a:ea typeface="+mj-ea"/>
           <a:cs typeface="+mj-cs"/>
         </a:defRPr>
       </a:lvl1pPr>
+      <a:lvl2pPr eaLnBrk="1" hangingPunct="1">
+        <a:defRPr>
+          <a:solidFill>
+            <a:schemeClr val="tx2"/>
+          </a:solidFill>
+        </a:defRPr>
+      </a:lvl2pPr>
+      <a:lvl3pPr eaLnBrk="1" hangingPunct="1">
+        <a:defRPr>
+          <a:solidFill>
+            <a:schemeClr val="tx2"/>
+          </a:solidFill>
+        </a:defRPr>
+      </a:lvl3pPr>
+      <a:lvl4pPr eaLnBrk="1" hangingPunct="1">
+        <a:defRPr>
+          <a:solidFill>
+            <a:schemeClr val="tx2"/>
+          </a:solidFill>
+        </a:defRPr>
+      </a:lvl4pPr>
+      <a:lvl5pPr eaLnBrk="1" hangingPunct="1">
+        <a:defRPr>
+          <a:solidFill>
+            <a:schemeClr val="tx2"/>
+          </a:solidFill>
+        </a:defRPr>
+      </a:lvl5pPr>
+      <a:lvl6pPr eaLnBrk="1" hangingPunct="1">
+        <a:defRPr>
+          <a:solidFill>
+            <a:schemeClr val="tx2"/>
+          </a:solidFill>
+        </a:defRPr>
+      </a:lvl6pPr>
+      <a:lvl7pPr eaLnBrk="1" hangingPunct="1">
+        <a:defRPr>
+          <a:solidFill>
+            <a:schemeClr val="tx2"/>
+          </a:solidFill>
+        </a:defRPr>
+      </a:lvl7pPr>
+      <a:lvl8pPr eaLnBrk="1" hangingPunct="1">
+        <a:defRPr>
+          <a:solidFill>
+            <a:schemeClr val="tx2"/>
+          </a:solidFill>
+        </a:defRPr>
+      </a:lvl8pPr>
+      <a:lvl9pPr eaLnBrk="1" hangingPunct="1">
+        <a:defRPr>
+          <a:solidFill>
+            <a:schemeClr val="tx2"/>
+          </a:solidFill>
+        </a:defRPr>
+      </a:lvl9pPr>
     </p:titleStyle>
     <p:bodyStyle>
-      <a:lvl1pPr marL="228600" indent="-228600" algn="l" defTabSz="914400" rtl="0" eaLnBrk="1" latinLnBrk="0" hangingPunct="1">
-        <a:lnSpc>
-          <a:spcPct val="90000"/>
-        </a:lnSpc>
+      <a:lvl1pPr marL="306000" indent="-306000" algn="l" defTabSz="457200" rtl="0" eaLnBrk="1" latinLnBrk="0" hangingPunct="1">
         <a:spcBef>
-          <a:spcPts val="1000"/>
+          <a:spcPct val="20000"/>
         </a:spcBef>
-        <a:buFont typeface="Arial" panose="020B0604020202020204" pitchFamily="34" charset="0"/>
-        <a:buChar char="•"/>
-        <a:defRPr sz="2800" kern="1200">
+        <a:spcAft>
+          <a:spcPts val="600"/>
+        </a:spcAft>
+        <a:buClr>
+          <a:schemeClr val="accent2"/>
+        </a:buClr>
+        <a:buSzPct val="92000"/>
+        <a:buFont typeface="Wingdings 2" panose="05020102010507070707" pitchFamily="18" charset="2"/>
+        <a:buChar char=""/>
+        <a:defRPr sz="1800" kern="1200">
+          <a:solidFill>
+            <a:schemeClr val="tx2"/>
+          </a:solidFill>
+          <a:latin typeface="+mn-lt"/>
+          <a:ea typeface="+mn-ea"/>
+          <a:cs typeface="+mn-cs"/>
+        </a:defRPr>
+      </a:lvl1pPr>
+      <a:lvl2pPr marL="630000" indent="-306000" algn="l" defTabSz="457200" rtl="0" eaLnBrk="1" latinLnBrk="0" hangingPunct="1">
+        <a:spcBef>
+          <a:spcPct val="20000"/>
+        </a:spcBef>
+        <a:spcAft>
+          <a:spcPts val="600"/>
+        </a:spcAft>
+        <a:buClr>
+          <a:schemeClr val="accent2"/>
+        </a:buClr>
+        <a:buSzPct val="92000"/>
+        <a:buFont typeface="Wingdings 2" panose="05020102010507070707" pitchFamily="18" charset="2"/>
+        <a:buChar char=""/>
+        <a:defRPr sz="1600" kern="1200">
+          <a:solidFill>
+            <a:schemeClr val="tx2"/>
+          </a:solidFill>
+          <a:latin typeface="+mn-lt"/>
+          <a:ea typeface="+mn-ea"/>
+          <a:cs typeface="+mn-cs"/>
+        </a:defRPr>
+      </a:lvl2pPr>
+      <a:lvl3pPr marL="900000" indent="-270000" algn="l" defTabSz="457200" rtl="0" eaLnBrk="1" latinLnBrk="0" hangingPunct="1">
+        <a:spcBef>
+          <a:spcPct val="20000"/>
+        </a:spcBef>
+        <a:spcAft>
+          <a:spcPts val="600"/>
+        </a:spcAft>
+        <a:buClr>
+          <a:schemeClr val="accent2"/>
+        </a:buClr>
+        <a:buSzPct val="92000"/>
+        <a:buFont typeface="Wingdings 2" panose="05020102010507070707" pitchFamily="18" charset="2"/>
+        <a:buChar char=""/>
+        <a:defRPr sz="1400" kern="1200">
+          <a:solidFill>
+            <a:schemeClr val="tx2"/>
+          </a:solidFill>
+          <a:latin typeface="+mn-lt"/>
+          <a:ea typeface="+mn-ea"/>
+          <a:cs typeface="+mn-cs"/>
+        </a:defRPr>
+      </a:lvl3pPr>
+      <a:lvl4pPr marL="1242000" indent="-234000" algn="l" defTabSz="457200" rtl="0" eaLnBrk="1" latinLnBrk="0" hangingPunct="1">
+        <a:spcBef>
+          <a:spcPct val="20000"/>
+        </a:spcBef>
+        <a:spcAft>
+          <a:spcPts val="600"/>
+        </a:spcAft>
+        <a:buClr>
+          <a:schemeClr val="accent2"/>
+        </a:buClr>
+        <a:buSzPct val="92000"/>
+        <a:buFont typeface="Wingdings 2" panose="05020102010507070707" pitchFamily="18" charset="2"/>
+        <a:buChar char=""/>
+        <a:defRPr sz="1200" kern="1200">
+          <a:solidFill>
+            <a:schemeClr val="tx2"/>
+          </a:solidFill>
+          <a:latin typeface="+mn-lt"/>
+          <a:ea typeface="+mn-ea"/>
+          <a:cs typeface="+mn-cs"/>
+        </a:defRPr>
+      </a:lvl4pPr>
+      <a:lvl5pPr marL="1602000" indent="-234000" algn="l" defTabSz="457200" rtl="0" eaLnBrk="1" latinLnBrk="0" hangingPunct="1">
+        <a:spcBef>
+          <a:spcPct val="20000"/>
+        </a:spcBef>
+        <a:spcAft>
+          <a:spcPts val="600"/>
+        </a:spcAft>
+        <a:buClr>
+          <a:schemeClr val="accent2"/>
+        </a:buClr>
+        <a:buSzPct val="92000"/>
+        <a:buFont typeface="Wingdings 2" panose="05020102010507070707" pitchFamily="18" charset="2"/>
+        <a:buChar char=""/>
+        <a:defRPr sz="1200" kern="1200">
+          <a:solidFill>
+            <a:schemeClr val="tx2"/>
+          </a:solidFill>
+          <a:latin typeface="+mn-lt"/>
+          <a:ea typeface="+mn-ea"/>
+          <a:cs typeface="+mn-cs"/>
+        </a:defRPr>
+      </a:lvl5pPr>
+      <a:lvl6pPr marL="1900000" indent="-228600" algn="l" defTabSz="457200" rtl="0" eaLnBrk="1" latinLnBrk="0" hangingPunct="1">
+        <a:spcBef>
+          <a:spcPct val="20000"/>
+        </a:spcBef>
+        <a:spcAft>
+          <a:spcPts val="600"/>
+        </a:spcAft>
+        <a:buClr>
+          <a:schemeClr val="accent2"/>
+        </a:buClr>
+        <a:buSzPct val="92000"/>
+        <a:buFont typeface="Wingdings 2" panose="05020102010507070707" pitchFamily="18" charset="2"/>
+        <a:buChar char=""/>
+        <a:defRPr sz="1200" kern="1200">
+          <a:solidFill>
+            <a:schemeClr val="tx2"/>
+          </a:solidFill>
+          <a:latin typeface="+mn-lt"/>
+          <a:ea typeface="+mn-ea"/>
+          <a:cs typeface="+mn-cs"/>
+        </a:defRPr>
+      </a:lvl6pPr>
+      <a:lvl7pPr marL="2200000" indent="-228600" algn="l" defTabSz="457200" rtl="0" eaLnBrk="1" latinLnBrk="0" hangingPunct="1">
+        <a:spcBef>
+          <a:spcPct val="20000"/>
+        </a:spcBef>
+        <a:spcAft>
+          <a:spcPts val="600"/>
+        </a:spcAft>
+        <a:buClr>
+          <a:schemeClr val="accent2"/>
+        </a:buClr>
+        <a:buSzPct val="92000"/>
+        <a:buFont typeface="Wingdings 2" panose="05020102010507070707" pitchFamily="18" charset="2"/>
+        <a:buChar char=""/>
+        <a:defRPr sz="1200" kern="1200">
+          <a:solidFill>
+            <a:schemeClr val="tx2"/>
+          </a:solidFill>
+          <a:latin typeface="+mn-lt"/>
+          <a:ea typeface="+mn-ea"/>
+          <a:cs typeface="+mn-cs"/>
+        </a:defRPr>
+      </a:lvl7pPr>
+      <a:lvl8pPr marL="2500000" indent="-228600" algn="l" defTabSz="457200" rtl="0" eaLnBrk="1" latinLnBrk="0" hangingPunct="1">
+        <a:spcBef>
+          <a:spcPct val="20000"/>
+        </a:spcBef>
+        <a:spcAft>
+          <a:spcPts val="600"/>
+        </a:spcAft>
+        <a:buClr>
+          <a:schemeClr val="accent2"/>
+        </a:buClr>
+        <a:buSzPct val="92000"/>
+        <a:buFont typeface="Wingdings 2" panose="05020102010507070707" pitchFamily="18" charset="2"/>
+        <a:buChar char=""/>
+        <a:defRPr sz="1200" kern="1200">
+          <a:solidFill>
+            <a:schemeClr val="tx2"/>
+          </a:solidFill>
+          <a:latin typeface="+mn-lt"/>
+          <a:ea typeface="+mn-ea"/>
+          <a:cs typeface="+mn-cs"/>
+        </a:defRPr>
+      </a:lvl8pPr>
+      <a:lvl9pPr marL="2800000" indent="-228600" algn="l" defTabSz="457200" rtl="0" eaLnBrk="1" latinLnBrk="0" hangingPunct="1">
+        <a:spcBef>
+          <a:spcPct val="20000"/>
+        </a:spcBef>
+        <a:spcAft>
+          <a:spcPts val="600"/>
+        </a:spcAft>
+        <a:buClr>
+          <a:schemeClr val="accent2"/>
+        </a:buClr>
+        <a:buSzPct val="92000"/>
+        <a:buFont typeface="Wingdings 2" panose="05020102010507070707" pitchFamily="18" charset="2"/>
+        <a:buChar char=""/>
+        <a:defRPr sz="1200" kern="1200">
+          <a:solidFill>
+            <a:schemeClr val="tx2"/>
+          </a:solidFill>
+          <a:latin typeface="+mn-lt"/>
+          <a:ea typeface="+mn-ea"/>
+          <a:cs typeface="+mn-cs"/>
+        </a:defRPr>
+      </a:lvl9pPr>
+    </p:bodyStyle>
+    <p:otherStyle>
+      <a:defPPr>
+        <a:defRPr lang="en-US"/>
+      </a:defPPr>
+      <a:lvl1pPr marL="0" algn="l" defTabSz="457200" rtl="0" eaLnBrk="1" latinLnBrk="0" hangingPunct="1">
+        <a:defRPr sz="1800" kern="1200">
           <a:solidFill>
             <a:schemeClr val="tx1"/>
           </a:solidFill>
@@ -3072,16 +3773,8 @@
           <a:cs typeface="+mn-cs"/>
         </a:defRPr>
       </a:lvl1pPr>
-      <a:lvl2pPr marL="685800" indent="-228600" algn="l" defTabSz="914400" rtl="0" eaLnBrk="1" latinLnBrk="0" hangingPunct="1">
-        <a:lnSpc>
-          <a:spcPct val="90000"/>
-        </a:lnSpc>
-        <a:spcBef>
-          <a:spcPts val="500"/>
-        </a:spcBef>
-        <a:buFont typeface="Arial" panose="020B0604020202020204" pitchFamily="34" charset="0"/>
-        <a:buChar char="•"/>
-        <a:defRPr sz="2400" kern="1200">
+      <a:lvl2pPr marL="457200" algn="l" defTabSz="457200" rtl="0" eaLnBrk="1" latinLnBrk="0" hangingPunct="1">
+        <a:defRPr sz="1800" kern="1200">
           <a:solidFill>
             <a:schemeClr val="tx1"/>
           </a:solidFill>
@@ -3090,16 +3783,8 @@
           <a:cs typeface="+mn-cs"/>
         </a:defRPr>
       </a:lvl2pPr>
-      <a:lvl3pPr marL="1143000" indent="-228600" algn="l" defTabSz="914400" rtl="0" eaLnBrk="1" latinLnBrk="0" hangingPunct="1">
-        <a:lnSpc>
-          <a:spcPct val="90000"/>
-        </a:lnSpc>
-        <a:spcBef>
-          <a:spcPts val="500"/>
-        </a:spcBef>
-        <a:buFont typeface="Arial" panose="020B0604020202020204" pitchFamily="34" charset="0"/>
-        <a:buChar char="•"/>
-        <a:defRPr sz="2000" kern="1200">
+      <a:lvl3pPr marL="914400" algn="l" defTabSz="457200" rtl="0" eaLnBrk="1" latinLnBrk="0" hangingPunct="1">
+        <a:defRPr sz="1800" kern="1200">
           <a:solidFill>
             <a:schemeClr val="tx1"/>
           </a:solidFill>
@@ -3108,15 +3793,7 @@
           <a:cs typeface="+mn-cs"/>
         </a:defRPr>
       </a:lvl3pPr>
-      <a:lvl4pPr marL="1600200" indent="-228600" algn="l" defTabSz="914400" rtl="0" eaLnBrk="1" latinLnBrk="0" hangingPunct="1">
-        <a:lnSpc>
-          <a:spcPct val="90000"/>
-        </a:lnSpc>
-        <a:spcBef>
-          <a:spcPts val="500"/>
-        </a:spcBef>
-        <a:buFont typeface="Arial" panose="020B0604020202020204" pitchFamily="34" charset="0"/>
-        <a:buChar char="•"/>
+      <a:lvl4pPr marL="1371600" algn="l" defTabSz="457200" rtl="0" eaLnBrk="1" latinLnBrk="0" hangingPunct="1">
         <a:defRPr sz="1800" kern="1200">
           <a:solidFill>
             <a:schemeClr val="tx1"/>
@@ -3126,15 +3803,7 @@
           <a:cs typeface="+mn-cs"/>
         </a:defRPr>
       </a:lvl4pPr>
-      <a:lvl5pPr marL="2057400" indent="-228600" algn="l" defTabSz="914400" rtl="0" eaLnBrk="1" latinLnBrk="0" hangingPunct="1">
-        <a:lnSpc>
-          <a:spcPct val="90000"/>
-        </a:lnSpc>
-        <a:spcBef>
-          <a:spcPts val="500"/>
-        </a:spcBef>
-        <a:buFont typeface="Arial" panose="020B0604020202020204" pitchFamily="34" charset="0"/>
-        <a:buChar char="•"/>
+      <a:lvl5pPr marL="1828800" algn="l" defTabSz="457200" rtl="0" eaLnBrk="1" latinLnBrk="0" hangingPunct="1">
         <a:defRPr sz="1800" kern="1200">
           <a:solidFill>
             <a:schemeClr val="tx1"/>
@@ -3144,15 +3813,7 @@
           <a:cs typeface="+mn-cs"/>
         </a:defRPr>
       </a:lvl5pPr>
-      <a:lvl6pPr marL="2514600" indent="-228600" algn="l" defTabSz="914400" rtl="0" eaLnBrk="1" latinLnBrk="0" hangingPunct="1">
-        <a:lnSpc>
-          <a:spcPct val="90000"/>
-        </a:lnSpc>
-        <a:spcBef>
-          <a:spcPts val="500"/>
-        </a:spcBef>
-        <a:buFont typeface="Arial" panose="020B0604020202020204" pitchFamily="34" charset="0"/>
-        <a:buChar char="•"/>
+      <a:lvl6pPr marL="2286000" algn="l" defTabSz="457200" rtl="0" eaLnBrk="1" latinLnBrk="0" hangingPunct="1">
         <a:defRPr sz="1800" kern="1200">
           <a:solidFill>
             <a:schemeClr val="tx1"/>
@@ -3162,15 +3823,7 @@
           <a:cs typeface="+mn-cs"/>
         </a:defRPr>
       </a:lvl6pPr>
-      <a:lvl7pPr marL="2971800" indent="-228600" algn="l" defTabSz="914400" rtl="0" eaLnBrk="1" latinLnBrk="0" hangingPunct="1">
-        <a:lnSpc>
-          <a:spcPct val="90000"/>
-        </a:lnSpc>
-        <a:spcBef>
-          <a:spcPts val="500"/>
-        </a:spcBef>
-        <a:buFont typeface="Arial" panose="020B0604020202020204" pitchFamily="34" charset="0"/>
-        <a:buChar char="•"/>
+      <a:lvl7pPr marL="2743200" algn="l" defTabSz="457200" rtl="0" eaLnBrk="1" latinLnBrk="0" hangingPunct="1">
         <a:defRPr sz="1800" kern="1200">
           <a:solidFill>
             <a:schemeClr val="tx1"/>
@@ -3180,15 +3833,7 @@
           <a:cs typeface="+mn-cs"/>
         </a:defRPr>
       </a:lvl7pPr>
-      <a:lvl8pPr marL="3429000" indent="-228600" algn="l" defTabSz="914400" rtl="0" eaLnBrk="1" latinLnBrk="0" hangingPunct="1">
-        <a:lnSpc>
-          <a:spcPct val="90000"/>
-        </a:lnSpc>
-        <a:spcBef>
-          <a:spcPts val="500"/>
-        </a:spcBef>
-        <a:buFont typeface="Arial" panose="020B0604020202020204" pitchFamily="34" charset="0"/>
-        <a:buChar char="•"/>
+      <a:lvl8pPr marL="3200400" algn="l" defTabSz="457200" rtl="0" eaLnBrk="1" latinLnBrk="0" hangingPunct="1">
         <a:defRPr sz="1800" kern="1200">
           <a:solidFill>
             <a:schemeClr val="tx1"/>
@@ -3198,110 +3843,7 @@
           <a:cs typeface="+mn-cs"/>
         </a:defRPr>
       </a:lvl8pPr>
-      <a:lvl9pPr marL="3886200" indent="-228600" algn="l" defTabSz="914400" rtl="0" eaLnBrk="1" latinLnBrk="0" hangingPunct="1">
-        <a:lnSpc>
-          <a:spcPct val="90000"/>
-        </a:lnSpc>
-        <a:spcBef>
-          <a:spcPts val="500"/>
-        </a:spcBef>
-        <a:buFont typeface="Arial" panose="020B0604020202020204" pitchFamily="34" charset="0"/>
-        <a:buChar char="•"/>
-        <a:defRPr sz="1800" kern="1200">
-          <a:solidFill>
-            <a:schemeClr val="tx1"/>
-          </a:solidFill>
-          <a:latin typeface="+mn-lt"/>
-          <a:ea typeface="+mn-ea"/>
-          <a:cs typeface="+mn-cs"/>
-        </a:defRPr>
-      </a:lvl9pPr>
-    </p:bodyStyle>
-    <p:otherStyle>
-      <a:defPPr>
-        <a:defRPr lang="pl-PL"/>
-      </a:defPPr>
-      <a:lvl1pPr marL="0" algn="l" defTabSz="914400" rtl="0" eaLnBrk="1" latinLnBrk="0" hangingPunct="1">
-        <a:defRPr sz="1800" kern="1200">
-          <a:solidFill>
-            <a:schemeClr val="tx1"/>
-          </a:solidFill>
-          <a:latin typeface="+mn-lt"/>
-          <a:ea typeface="+mn-ea"/>
-          <a:cs typeface="+mn-cs"/>
-        </a:defRPr>
-      </a:lvl1pPr>
-      <a:lvl2pPr marL="457200" algn="l" defTabSz="914400" rtl="0" eaLnBrk="1" latinLnBrk="0" hangingPunct="1">
-        <a:defRPr sz="1800" kern="1200">
-          <a:solidFill>
-            <a:schemeClr val="tx1"/>
-          </a:solidFill>
-          <a:latin typeface="+mn-lt"/>
-          <a:ea typeface="+mn-ea"/>
-          <a:cs typeface="+mn-cs"/>
-        </a:defRPr>
-      </a:lvl2pPr>
-      <a:lvl3pPr marL="914400" algn="l" defTabSz="914400" rtl="0" eaLnBrk="1" latinLnBrk="0" hangingPunct="1">
-        <a:defRPr sz="1800" kern="1200">
-          <a:solidFill>
-            <a:schemeClr val="tx1"/>
-          </a:solidFill>
-          <a:latin typeface="+mn-lt"/>
-          <a:ea typeface="+mn-ea"/>
-          <a:cs typeface="+mn-cs"/>
-        </a:defRPr>
-      </a:lvl3pPr>
-      <a:lvl4pPr marL="1371600" algn="l" defTabSz="914400" rtl="0" eaLnBrk="1" latinLnBrk="0" hangingPunct="1">
-        <a:defRPr sz="1800" kern="1200">
-          <a:solidFill>
-            <a:schemeClr val="tx1"/>
-          </a:solidFill>
-          <a:latin typeface="+mn-lt"/>
-          <a:ea typeface="+mn-ea"/>
-          <a:cs typeface="+mn-cs"/>
-        </a:defRPr>
-      </a:lvl4pPr>
-      <a:lvl5pPr marL="1828800" algn="l" defTabSz="914400" rtl="0" eaLnBrk="1" latinLnBrk="0" hangingPunct="1">
-        <a:defRPr sz="1800" kern="1200">
-          <a:solidFill>
-            <a:schemeClr val="tx1"/>
-          </a:solidFill>
-          <a:latin typeface="+mn-lt"/>
-          <a:ea typeface="+mn-ea"/>
-          <a:cs typeface="+mn-cs"/>
-        </a:defRPr>
-      </a:lvl5pPr>
-      <a:lvl6pPr marL="2286000" algn="l" defTabSz="914400" rtl="0" eaLnBrk="1" latinLnBrk="0" hangingPunct="1">
-        <a:defRPr sz="1800" kern="1200">
-          <a:solidFill>
-            <a:schemeClr val="tx1"/>
-          </a:solidFill>
-          <a:latin typeface="+mn-lt"/>
-          <a:ea typeface="+mn-ea"/>
-          <a:cs typeface="+mn-cs"/>
-        </a:defRPr>
-      </a:lvl6pPr>
-      <a:lvl7pPr marL="2743200" algn="l" defTabSz="914400" rtl="0" eaLnBrk="1" latinLnBrk="0" hangingPunct="1">
-        <a:defRPr sz="1800" kern="1200">
-          <a:solidFill>
-            <a:schemeClr val="tx1"/>
-          </a:solidFill>
-          <a:latin typeface="+mn-lt"/>
-          <a:ea typeface="+mn-ea"/>
-          <a:cs typeface="+mn-cs"/>
-        </a:defRPr>
-      </a:lvl7pPr>
-      <a:lvl8pPr marL="3200400" algn="l" defTabSz="914400" rtl="0" eaLnBrk="1" latinLnBrk="0" hangingPunct="1">
-        <a:defRPr sz="1800" kern="1200">
-          <a:solidFill>
-            <a:schemeClr val="tx1"/>
-          </a:solidFill>
-          <a:latin typeface="+mn-lt"/>
-          <a:ea typeface="+mn-ea"/>
-          <a:cs typeface="+mn-cs"/>
-        </a:defRPr>
-      </a:lvl8pPr>
-      <a:lvl9pPr marL="3657600" algn="l" defTabSz="914400" rtl="0" eaLnBrk="1" latinLnBrk="0" hangingPunct="1">
+      <a:lvl9pPr marL="3657600" algn="l" defTabSz="457200" rtl="0" eaLnBrk="1" latinLnBrk="0" hangingPunct="1">
         <a:defRPr sz="1800" kern="1200">
           <a:solidFill>
             <a:schemeClr val="tx1"/>
@@ -3349,19 +3891,27 @@
             <p:ph type="ctrTitle"/>
           </p:nvPr>
         </p:nvSpPr>
-        <p:spPr/>
-        <p:txBody>
-          <a:bodyPr/>
+        <p:spPr>
+          <a:xfrm>
+            <a:off x="704283" y="721493"/>
+            <a:ext cx="10993549" cy="1475013"/>
+          </a:xfrm>
+        </p:spPr>
+        <p:txBody>
+          <a:bodyPr>
+            <a:normAutofit/>
+          </a:bodyPr>
           <a:lstStyle/>
           <a:p>
-            <a:r>
-              <a:rPr lang="pl-PL" dirty="0"/>
-              <a:t>Testy jednostkowe</a:t>
-            </a:r>
-            <a:br>
-              <a:rPr lang="pl-PL" dirty="0"/>
-            </a:br>
-            <a:endParaRPr lang="pl-PL" dirty="0"/>
+            <a:pPr algn="ctr"/>
+            <a:r>
+              <a:rPr lang="pl-PL" sz="4000" b="1" dirty="0">
+                <a:solidFill>
+                  <a:schemeClr val="tx1"/>
+                </a:solidFill>
+              </a:rPr>
+              <a:t>WPROWADZENIE DO TESTÓW JEDNOSTKOWYCH</a:t>
+            </a:r>
           </a:p>
         </p:txBody>
       </p:sp>
@@ -3384,14 +3934,20 @@
         <p:spPr/>
         <p:txBody>
           <a:bodyPr>
-            <a:normAutofit/>
+            <a:noAutofit/>
           </a:bodyPr>
           <a:lstStyle/>
           <a:p>
-            <a:r>
-              <a:rPr lang="pl-PL" sz="4000" dirty="0"/>
-              <a:t>Wprowadzenie</a:t>
-            </a:r>
+            <a:pPr algn="r"/>
+            <a:r>
+              <a:rPr lang="pl-PL" sz="3600" dirty="0"/>
+              <a:t>Bartosz </a:t>
+            </a:r>
+            <a:r>
+              <a:rPr lang="pl-PL" sz="3600" dirty="0" err="1"/>
+              <a:t>Cłapa</a:t>
+            </a:r>
+            <a:endParaRPr lang="pl-PL" sz="3600" dirty="0"/>
           </a:p>
         </p:txBody>
       </p:sp>
@@ -3430,7 +3986,7 @@
           <p:cNvPr id="2" name="Tytuł 1">
             <a:extLst>
               <a:ext uri="{FF2B5EF4-FFF2-40B4-BE49-F238E27FC236}">
-                <a16:creationId xmlns:a16="http://schemas.microsoft.com/office/drawing/2014/main" id="{AA11F76F-3203-4B44-BA32-A0134C8CA848}"/>
+                <a16:creationId xmlns:a16="http://schemas.microsoft.com/office/drawing/2014/main" id="{165F0107-1BA4-421F-A5F7-D4A1F07FE77F}"/>
               </a:ext>
             </a:extLst>
           </p:cNvPr>
@@ -3443,12 +3999,15 @@
         </p:nvSpPr>
         <p:spPr/>
         <p:txBody>
-          <a:bodyPr/>
+          <a:bodyPr>
+            <a:normAutofit/>
+          </a:bodyPr>
           <a:lstStyle/>
           <a:p>
-            <a:r>
-              <a:rPr lang="pl-PL" dirty="0"/>
-              <a:t>Przydatne narzędzia/biblioteki</a:t>
+            <a:pPr algn="ctr"/>
+            <a:r>
+              <a:rPr lang="pl-PL" sz="4000" dirty="0"/>
+              <a:t>Microsoft Unit Test Framework</a:t>
             </a:r>
           </a:p>
         </p:txBody>
@@ -3458,7 +4017,7 @@
           <p:cNvPr id="3" name="Symbol zastępczy zawartości 2">
             <a:extLst>
               <a:ext uri="{FF2B5EF4-FFF2-40B4-BE49-F238E27FC236}">
-                <a16:creationId xmlns:a16="http://schemas.microsoft.com/office/drawing/2014/main" id="{B9B16BB4-B16B-4445-B60B-4E7A1D9E0118}"/>
+                <a16:creationId xmlns:a16="http://schemas.microsoft.com/office/drawing/2014/main" id="{5A1B9E0F-74CE-40C2-B1E9-C33ACD371F96}"/>
               </a:ext>
             </a:extLst>
           </p:cNvPr>
@@ -3476,58 +4035,78 @@
           <a:p>
             <a:pPr fontAlgn="ctr"/>
             <a:r>
-              <a:rPr lang="pl-PL" dirty="0"/>
-              <a:t>R#</a:t>
+              <a:rPr lang="pl-PL" sz="2400" dirty="0">
+                <a:solidFill>
+                  <a:schemeClr val="tx1"/>
+                </a:solidFill>
+              </a:rPr>
+              <a:t>Wspierany przez Microsoft</a:t>
             </a:r>
           </a:p>
           <a:p>
             <a:pPr fontAlgn="ctr"/>
             <a:r>
-              <a:rPr lang="pl-PL" dirty="0"/>
-              <a:t>Test </a:t>
-            </a:r>
-            <a:r>
-              <a:rPr lang="pl-PL" dirty="0" err="1"/>
-              <a:t>runner</a:t>
-            </a:r>
-            <a:endParaRPr lang="pl-PL" dirty="0"/>
+              <a:rPr lang="pl-PL" sz="2400" dirty="0">
+                <a:solidFill>
+                  <a:schemeClr val="tx1"/>
+                </a:solidFill>
+              </a:rPr>
+              <a:t>Wbudowany w Visual Studio</a:t>
+            </a:r>
           </a:p>
           <a:p>
             <a:pPr fontAlgn="ctr"/>
             <a:r>
-              <a:rPr lang="pl-PL" dirty="0" err="1"/>
-              <a:t>Moq</a:t>
-            </a:r>
-            <a:endParaRPr lang="pl-PL" dirty="0"/>
-          </a:p>
-          <a:p>
-            <a:pPr fontAlgn="ctr"/>
-            <a:r>
-              <a:rPr lang="pl-PL" dirty="0" err="1"/>
-              <a:t>Nsubstitute</a:t>
-            </a:r>
-            <a:r>
-              <a:rPr lang="pl-PL" dirty="0"/>
-              <a:t> </a:t>
-            </a:r>
-          </a:p>
-          <a:p>
-            <a:pPr fontAlgn="ctr"/>
-            <a:r>
-              <a:rPr lang="pl-PL" dirty="0" err="1"/>
-              <a:t>Shouldly</a:t>
-            </a:r>
-            <a:endParaRPr lang="pl-PL" dirty="0"/>
-          </a:p>
-          <a:p>
-            <a:endParaRPr lang="pl-PL" dirty="0"/>
+              <a:rPr lang="pl-PL" sz="2400" dirty="0">
+                <a:solidFill>
+                  <a:schemeClr val="tx1"/>
+                </a:solidFill>
+              </a:rPr>
+              <a:t>Atrybuty </a:t>
+            </a:r>
+            <a:r>
+              <a:rPr lang="pl-PL" sz="2400" dirty="0" err="1">
+                <a:solidFill>
+                  <a:schemeClr val="tx1"/>
+                </a:solidFill>
+              </a:rPr>
+              <a:t>TestClass</a:t>
+            </a:r>
+            <a:r>
+              <a:rPr lang="pl-PL" sz="2400" dirty="0">
+                <a:solidFill>
+                  <a:schemeClr val="tx1"/>
+                </a:solidFill>
+              </a:rPr>
+              <a:t>, </a:t>
+            </a:r>
+            <a:r>
+              <a:rPr lang="pl-PL" sz="2400" dirty="0" err="1">
+                <a:solidFill>
+                  <a:schemeClr val="tx1"/>
+                </a:solidFill>
+              </a:rPr>
+              <a:t>TestMethod</a:t>
+            </a:r>
+            <a:endParaRPr lang="pl-PL" sz="2400" dirty="0">
+              <a:solidFill>
+                <a:schemeClr val="tx1"/>
+              </a:solidFill>
+            </a:endParaRPr>
+          </a:p>
+          <a:p>
+            <a:endParaRPr lang="pl-PL" dirty="0">
+              <a:solidFill>
+                <a:schemeClr val="tx1"/>
+              </a:solidFill>
+            </a:endParaRPr>
           </a:p>
         </p:txBody>
       </p:sp>
     </p:spTree>
     <p:extLst>
       <p:ext uri="{BB962C8B-B14F-4D97-AF65-F5344CB8AC3E}">
-        <p14:creationId xmlns:p14="http://schemas.microsoft.com/office/powerpoint/2010/main" val="1148522495"/>
+        <p14:creationId xmlns:p14="http://schemas.microsoft.com/office/powerpoint/2010/main" val="1891818956"/>
       </p:ext>
     </p:extLst>
   </p:cSld>
@@ -3559,7 +4138,7 @@
           <p:cNvPr id="2" name="Tytuł 1">
             <a:extLst>
               <a:ext uri="{FF2B5EF4-FFF2-40B4-BE49-F238E27FC236}">
-                <a16:creationId xmlns:a16="http://schemas.microsoft.com/office/drawing/2014/main" id="{970CB31F-FEF9-4639-AC4D-5CA4E95DFA84}"/>
+                <a16:creationId xmlns:a16="http://schemas.microsoft.com/office/drawing/2014/main" id="{3A30D208-9FEB-46FC-AA3E-D160C4A68700}"/>
               </a:ext>
             </a:extLst>
           </p:cNvPr>
@@ -3575,9 +4154,10 @@
           <a:bodyPr/>
           <a:lstStyle/>
           <a:p>
-            <a:r>
-              <a:rPr lang="pl-PL" dirty="0"/>
-              <a:t>Dobre praktyki</a:t>
+            <a:pPr algn="ctr"/>
+            <a:r>
+              <a:rPr lang="pl-PL" dirty="0"/>
+              <a:t>Przykład</a:t>
             </a:r>
           </a:p>
         </p:txBody>
@@ -3587,7 +4167,7 @@
           <p:cNvPr id="3" name="Symbol zastępczy zawartości 2">
             <a:extLst>
               <a:ext uri="{FF2B5EF4-FFF2-40B4-BE49-F238E27FC236}">
-                <a16:creationId xmlns:a16="http://schemas.microsoft.com/office/drawing/2014/main" id="{2A888229-506E-4FFF-B857-515AC31E5DD0}"/>
+                <a16:creationId xmlns:a16="http://schemas.microsoft.com/office/drawing/2014/main" id="{0B7AEE14-4BD5-4620-BE2E-0FAE1CB56EED}"/>
               </a:ext>
             </a:extLst>
           </p:cNvPr>
@@ -3600,32 +4180,283 @@
         </p:nvSpPr>
         <p:spPr/>
         <p:txBody>
-          <a:bodyPr/>
+          <a:bodyPr>
+            <a:normAutofit fontScale="62500" lnSpcReduction="20000"/>
+          </a:bodyPr>
           <a:lstStyle/>
           <a:p>
-            <a:r>
-              <a:rPr lang="pl-PL" dirty="0"/>
-              <a:t>Nazewnictwo</a:t>
-            </a:r>
-          </a:p>
-          <a:p>
-            <a:r>
-              <a:rPr lang="pl-PL" dirty="0"/>
-              <a:t>Podział na klasy</a:t>
-            </a:r>
-          </a:p>
-          <a:p>
+            <a:pPr marL="0" indent="0">
+              <a:buNone/>
+            </a:pPr>
+            <a:r>
+              <a:rPr lang="pl-PL" dirty="0"/>
+              <a:t> [</a:t>
+            </a:r>
+            <a:r>
+              <a:rPr lang="pl-PL" dirty="0" err="1"/>
+              <a:t>TestClass</a:t>
+            </a:r>
+            <a:r>
+              <a:rPr lang="pl-PL" dirty="0"/>
+              <a:t>]</a:t>
+            </a:r>
+          </a:p>
+          <a:p>
+            <a:pPr marL="0" indent="0">
+              <a:buNone/>
+            </a:pPr>
+            <a:r>
+              <a:rPr lang="pl-PL" dirty="0"/>
+              <a:t>  public </a:t>
+            </a:r>
+            <a:r>
+              <a:rPr lang="pl-PL" dirty="0" err="1"/>
+              <a:t>class</a:t>
+            </a:r>
+            <a:r>
+              <a:rPr lang="pl-PL" dirty="0"/>
+              <a:t> </a:t>
+            </a:r>
+            <a:r>
+              <a:rPr lang="pl-PL" dirty="0" err="1"/>
+              <a:t>VatValueCalculatorTests</a:t>
+            </a:r>
             <a:endParaRPr lang="pl-PL" dirty="0"/>
           </a:p>
           <a:p>
+            <a:pPr marL="0" indent="0">
+              <a:buNone/>
+            </a:pPr>
+            <a:r>
+              <a:rPr lang="pl-PL" dirty="0"/>
+              <a:t>  {</a:t>
+            </a:r>
+          </a:p>
+          <a:p>
+            <a:pPr marL="0" indent="0">
+              <a:buNone/>
+            </a:pPr>
+            <a:r>
+              <a:rPr lang="pl-PL" dirty="0"/>
+              <a:t>    [</a:t>
+            </a:r>
+            <a:r>
+              <a:rPr lang="pl-PL" dirty="0" err="1"/>
+              <a:t>TestMethod</a:t>
+            </a:r>
+            <a:r>
+              <a:rPr lang="pl-PL" dirty="0"/>
+              <a:t>]</a:t>
+            </a:r>
+          </a:p>
+          <a:p>
+            <a:pPr marL="0" indent="0">
+              <a:buNone/>
+            </a:pPr>
+            <a:r>
+              <a:rPr lang="pl-PL" dirty="0"/>
+              <a:t>    public </a:t>
+            </a:r>
+            <a:r>
+              <a:rPr lang="pl-PL" dirty="0" err="1"/>
+              <a:t>void</a:t>
+            </a:r>
+            <a:r>
+              <a:rPr lang="pl-PL" dirty="0"/>
+              <a:t> </a:t>
+            </a:r>
+            <a:r>
+              <a:rPr lang="pl-PL" dirty="0" err="1"/>
+              <a:t>should_calculate_proper_value</a:t>
+            </a:r>
+            <a:r>
+              <a:rPr lang="pl-PL" dirty="0"/>
+              <a:t>()</a:t>
+            </a:r>
+          </a:p>
+          <a:p>
+            <a:pPr marL="0" indent="0">
+              <a:buNone/>
+            </a:pPr>
+            <a:r>
+              <a:rPr lang="pl-PL" dirty="0"/>
+              <a:t>    {</a:t>
+            </a:r>
+          </a:p>
+          <a:p>
+            <a:pPr marL="0" indent="0">
+              <a:buNone/>
+            </a:pPr>
+            <a:r>
+              <a:rPr lang="pl-PL" dirty="0"/>
+              <a:t>      </a:t>
+            </a:r>
+            <a:r>
+              <a:rPr lang="pl-PL" dirty="0" err="1"/>
+              <a:t>const</a:t>
+            </a:r>
+            <a:r>
+              <a:rPr lang="pl-PL" dirty="0"/>
+              <a:t> </a:t>
+            </a:r>
+            <a:r>
+              <a:rPr lang="pl-PL" dirty="0" err="1"/>
+              <a:t>decimal</a:t>
+            </a:r>
+            <a:r>
+              <a:rPr lang="pl-PL" dirty="0"/>
+              <a:t> </a:t>
+            </a:r>
+            <a:r>
+              <a:rPr lang="pl-PL" dirty="0" err="1"/>
+              <a:t>netValue</a:t>
+            </a:r>
+            <a:r>
+              <a:rPr lang="pl-PL" dirty="0"/>
+              <a:t> = 15;</a:t>
+            </a:r>
+          </a:p>
+          <a:p>
+            <a:pPr marL="0" indent="0">
+              <a:buNone/>
+            </a:pPr>
             <a:endParaRPr lang="pl-PL" dirty="0"/>
+          </a:p>
+          <a:p>
+            <a:pPr marL="0" indent="0">
+              <a:buNone/>
+            </a:pPr>
+            <a:r>
+              <a:rPr lang="pl-PL" dirty="0"/>
+              <a:t>      </a:t>
+            </a:r>
+            <a:r>
+              <a:rPr lang="pl-PL" dirty="0" err="1"/>
+              <a:t>var</a:t>
+            </a:r>
+            <a:r>
+              <a:rPr lang="pl-PL" dirty="0"/>
+              <a:t> </a:t>
+            </a:r>
+            <a:r>
+              <a:rPr lang="pl-PL" dirty="0" err="1"/>
+              <a:t>expectedValue</a:t>
+            </a:r>
+            <a:r>
+              <a:rPr lang="pl-PL" dirty="0"/>
+              <a:t> = 18.45M;</a:t>
+            </a:r>
+          </a:p>
+          <a:p>
+            <a:pPr marL="0" indent="0">
+              <a:buNone/>
+            </a:pPr>
+            <a:endParaRPr lang="pl-PL" dirty="0"/>
+          </a:p>
+          <a:p>
+            <a:pPr marL="0" indent="0">
+              <a:buNone/>
+            </a:pPr>
+            <a:r>
+              <a:rPr lang="pl-PL" dirty="0"/>
+              <a:t>      </a:t>
+            </a:r>
+            <a:r>
+              <a:rPr lang="pl-PL" dirty="0" err="1"/>
+              <a:t>var</a:t>
+            </a:r>
+            <a:r>
+              <a:rPr lang="pl-PL" dirty="0"/>
+              <a:t> </a:t>
+            </a:r>
+            <a:r>
+              <a:rPr lang="pl-PL" dirty="0" err="1"/>
+              <a:t>calculatedValue</a:t>
+            </a:r>
+            <a:r>
+              <a:rPr lang="pl-PL" dirty="0"/>
+              <a:t> = </a:t>
+            </a:r>
+            <a:r>
+              <a:rPr lang="pl-PL" dirty="0" err="1"/>
+              <a:t>VatValueCalculator.CalculateGrossValue</a:t>
+            </a:r>
+            <a:r>
+              <a:rPr lang="pl-PL" dirty="0"/>
+              <a:t>(</a:t>
+            </a:r>
+            <a:r>
+              <a:rPr lang="pl-PL" dirty="0" err="1"/>
+              <a:t>netValue</a:t>
+            </a:r>
+            <a:r>
+              <a:rPr lang="pl-PL" dirty="0"/>
+              <a:t>);</a:t>
+            </a:r>
+          </a:p>
+          <a:p>
+            <a:pPr marL="0" indent="0">
+              <a:buNone/>
+            </a:pPr>
+            <a:endParaRPr lang="pl-PL" dirty="0"/>
+          </a:p>
+          <a:p>
+            <a:pPr marL="0" indent="0">
+              <a:buNone/>
+            </a:pPr>
+            <a:r>
+              <a:rPr lang="pl-PL" dirty="0"/>
+              <a:t>      </a:t>
+            </a:r>
+            <a:r>
+              <a:rPr lang="pl-PL" dirty="0" err="1"/>
+              <a:t>Assert.AreEqual</a:t>
+            </a:r>
+            <a:r>
+              <a:rPr lang="pl-PL" dirty="0"/>
+              <a:t>(</a:t>
+            </a:r>
+            <a:r>
+              <a:rPr lang="pl-PL" dirty="0" err="1"/>
+              <a:t>expectedValue</a:t>
+            </a:r>
+            <a:r>
+              <a:rPr lang="pl-PL" dirty="0"/>
+              <a:t>, </a:t>
+            </a:r>
+            <a:r>
+              <a:rPr lang="pl-PL" dirty="0" err="1"/>
+              <a:t>calculatedValue</a:t>
+            </a:r>
+            <a:r>
+              <a:rPr lang="pl-PL" dirty="0"/>
+              <a:t>);</a:t>
+            </a:r>
+          </a:p>
+          <a:p>
+            <a:pPr marL="0" indent="0">
+              <a:buNone/>
+            </a:pPr>
+            <a:r>
+              <a:rPr lang="pl-PL" dirty="0"/>
+              <a:t>    }</a:t>
+            </a:r>
+          </a:p>
+          <a:p>
+            <a:pPr marL="0" indent="0">
+              <a:buNone/>
+            </a:pPr>
+            <a:r>
+              <a:rPr lang="pl-PL" dirty="0"/>
+              <a:t>  }</a:t>
+            </a:r>
           </a:p>
         </p:txBody>
       </p:sp>
     </p:spTree>
     <p:extLst>
       <p:ext uri="{BB962C8B-B14F-4D97-AF65-F5344CB8AC3E}">
-        <p14:creationId xmlns:p14="http://schemas.microsoft.com/office/powerpoint/2010/main" val="2377181720"/>
+        <p14:creationId xmlns:p14="http://schemas.microsoft.com/office/powerpoint/2010/main" val="2710965677"/>
       </p:ext>
     </p:extLst>
   </p:cSld>
@@ -3657,7 +4488,7 @@
           <p:cNvPr id="2" name="Tytuł 1">
             <a:extLst>
               <a:ext uri="{FF2B5EF4-FFF2-40B4-BE49-F238E27FC236}">
-                <a16:creationId xmlns:a16="http://schemas.microsoft.com/office/drawing/2014/main" id="{32F114C4-5237-4EFD-BF4D-E7C9058A99A3}"/>
+                <a16:creationId xmlns:a16="http://schemas.microsoft.com/office/drawing/2014/main" id="{AA11F76F-3203-4B44-BA32-A0134C8CA848}"/>
               </a:ext>
             </a:extLst>
           </p:cNvPr>
@@ -3670,12 +4501,15 @@
         </p:nvSpPr>
         <p:spPr/>
         <p:txBody>
-          <a:bodyPr/>
+          <a:bodyPr>
+            <a:normAutofit/>
+          </a:bodyPr>
           <a:lstStyle/>
           <a:p>
-            <a:r>
-              <a:rPr lang="pl-PL" dirty="0"/>
-              <a:t>Kiedy pisać testy jednostkowe</a:t>
+            <a:pPr algn="ctr"/>
+            <a:r>
+              <a:rPr lang="pl-PL" sz="4400" dirty="0"/>
+              <a:t>Przydatne narzędzia/biblioteki</a:t>
             </a:r>
           </a:p>
         </p:txBody>
@@ -3685,7 +4519,7 @@
           <p:cNvPr id="3" name="Symbol zastępczy zawartości 2">
             <a:extLst>
               <a:ext uri="{FF2B5EF4-FFF2-40B4-BE49-F238E27FC236}">
-                <a16:creationId xmlns:a16="http://schemas.microsoft.com/office/drawing/2014/main" id="{7E313087-0B09-4CF6-AA8E-E917DD2C5751}"/>
+                <a16:creationId xmlns:a16="http://schemas.microsoft.com/office/drawing/2014/main" id="{B9B16BB4-B16B-4445-B60B-4E7A1D9E0118}"/>
               </a:ext>
             </a:extLst>
           </p:cNvPr>
@@ -3701,41 +4535,104 @@
           <a:bodyPr/>
           <a:lstStyle/>
           <a:p>
-            <a:pPr marL="0" indent="0" algn="ctr">
-              <a:buNone/>
-            </a:pPr>
-            <a:endParaRPr lang="pl-PL" sz="3600" dirty="0"/>
-          </a:p>
-          <a:p>
-            <a:pPr marL="0" indent="0" algn="ctr">
-              <a:buNone/>
-            </a:pPr>
-            <a:endParaRPr lang="pl-PL" sz="3600" dirty="0"/>
-          </a:p>
-          <a:p>
-            <a:pPr marL="0" indent="0" algn="ctr">
-              <a:buNone/>
-            </a:pPr>
-            <a:endParaRPr lang="pl-PL" sz="3600" dirty="0"/>
-          </a:p>
-          <a:p>
-            <a:pPr marL="0" indent="0" algn="ctr">
-              <a:buNone/>
-            </a:pPr>
-            <a:r>
-              <a:rPr lang="pl-PL" sz="4000" dirty="0"/>
-              <a:t>zawsze!</a:t>
-            </a:r>
-          </a:p>
-          <a:p>
-            <a:endParaRPr lang="pl-PL" dirty="0"/>
+            <a:pPr fontAlgn="ctr"/>
+            <a:r>
+              <a:rPr lang="pl-PL" sz="3200" dirty="0">
+                <a:solidFill>
+                  <a:schemeClr val="tx1"/>
+                </a:solidFill>
+              </a:rPr>
+              <a:t>R#</a:t>
+            </a:r>
+          </a:p>
+          <a:p>
+            <a:pPr fontAlgn="ctr"/>
+            <a:r>
+              <a:rPr lang="pl-PL" sz="3200" dirty="0">
+                <a:solidFill>
+                  <a:schemeClr val="tx1"/>
+                </a:solidFill>
+              </a:rPr>
+              <a:t>Test </a:t>
+            </a:r>
+            <a:r>
+              <a:rPr lang="pl-PL" sz="3200" dirty="0" err="1">
+                <a:solidFill>
+                  <a:schemeClr val="tx1"/>
+                </a:solidFill>
+              </a:rPr>
+              <a:t>runner</a:t>
+            </a:r>
+            <a:endParaRPr lang="pl-PL" sz="3200" dirty="0">
+              <a:solidFill>
+                <a:schemeClr val="tx1"/>
+              </a:solidFill>
+            </a:endParaRPr>
+          </a:p>
+          <a:p>
+            <a:pPr fontAlgn="ctr"/>
+            <a:r>
+              <a:rPr lang="pl-PL" sz="3200" dirty="0" err="1">
+                <a:solidFill>
+                  <a:schemeClr val="tx1"/>
+                </a:solidFill>
+              </a:rPr>
+              <a:t>Moq</a:t>
+            </a:r>
+            <a:endParaRPr lang="pl-PL" sz="3200" dirty="0">
+              <a:solidFill>
+                <a:schemeClr val="tx1"/>
+              </a:solidFill>
+            </a:endParaRPr>
+          </a:p>
+          <a:p>
+            <a:pPr fontAlgn="ctr"/>
+            <a:r>
+              <a:rPr lang="pl-PL" sz="3200" dirty="0" err="1">
+                <a:solidFill>
+                  <a:schemeClr val="tx1"/>
+                </a:solidFill>
+              </a:rPr>
+              <a:t>Nsubstitute</a:t>
+            </a:r>
+            <a:r>
+              <a:rPr lang="pl-PL" sz="3200" dirty="0">
+                <a:solidFill>
+                  <a:schemeClr val="tx1"/>
+                </a:solidFill>
+              </a:rPr>
+              <a:t> </a:t>
+            </a:r>
+          </a:p>
+          <a:p>
+            <a:pPr fontAlgn="ctr"/>
+            <a:r>
+              <a:rPr lang="pl-PL" sz="3200" dirty="0" err="1">
+                <a:solidFill>
+                  <a:schemeClr val="tx1"/>
+                </a:solidFill>
+              </a:rPr>
+              <a:t>Shouldly</a:t>
+            </a:r>
+            <a:endParaRPr lang="pl-PL" sz="3200" dirty="0">
+              <a:solidFill>
+                <a:schemeClr val="tx1"/>
+              </a:solidFill>
+            </a:endParaRPr>
+          </a:p>
+          <a:p>
+            <a:endParaRPr lang="pl-PL" dirty="0">
+              <a:solidFill>
+                <a:schemeClr val="tx1"/>
+              </a:solidFill>
+            </a:endParaRPr>
           </a:p>
         </p:txBody>
       </p:sp>
     </p:spTree>
     <p:extLst>
       <p:ext uri="{BB962C8B-B14F-4D97-AF65-F5344CB8AC3E}">
-        <p14:creationId xmlns:p14="http://schemas.microsoft.com/office/powerpoint/2010/main" val="134294524"/>
+        <p14:creationId xmlns:p14="http://schemas.microsoft.com/office/powerpoint/2010/main" val="1148522495"/>
       </p:ext>
     </p:extLst>
   </p:cSld>
@@ -3767,6 +4664,123 @@
           <p:cNvPr id="2" name="Tytuł 1">
             <a:extLst>
               <a:ext uri="{FF2B5EF4-FFF2-40B4-BE49-F238E27FC236}">
+                <a16:creationId xmlns:a16="http://schemas.microsoft.com/office/drawing/2014/main" id="{970CB31F-FEF9-4639-AC4D-5CA4E95DFA84}"/>
+              </a:ext>
+            </a:extLst>
+          </p:cNvPr>
+          <p:cNvSpPr>
+            <a:spLocks noGrp="1"/>
+          </p:cNvSpPr>
+          <p:nvPr>
+            <p:ph type="title"/>
+          </p:nvPr>
+        </p:nvSpPr>
+        <p:spPr/>
+        <p:txBody>
+          <a:bodyPr>
+            <a:normAutofit/>
+          </a:bodyPr>
+          <a:lstStyle/>
+          <a:p>
+            <a:pPr algn="ctr"/>
+            <a:r>
+              <a:rPr lang="pl-PL" sz="4400" dirty="0"/>
+              <a:t>Dobre praktyki</a:t>
+            </a:r>
+          </a:p>
+        </p:txBody>
+      </p:sp>
+      <p:sp>
+        <p:nvSpPr>
+          <p:cNvPr id="3" name="Symbol zastępczy zawartości 2">
+            <a:extLst>
+              <a:ext uri="{FF2B5EF4-FFF2-40B4-BE49-F238E27FC236}">
+                <a16:creationId xmlns:a16="http://schemas.microsoft.com/office/drawing/2014/main" id="{2A888229-506E-4FFF-B857-515AC31E5DD0}"/>
+              </a:ext>
+            </a:extLst>
+          </p:cNvPr>
+          <p:cNvSpPr>
+            <a:spLocks noGrp="1"/>
+          </p:cNvSpPr>
+          <p:nvPr>
+            <p:ph idx="1"/>
+          </p:nvPr>
+        </p:nvSpPr>
+        <p:spPr/>
+        <p:txBody>
+          <a:bodyPr/>
+          <a:lstStyle/>
+          <a:p>
+            <a:r>
+              <a:rPr lang="pl-PL" sz="3200" dirty="0">
+                <a:solidFill>
+                  <a:schemeClr val="tx1"/>
+                </a:solidFill>
+              </a:rPr>
+              <a:t>Nazewnictwo</a:t>
+            </a:r>
+          </a:p>
+          <a:p>
+            <a:r>
+              <a:rPr lang="pl-PL" sz="3200" dirty="0">
+                <a:solidFill>
+                  <a:schemeClr val="tx1"/>
+                </a:solidFill>
+              </a:rPr>
+              <a:t>Podział na klasy</a:t>
+            </a:r>
+          </a:p>
+          <a:p>
+            <a:endParaRPr lang="pl-PL" dirty="0">
+              <a:solidFill>
+                <a:schemeClr val="tx1"/>
+              </a:solidFill>
+            </a:endParaRPr>
+          </a:p>
+          <a:p>
+            <a:endParaRPr lang="pl-PL" dirty="0">
+              <a:solidFill>
+                <a:schemeClr val="tx1"/>
+              </a:solidFill>
+            </a:endParaRPr>
+          </a:p>
+        </p:txBody>
+      </p:sp>
+    </p:spTree>
+    <p:extLst>
+      <p:ext uri="{BB962C8B-B14F-4D97-AF65-F5344CB8AC3E}">
+        <p14:creationId xmlns:p14="http://schemas.microsoft.com/office/powerpoint/2010/main" val="2377181720"/>
+      </p:ext>
+    </p:extLst>
+  </p:cSld>
+  <p:clrMapOvr>
+    <a:masterClrMapping/>
+  </p:clrMapOvr>
+</p:sld>
+</file>
+
+<file path=ppt/slides/slide14.xml><?xml version="1.0" encoding="utf-8"?>
+<p:sld xmlns:a="http://schemas.openxmlformats.org/drawingml/2006/main" xmlns:r="http://schemas.openxmlformats.org/officeDocument/2006/relationships" xmlns:p="http://schemas.openxmlformats.org/presentationml/2006/main">
+  <p:cSld>
+    <p:spTree>
+      <p:nvGrpSpPr>
+        <p:cNvPr id="1" name=""/>
+        <p:cNvGrpSpPr/>
+        <p:nvPr/>
+      </p:nvGrpSpPr>
+      <p:grpSpPr>
+        <a:xfrm>
+          <a:off x="0" y="0"/>
+          <a:ext cx="0" cy="0"/>
+          <a:chOff x="0" y="0"/>
+          <a:chExt cx="0" cy="0"/>
+        </a:xfrm>
+      </p:grpSpPr>
+      <p:sp>
+        <p:nvSpPr>
+          <p:cNvPr id="2" name="Tytuł 1">
+            <a:extLst>
+              <a:ext uri="{FF2B5EF4-FFF2-40B4-BE49-F238E27FC236}">
                 <a16:creationId xmlns:a16="http://schemas.microsoft.com/office/drawing/2014/main" id="{32F114C4-5237-4EFD-BF4D-E7C9058A99A3}"/>
               </a:ext>
             </a:extLst>
@@ -3780,11 +4794,14 @@
         </p:nvSpPr>
         <p:spPr/>
         <p:txBody>
-          <a:bodyPr/>
+          <a:bodyPr>
+            <a:normAutofit/>
+          </a:bodyPr>
           <a:lstStyle/>
           <a:p>
-            <a:r>
-              <a:rPr lang="pl-PL" dirty="0"/>
+            <a:pPr algn="ctr"/>
+            <a:r>
+              <a:rPr lang="pl-PL" sz="4400" dirty="0"/>
               <a:t>Kiedy pisać testy jednostkowe</a:t>
             </a:r>
           </a:p>
@@ -3811,27 +4828,154 @@
           <a:bodyPr/>
           <a:lstStyle/>
           <a:p>
-            <a:r>
-              <a:rPr lang="pl-PL" dirty="0"/>
+            <a:pPr marL="0" indent="0" algn="ctr">
+              <a:buNone/>
+            </a:pPr>
+            <a:endParaRPr lang="pl-PL" sz="3600" dirty="0"/>
+          </a:p>
+          <a:p>
+            <a:pPr marL="0" indent="0" algn="ctr">
+              <a:buNone/>
+            </a:pPr>
+            <a:r>
+              <a:rPr lang="pl-PL" sz="8800" dirty="0">
+                <a:solidFill>
+                  <a:schemeClr val="tx1"/>
+                </a:solidFill>
+              </a:rPr>
+              <a:t>zawsze!</a:t>
+            </a:r>
+          </a:p>
+          <a:p>
+            <a:endParaRPr lang="pl-PL" dirty="0"/>
+          </a:p>
+        </p:txBody>
+      </p:sp>
+    </p:spTree>
+    <p:extLst>
+      <p:ext uri="{BB962C8B-B14F-4D97-AF65-F5344CB8AC3E}">
+        <p14:creationId xmlns:p14="http://schemas.microsoft.com/office/powerpoint/2010/main" val="134294524"/>
+      </p:ext>
+    </p:extLst>
+  </p:cSld>
+  <p:clrMapOvr>
+    <a:masterClrMapping/>
+  </p:clrMapOvr>
+</p:sld>
+</file>
+
+<file path=ppt/slides/slide15.xml><?xml version="1.0" encoding="utf-8"?>
+<p:sld xmlns:a="http://schemas.openxmlformats.org/drawingml/2006/main" xmlns:r="http://schemas.openxmlformats.org/officeDocument/2006/relationships" xmlns:p="http://schemas.openxmlformats.org/presentationml/2006/main">
+  <p:cSld>
+    <p:spTree>
+      <p:nvGrpSpPr>
+        <p:cNvPr id="1" name=""/>
+        <p:cNvGrpSpPr/>
+        <p:nvPr/>
+      </p:nvGrpSpPr>
+      <p:grpSpPr>
+        <a:xfrm>
+          <a:off x="0" y="0"/>
+          <a:ext cx="0" cy="0"/>
+          <a:chOff x="0" y="0"/>
+          <a:chExt cx="0" cy="0"/>
+        </a:xfrm>
+      </p:grpSpPr>
+      <p:sp>
+        <p:nvSpPr>
+          <p:cNvPr id="2" name="Tytuł 1">
+            <a:extLst>
+              <a:ext uri="{FF2B5EF4-FFF2-40B4-BE49-F238E27FC236}">
+                <a16:creationId xmlns:a16="http://schemas.microsoft.com/office/drawing/2014/main" id="{32F114C4-5237-4EFD-BF4D-E7C9058A99A3}"/>
+              </a:ext>
+            </a:extLst>
+          </p:cNvPr>
+          <p:cNvSpPr>
+            <a:spLocks noGrp="1"/>
+          </p:cNvSpPr>
+          <p:nvPr>
+            <p:ph type="title"/>
+          </p:nvPr>
+        </p:nvSpPr>
+        <p:spPr/>
+        <p:txBody>
+          <a:bodyPr>
+            <a:normAutofit/>
+          </a:bodyPr>
+          <a:lstStyle/>
+          <a:p>
+            <a:pPr algn="ctr"/>
+            <a:r>
+              <a:rPr lang="pl-PL" sz="4800" dirty="0"/>
+              <a:t>Kiedy pisać testy jednostkowe</a:t>
+            </a:r>
+          </a:p>
+        </p:txBody>
+      </p:sp>
+      <p:sp>
+        <p:nvSpPr>
+          <p:cNvPr id="3" name="Symbol zastępczy zawartości 2">
+            <a:extLst>
+              <a:ext uri="{FF2B5EF4-FFF2-40B4-BE49-F238E27FC236}">
+                <a16:creationId xmlns:a16="http://schemas.microsoft.com/office/drawing/2014/main" id="{7E313087-0B09-4CF6-AA8E-E917DD2C5751}"/>
+              </a:ext>
+            </a:extLst>
+          </p:cNvPr>
+          <p:cNvSpPr>
+            <a:spLocks noGrp="1"/>
+          </p:cNvSpPr>
+          <p:nvPr>
+            <p:ph idx="1"/>
+          </p:nvPr>
+        </p:nvSpPr>
+        <p:spPr/>
+        <p:txBody>
+          <a:bodyPr>
+            <a:normAutofit/>
+          </a:bodyPr>
+          <a:lstStyle/>
+          <a:p>
+            <a:r>
+              <a:rPr lang="pl-PL" sz="2800" dirty="0">
+                <a:solidFill>
+                  <a:schemeClr val="tx1"/>
+                </a:solidFill>
+              </a:rPr>
               <a:t>Gdy dodajemy nową logikę do aplikacji</a:t>
             </a:r>
           </a:p>
           <a:p>
             <a:r>
-              <a:rPr lang="pl-PL" dirty="0"/>
+              <a:rPr lang="pl-PL" sz="2800" dirty="0">
+                <a:solidFill>
+                  <a:schemeClr val="tx1"/>
+                </a:solidFill>
+              </a:rPr>
               <a:t>Podczas naprawy błędów</a:t>
             </a:r>
           </a:p>
           <a:p>
             <a:r>
-              <a:rPr lang="pl-PL" dirty="0"/>
+              <a:rPr lang="pl-PL" sz="2800" dirty="0">
+                <a:solidFill>
+                  <a:schemeClr val="tx1"/>
+                </a:solidFill>
+              </a:rPr>
               <a:t>Przed </a:t>
             </a:r>
             <a:r>
-              <a:rPr lang="pl-PL" dirty="0" err="1"/>
+              <a:rPr lang="pl-PL" sz="2800" dirty="0" err="1">
+                <a:solidFill>
+                  <a:schemeClr val="tx1"/>
+                </a:solidFill>
+              </a:rPr>
               <a:t>refactoringiem</a:t>
             </a:r>
-            <a:endParaRPr lang="pl-PL" dirty="0"/>
+            <a:endParaRPr lang="pl-PL" sz="2800" dirty="0">
+              <a:solidFill>
+                <a:schemeClr val="tx1"/>
+              </a:solidFill>
+            </a:endParaRPr>
           </a:p>
         </p:txBody>
       </p:sp>
@@ -3870,7 +5014,7 @@
           <p:cNvPr id="2" name="Tytuł 1">
             <a:extLst>
               <a:ext uri="{FF2B5EF4-FFF2-40B4-BE49-F238E27FC236}">
-                <a16:creationId xmlns:a16="http://schemas.microsoft.com/office/drawing/2014/main" id="{F3144CAC-B7A7-4FBC-91A7-686E1460329E}"/>
+                <a16:creationId xmlns:a16="http://schemas.microsoft.com/office/drawing/2014/main" id="{1845038C-1A6B-4064-9C49-17B1E4780D3B}"/>
               </a:ext>
             </a:extLst>
           </p:cNvPr>
@@ -3881,14 +5025,22 @@
             <p:ph type="title"/>
           </p:nvPr>
         </p:nvSpPr>
-        <p:spPr/>
-        <p:txBody>
-          <a:bodyPr/>
+        <p:spPr>
+          <a:xfrm>
+            <a:off x="581192" y="596648"/>
+            <a:ext cx="11029616" cy="1013800"/>
+          </a:xfrm>
+        </p:spPr>
+        <p:txBody>
+          <a:bodyPr>
+            <a:normAutofit/>
+          </a:bodyPr>
           <a:lstStyle/>
           <a:p>
-            <a:r>
-              <a:rPr lang="pl-PL" dirty="0"/>
-              <a:t>Testy jednostkowe - co to?</a:t>
+            <a:pPr algn="ctr"/>
+            <a:r>
+              <a:rPr lang="pl-PL" sz="3200" dirty="0"/>
+              <a:t>JAK MOŻEMY SPRAWDZAĆ DZIAŁANIE APLIKACJI?</a:t>
             </a:r>
           </a:p>
         </p:txBody>
@@ -3898,7 +5050,7 @@
           <p:cNvPr id="3" name="Symbol zastępczy zawartości 2">
             <a:extLst>
               <a:ext uri="{FF2B5EF4-FFF2-40B4-BE49-F238E27FC236}">
-                <a16:creationId xmlns:a16="http://schemas.microsoft.com/office/drawing/2014/main" id="{B0338307-19BA-4D13-987C-9E4D3669AA0C}"/>
+                <a16:creationId xmlns:a16="http://schemas.microsoft.com/office/drawing/2014/main" id="{9B561308-36F4-4BD8-8388-287994948828}"/>
               </a:ext>
             </a:extLst>
           </p:cNvPr>
@@ -3911,30 +5063,34 @@
         </p:nvSpPr>
         <p:spPr/>
         <p:txBody>
-          <a:bodyPr/>
+          <a:bodyPr>
+            <a:normAutofit/>
+          </a:bodyPr>
           <a:lstStyle/>
           <a:p>
-            <a:r>
-              <a:rPr lang="pl-PL" dirty="0"/>
-              <a:t>Kod, który wykonuje fragmenty aplikacji</a:t>
-            </a:r>
-          </a:p>
-          <a:p>
-            <a:r>
-              <a:rPr lang="pl-PL" dirty="0"/>
-              <a:t>Dostarczamy dane wejściowe </a:t>
-            </a:r>
-          </a:p>
-          <a:p>
-            <a:r>
-              <a:rPr lang="pl-PL" dirty="0"/>
-              <a:t>Wykonujemy instrukcje</a:t>
-            </a:r>
-          </a:p>
-          <a:p>
-            <a:r>
-              <a:rPr lang="pl-PL" dirty="0"/>
-              <a:t>Sprawdzamy czy rezultat jest równy oczekiwanej wartości</a:t>
+            <a:pPr marL="0" indent="0" algn="ctr">
+              <a:buNone/>
+            </a:pPr>
+            <a:r>
+              <a:rPr lang="pl-PL" sz="3200" dirty="0">
+                <a:solidFill>
+                  <a:schemeClr val="tx1"/>
+                </a:solidFill>
+              </a:rPr>
+              <a:t>Proste aplikacje konsolowe?</a:t>
+            </a:r>
+          </a:p>
+          <a:p>
+            <a:pPr marL="0" indent="0" algn="ctr">
+              <a:buNone/>
+            </a:pPr>
+            <a:r>
+              <a:rPr lang="pl-PL" sz="3200" dirty="0">
+                <a:solidFill>
+                  <a:schemeClr val="tx1"/>
+                </a:solidFill>
+              </a:rPr>
+              <a:t>Uruchamianie pełnej aplikacji</a:t>
             </a:r>
           </a:p>
         </p:txBody>
@@ -3942,7 +5098,7 @@
     </p:spTree>
     <p:extLst>
       <p:ext uri="{BB962C8B-B14F-4D97-AF65-F5344CB8AC3E}">
-        <p14:creationId xmlns:p14="http://schemas.microsoft.com/office/powerpoint/2010/main" val="3775749762"/>
+        <p14:creationId xmlns:p14="http://schemas.microsoft.com/office/powerpoint/2010/main" val="4205978394"/>
       </p:ext>
     </p:extLst>
   </p:cSld>
@@ -3974,7 +5130,7 @@
           <p:cNvPr id="2" name="Tytuł 1">
             <a:extLst>
               <a:ext uri="{FF2B5EF4-FFF2-40B4-BE49-F238E27FC236}">
-                <a16:creationId xmlns:a16="http://schemas.microsoft.com/office/drawing/2014/main" id="{E77A7358-7BAC-45BD-8C7B-10DA851C3292}"/>
+                <a16:creationId xmlns:a16="http://schemas.microsoft.com/office/drawing/2014/main" id="{BDCCC7E3-DA3D-4CCE-9380-F9A178647C21}"/>
               </a:ext>
             </a:extLst>
           </p:cNvPr>
@@ -3987,60 +5143,132 @@
         </p:nvSpPr>
         <p:spPr/>
         <p:txBody>
-          <a:bodyPr/>
+          <a:bodyPr>
+            <a:normAutofit/>
+          </a:bodyPr>
           <a:lstStyle/>
           <a:p>
-            <a:r>
-              <a:rPr lang="pl-PL" dirty="0"/>
-              <a:t>Testy jednostkowe – po co?</a:t>
-            </a:r>
-          </a:p>
-        </p:txBody>
-      </p:sp>
-      <p:sp>
-        <p:nvSpPr>
-          <p:cNvPr id="3" name="Symbol zastępczy zawartości 2">
+            <a:pPr algn="ctr"/>
+            <a:r>
+              <a:rPr lang="pl-PL" sz="4400" dirty="0" err="1"/>
+              <a:t>Frameworki</a:t>
+            </a:r>
+            <a:endParaRPr lang="pl-PL" sz="3200" dirty="0"/>
+          </a:p>
+        </p:txBody>
+      </p:sp>
+      <p:pic>
+        <p:nvPicPr>
+          <p:cNvPr id="5" name="Obraz 4">
             <a:extLst>
               <a:ext uri="{FF2B5EF4-FFF2-40B4-BE49-F238E27FC236}">
-                <a16:creationId xmlns:a16="http://schemas.microsoft.com/office/drawing/2014/main" id="{B55EC79D-E274-459C-BC7C-2643113CE27A}"/>
+                <a16:creationId xmlns:a16="http://schemas.microsoft.com/office/drawing/2014/main" id="{DDA88B1A-6FB4-4D67-818E-1B3D12A92933}"/>
               </a:ext>
             </a:extLst>
           </p:cNvPr>
-          <p:cNvSpPr>
-            <a:spLocks noGrp="1"/>
-          </p:cNvSpPr>
-          <p:nvPr>
-            <p:ph idx="1"/>
-          </p:nvPr>
-        </p:nvSpPr>
-        <p:spPr/>
-        <p:txBody>
-          <a:bodyPr/>
-          <a:lstStyle/>
-          <a:p>
-            <a:r>
-              <a:rPr lang="pl-PL" dirty="0"/>
-              <a:t>Szybkie sprawdzenie działania naszego kodu</a:t>
-            </a:r>
-          </a:p>
-          <a:p>
-            <a:r>
-              <a:rPr lang="pl-PL" dirty="0"/>
-              <a:t>Stoją na straży testowanej funkcjonalności</a:t>
-            </a:r>
-          </a:p>
-          <a:p>
-            <a:r>
-              <a:rPr lang="pl-PL" dirty="0"/>
-              <a:t>Oszczędzamy czas -&gt; pieniądze</a:t>
-            </a:r>
-          </a:p>
-        </p:txBody>
-      </p:sp>
+          <p:cNvPicPr>
+            <a:picLocks noChangeAspect="1"/>
+          </p:cNvPicPr>
+          <p:nvPr/>
+        </p:nvPicPr>
+        <p:blipFill>
+          <a:blip r:embed="rId2">
+            <a:extLst>
+              <a:ext uri="{28A0092B-C50C-407E-A947-70E740481C1C}">
+                <a14:useLocalDpi xmlns:a14="http://schemas.microsoft.com/office/drawing/2010/main" val="0"/>
+              </a:ext>
+            </a:extLst>
+          </a:blip>
+          <a:stretch>
+            <a:fillRect/>
+          </a:stretch>
+        </p:blipFill>
+        <p:spPr>
+          <a:xfrm>
+            <a:off x="7505599" y="3432450"/>
+            <a:ext cx="2771875" cy="1153101"/>
+          </a:xfrm>
+          <a:prstGeom prst="rect">
+            <a:avLst/>
+          </a:prstGeom>
+        </p:spPr>
+      </p:pic>
+      <p:pic>
+        <p:nvPicPr>
+          <p:cNvPr id="7" name="Obraz 6">
+            <a:extLst>
+              <a:ext uri="{FF2B5EF4-FFF2-40B4-BE49-F238E27FC236}">
+                <a16:creationId xmlns:a16="http://schemas.microsoft.com/office/drawing/2014/main" id="{FAFE867D-54A3-415A-9A06-B1392EEBFDEE}"/>
+              </a:ext>
+            </a:extLst>
+          </p:cNvPr>
+          <p:cNvPicPr>
+            <a:picLocks noChangeAspect="1"/>
+          </p:cNvPicPr>
+          <p:nvPr/>
+        </p:nvPicPr>
+        <p:blipFill>
+          <a:blip r:embed="rId3">
+            <a:extLst>
+              <a:ext uri="{28A0092B-C50C-407E-A947-70E740481C1C}">
+                <a14:useLocalDpi xmlns:a14="http://schemas.microsoft.com/office/drawing/2010/main" val="0"/>
+              </a:ext>
+            </a:extLst>
+          </a:blip>
+          <a:stretch>
+            <a:fillRect/>
+          </a:stretch>
+        </p:blipFill>
+        <p:spPr>
+          <a:xfrm>
+            <a:off x="4536730" y="4793863"/>
+            <a:ext cx="1677375" cy="1677375"/>
+          </a:xfrm>
+          <a:prstGeom prst="rect">
+            <a:avLst/>
+          </a:prstGeom>
+        </p:spPr>
+      </p:pic>
+      <p:pic>
+        <p:nvPicPr>
+          <p:cNvPr id="9" name="Obraz 8">
+            <a:extLst>
+              <a:ext uri="{FF2B5EF4-FFF2-40B4-BE49-F238E27FC236}">
+                <a16:creationId xmlns:a16="http://schemas.microsoft.com/office/drawing/2014/main" id="{43C79685-60E2-4B9C-8EB8-374A127824E0}"/>
+              </a:ext>
+            </a:extLst>
+          </p:cNvPr>
+          <p:cNvPicPr>
+            <a:picLocks noChangeAspect="1"/>
+          </p:cNvPicPr>
+          <p:nvPr/>
+        </p:nvPicPr>
+        <p:blipFill>
+          <a:blip r:embed="rId4">
+            <a:extLst>
+              <a:ext uri="{28A0092B-C50C-407E-A947-70E740481C1C}">
+                <a14:useLocalDpi xmlns:a14="http://schemas.microsoft.com/office/drawing/2010/main" val="0"/>
+              </a:ext>
+            </a:extLst>
+          </a:blip>
+          <a:stretch>
+            <a:fillRect/>
+          </a:stretch>
+        </p:blipFill>
+        <p:spPr>
+          <a:xfrm>
+            <a:off x="981706" y="2631041"/>
+            <a:ext cx="4393712" cy="1153101"/>
+          </a:xfrm>
+          <a:prstGeom prst="rect">
+            <a:avLst/>
+          </a:prstGeom>
+        </p:spPr>
+      </p:pic>
     </p:spTree>
     <p:extLst>
       <p:ext uri="{BB962C8B-B14F-4D97-AF65-F5344CB8AC3E}">
-        <p14:creationId xmlns:p14="http://schemas.microsoft.com/office/powerpoint/2010/main" val="4106534101"/>
+        <p14:creationId xmlns:p14="http://schemas.microsoft.com/office/powerpoint/2010/main" val="1337315304"/>
       </p:ext>
     </p:extLst>
   </p:cSld>
@@ -4072,7 +5300,7 @@
           <p:cNvPr id="2" name="Tytuł 1">
             <a:extLst>
               <a:ext uri="{FF2B5EF4-FFF2-40B4-BE49-F238E27FC236}">
-                <a16:creationId xmlns:a16="http://schemas.microsoft.com/office/drawing/2014/main" id="{1845038C-1A6B-4064-9C49-17B1E4780D3B}"/>
+                <a16:creationId xmlns:a16="http://schemas.microsoft.com/office/drawing/2014/main" id="{F3144CAC-B7A7-4FBC-91A7-686E1460329E}"/>
               </a:ext>
             </a:extLst>
           </p:cNvPr>
@@ -4085,12 +5313,15 @@
         </p:nvSpPr>
         <p:spPr/>
         <p:txBody>
-          <a:bodyPr/>
+          <a:bodyPr>
+            <a:normAutofit/>
+          </a:bodyPr>
           <a:lstStyle/>
           <a:p>
-            <a:r>
-              <a:rPr lang="pl-PL" dirty="0"/>
-              <a:t>Testy jednostkowe – jak?</a:t>
+            <a:pPr algn="ctr"/>
+            <a:r>
+              <a:rPr lang="pl-PL" sz="4400" dirty="0"/>
+              <a:t>CZYM SĄ Testy JEDNOSTKOWE?</a:t>
             </a:r>
           </a:p>
         </p:txBody>
@@ -4100,7 +5331,7 @@
           <p:cNvPr id="3" name="Symbol zastępczy zawartości 2">
             <a:extLst>
               <a:ext uri="{FF2B5EF4-FFF2-40B4-BE49-F238E27FC236}">
-                <a16:creationId xmlns:a16="http://schemas.microsoft.com/office/drawing/2014/main" id="{9B561308-36F4-4BD8-8388-287994948828}"/>
+                <a16:creationId xmlns:a16="http://schemas.microsoft.com/office/drawing/2014/main" id="{B0338307-19BA-4D13-987C-9E4D3669AA0C}"/>
               </a:ext>
             </a:extLst>
           </p:cNvPr>
@@ -4113,12 +5344,48 @@
         </p:nvSpPr>
         <p:spPr/>
         <p:txBody>
-          <a:bodyPr/>
+          <a:bodyPr>
+            <a:normAutofit/>
+          </a:bodyPr>
           <a:lstStyle/>
           <a:p>
             <a:r>
-              <a:rPr lang="pl-PL" dirty="0"/>
-              <a:t>Proste aplikacje konsolowe?</a:t>
+              <a:rPr lang="pl-PL" sz="3200" dirty="0">
+                <a:solidFill>
+                  <a:schemeClr val="tx1"/>
+                </a:solidFill>
+              </a:rPr>
+              <a:t>Kod, który wykonuje fragmenty aplikacji</a:t>
+            </a:r>
+          </a:p>
+          <a:p>
+            <a:r>
+              <a:rPr lang="pl-PL" sz="3200" dirty="0">
+                <a:solidFill>
+                  <a:schemeClr val="tx1"/>
+                </a:solidFill>
+              </a:rPr>
+              <a:t>Dostarczamy dane wejściowe </a:t>
+            </a:r>
+          </a:p>
+          <a:p>
+            <a:r>
+              <a:rPr lang="pl-PL" sz="3200" dirty="0">
+                <a:solidFill>
+                  <a:schemeClr val="tx1"/>
+                </a:solidFill>
+              </a:rPr>
+              <a:t>Wykonujemy instrukcje</a:t>
+            </a:r>
+          </a:p>
+          <a:p>
+            <a:r>
+              <a:rPr lang="pl-PL" sz="3200" dirty="0">
+                <a:solidFill>
+                  <a:schemeClr val="tx1"/>
+                </a:solidFill>
+              </a:rPr>
+              <a:t>Sprawdzamy czy rezultat jest równy oczekiwanej wartości</a:t>
             </a:r>
           </a:p>
         </p:txBody>
@@ -4126,7 +5393,7 @@
     </p:spTree>
     <p:extLst>
       <p:ext uri="{BB962C8B-B14F-4D97-AF65-F5344CB8AC3E}">
-        <p14:creationId xmlns:p14="http://schemas.microsoft.com/office/powerpoint/2010/main" val="4205978394"/>
+        <p14:creationId xmlns:p14="http://schemas.microsoft.com/office/powerpoint/2010/main" val="3775749762"/>
       </p:ext>
     </p:extLst>
   </p:cSld>
@@ -4158,7 +5425,7 @@
           <p:cNvPr id="2" name="Tytuł 1">
             <a:extLst>
               <a:ext uri="{FF2B5EF4-FFF2-40B4-BE49-F238E27FC236}">
-                <a16:creationId xmlns:a16="http://schemas.microsoft.com/office/drawing/2014/main" id="{BE748DF9-DDD4-47CF-83C5-AFC8673F7B1C}"/>
+                <a16:creationId xmlns:a16="http://schemas.microsoft.com/office/drawing/2014/main" id="{E77A7358-7BAC-45BD-8C7B-10DA851C3292}"/>
               </a:ext>
             </a:extLst>
           </p:cNvPr>
@@ -4169,28 +5436,124 @@
             <p:ph type="title"/>
           </p:nvPr>
         </p:nvSpPr>
+        <p:spPr/>
+        <p:txBody>
+          <a:bodyPr>
+            <a:normAutofit/>
+          </a:bodyPr>
+          <a:lstStyle/>
+          <a:p>
+            <a:r>
+              <a:rPr lang="pl-PL" sz="4400" dirty="0"/>
+              <a:t>PO CO STOSOWAĆ TESTY JEDNOSTKOWE?</a:t>
+            </a:r>
+          </a:p>
+        </p:txBody>
+      </p:sp>
+      <p:sp>
+        <p:nvSpPr>
+          <p:cNvPr id="3" name="Symbol zastępczy zawartości 2">
+            <a:extLst>
+              <a:ext uri="{FF2B5EF4-FFF2-40B4-BE49-F238E27FC236}">
+                <a16:creationId xmlns:a16="http://schemas.microsoft.com/office/drawing/2014/main" id="{B55EC79D-E274-459C-BC7C-2643113CE27A}"/>
+              </a:ext>
+            </a:extLst>
+          </p:cNvPr>
+          <p:cNvSpPr>
+            <a:spLocks noGrp="1"/>
+          </p:cNvSpPr>
+          <p:nvPr>
+            <p:ph idx="1"/>
+          </p:nvPr>
+        </p:nvSpPr>
+        <p:spPr/>
+        <p:txBody>
+          <a:bodyPr>
+            <a:normAutofit/>
+          </a:bodyPr>
+          <a:lstStyle/>
+          <a:p>
+            <a:r>
+              <a:rPr lang="pl-PL" sz="3600" dirty="0">
+                <a:solidFill>
+                  <a:schemeClr val="tx1"/>
+                </a:solidFill>
+              </a:rPr>
+              <a:t>Szybkie sprawdzenie działania naszego kodu</a:t>
+            </a:r>
+          </a:p>
+          <a:p>
+            <a:r>
+              <a:rPr lang="pl-PL" sz="3600" dirty="0">
+                <a:solidFill>
+                  <a:schemeClr val="tx1"/>
+                </a:solidFill>
+              </a:rPr>
+              <a:t>Stoją na straży testowanej funkcjonalności</a:t>
+            </a:r>
+          </a:p>
+          <a:p>
+            <a:r>
+              <a:rPr lang="pl-PL" sz="3600" dirty="0">
+                <a:solidFill>
+                  <a:schemeClr val="tx1"/>
+                </a:solidFill>
+              </a:rPr>
+              <a:t>Oszczędzamy czas			pieniądze</a:t>
+            </a:r>
+          </a:p>
+        </p:txBody>
+      </p:sp>
+      <p:sp>
+        <p:nvSpPr>
+          <p:cNvPr id="4" name="Strzałka: w prawo 3">
+            <a:extLst>
+              <a:ext uri="{FF2B5EF4-FFF2-40B4-BE49-F238E27FC236}">
+                <a16:creationId xmlns:a16="http://schemas.microsoft.com/office/drawing/2014/main" id="{DCC9EE3F-F902-4E04-B4B2-DB68614680E4}"/>
+              </a:ext>
+            </a:extLst>
+          </p:cNvPr>
+          <p:cNvSpPr/>
+          <p:nvPr/>
+        </p:nvSpPr>
         <p:spPr>
           <a:xfrm>
-            <a:off x="845949" y="2271416"/>
-            <a:ext cx="10515600" cy="1325563"/>
+            <a:off x="4554415" y="4642339"/>
+            <a:ext cx="931985" cy="298938"/>
           </a:xfrm>
+          <a:prstGeom prst="rightArrow">
+            <a:avLst/>
+          </a:prstGeom>
         </p:spPr>
-        <p:txBody>
-          <a:bodyPr/>
+        <p:style>
+          <a:lnRef idx="2">
+            <a:schemeClr val="accent1">
+              <a:shade val="50000"/>
+            </a:schemeClr>
+          </a:lnRef>
+          <a:fillRef idx="1">
+            <a:schemeClr val="accent1"/>
+          </a:fillRef>
+          <a:effectRef idx="0">
+            <a:schemeClr val="accent1"/>
+          </a:effectRef>
+          <a:fontRef idx="minor">
+            <a:schemeClr val="lt1"/>
+          </a:fontRef>
+        </p:style>
+        <p:txBody>
+          <a:bodyPr rtlCol="0" anchor="ctr"/>
           <a:lstStyle/>
           <a:p>
             <a:pPr algn="ctr"/>
-            <a:r>
-              <a:rPr lang="pl-PL" dirty="0"/>
-              <a:t>Można lepiej</a:t>
-            </a:r>
+            <a:endParaRPr lang="pl-PL"/>
           </a:p>
         </p:txBody>
       </p:sp>
     </p:spTree>
     <p:extLst>
       <p:ext uri="{BB962C8B-B14F-4D97-AF65-F5344CB8AC3E}">
-        <p14:creationId xmlns:p14="http://schemas.microsoft.com/office/powerpoint/2010/main" val="2354716190"/>
+        <p14:creationId xmlns:p14="http://schemas.microsoft.com/office/powerpoint/2010/main" val="4106534101"/>
       </p:ext>
     </p:extLst>
   </p:cSld>
@@ -4219,10 +5582,10 @@
       </p:grpSpPr>
       <p:sp>
         <p:nvSpPr>
-          <p:cNvPr id="2" name="Tytuł 1">
+          <p:cNvPr id="3" name="Symbol zastępczy zawartości 2">
             <a:extLst>
               <a:ext uri="{FF2B5EF4-FFF2-40B4-BE49-F238E27FC236}">
-                <a16:creationId xmlns:a16="http://schemas.microsoft.com/office/drawing/2014/main" id="{BDCCC7E3-DA3D-4CCE-9380-F9A178647C21}"/>
+                <a16:creationId xmlns:a16="http://schemas.microsoft.com/office/drawing/2014/main" id="{253AF384-3D02-41E3-B964-58AF2254452C}"/>
               </a:ext>
             </a:extLst>
           </p:cNvPr>
@@ -4230,74 +5593,149 @@
             <a:spLocks noGrp="1"/>
           </p:cNvSpPr>
           <p:nvPr>
-            <p:ph type="title"/>
-          </p:nvPr>
-        </p:nvSpPr>
-        <p:spPr/>
+            <p:ph idx="4294967295"/>
+          </p:nvPr>
+        </p:nvSpPr>
+        <p:spPr>
+          <a:xfrm>
+            <a:off x="371475" y="2505289"/>
+            <a:ext cx="11029950" cy="3678238"/>
+          </a:xfrm>
+        </p:spPr>
         <p:txBody>
           <a:bodyPr/>
           <a:lstStyle/>
           <a:p>
-            <a:r>
-              <a:rPr lang="pl-PL" dirty="0" err="1"/>
-              <a:t>Frameworki</a:t>
-            </a:r>
-            <a:br>
-              <a:rPr lang="pl-PL" dirty="0"/>
-            </a:br>
+            <a:pPr fontAlgn="ctr"/>
+            <a:r>
+              <a:rPr lang="pl-PL" sz="2800" dirty="0">
+                <a:solidFill>
+                  <a:schemeClr val="tx1"/>
+                </a:solidFill>
+              </a:rPr>
+              <a:t>Początkowo klon </a:t>
+            </a:r>
+            <a:r>
+              <a:rPr lang="pl-PL" sz="2800" dirty="0" err="1">
+                <a:solidFill>
+                  <a:schemeClr val="tx1"/>
+                </a:solidFill>
+              </a:rPr>
+              <a:t>jUnit</a:t>
+            </a:r>
+            <a:endParaRPr lang="pl-PL" sz="2800" dirty="0">
+              <a:solidFill>
+                <a:schemeClr val="tx1"/>
+              </a:solidFill>
+            </a:endParaRPr>
+          </a:p>
+          <a:p>
+            <a:pPr fontAlgn="ctr"/>
+            <a:r>
+              <a:rPr lang="pl-PL" sz="2800" dirty="0">
+                <a:solidFill>
+                  <a:schemeClr val="tx1"/>
+                </a:solidFill>
+              </a:rPr>
+              <a:t>Nie jest domyślnie wspierany przez Visual Studio</a:t>
+            </a:r>
+          </a:p>
+          <a:p>
+            <a:pPr fontAlgn="ctr"/>
+            <a:r>
+              <a:rPr lang="pl-PL" sz="2800" dirty="0">
+                <a:solidFill>
+                  <a:schemeClr val="tx1"/>
+                </a:solidFill>
+              </a:rPr>
+              <a:t>Wymagany dodatkowy test </a:t>
+            </a:r>
+            <a:r>
+              <a:rPr lang="pl-PL" sz="2800" dirty="0" err="1">
+                <a:solidFill>
+                  <a:schemeClr val="tx1"/>
+                </a:solidFill>
+              </a:rPr>
+              <a:t>runner</a:t>
+            </a:r>
+            <a:endParaRPr lang="pl-PL" sz="2800" dirty="0">
+              <a:solidFill>
+                <a:schemeClr val="tx1"/>
+              </a:solidFill>
+            </a:endParaRPr>
+          </a:p>
+          <a:p>
+            <a:pPr fontAlgn="ctr"/>
+            <a:r>
+              <a:rPr lang="pl-PL" sz="2800" dirty="0">
+                <a:solidFill>
+                  <a:schemeClr val="tx1"/>
+                </a:solidFill>
+              </a:rPr>
+              <a:t>Atrybuty </a:t>
+            </a:r>
+            <a:r>
+              <a:rPr lang="pl-PL" sz="2800" dirty="0" err="1">
+                <a:solidFill>
+                  <a:schemeClr val="tx1"/>
+                </a:solidFill>
+              </a:rPr>
+              <a:t>TestFixture</a:t>
+            </a:r>
+            <a:r>
+              <a:rPr lang="pl-PL" sz="2800" dirty="0">
+                <a:solidFill>
+                  <a:schemeClr val="tx1"/>
+                </a:solidFill>
+              </a:rPr>
+              <a:t>, Test</a:t>
+            </a:r>
+          </a:p>
+          <a:p>
             <a:endParaRPr lang="pl-PL" dirty="0"/>
           </a:p>
         </p:txBody>
       </p:sp>
-      <p:sp>
-        <p:nvSpPr>
-          <p:cNvPr id="3" name="Symbol zastępczy zawartości 2">
+      <p:pic>
+        <p:nvPicPr>
+          <p:cNvPr id="5" name="Obraz 4">
             <a:extLst>
               <a:ext uri="{FF2B5EF4-FFF2-40B4-BE49-F238E27FC236}">
-                <a16:creationId xmlns:a16="http://schemas.microsoft.com/office/drawing/2014/main" id="{1718BA40-A2AA-46D9-8879-C139D84D5B93}"/>
+                <a16:creationId xmlns:a16="http://schemas.microsoft.com/office/drawing/2014/main" id="{078CE39F-3B80-4B45-AB59-F925BDB2A674}"/>
               </a:ext>
             </a:extLst>
           </p:cNvPr>
-          <p:cNvSpPr>
-            <a:spLocks noGrp="1"/>
-          </p:cNvSpPr>
-          <p:nvPr>
-            <p:ph idx="1"/>
-          </p:nvPr>
-        </p:nvSpPr>
-        <p:spPr/>
-        <p:txBody>
-          <a:bodyPr/>
-          <a:lstStyle/>
-          <a:p>
-            <a:r>
-              <a:rPr lang="pl-PL" dirty="0" err="1"/>
-              <a:t>NUnit</a:t>
-            </a:r>
-            <a:endParaRPr lang="pl-PL" dirty="0"/>
-          </a:p>
-          <a:p>
-            <a:r>
-              <a:rPr lang="pl-PL" dirty="0" err="1"/>
-              <a:t>XUnit</a:t>
-            </a:r>
-            <a:endParaRPr lang="pl-PL" dirty="0"/>
-          </a:p>
-          <a:p>
-            <a:r>
-              <a:rPr lang="pl-PL" dirty="0"/>
-              <a:t>Microsoft Unit Test Framework</a:t>
-            </a:r>
-          </a:p>
-          <a:p>
-            <a:endParaRPr lang="pl-PL" dirty="0"/>
-          </a:p>
-        </p:txBody>
-      </p:sp>
+          <p:cNvPicPr>
+            <a:picLocks noChangeAspect="1"/>
+          </p:cNvPicPr>
+          <p:nvPr/>
+        </p:nvPicPr>
+        <p:blipFill>
+          <a:blip r:embed="rId2">
+            <a:extLst>
+              <a:ext uri="{28A0092B-C50C-407E-A947-70E740481C1C}">
+                <a14:useLocalDpi xmlns:a14="http://schemas.microsoft.com/office/drawing/2010/main" val="0"/>
+              </a:ext>
+            </a:extLst>
+          </a:blip>
+          <a:stretch>
+            <a:fillRect/>
+          </a:stretch>
+        </p:blipFill>
+        <p:spPr>
+          <a:xfrm>
+            <a:off x="4378214" y="926887"/>
+            <a:ext cx="3794235" cy="1578402"/>
+          </a:xfrm>
+          <a:prstGeom prst="rect">
+            <a:avLst/>
+          </a:prstGeom>
+        </p:spPr>
+      </p:pic>
     </p:spTree>
     <p:extLst>
       <p:ext uri="{BB962C8B-B14F-4D97-AF65-F5344CB8AC3E}">
-        <p14:creationId xmlns:p14="http://schemas.microsoft.com/office/powerpoint/2010/main" val="1337315304"/>
+        <p14:creationId xmlns:p14="http://schemas.microsoft.com/office/powerpoint/2010/main" val="1936917198"/>
       </p:ext>
     </p:extLst>
   </p:cSld>
@@ -4329,7 +5767,7 @@
           <p:cNvPr id="2" name="Tytuł 1">
             <a:extLst>
               <a:ext uri="{FF2B5EF4-FFF2-40B4-BE49-F238E27FC236}">
-                <a16:creationId xmlns:a16="http://schemas.microsoft.com/office/drawing/2014/main" id="{893CAFCC-AB3A-4BCF-83B1-A71211B69720}"/>
+                <a16:creationId xmlns:a16="http://schemas.microsoft.com/office/drawing/2014/main" id="{3A30D208-9FEB-46FC-AA3E-D160C4A68700}"/>
               </a:ext>
             </a:extLst>
           </p:cNvPr>
@@ -4345,11 +5783,11 @@
           <a:bodyPr/>
           <a:lstStyle/>
           <a:p>
-            <a:r>
-              <a:rPr lang="pl-PL" dirty="0" err="1"/>
-              <a:t>Nunit</a:t>
-            </a:r>
-            <a:endParaRPr lang="pl-PL" dirty="0"/>
+            <a:pPr algn="ctr"/>
+            <a:r>
+              <a:rPr lang="pl-PL" dirty="0"/>
+              <a:t>Przykład</a:t>
+            </a:r>
           </a:p>
         </p:txBody>
       </p:sp>
@@ -4358,7 +5796,7 @@
           <p:cNvPr id="3" name="Symbol zastępczy zawartości 2">
             <a:extLst>
               <a:ext uri="{FF2B5EF4-FFF2-40B4-BE49-F238E27FC236}">
-                <a16:creationId xmlns:a16="http://schemas.microsoft.com/office/drawing/2014/main" id="{253AF384-3D02-41E3-B964-58AF2254452C}"/>
+                <a16:creationId xmlns:a16="http://schemas.microsoft.com/office/drawing/2014/main" id="{0B7AEE14-4BD5-4620-BE2E-0FAE1CB56EED}"/>
               </a:ext>
             </a:extLst>
           </p:cNvPr>
@@ -4371,44 +5809,17 @@
         </p:nvSpPr>
         <p:spPr/>
         <p:txBody>
-          <a:bodyPr/>
+          <a:bodyPr>
+            <a:normAutofit fontScale="62500" lnSpcReduction="20000"/>
+          </a:bodyPr>
           <a:lstStyle/>
           <a:p>
-            <a:pPr fontAlgn="ctr"/>
-            <a:r>
-              <a:rPr lang="pl-PL" dirty="0"/>
-              <a:t>Początkowo klon </a:t>
-            </a:r>
-            <a:r>
-              <a:rPr lang="pl-PL" dirty="0" err="1"/>
-              <a:t>jUnit</a:t>
-            </a:r>
-            <a:endParaRPr lang="pl-PL" dirty="0"/>
-          </a:p>
-          <a:p>
-            <a:pPr fontAlgn="ctr"/>
-            <a:r>
-              <a:rPr lang="pl-PL" dirty="0"/>
-              <a:t>Nie jest domyślnie wspierany przez Visual Studio</a:t>
-            </a:r>
-          </a:p>
-          <a:p>
-            <a:pPr fontAlgn="ctr"/>
-            <a:r>
-              <a:rPr lang="pl-PL" dirty="0"/>
-              <a:t>Wymagany dodatkowy test </a:t>
-            </a:r>
-            <a:r>
-              <a:rPr lang="pl-PL" dirty="0" err="1"/>
-              <a:t>runner</a:t>
-            </a:r>
-            <a:endParaRPr lang="pl-PL" dirty="0"/>
-          </a:p>
-          <a:p>
-            <a:pPr fontAlgn="ctr"/>
-            <a:r>
-              <a:rPr lang="pl-PL" dirty="0"/>
-              <a:t>Atrybuty </a:t>
+            <a:pPr marL="0" indent="0">
+              <a:buNone/>
+            </a:pPr>
+            <a:r>
+              <a:rPr lang="pl-PL" dirty="0"/>
+              <a:t> [</a:t>
             </a:r>
             <a:r>
               <a:rPr lang="pl-PL" dirty="0" err="1"/>
@@ -4416,18 +5827,265 @@
             </a:r>
             <a:r>
               <a:rPr lang="pl-PL" dirty="0"/>
-              <a:t>, Test</a:t>
-            </a:r>
-          </a:p>
-          <a:p>
+              <a:t>]</a:t>
+            </a:r>
+          </a:p>
+          <a:p>
+            <a:pPr marL="0" indent="0">
+              <a:buNone/>
+            </a:pPr>
+            <a:r>
+              <a:rPr lang="pl-PL" dirty="0"/>
+              <a:t>  public </a:t>
+            </a:r>
+            <a:r>
+              <a:rPr lang="pl-PL" dirty="0" err="1"/>
+              <a:t>class</a:t>
+            </a:r>
+            <a:r>
+              <a:rPr lang="pl-PL" dirty="0"/>
+              <a:t> </a:t>
+            </a:r>
+            <a:r>
+              <a:rPr lang="pl-PL" dirty="0" err="1"/>
+              <a:t>VatValueCalculatorTests</a:t>
+            </a:r>
             <a:endParaRPr lang="pl-PL" dirty="0"/>
+          </a:p>
+          <a:p>
+            <a:pPr marL="0" indent="0">
+              <a:buNone/>
+            </a:pPr>
+            <a:r>
+              <a:rPr lang="pl-PL" dirty="0"/>
+              <a:t>  {</a:t>
+            </a:r>
+          </a:p>
+          <a:p>
+            <a:pPr marL="0" indent="0">
+              <a:buNone/>
+            </a:pPr>
+            <a:r>
+              <a:rPr lang="pl-PL" dirty="0"/>
+              <a:t>    [Test]</a:t>
+            </a:r>
+          </a:p>
+          <a:p>
+            <a:pPr marL="0" indent="0">
+              <a:buNone/>
+            </a:pPr>
+            <a:r>
+              <a:rPr lang="pl-PL" dirty="0"/>
+              <a:t>    public </a:t>
+            </a:r>
+            <a:r>
+              <a:rPr lang="pl-PL" dirty="0" err="1"/>
+              <a:t>void</a:t>
+            </a:r>
+            <a:r>
+              <a:rPr lang="pl-PL" dirty="0"/>
+              <a:t> </a:t>
+            </a:r>
+            <a:r>
+              <a:rPr lang="pl-PL" dirty="0" err="1"/>
+              <a:t>should_calculate_proper_value</a:t>
+            </a:r>
+            <a:r>
+              <a:rPr lang="pl-PL" dirty="0"/>
+              <a:t>()</a:t>
+            </a:r>
+          </a:p>
+          <a:p>
+            <a:pPr marL="0" indent="0">
+              <a:buNone/>
+            </a:pPr>
+            <a:r>
+              <a:rPr lang="pl-PL" dirty="0"/>
+              <a:t>    {</a:t>
+            </a:r>
+          </a:p>
+          <a:p>
+            <a:pPr marL="0" indent="0">
+              <a:buNone/>
+            </a:pPr>
+            <a:r>
+              <a:rPr lang="pl-PL" dirty="0"/>
+              <a:t>      </a:t>
+            </a:r>
+            <a:r>
+              <a:rPr lang="pl-PL" dirty="0" err="1"/>
+              <a:t>const</a:t>
+            </a:r>
+            <a:r>
+              <a:rPr lang="pl-PL" dirty="0"/>
+              <a:t> </a:t>
+            </a:r>
+            <a:r>
+              <a:rPr lang="pl-PL" dirty="0" err="1"/>
+              <a:t>decimal</a:t>
+            </a:r>
+            <a:r>
+              <a:rPr lang="pl-PL" dirty="0"/>
+              <a:t> </a:t>
+            </a:r>
+            <a:r>
+              <a:rPr lang="pl-PL" dirty="0" err="1"/>
+              <a:t>netValue</a:t>
+            </a:r>
+            <a:r>
+              <a:rPr lang="pl-PL" dirty="0"/>
+              <a:t> = 15;</a:t>
+            </a:r>
+          </a:p>
+          <a:p>
+            <a:pPr marL="0" indent="0">
+              <a:buNone/>
+            </a:pPr>
+            <a:endParaRPr lang="pl-PL" dirty="0"/>
+          </a:p>
+          <a:p>
+            <a:pPr marL="0" indent="0">
+              <a:buNone/>
+            </a:pPr>
+            <a:r>
+              <a:rPr lang="pl-PL" dirty="0"/>
+              <a:t>      </a:t>
+            </a:r>
+            <a:r>
+              <a:rPr lang="pl-PL" dirty="0" err="1"/>
+              <a:t>var</a:t>
+            </a:r>
+            <a:r>
+              <a:rPr lang="pl-PL" dirty="0"/>
+              <a:t> </a:t>
+            </a:r>
+            <a:r>
+              <a:rPr lang="pl-PL" dirty="0" err="1"/>
+              <a:t>expectedValue</a:t>
+            </a:r>
+            <a:r>
+              <a:rPr lang="pl-PL" dirty="0"/>
+              <a:t> = 18.45M;</a:t>
+            </a:r>
+          </a:p>
+          <a:p>
+            <a:pPr marL="0" indent="0">
+              <a:buNone/>
+            </a:pPr>
+            <a:endParaRPr lang="pl-PL" dirty="0"/>
+          </a:p>
+          <a:p>
+            <a:pPr marL="0" indent="0">
+              <a:buNone/>
+            </a:pPr>
+            <a:r>
+              <a:rPr lang="pl-PL" dirty="0"/>
+              <a:t>      </a:t>
+            </a:r>
+            <a:r>
+              <a:rPr lang="pl-PL" dirty="0" err="1"/>
+              <a:t>var</a:t>
+            </a:r>
+            <a:r>
+              <a:rPr lang="pl-PL" dirty="0"/>
+              <a:t> </a:t>
+            </a:r>
+            <a:r>
+              <a:rPr lang="pl-PL" dirty="0" err="1"/>
+              <a:t>calculatedValue</a:t>
+            </a:r>
+            <a:r>
+              <a:rPr lang="pl-PL" dirty="0"/>
+              <a:t> = </a:t>
+            </a:r>
+            <a:r>
+              <a:rPr lang="pl-PL" dirty="0" err="1"/>
+              <a:t>VatValueCalculator.CalculateGrossValue</a:t>
+            </a:r>
+            <a:r>
+              <a:rPr lang="pl-PL" dirty="0"/>
+              <a:t>(</a:t>
+            </a:r>
+            <a:r>
+              <a:rPr lang="pl-PL" dirty="0" err="1"/>
+              <a:t>netValue</a:t>
+            </a:r>
+            <a:r>
+              <a:rPr lang="pl-PL" dirty="0"/>
+              <a:t>);</a:t>
+            </a:r>
+          </a:p>
+          <a:p>
+            <a:pPr marL="0" indent="0">
+              <a:buNone/>
+            </a:pPr>
+            <a:endParaRPr lang="pl-PL" dirty="0"/>
+          </a:p>
+          <a:p>
+            <a:pPr marL="0" indent="0">
+              <a:buNone/>
+            </a:pPr>
+            <a:r>
+              <a:rPr lang="pl-PL" dirty="0"/>
+              <a:t>      </a:t>
+            </a:r>
+            <a:r>
+              <a:rPr lang="pl-PL" dirty="0" err="1"/>
+              <a:t>Assert.That</a:t>
+            </a:r>
+            <a:r>
+              <a:rPr lang="pl-PL" dirty="0"/>
+              <a:t>(</a:t>
+            </a:r>
+            <a:r>
+              <a:rPr lang="pl-PL" dirty="0" err="1"/>
+              <a:t>expectedValue</a:t>
+            </a:r>
+            <a:r>
+              <a:rPr lang="pl-PL" dirty="0"/>
+              <a:t>, </a:t>
+            </a:r>
+            <a:r>
+              <a:rPr lang="pl-PL" dirty="0" err="1"/>
+              <a:t>Is.EqualTo</a:t>
+            </a:r>
+            <a:r>
+              <a:rPr lang="pl-PL" dirty="0"/>
+              <a:t>(</a:t>
+            </a:r>
+            <a:r>
+              <a:rPr lang="pl-PL" dirty="0" err="1"/>
+              <a:t>calculatedValue</a:t>
+            </a:r>
+            <a:r>
+              <a:rPr lang="pl-PL" dirty="0"/>
+              <a:t>));</a:t>
+            </a:r>
+          </a:p>
+          <a:p>
+            <a:pPr marL="0" indent="0">
+              <a:buNone/>
+            </a:pPr>
+            <a:r>
+              <a:rPr lang="pl-PL" dirty="0"/>
+              <a:t>    }</a:t>
+            </a:r>
+          </a:p>
+          <a:p>
+            <a:pPr marL="0" indent="0">
+              <a:buNone/>
+            </a:pPr>
+            <a:r>
+              <a:rPr lang="pl-PL" dirty="0"/>
+              <a:t>  }</a:t>
+            </a:r>
           </a:p>
         </p:txBody>
       </p:sp>
     </p:spTree>
     <p:extLst>
       <p:ext uri="{BB962C8B-B14F-4D97-AF65-F5344CB8AC3E}">
-        <p14:creationId xmlns:p14="http://schemas.microsoft.com/office/powerpoint/2010/main" val="1936917198"/>
+        <p14:creationId xmlns:p14="http://schemas.microsoft.com/office/powerpoint/2010/main" val="4260571391"/>
       </p:ext>
     </p:extLst>
   </p:cSld>
@@ -4456,35 +6114,6 @@
       </p:grpSpPr>
       <p:sp>
         <p:nvSpPr>
-          <p:cNvPr id="2" name="Tytuł 1">
-            <a:extLst>
-              <a:ext uri="{FF2B5EF4-FFF2-40B4-BE49-F238E27FC236}">
-                <a16:creationId xmlns:a16="http://schemas.microsoft.com/office/drawing/2014/main" id="{92228800-AF5B-460C-8AC7-F26F4E938B20}"/>
-              </a:ext>
-            </a:extLst>
-          </p:cNvPr>
-          <p:cNvSpPr>
-            <a:spLocks noGrp="1"/>
-          </p:cNvSpPr>
-          <p:nvPr>
-            <p:ph type="title"/>
-          </p:nvPr>
-        </p:nvSpPr>
-        <p:spPr/>
-        <p:txBody>
-          <a:bodyPr/>
-          <a:lstStyle/>
-          <a:p>
-            <a:r>
-              <a:rPr lang="pl-PL" dirty="0" err="1"/>
-              <a:t>XUnit</a:t>
-            </a:r>
-            <a:endParaRPr lang="pl-PL" dirty="0"/>
-          </a:p>
-        </p:txBody>
-      </p:sp>
-      <p:sp>
-        <p:nvSpPr>
           <p:cNvPr id="3" name="Symbol zastępczy zawartości 2">
             <a:extLst>
               <a:ext uri="{FF2B5EF4-FFF2-40B4-BE49-F238E27FC236}">
@@ -4496,68 +6125,153 @@
             <a:spLocks noGrp="1"/>
           </p:cNvSpPr>
           <p:nvPr>
-            <p:ph idx="1"/>
-          </p:nvPr>
-        </p:nvSpPr>
-        <p:spPr/>
+            <p:ph idx="4294967295"/>
+          </p:nvPr>
+        </p:nvSpPr>
+        <p:spPr>
+          <a:xfrm>
+            <a:off x="476250" y="2362200"/>
+            <a:ext cx="11029950" cy="3678238"/>
+          </a:xfrm>
+        </p:spPr>
         <p:txBody>
           <a:bodyPr/>
           <a:lstStyle/>
           <a:p>
             <a:pPr fontAlgn="ctr"/>
             <a:r>
-              <a:rPr lang="pl-PL" dirty="0"/>
+              <a:rPr lang="pl-PL" sz="2800" dirty="0">
+                <a:solidFill>
+                  <a:schemeClr val="tx1"/>
+                </a:solidFill>
+              </a:rPr>
               <a:t>Napisany przez autora </a:t>
             </a:r>
             <a:r>
-              <a:rPr lang="pl-PL" dirty="0" err="1"/>
+              <a:rPr lang="pl-PL" sz="2800" dirty="0" err="1">
+                <a:solidFill>
+                  <a:schemeClr val="tx1"/>
+                </a:solidFill>
+              </a:rPr>
               <a:t>nUnit</a:t>
             </a:r>
             <a:r>
-              <a:rPr lang="pl-PL" dirty="0"/>
+              <a:rPr lang="pl-PL" sz="2800" dirty="0">
+                <a:solidFill>
+                  <a:schemeClr val="tx1"/>
+                </a:solidFill>
+              </a:rPr>
               <a:t> v2</a:t>
             </a:r>
           </a:p>
           <a:p>
             <a:pPr fontAlgn="ctr"/>
             <a:r>
-              <a:rPr lang="pl-PL" dirty="0"/>
+              <a:rPr lang="pl-PL" sz="2800" dirty="0">
+                <a:solidFill>
+                  <a:schemeClr val="tx1"/>
+                </a:solidFill>
+              </a:rPr>
               <a:t>Podobnie jak </a:t>
             </a:r>
             <a:r>
-              <a:rPr lang="pl-PL" dirty="0" err="1"/>
+              <a:rPr lang="pl-PL" sz="2800" dirty="0" err="1">
+                <a:solidFill>
+                  <a:schemeClr val="tx1"/>
+                </a:solidFill>
+              </a:rPr>
               <a:t>nUnit</a:t>
             </a:r>
             <a:r>
-              <a:rPr lang="pl-PL" dirty="0"/>
+              <a:rPr lang="pl-PL" sz="2800" dirty="0">
+                <a:solidFill>
+                  <a:schemeClr val="tx1"/>
+                </a:solidFill>
+              </a:rPr>
               <a:t> wymaga doinstalowania test </a:t>
             </a:r>
             <a:r>
-              <a:rPr lang="pl-PL" dirty="0" err="1"/>
+              <a:rPr lang="pl-PL" sz="2800" dirty="0" err="1">
+                <a:solidFill>
+                  <a:schemeClr val="tx1"/>
+                </a:solidFill>
+              </a:rPr>
               <a:t>runnera</a:t>
             </a:r>
+            <a:endParaRPr lang="pl-PL" sz="2800" dirty="0">
+              <a:solidFill>
+                <a:schemeClr val="tx1"/>
+              </a:solidFill>
+            </a:endParaRPr>
+          </a:p>
+          <a:p>
+            <a:pPr fontAlgn="ctr"/>
+            <a:r>
+              <a:rPr lang="pl-PL" sz="2800" dirty="0">
+                <a:solidFill>
+                  <a:schemeClr val="tx1"/>
+                </a:solidFill>
+              </a:rPr>
+              <a:t>Atrybut [</a:t>
+            </a:r>
+            <a:r>
+              <a:rPr lang="pl-PL" sz="2800" dirty="0" err="1">
+                <a:solidFill>
+                  <a:schemeClr val="tx1"/>
+                </a:solidFill>
+              </a:rPr>
+              <a:t>Fact</a:t>
+            </a:r>
+            <a:r>
+              <a:rPr lang="pl-PL" sz="2800" dirty="0">
+                <a:solidFill>
+                  <a:schemeClr val="tx1"/>
+                </a:solidFill>
+              </a:rPr>
+              <a:t>]</a:t>
+            </a:r>
+          </a:p>
+          <a:p>
             <a:endParaRPr lang="pl-PL" dirty="0"/>
           </a:p>
-          <a:p>
-            <a:pPr fontAlgn="ctr"/>
-            <a:r>
-              <a:rPr lang="pl-PL" dirty="0"/>
-              <a:t>Atrybut [</a:t>
-            </a:r>
-            <a:r>
-              <a:rPr lang="pl-PL" dirty="0" err="1"/>
-              <a:t>Fact</a:t>
-            </a:r>
-            <a:r>
-              <a:rPr lang="pl-PL" dirty="0"/>
-              <a:t>]</a:t>
-            </a:r>
-          </a:p>
-          <a:p>
-            <a:endParaRPr lang="pl-PL" dirty="0"/>
-          </a:p>
-        </p:txBody>
-      </p:sp>
+        </p:txBody>
+      </p:sp>
+      <p:pic>
+        <p:nvPicPr>
+          <p:cNvPr id="5" name="Obraz 4">
+            <a:extLst>
+              <a:ext uri="{FF2B5EF4-FFF2-40B4-BE49-F238E27FC236}">
+                <a16:creationId xmlns:a16="http://schemas.microsoft.com/office/drawing/2014/main" id="{5F605400-CA31-46F9-90E6-E32796B88884}"/>
+              </a:ext>
+            </a:extLst>
+          </p:cNvPr>
+          <p:cNvPicPr>
+            <a:picLocks noChangeAspect="1"/>
+          </p:cNvPicPr>
+          <p:nvPr/>
+        </p:nvPicPr>
+        <p:blipFill>
+          <a:blip r:embed="rId2">
+            <a:extLst>
+              <a:ext uri="{28A0092B-C50C-407E-A947-70E740481C1C}">
+                <a14:useLocalDpi xmlns:a14="http://schemas.microsoft.com/office/drawing/2010/main" val="0"/>
+              </a:ext>
+            </a:extLst>
+          </a:blip>
+          <a:stretch>
+            <a:fillRect/>
+          </a:stretch>
+        </p:blipFill>
+        <p:spPr>
+          <a:xfrm>
+            <a:off x="3886200" y="1075596"/>
+            <a:ext cx="4210050" cy="1104900"/>
+          </a:xfrm>
+          <a:prstGeom prst="rect">
+            <a:avLst/>
+          </a:prstGeom>
+        </p:spPr>
+      </p:pic>
     </p:spTree>
     <p:extLst>
       <p:ext uri="{BB962C8B-B14F-4D97-AF65-F5344CB8AC3E}">
@@ -4593,7 +6307,7 @@
           <p:cNvPr id="2" name="Tytuł 1">
             <a:extLst>
               <a:ext uri="{FF2B5EF4-FFF2-40B4-BE49-F238E27FC236}">
-                <a16:creationId xmlns:a16="http://schemas.microsoft.com/office/drawing/2014/main" id="{165F0107-1BA4-421F-A5F7-D4A1F07FE77F}"/>
+                <a16:creationId xmlns:a16="http://schemas.microsoft.com/office/drawing/2014/main" id="{3A30D208-9FEB-46FC-AA3E-D160C4A68700}"/>
               </a:ext>
             </a:extLst>
           </p:cNvPr>
@@ -4609,9 +6323,10 @@
           <a:bodyPr/>
           <a:lstStyle/>
           <a:p>
-            <a:r>
-              <a:rPr lang="pl-PL" dirty="0"/>
-              <a:t>Microsoft Unit Test Framework</a:t>
+            <a:pPr algn="ctr"/>
+            <a:r>
+              <a:rPr lang="pl-PL" dirty="0"/>
+              <a:t>Przykład</a:t>
             </a:r>
           </a:p>
         </p:txBody>
@@ -4621,7 +6336,7 @@
           <p:cNvPr id="3" name="Symbol zastępczy zawartości 2">
             <a:extLst>
               <a:ext uri="{FF2B5EF4-FFF2-40B4-BE49-F238E27FC236}">
-                <a16:creationId xmlns:a16="http://schemas.microsoft.com/office/drawing/2014/main" id="{5A1B9E0F-74CE-40C2-B1E9-C33ACD371F96}"/>
+                <a16:creationId xmlns:a16="http://schemas.microsoft.com/office/drawing/2014/main" id="{0B7AEE14-4BD5-4620-BE2E-0FAE1CB56EED}"/>
               </a:ext>
             </a:extLst>
           </p:cNvPr>
@@ -4634,31 +6349,228 @@
         </p:nvSpPr>
         <p:spPr/>
         <p:txBody>
-          <a:bodyPr/>
+          <a:bodyPr>
+            <a:normAutofit fontScale="62500" lnSpcReduction="20000"/>
+          </a:bodyPr>
           <a:lstStyle/>
           <a:p>
-            <a:pPr fontAlgn="ctr"/>
-            <a:r>
-              <a:rPr lang="pl-PL" dirty="0"/>
-              <a:t>Wspierany przez Microsoft</a:t>
-            </a:r>
-          </a:p>
-          <a:p>
-            <a:pPr fontAlgn="ctr"/>
-            <a:r>
-              <a:rPr lang="pl-PL" dirty="0"/>
-              <a:t>Wbudowany w Visual Studio</a:t>
-            </a:r>
-          </a:p>
-          <a:p>
-            <a:pPr fontAlgn="ctr"/>
-            <a:r>
-              <a:rPr lang="pl-PL" dirty="0"/>
-              <a:t>Atrybuty </a:t>
+            <a:pPr marL="0" indent="0">
+              <a:buNone/>
+            </a:pPr>
+            <a:r>
+              <a:rPr lang="pl-PL" dirty="0"/>
+              <a:t> public </a:t>
             </a:r>
             <a:r>
               <a:rPr lang="pl-PL" dirty="0" err="1"/>
-              <a:t>TestClass</a:t>
+              <a:t>class</a:t>
+            </a:r>
+            <a:r>
+              <a:rPr lang="pl-PL" dirty="0"/>
+              <a:t> </a:t>
+            </a:r>
+            <a:r>
+              <a:rPr lang="pl-PL" dirty="0" err="1"/>
+              <a:t>VatValueCalculatorTests</a:t>
+            </a:r>
+            <a:endParaRPr lang="pl-PL" dirty="0"/>
+          </a:p>
+          <a:p>
+            <a:pPr marL="0" indent="0">
+              <a:buNone/>
+            </a:pPr>
+            <a:r>
+              <a:rPr lang="pl-PL" dirty="0"/>
+              <a:t>  {</a:t>
+            </a:r>
+          </a:p>
+          <a:p>
+            <a:pPr marL="0" indent="0">
+              <a:buNone/>
+            </a:pPr>
+            <a:r>
+              <a:rPr lang="pl-PL" dirty="0"/>
+              <a:t>    [</a:t>
+            </a:r>
+            <a:r>
+              <a:rPr lang="pl-PL" dirty="0" err="1"/>
+              <a:t>Fact</a:t>
+            </a:r>
+            <a:r>
+              <a:rPr lang="pl-PL" dirty="0"/>
+              <a:t>]</a:t>
+            </a:r>
+          </a:p>
+          <a:p>
+            <a:pPr marL="0" indent="0">
+              <a:buNone/>
+            </a:pPr>
+            <a:r>
+              <a:rPr lang="pl-PL" dirty="0"/>
+              <a:t>    public </a:t>
+            </a:r>
+            <a:r>
+              <a:rPr lang="pl-PL" dirty="0" err="1"/>
+              <a:t>void</a:t>
+            </a:r>
+            <a:r>
+              <a:rPr lang="pl-PL" dirty="0"/>
+              <a:t> </a:t>
+            </a:r>
+            <a:r>
+              <a:rPr lang="pl-PL" dirty="0" err="1"/>
+              <a:t>should_calculate_proper_value</a:t>
+            </a:r>
+            <a:r>
+              <a:rPr lang="pl-PL" dirty="0"/>
+              <a:t>()</a:t>
+            </a:r>
+          </a:p>
+          <a:p>
+            <a:pPr marL="0" indent="0">
+              <a:buNone/>
+            </a:pPr>
+            <a:r>
+              <a:rPr lang="pl-PL" dirty="0"/>
+              <a:t>    {</a:t>
+            </a:r>
+          </a:p>
+          <a:p>
+            <a:pPr marL="0" indent="0">
+              <a:buNone/>
+            </a:pPr>
+            <a:r>
+              <a:rPr lang="pl-PL" dirty="0"/>
+              <a:t>      </a:t>
+            </a:r>
+            <a:r>
+              <a:rPr lang="pl-PL" dirty="0" err="1"/>
+              <a:t>const</a:t>
+            </a:r>
+            <a:r>
+              <a:rPr lang="pl-PL" dirty="0"/>
+              <a:t> </a:t>
+            </a:r>
+            <a:r>
+              <a:rPr lang="pl-PL" dirty="0" err="1"/>
+              <a:t>decimal</a:t>
+            </a:r>
+            <a:r>
+              <a:rPr lang="pl-PL" dirty="0"/>
+              <a:t> </a:t>
+            </a:r>
+            <a:r>
+              <a:rPr lang="pl-PL" dirty="0" err="1"/>
+              <a:t>netValue</a:t>
+            </a:r>
+            <a:r>
+              <a:rPr lang="pl-PL" dirty="0"/>
+              <a:t> = 15;</a:t>
+            </a:r>
+          </a:p>
+          <a:p>
+            <a:pPr marL="0" indent="0">
+              <a:buNone/>
+            </a:pPr>
+            <a:endParaRPr lang="pl-PL" dirty="0"/>
+          </a:p>
+          <a:p>
+            <a:pPr marL="0" indent="0">
+              <a:buNone/>
+            </a:pPr>
+            <a:r>
+              <a:rPr lang="pl-PL" dirty="0"/>
+              <a:t>      </a:t>
+            </a:r>
+            <a:r>
+              <a:rPr lang="pl-PL" dirty="0" err="1"/>
+              <a:t>var</a:t>
+            </a:r>
+            <a:r>
+              <a:rPr lang="pl-PL" dirty="0"/>
+              <a:t> </a:t>
+            </a:r>
+            <a:r>
+              <a:rPr lang="pl-PL" dirty="0" err="1"/>
+              <a:t>expectedValue</a:t>
+            </a:r>
+            <a:r>
+              <a:rPr lang="pl-PL" dirty="0"/>
+              <a:t> = 18.45M;</a:t>
+            </a:r>
+          </a:p>
+          <a:p>
+            <a:pPr marL="0" indent="0">
+              <a:buNone/>
+            </a:pPr>
+            <a:endParaRPr lang="pl-PL" dirty="0"/>
+          </a:p>
+          <a:p>
+            <a:pPr marL="0" indent="0">
+              <a:buNone/>
+            </a:pPr>
+            <a:r>
+              <a:rPr lang="pl-PL" dirty="0"/>
+              <a:t>      </a:t>
+            </a:r>
+            <a:r>
+              <a:rPr lang="pl-PL" dirty="0" err="1"/>
+              <a:t>var</a:t>
+            </a:r>
+            <a:r>
+              <a:rPr lang="pl-PL" dirty="0"/>
+              <a:t> </a:t>
+            </a:r>
+            <a:r>
+              <a:rPr lang="pl-PL" dirty="0" err="1"/>
+              <a:t>calculatedValue</a:t>
+            </a:r>
+            <a:r>
+              <a:rPr lang="pl-PL" dirty="0"/>
+              <a:t> = </a:t>
+            </a:r>
+            <a:r>
+              <a:rPr lang="pl-PL" dirty="0" err="1"/>
+              <a:t>VatValueCalculator.CalculateGrossValue</a:t>
+            </a:r>
+            <a:r>
+              <a:rPr lang="pl-PL" dirty="0"/>
+              <a:t>(</a:t>
+            </a:r>
+            <a:r>
+              <a:rPr lang="pl-PL" dirty="0" err="1"/>
+              <a:t>netValue</a:t>
+            </a:r>
+            <a:r>
+              <a:rPr lang="pl-PL" dirty="0"/>
+              <a:t>);</a:t>
+            </a:r>
+          </a:p>
+          <a:p>
+            <a:pPr marL="0" indent="0">
+              <a:buNone/>
+            </a:pPr>
+            <a:endParaRPr lang="pl-PL" dirty="0"/>
+          </a:p>
+          <a:p>
+            <a:pPr marL="0" indent="0">
+              <a:buNone/>
+            </a:pPr>
+            <a:r>
+              <a:rPr lang="pl-PL" dirty="0"/>
+              <a:t>      </a:t>
+            </a:r>
+            <a:r>
+              <a:rPr lang="pl-PL" dirty="0" err="1"/>
+              <a:t>Assert.Equal</a:t>
+            </a:r>
+            <a:r>
+              <a:rPr lang="pl-PL" dirty="0"/>
+              <a:t>(</a:t>
+            </a:r>
+            <a:r>
+              <a:rPr lang="pl-PL" dirty="0" err="1"/>
+              <a:t>expectedValue</a:t>
             </a:r>
             <a:r>
               <a:rPr lang="pl-PL" dirty="0"/>
@@ -4666,19 +6578,37 @@
             </a:r>
             <a:r>
               <a:rPr lang="pl-PL" dirty="0" err="1"/>
-              <a:t>TestMethod</a:t>
-            </a:r>
-            <a:endParaRPr lang="pl-PL" dirty="0"/>
-          </a:p>
-          <a:p>
-            <a:endParaRPr lang="pl-PL" dirty="0"/>
+              <a:t>calculatedValue</a:t>
+            </a:r>
+            <a:r>
+              <a:rPr lang="pl-PL" dirty="0"/>
+              <a:t>);</a:t>
+            </a:r>
+          </a:p>
+          <a:p>
+            <a:pPr marL="0" indent="0">
+              <a:buNone/>
+            </a:pPr>
+            <a:r>
+              <a:rPr lang="pl-PL" dirty="0"/>
+              <a:t>    }</a:t>
+            </a:r>
+          </a:p>
+          <a:p>
+            <a:pPr marL="0" indent="0">
+              <a:buNone/>
+            </a:pPr>
+            <a:r>
+              <a:rPr lang="pl-PL" dirty="0"/>
+              <a:t>  }</a:t>
+            </a:r>
           </a:p>
         </p:txBody>
       </p:sp>
     </p:spTree>
     <p:extLst>
       <p:ext uri="{BB962C8B-B14F-4D97-AF65-F5344CB8AC3E}">
-        <p14:creationId xmlns:p14="http://schemas.microsoft.com/office/powerpoint/2010/main" val="1891818956"/>
+        <p14:creationId xmlns:p14="http://schemas.microsoft.com/office/powerpoint/2010/main" val="2047853959"/>
       </p:ext>
     </p:extLst>
   </p:cSld>
@@ -4689,9 +6619,9 @@
 </file>
 
 <file path=ppt/theme/theme1.xml><?xml version="1.0" encoding="utf-8"?>
-<a:theme xmlns:a="http://schemas.openxmlformats.org/drawingml/2006/main" name="Motyw pakietu Office">
+<a:theme xmlns:a="http://schemas.openxmlformats.org/drawingml/2006/main" name="Dywidenda">
   <a:themeElements>
-    <a:clrScheme name="Pakiet Office">
+    <a:clrScheme name="Dywidenda">
       <a:dk1>
         <a:sysClr val="windowText" lastClr="000000"/>
       </a:dk1>
@@ -4699,98 +6629,48 @@
         <a:sysClr val="window" lastClr="FFFFFF"/>
       </a:lt1>
       <a:dk2>
-        <a:srgbClr val="44546A"/>
+        <a:srgbClr val="3D3D3D"/>
       </a:dk2>
       <a:lt2>
-        <a:srgbClr val="E7E6E6"/>
+        <a:srgbClr val="EBEBEB"/>
       </a:lt2>
       <a:accent1>
-        <a:srgbClr val="4472C4"/>
+        <a:srgbClr val="1A3260"/>
       </a:accent1>
       <a:accent2>
-        <a:srgbClr val="ED7D31"/>
+        <a:srgbClr val="4590B8"/>
       </a:accent2>
       <a:accent3>
-        <a:srgbClr val="A5A5A5"/>
+        <a:srgbClr val="45CBE8"/>
       </a:accent3>
       <a:accent4>
-        <a:srgbClr val="FFC000"/>
+        <a:srgbClr val="969FA7"/>
       </a:accent4>
       <a:accent5>
-        <a:srgbClr val="5B9BD5"/>
+        <a:srgbClr val="A2C777"/>
       </a:accent5>
       <a:accent6>
-        <a:srgbClr val="70AD47"/>
+        <a:srgbClr val="42955F"/>
       </a:accent6>
       <a:hlink>
-        <a:srgbClr val="0563C1"/>
+        <a:srgbClr val="828282"/>
       </a:hlink>
       <a:folHlink>
-        <a:srgbClr val="954F72"/>
+        <a:srgbClr val="A5A5A5"/>
       </a:folHlink>
     </a:clrScheme>
-    <a:fontScheme name="Pakiet Office">
+    <a:fontScheme name="Dywidenda">
       <a:majorFont>
-        <a:latin typeface="Calibri Light" panose="020F0302020204030204"/>
+        <a:latin typeface="Gill Sans MT" panose="020B0502020104020203"/>
         <a:ea typeface=""/>
         <a:cs typeface=""/>
-        <a:font script="Jpan" typeface="游ゴシック Light"/>
-        <a:font script="Hang" typeface="맑은 고딕"/>
-        <a:font script="Hans" typeface="等线 Light"/>
-        <a:font script="Hant" typeface="新細明體"/>
-        <a:font script="Arab" typeface="Times New Roman"/>
-        <a:font script="Hebr" typeface="Times New Roman"/>
-        <a:font script="Thai" typeface="Angsana New"/>
-        <a:font script="Ethi" typeface="Nyala"/>
-        <a:font script="Beng" typeface="Vrinda"/>
-        <a:font script="Gujr" typeface="Shruti"/>
-        <a:font script="Khmr" typeface="MoolBoran"/>
-        <a:font script="Knda" typeface="Tunga"/>
-        <a:font script="Guru" typeface="Raavi"/>
-        <a:font script="Cans" typeface="Euphemia"/>
-        <a:font script="Cher" typeface="Plantagenet Cherokee"/>
-        <a:font script="Yiii" typeface="Microsoft Yi Baiti"/>
-        <a:font script="Tibt" typeface="Microsoft Himalaya"/>
-        <a:font script="Thaa" typeface="MV Boli"/>
-        <a:font script="Deva" typeface="Mangal"/>
-        <a:font script="Telu" typeface="Gautami"/>
-        <a:font script="Taml" typeface="Latha"/>
-        <a:font script="Syrc" typeface="Estrangelo Edessa"/>
-        <a:font script="Orya" typeface="Kalinga"/>
-        <a:font script="Mlym" typeface="Kartika"/>
-        <a:font script="Laoo" typeface="DokChampa"/>
-        <a:font script="Sinh" typeface="Iskoola Pota"/>
-        <a:font script="Mong" typeface="Mongolian Baiti"/>
-        <a:font script="Viet" typeface="Times New Roman"/>
-        <a:font script="Uigh" typeface="Microsoft Uighur"/>
-        <a:font script="Geor" typeface="Sylfaen"/>
-        <a:font script="Armn" typeface="Arial"/>
-        <a:font script="Bugi" typeface="Leelawadee UI"/>
-        <a:font script="Bopo" typeface="Microsoft JhengHei"/>
-        <a:font script="Java" typeface="Javanese Text"/>
-        <a:font script="Lisu" typeface="Segoe UI"/>
-        <a:font script="Mymr" typeface="Myanmar Text"/>
-        <a:font script="Nkoo" typeface="Ebrima"/>
-        <a:font script="Olck" typeface="Nirmala UI"/>
-        <a:font script="Osma" typeface="Ebrima"/>
-        <a:font script="Phag" typeface="Phagspa"/>
-        <a:font script="Syrn" typeface="Estrangelo Edessa"/>
-        <a:font script="Syrj" typeface="Estrangelo Edessa"/>
-        <a:font script="Syre" typeface="Estrangelo Edessa"/>
-        <a:font script="Sora" typeface="Nirmala UI"/>
-        <a:font script="Tale" typeface="Microsoft Tai Le"/>
-        <a:font script="Talu" typeface="Microsoft New Tai Lue"/>
-        <a:font script="Tfng" typeface="Ebrima"/>
-      </a:majorFont>
-      <a:minorFont>
-        <a:latin typeface="Calibri" panose="020F0502020204030204"/>
-        <a:ea typeface=""/>
-        <a:cs typeface=""/>
-        <a:font script="Jpan" typeface="游ゴシック"/>
-        <a:font script="Hang" typeface="맑은 고딕"/>
-        <a:font script="Hans" typeface="等线"/>
-        <a:font script="Hant" typeface="新細明體"/>
-        <a:font script="Arab" typeface="Arial"/>
+        <a:font script="Grek" typeface="Corbel"/>
+        <a:font script="Cyrl" typeface="Corbel"/>
+        <a:font script="Jpan" typeface="HGｺﾞｼｯｸE"/>
+        <a:font script="Hang" typeface="휴먼매직체"/>
+        <a:font script="Hans" typeface="华文中宋"/>
+        <a:font script="Hant" typeface="微軟正黑體"/>
+        <a:font script="Arab" typeface="Majalla UI"/>
         <a:font script="Hebr" typeface="Arial"/>
         <a:font script="Thai" typeface="Cordia New"/>
         <a:font script="Ethi" typeface="Nyala"/>
@@ -4813,29 +6693,49 @@
         <a:font script="Laoo" typeface="DokChampa"/>
         <a:font script="Sinh" typeface="Iskoola Pota"/>
         <a:font script="Mong" typeface="Mongolian Baiti"/>
-        <a:font script="Viet" typeface="Arial"/>
+        <a:font script="Viet" typeface="Tahoma"/>
         <a:font script="Uigh" typeface="Microsoft Uighur"/>
         <a:font script="Geor" typeface="Sylfaen"/>
-        <a:font script="Armn" typeface="Arial"/>
-        <a:font script="Bugi" typeface="Leelawadee UI"/>
-        <a:font script="Bopo" typeface="Microsoft JhengHei"/>
-        <a:font script="Java" typeface="Javanese Text"/>
-        <a:font script="Lisu" typeface="Segoe UI"/>
-        <a:font script="Mymr" typeface="Myanmar Text"/>
-        <a:font script="Nkoo" typeface="Ebrima"/>
-        <a:font script="Olck" typeface="Nirmala UI"/>
-        <a:font script="Osma" typeface="Ebrima"/>
-        <a:font script="Phag" typeface="Phagspa"/>
-        <a:font script="Syrn" typeface="Estrangelo Edessa"/>
-        <a:font script="Syrj" typeface="Estrangelo Edessa"/>
-        <a:font script="Syre" typeface="Estrangelo Edessa"/>
-        <a:font script="Sora" typeface="Nirmala UI"/>
-        <a:font script="Tale" typeface="Microsoft Tai Le"/>
-        <a:font script="Talu" typeface="Microsoft New Tai Lue"/>
-        <a:font script="Tfng" typeface="Ebrima"/>
+      </a:majorFont>
+      <a:minorFont>
+        <a:latin typeface="Gill Sans MT" panose="020B0502020104020203"/>
+        <a:ea typeface=""/>
+        <a:cs typeface=""/>
+        <a:font script="Grek" typeface="Corbel"/>
+        <a:font script="Cyrl" typeface="Corbel"/>
+        <a:font script="Jpan" typeface="HGｺﾞｼｯｸE"/>
+        <a:font script="Hang" typeface="휴먼매직체"/>
+        <a:font script="Hans" typeface="华文中宋"/>
+        <a:font script="Hant" typeface="微軟正黑體"/>
+        <a:font script="Arab" typeface="Majalla UI"/>
+        <a:font script="Hebr" typeface="Arial"/>
+        <a:font script="Thai" typeface="Cordia New"/>
+        <a:font script="Ethi" typeface="Nyala"/>
+        <a:font script="Beng" typeface="Vrinda"/>
+        <a:font script="Gujr" typeface="Shruti"/>
+        <a:font script="Khmr" typeface="DaunPenh"/>
+        <a:font script="Knda" typeface="Tunga"/>
+        <a:font script="Guru" typeface="Raavi"/>
+        <a:font script="Cans" typeface="Euphemia"/>
+        <a:font script="Cher" typeface="Plantagenet Cherokee"/>
+        <a:font script="Yiii" typeface="Microsoft Yi Baiti"/>
+        <a:font script="Tibt" typeface="Microsoft Himalaya"/>
+        <a:font script="Thaa" typeface="MV Boli"/>
+        <a:font script="Deva" typeface="Mangal"/>
+        <a:font script="Telu" typeface="Gautami"/>
+        <a:font script="Taml" typeface="Latha"/>
+        <a:font script="Syrc" typeface="Estrangelo Edessa"/>
+        <a:font script="Orya" typeface="Kalinga"/>
+        <a:font script="Mlym" typeface="Kartika"/>
+        <a:font script="Laoo" typeface="DokChampa"/>
+        <a:font script="Sinh" typeface="Iskoola Pota"/>
+        <a:font script="Mong" typeface="Mongolian Baiti"/>
+        <a:font script="Viet" typeface="Tahoma"/>
+        <a:font script="Uigh" typeface="Microsoft Uighur"/>
+        <a:font script="Geor" typeface="Sylfaen"/>
       </a:minorFont>
     </a:fontScheme>
-    <a:fmtScheme name="Pakiet Office">
+    <a:fmtScheme name="Dywidenda">
       <a:fillStyleLst>
         <a:solidFill>
           <a:schemeClr val="phClr"/>
@@ -4844,23 +6744,111 @@
           <a:gsLst>
             <a:gs pos="0">
               <a:schemeClr val="phClr">
-                <a:lumMod val="110000"/>
-                <a:satMod val="105000"/>
-                <a:tint val="67000"/>
-              </a:schemeClr>
-            </a:gs>
-            <a:gs pos="50000">
-              <a:schemeClr val="phClr">
-                <a:lumMod val="105000"/>
-                <a:satMod val="103000"/>
-                <a:tint val="73000"/>
+                <a:tint val="68000"/>
+                <a:alpha val="90000"/>
+                <a:lumMod val="100000"/>
               </a:schemeClr>
             </a:gs>
             <a:gs pos="100000">
               <a:schemeClr val="phClr">
-                <a:lumMod val="105000"/>
-                <a:satMod val="109000"/>
-                <a:tint val="81000"/>
+                <a:tint val="90000"/>
+                <a:lumMod val="95000"/>
+              </a:schemeClr>
+            </a:gs>
+          </a:gsLst>
+          <a:lin ang="5400000" scaled="1"/>
+        </a:gradFill>
+        <a:gradFill rotWithShape="1">
+          <a:gsLst>
+            <a:gs pos="0">
+              <a:schemeClr val="phClr">
+                <a:tint val="98000"/>
+                <a:lumMod val="110000"/>
+              </a:schemeClr>
+            </a:gs>
+            <a:gs pos="84000">
+              <a:schemeClr val="phClr">
+                <a:shade val="90000"/>
+                <a:lumMod val="88000"/>
+              </a:schemeClr>
+            </a:gs>
+          </a:gsLst>
+          <a:lin ang="5400000" scaled="0"/>
+        </a:gradFill>
+      </a:fillStyleLst>
+      <a:lnStyleLst>
+        <a:ln w="12700" cap="rnd" cmpd="sng" algn="ctr">
+          <a:solidFill>
+            <a:schemeClr val="phClr">
+              <a:lumMod val="90000"/>
+            </a:schemeClr>
+          </a:solidFill>
+          <a:prstDash val="solid"/>
+        </a:ln>
+        <a:ln w="22225" cap="rnd" cmpd="sng" algn="ctr">
+          <a:solidFill>
+            <a:schemeClr val="phClr"/>
+          </a:solidFill>
+          <a:prstDash val="solid"/>
+        </a:ln>
+        <a:ln w="25400" cap="rnd" cmpd="sng" algn="ctr">
+          <a:solidFill>
+            <a:schemeClr val="phClr"/>
+          </a:solidFill>
+          <a:prstDash val="solid"/>
+        </a:ln>
+      </a:lnStyleLst>
+      <a:effectStyleLst>
+        <a:effectStyle>
+          <a:effectLst/>
+        </a:effectStyle>
+        <a:effectStyle>
+          <a:effectLst>
+            <a:outerShdw blurRad="38100" dist="25400" dir="5400000" rotWithShape="0">
+              <a:srgbClr val="000000">
+                <a:alpha val="55000"/>
+              </a:srgbClr>
+            </a:outerShdw>
+          </a:effectLst>
+        </a:effectStyle>
+        <a:effectStyle>
+          <a:effectLst>
+            <a:outerShdw blurRad="88900" dist="38100" dir="5040000" rotWithShape="0">
+              <a:srgbClr val="000000">
+                <a:alpha val="60000"/>
+              </a:srgbClr>
+            </a:outerShdw>
+          </a:effectLst>
+          <a:scene3d>
+            <a:camera prst="orthographicFront">
+              <a:rot lat="0" lon="0" rev="0"/>
+            </a:camera>
+            <a:lightRig rig="threePt" dir="tl">
+              <a:rot lat="0" lon="0" rev="1200000"/>
+            </a:lightRig>
+          </a:scene3d>
+          <a:sp3d>
+            <a:bevelT w="38100" h="50800"/>
+          </a:sp3d>
+        </a:effectStyle>
+      </a:effectStyleLst>
+      <a:bgFillStyleLst>
+        <a:solidFill>
+          <a:schemeClr val="phClr"/>
+        </a:solidFill>
+        <a:gradFill rotWithShape="1">
+          <a:gsLst>
+            <a:gs pos="0">
+              <a:schemeClr val="phClr">
+                <a:tint val="90000"/>
+                <a:lumMod val="110000"/>
+              </a:schemeClr>
+            </a:gs>
+            <a:gs pos="88000">
+              <a:schemeClr val="phClr">
+                <a:shade val="94000"/>
+                <a:satMod val="110000"/>
+                <a:lumMod val="88000"/>
               </a:schemeClr>
             </a:gs>
           </a:gsLst>
@@ -4870,105 +6858,21 @@
           <a:gsLst>
             <a:gs pos="0">
               <a:schemeClr val="phClr">
-                <a:satMod val="103000"/>
-                <a:lumMod val="102000"/>
-                <a:tint val="94000"/>
-              </a:schemeClr>
-            </a:gs>
-            <a:gs pos="50000">
-              <a:schemeClr val="phClr">
-                <a:satMod val="110000"/>
-                <a:lumMod val="100000"/>
-                <a:shade val="100000"/>
+                <a:tint val="90000"/>
+                <a:lumMod val="110000"/>
               </a:schemeClr>
             </a:gs>
             <a:gs pos="100000">
               <a:schemeClr val="phClr">
-                <a:lumMod val="99000"/>
-                <a:satMod val="120000"/>
-                <a:shade val="78000"/>
+                <a:shade val="98000"/>
+                <a:satMod val="110000"/>
+                <a:lumMod val="86000"/>
               </a:schemeClr>
             </a:gs>
           </a:gsLst>
-          <a:lin ang="5400000" scaled="0"/>
-        </a:gradFill>
-      </a:fillStyleLst>
-      <a:lnStyleLst>
-        <a:ln w="6350" cap="flat" cmpd="sng" algn="ctr">
-          <a:solidFill>
-            <a:schemeClr val="phClr"/>
-          </a:solidFill>
-          <a:prstDash val="solid"/>
-          <a:miter lim="800000"/>
-        </a:ln>
-        <a:ln w="12700" cap="flat" cmpd="sng" algn="ctr">
-          <a:solidFill>
-            <a:schemeClr val="phClr"/>
-          </a:solidFill>
-          <a:prstDash val="solid"/>
-          <a:miter lim="800000"/>
-        </a:ln>
-        <a:ln w="19050" cap="flat" cmpd="sng" algn="ctr">
-          <a:solidFill>
-            <a:schemeClr val="phClr"/>
-          </a:solidFill>
-          <a:prstDash val="solid"/>
-          <a:miter lim="800000"/>
-        </a:ln>
-      </a:lnStyleLst>
-      <a:effectStyleLst>
-        <a:effectStyle>
-          <a:effectLst/>
-        </a:effectStyle>
-        <a:effectStyle>
-          <a:effectLst/>
-        </a:effectStyle>
-        <a:effectStyle>
-          <a:effectLst>
-            <a:outerShdw blurRad="57150" dist="19050" dir="5400000" algn="ctr" rotWithShape="0">
-              <a:srgbClr val="000000">
-                <a:alpha val="63000"/>
-              </a:srgbClr>
-            </a:outerShdw>
-          </a:effectLst>
-        </a:effectStyle>
-      </a:effectStyleLst>
-      <a:bgFillStyleLst>
-        <a:solidFill>
-          <a:schemeClr val="phClr"/>
-        </a:solidFill>
-        <a:solidFill>
-          <a:schemeClr val="phClr">
-            <a:tint val="95000"/>
-            <a:satMod val="170000"/>
-          </a:schemeClr>
-        </a:solidFill>
-        <a:gradFill rotWithShape="1">
-          <a:gsLst>
-            <a:gs pos="0">
-              <a:schemeClr val="phClr">
-                <a:tint val="93000"/>
-                <a:satMod val="150000"/>
-                <a:shade val="98000"/>
-                <a:lumMod val="102000"/>
-              </a:schemeClr>
-            </a:gs>
-            <a:gs pos="50000">
-              <a:schemeClr val="phClr">
-                <a:tint val="98000"/>
-                <a:satMod val="130000"/>
-                <a:shade val="90000"/>
-                <a:lumMod val="103000"/>
-              </a:schemeClr>
-            </a:gs>
-            <a:gs pos="100000">
-              <a:schemeClr val="phClr">
-                <a:shade val="63000"/>
-                <a:satMod val="120000"/>
-              </a:schemeClr>
-            </a:gs>
-          </a:gsLst>
-          <a:lin ang="5400000" scaled="0"/>
+          <a:path path="circle">
+            <a:fillToRect l="50000" t="50000" r="100000" b="100000"/>
+          </a:path>
         </a:gradFill>
       </a:bgFillStyleLst>
     </a:fmtScheme>
@@ -4977,7 +6881,7 @@
   <a:extraClrSchemeLst/>
   <a:extLst>
     <a:ext uri="{05A4C25C-085E-4340-85A3-A5531E510DB2}">
-      <thm15:themeFamily xmlns:thm15="http://schemas.microsoft.com/office/thememl/2012/main" name="Office Theme" id="{62F939B6-93AF-4DB8-9C6B-D6C7DFDC589F}" vid="{4A3C46E8-61CC-4603-A589-7422A47A8E4A}"/>
+      <thm15:themeFamily xmlns:thm15="http://schemas.microsoft.com/office/thememl/2012/main" name="Dividend" id="{9697A71B-4AB7-4A1A-BD5B-BB2D22835B57}" vid="{66F1C100-1D2B-4BEA-AD01-C4F230B3B965}"/>
     </a:ext>
   </a:extLst>
 </a:theme>

--- a/docs/Testy jednostkowe.pptx
+++ b/docs/Testy jednostkowe.pptx
@@ -4,6 +4,9 @@
   <p:sldMasterIdLst>
     <p:sldMasterId id="2147483672" r:id="rId1"/>
   </p:sldMasterIdLst>
+  <p:notesMasterIdLst>
+    <p:notesMasterId r:id="rId22"/>
+  </p:notesMasterIdLst>
   <p:sldIdLst>
     <p:sldId id="256" r:id="rId2"/>
     <p:sldId id="259" r:id="rId3"/>
@@ -17,9 +20,14 @@
     <p:sldId id="265" r:id="rId11"/>
     <p:sldId id="272" r:id="rId12"/>
     <p:sldId id="266" r:id="rId13"/>
-    <p:sldId id="267" r:id="rId14"/>
-    <p:sldId id="268" r:id="rId15"/>
-    <p:sldId id="269" r:id="rId16"/>
+    <p:sldId id="273" r:id="rId14"/>
+    <p:sldId id="274" r:id="rId15"/>
+    <p:sldId id="267" r:id="rId16"/>
+    <p:sldId id="275" r:id="rId17"/>
+    <p:sldId id="276" r:id="rId18"/>
+    <p:sldId id="277" r:id="rId19"/>
+    <p:sldId id="268" r:id="rId20"/>
+    <p:sldId id="269" r:id="rId21"/>
   </p:sldIdLst>
   <p:sldSz cx="12192000" cy="6858000"/>
   <p:notesSz cx="6858000" cy="9144000"/>
@@ -126,6 +134,2039 @@
 </p:presentation>
 </file>
 
+<file path=ppt/revisionInfo.xml><?xml version="1.0" encoding="utf-8"?>
+<p1510:revInfo xmlns:a="http://schemas.openxmlformats.org/drawingml/2006/main" xmlns:r="http://schemas.openxmlformats.org/officeDocument/2006/relationships" xmlns:p1510="http://schemas.microsoft.com/office/powerpoint/2015/10/main"/>
+</file>
+
+<file path=ppt/notesMasters/notesMaster1.xml><?xml version="1.0" encoding="utf-8"?>
+<p:notesMaster xmlns:a="http://schemas.openxmlformats.org/drawingml/2006/main" xmlns:r="http://schemas.openxmlformats.org/officeDocument/2006/relationships" xmlns:p="http://schemas.openxmlformats.org/presentationml/2006/main">
+  <p:cSld>
+    <p:bg>
+      <p:bgRef idx="1001">
+        <a:schemeClr val="bg1"/>
+      </p:bgRef>
+    </p:bg>
+    <p:spTree>
+      <p:nvGrpSpPr>
+        <p:cNvPr id="1" name=""/>
+        <p:cNvGrpSpPr/>
+        <p:nvPr/>
+      </p:nvGrpSpPr>
+      <p:grpSpPr>
+        <a:xfrm>
+          <a:off x="0" y="0"/>
+          <a:ext cx="0" cy="0"/>
+          <a:chOff x="0" y="0"/>
+          <a:chExt cx="0" cy="0"/>
+        </a:xfrm>
+      </p:grpSpPr>
+      <p:sp>
+        <p:nvSpPr>
+          <p:cNvPr id="2" name="Symbol zastępczy nagłówka 1"/>
+          <p:cNvSpPr>
+            <a:spLocks noGrp="1"/>
+          </p:cNvSpPr>
+          <p:nvPr>
+            <p:ph type="hdr" sz="quarter"/>
+          </p:nvPr>
+        </p:nvSpPr>
+        <p:spPr>
+          <a:xfrm>
+            <a:off x="0" y="0"/>
+            <a:ext cx="2971800" cy="458788"/>
+          </a:xfrm>
+          <a:prstGeom prst="rect">
+            <a:avLst/>
+          </a:prstGeom>
+        </p:spPr>
+        <p:txBody>
+          <a:bodyPr vert="horz" lIns="91440" tIns="45720" rIns="91440" bIns="45720" rtlCol="0"/>
+          <a:lstStyle>
+            <a:lvl1pPr algn="l">
+              <a:defRPr sz="1200"/>
+            </a:lvl1pPr>
+          </a:lstStyle>
+          <a:p>
+            <a:endParaRPr lang="pl-PL"/>
+          </a:p>
+        </p:txBody>
+      </p:sp>
+      <p:sp>
+        <p:nvSpPr>
+          <p:cNvPr id="3" name="Symbol zastępczy daty 2"/>
+          <p:cNvSpPr>
+            <a:spLocks noGrp="1"/>
+          </p:cNvSpPr>
+          <p:nvPr>
+            <p:ph type="dt" idx="1"/>
+          </p:nvPr>
+        </p:nvSpPr>
+        <p:spPr>
+          <a:xfrm>
+            <a:off x="3884613" y="0"/>
+            <a:ext cx="2971800" cy="458788"/>
+          </a:xfrm>
+          <a:prstGeom prst="rect">
+            <a:avLst/>
+          </a:prstGeom>
+        </p:spPr>
+        <p:txBody>
+          <a:bodyPr vert="horz" lIns="91440" tIns="45720" rIns="91440" bIns="45720" rtlCol="0"/>
+          <a:lstStyle>
+            <a:lvl1pPr algn="r">
+              <a:defRPr sz="1200"/>
+            </a:lvl1pPr>
+          </a:lstStyle>
+          <a:p>
+            <a:fld id="{FD6B7073-9D6A-4FEB-B514-014FB5C3181D}" type="datetimeFigureOut">
+              <a:rPr lang="pl-PL" smtClean="0"/>
+              <a:t>26.06.2017</a:t>
+            </a:fld>
+            <a:endParaRPr lang="pl-PL"/>
+          </a:p>
+        </p:txBody>
+      </p:sp>
+      <p:sp>
+        <p:nvSpPr>
+          <p:cNvPr id="4" name="Symbol zastępczy obrazu slajdu 3"/>
+          <p:cNvSpPr>
+            <a:spLocks noGrp="1" noRot="1" noChangeAspect="1"/>
+          </p:cNvSpPr>
+          <p:nvPr>
+            <p:ph type="sldImg" idx="2"/>
+          </p:nvPr>
+        </p:nvSpPr>
+        <p:spPr>
+          <a:xfrm>
+            <a:off x="685800" y="1143000"/>
+            <a:ext cx="5486400" cy="3086100"/>
+          </a:xfrm>
+          <a:prstGeom prst="rect">
+            <a:avLst/>
+          </a:prstGeom>
+          <a:noFill/>
+          <a:ln w="12700">
+            <a:solidFill>
+              <a:prstClr val="black"/>
+            </a:solidFill>
+          </a:ln>
+        </p:spPr>
+        <p:txBody>
+          <a:bodyPr vert="horz" lIns="91440" tIns="45720" rIns="91440" bIns="45720" rtlCol="0" anchor="ctr"/>
+          <a:lstStyle/>
+          <a:p>
+            <a:endParaRPr lang="pl-PL"/>
+          </a:p>
+        </p:txBody>
+      </p:sp>
+      <p:sp>
+        <p:nvSpPr>
+          <p:cNvPr id="5" name="Symbol zastępczy notatek 4"/>
+          <p:cNvSpPr>
+            <a:spLocks noGrp="1"/>
+          </p:cNvSpPr>
+          <p:nvPr>
+            <p:ph type="body" sz="quarter" idx="3"/>
+          </p:nvPr>
+        </p:nvSpPr>
+        <p:spPr>
+          <a:xfrm>
+            <a:off x="685800" y="4400550"/>
+            <a:ext cx="5486400" cy="3600450"/>
+          </a:xfrm>
+          <a:prstGeom prst="rect">
+            <a:avLst/>
+          </a:prstGeom>
+        </p:spPr>
+        <p:txBody>
+          <a:bodyPr vert="horz" lIns="91440" tIns="45720" rIns="91440" bIns="45720" rtlCol="0"/>
+          <a:lstStyle/>
+          <a:p>
+            <a:pPr lvl="0"/>
+            <a:r>
+              <a:rPr lang="pl-PL"/>
+              <a:t>Edytuj style wzorca tekstu</a:t>
+            </a:r>
+          </a:p>
+          <a:p>
+            <a:pPr lvl="1"/>
+            <a:r>
+              <a:rPr lang="pl-PL"/>
+              <a:t>Drugi poziom</a:t>
+            </a:r>
+          </a:p>
+          <a:p>
+            <a:pPr lvl="2"/>
+            <a:r>
+              <a:rPr lang="pl-PL"/>
+              <a:t>Trzeci poziom</a:t>
+            </a:r>
+          </a:p>
+          <a:p>
+            <a:pPr lvl="3"/>
+            <a:r>
+              <a:rPr lang="pl-PL"/>
+              <a:t>Czwarty poziom</a:t>
+            </a:r>
+          </a:p>
+          <a:p>
+            <a:pPr lvl="4"/>
+            <a:r>
+              <a:rPr lang="pl-PL"/>
+              <a:t>Piąty poziom</a:t>
+            </a:r>
+          </a:p>
+        </p:txBody>
+      </p:sp>
+      <p:sp>
+        <p:nvSpPr>
+          <p:cNvPr id="6" name="Symbol zastępczy stopki 5"/>
+          <p:cNvSpPr>
+            <a:spLocks noGrp="1"/>
+          </p:cNvSpPr>
+          <p:nvPr>
+            <p:ph type="ftr" sz="quarter" idx="4"/>
+          </p:nvPr>
+        </p:nvSpPr>
+        <p:spPr>
+          <a:xfrm>
+            <a:off x="0" y="8685213"/>
+            <a:ext cx="2971800" cy="458787"/>
+          </a:xfrm>
+          <a:prstGeom prst="rect">
+            <a:avLst/>
+          </a:prstGeom>
+        </p:spPr>
+        <p:txBody>
+          <a:bodyPr vert="horz" lIns="91440" tIns="45720" rIns="91440" bIns="45720" rtlCol="0" anchor="b"/>
+          <a:lstStyle>
+            <a:lvl1pPr algn="l">
+              <a:defRPr sz="1200"/>
+            </a:lvl1pPr>
+          </a:lstStyle>
+          <a:p>
+            <a:endParaRPr lang="pl-PL"/>
+          </a:p>
+        </p:txBody>
+      </p:sp>
+      <p:sp>
+        <p:nvSpPr>
+          <p:cNvPr id="7" name="Symbol zastępczy numeru slajdu 6"/>
+          <p:cNvSpPr>
+            <a:spLocks noGrp="1"/>
+          </p:cNvSpPr>
+          <p:nvPr>
+            <p:ph type="sldNum" sz="quarter" idx="5"/>
+          </p:nvPr>
+        </p:nvSpPr>
+        <p:spPr>
+          <a:xfrm>
+            <a:off x="3884613" y="8685213"/>
+            <a:ext cx="2971800" cy="458787"/>
+          </a:xfrm>
+          <a:prstGeom prst="rect">
+            <a:avLst/>
+          </a:prstGeom>
+        </p:spPr>
+        <p:txBody>
+          <a:bodyPr vert="horz" lIns="91440" tIns="45720" rIns="91440" bIns="45720" rtlCol="0" anchor="b"/>
+          <a:lstStyle>
+            <a:lvl1pPr algn="r">
+              <a:defRPr sz="1200"/>
+            </a:lvl1pPr>
+          </a:lstStyle>
+          <a:p>
+            <a:fld id="{C7B87404-ADFE-4B48-97A5-00F9EDD3AA20}" type="slidenum">
+              <a:rPr lang="pl-PL" smtClean="0"/>
+              <a:t>‹#›</a:t>
+            </a:fld>
+            <a:endParaRPr lang="pl-PL"/>
+          </a:p>
+        </p:txBody>
+      </p:sp>
+    </p:spTree>
+    <p:extLst>
+      <p:ext uri="{BB962C8B-B14F-4D97-AF65-F5344CB8AC3E}">
+        <p14:creationId xmlns:p14="http://schemas.microsoft.com/office/powerpoint/2010/main" val="3303031418"/>
+      </p:ext>
+    </p:extLst>
+  </p:cSld>
+  <p:clrMap bg1="lt1" tx1="dk1" bg2="lt2" tx2="dk2" accent1="accent1" accent2="accent2" accent3="accent3" accent4="accent4" accent5="accent5" accent6="accent6" hlink="hlink" folHlink="folHlink"/>
+  <p:notesStyle>
+    <a:lvl1pPr marL="0" algn="l" defTabSz="914400" rtl="0" eaLnBrk="1" latinLnBrk="0" hangingPunct="1">
+      <a:defRPr sz="1200" kern="1200">
+        <a:solidFill>
+          <a:schemeClr val="tx1"/>
+        </a:solidFill>
+        <a:latin typeface="+mn-lt"/>
+        <a:ea typeface="+mn-ea"/>
+        <a:cs typeface="+mn-cs"/>
+      </a:defRPr>
+    </a:lvl1pPr>
+    <a:lvl2pPr marL="457200" algn="l" defTabSz="914400" rtl="0" eaLnBrk="1" latinLnBrk="0" hangingPunct="1">
+      <a:defRPr sz="1200" kern="1200">
+        <a:solidFill>
+          <a:schemeClr val="tx1"/>
+        </a:solidFill>
+        <a:latin typeface="+mn-lt"/>
+        <a:ea typeface="+mn-ea"/>
+        <a:cs typeface="+mn-cs"/>
+      </a:defRPr>
+    </a:lvl2pPr>
+    <a:lvl3pPr marL="914400" algn="l" defTabSz="914400" rtl="0" eaLnBrk="1" latinLnBrk="0" hangingPunct="1">
+      <a:defRPr sz="1200" kern="1200">
+        <a:solidFill>
+          <a:schemeClr val="tx1"/>
+        </a:solidFill>
+        <a:latin typeface="+mn-lt"/>
+        <a:ea typeface="+mn-ea"/>
+        <a:cs typeface="+mn-cs"/>
+      </a:defRPr>
+    </a:lvl3pPr>
+    <a:lvl4pPr marL="1371600" algn="l" defTabSz="914400" rtl="0" eaLnBrk="1" latinLnBrk="0" hangingPunct="1">
+      <a:defRPr sz="1200" kern="1200">
+        <a:solidFill>
+          <a:schemeClr val="tx1"/>
+        </a:solidFill>
+        <a:latin typeface="+mn-lt"/>
+        <a:ea typeface="+mn-ea"/>
+        <a:cs typeface="+mn-cs"/>
+      </a:defRPr>
+    </a:lvl4pPr>
+    <a:lvl5pPr marL="1828800" algn="l" defTabSz="914400" rtl="0" eaLnBrk="1" latinLnBrk="0" hangingPunct="1">
+      <a:defRPr sz="1200" kern="1200">
+        <a:solidFill>
+          <a:schemeClr val="tx1"/>
+        </a:solidFill>
+        <a:latin typeface="+mn-lt"/>
+        <a:ea typeface="+mn-ea"/>
+        <a:cs typeface="+mn-cs"/>
+      </a:defRPr>
+    </a:lvl5pPr>
+    <a:lvl6pPr marL="2286000" algn="l" defTabSz="914400" rtl="0" eaLnBrk="1" latinLnBrk="0" hangingPunct="1">
+      <a:defRPr sz="1200" kern="1200">
+        <a:solidFill>
+          <a:schemeClr val="tx1"/>
+        </a:solidFill>
+        <a:latin typeface="+mn-lt"/>
+        <a:ea typeface="+mn-ea"/>
+        <a:cs typeface="+mn-cs"/>
+      </a:defRPr>
+    </a:lvl6pPr>
+    <a:lvl7pPr marL="2743200" algn="l" defTabSz="914400" rtl="0" eaLnBrk="1" latinLnBrk="0" hangingPunct="1">
+      <a:defRPr sz="1200" kern="1200">
+        <a:solidFill>
+          <a:schemeClr val="tx1"/>
+        </a:solidFill>
+        <a:latin typeface="+mn-lt"/>
+        <a:ea typeface="+mn-ea"/>
+        <a:cs typeface="+mn-cs"/>
+      </a:defRPr>
+    </a:lvl7pPr>
+    <a:lvl8pPr marL="3200400" algn="l" defTabSz="914400" rtl="0" eaLnBrk="1" latinLnBrk="0" hangingPunct="1">
+      <a:defRPr sz="1200" kern="1200">
+        <a:solidFill>
+          <a:schemeClr val="tx1"/>
+        </a:solidFill>
+        <a:latin typeface="+mn-lt"/>
+        <a:ea typeface="+mn-ea"/>
+        <a:cs typeface="+mn-cs"/>
+      </a:defRPr>
+    </a:lvl8pPr>
+    <a:lvl9pPr marL="3657600" algn="l" defTabSz="914400" rtl="0" eaLnBrk="1" latinLnBrk="0" hangingPunct="1">
+      <a:defRPr sz="1200" kern="1200">
+        <a:solidFill>
+          <a:schemeClr val="tx1"/>
+        </a:solidFill>
+        <a:latin typeface="+mn-lt"/>
+        <a:ea typeface="+mn-ea"/>
+        <a:cs typeface="+mn-cs"/>
+      </a:defRPr>
+    </a:lvl9pPr>
+  </p:notesStyle>
+</p:notesMaster>
+</file>
+
+<file path=ppt/notesSlides/notesSlide1.xml><?xml version="1.0" encoding="utf-8"?>
+<p:notes xmlns:a="http://schemas.openxmlformats.org/drawingml/2006/main" xmlns:r="http://schemas.openxmlformats.org/officeDocument/2006/relationships" xmlns:p="http://schemas.openxmlformats.org/presentationml/2006/main">
+  <p:cSld>
+    <p:spTree>
+      <p:nvGrpSpPr>
+        <p:cNvPr id="1" name=""/>
+        <p:cNvGrpSpPr/>
+        <p:nvPr/>
+      </p:nvGrpSpPr>
+      <p:grpSpPr>
+        <a:xfrm>
+          <a:off x="0" y="0"/>
+          <a:ext cx="0" cy="0"/>
+          <a:chOff x="0" y="0"/>
+          <a:chExt cx="0" cy="0"/>
+        </a:xfrm>
+      </p:grpSpPr>
+      <p:sp>
+        <p:nvSpPr>
+          <p:cNvPr id="2" name="Symbol zastępczy obrazu slajdu 1"/>
+          <p:cNvSpPr>
+            <a:spLocks noGrp="1" noRot="1" noChangeAspect="1"/>
+          </p:cNvSpPr>
+          <p:nvPr>
+            <p:ph type="sldImg"/>
+          </p:nvPr>
+        </p:nvSpPr>
+        <p:spPr/>
+      </p:sp>
+      <p:sp>
+        <p:nvSpPr>
+          <p:cNvPr id="3" name="Symbol zastępczy notatek 2"/>
+          <p:cNvSpPr>
+            <a:spLocks noGrp="1"/>
+          </p:cNvSpPr>
+          <p:nvPr>
+            <p:ph type="body" idx="1"/>
+          </p:nvPr>
+        </p:nvSpPr>
+        <p:spPr/>
+        <p:txBody>
+          <a:bodyPr/>
+          <a:lstStyle/>
+          <a:p>
+            <a:endParaRPr lang="pl-PL"/>
+          </a:p>
+        </p:txBody>
+      </p:sp>
+      <p:sp>
+        <p:nvSpPr>
+          <p:cNvPr id="4" name="Symbol zastępczy numeru slajdu 3"/>
+          <p:cNvSpPr>
+            <a:spLocks noGrp="1"/>
+          </p:cNvSpPr>
+          <p:nvPr>
+            <p:ph type="sldNum" sz="quarter" idx="10"/>
+          </p:nvPr>
+        </p:nvSpPr>
+        <p:spPr/>
+        <p:txBody>
+          <a:bodyPr/>
+          <a:lstStyle/>
+          <a:p>
+            <a:fld id="{C7B87404-ADFE-4B48-97A5-00F9EDD3AA20}" type="slidenum">
+              <a:rPr lang="pl-PL" smtClean="0"/>
+              <a:t>1</a:t>
+            </a:fld>
+            <a:endParaRPr lang="pl-PL"/>
+          </a:p>
+        </p:txBody>
+      </p:sp>
+    </p:spTree>
+    <p:extLst>
+      <p:ext uri="{BB962C8B-B14F-4D97-AF65-F5344CB8AC3E}">
+        <p14:creationId xmlns:p14="http://schemas.microsoft.com/office/powerpoint/2010/main" val="3182884015"/>
+      </p:ext>
+    </p:extLst>
+  </p:cSld>
+  <p:clrMapOvr>
+    <a:masterClrMapping/>
+  </p:clrMapOvr>
+</p:notes>
+</file>
+
+<file path=ppt/notesSlides/notesSlide10.xml><?xml version="1.0" encoding="utf-8"?>
+<p:notes xmlns:a="http://schemas.openxmlformats.org/drawingml/2006/main" xmlns:r="http://schemas.openxmlformats.org/officeDocument/2006/relationships" xmlns:p="http://schemas.openxmlformats.org/presentationml/2006/main">
+  <p:cSld>
+    <p:spTree>
+      <p:nvGrpSpPr>
+        <p:cNvPr id="1" name=""/>
+        <p:cNvGrpSpPr/>
+        <p:nvPr/>
+      </p:nvGrpSpPr>
+      <p:grpSpPr>
+        <a:xfrm>
+          <a:off x="0" y="0"/>
+          <a:ext cx="0" cy="0"/>
+          <a:chOff x="0" y="0"/>
+          <a:chExt cx="0" cy="0"/>
+        </a:xfrm>
+      </p:grpSpPr>
+      <p:sp>
+        <p:nvSpPr>
+          <p:cNvPr id="2" name="Symbol zastępczy obrazu slajdu 1"/>
+          <p:cNvSpPr>
+            <a:spLocks noGrp="1" noRot="1" noChangeAspect="1"/>
+          </p:cNvSpPr>
+          <p:nvPr>
+            <p:ph type="sldImg"/>
+          </p:nvPr>
+        </p:nvSpPr>
+        <p:spPr/>
+      </p:sp>
+      <p:sp>
+        <p:nvSpPr>
+          <p:cNvPr id="3" name="Symbol zastępczy notatek 2"/>
+          <p:cNvSpPr>
+            <a:spLocks noGrp="1"/>
+          </p:cNvSpPr>
+          <p:nvPr>
+            <p:ph type="body" idx="1"/>
+          </p:nvPr>
+        </p:nvSpPr>
+        <p:spPr/>
+        <p:txBody>
+          <a:bodyPr/>
+          <a:lstStyle/>
+          <a:p>
+            <a:endParaRPr lang="pl-PL"/>
+          </a:p>
+        </p:txBody>
+      </p:sp>
+      <p:sp>
+        <p:nvSpPr>
+          <p:cNvPr id="4" name="Symbol zastępczy numeru slajdu 3"/>
+          <p:cNvSpPr>
+            <a:spLocks noGrp="1"/>
+          </p:cNvSpPr>
+          <p:nvPr>
+            <p:ph type="sldNum" sz="quarter" idx="10"/>
+          </p:nvPr>
+        </p:nvSpPr>
+        <p:spPr/>
+        <p:txBody>
+          <a:bodyPr/>
+          <a:lstStyle/>
+          <a:p>
+            <a:fld id="{C7B87404-ADFE-4B48-97A5-00F9EDD3AA20}" type="slidenum">
+              <a:rPr lang="pl-PL" smtClean="0"/>
+              <a:t>10</a:t>
+            </a:fld>
+            <a:endParaRPr lang="pl-PL"/>
+          </a:p>
+        </p:txBody>
+      </p:sp>
+    </p:spTree>
+    <p:extLst>
+      <p:ext uri="{BB962C8B-B14F-4D97-AF65-F5344CB8AC3E}">
+        <p14:creationId xmlns:p14="http://schemas.microsoft.com/office/powerpoint/2010/main" val="3677365108"/>
+      </p:ext>
+    </p:extLst>
+  </p:cSld>
+  <p:clrMapOvr>
+    <a:masterClrMapping/>
+  </p:clrMapOvr>
+</p:notes>
+</file>
+
+<file path=ppt/notesSlides/notesSlide11.xml><?xml version="1.0" encoding="utf-8"?>
+<p:notes xmlns:a="http://schemas.openxmlformats.org/drawingml/2006/main" xmlns:r="http://schemas.openxmlformats.org/officeDocument/2006/relationships" xmlns:p="http://schemas.openxmlformats.org/presentationml/2006/main">
+  <p:cSld>
+    <p:spTree>
+      <p:nvGrpSpPr>
+        <p:cNvPr id="1" name=""/>
+        <p:cNvGrpSpPr/>
+        <p:nvPr/>
+      </p:nvGrpSpPr>
+      <p:grpSpPr>
+        <a:xfrm>
+          <a:off x="0" y="0"/>
+          <a:ext cx="0" cy="0"/>
+          <a:chOff x="0" y="0"/>
+          <a:chExt cx="0" cy="0"/>
+        </a:xfrm>
+      </p:grpSpPr>
+      <p:sp>
+        <p:nvSpPr>
+          <p:cNvPr id="2" name="Symbol zastępczy obrazu slajdu 1"/>
+          <p:cNvSpPr>
+            <a:spLocks noGrp="1" noRot="1" noChangeAspect="1"/>
+          </p:cNvSpPr>
+          <p:nvPr>
+            <p:ph type="sldImg"/>
+          </p:nvPr>
+        </p:nvSpPr>
+        <p:spPr/>
+      </p:sp>
+      <p:sp>
+        <p:nvSpPr>
+          <p:cNvPr id="3" name="Symbol zastępczy notatek 2"/>
+          <p:cNvSpPr>
+            <a:spLocks noGrp="1"/>
+          </p:cNvSpPr>
+          <p:nvPr>
+            <p:ph type="body" idx="1"/>
+          </p:nvPr>
+        </p:nvSpPr>
+        <p:spPr/>
+        <p:txBody>
+          <a:bodyPr/>
+          <a:lstStyle/>
+          <a:p>
+            <a:endParaRPr lang="pl-PL"/>
+          </a:p>
+        </p:txBody>
+      </p:sp>
+      <p:sp>
+        <p:nvSpPr>
+          <p:cNvPr id="4" name="Symbol zastępczy numeru slajdu 3"/>
+          <p:cNvSpPr>
+            <a:spLocks noGrp="1"/>
+          </p:cNvSpPr>
+          <p:nvPr>
+            <p:ph type="sldNum" sz="quarter" idx="10"/>
+          </p:nvPr>
+        </p:nvSpPr>
+        <p:spPr/>
+        <p:txBody>
+          <a:bodyPr/>
+          <a:lstStyle/>
+          <a:p>
+            <a:fld id="{C7B87404-ADFE-4B48-97A5-00F9EDD3AA20}" type="slidenum">
+              <a:rPr lang="pl-PL" smtClean="0"/>
+              <a:t>11</a:t>
+            </a:fld>
+            <a:endParaRPr lang="pl-PL"/>
+          </a:p>
+        </p:txBody>
+      </p:sp>
+    </p:spTree>
+    <p:extLst>
+      <p:ext uri="{BB962C8B-B14F-4D97-AF65-F5344CB8AC3E}">
+        <p14:creationId xmlns:p14="http://schemas.microsoft.com/office/powerpoint/2010/main" val="1636725447"/>
+      </p:ext>
+    </p:extLst>
+  </p:cSld>
+  <p:clrMapOvr>
+    <a:masterClrMapping/>
+  </p:clrMapOvr>
+</p:notes>
+</file>
+
+<file path=ppt/notesSlides/notesSlide12.xml><?xml version="1.0" encoding="utf-8"?>
+<p:notes xmlns:a="http://schemas.openxmlformats.org/drawingml/2006/main" xmlns:r="http://schemas.openxmlformats.org/officeDocument/2006/relationships" xmlns:p="http://schemas.openxmlformats.org/presentationml/2006/main">
+  <p:cSld>
+    <p:spTree>
+      <p:nvGrpSpPr>
+        <p:cNvPr id="1" name=""/>
+        <p:cNvGrpSpPr/>
+        <p:nvPr/>
+      </p:nvGrpSpPr>
+      <p:grpSpPr>
+        <a:xfrm>
+          <a:off x="0" y="0"/>
+          <a:ext cx="0" cy="0"/>
+          <a:chOff x="0" y="0"/>
+          <a:chExt cx="0" cy="0"/>
+        </a:xfrm>
+      </p:grpSpPr>
+      <p:sp>
+        <p:nvSpPr>
+          <p:cNvPr id="2" name="Symbol zastępczy obrazu slajdu 1"/>
+          <p:cNvSpPr>
+            <a:spLocks noGrp="1" noRot="1" noChangeAspect="1"/>
+          </p:cNvSpPr>
+          <p:nvPr>
+            <p:ph type="sldImg"/>
+          </p:nvPr>
+        </p:nvSpPr>
+        <p:spPr/>
+      </p:sp>
+      <p:sp>
+        <p:nvSpPr>
+          <p:cNvPr id="3" name="Symbol zastępczy notatek 2"/>
+          <p:cNvSpPr>
+            <a:spLocks noGrp="1"/>
+          </p:cNvSpPr>
+          <p:nvPr>
+            <p:ph type="body" idx="1"/>
+          </p:nvPr>
+        </p:nvSpPr>
+        <p:spPr/>
+        <p:txBody>
+          <a:bodyPr/>
+          <a:lstStyle/>
+          <a:p>
+            <a:endParaRPr lang="pl-PL"/>
+          </a:p>
+        </p:txBody>
+      </p:sp>
+      <p:sp>
+        <p:nvSpPr>
+          <p:cNvPr id="4" name="Symbol zastępczy numeru slajdu 3"/>
+          <p:cNvSpPr>
+            <a:spLocks noGrp="1"/>
+          </p:cNvSpPr>
+          <p:nvPr>
+            <p:ph type="sldNum" sz="quarter" idx="10"/>
+          </p:nvPr>
+        </p:nvSpPr>
+        <p:spPr/>
+        <p:txBody>
+          <a:bodyPr/>
+          <a:lstStyle/>
+          <a:p>
+            <a:fld id="{C7B87404-ADFE-4B48-97A5-00F9EDD3AA20}" type="slidenum">
+              <a:rPr lang="pl-PL" smtClean="0"/>
+              <a:t>12</a:t>
+            </a:fld>
+            <a:endParaRPr lang="pl-PL"/>
+          </a:p>
+        </p:txBody>
+      </p:sp>
+    </p:spTree>
+    <p:extLst>
+      <p:ext uri="{BB962C8B-B14F-4D97-AF65-F5344CB8AC3E}">
+        <p14:creationId xmlns:p14="http://schemas.microsoft.com/office/powerpoint/2010/main" val="2543445122"/>
+      </p:ext>
+    </p:extLst>
+  </p:cSld>
+  <p:clrMapOvr>
+    <a:masterClrMapping/>
+  </p:clrMapOvr>
+</p:notes>
+</file>
+
+<file path=ppt/notesSlides/notesSlide13.xml><?xml version="1.0" encoding="utf-8"?>
+<p:notes xmlns:a="http://schemas.openxmlformats.org/drawingml/2006/main" xmlns:r="http://schemas.openxmlformats.org/officeDocument/2006/relationships" xmlns:p="http://schemas.openxmlformats.org/presentationml/2006/main">
+  <p:cSld>
+    <p:spTree>
+      <p:nvGrpSpPr>
+        <p:cNvPr id="1" name=""/>
+        <p:cNvGrpSpPr/>
+        <p:nvPr/>
+      </p:nvGrpSpPr>
+      <p:grpSpPr>
+        <a:xfrm>
+          <a:off x="0" y="0"/>
+          <a:ext cx="0" cy="0"/>
+          <a:chOff x="0" y="0"/>
+          <a:chExt cx="0" cy="0"/>
+        </a:xfrm>
+      </p:grpSpPr>
+      <p:sp>
+        <p:nvSpPr>
+          <p:cNvPr id="2" name="Symbol zastępczy obrazu slajdu 1"/>
+          <p:cNvSpPr>
+            <a:spLocks noGrp="1" noRot="1" noChangeAspect="1"/>
+          </p:cNvSpPr>
+          <p:nvPr>
+            <p:ph type="sldImg"/>
+          </p:nvPr>
+        </p:nvSpPr>
+        <p:spPr/>
+      </p:sp>
+      <p:sp>
+        <p:nvSpPr>
+          <p:cNvPr id="3" name="Symbol zastępczy notatek 2"/>
+          <p:cNvSpPr>
+            <a:spLocks noGrp="1"/>
+          </p:cNvSpPr>
+          <p:nvPr>
+            <p:ph type="body" idx="1"/>
+          </p:nvPr>
+        </p:nvSpPr>
+        <p:spPr/>
+        <p:txBody>
+          <a:bodyPr/>
+          <a:lstStyle/>
+          <a:p>
+            <a:endParaRPr lang="pl-PL"/>
+          </a:p>
+        </p:txBody>
+      </p:sp>
+      <p:sp>
+        <p:nvSpPr>
+          <p:cNvPr id="4" name="Symbol zastępczy numeru slajdu 3"/>
+          <p:cNvSpPr>
+            <a:spLocks noGrp="1"/>
+          </p:cNvSpPr>
+          <p:nvPr>
+            <p:ph type="sldNum" sz="quarter" idx="10"/>
+          </p:nvPr>
+        </p:nvSpPr>
+        <p:spPr/>
+        <p:txBody>
+          <a:bodyPr/>
+          <a:lstStyle/>
+          <a:p>
+            <a:fld id="{C7B87404-ADFE-4B48-97A5-00F9EDD3AA20}" type="slidenum">
+              <a:rPr lang="pl-PL" smtClean="0"/>
+              <a:t>13</a:t>
+            </a:fld>
+            <a:endParaRPr lang="pl-PL"/>
+          </a:p>
+        </p:txBody>
+      </p:sp>
+    </p:spTree>
+    <p:extLst>
+      <p:ext uri="{BB962C8B-B14F-4D97-AF65-F5344CB8AC3E}">
+        <p14:creationId xmlns:p14="http://schemas.microsoft.com/office/powerpoint/2010/main" val="1102225941"/>
+      </p:ext>
+    </p:extLst>
+  </p:cSld>
+  <p:clrMapOvr>
+    <a:masterClrMapping/>
+  </p:clrMapOvr>
+</p:notes>
+</file>
+
+<file path=ppt/notesSlides/notesSlide14.xml><?xml version="1.0" encoding="utf-8"?>
+<p:notes xmlns:a="http://schemas.openxmlformats.org/drawingml/2006/main" xmlns:r="http://schemas.openxmlformats.org/officeDocument/2006/relationships" xmlns:p="http://schemas.openxmlformats.org/presentationml/2006/main">
+  <p:cSld>
+    <p:spTree>
+      <p:nvGrpSpPr>
+        <p:cNvPr id="1" name=""/>
+        <p:cNvGrpSpPr/>
+        <p:nvPr/>
+      </p:nvGrpSpPr>
+      <p:grpSpPr>
+        <a:xfrm>
+          <a:off x="0" y="0"/>
+          <a:ext cx="0" cy="0"/>
+          <a:chOff x="0" y="0"/>
+          <a:chExt cx="0" cy="0"/>
+        </a:xfrm>
+      </p:grpSpPr>
+      <p:sp>
+        <p:nvSpPr>
+          <p:cNvPr id="2" name="Symbol zastępczy obrazu slajdu 1"/>
+          <p:cNvSpPr>
+            <a:spLocks noGrp="1" noRot="1" noChangeAspect="1"/>
+          </p:cNvSpPr>
+          <p:nvPr>
+            <p:ph type="sldImg"/>
+          </p:nvPr>
+        </p:nvSpPr>
+        <p:spPr/>
+      </p:sp>
+      <p:sp>
+        <p:nvSpPr>
+          <p:cNvPr id="3" name="Symbol zastępczy notatek 2"/>
+          <p:cNvSpPr>
+            <a:spLocks noGrp="1"/>
+          </p:cNvSpPr>
+          <p:nvPr>
+            <p:ph type="body" idx="1"/>
+          </p:nvPr>
+        </p:nvSpPr>
+        <p:spPr/>
+        <p:txBody>
+          <a:bodyPr/>
+          <a:lstStyle/>
+          <a:p>
+            <a:endParaRPr lang="pl-PL"/>
+          </a:p>
+        </p:txBody>
+      </p:sp>
+      <p:sp>
+        <p:nvSpPr>
+          <p:cNvPr id="4" name="Symbol zastępczy numeru slajdu 3"/>
+          <p:cNvSpPr>
+            <a:spLocks noGrp="1"/>
+          </p:cNvSpPr>
+          <p:nvPr>
+            <p:ph type="sldNum" sz="quarter" idx="10"/>
+          </p:nvPr>
+        </p:nvSpPr>
+        <p:spPr/>
+        <p:txBody>
+          <a:bodyPr/>
+          <a:lstStyle/>
+          <a:p>
+            <a:fld id="{C7B87404-ADFE-4B48-97A5-00F9EDD3AA20}" type="slidenum">
+              <a:rPr lang="pl-PL" smtClean="0"/>
+              <a:t>14</a:t>
+            </a:fld>
+            <a:endParaRPr lang="pl-PL"/>
+          </a:p>
+        </p:txBody>
+      </p:sp>
+    </p:spTree>
+    <p:extLst>
+      <p:ext uri="{BB962C8B-B14F-4D97-AF65-F5344CB8AC3E}">
+        <p14:creationId xmlns:p14="http://schemas.microsoft.com/office/powerpoint/2010/main" val="2696889387"/>
+      </p:ext>
+    </p:extLst>
+  </p:cSld>
+  <p:clrMapOvr>
+    <a:masterClrMapping/>
+  </p:clrMapOvr>
+</p:notes>
+</file>
+
+<file path=ppt/notesSlides/notesSlide15.xml><?xml version="1.0" encoding="utf-8"?>
+<p:notes xmlns:a="http://schemas.openxmlformats.org/drawingml/2006/main" xmlns:r="http://schemas.openxmlformats.org/officeDocument/2006/relationships" xmlns:p="http://schemas.openxmlformats.org/presentationml/2006/main">
+  <p:cSld>
+    <p:spTree>
+      <p:nvGrpSpPr>
+        <p:cNvPr id="1" name=""/>
+        <p:cNvGrpSpPr/>
+        <p:nvPr/>
+      </p:nvGrpSpPr>
+      <p:grpSpPr>
+        <a:xfrm>
+          <a:off x="0" y="0"/>
+          <a:ext cx="0" cy="0"/>
+          <a:chOff x="0" y="0"/>
+          <a:chExt cx="0" cy="0"/>
+        </a:xfrm>
+      </p:grpSpPr>
+      <p:sp>
+        <p:nvSpPr>
+          <p:cNvPr id="2" name="Symbol zastępczy obrazu slajdu 1"/>
+          <p:cNvSpPr>
+            <a:spLocks noGrp="1" noRot="1" noChangeAspect="1"/>
+          </p:cNvSpPr>
+          <p:nvPr>
+            <p:ph type="sldImg"/>
+          </p:nvPr>
+        </p:nvSpPr>
+        <p:spPr/>
+      </p:sp>
+      <p:sp>
+        <p:nvSpPr>
+          <p:cNvPr id="3" name="Symbol zastępczy notatek 2"/>
+          <p:cNvSpPr>
+            <a:spLocks noGrp="1"/>
+          </p:cNvSpPr>
+          <p:nvPr>
+            <p:ph type="body" idx="1"/>
+          </p:nvPr>
+        </p:nvSpPr>
+        <p:spPr/>
+        <p:txBody>
+          <a:bodyPr/>
+          <a:lstStyle/>
+          <a:p>
+            <a:endParaRPr lang="pl-PL"/>
+          </a:p>
+        </p:txBody>
+      </p:sp>
+      <p:sp>
+        <p:nvSpPr>
+          <p:cNvPr id="4" name="Symbol zastępczy numeru slajdu 3"/>
+          <p:cNvSpPr>
+            <a:spLocks noGrp="1"/>
+          </p:cNvSpPr>
+          <p:nvPr>
+            <p:ph type="sldNum" sz="quarter" idx="10"/>
+          </p:nvPr>
+        </p:nvSpPr>
+        <p:spPr/>
+        <p:txBody>
+          <a:bodyPr/>
+          <a:lstStyle/>
+          <a:p>
+            <a:fld id="{C7B87404-ADFE-4B48-97A5-00F9EDD3AA20}" type="slidenum">
+              <a:rPr lang="pl-PL" smtClean="0"/>
+              <a:t>15</a:t>
+            </a:fld>
+            <a:endParaRPr lang="pl-PL"/>
+          </a:p>
+        </p:txBody>
+      </p:sp>
+    </p:spTree>
+    <p:extLst>
+      <p:ext uri="{BB962C8B-B14F-4D97-AF65-F5344CB8AC3E}">
+        <p14:creationId xmlns:p14="http://schemas.microsoft.com/office/powerpoint/2010/main" val="2534297403"/>
+      </p:ext>
+    </p:extLst>
+  </p:cSld>
+  <p:clrMapOvr>
+    <a:masterClrMapping/>
+  </p:clrMapOvr>
+</p:notes>
+</file>
+
+<file path=ppt/notesSlides/notesSlide16.xml><?xml version="1.0" encoding="utf-8"?>
+<p:notes xmlns:a="http://schemas.openxmlformats.org/drawingml/2006/main" xmlns:r="http://schemas.openxmlformats.org/officeDocument/2006/relationships" xmlns:p="http://schemas.openxmlformats.org/presentationml/2006/main">
+  <p:cSld>
+    <p:spTree>
+      <p:nvGrpSpPr>
+        <p:cNvPr id="1" name=""/>
+        <p:cNvGrpSpPr/>
+        <p:nvPr/>
+      </p:nvGrpSpPr>
+      <p:grpSpPr>
+        <a:xfrm>
+          <a:off x="0" y="0"/>
+          <a:ext cx="0" cy="0"/>
+          <a:chOff x="0" y="0"/>
+          <a:chExt cx="0" cy="0"/>
+        </a:xfrm>
+      </p:grpSpPr>
+      <p:sp>
+        <p:nvSpPr>
+          <p:cNvPr id="2" name="Symbol zastępczy obrazu slajdu 1"/>
+          <p:cNvSpPr>
+            <a:spLocks noGrp="1" noRot="1" noChangeAspect="1"/>
+          </p:cNvSpPr>
+          <p:nvPr>
+            <p:ph type="sldImg"/>
+          </p:nvPr>
+        </p:nvSpPr>
+        <p:spPr/>
+      </p:sp>
+      <p:sp>
+        <p:nvSpPr>
+          <p:cNvPr id="3" name="Symbol zastępczy notatek 2"/>
+          <p:cNvSpPr>
+            <a:spLocks noGrp="1"/>
+          </p:cNvSpPr>
+          <p:nvPr>
+            <p:ph type="body" idx="1"/>
+          </p:nvPr>
+        </p:nvSpPr>
+        <p:spPr/>
+        <p:txBody>
+          <a:bodyPr/>
+          <a:lstStyle/>
+          <a:p>
+            <a:endParaRPr lang="pl-PL"/>
+          </a:p>
+        </p:txBody>
+      </p:sp>
+      <p:sp>
+        <p:nvSpPr>
+          <p:cNvPr id="4" name="Symbol zastępczy numeru slajdu 3"/>
+          <p:cNvSpPr>
+            <a:spLocks noGrp="1"/>
+          </p:cNvSpPr>
+          <p:nvPr>
+            <p:ph type="sldNum" sz="quarter" idx="10"/>
+          </p:nvPr>
+        </p:nvSpPr>
+        <p:spPr/>
+        <p:txBody>
+          <a:bodyPr/>
+          <a:lstStyle/>
+          <a:p>
+            <a:fld id="{C7B87404-ADFE-4B48-97A5-00F9EDD3AA20}" type="slidenum">
+              <a:rPr lang="pl-PL" smtClean="0"/>
+              <a:t>16</a:t>
+            </a:fld>
+            <a:endParaRPr lang="pl-PL"/>
+          </a:p>
+        </p:txBody>
+      </p:sp>
+    </p:spTree>
+    <p:extLst>
+      <p:ext uri="{BB962C8B-B14F-4D97-AF65-F5344CB8AC3E}">
+        <p14:creationId xmlns:p14="http://schemas.microsoft.com/office/powerpoint/2010/main" val="1545718034"/>
+      </p:ext>
+    </p:extLst>
+  </p:cSld>
+  <p:clrMapOvr>
+    <a:masterClrMapping/>
+  </p:clrMapOvr>
+</p:notes>
+</file>
+
+<file path=ppt/notesSlides/notesSlide17.xml><?xml version="1.0" encoding="utf-8"?>
+<p:notes xmlns:a="http://schemas.openxmlformats.org/drawingml/2006/main" xmlns:r="http://schemas.openxmlformats.org/officeDocument/2006/relationships" xmlns:p="http://schemas.openxmlformats.org/presentationml/2006/main">
+  <p:cSld>
+    <p:spTree>
+      <p:nvGrpSpPr>
+        <p:cNvPr id="1" name=""/>
+        <p:cNvGrpSpPr/>
+        <p:nvPr/>
+      </p:nvGrpSpPr>
+      <p:grpSpPr>
+        <a:xfrm>
+          <a:off x="0" y="0"/>
+          <a:ext cx="0" cy="0"/>
+          <a:chOff x="0" y="0"/>
+          <a:chExt cx="0" cy="0"/>
+        </a:xfrm>
+      </p:grpSpPr>
+      <p:sp>
+        <p:nvSpPr>
+          <p:cNvPr id="2" name="Symbol zastępczy obrazu slajdu 1"/>
+          <p:cNvSpPr>
+            <a:spLocks noGrp="1" noRot="1" noChangeAspect="1"/>
+          </p:cNvSpPr>
+          <p:nvPr>
+            <p:ph type="sldImg"/>
+          </p:nvPr>
+        </p:nvSpPr>
+        <p:spPr/>
+      </p:sp>
+      <p:sp>
+        <p:nvSpPr>
+          <p:cNvPr id="3" name="Symbol zastępczy notatek 2"/>
+          <p:cNvSpPr>
+            <a:spLocks noGrp="1"/>
+          </p:cNvSpPr>
+          <p:nvPr>
+            <p:ph type="body" idx="1"/>
+          </p:nvPr>
+        </p:nvSpPr>
+        <p:spPr/>
+        <p:txBody>
+          <a:bodyPr/>
+          <a:lstStyle/>
+          <a:p>
+            <a:endParaRPr lang="pl-PL"/>
+          </a:p>
+        </p:txBody>
+      </p:sp>
+      <p:sp>
+        <p:nvSpPr>
+          <p:cNvPr id="4" name="Symbol zastępczy numeru slajdu 3"/>
+          <p:cNvSpPr>
+            <a:spLocks noGrp="1"/>
+          </p:cNvSpPr>
+          <p:nvPr>
+            <p:ph type="sldNum" sz="quarter" idx="10"/>
+          </p:nvPr>
+        </p:nvSpPr>
+        <p:spPr/>
+        <p:txBody>
+          <a:bodyPr/>
+          <a:lstStyle/>
+          <a:p>
+            <a:fld id="{C7B87404-ADFE-4B48-97A5-00F9EDD3AA20}" type="slidenum">
+              <a:rPr lang="pl-PL" smtClean="0"/>
+              <a:t>17</a:t>
+            </a:fld>
+            <a:endParaRPr lang="pl-PL"/>
+          </a:p>
+        </p:txBody>
+      </p:sp>
+    </p:spTree>
+    <p:extLst>
+      <p:ext uri="{BB962C8B-B14F-4D97-AF65-F5344CB8AC3E}">
+        <p14:creationId xmlns:p14="http://schemas.microsoft.com/office/powerpoint/2010/main" val="924475175"/>
+      </p:ext>
+    </p:extLst>
+  </p:cSld>
+  <p:clrMapOvr>
+    <a:masterClrMapping/>
+  </p:clrMapOvr>
+</p:notes>
+</file>
+
+<file path=ppt/notesSlides/notesSlide18.xml><?xml version="1.0" encoding="utf-8"?>
+<p:notes xmlns:a="http://schemas.openxmlformats.org/drawingml/2006/main" xmlns:r="http://schemas.openxmlformats.org/officeDocument/2006/relationships" xmlns:p="http://schemas.openxmlformats.org/presentationml/2006/main">
+  <p:cSld>
+    <p:spTree>
+      <p:nvGrpSpPr>
+        <p:cNvPr id="1" name=""/>
+        <p:cNvGrpSpPr/>
+        <p:nvPr/>
+      </p:nvGrpSpPr>
+      <p:grpSpPr>
+        <a:xfrm>
+          <a:off x="0" y="0"/>
+          <a:ext cx="0" cy="0"/>
+          <a:chOff x="0" y="0"/>
+          <a:chExt cx="0" cy="0"/>
+        </a:xfrm>
+      </p:grpSpPr>
+      <p:sp>
+        <p:nvSpPr>
+          <p:cNvPr id="2" name="Symbol zastępczy obrazu slajdu 1"/>
+          <p:cNvSpPr>
+            <a:spLocks noGrp="1" noRot="1" noChangeAspect="1"/>
+          </p:cNvSpPr>
+          <p:nvPr>
+            <p:ph type="sldImg"/>
+          </p:nvPr>
+        </p:nvSpPr>
+        <p:spPr/>
+      </p:sp>
+      <p:sp>
+        <p:nvSpPr>
+          <p:cNvPr id="3" name="Symbol zastępczy notatek 2"/>
+          <p:cNvSpPr>
+            <a:spLocks noGrp="1"/>
+          </p:cNvSpPr>
+          <p:nvPr>
+            <p:ph type="body" idx="1"/>
+          </p:nvPr>
+        </p:nvSpPr>
+        <p:spPr/>
+        <p:txBody>
+          <a:bodyPr/>
+          <a:lstStyle/>
+          <a:p>
+            <a:endParaRPr lang="pl-PL"/>
+          </a:p>
+        </p:txBody>
+      </p:sp>
+      <p:sp>
+        <p:nvSpPr>
+          <p:cNvPr id="4" name="Symbol zastępczy numeru slajdu 3"/>
+          <p:cNvSpPr>
+            <a:spLocks noGrp="1"/>
+          </p:cNvSpPr>
+          <p:nvPr>
+            <p:ph type="sldNum" sz="quarter" idx="10"/>
+          </p:nvPr>
+        </p:nvSpPr>
+        <p:spPr/>
+        <p:txBody>
+          <a:bodyPr/>
+          <a:lstStyle/>
+          <a:p>
+            <a:fld id="{C7B87404-ADFE-4B48-97A5-00F9EDD3AA20}" type="slidenum">
+              <a:rPr lang="pl-PL" smtClean="0"/>
+              <a:t>18</a:t>
+            </a:fld>
+            <a:endParaRPr lang="pl-PL"/>
+          </a:p>
+        </p:txBody>
+      </p:sp>
+    </p:spTree>
+    <p:extLst>
+      <p:ext uri="{BB962C8B-B14F-4D97-AF65-F5344CB8AC3E}">
+        <p14:creationId xmlns:p14="http://schemas.microsoft.com/office/powerpoint/2010/main" val="4201002531"/>
+      </p:ext>
+    </p:extLst>
+  </p:cSld>
+  <p:clrMapOvr>
+    <a:masterClrMapping/>
+  </p:clrMapOvr>
+</p:notes>
+</file>
+
+<file path=ppt/notesSlides/notesSlide19.xml><?xml version="1.0" encoding="utf-8"?>
+<p:notes xmlns:a="http://schemas.openxmlformats.org/drawingml/2006/main" xmlns:r="http://schemas.openxmlformats.org/officeDocument/2006/relationships" xmlns:p="http://schemas.openxmlformats.org/presentationml/2006/main">
+  <p:cSld>
+    <p:spTree>
+      <p:nvGrpSpPr>
+        <p:cNvPr id="1" name=""/>
+        <p:cNvGrpSpPr/>
+        <p:nvPr/>
+      </p:nvGrpSpPr>
+      <p:grpSpPr>
+        <a:xfrm>
+          <a:off x="0" y="0"/>
+          <a:ext cx="0" cy="0"/>
+          <a:chOff x="0" y="0"/>
+          <a:chExt cx="0" cy="0"/>
+        </a:xfrm>
+      </p:grpSpPr>
+      <p:sp>
+        <p:nvSpPr>
+          <p:cNvPr id="2" name="Symbol zastępczy obrazu slajdu 1"/>
+          <p:cNvSpPr>
+            <a:spLocks noGrp="1" noRot="1" noChangeAspect="1"/>
+          </p:cNvSpPr>
+          <p:nvPr>
+            <p:ph type="sldImg"/>
+          </p:nvPr>
+        </p:nvSpPr>
+        <p:spPr/>
+      </p:sp>
+      <p:sp>
+        <p:nvSpPr>
+          <p:cNvPr id="3" name="Symbol zastępczy notatek 2"/>
+          <p:cNvSpPr>
+            <a:spLocks noGrp="1"/>
+          </p:cNvSpPr>
+          <p:nvPr>
+            <p:ph type="body" idx="1"/>
+          </p:nvPr>
+        </p:nvSpPr>
+        <p:spPr/>
+        <p:txBody>
+          <a:bodyPr/>
+          <a:lstStyle/>
+          <a:p>
+            <a:endParaRPr lang="pl-PL"/>
+          </a:p>
+        </p:txBody>
+      </p:sp>
+      <p:sp>
+        <p:nvSpPr>
+          <p:cNvPr id="4" name="Symbol zastępczy numeru slajdu 3"/>
+          <p:cNvSpPr>
+            <a:spLocks noGrp="1"/>
+          </p:cNvSpPr>
+          <p:nvPr>
+            <p:ph type="sldNum" sz="quarter" idx="10"/>
+          </p:nvPr>
+        </p:nvSpPr>
+        <p:spPr/>
+        <p:txBody>
+          <a:bodyPr/>
+          <a:lstStyle/>
+          <a:p>
+            <a:fld id="{C7B87404-ADFE-4B48-97A5-00F9EDD3AA20}" type="slidenum">
+              <a:rPr lang="pl-PL" smtClean="0"/>
+              <a:t>19</a:t>
+            </a:fld>
+            <a:endParaRPr lang="pl-PL"/>
+          </a:p>
+        </p:txBody>
+      </p:sp>
+    </p:spTree>
+    <p:extLst>
+      <p:ext uri="{BB962C8B-B14F-4D97-AF65-F5344CB8AC3E}">
+        <p14:creationId xmlns:p14="http://schemas.microsoft.com/office/powerpoint/2010/main" val="2319840739"/>
+      </p:ext>
+    </p:extLst>
+  </p:cSld>
+  <p:clrMapOvr>
+    <a:masterClrMapping/>
+  </p:clrMapOvr>
+</p:notes>
+</file>
+
+<file path=ppt/notesSlides/notesSlide2.xml><?xml version="1.0" encoding="utf-8"?>
+<p:notes xmlns:a="http://schemas.openxmlformats.org/drawingml/2006/main" xmlns:r="http://schemas.openxmlformats.org/officeDocument/2006/relationships" xmlns:p="http://schemas.openxmlformats.org/presentationml/2006/main">
+  <p:cSld>
+    <p:spTree>
+      <p:nvGrpSpPr>
+        <p:cNvPr id="1" name=""/>
+        <p:cNvGrpSpPr/>
+        <p:nvPr/>
+      </p:nvGrpSpPr>
+      <p:grpSpPr>
+        <a:xfrm>
+          <a:off x="0" y="0"/>
+          <a:ext cx="0" cy="0"/>
+          <a:chOff x="0" y="0"/>
+          <a:chExt cx="0" cy="0"/>
+        </a:xfrm>
+      </p:grpSpPr>
+      <p:sp>
+        <p:nvSpPr>
+          <p:cNvPr id="2" name="Symbol zastępczy obrazu slajdu 1"/>
+          <p:cNvSpPr>
+            <a:spLocks noGrp="1" noRot="1" noChangeAspect="1"/>
+          </p:cNvSpPr>
+          <p:nvPr>
+            <p:ph type="sldImg"/>
+          </p:nvPr>
+        </p:nvSpPr>
+        <p:spPr/>
+      </p:sp>
+      <p:sp>
+        <p:nvSpPr>
+          <p:cNvPr id="3" name="Symbol zastępczy notatek 2"/>
+          <p:cNvSpPr>
+            <a:spLocks noGrp="1"/>
+          </p:cNvSpPr>
+          <p:nvPr>
+            <p:ph type="body" idx="1"/>
+          </p:nvPr>
+        </p:nvSpPr>
+        <p:spPr/>
+        <p:txBody>
+          <a:bodyPr/>
+          <a:lstStyle/>
+          <a:p>
+            <a:endParaRPr lang="pl-PL"/>
+          </a:p>
+        </p:txBody>
+      </p:sp>
+      <p:sp>
+        <p:nvSpPr>
+          <p:cNvPr id="4" name="Symbol zastępczy numeru slajdu 3"/>
+          <p:cNvSpPr>
+            <a:spLocks noGrp="1"/>
+          </p:cNvSpPr>
+          <p:nvPr>
+            <p:ph type="sldNum" sz="quarter" idx="10"/>
+          </p:nvPr>
+        </p:nvSpPr>
+        <p:spPr/>
+        <p:txBody>
+          <a:bodyPr/>
+          <a:lstStyle/>
+          <a:p>
+            <a:fld id="{C7B87404-ADFE-4B48-97A5-00F9EDD3AA20}" type="slidenum">
+              <a:rPr lang="pl-PL" smtClean="0"/>
+              <a:t>2</a:t>
+            </a:fld>
+            <a:endParaRPr lang="pl-PL"/>
+          </a:p>
+        </p:txBody>
+      </p:sp>
+    </p:spTree>
+    <p:extLst>
+      <p:ext uri="{BB962C8B-B14F-4D97-AF65-F5344CB8AC3E}">
+        <p14:creationId xmlns:p14="http://schemas.microsoft.com/office/powerpoint/2010/main" val="2286438062"/>
+      </p:ext>
+    </p:extLst>
+  </p:cSld>
+  <p:clrMapOvr>
+    <a:masterClrMapping/>
+  </p:clrMapOvr>
+</p:notes>
+</file>
+
+<file path=ppt/notesSlides/notesSlide20.xml><?xml version="1.0" encoding="utf-8"?>
+<p:notes xmlns:a="http://schemas.openxmlformats.org/drawingml/2006/main" xmlns:r="http://schemas.openxmlformats.org/officeDocument/2006/relationships" xmlns:p="http://schemas.openxmlformats.org/presentationml/2006/main">
+  <p:cSld>
+    <p:spTree>
+      <p:nvGrpSpPr>
+        <p:cNvPr id="1" name=""/>
+        <p:cNvGrpSpPr/>
+        <p:nvPr/>
+      </p:nvGrpSpPr>
+      <p:grpSpPr>
+        <a:xfrm>
+          <a:off x="0" y="0"/>
+          <a:ext cx="0" cy="0"/>
+          <a:chOff x="0" y="0"/>
+          <a:chExt cx="0" cy="0"/>
+        </a:xfrm>
+      </p:grpSpPr>
+      <p:sp>
+        <p:nvSpPr>
+          <p:cNvPr id="2" name="Symbol zastępczy obrazu slajdu 1"/>
+          <p:cNvSpPr>
+            <a:spLocks noGrp="1" noRot="1" noChangeAspect="1"/>
+          </p:cNvSpPr>
+          <p:nvPr>
+            <p:ph type="sldImg"/>
+          </p:nvPr>
+        </p:nvSpPr>
+        <p:spPr/>
+      </p:sp>
+      <p:sp>
+        <p:nvSpPr>
+          <p:cNvPr id="3" name="Symbol zastępczy notatek 2"/>
+          <p:cNvSpPr>
+            <a:spLocks noGrp="1"/>
+          </p:cNvSpPr>
+          <p:nvPr>
+            <p:ph type="body" idx="1"/>
+          </p:nvPr>
+        </p:nvSpPr>
+        <p:spPr/>
+        <p:txBody>
+          <a:bodyPr/>
+          <a:lstStyle/>
+          <a:p>
+            <a:endParaRPr lang="pl-PL"/>
+          </a:p>
+        </p:txBody>
+      </p:sp>
+      <p:sp>
+        <p:nvSpPr>
+          <p:cNvPr id="4" name="Symbol zastępczy numeru slajdu 3"/>
+          <p:cNvSpPr>
+            <a:spLocks noGrp="1"/>
+          </p:cNvSpPr>
+          <p:nvPr>
+            <p:ph type="sldNum" sz="quarter" idx="10"/>
+          </p:nvPr>
+        </p:nvSpPr>
+        <p:spPr/>
+        <p:txBody>
+          <a:bodyPr/>
+          <a:lstStyle/>
+          <a:p>
+            <a:fld id="{C7B87404-ADFE-4B48-97A5-00F9EDD3AA20}" type="slidenum">
+              <a:rPr lang="pl-PL" smtClean="0"/>
+              <a:t>20</a:t>
+            </a:fld>
+            <a:endParaRPr lang="pl-PL"/>
+          </a:p>
+        </p:txBody>
+      </p:sp>
+    </p:spTree>
+    <p:extLst>
+      <p:ext uri="{BB962C8B-B14F-4D97-AF65-F5344CB8AC3E}">
+        <p14:creationId xmlns:p14="http://schemas.microsoft.com/office/powerpoint/2010/main" val="652676311"/>
+      </p:ext>
+    </p:extLst>
+  </p:cSld>
+  <p:clrMapOvr>
+    <a:masterClrMapping/>
+  </p:clrMapOvr>
+</p:notes>
+</file>
+
+<file path=ppt/notesSlides/notesSlide3.xml><?xml version="1.0" encoding="utf-8"?>
+<p:notes xmlns:a="http://schemas.openxmlformats.org/drawingml/2006/main" xmlns:r="http://schemas.openxmlformats.org/officeDocument/2006/relationships" xmlns:p="http://schemas.openxmlformats.org/presentationml/2006/main">
+  <p:cSld>
+    <p:spTree>
+      <p:nvGrpSpPr>
+        <p:cNvPr id="1" name=""/>
+        <p:cNvGrpSpPr/>
+        <p:nvPr/>
+      </p:nvGrpSpPr>
+      <p:grpSpPr>
+        <a:xfrm>
+          <a:off x="0" y="0"/>
+          <a:ext cx="0" cy="0"/>
+          <a:chOff x="0" y="0"/>
+          <a:chExt cx="0" cy="0"/>
+        </a:xfrm>
+      </p:grpSpPr>
+      <p:sp>
+        <p:nvSpPr>
+          <p:cNvPr id="2" name="Symbol zastępczy obrazu slajdu 1"/>
+          <p:cNvSpPr>
+            <a:spLocks noGrp="1" noRot="1" noChangeAspect="1"/>
+          </p:cNvSpPr>
+          <p:nvPr>
+            <p:ph type="sldImg"/>
+          </p:nvPr>
+        </p:nvSpPr>
+        <p:spPr/>
+      </p:sp>
+      <p:sp>
+        <p:nvSpPr>
+          <p:cNvPr id="3" name="Symbol zastępczy notatek 2"/>
+          <p:cNvSpPr>
+            <a:spLocks noGrp="1"/>
+          </p:cNvSpPr>
+          <p:nvPr>
+            <p:ph type="body" idx="1"/>
+          </p:nvPr>
+        </p:nvSpPr>
+        <p:spPr/>
+        <p:txBody>
+          <a:bodyPr/>
+          <a:lstStyle/>
+          <a:p>
+            <a:endParaRPr lang="pl-PL"/>
+          </a:p>
+        </p:txBody>
+      </p:sp>
+      <p:sp>
+        <p:nvSpPr>
+          <p:cNvPr id="4" name="Symbol zastępczy numeru slajdu 3"/>
+          <p:cNvSpPr>
+            <a:spLocks noGrp="1"/>
+          </p:cNvSpPr>
+          <p:nvPr>
+            <p:ph type="sldNum" sz="quarter" idx="10"/>
+          </p:nvPr>
+        </p:nvSpPr>
+        <p:spPr/>
+        <p:txBody>
+          <a:bodyPr/>
+          <a:lstStyle/>
+          <a:p>
+            <a:fld id="{C7B87404-ADFE-4B48-97A5-00F9EDD3AA20}" type="slidenum">
+              <a:rPr lang="pl-PL" smtClean="0"/>
+              <a:t>3</a:t>
+            </a:fld>
+            <a:endParaRPr lang="pl-PL"/>
+          </a:p>
+        </p:txBody>
+      </p:sp>
+    </p:spTree>
+    <p:extLst>
+      <p:ext uri="{BB962C8B-B14F-4D97-AF65-F5344CB8AC3E}">
+        <p14:creationId xmlns:p14="http://schemas.microsoft.com/office/powerpoint/2010/main" val="3164897636"/>
+      </p:ext>
+    </p:extLst>
+  </p:cSld>
+  <p:clrMapOvr>
+    <a:masterClrMapping/>
+  </p:clrMapOvr>
+</p:notes>
+</file>
+
+<file path=ppt/notesSlides/notesSlide4.xml><?xml version="1.0" encoding="utf-8"?>
+<p:notes xmlns:a="http://schemas.openxmlformats.org/drawingml/2006/main" xmlns:r="http://schemas.openxmlformats.org/officeDocument/2006/relationships" xmlns:p="http://schemas.openxmlformats.org/presentationml/2006/main">
+  <p:cSld>
+    <p:spTree>
+      <p:nvGrpSpPr>
+        <p:cNvPr id="1" name=""/>
+        <p:cNvGrpSpPr/>
+        <p:nvPr/>
+      </p:nvGrpSpPr>
+      <p:grpSpPr>
+        <a:xfrm>
+          <a:off x="0" y="0"/>
+          <a:ext cx="0" cy="0"/>
+          <a:chOff x="0" y="0"/>
+          <a:chExt cx="0" cy="0"/>
+        </a:xfrm>
+      </p:grpSpPr>
+      <p:sp>
+        <p:nvSpPr>
+          <p:cNvPr id="2" name="Symbol zastępczy obrazu slajdu 1"/>
+          <p:cNvSpPr>
+            <a:spLocks noGrp="1" noRot="1" noChangeAspect="1"/>
+          </p:cNvSpPr>
+          <p:nvPr>
+            <p:ph type="sldImg"/>
+          </p:nvPr>
+        </p:nvSpPr>
+        <p:spPr/>
+      </p:sp>
+      <p:sp>
+        <p:nvSpPr>
+          <p:cNvPr id="3" name="Symbol zastępczy notatek 2"/>
+          <p:cNvSpPr>
+            <a:spLocks noGrp="1"/>
+          </p:cNvSpPr>
+          <p:nvPr>
+            <p:ph type="body" idx="1"/>
+          </p:nvPr>
+        </p:nvSpPr>
+        <p:spPr/>
+        <p:txBody>
+          <a:bodyPr/>
+          <a:lstStyle/>
+          <a:p>
+            <a:endParaRPr lang="pl-PL"/>
+          </a:p>
+        </p:txBody>
+      </p:sp>
+      <p:sp>
+        <p:nvSpPr>
+          <p:cNvPr id="4" name="Symbol zastępczy numeru slajdu 3"/>
+          <p:cNvSpPr>
+            <a:spLocks noGrp="1"/>
+          </p:cNvSpPr>
+          <p:nvPr>
+            <p:ph type="sldNum" sz="quarter" idx="10"/>
+          </p:nvPr>
+        </p:nvSpPr>
+        <p:spPr/>
+        <p:txBody>
+          <a:bodyPr/>
+          <a:lstStyle/>
+          <a:p>
+            <a:fld id="{C7B87404-ADFE-4B48-97A5-00F9EDD3AA20}" type="slidenum">
+              <a:rPr lang="pl-PL" smtClean="0"/>
+              <a:t>4</a:t>
+            </a:fld>
+            <a:endParaRPr lang="pl-PL"/>
+          </a:p>
+        </p:txBody>
+      </p:sp>
+    </p:spTree>
+    <p:extLst>
+      <p:ext uri="{BB962C8B-B14F-4D97-AF65-F5344CB8AC3E}">
+        <p14:creationId xmlns:p14="http://schemas.microsoft.com/office/powerpoint/2010/main" val="3792097566"/>
+      </p:ext>
+    </p:extLst>
+  </p:cSld>
+  <p:clrMapOvr>
+    <a:masterClrMapping/>
+  </p:clrMapOvr>
+</p:notes>
+</file>
+
+<file path=ppt/notesSlides/notesSlide5.xml><?xml version="1.0" encoding="utf-8"?>
+<p:notes xmlns:a="http://schemas.openxmlformats.org/drawingml/2006/main" xmlns:r="http://schemas.openxmlformats.org/officeDocument/2006/relationships" xmlns:p="http://schemas.openxmlformats.org/presentationml/2006/main">
+  <p:cSld>
+    <p:spTree>
+      <p:nvGrpSpPr>
+        <p:cNvPr id="1" name=""/>
+        <p:cNvGrpSpPr/>
+        <p:nvPr/>
+      </p:nvGrpSpPr>
+      <p:grpSpPr>
+        <a:xfrm>
+          <a:off x="0" y="0"/>
+          <a:ext cx="0" cy="0"/>
+          <a:chOff x="0" y="0"/>
+          <a:chExt cx="0" cy="0"/>
+        </a:xfrm>
+      </p:grpSpPr>
+      <p:sp>
+        <p:nvSpPr>
+          <p:cNvPr id="2" name="Symbol zastępczy obrazu slajdu 1"/>
+          <p:cNvSpPr>
+            <a:spLocks noGrp="1" noRot="1" noChangeAspect="1"/>
+          </p:cNvSpPr>
+          <p:nvPr>
+            <p:ph type="sldImg"/>
+          </p:nvPr>
+        </p:nvSpPr>
+        <p:spPr/>
+      </p:sp>
+      <p:sp>
+        <p:nvSpPr>
+          <p:cNvPr id="3" name="Symbol zastępczy notatek 2"/>
+          <p:cNvSpPr>
+            <a:spLocks noGrp="1"/>
+          </p:cNvSpPr>
+          <p:nvPr>
+            <p:ph type="body" idx="1"/>
+          </p:nvPr>
+        </p:nvSpPr>
+        <p:spPr/>
+        <p:txBody>
+          <a:bodyPr/>
+          <a:lstStyle/>
+          <a:p>
+            <a:endParaRPr lang="pl-PL"/>
+          </a:p>
+        </p:txBody>
+      </p:sp>
+      <p:sp>
+        <p:nvSpPr>
+          <p:cNvPr id="4" name="Symbol zastępczy numeru slajdu 3"/>
+          <p:cNvSpPr>
+            <a:spLocks noGrp="1"/>
+          </p:cNvSpPr>
+          <p:nvPr>
+            <p:ph type="sldNum" sz="quarter" idx="10"/>
+          </p:nvPr>
+        </p:nvSpPr>
+        <p:spPr/>
+        <p:txBody>
+          <a:bodyPr/>
+          <a:lstStyle/>
+          <a:p>
+            <a:fld id="{C7B87404-ADFE-4B48-97A5-00F9EDD3AA20}" type="slidenum">
+              <a:rPr lang="pl-PL" smtClean="0"/>
+              <a:t>5</a:t>
+            </a:fld>
+            <a:endParaRPr lang="pl-PL"/>
+          </a:p>
+        </p:txBody>
+      </p:sp>
+    </p:spTree>
+    <p:extLst>
+      <p:ext uri="{BB962C8B-B14F-4D97-AF65-F5344CB8AC3E}">
+        <p14:creationId xmlns:p14="http://schemas.microsoft.com/office/powerpoint/2010/main" val="544277106"/>
+      </p:ext>
+    </p:extLst>
+  </p:cSld>
+  <p:clrMapOvr>
+    <a:masterClrMapping/>
+  </p:clrMapOvr>
+</p:notes>
+</file>
+
+<file path=ppt/notesSlides/notesSlide6.xml><?xml version="1.0" encoding="utf-8"?>
+<p:notes xmlns:a="http://schemas.openxmlformats.org/drawingml/2006/main" xmlns:r="http://schemas.openxmlformats.org/officeDocument/2006/relationships" xmlns:p="http://schemas.openxmlformats.org/presentationml/2006/main">
+  <p:cSld>
+    <p:spTree>
+      <p:nvGrpSpPr>
+        <p:cNvPr id="1" name=""/>
+        <p:cNvGrpSpPr/>
+        <p:nvPr/>
+      </p:nvGrpSpPr>
+      <p:grpSpPr>
+        <a:xfrm>
+          <a:off x="0" y="0"/>
+          <a:ext cx="0" cy="0"/>
+          <a:chOff x="0" y="0"/>
+          <a:chExt cx="0" cy="0"/>
+        </a:xfrm>
+      </p:grpSpPr>
+      <p:sp>
+        <p:nvSpPr>
+          <p:cNvPr id="2" name="Symbol zastępczy obrazu slajdu 1"/>
+          <p:cNvSpPr>
+            <a:spLocks noGrp="1" noRot="1" noChangeAspect="1"/>
+          </p:cNvSpPr>
+          <p:nvPr>
+            <p:ph type="sldImg"/>
+          </p:nvPr>
+        </p:nvSpPr>
+        <p:spPr/>
+      </p:sp>
+      <p:sp>
+        <p:nvSpPr>
+          <p:cNvPr id="3" name="Symbol zastępczy notatek 2"/>
+          <p:cNvSpPr>
+            <a:spLocks noGrp="1"/>
+          </p:cNvSpPr>
+          <p:nvPr>
+            <p:ph type="body" idx="1"/>
+          </p:nvPr>
+        </p:nvSpPr>
+        <p:spPr/>
+        <p:txBody>
+          <a:bodyPr/>
+          <a:lstStyle/>
+          <a:p>
+            <a:endParaRPr lang="pl-PL"/>
+          </a:p>
+        </p:txBody>
+      </p:sp>
+      <p:sp>
+        <p:nvSpPr>
+          <p:cNvPr id="4" name="Symbol zastępczy numeru slajdu 3"/>
+          <p:cNvSpPr>
+            <a:spLocks noGrp="1"/>
+          </p:cNvSpPr>
+          <p:nvPr>
+            <p:ph type="sldNum" sz="quarter" idx="10"/>
+          </p:nvPr>
+        </p:nvSpPr>
+        <p:spPr/>
+        <p:txBody>
+          <a:bodyPr/>
+          <a:lstStyle/>
+          <a:p>
+            <a:fld id="{C7B87404-ADFE-4B48-97A5-00F9EDD3AA20}" type="slidenum">
+              <a:rPr lang="pl-PL" smtClean="0"/>
+              <a:t>6</a:t>
+            </a:fld>
+            <a:endParaRPr lang="pl-PL"/>
+          </a:p>
+        </p:txBody>
+      </p:sp>
+    </p:spTree>
+    <p:extLst>
+      <p:ext uri="{BB962C8B-B14F-4D97-AF65-F5344CB8AC3E}">
+        <p14:creationId xmlns:p14="http://schemas.microsoft.com/office/powerpoint/2010/main" val="3520973205"/>
+      </p:ext>
+    </p:extLst>
+  </p:cSld>
+  <p:clrMapOvr>
+    <a:masterClrMapping/>
+  </p:clrMapOvr>
+</p:notes>
+</file>
+
+<file path=ppt/notesSlides/notesSlide7.xml><?xml version="1.0" encoding="utf-8"?>
+<p:notes xmlns:a="http://schemas.openxmlformats.org/drawingml/2006/main" xmlns:r="http://schemas.openxmlformats.org/officeDocument/2006/relationships" xmlns:p="http://schemas.openxmlformats.org/presentationml/2006/main">
+  <p:cSld>
+    <p:spTree>
+      <p:nvGrpSpPr>
+        <p:cNvPr id="1" name=""/>
+        <p:cNvGrpSpPr/>
+        <p:nvPr/>
+      </p:nvGrpSpPr>
+      <p:grpSpPr>
+        <a:xfrm>
+          <a:off x="0" y="0"/>
+          <a:ext cx="0" cy="0"/>
+          <a:chOff x="0" y="0"/>
+          <a:chExt cx="0" cy="0"/>
+        </a:xfrm>
+      </p:grpSpPr>
+      <p:sp>
+        <p:nvSpPr>
+          <p:cNvPr id="2" name="Symbol zastępczy obrazu slajdu 1"/>
+          <p:cNvSpPr>
+            <a:spLocks noGrp="1" noRot="1" noChangeAspect="1"/>
+          </p:cNvSpPr>
+          <p:nvPr>
+            <p:ph type="sldImg"/>
+          </p:nvPr>
+        </p:nvSpPr>
+        <p:spPr/>
+      </p:sp>
+      <p:sp>
+        <p:nvSpPr>
+          <p:cNvPr id="3" name="Symbol zastępczy notatek 2"/>
+          <p:cNvSpPr>
+            <a:spLocks noGrp="1"/>
+          </p:cNvSpPr>
+          <p:nvPr>
+            <p:ph type="body" idx="1"/>
+          </p:nvPr>
+        </p:nvSpPr>
+        <p:spPr/>
+        <p:txBody>
+          <a:bodyPr/>
+          <a:lstStyle/>
+          <a:p>
+            <a:endParaRPr lang="pl-PL"/>
+          </a:p>
+        </p:txBody>
+      </p:sp>
+      <p:sp>
+        <p:nvSpPr>
+          <p:cNvPr id="4" name="Symbol zastępczy numeru slajdu 3"/>
+          <p:cNvSpPr>
+            <a:spLocks noGrp="1"/>
+          </p:cNvSpPr>
+          <p:nvPr>
+            <p:ph type="sldNum" sz="quarter" idx="10"/>
+          </p:nvPr>
+        </p:nvSpPr>
+        <p:spPr/>
+        <p:txBody>
+          <a:bodyPr/>
+          <a:lstStyle/>
+          <a:p>
+            <a:fld id="{C7B87404-ADFE-4B48-97A5-00F9EDD3AA20}" type="slidenum">
+              <a:rPr lang="pl-PL" smtClean="0"/>
+              <a:t>7</a:t>
+            </a:fld>
+            <a:endParaRPr lang="pl-PL"/>
+          </a:p>
+        </p:txBody>
+      </p:sp>
+    </p:spTree>
+    <p:extLst>
+      <p:ext uri="{BB962C8B-B14F-4D97-AF65-F5344CB8AC3E}">
+        <p14:creationId xmlns:p14="http://schemas.microsoft.com/office/powerpoint/2010/main" val="2258059390"/>
+      </p:ext>
+    </p:extLst>
+  </p:cSld>
+  <p:clrMapOvr>
+    <a:masterClrMapping/>
+  </p:clrMapOvr>
+</p:notes>
+</file>
+
+<file path=ppt/notesSlides/notesSlide8.xml><?xml version="1.0" encoding="utf-8"?>
+<p:notes xmlns:a="http://schemas.openxmlformats.org/drawingml/2006/main" xmlns:r="http://schemas.openxmlformats.org/officeDocument/2006/relationships" xmlns:p="http://schemas.openxmlformats.org/presentationml/2006/main">
+  <p:cSld>
+    <p:spTree>
+      <p:nvGrpSpPr>
+        <p:cNvPr id="1" name=""/>
+        <p:cNvGrpSpPr/>
+        <p:nvPr/>
+      </p:nvGrpSpPr>
+      <p:grpSpPr>
+        <a:xfrm>
+          <a:off x="0" y="0"/>
+          <a:ext cx="0" cy="0"/>
+          <a:chOff x="0" y="0"/>
+          <a:chExt cx="0" cy="0"/>
+        </a:xfrm>
+      </p:grpSpPr>
+      <p:sp>
+        <p:nvSpPr>
+          <p:cNvPr id="2" name="Symbol zastępczy obrazu slajdu 1"/>
+          <p:cNvSpPr>
+            <a:spLocks noGrp="1" noRot="1" noChangeAspect="1"/>
+          </p:cNvSpPr>
+          <p:nvPr>
+            <p:ph type="sldImg"/>
+          </p:nvPr>
+        </p:nvSpPr>
+        <p:spPr/>
+      </p:sp>
+      <p:sp>
+        <p:nvSpPr>
+          <p:cNvPr id="3" name="Symbol zastępczy notatek 2"/>
+          <p:cNvSpPr>
+            <a:spLocks noGrp="1"/>
+          </p:cNvSpPr>
+          <p:nvPr>
+            <p:ph type="body" idx="1"/>
+          </p:nvPr>
+        </p:nvSpPr>
+        <p:spPr/>
+        <p:txBody>
+          <a:bodyPr/>
+          <a:lstStyle/>
+          <a:p>
+            <a:endParaRPr lang="pl-PL"/>
+          </a:p>
+        </p:txBody>
+      </p:sp>
+      <p:sp>
+        <p:nvSpPr>
+          <p:cNvPr id="4" name="Symbol zastępczy numeru slajdu 3"/>
+          <p:cNvSpPr>
+            <a:spLocks noGrp="1"/>
+          </p:cNvSpPr>
+          <p:nvPr>
+            <p:ph type="sldNum" sz="quarter" idx="10"/>
+          </p:nvPr>
+        </p:nvSpPr>
+        <p:spPr/>
+        <p:txBody>
+          <a:bodyPr/>
+          <a:lstStyle/>
+          <a:p>
+            <a:fld id="{C7B87404-ADFE-4B48-97A5-00F9EDD3AA20}" type="slidenum">
+              <a:rPr lang="pl-PL" smtClean="0"/>
+              <a:t>8</a:t>
+            </a:fld>
+            <a:endParaRPr lang="pl-PL"/>
+          </a:p>
+        </p:txBody>
+      </p:sp>
+    </p:spTree>
+    <p:extLst>
+      <p:ext uri="{BB962C8B-B14F-4D97-AF65-F5344CB8AC3E}">
+        <p14:creationId xmlns:p14="http://schemas.microsoft.com/office/powerpoint/2010/main" val="2234845205"/>
+      </p:ext>
+    </p:extLst>
+  </p:cSld>
+  <p:clrMapOvr>
+    <a:masterClrMapping/>
+  </p:clrMapOvr>
+</p:notes>
+</file>
+
+<file path=ppt/notesSlides/notesSlide9.xml><?xml version="1.0" encoding="utf-8"?>
+<p:notes xmlns:a="http://schemas.openxmlformats.org/drawingml/2006/main" xmlns:r="http://schemas.openxmlformats.org/officeDocument/2006/relationships" xmlns:p="http://schemas.openxmlformats.org/presentationml/2006/main">
+  <p:cSld>
+    <p:spTree>
+      <p:nvGrpSpPr>
+        <p:cNvPr id="1" name=""/>
+        <p:cNvGrpSpPr/>
+        <p:nvPr/>
+      </p:nvGrpSpPr>
+      <p:grpSpPr>
+        <a:xfrm>
+          <a:off x="0" y="0"/>
+          <a:ext cx="0" cy="0"/>
+          <a:chOff x="0" y="0"/>
+          <a:chExt cx="0" cy="0"/>
+        </a:xfrm>
+      </p:grpSpPr>
+      <p:sp>
+        <p:nvSpPr>
+          <p:cNvPr id="2" name="Symbol zastępczy obrazu slajdu 1"/>
+          <p:cNvSpPr>
+            <a:spLocks noGrp="1" noRot="1" noChangeAspect="1"/>
+          </p:cNvSpPr>
+          <p:nvPr>
+            <p:ph type="sldImg"/>
+          </p:nvPr>
+        </p:nvSpPr>
+        <p:spPr/>
+      </p:sp>
+      <p:sp>
+        <p:nvSpPr>
+          <p:cNvPr id="3" name="Symbol zastępczy notatek 2"/>
+          <p:cNvSpPr>
+            <a:spLocks noGrp="1"/>
+          </p:cNvSpPr>
+          <p:nvPr>
+            <p:ph type="body" idx="1"/>
+          </p:nvPr>
+        </p:nvSpPr>
+        <p:spPr/>
+        <p:txBody>
+          <a:bodyPr/>
+          <a:lstStyle/>
+          <a:p>
+            <a:endParaRPr lang="pl-PL"/>
+          </a:p>
+        </p:txBody>
+      </p:sp>
+      <p:sp>
+        <p:nvSpPr>
+          <p:cNvPr id="4" name="Symbol zastępczy numeru slajdu 3"/>
+          <p:cNvSpPr>
+            <a:spLocks noGrp="1"/>
+          </p:cNvSpPr>
+          <p:nvPr>
+            <p:ph type="sldNum" sz="quarter" idx="10"/>
+          </p:nvPr>
+        </p:nvSpPr>
+        <p:spPr/>
+        <p:txBody>
+          <a:bodyPr/>
+          <a:lstStyle/>
+          <a:p>
+            <a:fld id="{C7B87404-ADFE-4B48-97A5-00F9EDD3AA20}" type="slidenum">
+              <a:rPr lang="pl-PL" smtClean="0"/>
+              <a:t>9</a:t>
+            </a:fld>
+            <a:endParaRPr lang="pl-PL"/>
+          </a:p>
+        </p:txBody>
+      </p:sp>
+    </p:spTree>
+    <p:extLst>
+      <p:ext uri="{BB962C8B-B14F-4D97-AF65-F5344CB8AC3E}">
+        <p14:creationId xmlns:p14="http://schemas.microsoft.com/office/powerpoint/2010/main" val="3526290230"/>
+      </p:ext>
+    </p:extLst>
+  </p:cSld>
+  <p:clrMapOvr>
+    <a:masterClrMapping/>
+  </p:clrMapOvr>
+</p:notes>
+</file>
+
 <file path=ppt/slideLayouts/slideLayout1.xml><?xml version="1.0" encoding="utf-8"?>
 <p:sldLayout xmlns:a="http://schemas.openxmlformats.org/drawingml/2006/main" xmlns:r="http://schemas.openxmlformats.org/officeDocument/2006/relationships" xmlns:p="http://schemas.openxmlformats.org/presentationml/2006/main" type="title" preserve="1">
   <p:cSld name="Slajd tytułowy">
@@ -371,7 +2412,7 @@
           <a:p>
             <a:fld id="{54187E25-B117-416D-8A32-FE022F1E280E}" type="datetimeFigureOut">
               <a:rPr lang="pl-PL" smtClean="0"/>
-              <a:t>25.06.2017</a:t>
+              <a:t>26.06.2017</a:t>
             </a:fld>
             <a:endParaRPr lang="pl-PL"/>
           </a:p>
@@ -633,7 +2674,7 @@
           <a:p>
             <a:fld id="{54187E25-B117-416D-8A32-FE022F1E280E}" type="datetimeFigureOut">
               <a:rPr lang="pl-PL" smtClean="0"/>
-              <a:t>25.06.2017</a:t>
+              <a:t>26.06.2017</a:t>
             </a:fld>
             <a:endParaRPr lang="pl-PL"/>
           </a:p>
@@ -868,7 +2909,7 @@
           <a:p>
             <a:fld id="{54187E25-B117-416D-8A32-FE022F1E280E}" type="datetimeFigureOut">
               <a:rPr lang="pl-PL" smtClean="0"/>
-              <a:t>25.06.2017</a:t>
+              <a:t>26.06.2017</a:t>
             </a:fld>
             <a:endParaRPr lang="pl-PL"/>
           </a:p>
@@ -1108,7 +3149,7 @@
           <a:p>
             <a:fld id="{54187E25-B117-416D-8A32-FE022F1E280E}" type="datetimeFigureOut">
               <a:rPr lang="pl-PL" smtClean="0"/>
-              <a:t>25.06.2017</a:t>
+              <a:t>26.06.2017</a:t>
             </a:fld>
             <a:endParaRPr lang="pl-PL"/>
           </a:p>
@@ -1415,7 +3456,7 @@
           <a:p>
             <a:fld id="{54187E25-B117-416D-8A32-FE022F1E280E}" type="datetimeFigureOut">
               <a:rPr lang="pl-PL" smtClean="0"/>
-              <a:t>25.06.2017</a:t>
+              <a:t>26.06.2017</a:t>
             </a:fld>
             <a:endParaRPr lang="pl-PL"/>
           </a:p>
@@ -1717,7 +3758,7 @@
           <a:p>
             <a:fld id="{54187E25-B117-416D-8A32-FE022F1E280E}" type="datetimeFigureOut">
               <a:rPr lang="pl-PL" smtClean="0"/>
-              <a:t>25.06.2017</a:t>
+              <a:t>26.06.2017</a:t>
             </a:fld>
             <a:endParaRPr lang="pl-PL"/>
           </a:p>
@@ -2139,7 +4180,7 @@
           <a:p>
             <a:fld id="{54187E25-B117-416D-8A32-FE022F1E280E}" type="datetimeFigureOut">
               <a:rPr lang="pl-PL" smtClean="0"/>
-              <a:t>25.06.2017</a:t>
+              <a:t>26.06.2017</a:t>
             </a:fld>
             <a:endParaRPr lang="pl-PL"/>
           </a:p>
@@ -2234,7 +4275,7 @@
           <a:p>
             <a:fld id="{54187E25-B117-416D-8A32-FE022F1E280E}" type="datetimeFigureOut">
               <a:rPr lang="pl-PL" smtClean="0"/>
-              <a:t>25.06.2017</a:t>
+              <a:t>26.06.2017</a:t>
             </a:fld>
             <a:endParaRPr lang="pl-PL"/>
           </a:p>
@@ -2396,7 +4437,7 @@
           <a:p>
             <a:fld id="{54187E25-B117-416D-8A32-FE022F1E280E}" type="datetimeFigureOut">
               <a:rPr lang="pl-PL" smtClean="0"/>
-              <a:t>25.06.2017</a:t>
+              <a:t>26.06.2017</a:t>
             </a:fld>
             <a:endParaRPr lang="pl-PL"/>
           </a:p>
@@ -2774,7 +4815,7 @@
           <a:p>
             <a:fld id="{54187E25-B117-416D-8A32-FE022F1E280E}" type="datetimeFigureOut">
               <a:rPr lang="pl-PL" smtClean="0"/>
-              <a:t>25.06.2017</a:t>
+              <a:t>26.06.2017</a:t>
             </a:fld>
             <a:endParaRPr lang="pl-PL"/>
           </a:p>
@@ -3063,7 +5104,7 @@
           <a:p>
             <a:fld id="{54187E25-B117-416D-8A32-FE022F1E280E}" type="datetimeFigureOut">
               <a:rPr lang="pl-PL" smtClean="0"/>
-              <a:t>25.06.2017</a:t>
+              <a:t>26.06.2017</a:t>
             </a:fld>
             <a:endParaRPr lang="pl-PL"/>
           </a:p>
@@ -3274,7 +5315,7 @@
           <a:p>
             <a:fld id="{54187E25-B117-416D-8A32-FE022F1E280E}" type="datetimeFigureOut">
               <a:rPr lang="pl-PL" smtClean="0"/>
-              <a:t>25.06.2017</a:t>
+              <a:t>26.06.2017</a:t>
             </a:fld>
             <a:endParaRPr lang="pl-PL"/>
           </a:p>
@@ -4579,14 +6620,14 @@
               </a:rPr>
               <a:t>Moq</a:t>
             </a:r>
-            <a:endParaRPr lang="pl-PL" sz="3200" dirty="0">
-              <a:solidFill>
-                <a:schemeClr val="tx1"/>
-              </a:solidFill>
-            </a:endParaRPr>
-          </a:p>
-          <a:p>
-            <a:pPr fontAlgn="ctr"/>
+            <a:r>
+              <a:rPr lang="pl-PL" sz="3200" dirty="0">
+                <a:solidFill>
+                  <a:schemeClr val="tx1"/>
+                </a:solidFill>
+              </a:rPr>
+              <a:t> / </a:t>
+            </a:r>
             <a:r>
               <a:rPr lang="pl-PL" sz="3200" dirty="0" err="1">
                 <a:solidFill>
@@ -4664,7 +6705,7 @@
           <p:cNvPr id="2" name="Tytuł 1">
             <a:extLst>
               <a:ext uri="{FF2B5EF4-FFF2-40B4-BE49-F238E27FC236}">
-                <a16:creationId xmlns:a16="http://schemas.microsoft.com/office/drawing/2014/main" id="{970CB31F-FEF9-4639-AC4D-5CA4E95DFA84}"/>
+                <a16:creationId xmlns:a16="http://schemas.microsoft.com/office/drawing/2014/main" id="{97EEBC33-F476-4CAA-BE80-AE0D3B9EF768}"/>
               </a:ext>
             </a:extLst>
           </p:cNvPr>
@@ -4677,16 +6718,15 @@
         </p:nvSpPr>
         <p:spPr/>
         <p:txBody>
-          <a:bodyPr>
-            <a:normAutofit/>
-          </a:bodyPr>
+          <a:bodyPr/>
           <a:lstStyle/>
           <a:p>
             <a:pPr algn="ctr"/>
             <a:r>
-              <a:rPr lang="pl-PL" sz="4400" dirty="0"/>
-              <a:t>Dobre praktyki</a:t>
-            </a:r>
+              <a:rPr lang="pl-PL" dirty="0" err="1"/>
+              <a:t>Moq</a:t>
+            </a:r>
+            <a:endParaRPr lang="pl-PL" dirty="0"/>
           </a:p>
         </p:txBody>
       </p:sp>
@@ -4695,7 +6735,7 @@
           <p:cNvPr id="3" name="Symbol zastępczy zawartości 2">
             <a:extLst>
               <a:ext uri="{FF2B5EF4-FFF2-40B4-BE49-F238E27FC236}">
-                <a16:creationId xmlns:a16="http://schemas.microsoft.com/office/drawing/2014/main" id="{2A888229-506E-4FFF-B857-515AC31E5DD0}"/>
+                <a16:creationId xmlns:a16="http://schemas.microsoft.com/office/drawing/2014/main" id="{00681E0D-570B-4872-8B28-90972EE357E7}"/>
               </a:ext>
             </a:extLst>
           </p:cNvPr>
@@ -4708,48 +6748,268 @@
         </p:nvSpPr>
         <p:spPr/>
         <p:txBody>
-          <a:bodyPr/>
-          <a:lstStyle/>
-          <a:p>
-            <a:r>
-              <a:rPr lang="pl-PL" sz="3200" dirty="0">
-                <a:solidFill>
-                  <a:schemeClr val="tx1"/>
-                </a:solidFill>
-              </a:rPr>
-              <a:t>Nazewnictwo</a:t>
-            </a:r>
-          </a:p>
-          <a:p>
-            <a:r>
-              <a:rPr lang="pl-PL" sz="3200" dirty="0">
-                <a:solidFill>
-                  <a:schemeClr val="tx1"/>
-                </a:solidFill>
-              </a:rPr>
-              <a:t>Podział na klasy</a:t>
-            </a:r>
-          </a:p>
-          <a:p>
-            <a:endParaRPr lang="pl-PL" dirty="0">
-              <a:solidFill>
-                <a:schemeClr val="tx1"/>
-              </a:solidFill>
-            </a:endParaRPr>
-          </a:p>
-          <a:p>
-            <a:endParaRPr lang="pl-PL" dirty="0">
-              <a:solidFill>
-                <a:schemeClr val="tx1"/>
-              </a:solidFill>
-            </a:endParaRPr>
+          <a:bodyPr anchor="t">
+            <a:normAutofit fontScale="92500" lnSpcReduction="10000"/>
+          </a:bodyPr>
+          <a:lstStyle/>
+          <a:p>
+            <a:pPr marL="0" indent="0">
+              <a:buNone/>
+            </a:pPr>
+            <a:r>
+              <a:rPr lang="pl-PL" dirty="0"/>
+              <a:t> </a:t>
+            </a:r>
+            <a:r>
+              <a:rPr lang="pl-PL" dirty="0" err="1"/>
+              <a:t>var</a:t>
+            </a:r>
+            <a:r>
+              <a:rPr lang="pl-PL" dirty="0"/>
+              <a:t> </a:t>
+            </a:r>
+            <a:r>
+              <a:rPr lang="pl-PL" dirty="0" err="1"/>
+              <a:t>mock</a:t>
+            </a:r>
+            <a:r>
+              <a:rPr lang="pl-PL" dirty="0"/>
+              <a:t> = </a:t>
+            </a:r>
+            <a:r>
+              <a:rPr lang="pl-PL" dirty="0" err="1"/>
+              <a:t>new</a:t>
+            </a:r>
+            <a:r>
+              <a:rPr lang="pl-PL" dirty="0"/>
+              <a:t> </a:t>
+            </a:r>
+            <a:r>
+              <a:rPr lang="pl-PL" dirty="0" err="1"/>
+              <a:t>Mock</a:t>
+            </a:r>
+            <a:r>
+              <a:rPr lang="pl-PL" dirty="0"/>
+              <a:t>&lt;</a:t>
+            </a:r>
+            <a:r>
+              <a:rPr lang="pl-PL" dirty="0" err="1"/>
+              <a:t>IInvoiceRepository</a:t>
+            </a:r>
+            <a:r>
+              <a:rPr lang="pl-PL" dirty="0"/>
+              <a:t>&gt;();</a:t>
+            </a:r>
+          </a:p>
+          <a:p>
+            <a:pPr marL="0" indent="0">
+              <a:buNone/>
+            </a:pPr>
+            <a:r>
+              <a:rPr lang="pl-PL" dirty="0"/>
+              <a:t>      </a:t>
+            </a:r>
+            <a:r>
+              <a:rPr lang="pl-PL" dirty="0" err="1"/>
+              <a:t>mock.Setup</a:t>
+            </a:r>
+            <a:r>
+              <a:rPr lang="pl-PL" dirty="0"/>
+              <a:t>(x =&gt; </a:t>
+            </a:r>
+            <a:r>
+              <a:rPr lang="pl-PL" dirty="0" err="1"/>
+              <a:t>x.GetAll</a:t>
+            </a:r>
+            <a:r>
+              <a:rPr lang="pl-PL" dirty="0"/>
+              <a:t>()).</a:t>
+            </a:r>
+            <a:r>
+              <a:rPr lang="pl-PL" dirty="0" err="1"/>
+              <a:t>Returns</a:t>
+            </a:r>
+            <a:r>
+              <a:rPr lang="pl-PL" dirty="0"/>
+              <a:t>(</a:t>
+            </a:r>
+            <a:r>
+              <a:rPr lang="pl-PL" dirty="0" err="1"/>
+              <a:t>new</a:t>
+            </a:r>
+            <a:r>
+              <a:rPr lang="pl-PL" dirty="0"/>
+              <a:t>[]</a:t>
+            </a:r>
+          </a:p>
+          <a:p>
+            <a:pPr marL="0" indent="0">
+              <a:buNone/>
+            </a:pPr>
+            <a:r>
+              <a:rPr lang="pl-PL" dirty="0"/>
+              <a:t>        {</a:t>
+            </a:r>
+          </a:p>
+          <a:p>
+            <a:pPr marL="0" indent="0">
+              <a:buNone/>
+            </a:pPr>
+            <a:r>
+              <a:rPr lang="pl-PL" dirty="0"/>
+              <a:t>          </a:t>
+            </a:r>
+            <a:r>
+              <a:rPr lang="pl-PL" dirty="0" err="1"/>
+              <a:t>new</a:t>
+            </a:r>
+            <a:r>
+              <a:rPr lang="pl-PL" dirty="0"/>
+              <a:t> </a:t>
+            </a:r>
+            <a:r>
+              <a:rPr lang="pl-PL" dirty="0" err="1"/>
+              <a:t>Invoice</a:t>
+            </a:r>
+            <a:r>
+              <a:rPr lang="pl-PL" dirty="0"/>
+              <a:t>() {Id = 1, </a:t>
+            </a:r>
+            <a:r>
+              <a:rPr lang="pl-PL" dirty="0" err="1"/>
+              <a:t>InvoiceNumber</a:t>
+            </a:r>
+            <a:r>
+              <a:rPr lang="pl-PL" dirty="0"/>
+              <a:t> = "FV/01/2017"}, </a:t>
+            </a:r>
+            <a:r>
+              <a:rPr lang="pl-PL" dirty="0" err="1"/>
+              <a:t>new</a:t>
+            </a:r>
+            <a:r>
+              <a:rPr lang="pl-PL" dirty="0"/>
+              <a:t> </a:t>
+            </a:r>
+            <a:r>
+              <a:rPr lang="pl-PL" dirty="0" err="1"/>
+              <a:t>Invoice</a:t>
+            </a:r>
+            <a:r>
+              <a:rPr lang="pl-PL" dirty="0"/>
+              <a:t>() {Id = 2, </a:t>
+            </a:r>
+            <a:r>
+              <a:rPr lang="pl-PL" dirty="0" err="1"/>
+              <a:t>InvoiceNumber</a:t>
+            </a:r>
+            <a:r>
+              <a:rPr lang="pl-PL" dirty="0"/>
+              <a:t> = "FV/02/2017"},</a:t>
+            </a:r>
+          </a:p>
+          <a:p>
+            <a:pPr marL="0" indent="0">
+              <a:buNone/>
+            </a:pPr>
+            <a:r>
+              <a:rPr lang="pl-PL" dirty="0"/>
+              <a:t>        })</a:t>
+            </a:r>
+          </a:p>
+          <a:p>
+            <a:pPr marL="0" indent="0">
+              <a:buNone/>
+            </a:pPr>
+            <a:r>
+              <a:rPr lang="pl-PL" dirty="0"/>
+              <a:t>        .</a:t>
+            </a:r>
+            <a:r>
+              <a:rPr lang="pl-PL" dirty="0" err="1"/>
+              <a:t>Verifiable</a:t>
+            </a:r>
+            <a:r>
+              <a:rPr lang="pl-PL" dirty="0"/>
+              <a:t>();</a:t>
+            </a:r>
+          </a:p>
+          <a:p>
+            <a:pPr marL="0" indent="0">
+              <a:buNone/>
+            </a:pPr>
+            <a:endParaRPr lang="pl-PL" dirty="0"/>
+          </a:p>
+          <a:p>
+            <a:pPr marL="0" indent="0">
+              <a:buNone/>
+            </a:pPr>
+            <a:r>
+              <a:rPr lang="pl-PL" dirty="0"/>
+              <a:t>      </a:t>
+            </a:r>
+            <a:r>
+              <a:rPr lang="pl-PL" dirty="0" err="1"/>
+              <a:t>Assert.That</a:t>
+            </a:r>
+            <a:r>
+              <a:rPr lang="pl-PL" dirty="0"/>
+              <a:t>(</a:t>
+            </a:r>
+            <a:r>
+              <a:rPr lang="pl-PL" dirty="0" err="1"/>
+              <a:t>mock.Object.GetAll</a:t>
+            </a:r>
+            <a:r>
+              <a:rPr lang="pl-PL" dirty="0"/>
+              <a:t>().</a:t>
+            </a:r>
+            <a:r>
+              <a:rPr lang="pl-PL" dirty="0" err="1"/>
+              <a:t>Count</a:t>
+            </a:r>
+            <a:r>
+              <a:rPr lang="pl-PL" dirty="0"/>
+              <a:t>(), </a:t>
+            </a:r>
+            <a:r>
+              <a:rPr lang="pl-PL" dirty="0" err="1"/>
+              <a:t>Is.EqualTo</a:t>
+            </a:r>
+            <a:r>
+              <a:rPr lang="pl-PL" dirty="0"/>
+              <a:t>(2));</a:t>
+            </a:r>
+          </a:p>
+          <a:p>
+            <a:pPr marL="0" indent="0">
+              <a:buNone/>
+            </a:pPr>
+            <a:endParaRPr lang="pl-PL" dirty="0"/>
+          </a:p>
+          <a:p>
+            <a:pPr marL="0" indent="0">
+              <a:buNone/>
+            </a:pPr>
+            <a:r>
+              <a:rPr lang="pl-PL" dirty="0"/>
+              <a:t>      </a:t>
+            </a:r>
+            <a:r>
+              <a:rPr lang="pl-PL" dirty="0" err="1"/>
+              <a:t>mock.Verify</a:t>
+            </a:r>
+            <a:r>
+              <a:rPr lang="pl-PL" dirty="0"/>
+              <a:t>();</a:t>
+            </a:r>
           </a:p>
         </p:txBody>
       </p:sp>
     </p:spTree>
     <p:extLst>
       <p:ext uri="{BB962C8B-B14F-4D97-AF65-F5344CB8AC3E}">
-        <p14:creationId xmlns:p14="http://schemas.microsoft.com/office/powerpoint/2010/main" val="2377181720"/>
+        <p14:creationId xmlns:p14="http://schemas.microsoft.com/office/powerpoint/2010/main" val="634370889"/>
       </p:ext>
     </p:extLst>
   </p:cSld>
@@ -4781,7 +7041,7 @@
           <p:cNvPr id="2" name="Tytuł 1">
             <a:extLst>
               <a:ext uri="{FF2B5EF4-FFF2-40B4-BE49-F238E27FC236}">
-                <a16:creationId xmlns:a16="http://schemas.microsoft.com/office/drawing/2014/main" id="{32F114C4-5237-4EFD-BF4D-E7C9058A99A3}"/>
+                <a16:creationId xmlns:a16="http://schemas.microsoft.com/office/drawing/2014/main" id="{97EEBC33-F476-4CAA-BE80-AE0D3B9EF768}"/>
               </a:ext>
             </a:extLst>
           </p:cNvPr>
@@ -4794,16 +7054,15 @@
         </p:nvSpPr>
         <p:spPr/>
         <p:txBody>
-          <a:bodyPr>
-            <a:normAutofit/>
-          </a:bodyPr>
+          <a:bodyPr/>
           <a:lstStyle/>
           <a:p>
             <a:pPr algn="ctr"/>
             <a:r>
-              <a:rPr lang="pl-PL" sz="4400" dirty="0"/>
-              <a:t>Kiedy pisać testy jednostkowe</a:t>
-            </a:r>
+              <a:rPr lang="pl-PL" dirty="0" err="1"/>
+              <a:t>Shouldly</a:t>
+            </a:r>
+            <a:endParaRPr lang="pl-PL" dirty="0"/>
           </a:p>
         </p:txBody>
       </p:sp>
@@ -4812,7 +7071,7 @@
           <p:cNvPr id="3" name="Symbol zastępczy zawartości 2">
             <a:extLst>
               <a:ext uri="{FF2B5EF4-FFF2-40B4-BE49-F238E27FC236}">
-                <a16:creationId xmlns:a16="http://schemas.microsoft.com/office/drawing/2014/main" id="{7E313087-0B09-4CF6-AA8E-E917DD2C5751}"/>
+                <a16:creationId xmlns:a16="http://schemas.microsoft.com/office/drawing/2014/main" id="{00681E0D-570B-4872-8B28-90972EE357E7}"/>
               </a:ext>
             </a:extLst>
           </p:cNvPr>
@@ -4825,36 +7084,160 @@
         </p:nvSpPr>
         <p:spPr/>
         <p:txBody>
-          <a:bodyPr/>
-          <a:lstStyle/>
-          <a:p>
-            <a:pPr marL="0" indent="0" algn="ctr">
+          <a:bodyPr anchor="t">
+            <a:normAutofit/>
+          </a:bodyPr>
+          <a:lstStyle/>
+          <a:p>
+            <a:pPr marL="0" indent="0">
               <a:buNone/>
             </a:pPr>
-            <a:endParaRPr lang="pl-PL" sz="3600" dirty="0"/>
-          </a:p>
-          <a:p>
-            <a:pPr marL="0" indent="0" algn="ctr">
+            <a:r>
+              <a:rPr lang="pl-PL" dirty="0"/>
+              <a:t>      </a:t>
+            </a:r>
+            <a:r>
+              <a:rPr lang="pl-PL" dirty="0" err="1"/>
+              <a:t>var</a:t>
+            </a:r>
+            <a:r>
+              <a:rPr lang="pl-PL" dirty="0"/>
+              <a:t> a = 1 * 3;</a:t>
+            </a:r>
+          </a:p>
+          <a:p>
+            <a:pPr marL="0" indent="0">
               <a:buNone/>
             </a:pPr>
             <a:r>
-              <a:rPr lang="pl-PL" sz="8800" dirty="0">
-                <a:solidFill>
-                  <a:schemeClr val="tx1"/>
-                </a:solidFill>
-              </a:rPr>
-              <a:t>zawsze!</a:t>
-            </a:r>
-          </a:p>
-          <a:p>
+              <a:rPr lang="pl-PL" dirty="0"/>
+              <a:t>      </a:t>
+            </a:r>
+            <a:r>
+              <a:rPr lang="pl-PL" dirty="0" err="1"/>
+              <a:t>var</a:t>
+            </a:r>
+            <a:r>
+              <a:rPr lang="pl-PL" dirty="0"/>
+              <a:t> b = 9/3;</a:t>
+            </a:r>
+          </a:p>
+          <a:p>
+            <a:pPr marL="0" indent="0">
+              <a:buNone/>
+            </a:pPr>
             <a:endParaRPr lang="pl-PL" dirty="0"/>
+          </a:p>
+          <a:p>
+            <a:pPr marL="0" indent="0">
+              <a:buNone/>
+            </a:pPr>
+            <a:r>
+              <a:rPr lang="pl-PL" dirty="0"/>
+              <a:t>      </a:t>
+            </a:r>
+            <a:r>
+              <a:rPr lang="pl-PL" dirty="0" err="1"/>
+              <a:t>var</a:t>
+            </a:r>
+            <a:r>
+              <a:rPr lang="pl-PL" dirty="0"/>
+              <a:t> </a:t>
+            </a:r>
+            <a:r>
+              <a:rPr lang="pl-PL" dirty="0" err="1"/>
+              <a:t>value</a:t>
+            </a:r>
+            <a:r>
+              <a:rPr lang="pl-PL" dirty="0"/>
+              <a:t> = a == b;</a:t>
+            </a:r>
+          </a:p>
+          <a:p>
+            <a:pPr marL="0" indent="0">
+              <a:buNone/>
+            </a:pPr>
+            <a:endParaRPr lang="pl-PL" dirty="0"/>
+          </a:p>
+          <a:p>
+            <a:pPr marL="0" indent="0">
+              <a:buNone/>
+            </a:pPr>
+            <a:r>
+              <a:rPr lang="pl-PL" dirty="0"/>
+              <a:t>      </a:t>
+            </a:r>
+            <a:r>
+              <a:rPr lang="pl-PL" dirty="0" err="1"/>
+              <a:t>value.ShouldBe</a:t>
+            </a:r>
+            <a:r>
+              <a:rPr lang="pl-PL" dirty="0"/>
+              <a:t>(</a:t>
+            </a:r>
+            <a:r>
+              <a:rPr lang="pl-PL" dirty="0" err="1"/>
+              <a:t>true</a:t>
+            </a:r>
+            <a:r>
+              <a:rPr lang="pl-PL" dirty="0"/>
+              <a:t>);</a:t>
+            </a:r>
+          </a:p>
+          <a:p>
+            <a:pPr marL="0" indent="0">
+              <a:buNone/>
+            </a:pPr>
+            <a:r>
+              <a:rPr lang="en-US" dirty="0"/>
+              <a:t>      Action </a:t>
+            </a:r>
+            <a:r>
+              <a:rPr lang="en-US" dirty="0" err="1"/>
+              <a:t>action</a:t>
+            </a:r>
+            <a:r>
+              <a:rPr lang="en-US" dirty="0"/>
+              <a:t> = () =&gt; { throw new Exception();};</a:t>
+            </a:r>
+          </a:p>
+          <a:p>
+            <a:pPr marL="0" indent="0">
+              <a:buNone/>
+            </a:pPr>
+            <a:endParaRPr lang="pl-PL" dirty="0"/>
+          </a:p>
+          <a:p>
+            <a:pPr marL="0" indent="0">
+              <a:buNone/>
+            </a:pPr>
+            <a:r>
+              <a:rPr lang="pl-PL" dirty="0"/>
+              <a:t>      </a:t>
+            </a:r>
+            <a:r>
+              <a:rPr lang="pl-PL" dirty="0" err="1"/>
+              <a:t>action.ShouldThrow</a:t>
+            </a:r>
+            <a:r>
+              <a:rPr lang="pl-PL" dirty="0"/>
+              <a:t>&lt;</a:t>
+            </a:r>
+            <a:r>
+              <a:rPr lang="pl-PL" dirty="0" err="1"/>
+              <a:t>Exception</a:t>
+            </a:r>
+            <a:r>
+              <a:rPr lang="pl-PL" dirty="0"/>
+              <a:t>&gt;();</a:t>
+            </a:r>
           </a:p>
         </p:txBody>
       </p:sp>
     </p:spTree>
     <p:extLst>
       <p:ext uri="{BB962C8B-B14F-4D97-AF65-F5344CB8AC3E}">
-        <p14:creationId xmlns:p14="http://schemas.microsoft.com/office/powerpoint/2010/main" val="134294524"/>
+        <p14:creationId xmlns:p14="http://schemas.microsoft.com/office/powerpoint/2010/main" val="897431209"/>
       </p:ext>
     </p:extLst>
   </p:cSld>
@@ -4886,6 +7269,696 @@
           <p:cNvPr id="2" name="Tytuł 1">
             <a:extLst>
               <a:ext uri="{FF2B5EF4-FFF2-40B4-BE49-F238E27FC236}">
+                <a16:creationId xmlns:a16="http://schemas.microsoft.com/office/drawing/2014/main" id="{970CB31F-FEF9-4639-AC4D-5CA4E95DFA84}"/>
+              </a:ext>
+            </a:extLst>
+          </p:cNvPr>
+          <p:cNvSpPr>
+            <a:spLocks noGrp="1"/>
+          </p:cNvSpPr>
+          <p:nvPr>
+            <p:ph type="title"/>
+          </p:nvPr>
+        </p:nvSpPr>
+        <p:spPr/>
+        <p:txBody>
+          <a:bodyPr>
+            <a:normAutofit/>
+          </a:bodyPr>
+          <a:lstStyle/>
+          <a:p>
+            <a:pPr algn="ctr"/>
+            <a:r>
+              <a:rPr lang="pl-PL" sz="4400" dirty="0"/>
+              <a:t>Dobre praktyki</a:t>
+            </a:r>
+          </a:p>
+        </p:txBody>
+      </p:sp>
+      <p:sp>
+        <p:nvSpPr>
+          <p:cNvPr id="3" name="Symbol zastępczy zawartości 2">
+            <a:extLst>
+              <a:ext uri="{FF2B5EF4-FFF2-40B4-BE49-F238E27FC236}">
+                <a16:creationId xmlns:a16="http://schemas.microsoft.com/office/drawing/2014/main" id="{2A888229-506E-4FFF-B857-515AC31E5DD0}"/>
+              </a:ext>
+            </a:extLst>
+          </p:cNvPr>
+          <p:cNvSpPr>
+            <a:spLocks noGrp="1"/>
+          </p:cNvSpPr>
+          <p:nvPr>
+            <p:ph idx="1"/>
+          </p:nvPr>
+        </p:nvSpPr>
+        <p:spPr/>
+        <p:txBody>
+          <a:bodyPr/>
+          <a:lstStyle/>
+          <a:p>
+            <a:r>
+              <a:rPr lang="pl-PL" sz="3200" dirty="0">
+                <a:solidFill>
+                  <a:schemeClr val="tx1"/>
+                </a:solidFill>
+              </a:rPr>
+              <a:t>Nazewnictwo</a:t>
+            </a:r>
+          </a:p>
+          <a:p>
+            <a:r>
+              <a:rPr lang="pl-PL" sz="3200" dirty="0">
+                <a:solidFill>
+                  <a:schemeClr val="tx1"/>
+                </a:solidFill>
+              </a:rPr>
+              <a:t>Podział </a:t>
+            </a:r>
+            <a:r>
+              <a:rPr lang="pl-PL" sz="3200">
+                <a:solidFill>
+                  <a:schemeClr val="tx1"/>
+                </a:solidFill>
+              </a:rPr>
+              <a:t>na obiekty</a:t>
+            </a:r>
+            <a:endParaRPr lang="pl-PL" sz="3200" dirty="0">
+              <a:solidFill>
+                <a:schemeClr val="tx1"/>
+              </a:solidFill>
+            </a:endParaRPr>
+          </a:p>
+          <a:p>
+            <a:r>
+              <a:rPr lang="pl-PL" sz="3200" dirty="0">
+                <a:solidFill>
+                  <a:schemeClr val="tx1"/>
+                </a:solidFill>
+              </a:rPr>
+              <a:t>AAA/GWT</a:t>
+            </a:r>
+          </a:p>
+          <a:p>
+            <a:endParaRPr lang="pl-PL" dirty="0">
+              <a:solidFill>
+                <a:schemeClr val="tx1"/>
+              </a:solidFill>
+            </a:endParaRPr>
+          </a:p>
+          <a:p>
+            <a:endParaRPr lang="pl-PL" dirty="0">
+              <a:solidFill>
+                <a:schemeClr val="tx1"/>
+              </a:solidFill>
+            </a:endParaRPr>
+          </a:p>
+        </p:txBody>
+      </p:sp>
+    </p:spTree>
+    <p:extLst>
+      <p:ext uri="{BB962C8B-B14F-4D97-AF65-F5344CB8AC3E}">
+        <p14:creationId xmlns:p14="http://schemas.microsoft.com/office/powerpoint/2010/main" val="2377181720"/>
+      </p:ext>
+    </p:extLst>
+  </p:cSld>
+  <p:clrMapOvr>
+    <a:masterClrMapping/>
+  </p:clrMapOvr>
+</p:sld>
+</file>
+
+<file path=ppt/slides/slide16.xml><?xml version="1.0" encoding="utf-8"?>
+<p:sld xmlns:a="http://schemas.openxmlformats.org/drawingml/2006/main" xmlns:r="http://schemas.openxmlformats.org/officeDocument/2006/relationships" xmlns:p="http://schemas.openxmlformats.org/presentationml/2006/main">
+  <p:cSld>
+    <p:spTree>
+      <p:nvGrpSpPr>
+        <p:cNvPr id="1" name=""/>
+        <p:cNvGrpSpPr/>
+        <p:nvPr/>
+      </p:nvGrpSpPr>
+      <p:grpSpPr>
+        <a:xfrm>
+          <a:off x="0" y="0"/>
+          <a:ext cx="0" cy="0"/>
+          <a:chOff x="0" y="0"/>
+          <a:chExt cx="0" cy="0"/>
+        </a:xfrm>
+      </p:grpSpPr>
+      <p:sp>
+        <p:nvSpPr>
+          <p:cNvPr id="2" name="Tytuł 1">
+            <a:extLst>
+              <a:ext uri="{FF2B5EF4-FFF2-40B4-BE49-F238E27FC236}">
+                <a16:creationId xmlns:a16="http://schemas.microsoft.com/office/drawing/2014/main" id="{D34EEC07-67A6-462E-AB32-8D4D7C18EE50}"/>
+              </a:ext>
+            </a:extLst>
+          </p:cNvPr>
+          <p:cNvSpPr>
+            <a:spLocks noGrp="1"/>
+          </p:cNvSpPr>
+          <p:nvPr>
+            <p:ph type="title"/>
+          </p:nvPr>
+        </p:nvSpPr>
+        <p:spPr/>
+        <p:txBody>
+          <a:bodyPr/>
+          <a:lstStyle/>
+          <a:p>
+            <a:pPr algn="ctr"/>
+            <a:r>
+              <a:rPr lang="pl-PL" dirty="0"/>
+              <a:t>AAA/GWT</a:t>
+            </a:r>
+          </a:p>
+        </p:txBody>
+      </p:sp>
+      <p:sp>
+        <p:nvSpPr>
+          <p:cNvPr id="3" name="Symbol zastępczy zawartości 2">
+            <a:extLst>
+              <a:ext uri="{FF2B5EF4-FFF2-40B4-BE49-F238E27FC236}">
+                <a16:creationId xmlns:a16="http://schemas.microsoft.com/office/drawing/2014/main" id="{FE21FA29-87A5-4248-8579-0429EAE4E5D0}"/>
+              </a:ext>
+            </a:extLst>
+          </p:cNvPr>
+          <p:cNvSpPr>
+            <a:spLocks noGrp="1"/>
+          </p:cNvSpPr>
+          <p:nvPr>
+            <p:ph idx="1"/>
+          </p:nvPr>
+        </p:nvSpPr>
+        <p:spPr/>
+        <p:txBody>
+          <a:bodyPr anchor="t"/>
+          <a:lstStyle/>
+          <a:p>
+            <a:r>
+              <a:rPr lang="pl-PL" dirty="0"/>
+              <a:t>AAA</a:t>
+            </a:r>
+          </a:p>
+          <a:p>
+            <a:pPr lvl="1"/>
+            <a:r>
+              <a:rPr lang="pl-PL" dirty="0" err="1"/>
+              <a:t>Arrange</a:t>
+            </a:r>
+            <a:r>
+              <a:rPr lang="pl-PL" dirty="0"/>
+              <a:t>, </a:t>
+            </a:r>
+          </a:p>
+          <a:p>
+            <a:pPr lvl="1"/>
+            <a:r>
+              <a:rPr lang="pl-PL" dirty="0" err="1"/>
+              <a:t>Act</a:t>
+            </a:r>
+            <a:r>
+              <a:rPr lang="pl-PL" dirty="0"/>
+              <a:t>, </a:t>
+            </a:r>
+          </a:p>
+          <a:p>
+            <a:pPr lvl="1"/>
+            <a:r>
+              <a:rPr lang="pl-PL" dirty="0" err="1"/>
+              <a:t>Assert</a:t>
+            </a:r>
+            <a:endParaRPr lang="pl-PL" dirty="0"/>
+          </a:p>
+          <a:p>
+            <a:r>
+              <a:rPr lang="pl-PL" dirty="0"/>
+              <a:t>GWT </a:t>
+            </a:r>
+          </a:p>
+          <a:p>
+            <a:pPr lvl="1"/>
+            <a:r>
+              <a:rPr lang="pl-PL" dirty="0" err="1"/>
+              <a:t>Given</a:t>
+            </a:r>
+            <a:r>
+              <a:rPr lang="pl-PL" dirty="0"/>
+              <a:t> </a:t>
+            </a:r>
+          </a:p>
+          <a:p>
+            <a:pPr lvl="1"/>
+            <a:r>
+              <a:rPr lang="pl-PL" dirty="0" err="1"/>
+              <a:t>When</a:t>
+            </a:r>
+            <a:r>
+              <a:rPr lang="pl-PL" dirty="0"/>
+              <a:t> </a:t>
+            </a:r>
+          </a:p>
+          <a:p>
+            <a:pPr lvl="1"/>
+            <a:r>
+              <a:rPr lang="pl-PL" dirty="0"/>
+              <a:t>Then</a:t>
+            </a:r>
+          </a:p>
+        </p:txBody>
+      </p:sp>
+    </p:spTree>
+    <p:extLst>
+      <p:ext uri="{BB962C8B-B14F-4D97-AF65-F5344CB8AC3E}">
+        <p14:creationId xmlns:p14="http://schemas.microsoft.com/office/powerpoint/2010/main" val="724341989"/>
+      </p:ext>
+    </p:extLst>
+  </p:cSld>
+  <p:clrMapOvr>
+    <a:masterClrMapping/>
+  </p:clrMapOvr>
+</p:sld>
+</file>
+
+<file path=ppt/slides/slide17.xml><?xml version="1.0" encoding="utf-8"?>
+<p:sld xmlns:a="http://schemas.openxmlformats.org/drawingml/2006/main" xmlns:r="http://schemas.openxmlformats.org/officeDocument/2006/relationships" xmlns:p="http://schemas.openxmlformats.org/presentationml/2006/main">
+  <p:cSld>
+    <p:spTree>
+      <p:nvGrpSpPr>
+        <p:cNvPr id="1" name=""/>
+        <p:cNvGrpSpPr/>
+        <p:nvPr/>
+      </p:nvGrpSpPr>
+      <p:grpSpPr>
+        <a:xfrm>
+          <a:off x="0" y="0"/>
+          <a:ext cx="0" cy="0"/>
+          <a:chOff x="0" y="0"/>
+          <a:chExt cx="0" cy="0"/>
+        </a:xfrm>
+      </p:grpSpPr>
+      <p:sp>
+        <p:nvSpPr>
+          <p:cNvPr id="2" name="Tytuł 1">
+            <a:extLst>
+              <a:ext uri="{FF2B5EF4-FFF2-40B4-BE49-F238E27FC236}">
+                <a16:creationId xmlns:a16="http://schemas.microsoft.com/office/drawing/2014/main" id="{6907A675-BBFF-49F5-A87B-33713128512C}"/>
+              </a:ext>
+            </a:extLst>
+          </p:cNvPr>
+          <p:cNvSpPr>
+            <a:spLocks noGrp="1"/>
+          </p:cNvSpPr>
+          <p:nvPr>
+            <p:ph type="title"/>
+          </p:nvPr>
+        </p:nvSpPr>
+        <p:spPr/>
+        <p:txBody>
+          <a:bodyPr/>
+          <a:lstStyle/>
+          <a:p>
+            <a:pPr algn="ctr"/>
+            <a:r>
+              <a:rPr lang="pl-PL" dirty="0"/>
+              <a:t>Nazewnictwo</a:t>
+            </a:r>
+          </a:p>
+        </p:txBody>
+      </p:sp>
+      <p:sp>
+        <p:nvSpPr>
+          <p:cNvPr id="3" name="Symbol zastępczy zawartości 2">
+            <a:extLst>
+              <a:ext uri="{FF2B5EF4-FFF2-40B4-BE49-F238E27FC236}">
+                <a16:creationId xmlns:a16="http://schemas.microsoft.com/office/drawing/2014/main" id="{B4308AD1-49F1-4A96-8281-9F1DB2654796}"/>
+              </a:ext>
+            </a:extLst>
+          </p:cNvPr>
+          <p:cNvSpPr>
+            <a:spLocks noGrp="1"/>
+          </p:cNvSpPr>
+          <p:nvPr>
+            <p:ph idx="1"/>
+          </p:nvPr>
+        </p:nvSpPr>
+        <p:spPr/>
+        <p:txBody>
+          <a:bodyPr anchor="t"/>
+          <a:lstStyle/>
+          <a:p>
+            <a:r>
+              <a:rPr lang="pl-PL" strike="sngStrike" dirty="0"/>
+              <a:t>Test1()</a:t>
+            </a:r>
+          </a:p>
+          <a:p>
+            <a:r>
+              <a:rPr lang="pl-PL" strike="sngStrike" dirty="0"/>
+              <a:t>Test2()</a:t>
+            </a:r>
+          </a:p>
+          <a:p>
+            <a:r>
+              <a:rPr lang="pl-PL" strike="sngStrike" dirty="0" err="1"/>
+              <a:t>TestDodawaniaFaktury</a:t>
+            </a:r>
+            <a:endParaRPr lang="pl-PL" strike="sngStrike" dirty="0"/>
+          </a:p>
+          <a:p>
+            <a:endParaRPr lang="pl-PL" dirty="0"/>
+          </a:p>
+        </p:txBody>
+      </p:sp>
+    </p:spTree>
+    <p:extLst>
+      <p:ext uri="{BB962C8B-B14F-4D97-AF65-F5344CB8AC3E}">
+        <p14:creationId xmlns:p14="http://schemas.microsoft.com/office/powerpoint/2010/main" val="855337638"/>
+      </p:ext>
+    </p:extLst>
+  </p:cSld>
+  <p:clrMapOvr>
+    <a:masterClrMapping/>
+  </p:clrMapOvr>
+</p:sld>
+</file>
+
+<file path=ppt/slides/slide18.xml><?xml version="1.0" encoding="utf-8"?>
+<p:sld xmlns:a="http://schemas.openxmlformats.org/drawingml/2006/main" xmlns:r="http://schemas.openxmlformats.org/officeDocument/2006/relationships" xmlns:p="http://schemas.openxmlformats.org/presentationml/2006/main">
+  <p:cSld>
+    <p:spTree>
+      <p:nvGrpSpPr>
+        <p:cNvPr id="1" name=""/>
+        <p:cNvGrpSpPr/>
+        <p:nvPr/>
+      </p:nvGrpSpPr>
+      <p:grpSpPr>
+        <a:xfrm>
+          <a:off x="0" y="0"/>
+          <a:ext cx="0" cy="0"/>
+          <a:chOff x="0" y="0"/>
+          <a:chExt cx="0" cy="0"/>
+        </a:xfrm>
+      </p:grpSpPr>
+      <p:sp>
+        <p:nvSpPr>
+          <p:cNvPr id="2" name="Tytuł 1">
+            <a:extLst>
+              <a:ext uri="{FF2B5EF4-FFF2-40B4-BE49-F238E27FC236}">
+                <a16:creationId xmlns:a16="http://schemas.microsoft.com/office/drawing/2014/main" id="{280506CA-C1C9-4D15-847D-6E20886C902E}"/>
+              </a:ext>
+            </a:extLst>
+          </p:cNvPr>
+          <p:cNvSpPr>
+            <a:spLocks noGrp="1"/>
+          </p:cNvSpPr>
+          <p:nvPr>
+            <p:ph type="title"/>
+          </p:nvPr>
+        </p:nvSpPr>
+        <p:spPr/>
+        <p:txBody>
+          <a:bodyPr/>
+          <a:lstStyle/>
+          <a:p>
+            <a:pPr algn="ctr"/>
+            <a:r>
+              <a:rPr lang="pl-PL" dirty="0"/>
+              <a:t>Nazewnictwo</a:t>
+            </a:r>
+          </a:p>
+        </p:txBody>
+      </p:sp>
+      <p:sp>
+        <p:nvSpPr>
+          <p:cNvPr id="3" name="Symbol zastępczy zawartości 2">
+            <a:extLst>
+              <a:ext uri="{FF2B5EF4-FFF2-40B4-BE49-F238E27FC236}">
+                <a16:creationId xmlns:a16="http://schemas.microsoft.com/office/drawing/2014/main" id="{20B3FF83-FC9A-41B1-9C62-C7DF22465989}"/>
+              </a:ext>
+            </a:extLst>
+          </p:cNvPr>
+          <p:cNvSpPr>
+            <a:spLocks noGrp="1"/>
+          </p:cNvSpPr>
+          <p:nvPr>
+            <p:ph idx="1"/>
+          </p:nvPr>
+        </p:nvSpPr>
+        <p:spPr/>
+        <p:txBody>
+          <a:bodyPr anchor="t">
+            <a:normAutofit fontScale="47500" lnSpcReduction="20000"/>
+          </a:bodyPr>
+          <a:lstStyle/>
+          <a:p>
+            <a:r>
+              <a:rPr lang="pl-PL" sz="2900" dirty="0"/>
+              <a:t>musi nieść informację</a:t>
+            </a:r>
+          </a:p>
+          <a:p>
+            <a:endParaRPr lang="pl-PL" dirty="0"/>
+          </a:p>
+          <a:p>
+            <a:pPr marL="0" indent="0">
+              <a:lnSpc>
+                <a:spcPct val="120000"/>
+              </a:lnSpc>
+              <a:buNone/>
+            </a:pPr>
+            <a:r>
+              <a:rPr lang="pl-PL" dirty="0"/>
+              <a:t> [</a:t>
+            </a:r>
+            <a:r>
+              <a:rPr lang="pl-PL" dirty="0" err="1"/>
+              <a:t>TestFixture</a:t>
+            </a:r>
+            <a:r>
+              <a:rPr lang="pl-PL" dirty="0"/>
+              <a:t>]</a:t>
+            </a:r>
+          </a:p>
+          <a:p>
+            <a:pPr marL="0" indent="0">
+              <a:lnSpc>
+                <a:spcPct val="120000"/>
+              </a:lnSpc>
+              <a:buNone/>
+            </a:pPr>
+            <a:r>
+              <a:rPr lang="pl-PL" dirty="0"/>
+              <a:t>  public </a:t>
+            </a:r>
+            <a:r>
+              <a:rPr lang="pl-PL" dirty="0" err="1"/>
+              <a:t>class</a:t>
+            </a:r>
+            <a:r>
+              <a:rPr lang="pl-PL" dirty="0"/>
+              <a:t> </a:t>
+            </a:r>
+            <a:r>
+              <a:rPr lang="pl-PL" dirty="0" err="1"/>
+              <a:t>SuccessfulInvoiceAddTests</a:t>
+            </a:r>
+            <a:endParaRPr lang="pl-PL" dirty="0"/>
+          </a:p>
+          <a:p>
+            <a:pPr marL="0" indent="0">
+              <a:lnSpc>
+                <a:spcPct val="120000"/>
+              </a:lnSpc>
+              <a:buNone/>
+            </a:pPr>
+            <a:r>
+              <a:rPr lang="pl-PL" dirty="0"/>
+              <a:t>  {</a:t>
+            </a:r>
+          </a:p>
+          <a:p>
+            <a:pPr marL="0" indent="0">
+              <a:lnSpc>
+                <a:spcPct val="120000"/>
+              </a:lnSpc>
+              <a:buNone/>
+            </a:pPr>
+            <a:r>
+              <a:rPr lang="pl-PL" dirty="0"/>
+              <a:t>    [Test]</a:t>
+            </a:r>
+          </a:p>
+          <a:p>
+            <a:pPr marL="0" indent="0">
+              <a:lnSpc>
+                <a:spcPct val="120000"/>
+              </a:lnSpc>
+              <a:buNone/>
+            </a:pPr>
+            <a:r>
+              <a:rPr lang="pl-PL" dirty="0"/>
+              <a:t>    public </a:t>
+            </a:r>
+            <a:r>
+              <a:rPr lang="pl-PL" dirty="0" err="1"/>
+              <a:t>void</a:t>
+            </a:r>
+            <a:r>
+              <a:rPr lang="pl-PL" dirty="0"/>
+              <a:t> </a:t>
+            </a:r>
+            <a:r>
+              <a:rPr lang="pl-PL" dirty="0" err="1"/>
+              <a:t>ShouldAddInvoice</a:t>
+            </a:r>
+            <a:r>
+              <a:rPr lang="pl-PL" dirty="0"/>
+              <a:t>()</a:t>
+            </a:r>
+          </a:p>
+          <a:p>
+            <a:pPr marL="0" indent="0">
+              <a:lnSpc>
+                <a:spcPct val="120000"/>
+              </a:lnSpc>
+              <a:buNone/>
+            </a:pPr>
+            <a:r>
+              <a:rPr lang="pl-PL" dirty="0"/>
+              <a:t>    {</a:t>
+            </a:r>
+          </a:p>
+          <a:p>
+            <a:pPr marL="0" indent="0">
+              <a:lnSpc>
+                <a:spcPct val="120000"/>
+              </a:lnSpc>
+              <a:buNone/>
+            </a:pPr>
+            <a:r>
+              <a:rPr lang="pl-PL" dirty="0"/>
+              <a:t>    }</a:t>
+            </a:r>
+          </a:p>
+          <a:p>
+            <a:pPr marL="0" indent="0">
+              <a:lnSpc>
+                <a:spcPct val="120000"/>
+              </a:lnSpc>
+              <a:buNone/>
+            </a:pPr>
+            <a:endParaRPr lang="pl-PL" dirty="0"/>
+          </a:p>
+          <a:p>
+            <a:pPr marL="0" indent="0">
+              <a:lnSpc>
+                <a:spcPct val="120000"/>
+              </a:lnSpc>
+              <a:buNone/>
+            </a:pPr>
+            <a:r>
+              <a:rPr lang="pl-PL" dirty="0"/>
+              <a:t>    </a:t>
+            </a:r>
+            <a:r>
+              <a:rPr lang="en-US" dirty="0"/>
+              <a:t>[Test]</a:t>
+            </a:r>
+          </a:p>
+          <a:p>
+            <a:pPr marL="0" indent="0">
+              <a:lnSpc>
+                <a:spcPct val="120000"/>
+              </a:lnSpc>
+              <a:buNone/>
+            </a:pPr>
+            <a:r>
+              <a:rPr lang="en-US" dirty="0"/>
+              <a:t>    public void </a:t>
+            </a:r>
+            <a:r>
+              <a:rPr lang="en-US" dirty="0" err="1"/>
+              <a:t>AddInvoice_CorrectInvoice_ShouldAdd</a:t>
+            </a:r>
+            <a:r>
+              <a:rPr lang="en-US" dirty="0"/>
+              <a:t>()</a:t>
+            </a:r>
+          </a:p>
+          <a:p>
+            <a:pPr marL="0" indent="0">
+              <a:lnSpc>
+                <a:spcPct val="120000"/>
+              </a:lnSpc>
+              <a:buNone/>
+            </a:pPr>
+            <a:r>
+              <a:rPr lang="en-US" dirty="0"/>
+              <a:t>    {      </a:t>
+            </a:r>
+          </a:p>
+          <a:p>
+            <a:pPr marL="0" indent="0">
+              <a:lnSpc>
+                <a:spcPct val="120000"/>
+              </a:lnSpc>
+              <a:buNone/>
+            </a:pPr>
+            <a:r>
+              <a:rPr lang="en-US" dirty="0"/>
+              <a:t>    }</a:t>
+            </a:r>
+            <a:endParaRPr lang="pl-PL" dirty="0"/>
+          </a:p>
+          <a:p>
+            <a:pPr marL="0" indent="0">
+              <a:lnSpc>
+                <a:spcPct val="120000"/>
+              </a:lnSpc>
+              <a:buNone/>
+            </a:pPr>
+            <a:r>
+              <a:rPr lang="pl-PL" dirty="0"/>
+              <a:t>  }</a:t>
+            </a:r>
+          </a:p>
+        </p:txBody>
+      </p:sp>
+    </p:spTree>
+    <p:extLst>
+      <p:ext uri="{BB962C8B-B14F-4D97-AF65-F5344CB8AC3E}">
+        <p14:creationId xmlns:p14="http://schemas.microsoft.com/office/powerpoint/2010/main" val="742992233"/>
+      </p:ext>
+    </p:extLst>
+  </p:cSld>
+  <p:clrMapOvr>
+    <a:masterClrMapping/>
+  </p:clrMapOvr>
+</p:sld>
+</file>
+
+<file path=ppt/slides/slide19.xml><?xml version="1.0" encoding="utf-8"?>
+<p:sld xmlns:a="http://schemas.openxmlformats.org/drawingml/2006/main" xmlns:r="http://schemas.openxmlformats.org/officeDocument/2006/relationships" xmlns:p="http://schemas.openxmlformats.org/presentationml/2006/main">
+  <p:cSld>
+    <p:spTree>
+      <p:nvGrpSpPr>
+        <p:cNvPr id="1" name=""/>
+        <p:cNvGrpSpPr/>
+        <p:nvPr/>
+      </p:nvGrpSpPr>
+      <p:grpSpPr>
+        <a:xfrm>
+          <a:off x="0" y="0"/>
+          <a:ext cx="0" cy="0"/>
+          <a:chOff x="0" y="0"/>
+          <a:chExt cx="0" cy="0"/>
+        </a:xfrm>
+      </p:grpSpPr>
+      <p:sp>
+        <p:nvSpPr>
+          <p:cNvPr id="2" name="Tytuł 1">
+            <a:extLst>
+              <a:ext uri="{FF2B5EF4-FFF2-40B4-BE49-F238E27FC236}">
                 <a16:creationId xmlns:a16="http://schemas.microsoft.com/office/drawing/2014/main" id="{32F114C4-5237-4EFD-BF4D-E7C9058A99A3}"/>
               </a:ext>
             </a:extLst>
@@ -4906,7 +7979,7 @@
           <a:p>
             <a:pPr algn="ctr"/>
             <a:r>
-              <a:rPr lang="pl-PL" sz="4800" dirty="0"/>
+              <a:rPr lang="pl-PL" sz="4400" dirty="0"/>
               <a:t>Kiedy pisać testy jednostkowe</a:t>
             </a:r>
           </a:p>
@@ -4930,59 +8003,36 @@
         </p:nvSpPr>
         <p:spPr/>
         <p:txBody>
-          <a:bodyPr>
-            <a:normAutofit/>
-          </a:bodyPr>
-          <a:lstStyle/>
-          <a:p>
-            <a:r>
-              <a:rPr lang="pl-PL" sz="2800" dirty="0">
+          <a:bodyPr/>
+          <a:lstStyle/>
+          <a:p>
+            <a:pPr marL="0" indent="0" algn="ctr">
+              <a:buNone/>
+            </a:pPr>
+            <a:endParaRPr lang="pl-PL" sz="3600" dirty="0"/>
+          </a:p>
+          <a:p>
+            <a:pPr marL="0" indent="0" algn="ctr">
+              <a:buNone/>
+            </a:pPr>
+            <a:r>
+              <a:rPr lang="pl-PL" sz="8800" dirty="0">
                 <a:solidFill>
                   <a:schemeClr val="tx1"/>
                 </a:solidFill>
               </a:rPr>
-              <a:t>Gdy dodajemy nową logikę do aplikacji</a:t>
-            </a:r>
-          </a:p>
-          <a:p>
-            <a:r>
-              <a:rPr lang="pl-PL" sz="2800" dirty="0">
-                <a:solidFill>
-                  <a:schemeClr val="tx1"/>
-                </a:solidFill>
-              </a:rPr>
-              <a:t>Podczas naprawy błędów</a:t>
-            </a:r>
-          </a:p>
-          <a:p>
-            <a:r>
-              <a:rPr lang="pl-PL" sz="2800" dirty="0">
-                <a:solidFill>
-                  <a:schemeClr val="tx1"/>
-                </a:solidFill>
-              </a:rPr>
-              <a:t>Przed </a:t>
-            </a:r>
-            <a:r>
-              <a:rPr lang="pl-PL" sz="2800" dirty="0" err="1">
-                <a:solidFill>
-                  <a:schemeClr val="tx1"/>
-                </a:solidFill>
-              </a:rPr>
-              <a:t>refactoringiem</a:t>
-            </a:r>
-            <a:endParaRPr lang="pl-PL" sz="2800" dirty="0">
-              <a:solidFill>
-                <a:schemeClr val="tx1"/>
-              </a:solidFill>
-            </a:endParaRPr>
+              <a:t>zawsze!</a:t>
+            </a:r>
+          </a:p>
+          <a:p>
+            <a:endParaRPr lang="pl-PL" dirty="0"/>
           </a:p>
         </p:txBody>
       </p:sp>
     </p:spTree>
     <p:extLst>
       <p:ext uri="{BB962C8B-B14F-4D97-AF65-F5344CB8AC3E}">
-        <p14:creationId xmlns:p14="http://schemas.microsoft.com/office/powerpoint/2010/main" val="1660256164"/>
+        <p14:creationId xmlns:p14="http://schemas.microsoft.com/office/powerpoint/2010/main" val="134294524"/>
       </p:ext>
     </p:extLst>
   </p:cSld>
@@ -5090,8 +8140,21 @@
                   <a:schemeClr val="tx1"/>
                 </a:solidFill>
               </a:rPr>
-              <a:t>Uruchamianie pełnej aplikacji</a:t>
-            </a:r>
+              <a:t>Uruchamianie </a:t>
+            </a:r>
+            <a:r>
+              <a:rPr lang="pl-PL" sz="3200">
+                <a:solidFill>
+                  <a:schemeClr val="tx1"/>
+                </a:solidFill>
+              </a:rPr>
+              <a:t>pełnej aplikacji?</a:t>
+            </a:r>
+            <a:endParaRPr lang="pl-PL" sz="3200" dirty="0">
+              <a:solidFill>
+                <a:schemeClr val="tx1"/>
+              </a:solidFill>
+            </a:endParaRPr>
           </a:p>
         </p:txBody>
       </p:sp>
@@ -5099,6 +8162,134 @@
     <p:extLst>
       <p:ext uri="{BB962C8B-B14F-4D97-AF65-F5344CB8AC3E}">
         <p14:creationId xmlns:p14="http://schemas.microsoft.com/office/powerpoint/2010/main" val="4205978394"/>
+      </p:ext>
+    </p:extLst>
+  </p:cSld>
+  <p:clrMapOvr>
+    <a:masterClrMapping/>
+  </p:clrMapOvr>
+</p:sld>
+</file>
+
+<file path=ppt/slides/slide20.xml><?xml version="1.0" encoding="utf-8"?>
+<p:sld xmlns:a="http://schemas.openxmlformats.org/drawingml/2006/main" xmlns:r="http://schemas.openxmlformats.org/officeDocument/2006/relationships" xmlns:p="http://schemas.openxmlformats.org/presentationml/2006/main">
+  <p:cSld>
+    <p:spTree>
+      <p:nvGrpSpPr>
+        <p:cNvPr id="1" name=""/>
+        <p:cNvGrpSpPr/>
+        <p:nvPr/>
+      </p:nvGrpSpPr>
+      <p:grpSpPr>
+        <a:xfrm>
+          <a:off x="0" y="0"/>
+          <a:ext cx="0" cy="0"/>
+          <a:chOff x="0" y="0"/>
+          <a:chExt cx="0" cy="0"/>
+        </a:xfrm>
+      </p:grpSpPr>
+      <p:sp>
+        <p:nvSpPr>
+          <p:cNvPr id="2" name="Tytuł 1">
+            <a:extLst>
+              <a:ext uri="{FF2B5EF4-FFF2-40B4-BE49-F238E27FC236}">
+                <a16:creationId xmlns:a16="http://schemas.microsoft.com/office/drawing/2014/main" id="{32F114C4-5237-4EFD-BF4D-E7C9058A99A3}"/>
+              </a:ext>
+            </a:extLst>
+          </p:cNvPr>
+          <p:cNvSpPr>
+            <a:spLocks noGrp="1"/>
+          </p:cNvSpPr>
+          <p:nvPr>
+            <p:ph type="title"/>
+          </p:nvPr>
+        </p:nvSpPr>
+        <p:spPr/>
+        <p:txBody>
+          <a:bodyPr>
+            <a:normAutofit/>
+          </a:bodyPr>
+          <a:lstStyle/>
+          <a:p>
+            <a:pPr algn="ctr"/>
+            <a:r>
+              <a:rPr lang="pl-PL" sz="4800" dirty="0"/>
+              <a:t>Kiedy pisać testy jednostkowe</a:t>
+            </a:r>
+          </a:p>
+        </p:txBody>
+      </p:sp>
+      <p:sp>
+        <p:nvSpPr>
+          <p:cNvPr id="3" name="Symbol zastępczy zawartości 2">
+            <a:extLst>
+              <a:ext uri="{FF2B5EF4-FFF2-40B4-BE49-F238E27FC236}">
+                <a16:creationId xmlns:a16="http://schemas.microsoft.com/office/drawing/2014/main" id="{7E313087-0B09-4CF6-AA8E-E917DD2C5751}"/>
+              </a:ext>
+            </a:extLst>
+          </p:cNvPr>
+          <p:cNvSpPr>
+            <a:spLocks noGrp="1"/>
+          </p:cNvSpPr>
+          <p:nvPr>
+            <p:ph idx="1"/>
+          </p:nvPr>
+        </p:nvSpPr>
+        <p:spPr/>
+        <p:txBody>
+          <a:bodyPr>
+            <a:normAutofit/>
+          </a:bodyPr>
+          <a:lstStyle/>
+          <a:p>
+            <a:r>
+              <a:rPr lang="pl-PL" sz="2800" dirty="0">
+                <a:solidFill>
+                  <a:schemeClr val="tx1"/>
+                </a:solidFill>
+              </a:rPr>
+              <a:t>Gdy dodajemy nową logikę do aplikacji</a:t>
+            </a:r>
+          </a:p>
+          <a:p>
+            <a:r>
+              <a:rPr lang="pl-PL" sz="2800" dirty="0">
+                <a:solidFill>
+                  <a:schemeClr val="tx1"/>
+                </a:solidFill>
+              </a:rPr>
+              <a:t>Podczas naprawy błędów</a:t>
+            </a:r>
+          </a:p>
+          <a:p>
+            <a:r>
+              <a:rPr lang="pl-PL" sz="2800" dirty="0">
+                <a:solidFill>
+                  <a:schemeClr val="tx1"/>
+                </a:solidFill>
+              </a:rPr>
+              <a:t>Przed </a:t>
+            </a:r>
+            <a:r>
+              <a:rPr lang="pl-PL" sz="2800" dirty="0" err="1">
+                <a:solidFill>
+                  <a:schemeClr val="tx1"/>
+                </a:solidFill>
+              </a:rPr>
+              <a:t>refactoringiem</a:t>
+            </a:r>
+            <a:endParaRPr lang="pl-PL" sz="2800" dirty="0">
+              <a:solidFill>
+                <a:schemeClr val="tx1"/>
+              </a:solidFill>
+            </a:endParaRPr>
+          </a:p>
+        </p:txBody>
+      </p:sp>
+    </p:spTree>
+    <p:extLst>
+      <p:ext uri="{BB962C8B-B14F-4D97-AF65-F5344CB8AC3E}">
+        <p14:creationId xmlns:p14="http://schemas.microsoft.com/office/powerpoint/2010/main" val="1660256164"/>
       </p:ext>
     </p:extLst>
   </p:cSld>
@@ -5172,7 +8363,7 @@
           <p:nvPr/>
         </p:nvPicPr>
         <p:blipFill>
-          <a:blip r:embed="rId2">
+          <a:blip r:embed="rId3">
             <a:extLst>
               <a:ext uri="{28A0092B-C50C-407E-A947-70E740481C1C}">
                 <a14:useLocalDpi xmlns:a14="http://schemas.microsoft.com/office/drawing/2010/main" val="0"/>
@@ -5208,7 +8399,7 @@
           <p:nvPr/>
         </p:nvPicPr>
         <p:blipFill>
-          <a:blip r:embed="rId3">
+          <a:blip r:embed="rId4">
             <a:extLst>
               <a:ext uri="{28A0092B-C50C-407E-A947-70E740481C1C}">
                 <a14:useLocalDpi xmlns:a14="http://schemas.microsoft.com/office/drawing/2010/main" val="0"/>
@@ -5244,7 +8435,7 @@
           <p:nvPr/>
         </p:nvPicPr>
         <p:blipFill>
-          <a:blip r:embed="rId4">
+          <a:blip r:embed="rId5">
             <a:extLst>
               <a:ext uri="{28A0092B-C50C-407E-A947-70E740481C1C}">
                 <a14:useLocalDpi xmlns:a14="http://schemas.microsoft.com/office/drawing/2010/main" val="0"/>
@@ -5711,7 +8902,7 @@
           <p:nvPr/>
         </p:nvPicPr>
         <p:blipFill>
-          <a:blip r:embed="rId2">
+          <a:blip r:embed="rId3">
             <a:extLst>
               <a:ext uri="{28A0092B-C50C-407E-A947-70E740481C1C}">
                 <a14:useLocalDpi xmlns:a14="http://schemas.microsoft.com/office/drawing/2010/main" val="0"/>
@@ -6251,7 +9442,7 @@
           <p:nvPr/>
         </p:nvPicPr>
         <p:blipFill>
-          <a:blip r:embed="rId2">
+          <a:blip r:embed="rId3">
             <a:extLst>
               <a:ext uri="{28A0092B-C50C-407E-A947-70E740481C1C}">
                 <a14:useLocalDpi xmlns:a14="http://schemas.microsoft.com/office/drawing/2010/main" val="0"/>
@@ -6885,4 +10076,299 @@
     </a:ext>
   </a:extLst>
 </a:theme>
+</file>
+
+<file path=ppt/theme/theme2.xml><?xml version="1.0" encoding="utf-8"?>
+<a:theme xmlns:a="http://schemas.openxmlformats.org/drawingml/2006/main" name="Motyw pakietu Office">
+  <a:themeElements>
+    <a:clrScheme name="Pakiet Office">
+      <a:dk1>
+        <a:sysClr val="windowText" lastClr="000000"/>
+      </a:dk1>
+      <a:lt1>
+        <a:sysClr val="window" lastClr="FFFFFF"/>
+      </a:lt1>
+      <a:dk2>
+        <a:srgbClr val="44546A"/>
+      </a:dk2>
+      <a:lt2>
+        <a:srgbClr val="E7E6E6"/>
+      </a:lt2>
+      <a:accent1>
+        <a:srgbClr val="4472C4"/>
+      </a:accent1>
+      <a:accent2>
+        <a:srgbClr val="ED7D31"/>
+      </a:accent2>
+      <a:accent3>
+        <a:srgbClr val="A5A5A5"/>
+      </a:accent3>
+      <a:accent4>
+        <a:srgbClr val="FFC000"/>
+      </a:accent4>
+      <a:accent5>
+        <a:srgbClr val="5B9BD5"/>
+      </a:accent5>
+      <a:accent6>
+        <a:srgbClr val="70AD47"/>
+      </a:accent6>
+      <a:hlink>
+        <a:srgbClr val="0563C1"/>
+      </a:hlink>
+      <a:folHlink>
+        <a:srgbClr val="954F72"/>
+      </a:folHlink>
+    </a:clrScheme>
+    <a:fontScheme name="Pakiet Office">
+      <a:majorFont>
+        <a:latin typeface="Calibri Light" panose="020F0302020204030204"/>
+        <a:ea typeface=""/>
+        <a:cs typeface=""/>
+        <a:font script="Jpan" typeface="游ゴシック Light"/>
+        <a:font script="Hang" typeface="맑은 고딕"/>
+        <a:font script="Hans" typeface="等线 Light"/>
+        <a:font script="Hant" typeface="新細明體"/>
+        <a:font script="Arab" typeface="Times New Roman"/>
+        <a:font script="Hebr" typeface="Times New Roman"/>
+        <a:font script="Thai" typeface="Angsana New"/>
+        <a:font script="Ethi" typeface="Nyala"/>
+        <a:font script="Beng" typeface="Vrinda"/>
+        <a:font script="Gujr" typeface="Shruti"/>
+        <a:font script="Khmr" typeface="MoolBoran"/>
+        <a:font script="Knda" typeface="Tunga"/>
+        <a:font script="Guru" typeface="Raavi"/>
+        <a:font script="Cans" typeface="Euphemia"/>
+        <a:font script="Cher" typeface="Plantagenet Cherokee"/>
+        <a:font script="Yiii" typeface="Microsoft Yi Baiti"/>
+        <a:font script="Tibt" typeface="Microsoft Himalaya"/>
+        <a:font script="Thaa" typeface="MV Boli"/>
+        <a:font script="Deva" typeface="Mangal"/>
+        <a:font script="Telu" typeface="Gautami"/>
+        <a:font script="Taml" typeface="Latha"/>
+        <a:font script="Syrc" typeface="Estrangelo Edessa"/>
+        <a:font script="Orya" typeface="Kalinga"/>
+        <a:font script="Mlym" typeface="Kartika"/>
+        <a:font script="Laoo" typeface="DokChampa"/>
+        <a:font script="Sinh" typeface="Iskoola Pota"/>
+        <a:font script="Mong" typeface="Mongolian Baiti"/>
+        <a:font script="Viet" typeface="Times New Roman"/>
+        <a:font script="Uigh" typeface="Microsoft Uighur"/>
+        <a:font script="Geor" typeface="Sylfaen"/>
+        <a:font script="Armn" typeface="Arial"/>
+        <a:font script="Bugi" typeface="Leelawadee UI"/>
+        <a:font script="Bopo" typeface="Microsoft JhengHei"/>
+        <a:font script="Java" typeface="Javanese Text"/>
+        <a:font script="Lisu" typeface="Segoe UI"/>
+        <a:font script="Mymr" typeface="Myanmar Text"/>
+        <a:font script="Nkoo" typeface="Ebrima"/>
+        <a:font script="Olck" typeface="Nirmala UI"/>
+        <a:font script="Osma" typeface="Ebrima"/>
+        <a:font script="Phag" typeface="Phagspa"/>
+        <a:font script="Syrn" typeface="Estrangelo Edessa"/>
+        <a:font script="Syrj" typeface="Estrangelo Edessa"/>
+        <a:font script="Syre" typeface="Estrangelo Edessa"/>
+        <a:font script="Sora" typeface="Nirmala UI"/>
+        <a:font script="Tale" typeface="Microsoft Tai Le"/>
+        <a:font script="Talu" typeface="Microsoft New Tai Lue"/>
+        <a:font script="Tfng" typeface="Ebrima"/>
+      </a:majorFont>
+      <a:minorFont>
+        <a:latin typeface="Calibri" panose="020F0502020204030204"/>
+        <a:ea typeface=""/>
+        <a:cs typeface=""/>
+        <a:font script="Jpan" typeface="游ゴシック"/>
+        <a:font script="Hang" typeface="맑은 고딕"/>
+        <a:font script="Hans" typeface="等线"/>
+        <a:font script="Hant" typeface="新細明體"/>
+        <a:font script="Arab" typeface="Arial"/>
+        <a:font script="Hebr" typeface="Arial"/>
+        <a:font script="Thai" typeface="Cordia New"/>
+        <a:font script="Ethi" typeface="Nyala"/>
+        <a:font script="Beng" typeface="Vrinda"/>
+        <a:font script="Gujr" typeface="Shruti"/>
+        <a:font script="Khmr" typeface="DaunPenh"/>
+        <a:font script="Knda" typeface="Tunga"/>
+        <a:font script="Guru" typeface="Raavi"/>
+        <a:font script="Cans" typeface="Euphemia"/>
+        <a:font script="Cher" typeface="Plantagenet Cherokee"/>
+        <a:font script="Yiii" typeface="Microsoft Yi Baiti"/>
+        <a:font script="Tibt" typeface="Microsoft Himalaya"/>
+        <a:font script="Thaa" typeface="MV Boli"/>
+        <a:font script="Deva" typeface="Mangal"/>
+        <a:font script="Telu" typeface="Gautami"/>
+        <a:font script="Taml" typeface="Latha"/>
+        <a:font script="Syrc" typeface="Estrangelo Edessa"/>
+        <a:font script="Orya" typeface="Kalinga"/>
+        <a:font script="Mlym" typeface="Kartika"/>
+        <a:font script="Laoo" typeface="DokChampa"/>
+        <a:font script="Sinh" typeface="Iskoola Pota"/>
+        <a:font script="Mong" typeface="Mongolian Baiti"/>
+        <a:font script="Viet" typeface="Arial"/>
+        <a:font script="Uigh" typeface="Microsoft Uighur"/>
+        <a:font script="Geor" typeface="Sylfaen"/>
+        <a:font script="Armn" typeface="Arial"/>
+        <a:font script="Bugi" typeface="Leelawadee UI"/>
+        <a:font script="Bopo" typeface="Microsoft JhengHei"/>
+        <a:font script="Java" typeface="Javanese Text"/>
+        <a:font script="Lisu" typeface="Segoe UI"/>
+        <a:font script="Mymr" typeface="Myanmar Text"/>
+        <a:font script="Nkoo" typeface="Ebrima"/>
+        <a:font script="Olck" typeface="Nirmala UI"/>
+        <a:font script="Osma" typeface="Ebrima"/>
+        <a:font script="Phag" typeface="Phagspa"/>
+        <a:font script="Syrn" typeface="Estrangelo Edessa"/>
+        <a:font script="Syrj" typeface="Estrangelo Edessa"/>
+        <a:font script="Syre" typeface="Estrangelo Edessa"/>
+        <a:font script="Sora" typeface="Nirmala UI"/>
+        <a:font script="Tale" typeface="Microsoft Tai Le"/>
+        <a:font script="Talu" typeface="Microsoft New Tai Lue"/>
+        <a:font script="Tfng" typeface="Ebrima"/>
+      </a:minorFont>
+    </a:fontScheme>
+    <a:fmtScheme name="Pakiet Office">
+      <a:fillStyleLst>
+        <a:solidFill>
+          <a:schemeClr val="phClr"/>
+        </a:solidFill>
+        <a:gradFill rotWithShape="1">
+          <a:gsLst>
+            <a:gs pos="0">
+              <a:schemeClr val="phClr">
+                <a:lumMod val="110000"/>
+                <a:satMod val="105000"/>
+                <a:tint val="67000"/>
+              </a:schemeClr>
+            </a:gs>
+            <a:gs pos="50000">
+              <a:schemeClr val="phClr">
+                <a:lumMod val="105000"/>
+                <a:satMod val="103000"/>
+                <a:tint val="73000"/>
+              </a:schemeClr>
+            </a:gs>
+            <a:gs pos="100000">
+              <a:schemeClr val="phClr">
+                <a:lumMod val="105000"/>
+                <a:satMod val="109000"/>
+                <a:tint val="81000"/>
+              </a:schemeClr>
+            </a:gs>
+          </a:gsLst>
+          <a:lin ang="5400000" scaled="0"/>
+        </a:gradFill>
+        <a:gradFill rotWithShape="1">
+          <a:gsLst>
+            <a:gs pos="0">
+              <a:schemeClr val="phClr">
+                <a:satMod val="103000"/>
+                <a:lumMod val="102000"/>
+                <a:tint val="94000"/>
+              </a:schemeClr>
+            </a:gs>
+            <a:gs pos="50000">
+              <a:schemeClr val="phClr">
+                <a:satMod val="110000"/>
+                <a:lumMod val="100000"/>
+                <a:shade val="100000"/>
+              </a:schemeClr>
+            </a:gs>
+            <a:gs pos="100000">
+              <a:schemeClr val="phClr">
+                <a:lumMod val="99000"/>
+                <a:satMod val="120000"/>
+                <a:shade val="78000"/>
+              </a:schemeClr>
+            </a:gs>
+          </a:gsLst>
+          <a:lin ang="5400000" scaled="0"/>
+        </a:gradFill>
+      </a:fillStyleLst>
+      <a:lnStyleLst>
+        <a:ln w="6350" cap="flat" cmpd="sng" algn="ctr">
+          <a:solidFill>
+            <a:schemeClr val="phClr"/>
+          </a:solidFill>
+          <a:prstDash val="solid"/>
+          <a:miter lim="800000"/>
+        </a:ln>
+        <a:ln w="12700" cap="flat" cmpd="sng" algn="ctr">
+          <a:solidFill>
+            <a:schemeClr val="phClr"/>
+          </a:solidFill>
+          <a:prstDash val="solid"/>
+          <a:miter lim="800000"/>
+        </a:ln>
+        <a:ln w="19050" cap="flat" cmpd="sng" algn="ctr">
+          <a:solidFill>
+            <a:schemeClr val="phClr"/>
+          </a:solidFill>
+          <a:prstDash val="solid"/>
+          <a:miter lim="800000"/>
+        </a:ln>
+      </a:lnStyleLst>
+      <a:effectStyleLst>
+        <a:effectStyle>
+          <a:effectLst/>
+        </a:effectStyle>
+        <a:effectStyle>
+          <a:effectLst/>
+        </a:effectStyle>
+        <a:effectStyle>
+          <a:effectLst>
+            <a:outerShdw blurRad="57150" dist="19050" dir="5400000" algn="ctr" rotWithShape="0">
+              <a:srgbClr val="000000">
+                <a:alpha val="63000"/>
+              </a:srgbClr>
+            </a:outerShdw>
+          </a:effectLst>
+        </a:effectStyle>
+      </a:effectStyleLst>
+      <a:bgFillStyleLst>
+        <a:solidFill>
+          <a:schemeClr val="phClr"/>
+        </a:solidFill>
+        <a:solidFill>
+          <a:schemeClr val="phClr">
+            <a:tint val="95000"/>
+            <a:satMod val="170000"/>
+          </a:schemeClr>
+        </a:solidFill>
+        <a:gradFill rotWithShape="1">
+          <a:gsLst>
+            <a:gs pos="0">
+              <a:schemeClr val="phClr">
+                <a:tint val="93000"/>
+                <a:satMod val="150000"/>
+                <a:shade val="98000"/>
+                <a:lumMod val="102000"/>
+              </a:schemeClr>
+            </a:gs>
+            <a:gs pos="50000">
+              <a:schemeClr val="phClr">
+                <a:tint val="98000"/>
+                <a:satMod val="130000"/>
+                <a:shade val="90000"/>
+                <a:lumMod val="103000"/>
+              </a:schemeClr>
+            </a:gs>
+            <a:gs pos="100000">
+              <a:schemeClr val="phClr">
+                <a:shade val="63000"/>
+                <a:satMod val="120000"/>
+              </a:schemeClr>
+            </a:gs>
+          </a:gsLst>
+          <a:lin ang="5400000" scaled="0"/>
+        </a:gradFill>
+      </a:bgFillStyleLst>
+    </a:fmtScheme>
+  </a:themeElements>
+  <a:objectDefaults/>
+  <a:extraClrSchemeLst/>
+  <a:extLst>
+    <a:ext uri="{05A4C25C-085E-4340-85A3-A5531E510DB2}">
+      <thm15:themeFamily xmlns:thm15="http://schemas.microsoft.com/office/thememl/2012/main" name="Office Theme" id="{62F939B6-93AF-4DB8-9C6B-D6C7DFDC589F}" vid="{4A3C46E8-61CC-4603-A589-7422A47A8E4A}"/>
+    </a:ext>
+  </a:extLst>
+</a:theme>
 </file>
--- a/docs/Testy jednostkowe.pptx
+++ b/docs/Testy jednostkowe.pptx
@@ -5,29 +5,30 @@
     <p:sldMasterId id="2147483672" r:id="rId1"/>
   </p:sldMasterIdLst>
   <p:notesMasterIdLst>
-    <p:notesMasterId r:id="rId22"/>
+    <p:notesMasterId r:id="rId23"/>
   </p:notesMasterIdLst>
   <p:sldIdLst>
     <p:sldId id="256" r:id="rId2"/>
     <p:sldId id="259" r:id="rId3"/>
-    <p:sldId id="260" r:id="rId4"/>
-    <p:sldId id="257" r:id="rId5"/>
-    <p:sldId id="258" r:id="rId6"/>
-    <p:sldId id="261" r:id="rId7"/>
-    <p:sldId id="270" r:id="rId8"/>
-    <p:sldId id="264" r:id="rId9"/>
-    <p:sldId id="271" r:id="rId10"/>
-    <p:sldId id="265" r:id="rId11"/>
-    <p:sldId id="272" r:id="rId12"/>
-    <p:sldId id="266" r:id="rId13"/>
-    <p:sldId id="273" r:id="rId14"/>
-    <p:sldId id="274" r:id="rId15"/>
-    <p:sldId id="267" r:id="rId16"/>
-    <p:sldId id="275" r:id="rId17"/>
-    <p:sldId id="276" r:id="rId18"/>
-    <p:sldId id="277" r:id="rId19"/>
+    <p:sldId id="257" r:id="rId4"/>
+    <p:sldId id="258" r:id="rId5"/>
+    <p:sldId id="267" r:id="rId6"/>
+    <p:sldId id="275" r:id="rId7"/>
+    <p:sldId id="276" r:id="rId8"/>
+    <p:sldId id="277" r:id="rId9"/>
+    <p:sldId id="260" r:id="rId10"/>
+    <p:sldId id="261" r:id="rId11"/>
+    <p:sldId id="270" r:id="rId12"/>
+    <p:sldId id="264" r:id="rId13"/>
+    <p:sldId id="271" r:id="rId14"/>
+    <p:sldId id="265" r:id="rId15"/>
+    <p:sldId id="272" r:id="rId16"/>
+    <p:sldId id="266" r:id="rId17"/>
+    <p:sldId id="273" r:id="rId18"/>
+    <p:sldId id="274" r:id="rId19"/>
     <p:sldId id="268" r:id="rId20"/>
-    <p:sldId id="269" r:id="rId21"/>
+    <p:sldId id="278" r:id="rId21"/>
+    <p:sldId id="269" r:id="rId22"/>
   </p:sldIdLst>
   <p:sldSz cx="12192000" cy="6858000"/>
   <p:notesSz cx="6858000" cy="9144000"/>
@@ -645,7 +646,7 @@
     </p:spTree>
     <p:extLst>
       <p:ext uri="{BB962C8B-B14F-4D97-AF65-F5344CB8AC3E}">
-        <p14:creationId xmlns:p14="http://schemas.microsoft.com/office/powerpoint/2010/main" val="3677365108"/>
+        <p14:creationId xmlns:p14="http://schemas.microsoft.com/office/powerpoint/2010/main" val="3520973205"/>
       </p:ext>
     </p:extLst>
   </p:cSld>
@@ -729,7 +730,7 @@
     </p:spTree>
     <p:extLst>
       <p:ext uri="{BB962C8B-B14F-4D97-AF65-F5344CB8AC3E}">
-        <p14:creationId xmlns:p14="http://schemas.microsoft.com/office/powerpoint/2010/main" val="1636725447"/>
+        <p14:creationId xmlns:p14="http://schemas.microsoft.com/office/powerpoint/2010/main" val="2258059390"/>
       </p:ext>
     </p:extLst>
   </p:cSld>
@@ -813,7 +814,7 @@
     </p:spTree>
     <p:extLst>
       <p:ext uri="{BB962C8B-B14F-4D97-AF65-F5344CB8AC3E}">
-        <p14:creationId xmlns:p14="http://schemas.microsoft.com/office/powerpoint/2010/main" val="2543445122"/>
+        <p14:creationId xmlns:p14="http://schemas.microsoft.com/office/powerpoint/2010/main" val="2234845205"/>
       </p:ext>
     </p:extLst>
   </p:cSld>
@@ -897,7 +898,7 @@
     </p:spTree>
     <p:extLst>
       <p:ext uri="{BB962C8B-B14F-4D97-AF65-F5344CB8AC3E}">
-        <p14:creationId xmlns:p14="http://schemas.microsoft.com/office/powerpoint/2010/main" val="1102225941"/>
+        <p14:creationId xmlns:p14="http://schemas.microsoft.com/office/powerpoint/2010/main" val="3526290230"/>
       </p:ext>
     </p:extLst>
   </p:cSld>
@@ -981,7 +982,7 @@
     </p:spTree>
     <p:extLst>
       <p:ext uri="{BB962C8B-B14F-4D97-AF65-F5344CB8AC3E}">
-        <p14:creationId xmlns:p14="http://schemas.microsoft.com/office/powerpoint/2010/main" val="2696889387"/>
+        <p14:creationId xmlns:p14="http://schemas.microsoft.com/office/powerpoint/2010/main" val="3677365108"/>
       </p:ext>
     </p:extLst>
   </p:cSld>
@@ -1065,7 +1066,7 @@
     </p:spTree>
     <p:extLst>
       <p:ext uri="{BB962C8B-B14F-4D97-AF65-F5344CB8AC3E}">
-        <p14:creationId xmlns:p14="http://schemas.microsoft.com/office/powerpoint/2010/main" val="2534297403"/>
+        <p14:creationId xmlns:p14="http://schemas.microsoft.com/office/powerpoint/2010/main" val="1636725447"/>
       </p:ext>
     </p:extLst>
   </p:cSld>
@@ -1149,7 +1150,7 @@
     </p:spTree>
     <p:extLst>
       <p:ext uri="{BB962C8B-B14F-4D97-AF65-F5344CB8AC3E}">
-        <p14:creationId xmlns:p14="http://schemas.microsoft.com/office/powerpoint/2010/main" val="1545718034"/>
+        <p14:creationId xmlns:p14="http://schemas.microsoft.com/office/powerpoint/2010/main" val="2543445122"/>
       </p:ext>
     </p:extLst>
   </p:cSld>
@@ -1233,7 +1234,7 @@
     </p:spTree>
     <p:extLst>
       <p:ext uri="{BB962C8B-B14F-4D97-AF65-F5344CB8AC3E}">
-        <p14:creationId xmlns:p14="http://schemas.microsoft.com/office/powerpoint/2010/main" val="924475175"/>
+        <p14:creationId xmlns:p14="http://schemas.microsoft.com/office/powerpoint/2010/main" val="1102225941"/>
       </p:ext>
     </p:extLst>
   </p:cSld>
@@ -1317,7 +1318,7 @@
     </p:spTree>
     <p:extLst>
       <p:ext uri="{BB962C8B-B14F-4D97-AF65-F5344CB8AC3E}">
-        <p14:creationId xmlns:p14="http://schemas.microsoft.com/office/powerpoint/2010/main" val="4201002531"/>
+        <p14:creationId xmlns:p14="http://schemas.microsoft.com/office/powerpoint/2010/main" val="2696889387"/>
       </p:ext>
     </p:extLst>
   </p:cSld>
@@ -1569,6 +1570,90 @@
     </p:spTree>
     <p:extLst>
       <p:ext uri="{BB962C8B-B14F-4D97-AF65-F5344CB8AC3E}">
+        <p14:creationId xmlns:p14="http://schemas.microsoft.com/office/powerpoint/2010/main" val="2958623070"/>
+      </p:ext>
+    </p:extLst>
+  </p:cSld>
+  <p:clrMapOvr>
+    <a:masterClrMapping/>
+  </p:clrMapOvr>
+</p:notes>
+</file>
+
+<file path=ppt/notesSlides/notesSlide21.xml><?xml version="1.0" encoding="utf-8"?>
+<p:notes xmlns:a="http://schemas.openxmlformats.org/drawingml/2006/main" xmlns:r="http://schemas.openxmlformats.org/officeDocument/2006/relationships" xmlns:p="http://schemas.openxmlformats.org/presentationml/2006/main">
+  <p:cSld>
+    <p:spTree>
+      <p:nvGrpSpPr>
+        <p:cNvPr id="1" name=""/>
+        <p:cNvGrpSpPr/>
+        <p:nvPr/>
+      </p:nvGrpSpPr>
+      <p:grpSpPr>
+        <a:xfrm>
+          <a:off x="0" y="0"/>
+          <a:ext cx="0" cy="0"/>
+          <a:chOff x="0" y="0"/>
+          <a:chExt cx="0" cy="0"/>
+        </a:xfrm>
+      </p:grpSpPr>
+      <p:sp>
+        <p:nvSpPr>
+          <p:cNvPr id="2" name="Symbol zastępczy obrazu slajdu 1"/>
+          <p:cNvSpPr>
+            <a:spLocks noGrp="1" noRot="1" noChangeAspect="1"/>
+          </p:cNvSpPr>
+          <p:nvPr>
+            <p:ph type="sldImg"/>
+          </p:nvPr>
+        </p:nvSpPr>
+        <p:spPr/>
+      </p:sp>
+      <p:sp>
+        <p:nvSpPr>
+          <p:cNvPr id="3" name="Symbol zastępczy notatek 2"/>
+          <p:cNvSpPr>
+            <a:spLocks noGrp="1"/>
+          </p:cNvSpPr>
+          <p:nvPr>
+            <p:ph type="body" idx="1"/>
+          </p:nvPr>
+        </p:nvSpPr>
+        <p:spPr/>
+        <p:txBody>
+          <a:bodyPr/>
+          <a:lstStyle/>
+          <a:p>
+            <a:endParaRPr lang="pl-PL"/>
+          </a:p>
+        </p:txBody>
+      </p:sp>
+      <p:sp>
+        <p:nvSpPr>
+          <p:cNvPr id="4" name="Symbol zastępczy numeru slajdu 3"/>
+          <p:cNvSpPr>
+            <a:spLocks noGrp="1"/>
+          </p:cNvSpPr>
+          <p:nvPr>
+            <p:ph type="sldNum" sz="quarter" idx="10"/>
+          </p:nvPr>
+        </p:nvSpPr>
+        <p:spPr/>
+        <p:txBody>
+          <a:bodyPr/>
+          <a:lstStyle/>
+          <a:p>
+            <a:fld id="{C7B87404-ADFE-4B48-97A5-00F9EDD3AA20}" type="slidenum">
+              <a:rPr lang="pl-PL" smtClean="0"/>
+              <a:t>21</a:t>
+            </a:fld>
+            <a:endParaRPr lang="pl-PL"/>
+          </a:p>
+        </p:txBody>
+      </p:sp>
+    </p:spTree>
+    <p:extLst>
+      <p:ext uri="{BB962C8B-B14F-4D97-AF65-F5344CB8AC3E}">
         <p14:creationId xmlns:p14="http://schemas.microsoft.com/office/powerpoint/2010/main" val="652676311"/>
       </p:ext>
     </p:extLst>
@@ -1653,7 +1738,7 @@
     </p:spTree>
     <p:extLst>
       <p:ext uri="{BB962C8B-B14F-4D97-AF65-F5344CB8AC3E}">
-        <p14:creationId xmlns:p14="http://schemas.microsoft.com/office/powerpoint/2010/main" val="3164897636"/>
+        <p14:creationId xmlns:p14="http://schemas.microsoft.com/office/powerpoint/2010/main" val="3792097566"/>
       </p:ext>
     </p:extLst>
   </p:cSld>
@@ -1737,7 +1822,7 @@
     </p:spTree>
     <p:extLst>
       <p:ext uri="{BB962C8B-B14F-4D97-AF65-F5344CB8AC3E}">
-        <p14:creationId xmlns:p14="http://schemas.microsoft.com/office/powerpoint/2010/main" val="3792097566"/>
+        <p14:creationId xmlns:p14="http://schemas.microsoft.com/office/powerpoint/2010/main" val="544277106"/>
       </p:ext>
     </p:extLst>
   </p:cSld>
@@ -1821,7 +1906,7 @@
     </p:spTree>
     <p:extLst>
       <p:ext uri="{BB962C8B-B14F-4D97-AF65-F5344CB8AC3E}">
-        <p14:creationId xmlns:p14="http://schemas.microsoft.com/office/powerpoint/2010/main" val="544277106"/>
+        <p14:creationId xmlns:p14="http://schemas.microsoft.com/office/powerpoint/2010/main" val="2534297403"/>
       </p:ext>
     </p:extLst>
   </p:cSld>
@@ -1905,7 +1990,7 @@
     </p:spTree>
     <p:extLst>
       <p:ext uri="{BB962C8B-B14F-4D97-AF65-F5344CB8AC3E}">
-        <p14:creationId xmlns:p14="http://schemas.microsoft.com/office/powerpoint/2010/main" val="3520973205"/>
+        <p14:creationId xmlns:p14="http://schemas.microsoft.com/office/powerpoint/2010/main" val="1545718034"/>
       </p:ext>
     </p:extLst>
   </p:cSld>
@@ -1989,7 +2074,7 @@
     </p:spTree>
     <p:extLst>
       <p:ext uri="{BB962C8B-B14F-4D97-AF65-F5344CB8AC3E}">
-        <p14:creationId xmlns:p14="http://schemas.microsoft.com/office/powerpoint/2010/main" val="2258059390"/>
+        <p14:creationId xmlns:p14="http://schemas.microsoft.com/office/powerpoint/2010/main" val="924475175"/>
       </p:ext>
     </p:extLst>
   </p:cSld>
@@ -2073,7 +2158,7 @@
     </p:spTree>
     <p:extLst>
       <p:ext uri="{BB962C8B-B14F-4D97-AF65-F5344CB8AC3E}">
-        <p14:creationId xmlns:p14="http://schemas.microsoft.com/office/powerpoint/2010/main" val="2234845205"/>
+        <p14:creationId xmlns:p14="http://schemas.microsoft.com/office/powerpoint/2010/main" val="4201002531"/>
       </p:ext>
     </p:extLst>
   </p:cSld>
@@ -2157,7 +2242,7 @@
     </p:spTree>
     <p:extLst>
       <p:ext uri="{BB962C8B-B14F-4D97-AF65-F5344CB8AC3E}">
-        <p14:creationId xmlns:p14="http://schemas.microsoft.com/office/powerpoint/2010/main" val="3526290230"/>
+        <p14:creationId xmlns:p14="http://schemas.microsoft.com/office/powerpoint/2010/main" val="3164897636"/>
       </p:ext>
     </p:extLst>
   </p:cSld>
@@ -6024,10 +6109,10 @@
       </p:grpSpPr>
       <p:sp>
         <p:nvSpPr>
-          <p:cNvPr id="2" name="Tytuł 1">
+          <p:cNvPr id="3" name="Symbol zastępczy zawartości 2">
             <a:extLst>
               <a:ext uri="{FF2B5EF4-FFF2-40B4-BE49-F238E27FC236}">
-                <a16:creationId xmlns:a16="http://schemas.microsoft.com/office/drawing/2014/main" id="{165F0107-1BA4-421F-A5F7-D4A1F07FE77F}"/>
+                <a16:creationId xmlns:a16="http://schemas.microsoft.com/office/drawing/2014/main" id="{253AF384-3D02-41E3-B964-58AF2254452C}"/>
               </a:ext>
             </a:extLst>
           </p:cNvPr>
@@ -6035,70 +6120,81 @@
             <a:spLocks noGrp="1"/>
           </p:cNvSpPr>
           <p:nvPr>
-            <p:ph type="title"/>
-          </p:nvPr>
-        </p:nvSpPr>
-        <p:spPr/>
-        <p:txBody>
-          <a:bodyPr>
-            <a:normAutofit/>
-          </a:bodyPr>
-          <a:lstStyle/>
-          <a:p>
-            <a:pPr algn="ctr"/>
-            <a:r>
-              <a:rPr lang="pl-PL" sz="4000" dirty="0"/>
-              <a:t>Microsoft Unit Test Framework</a:t>
-            </a:r>
-          </a:p>
-        </p:txBody>
-      </p:sp>
-      <p:sp>
-        <p:nvSpPr>
-          <p:cNvPr id="3" name="Symbol zastępczy zawartości 2">
-            <a:extLst>
-              <a:ext uri="{FF2B5EF4-FFF2-40B4-BE49-F238E27FC236}">
-                <a16:creationId xmlns:a16="http://schemas.microsoft.com/office/drawing/2014/main" id="{5A1B9E0F-74CE-40C2-B1E9-C33ACD371F96}"/>
-              </a:ext>
-            </a:extLst>
-          </p:cNvPr>
-          <p:cNvSpPr>
-            <a:spLocks noGrp="1"/>
-          </p:cNvSpPr>
-          <p:nvPr>
-            <p:ph idx="1"/>
-          </p:nvPr>
-        </p:nvSpPr>
-        <p:spPr/>
+            <p:ph idx="4294967295"/>
+          </p:nvPr>
+        </p:nvSpPr>
+        <p:spPr>
+          <a:xfrm>
+            <a:off x="371475" y="2505289"/>
+            <a:ext cx="11029950" cy="3678238"/>
+          </a:xfrm>
+        </p:spPr>
         <p:txBody>
           <a:bodyPr/>
           <a:lstStyle/>
           <a:p>
             <a:pPr fontAlgn="ctr"/>
             <a:r>
-              <a:rPr lang="pl-PL" sz="2400" dirty="0">
+              <a:rPr lang="pl-PL" sz="2800" dirty="0">
                 <a:solidFill>
                   <a:schemeClr val="tx1"/>
                 </a:solidFill>
               </a:rPr>
-              <a:t>Wspierany przez Microsoft</a:t>
-            </a:r>
-          </a:p>
-          <a:p>
-            <a:pPr fontAlgn="ctr"/>
-            <a:r>
-              <a:rPr lang="pl-PL" sz="2400" dirty="0">
+              <a:t>Początkowo klon </a:t>
+            </a:r>
+            <a:r>
+              <a:rPr lang="pl-PL" sz="2800" dirty="0" err="1">
                 <a:solidFill>
                   <a:schemeClr val="tx1"/>
                 </a:solidFill>
               </a:rPr>
-              <a:t>Wbudowany w Visual Studio</a:t>
-            </a:r>
+              <a:t>jUnit</a:t>
+            </a:r>
+            <a:endParaRPr lang="pl-PL" sz="2800" dirty="0">
+              <a:solidFill>
+                <a:schemeClr val="tx1"/>
+              </a:solidFill>
+            </a:endParaRPr>
           </a:p>
           <a:p>
             <a:pPr fontAlgn="ctr"/>
             <a:r>
-              <a:rPr lang="pl-PL" sz="2400" dirty="0">
+              <a:rPr lang="pl-PL" sz="2800" dirty="0">
+                <a:solidFill>
+                  <a:schemeClr val="tx1"/>
+                </a:solidFill>
+              </a:rPr>
+              <a:t>Nie jest domyślnie wspierany przez Visual Studio</a:t>
+            </a:r>
+          </a:p>
+          <a:p>
+            <a:pPr fontAlgn="ctr"/>
+            <a:r>
+              <a:rPr lang="pl-PL" sz="2800" dirty="0">
+                <a:solidFill>
+                  <a:schemeClr val="tx1"/>
+                </a:solidFill>
+              </a:rPr>
+              <a:t>Wymagany dodatkowy test </a:t>
+            </a:r>
+            <a:r>
+              <a:rPr lang="pl-PL" sz="2800" dirty="0" err="1">
+                <a:solidFill>
+                  <a:schemeClr val="tx1"/>
+                </a:solidFill>
+              </a:rPr>
+              <a:t>runner</a:t>
+            </a:r>
+            <a:endParaRPr lang="pl-PL" sz="2800" dirty="0">
+              <a:solidFill>
+                <a:schemeClr val="tx1"/>
+              </a:solidFill>
+            </a:endParaRPr>
+          </a:p>
+          <a:p>
+            <a:pPr fontAlgn="ctr"/>
+            <a:r>
+              <a:rPr lang="pl-PL" sz="2800" dirty="0">
                 <a:solidFill>
                   <a:schemeClr val="tx1"/>
                 </a:solidFill>
@@ -6106,48 +6202,67 @@
               <a:t>Atrybuty </a:t>
             </a:r>
             <a:r>
-              <a:rPr lang="pl-PL" sz="2400" dirty="0" err="1">
+              <a:rPr lang="pl-PL" sz="2800" dirty="0" err="1">
                 <a:solidFill>
                   <a:schemeClr val="tx1"/>
                 </a:solidFill>
               </a:rPr>
-              <a:t>TestClass</a:t>
-            </a:r>
-            <a:r>
-              <a:rPr lang="pl-PL" sz="2400" dirty="0">
+              <a:t>TestFixture</a:t>
+            </a:r>
+            <a:r>
+              <a:rPr lang="pl-PL" sz="2800" dirty="0">
                 <a:solidFill>
                   <a:schemeClr val="tx1"/>
                 </a:solidFill>
               </a:rPr>
-              <a:t>, </a:t>
-            </a:r>
-            <a:r>
-              <a:rPr lang="pl-PL" sz="2400" dirty="0" err="1">
-                <a:solidFill>
-                  <a:schemeClr val="tx1"/>
-                </a:solidFill>
-              </a:rPr>
-              <a:t>TestMethod</a:t>
-            </a:r>
-            <a:endParaRPr lang="pl-PL" sz="2400" dirty="0">
-              <a:solidFill>
-                <a:schemeClr val="tx1"/>
-              </a:solidFill>
-            </a:endParaRPr>
-          </a:p>
-          <a:p>
-            <a:endParaRPr lang="pl-PL" dirty="0">
-              <a:solidFill>
-                <a:schemeClr val="tx1"/>
-              </a:solidFill>
-            </a:endParaRPr>
-          </a:p>
-        </p:txBody>
-      </p:sp>
+              <a:t>, Test</a:t>
+            </a:r>
+          </a:p>
+          <a:p>
+            <a:endParaRPr lang="pl-PL" dirty="0"/>
+          </a:p>
+        </p:txBody>
+      </p:sp>
+      <p:pic>
+        <p:nvPicPr>
+          <p:cNvPr id="5" name="Obraz 4">
+            <a:extLst>
+              <a:ext uri="{FF2B5EF4-FFF2-40B4-BE49-F238E27FC236}">
+                <a16:creationId xmlns:a16="http://schemas.microsoft.com/office/drawing/2014/main" id="{078CE39F-3B80-4B45-AB59-F925BDB2A674}"/>
+              </a:ext>
+            </a:extLst>
+          </p:cNvPr>
+          <p:cNvPicPr>
+            <a:picLocks noChangeAspect="1"/>
+          </p:cNvPicPr>
+          <p:nvPr/>
+        </p:nvPicPr>
+        <p:blipFill>
+          <a:blip r:embed="rId3">
+            <a:extLst>
+              <a:ext uri="{28A0092B-C50C-407E-A947-70E740481C1C}">
+                <a14:useLocalDpi xmlns:a14="http://schemas.microsoft.com/office/drawing/2010/main" val="0"/>
+              </a:ext>
+            </a:extLst>
+          </a:blip>
+          <a:stretch>
+            <a:fillRect/>
+          </a:stretch>
+        </p:blipFill>
+        <p:spPr>
+          <a:xfrm>
+            <a:off x="4378214" y="926887"/>
+            <a:ext cx="3794235" cy="1578402"/>
+          </a:xfrm>
+          <a:prstGeom prst="rect">
+            <a:avLst/>
+          </a:prstGeom>
+        </p:spPr>
+      </p:pic>
     </p:spTree>
     <p:extLst>
       <p:ext uri="{BB962C8B-B14F-4D97-AF65-F5344CB8AC3E}">
-        <p14:creationId xmlns:p14="http://schemas.microsoft.com/office/powerpoint/2010/main" val="1891818956"/>
+        <p14:creationId xmlns:p14="http://schemas.microsoft.com/office/powerpoint/2010/main" val="1936917198"/>
       </p:ext>
     </p:extLst>
   </p:cSld>
@@ -6235,7 +6350,7 @@
             </a:r>
             <a:r>
               <a:rPr lang="pl-PL" dirty="0" err="1"/>
-              <a:t>TestClass</a:t>
+              <a:t>TestFixture</a:t>
             </a:r>
             <a:r>
               <a:rPr lang="pl-PL" dirty="0"/>
@@ -6279,15 +6394,7 @@
             </a:pPr>
             <a:r>
               <a:rPr lang="pl-PL" dirty="0"/>
-              <a:t>    [</a:t>
-            </a:r>
-            <a:r>
-              <a:rPr lang="pl-PL" dirty="0" err="1"/>
-              <a:t>TestMethod</a:t>
-            </a:r>
-            <a:r>
-              <a:rPr lang="pl-PL" dirty="0"/>
-              <a:t>]</a:t>
+              <a:t>    [Test]</a:t>
             </a:r>
           </a:p>
           <a:p>
@@ -6451,7 +6558,7 @@
             </a:r>
             <a:r>
               <a:rPr lang="pl-PL" dirty="0" err="1"/>
-              <a:t>Assert.AreEqual</a:t>
+              <a:t>Assert.That</a:t>
             </a:r>
             <a:r>
               <a:rPr lang="pl-PL" dirty="0"/>
@@ -6467,11 +6574,19 @@
             </a:r>
             <a:r>
               <a:rPr lang="pl-PL" dirty="0" err="1"/>
+              <a:t>Is.EqualTo</a:t>
+            </a:r>
+            <a:r>
+              <a:rPr lang="pl-PL" dirty="0"/>
+              <a:t>(</a:t>
+            </a:r>
+            <a:r>
+              <a:rPr lang="pl-PL" dirty="0" err="1"/>
               <a:t>calculatedValue</a:t>
             </a:r>
             <a:r>
               <a:rPr lang="pl-PL" dirty="0"/>
-              <a:t>);</a:t>
+              <a:t>));</a:t>
             </a:r>
           </a:p>
           <a:p>
@@ -6497,7 +6612,7 @@
     </p:spTree>
     <p:extLst>
       <p:ext uri="{BB962C8B-B14F-4D97-AF65-F5344CB8AC3E}">
-        <p14:creationId xmlns:p14="http://schemas.microsoft.com/office/powerpoint/2010/main" val="2710965677"/>
+        <p14:creationId xmlns:p14="http://schemas.microsoft.com/office/powerpoint/2010/main" val="4260571391"/>
       </p:ext>
     </p:extLst>
   </p:cSld>
@@ -6526,10 +6641,10 @@
       </p:grpSpPr>
       <p:sp>
         <p:nvSpPr>
-          <p:cNvPr id="2" name="Tytuł 1">
+          <p:cNvPr id="3" name="Symbol zastępczy zawartości 2">
             <a:extLst>
               <a:ext uri="{FF2B5EF4-FFF2-40B4-BE49-F238E27FC236}">
-                <a16:creationId xmlns:a16="http://schemas.microsoft.com/office/drawing/2014/main" id="{AA11F76F-3203-4B44-BA32-A0134C8CA848}"/>
+                <a16:creationId xmlns:a16="http://schemas.microsoft.com/office/drawing/2014/main" id="{5D3A5E2D-B3EA-41BC-BE6F-2717F0497445}"/>
               </a:ext>
             </a:extLst>
           </p:cNvPr>
@@ -6537,74 +6652,80 @@
             <a:spLocks noGrp="1"/>
           </p:cNvSpPr>
           <p:nvPr>
-            <p:ph type="title"/>
-          </p:nvPr>
-        </p:nvSpPr>
-        <p:spPr/>
-        <p:txBody>
-          <a:bodyPr>
-            <a:normAutofit/>
-          </a:bodyPr>
-          <a:lstStyle/>
-          <a:p>
-            <a:pPr algn="ctr"/>
-            <a:r>
-              <a:rPr lang="pl-PL" sz="4400" dirty="0"/>
-              <a:t>Przydatne narzędzia/biblioteki</a:t>
-            </a:r>
-          </a:p>
-        </p:txBody>
-      </p:sp>
-      <p:sp>
-        <p:nvSpPr>
-          <p:cNvPr id="3" name="Symbol zastępczy zawartości 2">
-            <a:extLst>
-              <a:ext uri="{FF2B5EF4-FFF2-40B4-BE49-F238E27FC236}">
-                <a16:creationId xmlns:a16="http://schemas.microsoft.com/office/drawing/2014/main" id="{B9B16BB4-B16B-4445-B60B-4E7A1D9E0118}"/>
-              </a:ext>
-            </a:extLst>
-          </p:cNvPr>
-          <p:cNvSpPr>
-            <a:spLocks noGrp="1"/>
-          </p:cNvSpPr>
-          <p:nvPr>
-            <p:ph idx="1"/>
-          </p:nvPr>
-        </p:nvSpPr>
-        <p:spPr/>
+            <p:ph idx="4294967295"/>
+          </p:nvPr>
+        </p:nvSpPr>
+        <p:spPr>
+          <a:xfrm>
+            <a:off x="476250" y="2362200"/>
+            <a:ext cx="11029950" cy="3678238"/>
+          </a:xfrm>
+        </p:spPr>
         <p:txBody>
           <a:bodyPr/>
           <a:lstStyle/>
           <a:p>
             <a:pPr fontAlgn="ctr"/>
             <a:r>
-              <a:rPr lang="pl-PL" sz="3200" dirty="0">
+              <a:rPr lang="pl-PL" sz="2800" dirty="0">
                 <a:solidFill>
                   <a:schemeClr val="tx1"/>
                 </a:solidFill>
               </a:rPr>
-              <a:t>R#</a:t>
-            </a:r>
-          </a:p>
-          <a:p>
-            <a:pPr fontAlgn="ctr"/>
-            <a:r>
-              <a:rPr lang="pl-PL" sz="3200" dirty="0">
+              <a:t>Napisany przez autora </a:t>
+            </a:r>
+            <a:r>
+              <a:rPr lang="pl-PL" sz="2800" dirty="0" err="1">
                 <a:solidFill>
                   <a:schemeClr val="tx1"/>
                 </a:solidFill>
               </a:rPr>
-              <a:t>Test </a:t>
-            </a:r>
-            <a:r>
-              <a:rPr lang="pl-PL" sz="3200" dirty="0" err="1">
+              <a:t>nUnit</a:t>
+            </a:r>
+            <a:r>
+              <a:rPr lang="pl-PL" sz="2800" dirty="0">
                 <a:solidFill>
                   <a:schemeClr val="tx1"/>
                 </a:solidFill>
               </a:rPr>
-              <a:t>runner</a:t>
-            </a:r>
-            <a:endParaRPr lang="pl-PL" sz="3200" dirty="0">
+              <a:t> v2</a:t>
+            </a:r>
+          </a:p>
+          <a:p>
+            <a:pPr fontAlgn="ctr"/>
+            <a:r>
+              <a:rPr lang="pl-PL" sz="2800" dirty="0">
+                <a:solidFill>
+                  <a:schemeClr val="tx1"/>
+                </a:solidFill>
+              </a:rPr>
+              <a:t>Podobnie jak </a:t>
+            </a:r>
+            <a:r>
+              <a:rPr lang="pl-PL" sz="2800" dirty="0" err="1">
+                <a:solidFill>
+                  <a:schemeClr val="tx1"/>
+                </a:solidFill>
+              </a:rPr>
+              <a:t>nUnit</a:t>
+            </a:r>
+            <a:r>
+              <a:rPr lang="pl-PL" sz="2800" dirty="0">
+                <a:solidFill>
+                  <a:schemeClr val="tx1"/>
+                </a:solidFill>
+              </a:rPr>
+              <a:t> wymaga doinstalowania test </a:t>
+            </a:r>
+            <a:r>
+              <a:rPr lang="pl-PL" sz="2800" dirty="0" err="1">
+                <a:solidFill>
+                  <a:schemeClr val="tx1"/>
+                </a:solidFill>
+              </a:rPr>
+              <a:t>runnera</a:t>
+            </a:r>
+            <a:endParaRPr lang="pl-PL" sz="2800" dirty="0">
               <a:solidFill>
                 <a:schemeClr val="tx1"/>
               </a:solidFill>
@@ -6613,67 +6734,75 @@
           <a:p>
             <a:pPr fontAlgn="ctr"/>
             <a:r>
-              <a:rPr lang="pl-PL" sz="3200" dirty="0" err="1">
+              <a:rPr lang="pl-PL" sz="2800" dirty="0">
                 <a:solidFill>
                   <a:schemeClr val="tx1"/>
                 </a:solidFill>
               </a:rPr>
-              <a:t>Moq</a:t>
-            </a:r>
-            <a:r>
-              <a:rPr lang="pl-PL" sz="3200" dirty="0">
+              <a:t>Atrybut [</a:t>
+            </a:r>
+            <a:r>
+              <a:rPr lang="pl-PL" sz="2800" dirty="0" err="1">
                 <a:solidFill>
                   <a:schemeClr val="tx1"/>
                 </a:solidFill>
               </a:rPr>
-              <a:t> / </a:t>
-            </a:r>
-            <a:r>
-              <a:rPr lang="pl-PL" sz="3200" dirty="0" err="1">
+              <a:t>Fact</a:t>
+            </a:r>
+            <a:r>
+              <a:rPr lang="pl-PL" sz="2800" dirty="0">
                 <a:solidFill>
                   <a:schemeClr val="tx1"/>
                 </a:solidFill>
               </a:rPr>
-              <a:t>Nsubstitute</a:t>
-            </a:r>
-            <a:r>
-              <a:rPr lang="pl-PL" sz="3200" dirty="0">
-                <a:solidFill>
-                  <a:schemeClr val="tx1"/>
-                </a:solidFill>
-              </a:rPr>
-              <a:t> </a:t>
-            </a:r>
-          </a:p>
-          <a:p>
-            <a:pPr fontAlgn="ctr"/>
-            <a:r>
-              <a:rPr lang="pl-PL" sz="3200" dirty="0" err="1">
-                <a:solidFill>
-                  <a:schemeClr val="tx1"/>
-                </a:solidFill>
-              </a:rPr>
-              <a:t>Shouldly</a:t>
-            </a:r>
-            <a:endParaRPr lang="pl-PL" sz="3200" dirty="0">
-              <a:solidFill>
-                <a:schemeClr val="tx1"/>
-              </a:solidFill>
-            </a:endParaRPr>
-          </a:p>
-          <a:p>
-            <a:endParaRPr lang="pl-PL" dirty="0">
-              <a:solidFill>
-                <a:schemeClr val="tx1"/>
-              </a:solidFill>
-            </a:endParaRPr>
-          </a:p>
-        </p:txBody>
-      </p:sp>
+              <a:t>]</a:t>
+            </a:r>
+          </a:p>
+          <a:p>
+            <a:endParaRPr lang="pl-PL" dirty="0"/>
+          </a:p>
+        </p:txBody>
+      </p:sp>
+      <p:pic>
+        <p:nvPicPr>
+          <p:cNvPr id="5" name="Obraz 4">
+            <a:extLst>
+              <a:ext uri="{FF2B5EF4-FFF2-40B4-BE49-F238E27FC236}">
+                <a16:creationId xmlns:a16="http://schemas.microsoft.com/office/drawing/2014/main" id="{5F605400-CA31-46F9-90E6-E32796B88884}"/>
+              </a:ext>
+            </a:extLst>
+          </p:cNvPr>
+          <p:cNvPicPr>
+            <a:picLocks noChangeAspect="1"/>
+          </p:cNvPicPr>
+          <p:nvPr/>
+        </p:nvPicPr>
+        <p:blipFill>
+          <a:blip r:embed="rId3">
+            <a:extLst>
+              <a:ext uri="{28A0092B-C50C-407E-A947-70E740481C1C}">
+                <a14:useLocalDpi xmlns:a14="http://schemas.microsoft.com/office/drawing/2010/main" val="0"/>
+              </a:ext>
+            </a:extLst>
+          </a:blip>
+          <a:stretch>
+            <a:fillRect/>
+          </a:stretch>
+        </p:blipFill>
+        <p:spPr>
+          <a:xfrm>
+            <a:off x="3886200" y="1075596"/>
+            <a:ext cx="4210050" cy="1104900"/>
+          </a:xfrm>
+          <a:prstGeom prst="rect">
+            <a:avLst/>
+          </a:prstGeom>
+        </p:spPr>
+      </p:pic>
     </p:spTree>
     <p:extLst>
       <p:ext uri="{BB962C8B-B14F-4D97-AF65-F5344CB8AC3E}">
-        <p14:creationId xmlns:p14="http://schemas.microsoft.com/office/powerpoint/2010/main" val="1148522495"/>
+        <p14:creationId xmlns:p14="http://schemas.microsoft.com/office/powerpoint/2010/main" val="137465057"/>
       </p:ext>
     </p:extLst>
   </p:cSld>
@@ -6705,7 +6834,7 @@
           <p:cNvPr id="2" name="Tytuł 1">
             <a:extLst>
               <a:ext uri="{FF2B5EF4-FFF2-40B4-BE49-F238E27FC236}">
-                <a16:creationId xmlns:a16="http://schemas.microsoft.com/office/drawing/2014/main" id="{97EEBC33-F476-4CAA-BE80-AE0D3B9EF768}"/>
+                <a16:creationId xmlns:a16="http://schemas.microsoft.com/office/drawing/2014/main" id="{3A30D208-9FEB-46FC-AA3E-D160C4A68700}"/>
               </a:ext>
             </a:extLst>
           </p:cNvPr>
@@ -6723,10 +6852,9 @@
           <a:p>
             <a:pPr algn="ctr"/>
             <a:r>
-              <a:rPr lang="pl-PL" dirty="0" err="1"/>
-              <a:t>Moq</a:t>
-            </a:r>
-            <a:endParaRPr lang="pl-PL" dirty="0"/>
+              <a:rPr lang="pl-PL" dirty="0"/>
+              <a:t>Przykład</a:t>
+            </a:r>
           </a:p>
         </p:txBody>
       </p:sp>
@@ -6735,7 +6863,7 @@
           <p:cNvPr id="3" name="Symbol zastępczy zawartości 2">
             <a:extLst>
               <a:ext uri="{FF2B5EF4-FFF2-40B4-BE49-F238E27FC236}">
-                <a16:creationId xmlns:a16="http://schemas.microsoft.com/office/drawing/2014/main" id="{00681E0D-570B-4872-8B28-90972EE357E7}"/>
+                <a16:creationId xmlns:a16="http://schemas.microsoft.com/office/drawing/2014/main" id="{0B7AEE14-4BD5-4620-BE2E-0FAE1CB56EED}"/>
               </a:ext>
             </a:extLst>
           </p:cNvPr>
@@ -6748,8 +6876,8 @@
         </p:nvSpPr>
         <p:spPr/>
         <p:txBody>
-          <a:bodyPr anchor="t">
-            <a:normAutofit fontScale="92500" lnSpcReduction="10000"/>
+          <a:bodyPr>
+            <a:normAutofit fontScale="62500" lnSpcReduction="20000"/>
           </a:bodyPr>
           <a:lstStyle/>
           <a:p>
@@ -6758,7 +6886,128 @@
             </a:pPr>
             <a:r>
               <a:rPr lang="pl-PL" dirty="0"/>
+              <a:t> public </a:t>
+            </a:r>
+            <a:r>
+              <a:rPr lang="pl-PL" dirty="0" err="1"/>
+              <a:t>class</a:t>
+            </a:r>
+            <a:r>
+              <a:rPr lang="pl-PL" dirty="0"/>
               <a:t> </a:t>
+            </a:r>
+            <a:r>
+              <a:rPr lang="pl-PL" dirty="0" err="1"/>
+              <a:t>VatValueCalculatorTests</a:t>
+            </a:r>
+            <a:endParaRPr lang="pl-PL" dirty="0"/>
+          </a:p>
+          <a:p>
+            <a:pPr marL="0" indent="0">
+              <a:buNone/>
+            </a:pPr>
+            <a:r>
+              <a:rPr lang="pl-PL" dirty="0"/>
+              <a:t>  {</a:t>
+            </a:r>
+          </a:p>
+          <a:p>
+            <a:pPr marL="0" indent="0">
+              <a:buNone/>
+            </a:pPr>
+            <a:r>
+              <a:rPr lang="pl-PL" dirty="0"/>
+              <a:t>    [</a:t>
+            </a:r>
+            <a:r>
+              <a:rPr lang="pl-PL" dirty="0" err="1"/>
+              <a:t>Fact</a:t>
+            </a:r>
+            <a:r>
+              <a:rPr lang="pl-PL" dirty="0"/>
+              <a:t>]</a:t>
+            </a:r>
+          </a:p>
+          <a:p>
+            <a:pPr marL="0" indent="0">
+              <a:buNone/>
+            </a:pPr>
+            <a:r>
+              <a:rPr lang="pl-PL" dirty="0"/>
+              <a:t>    public </a:t>
+            </a:r>
+            <a:r>
+              <a:rPr lang="pl-PL" dirty="0" err="1"/>
+              <a:t>void</a:t>
+            </a:r>
+            <a:r>
+              <a:rPr lang="pl-PL" dirty="0"/>
+              <a:t> </a:t>
+            </a:r>
+            <a:r>
+              <a:rPr lang="pl-PL" dirty="0" err="1"/>
+              <a:t>should_calculate_proper_value</a:t>
+            </a:r>
+            <a:r>
+              <a:rPr lang="pl-PL" dirty="0"/>
+              <a:t>()</a:t>
+            </a:r>
+          </a:p>
+          <a:p>
+            <a:pPr marL="0" indent="0">
+              <a:buNone/>
+            </a:pPr>
+            <a:r>
+              <a:rPr lang="pl-PL" dirty="0"/>
+              <a:t>    {</a:t>
+            </a:r>
+          </a:p>
+          <a:p>
+            <a:pPr marL="0" indent="0">
+              <a:buNone/>
+            </a:pPr>
+            <a:r>
+              <a:rPr lang="pl-PL" dirty="0"/>
+              <a:t>      </a:t>
+            </a:r>
+            <a:r>
+              <a:rPr lang="pl-PL" dirty="0" err="1"/>
+              <a:t>const</a:t>
+            </a:r>
+            <a:r>
+              <a:rPr lang="pl-PL" dirty="0"/>
+              <a:t> </a:t>
+            </a:r>
+            <a:r>
+              <a:rPr lang="pl-PL" dirty="0" err="1"/>
+              <a:t>decimal</a:t>
+            </a:r>
+            <a:r>
+              <a:rPr lang="pl-PL" dirty="0"/>
+              <a:t> </a:t>
+            </a:r>
+            <a:r>
+              <a:rPr lang="pl-PL" dirty="0" err="1"/>
+              <a:t>netValue</a:t>
+            </a:r>
+            <a:r>
+              <a:rPr lang="pl-PL" dirty="0"/>
+              <a:t> = 15;</a:t>
+            </a:r>
+          </a:p>
+          <a:p>
+            <a:pPr marL="0" indent="0">
+              <a:buNone/>
+            </a:pPr>
+            <a:endParaRPr lang="pl-PL" dirty="0"/>
+          </a:p>
+          <a:p>
+            <a:pPr marL="0" indent="0">
+              <a:buNone/>
+            </a:pPr>
+            <a:r>
+              <a:rPr lang="pl-PL" dirty="0"/>
+              <a:t>      </a:t>
             </a:r>
             <a:r>
               <a:rPr lang="pl-PL" dirty="0" err="1"/>
@@ -6770,168 +7019,11 @@
             </a:r>
             <a:r>
               <a:rPr lang="pl-PL" dirty="0" err="1"/>
-              <a:t>mock</a:t>
-            </a:r>
-            <a:r>
-              <a:rPr lang="pl-PL" dirty="0"/>
-              <a:t> = </a:t>
-            </a:r>
-            <a:r>
-              <a:rPr lang="pl-PL" dirty="0" err="1"/>
-              <a:t>new</a:t>
-            </a:r>
-            <a:r>
-              <a:rPr lang="pl-PL" dirty="0"/>
-              <a:t> </a:t>
-            </a:r>
-            <a:r>
-              <a:rPr lang="pl-PL" dirty="0" err="1"/>
-              <a:t>Mock</a:t>
-            </a:r>
-            <a:r>
-              <a:rPr lang="pl-PL" dirty="0"/>
-              <a:t>&lt;</a:t>
-            </a:r>
-            <a:r>
-              <a:rPr lang="pl-PL" dirty="0" err="1"/>
-              <a:t>IInvoiceRepository</a:t>
-            </a:r>
-            <a:r>
-              <a:rPr lang="pl-PL" dirty="0"/>
-              <a:t>&gt;();</a:t>
-            </a:r>
-          </a:p>
-          <a:p>
-            <a:pPr marL="0" indent="0">
-              <a:buNone/>
-            </a:pPr>
-            <a:r>
-              <a:rPr lang="pl-PL" dirty="0"/>
-              <a:t>      </a:t>
-            </a:r>
-            <a:r>
-              <a:rPr lang="pl-PL" dirty="0" err="1"/>
-              <a:t>mock.Setup</a:t>
-            </a:r>
-            <a:r>
-              <a:rPr lang="pl-PL" dirty="0"/>
-              <a:t>(x =&gt; </a:t>
-            </a:r>
-            <a:r>
-              <a:rPr lang="pl-PL" dirty="0" err="1"/>
-              <a:t>x.GetAll</a:t>
-            </a:r>
-            <a:r>
-              <a:rPr lang="pl-PL" dirty="0"/>
-              <a:t>()).</a:t>
-            </a:r>
-            <a:r>
-              <a:rPr lang="pl-PL" dirty="0" err="1"/>
-              <a:t>Returns</a:t>
-            </a:r>
-            <a:r>
-              <a:rPr lang="pl-PL" dirty="0"/>
-              <a:t>(</a:t>
-            </a:r>
-            <a:r>
-              <a:rPr lang="pl-PL" dirty="0" err="1"/>
-              <a:t>new</a:t>
-            </a:r>
-            <a:r>
-              <a:rPr lang="pl-PL" dirty="0"/>
-              <a:t>[]</a:t>
-            </a:r>
-          </a:p>
-          <a:p>
-            <a:pPr marL="0" indent="0">
-              <a:buNone/>
-            </a:pPr>
-            <a:r>
-              <a:rPr lang="pl-PL" dirty="0"/>
-              <a:t>        {</a:t>
-            </a:r>
-          </a:p>
-          <a:p>
-            <a:pPr marL="0" indent="0">
-              <a:buNone/>
-            </a:pPr>
-            <a:r>
-              <a:rPr lang="pl-PL" dirty="0"/>
-              <a:t>          </a:t>
-            </a:r>
-            <a:r>
-              <a:rPr lang="pl-PL" dirty="0" err="1"/>
-              <a:t>new</a:t>
-            </a:r>
-            <a:r>
-              <a:rPr lang="pl-PL" dirty="0"/>
-              <a:t> </a:t>
-            </a:r>
-            <a:r>
-              <a:rPr lang="pl-PL" dirty="0" err="1"/>
-              <a:t>Invoice</a:t>
-            </a:r>
-            <a:r>
-              <a:rPr lang="pl-PL" dirty="0"/>
-              <a:t>() {Id = 1, </a:t>
-            </a:r>
-            <a:r>
-              <a:rPr lang="pl-PL" dirty="0" err="1"/>
-              <a:t>InvoiceNumber</a:t>
-            </a:r>
-            <a:r>
-              <a:rPr lang="pl-PL" dirty="0"/>
-              <a:t> = "FV/01/2017"}, </a:t>
-            </a:r>
-            <a:r>
-              <a:rPr lang="pl-PL" dirty="0" err="1"/>
-              <a:t>new</a:t>
-            </a:r>
-            <a:r>
-              <a:rPr lang="pl-PL" dirty="0"/>
-              <a:t> </a:t>
-            </a:r>
-            <a:r>
-              <a:rPr lang="pl-PL" dirty="0" err="1"/>
-              <a:t>Invoice</a:t>
-            </a:r>
-            <a:r>
-              <a:rPr lang="pl-PL" dirty="0"/>
-              <a:t>() {Id = 2, </a:t>
-            </a:r>
-            <a:r>
-              <a:rPr lang="pl-PL" dirty="0" err="1"/>
-              <a:t>InvoiceNumber</a:t>
-            </a:r>
-            <a:r>
-              <a:rPr lang="pl-PL" dirty="0"/>
-              <a:t> = "FV/02/2017"},</a:t>
-            </a:r>
-          </a:p>
-          <a:p>
-            <a:pPr marL="0" indent="0">
-              <a:buNone/>
-            </a:pPr>
-            <a:r>
-              <a:rPr lang="pl-PL" dirty="0"/>
-              <a:t>        })</a:t>
-            </a:r>
-          </a:p>
-          <a:p>
-            <a:pPr marL="0" indent="0">
-              <a:buNone/>
-            </a:pPr>
-            <a:r>
-              <a:rPr lang="pl-PL" dirty="0"/>
-              <a:t>        .</a:t>
-            </a:r>
-            <a:r>
-              <a:rPr lang="pl-PL" dirty="0" err="1"/>
-              <a:t>Verifiable</a:t>
-            </a:r>
-            <a:r>
-              <a:rPr lang="pl-PL" dirty="0"/>
-              <a:t>();</a:t>
+              <a:t>expectedValue</a:t>
+            </a:r>
+            <a:r>
+              <a:rPr lang="pl-PL" dirty="0"/>
+              <a:t> = 18.45M;</a:t>
             </a:r>
           </a:p>
           <a:p>
@@ -6950,7 +7042,23 @@
             </a:r>
             <a:r>
               <a:rPr lang="pl-PL" dirty="0" err="1"/>
-              <a:t>Assert.That</a:t>
+              <a:t>var</a:t>
+            </a:r>
+            <a:r>
+              <a:rPr lang="pl-PL" dirty="0"/>
+              <a:t> </a:t>
+            </a:r>
+            <a:r>
+              <a:rPr lang="pl-PL" dirty="0" err="1"/>
+              <a:t>calculatedValue</a:t>
+            </a:r>
+            <a:r>
+              <a:rPr lang="pl-PL" dirty="0"/>
+              <a:t> = </a:t>
+            </a:r>
+            <a:r>
+              <a:rPr lang="pl-PL" dirty="0" err="1"/>
+              <a:t>VatValueCalculator.CalculateGrossValue</a:t>
             </a:r>
             <a:r>
               <a:rPr lang="pl-PL" dirty="0"/>
@@ -6958,27 +7066,11 @@
             </a:r>
             <a:r>
               <a:rPr lang="pl-PL" dirty="0" err="1"/>
-              <a:t>mock.Object.GetAll</a:t>
-            </a:r>
-            <a:r>
-              <a:rPr lang="pl-PL" dirty="0"/>
-              <a:t>().</a:t>
-            </a:r>
-            <a:r>
-              <a:rPr lang="pl-PL" dirty="0" err="1"/>
-              <a:t>Count</a:t>
-            </a:r>
-            <a:r>
-              <a:rPr lang="pl-PL" dirty="0"/>
-              <a:t>(), </a:t>
-            </a:r>
-            <a:r>
-              <a:rPr lang="pl-PL" dirty="0" err="1"/>
-              <a:t>Is.EqualTo</a:t>
-            </a:r>
-            <a:r>
-              <a:rPr lang="pl-PL" dirty="0"/>
-              <a:t>(2));</a:t>
+              <a:t>netValue</a:t>
+            </a:r>
+            <a:r>
+              <a:rPr lang="pl-PL" dirty="0"/>
+              <a:t>);</a:t>
             </a:r>
           </a:p>
           <a:p>
@@ -6997,11 +7089,45 @@
             </a:r>
             <a:r>
               <a:rPr lang="pl-PL" dirty="0" err="1"/>
-              <a:t>mock.Verify</a:t>
-            </a:r>
-            <a:r>
-              <a:rPr lang="pl-PL" dirty="0"/>
-              <a:t>();</a:t>
+              <a:t>Assert.Equal</a:t>
+            </a:r>
+            <a:r>
+              <a:rPr lang="pl-PL" dirty="0"/>
+              <a:t>(</a:t>
+            </a:r>
+            <a:r>
+              <a:rPr lang="pl-PL" dirty="0" err="1"/>
+              <a:t>expectedValue</a:t>
+            </a:r>
+            <a:r>
+              <a:rPr lang="pl-PL" dirty="0"/>
+              <a:t>, </a:t>
+            </a:r>
+            <a:r>
+              <a:rPr lang="pl-PL" dirty="0" err="1"/>
+              <a:t>calculatedValue</a:t>
+            </a:r>
+            <a:r>
+              <a:rPr lang="pl-PL" dirty="0"/>
+              <a:t>);</a:t>
+            </a:r>
+          </a:p>
+          <a:p>
+            <a:pPr marL="0" indent="0">
+              <a:buNone/>
+            </a:pPr>
+            <a:r>
+              <a:rPr lang="pl-PL" dirty="0"/>
+              <a:t>    }</a:t>
+            </a:r>
+          </a:p>
+          <a:p>
+            <a:pPr marL="0" indent="0">
+              <a:buNone/>
+            </a:pPr>
+            <a:r>
+              <a:rPr lang="pl-PL" dirty="0"/>
+              <a:t>  }</a:t>
             </a:r>
           </a:p>
         </p:txBody>
@@ -7009,7 +7135,7 @@
     </p:spTree>
     <p:extLst>
       <p:ext uri="{BB962C8B-B14F-4D97-AF65-F5344CB8AC3E}">
-        <p14:creationId xmlns:p14="http://schemas.microsoft.com/office/powerpoint/2010/main" val="634370889"/>
+        <p14:creationId xmlns:p14="http://schemas.microsoft.com/office/powerpoint/2010/main" val="2047853959"/>
       </p:ext>
     </p:extLst>
   </p:cSld>
@@ -7041,7 +7167,7 @@
           <p:cNvPr id="2" name="Tytuł 1">
             <a:extLst>
               <a:ext uri="{FF2B5EF4-FFF2-40B4-BE49-F238E27FC236}">
-                <a16:creationId xmlns:a16="http://schemas.microsoft.com/office/drawing/2014/main" id="{97EEBC33-F476-4CAA-BE80-AE0D3B9EF768}"/>
+                <a16:creationId xmlns:a16="http://schemas.microsoft.com/office/drawing/2014/main" id="{165F0107-1BA4-421F-A5F7-D4A1F07FE77F}"/>
               </a:ext>
             </a:extLst>
           </p:cNvPr>
@@ -7054,15 +7180,16 @@
         </p:nvSpPr>
         <p:spPr/>
         <p:txBody>
-          <a:bodyPr/>
+          <a:bodyPr>
+            <a:normAutofit/>
+          </a:bodyPr>
           <a:lstStyle/>
           <a:p>
             <a:pPr algn="ctr"/>
             <a:r>
-              <a:rPr lang="pl-PL" dirty="0" err="1"/>
-              <a:t>Shouldly</a:t>
-            </a:r>
-            <a:endParaRPr lang="pl-PL" dirty="0"/>
+              <a:rPr lang="pl-PL" sz="4000" dirty="0"/>
+              <a:t>Microsoft Unit Test Framework</a:t>
+            </a:r>
           </a:p>
         </p:txBody>
       </p:sp>
@@ -7071,7 +7198,7 @@
           <p:cNvPr id="3" name="Symbol zastępczy zawartości 2">
             <a:extLst>
               <a:ext uri="{FF2B5EF4-FFF2-40B4-BE49-F238E27FC236}">
-                <a16:creationId xmlns:a16="http://schemas.microsoft.com/office/drawing/2014/main" id="{00681E0D-570B-4872-8B28-90972EE357E7}"/>
+                <a16:creationId xmlns:a16="http://schemas.microsoft.com/office/drawing/2014/main" id="{5A1B9E0F-74CE-40C2-B1E9-C33ACD371F96}"/>
               </a:ext>
             </a:extLst>
           </p:cNvPr>
@@ -7084,160 +7211,83 @@
         </p:nvSpPr>
         <p:spPr/>
         <p:txBody>
-          <a:bodyPr anchor="t">
-            <a:normAutofit/>
-          </a:bodyPr>
-          <a:lstStyle/>
-          <a:p>
-            <a:pPr marL="0" indent="0">
-              <a:buNone/>
-            </a:pPr>
-            <a:r>
-              <a:rPr lang="pl-PL" dirty="0"/>
-              <a:t>      </a:t>
-            </a:r>
-            <a:r>
-              <a:rPr lang="pl-PL" dirty="0" err="1"/>
-              <a:t>var</a:t>
-            </a:r>
-            <a:r>
-              <a:rPr lang="pl-PL" dirty="0"/>
-              <a:t> a = 1 * 3;</a:t>
-            </a:r>
-          </a:p>
-          <a:p>
-            <a:pPr marL="0" indent="0">
-              <a:buNone/>
-            </a:pPr>
-            <a:r>
-              <a:rPr lang="pl-PL" dirty="0"/>
-              <a:t>      </a:t>
-            </a:r>
-            <a:r>
-              <a:rPr lang="pl-PL" dirty="0" err="1"/>
-              <a:t>var</a:t>
-            </a:r>
-            <a:r>
-              <a:rPr lang="pl-PL" dirty="0"/>
-              <a:t> b = 9/3;</a:t>
-            </a:r>
-          </a:p>
-          <a:p>
-            <a:pPr marL="0" indent="0">
-              <a:buNone/>
-            </a:pPr>
-            <a:endParaRPr lang="pl-PL" dirty="0"/>
-          </a:p>
-          <a:p>
-            <a:pPr marL="0" indent="0">
-              <a:buNone/>
-            </a:pPr>
-            <a:r>
-              <a:rPr lang="pl-PL" dirty="0"/>
-              <a:t>      </a:t>
-            </a:r>
-            <a:r>
-              <a:rPr lang="pl-PL" dirty="0" err="1"/>
-              <a:t>var</a:t>
-            </a:r>
-            <a:r>
-              <a:rPr lang="pl-PL" dirty="0"/>
-              <a:t> </a:t>
-            </a:r>
-            <a:r>
-              <a:rPr lang="pl-PL" dirty="0" err="1"/>
-              <a:t>value</a:t>
-            </a:r>
-            <a:r>
-              <a:rPr lang="pl-PL" dirty="0"/>
-              <a:t> = a == b;</a:t>
-            </a:r>
-          </a:p>
-          <a:p>
-            <a:pPr marL="0" indent="0">
-              <a:buNone/>
-            </a:pPr>
-            <a:endParaRPr lang="pl-PL" dirty="0"/>
-          </a:p>
-          <a:p>
-            <a:pPr marL="0" indent="0">
-              <a:buNone/>
-            </a:pPr>
-            <a:r>
-              <a:rPr lang="pl-PL" dirty="0"/>
-              <a:t>      </a:t>
-            </a:r>
-            <a:r>
-              <a:rPr lang="pl-PL" dirty="0" err="1"/>
-              <a:t>value.ShouldBe</a:t>
-            </a:r>
-            <a:r>
-              <a:rPr lang="pl-PL" dirty="0"/>
-              <a:t>(</a:t>
-            </a:r>
-            <a:r>
-              <a:rPr lang="pl-PL" dirty="0" err="1"/>
-              <a:t>true</a:t>
-            </a:r>
-            <a:r>
-              <a:rPr lang="pl-PL" dirty="0"/>
-              <a:t>);</a:t>
-            </a:r>
-          </a:p>
-          <a:p>
-            <a:pPr marL="0" indent="0">
-              <a:buNone/>
-            </a:pPr>
-            <a:r>
-              <a:rPr lang="en-US" dirty="0"/>
-              <a:t>      Action </a:t>
-            </a:r>
-            <a:r>
-              <a:rPr lang="en-US" dirty="0" err="1"/>
-              <a:t>action</a:t>
-            </a:r>
-            <a:r>
-              <a:rPr lang="en-US" dirty="0"/>
-              <a:t> = () =&gt; { throw new Exception();};</a:t>
-            </a:r>
-          </a:p>
-          <a:p>
-            <a:pPr marL="0" indent="0">
-              <a:buNone/>
-            </a:pPr>
-            <a:endParaRPr lang="pl-PL" dirty="0"/>
-          </a:p>
-          <a:p>
-            <a:pPr marL="0" indent="0">
-              <a:buNone/>
-            </a:pPr>
-            <a:r>
-              <a:rPr lang="pl-PL" dirty="0"/>
-              <a:t>      </a:t>
-            </a:r>
-            <a:r>
-              <a:rPr lang="pl-PL" dirty="0" err="1"/>
-              <a:t>action.ShouldThrow</a:t>
-            </a:r>
-            <a:r>
-              <a:rPr lang="pl-PL" dirty="0"/>
-              <a:t>&lt;</a:t>
-            </a:r>
-            <a:r>
-              <a:rPr lang="pl-PL" dirty="0" err="1"/>
-              <a:t>Exception</a:t>
-            </a:r>
-            <a:r>
-              <a:rPr lang="pl-PL" dirty="0"/>
-              <a:t>&gt;();</a:t>
-            </a:r>
+          <a:bodyPr/>
+          <a:lstStyle/>
+          <a:p>
+            <a:pPr fontAlgn="ctr"/>
+            <a:r>
+              <a:rPr lang="pl-PL" sz="2400" dirty="0">
+                <a:solidFill>
+                  <a:schemeClr val="tx1"/>
+                </a:solidFill>
+              </a:rPr>
+              <a:t>Wspierany przez Microsoft</a:t>
+            </a:r>
+          </a:p>
+          <a:p>
+            <a:pPr fontAlgn="ctr"/>
+            <a:r>
+              <a:rPr lang="pl-PL" sz="2400" dirty="0">
+                <a:solidFill>
+                  <a:schemeClr val="tx1"/>
+                </a:solidFill>
+              </a:rPr>
+              <a:t>Wbudowany w Visual Studio</a:t>
+            </a:r>
+          </a:p>
+          <a:p>
+            <a:pPr fontAlgn="ctr"/>
+            <a:r>
+              <a:rPr lang="pl-PL" sz="2400" dirty="0">
+                <a:solidFill>
+                  <a:schemeClr val="tx1"/>
+                </a:solidFill>
+              </a:rPr>
+              <a:t>Atrybuty </a:t>
+            </a:r>
+            <a:r>
+              <a:rPr lang="pl-PL" sz="2400" dirty="0" err="1">
+                <a:solidFill>
+                  <a:schemeClr val="tx1"/>
+                </a:solidFill>
+              </a:rPr>
+              <a:t>TestClass</a:t>
+            </a:r>
+            <a:r>
+              <a:rPr lang="pl-PL" sz="2400" dirty="0">
+                <a:solidFill>
+                  <a:schemeClr val="tx1"/>
+                </a:solidFill>
+              </a:rPr>
+              <a:t>, </a:t>
+            </a:r>
+            <a:r>
+              <a:rPr lang="pl-PL" sz="2400" dirty="0" err="1">
+                <a:solidFill>
+                  <a:schemeClr val="tx1"/>
+                </a:solidFill>
+              </a:rPr>
+              <a:t>TestMethod</a:t>
+            </a:r>
+            <a:endParaRPr lang="pl-PL" sz="2400" dirty="0">
+              <a:solidFill>
+                <a:schemeClr val="tx1"/>
+              </a:solidFill>
+            </a:endParaRPr>
+          </a:p>
+          <a:p>
+            <a:endParaRPr lang="pl-PL" dirty="0">
+              <a:solidFill>
+                <a:schemeClr val="tx1"/>
+              </a:solidFill>
+            </a:endParaRPr>
           </a:p>
         </p:txBody>
       </p:sp>
     </p:spTree>
     <p:extLst>
       <p:ext uri="{BB962C8B-B14F-4D97-AF65-F5344CB8AC3E}">
-        <p14:creationId xmlns:p14="http://schemas.microsoft.com/office/powerpoint/2010/main" val="897431209"/>
+        <p14:creationId xmlns:p14="http://schemas.microsoft.com/office/powerpoint/2010/main" val="1891818956"/>
       </p:ext>
     </p:extLst>
   </p:cSld>
@@ -7269,7 +7319,7 @@
           <p:cNvPr id="2" name="Tytuł 1">
             <a:extLst>
               <a:ext uri="{FF2B5EF4-FFF2-40B4-BE49-F238E27FC236}">
-                <a16:creationId xmlns:a16="http://schemas.microsoft.com/office/drawing/2014/main" id="{970CB31F-FEF9-4639-AC4D-5CA4E95DFA84}"/>
+                <a16:creationId xmlns:a16="http://schemas.microsoft.com/office/drawing/2014/main" id="{3A30D208-9FEB-46FC-AA3E-D160C4A68700}"/>
               </a:ext>
             </a:extLst>
           </p:cNvPr>
@@ -7282,15 +7332,13 @@
         </p:nvSpPr>
         <p:spPr/>
         <p:txBody>
-          <a:bodyPr>
-            <a:normAutofit/>
-          </a:bodyPr>
+          <a:bodyPr/>
           <a:lstStyle/>
           <a:p>
             <a:pPr algn="ctr"/>
             <a:r>
-              <a:rPr lang="pl-PL" sz="4400" dirty="0"/>
-              <a:t>Dobre praktyki</a:t>
+              <a:rPr lang="pl-PL" dirty="0"/>
+              <a:t>Przykład</a:t>
             </a:r>
           </a:p>
         </p:txBody>
@@ -7300,7 +7348,7 @@
           <p:cNvPr id="3" name="Symbol zastępczy zawartości 2">
             <a:extLst>
               <a:ext uri="{FF2B5EF4-FFF2-40B4-BE49-F238E27FC236}">
-                <a16:creationId xmlns:a16="http://schemas.microsoft.com/office/drawing/2014/main" id="{2A888229-506E-4FFF-B857-515AC31E5DD0}"/>
+                <a16:creationId xmlns:a16="http://schemas.microsoft.com/office/drawing/2014/main" id="{0B7AEE14-4BD5-4620-BE2E-0FAE1CB56EED}"/>
               </a:ext>
             </a:extLst>
           </p:cNvPr>
@@ -7313,71 +7361,283 @@
         </p:nvSpPr>
         <p:spPr/>
         <p:txBody>
-          <a:bodyPr/>
-          <a:lstStyle/>
-          <a:p>
-            <a:r>
-              <a:rPr lang="pl-PL" sz="3200" dirty="0">
-                <a:solidFill>
-                  <a:schemeClr val="tx1"/>
-                </a:solidFill>
-              </a:rPr>
-              <a:t>Nazewnictwo</a:t>
-            </a:r>
-          </a:p>
-          <a:p>
-            <a:r>
-              <a:rPr lang="pl-PL" sz="3200" dirty="0">
-                <a:solidFill>
-                  <a:schemeClr val="tx1"/>
-                </a:solidFill>
-              </a:rPr>
-              <a:t>Podział </a:t>
-            </a:r>
-            <a:r>
-              <a:rPr lang="pl-PL" sz="3200">
-                <a:solidFill>
-                  <a:schemeClr val="tx1"/>
-                </a:solidFill>
-              </a:rPr>
-              <a:t>na obiekty</a:t>
-            </a:r>
-            <a:endParaRPr lang="pl-PL" sz="3200" dirty="0">
-              <a:solidFill>
-                <a:schemeClr val="tx1"/>
-              </a:solidFill>
-            </a:endParaRPr>
-          </a:p>
-          <a:p>
-            <a:r>
-              <a:rPr lang="pl-PL" sz="3200" dirty="0">
-                <a:solidFill>
-                  <a:schemeClr val="tx1"/>
-                </a:solidFill>
-              </a:rPr>
-              <a:t>AAA/GWT</a:t>
-            </a:r>
-          </a:p>
-          <a:p>
-            <a:endParaRPr lang="pl-PL" dirty="0">
-              <a:solidFill>
-                <a:schemeClr val="tx1"/>
-              </a:solidFill>
-            </a:endParaRPr>
-          </a:p>
-          <a:p>
-            <a:endParaRPr lang="pl-PL" dirty="0">
-              <a:solidFill>
-                <a:schemeClr val="tx1"/>
-              </a:solidFill>
-            </a:endParaRPr>
+          <a:bodyPr>
+            <a:normAutofit fontScale="62500" lnSpcReduction="20000"/>
+          </a:bodyPr>
+          <a:lstStyle/>
+          <a:p>
+            <a:pPr marL="0" indent="0">
+              <a:buNone/>
+            </a:pPr>
+            <a:r>
+              <a:rPr lang="pl-PL" dirty="0"/>
+              <a:t> [</a:t>
+            </a:r>
+            <a:r>
+              <a:rPr lang="pl-PL" dirty="0" err="1"/>
+              <a:t>TestClass</a:t>
+            </a:r>
+            <a:r>
+              <a:rPr lang="pl-PL" dirty="0"/>
+              <a:t>]</a:t>
+            </a:r>
+          </a:p>
+          <a:p>
+            <a:pPr marL="0" indent="0">
+              <a:buNone/>
+            </a:pPr>
+            <a:r>
+              <a:rPr lang="pl-PL" dirty="0"/>
+              <a:t>  public </a:t>
+            </a:r>
+            <a:r>
+              <a:rPr lang="pl-PL" dirty="0" err="1"/>
+              <a:t>class</a:t>
+            </a:r>
+            <a:r>
+              <a:rPr lang="pl-PL" dirty="0"/>
+              <a:t> </a:t>
+            </a:r>
+            <a:r>
+              <a:rPr lang="pl-PL" dirty="0" err="1"/>
+              <a:t>VatValueCalculatorTests</a:t>
+            </a:r>
+            <a:endParaRPr lang="pl-PL" dirty="0"/>
+          </a:p>
+          <a:p>
+            <a:pPr marL="0" indent="0">
+              <a:buNone/>
+            </a:pPr>
+            <a:r>
+              <a:rPr lang="pl-PL" dirty="0"/>
+              <a:t>  {</a:t>
+            </a:r>
+          </a:p>
+          <a:p>
+            <a:pPr marL="0" indent="0">
+              <a:buNone/>
+            </a:pPr>
+            <a:r>
+              <a:rPr lang="pl-PL" dirty="0"/>
+              <a:t>    [</a:t>
+            </a:r>
+            <a:r>
+              <a:rPr lang="pl-PL" dirty="0" err="1"/>
+              <a:t>TestMethod</a:t>
+            </a:r>
+            <a:r>
+              <a:rPr lang="pl-PL" dirty="0"/>
+              <a:t>]</a:t>
+            </a:r>
+          </a:p>
+          <a:p>
+            <a:pPr marL="0" indent="0">
+              <a:buNone/>
+            </a:pPr>
+            <a:r>
+              <a:rPr lang="pl-PL" dirty="0"/>
+              <a:t>    public </a:t>
+            </a:r>
+            <a:r>
+              <a:rPr lang="pl-PL" dirty="0" err="1"/>
+              <a:t>void</a:t>
+            </a:r>
+            <a:r>
+              <a:rPr lang="pl-PL" dirty="0"/>
+              <a:t> </a:t>
+            </a:r>
+            <a:r>
+              <a:rPr lang="pl-PL" dirty="0" err="1"/>
+              <a:t>should_calculate_proper_value</a:t>
+            </a:r>
+            <a:r>
+              <a:rPr lang="pl-PL" dirty="0"/>
+              <a:t>()</a:t>
+            </a:r>
+          </a:p>
+          <a:p>
+            <a:pPr marL="0" indent="0">
+              <a:buNone/>
+            </a:pPr>
+            <a:r>
+              <a:rPr lang="pl-PL" dirty="0"/>
+              <a:t>    {</a:t>
+            </a:r>
+          </a:p>
+          <a:p>
+            <a:pPr marL="0" indent="0">
+              <a:buNone/>
+            </a:pPr>
+            <a:r>
+              <a:rPr lang="pl-PL" dirty="0"/>
+              <a:t>      </a:t>
+            </a:r>
+            <a:r>
+              <a:rPr lang="pl-PL" dirty="0" err="1"/>
+              <a:t>const</a:t>
+            </a:r>
+            <a:r>
+              <a:rPr lang="pl-PL" dirty="0"/>
+              <a:t> </a:t>
+            </a:r>
+            <a:r>
+              <a:rPr lang="pl-PL" dirty="0" err="1"/>
+              <a:t>decimal</a:t>
+            </a:r>
+            <a:r>
+              <a:rPr lang="pl-PL" dirty="0"/>
+              <a:t> </a:t>
+            </a:r>
+            <a:r>
+              <a:rPr lang="pl-PL" dirty="0" err="1"/>
+              <a:t>netValue</a:t>
+            </a:r>
+            <a:r>
+              <a:rPr lang="pl-PL" dirty="0"/>
+              <a:t> = 15;</a:t>
+            </a:r>
+          </a:p>
+          <a:p>
+            <a:pPr marL="0" indent="0">
+              <a:buNone/>
+            </a:pPr>
+            <a:endParaRPr lang="pl-PL" dirty="0"/>
+          </a:p>
+          <a:p>
+            <a:pPr marL="0" indent="0">
+              <a:buNone/>
+            </a:pPr>
+            <a:r>
+              <a:rPr lang="pl-PL" dirty="0"/>
+              <a:t>      </a:t>
+            </a:r>
+            <a:r>
+              <a:rPr lang="pl-PL" dirty="0" err="1"/>
+              <a:t>var</a:t>
+            </a:r>
+            <a:r>
+              <a:rPr lang="pl-PL" dirty="0"/>
+              <a:t> </a:t>
+            </a:r>
+            <a:r>
+              <a:rPr lang="pl-PL" dirty="0" err="1"/>
+              <a:t>expectedValue</a:t>
+            </a:r>
+            <a:r>
+              <a:rPr lang="pl-PL" dirty="0"/>
+              <a:t> = 18.45M;</a:t>
+            </a:r>
+          </a:p>
+          <a:p>
+            <a:pPr marL="0" indent="0">
+              <a:buNone/>
+            </a:pPr>
+            <a:endParaRPr lang="pl-PL" dirty="0"/>
+          </a:p>
+          <a:p>
+            <a:pPr marL="0" indent="0">
+              <a:buNone/>
+            </a:pPr>
+            <a:r>
+              <a:rPr lang="pl-PL" dirty="0"/>
+              <a:t>      </a:t>
+            </a:r>
+            <a:r>
+              <a:rPr lang="pl-PL" dirty="0" err="1"/>
+              <a:t>var</a:t>
+            </a:r>
+            <a:r>
+              <a:rPr lang="pl-PL" dirty="0"/>
+              <a:t> </a:t>
+            </a:r>
+            <a:r>
+              <a:rPr lang="pl-PL" dirty="0" err="1"/>
+              <a:t>calculatedValue</a:t>
+            </a:r>
+            <a:r>
+              <a:rPr lang="pl-PL" dirty="0"/>
+              <a:t> = </a:t>
+            </a:r>
+            <a:r>
+              <a:rPr lang="pl-PL" dirty="0" err="1"/>
+              <a:t>VatValueCalculator.CalculateGrossValue</a:t>
+            </a:r>
+            <a:r>
+              <a:rPr lang="pl-PL" dirty="0"/>
+              <a:t>(</a:t>
+            </a:r>
+            <a:r>
+              <a:rPr lang="pl-PL" dirty="0" err="1"/>
+              <a:t>netValue</a:t>
+            </a:r>
+            <a:r>
+              <a:rPr lang="pl-PL" dirty="0"/>
+              <a:t>);</a:t>
+            </a:r>
+          </a:p>
+          <a:p>
+            <a:pPr marL="0" indent="0">
+              <a:buNone/>
+            </a:pPr>
+            <a:endParaRPr lang="pl-PL" dirty="0"/>
+          </a:p>
+          <a:p>
+            <a:pPr marL="0" indent="0">
+              <a:buNone/>
+            </a:pPr>
+            <a:r>
+              <a:rPr lang="pl-PL" dirty="0"/>
+              <a:t>      </a:t>
+            </a:r>
+            <a:r>
+              <a:rPr lang="pl-PL" dirty="0" err="1"/>
+              <a:t>Assert.AreEqual</a:t>
+            </a:r>
+            <a:r>
+              <a:rPr lang="pl-PL" dirty="0"/>
+              <a:t>(</a:t>
+            </a:r>
+            <a:r>
+              <a:rPr lang="pl-PL" dirty="0" err="1"/>
+              <a:t>expectedValue</a:t>
+            </a:r>
+            <a:r>
+              <a:rPr lang="pl-PL" dirty="0"/>
+              <a:t>, </a:t>
+            </a:r>
+            <a:r>
+              <a:rPr lang="pl-PL" dirty="0" err="1"/>
+              <a:t>calculatedValue</a:t>
+            </a:r>
+            <a:r>
+              <a:rPr lang="pl-PL" dirty="0"/>
+              <a:t>);</a:t>
+            </a:r>
+          </a:p>
+          <a:p>
+            <a:pPr marL="0" indent="0">
+              <a:buNone/>
+            </a:pPr>
+            <a:r>
+              <a:rPr lang="pl-PL" dirty="0"/>
+              <a:t>    }</a:t>
+            </a:r>
+          </a:p>
+          <a:p>
+            <a:pPr marL="0" indent="0">
+              <a:buNone/>
+            </a:pPr>
+            <a:r>
+              <a:rPr lang="pl-PL" dirty="0"/>
+              <a:t>  }</a:t>
+            </a:r>
           </a:p>
         </p:txBody>
       </p:sp>
     </p:spTree>
     <p:extLst>
       <p:ext uri="{BB962C8B-B14F-4D97-AF65-F5344CB8AC3E}">
-        <p14:creationId xmlns:p14="http://schemas.microsoft.com/office/powerpoint/2010/main" val="2377181720"/>
+        <p14:creationId xmlns:p14="http://schemas.microsoft.com/office/powerpoint/2010/main" val="2710965677"/>
       </p:ext>
     </p:extLst>
   </p:cSld>
@@ -7409,7 +7669,7 @@
           <p:cNvPr id="2" name="Tytuł 1">
             <a:extLst>
               <a:ext uri="{FF2B5EF4-FFF2-40B4-BE49-F238E27FC236}">
-                <a16:creationId xmlns:a16="http://schemas.microsoft.com/office/drawing/2014/main" id="{D34EEC07-67A6-462E-AB32-8D4D7C18EE50}"/>
+                <a16:creationId xmlns:a16="http://schemas.microsoft.com/office/drawing/2014/main" id="{AA11F76F-3203-4B44-BA32-A0134C8CA848}"/>
               </a:ext>
             </a:extLst>
           </p:cNvPr>
@@ -7422,13 +7682,15 @@
         </p:nvSpPr>
         <p:spPr/>
         <p:txBody>
-          <a:bodyPr/>
+          <a:bodyPr>
+            <a:normAutofit/>
+          </a:bodyPr>
           <a:lstStyle/>
           <a:p>
             <a:pPr algn="ctr"/>
             <a:r>
-              <a:rPr lang="pl-PL" dirty="0"/>
-              <a:t>AAA/GWT</a:t>
+              <a:rPr lang="pl-PL" sz="4400" dirty="0"/>
+              <a:t>Przydatne narzędzia/biblioteki</a:t>
             </a:r>
           </a:p>
         </p:txBody>
@@ -7438,7 +7700,7 @@
           <p:cNvPr id="3" name="Symbol zastępczy zawartości 2">
             <a:extLst>
               <a:ext uri="{FF2B5EF4-FFF2-40B4-BE49-F238E27FC236}">
-                <a16:creationId xmlns:a16="http://schemas.microsoft.com/office/drawing/2014/main" id="{FE21FA29-87A5-4248-8579-0429EAE4E5D0}"/>
+                <a16:creationId xmlns:a16="http://schemas.microsoft.com/office/drawing/2014/main" id="{B9B16BB4-B16B-4445-B60B-4E7A1D9E0118}"/>
               </a:ext>
             </a:extLst>
           </p:cNvPr>
@@ -7451,85 +7713,107 @@
         </p:nvSpPr>
         <p:spPr/>
         <p:txBody>
-          <a:bodyPr anchor="t"/>
-          <a:lstStyle/>
-          <a:p>
-            <a:r>
-              <a:rPr lang="pl-PL" dirty="0"/>
-              <a:t>AAA</a:t>
-            </a:r>
-          </a:p>
-          <a:p>
-            <a:pPr lvl="1"/>
-            <a:r>
-              <a:rPr lang="pl-PL" dirty="0" err="1"/>
-              <a:t>Arrange</a:t>
-            </a:r>
-            <a:r>
-              <a:rPr lang="pl-PL" dirty="0"/>
-              <a:t>, </a:t>
-            </a:r>
-          </a:p>
-          <a:p>
-            <a:pPr lvl="1"/>
-            <a:r>
-              <a:rPr lang="pl-PL" dirty="0" err="1"/>
-              <a:t>Act</a:t>
-            </a:r>
-            <a:r>
-              <a:rPr lang="pl-PL" dirty="0"/>
-              <a:t>, </a:t>
-            </a:r>
-          </a:p>
-          <a:p>
-            <a:pPr lvl="1"/>
-            <a:r>
-              <a:rPr lang="pl-PL" dirty="0" err="1"/>
-              <a:t>Assert</a:t>
-            </a:r>
-            <a:endParaRPr lang="pl-PL" dirty="0"/>
-          </a:p>
-          <a:p>
-            <a:r>
-              <a:rPr lang="pl-PL" dirty="0"/>
-              <a:t>GWT </a:t>
-            </a:r>
-          </a:p>
-          <a:p>
-            <a:pPr lvl="1"/>
-            <a:r>
-              <a:rPr lang="pl-PL" dirty="0" err="1"/>
-              <a:t>Given</a:t>
-            </a:r>
-            <a:r>
-              <a:rPr lang="pl-PL" dirty="0"/>
+          <a:bodyPr/>
+          <a:lstStyle/>
+          <a:p>
+            <a:pPr fontAlgn="ctr"/>
+            <a:r>
+              <a:rPr lang="pl-PL" sz="3200" dirty="0">
+                <a:solidFill>
+                  <a:schemeClr val="tx1"/>
+                </a:solidFill>
+              </a:rPr>
+              <a:t>R#</a:t>
+            </a:r>
+          </a:p>
+          <a:p>
+            <a:pPr fontAlgn="ctr"/>
+            <a:r>
+              <a:rPr lang="pl-PL" sz="3200" dirty="0">
+                <a:solidFill>
+                  <a:schemeClr val="tx1"/>
+                </a:solidFill>
+              </a:rPr>
+              <a:t>Test </a:t>
+            </a:r>
+            <a:r>
+              <a:rPr lang="pl-PL" sz="3200" dirty="0" err="1">
+                <a:solidFill>
+                  <a:schemeClr val="tx1"/>
+                </a:solidFill>
+              </a:rPr>
+              <a:t>runner</a:t>
+            </a:r>
+            <a:endParaRPr lang="pl-PL" sz="3200" dirty="0">
+              <a:solidFill>
+                <a:schemeClr val="tx1"/>
+              </a:solidFill>
+            </a:endParaRPr>
+          </a:p>
+          <a:p>
+            <a:pPr fontAlgn="ctr"/>
+            <a:r>
+              <a:rPr lang="pl-PL" sz="3200" dirty="0" err="1">
+                <a:solidFill>
+                  <a:schemeClr val="tx1"/>
+                </a:solidFill>
+              </a:rPr>
+              <a:t>Moq</a:t>
+            </a:r>
+            <a:r>
+              <a:rPr lang="pl-PL" sz="3200" dirty="0">
+                <a:solidFill>
+                  <a:schemeClr val="tx1"/>
+                </a:solidFill>
+              </a:rPr>
+              <a:t> / </a:t>
+            </a:r>
+            <a:r>
+              <a:rPr lang="pl-PL" sz="3200" dirty="0" err="1">
+                <a:solidFill>
+                  <a:schemeClr val="tx1"/>
+                </a:solidFill>
+              </a:rPr>
+              <a:t>Nsubstitute</a:t>
+            </a:r>
+            <a:r>
+              <a:rPr lang="pl-PL" sz="3200" dirty="0">
+                <a:solidFill>
+                  <a:schemeClr val="tx1"/>
+                </a:solidFill>
+              </a:rPr>
               <a:t> </a:t>
             </a:r>
           </a:p>
           <a:p>
-            <a:pPr lvl="1"/>
-            <a:r>
-              <a:rPr lang="pl-PL" dirty="0" err="1"/>
-              <a:t>When</a:t>
-            </a:r>
-            <a:r>
-              <a:rPr lang="pl-PL" dirty="0"/>
-              <a:t> </a:t>
-            </a:r>
-          </a:p>
-          <a:p>
-            <a:pPr lvl="1"/>
-            <a:r>
-              <a:rPr lang="pl-PL" dirty="0"/>
-              <a:t>Then</a:t>
-            </a:r>
+            <a:pPr fontAlgn="ctr"/>
+            <a:r>
+              <a:rPr lang="pl-PL" sz="3200" dirty="0" err="1">
+                <a:solidFill>
+                  <a:schemeClr val="tx1"/>
+                </a:solidFill>
+              </a:rPr>
+              <a:t>Shouldly</a:t>
+            </a:r>
+            <a:endParaRPr lang="pl-PL" sz="3200" dirty="0">
+              <a:solidFill>
+                <a:schemeClr val="tx1"/>
+              </a:solidFill>
+            </a:endParaRPr>
+          </a:p>
+          <a:p>
+            <a:endParaRPr lang="pl-PL" dirty="0">
+              <a:solidFill>
+                <a:schemeClr val="tx1"/>
+              </a:solidFill>
+            </a:endParaRPr>
           </a:p>
         </p:txBody>
       </p:sp>
     </p:spTree>
     <p:extLst>
       <p:ext uri="{BB962C8B-B14F-4D97-AF65-F5344CB8AC3E}">
-        <p14:creationId xmlns:p14="http://schemas.microsoft.com/office/powerpoint/2010/main" val="724341989"/>
+        <p14:creationId xmlns:p14="http://schemas.microsoft.com/office/powerpoint/2010/main" val="1148522495"/>
       </p:ext>
     </p:extLst>
   </p:cSld>
@@ -7561,7 +7845,7 @@
           <p:cNvPr id="2" name="Tytuł 1">
             <a:extLst>
               <a:ext uri="{FF2B5EF4-FFF2-40B4-BE49-F238E27FC236}">
-                <a16:creationId xmlns:a16="http://schemas.microsoft.com/office/drawing/2014/main" id="{6907A675-BBFF-49F5-A87B-33713128512C}"/>
+                <a16:creationId xmlns:a16="http://schemas.microsoft.com/office/drawing/2014/main" id="{97EEBC33-F476-4CAA-BE80-AE0D3B9EF768}"/>
               </a:ext>
             </a:extLst>
           </p:cNvPr>
@@ -7579,9 +7863,10 @@
           <a:p>
             <a:pPr algn="ctr"/>
             <a:r>
-              <a:rPr lang="pl-PL" dirty="0"/>
-              <a:t>Nazewnictwo</a:t>
-            </a:r>
+              <a:rPr lang="pl-PL" dirty="0" err="1"/>
+              <a:t>Moq</a:t>
+            </a:r>
+            <a:endParaRPr lang="pl-PL" dirty="0"/>
           </a:p>
         </p:txBody>
       </p:sp>
@@ -7590,7 +7875,7 @@
           <p:cNvPr id="3" name="Symbol zastępczy zawartości 2">
             <a:extLst>
               <a:ext uri="{FF2B5EF4-FFF2-40B4-BE49-F238E27FC236}">
-                <a16:creationId xmlns:a16="http://schemas.microsoft.com/office/drawing/2014/main" id="{B4308AD1-49F1-4A96-8281-9F1DB2654796}"/>
+                <a16:creationId xmlns:a16="http://schemas.microsoft.com/office/drawing/2014/main" id="{00681E0D-570B-4872-8B28-90972EE357E7}"/>
               </a:ext>
             </a:extLst>
           </p:cNvPr>
@@ -7603,36 +7888,268 @@
         </p:nvSpPr>
         <p:spPr/>
         <p:txBody>
-          <a:bodyPr anchor="t"/>
-          <a:lstStyle/>
-          <a:p>
-            <a:r>
-              <a:rPr lang="pl-PL" strike="sngStrike" dirty="0"/>
-              <a:t>Test1()</a:t>
-            </a:r>
-          </a:p>
-          <a:p>
-            <a:r>
-              <a:rPr lang="pl-PL" strike="sngStrike" dirty="0"/>
-              <a:t>Test2()</a:t>
-            </a:r>
-          </a:p>
-          <a:p>
-            <a:r>
-              <a:rPr lang="pl-PL" strike="sngStrike" dirty="0" err="1"/>
-              <a:t>TestDodawaniaFaktury</a:t>
-            </a:r>
-            <a:endParaRPr lang="pl-PL" strike="sngStrike" dirty="0"/>
-          </a:p>
-          <a:p>
+          <a:bodyPr anchor="t">
+            <a:normAutofit fontScale="92500" lnSpcReduction="10000"/>
+          </a:bodyPr>
+          <a:lstStyle/>
+          <a:p>
+            <a:pPr marL="0" indent="0">
+              <a:buNone/>
+            </a:pPr>
+            <a:r>
+              <a:rPr lang="pl-PL" dirty="0"/>
+              <a:t> </a:t>
+            </a:r>
+            <a:r>
+              <a:rPr lang="pl-PL" dirty="0" err="1"/>
+              <a:t>var</a:t>
+            </a:r>
+            <a:r>
+              <a:rPr lang="pl-PL" dirty="0"/>
+              <a:t> </a:t>
+            </a:r>
+            <a:r>
+              <a:rPr lang="pl-PL" dirty="0" err="1"/>
+              <a:t>mock</a:t>
+            </a:r>
+            <a:r>
+              <a:rPr lang="pl-PL" dirty="0"/>
+              <a:t> = </a:t>
+            </a:r>
+            <a:r>
+              <a:rPr lang="pl-PL" dirty="0" err="1"/>
+              <a:t>new</a:t>
+            </a:r>
+            <a:r>
+              <a:rPr lang="pl-PL" dirty="0"/>
+              <a:t> </a:t>
+            </a:r>
+            <a:r>
+              <a:rPr lang="pl-PL" dirty="0" err="1"/>
+              <a:t>Mock</a:t>
+            </a:r>
+            <a:r>
+              <a:rPr lang="pl-PL" dirty="0"/>
+              <a:t>&lt;</a:t>
+            </a:r>
+            <a:r>
+              <a:rPr lang="pl-PL" dirty="0" err="1"/>
+              <a:t>IInvoiceRepository</a:t>
+            </a:r>
+            <a:r>
+              <a:rPr lang="pl-PL" dirty="0"/>
+              <a:t>&gt;();</a:t>
+            </a:r>
+          </a:p>
+          <a:p>
+            <a:pPr marL="0" indent="0">
+              <a:buNone/>
+            </a:pPr>
+            <a:r>
+              <a:rPr lang="pl-PL" dirty="0"/>
+              <a:t>      </a:t>
+            </a:r>
+            <a:r>
+              <a:rPr lang="pl-PL" dirty="0" err="1"/>
+              <a:t>mock.Setup</a:t>
+            </a:r>
+            <a:r>
+              <a:rPr lang="pl-PL" dirty="0"/>
+              <a:t>(x =&gt; </a:t>
+            </a:r>
+            <a:r>
+              <a:rPr lang="pl-PL" dirty="0" err="1"/>
+              <a:t>x.GetAll</a:t>
+            </a:r>
+            <a:r>
+              <a:rPr lang="pl-PL" dirty="0"/>
+              <a:t>()).</a:t>
+            </a:r>
+            <a:r>
+              <a:rPr lang="pl-PL" dirty="0" err="1"/>
+              <a:t>Returns</a:t>
+            </a:r>
+            <a:r>
+              <a:rPr lang="pl-PL" dirty="0"/>
+              <a:t>(</a:t>
+            </a:r>
+            <a:r>
+              <a:rPr lang="pl-PL" dirty="0" err="1"/>
+              <a:t>new</a:t>
+            </a:r>
+            <a:r>
+              <a:rPr lang="pl-PL" dirty="0"/>
+              <a:t>[]</a:t>
+            </a:r>
+          </a:p>
+          <a:p>
+            <a:pPr marL="0" indent="0">
+              <a:buNone/>
+            </a:pPr>
+            <a:r>
+              <a:rPr lang="pl-PL" dirty="0"/>
+              <a:t>        {</a:t>
+            </a:r>
+          </a:p>
+          <a:p>
+            <a:pPr marL="0" indent="0">
+              <a:buNone/>
+            </a:pPr>
+            <a:r>
+              <a:rPr lang="pl-PL" dirty="0"/>
+              <a:t>          </a:t>
+            </a:r>
+            <a:r>
+              <a:rPr lang="pl-PL" dirty="0" err="1"/>
+              <a:t>new</a:t>
+            </a:r>
+            <a:r>
+              <a:rPr lang="pl-PL" dirty="0"/>
+              <a:t> </a:t>
+            </a:r>
+            <a:r>
+              <a:rPr lang="pl-PL" dirty="0" err="1"/>
+              <a:t>Invoice</a:t>
+            </a:r>
+            <a:r>
+              <a:rPr lang="pl-PL" dirty="0"/>
+              <a:t>() {Id = 1, </a:t>
+            </a:r>
+            <a:r>
+              <a:rPr lang="pl-PL" dirty="0" err="1"/>
+              <a:t>InvoiceNumber</a:t>
+            </a:r>
+            <a:r>
+              <a:rPr lang="pl-PL" dirty="0"/>
+              <a:t> = "FV/01/2017"}, </a:t>
+            </a:r>
+            <a:r>
+              <a:rPr lang="pl-PL" dirty="0" err="1"/>
+              <a:t>new</a:t>
+            </a:r>
+            <a:r>
+              <a:rPr lang="pl-PL" dirty="0"/>
+              <a:t> </a:t>
+            </a:r>
+            <a:r>
+              <a:rPr lang="pl-PL" dirty="0" err="1"/>
+              <a:t>Invoice</a:t>
+            </a:r>
+            <a:r>
+              <a:rPr lang="pl-PL" dirty="0"/>
+              <a:t>() {Id = 2, </a:t>
+            </a:r>
+            <a:r>
+              <a:rPr lang="pl-PL" dirty="0" err="1"/>
+              <a:t>InvoiceNumber</a:t>
+            </a:r>
+            <a:r>
+              <a:rPr lang="pl-PL" dirty="0"/>
+              <a:t> = "FV/02/2017"},</a:t>
+            </a:r>
+          </a:p>
+          <a:p>
+            <a:pPr marL="0" indent="0">
+              <a:buNone/>
+            </a:pPr>
+            <a:r>
+              <a:rPr lang="pl-PL" dirty="0"/>
+              <a:t>        })</a:t>
+            </a:r>
+          </a:p>
+          <a:p>
+            <a:pPr marL="0" indent="0">
+              <a:buNone/>
+            </a:pPr>
+            <a:r>
+              <a:rPr lang="pl-PL" dirty="0"/>
+              <a:t>        .</a:t>
+            </a:r>
+            <a:r>
+              <a:rPr lang="pl-PL" dirty="0" err="1"/>
+              <a:t>Verifiable</a:t>
+            </a:r>
+            <a:r>
+              <a:rPr lang="pl-PL" dirty="0"/>
+              <a:t>();</a:t>
+            </a:r>
+          </a:p>
+          <a:p>
+            <a:pPr marL="0" indent="0">
+              <a:buNone/>
+            </a:pPr>
             <a:endParaRPr lang="pl-PL" dirty="0"/>
+          </a:p>
+          <a:p>
+            <a:pPr marL="0" indent="0">
+              <a:buNone/>
+            </a:pPr>
+            <a:r>
+              <a:rPr lang="pl-PL" dirty="0"/>
+              <a:t>      </a:t>
+            </a:r>
+            <a:r>
+              <a:rPr lang="pl-PL" dirty="0" err="1"/>
+              <a:t>Assert.That</a:t>
+            </a:r>
+            <a:r>
+              <a:rPr lang="pl-PL" dirty="0"/>
+              <a:t>(</a:t>
+            </a:r>
+            <a:r>
+              <a:rPr lang="pl-PL" dirty="0" err="1"/>
+              <a:t>mock.Object.GetAll</a:t>
+            </a:r>
+            <a:r>
+              <a:rPr lang="pl-PL" dirty="0"/>
+              <a:t>().</a:t>
+            </a:r>
+            <a:r>
+              <a:rPr lang="pl-PL" dirty="0" err="1"/>
+              <a:t>Count</a:t>
+            </a:r>
+            <a:r>
+              <a:rPr lang="pl-PL" dirty="0"/>
+              <a:t>(), </a:t>
+            </a:r>
+            <a:r>
+              <a:rPr lang="pl-PL" dirty="0" err="1"/>
+              <a:t>Is.EqualTo</a:t>
+            </a:r>
+            <a:r>
+              <a:rPr lang="pl-PL" dirty="0"/>
+              <a:t>(2));</a:t>
+            </a:r>
+          </a:p>
+          <a:p>
+            <a:pPr marL="0" indent="0">
+              <a:buNone/>
+            </a:pPr>
+            <a:endParaRPr lang="pl-PL" dirty="0"/>
+          </a:p>
+          <a:p>
+            <a:pPr marL="0" indent="0">
+              <a:buNone/>
+            </a:pPr>
+            <a:r>
+              <a:rPr lang="pl-PL" dirty="0"/>
+              <a:t>      </a:t>
+            </a:r>
+            <a:r>
+              <a:rPr lang="pl-PL" dirty="0" err="1"/>
+              <a:t>mock.Verify</a:t>
+            </a:r>
+            <a:r>
+              <a:rPr lang="pl-PL" dirty="0"/>
+              <a:t>();</a:t>
+            </a:r>
           </a:p>
         </p:txBody>
       </p:sp>
     </p:spTree>
     <p:extLst>
       <p:ext uri="{BB962C8B-B14F-4D97-AF65-F5344CB8AC3E}">
-        <p14:creationId xmlns:p14="http://schemas.microsoft.com/office/powerpoint/2010/main" val="855337638"/>
+        <p14:creationId xmlns:p14="http://schemas.microsoft.com/office/powerpoint/2010/main" val="634370889"/>
       </p:ext>
     </p:extLst>
   </p:cSld>
@@ -7664,7 +8181,7 @@
           <p:cNvPr id="2" name="Tytuł 1">
             <a:extLst>
               <a:ext uri="{FF2B5EF4-FFF2-40B4-BE49-F238E27FC236}">
-                <a16:creationId xmlns:a16="http://schemas.microsoft.com/office/drawing/2014/main" id="{280506CA-C1C9-4D15-847D-6E20886C902E}"/>
+                <a16:creationId xmlns:a16="http://schemas.microsoft.com/office/drawing/2014/main" id="{97EEBC33-F476-4CAA-BE80-AE0D3B9EF768}"/>
               </a:ext>
             </a:extLst>
           </p:cNvPr>
@@ -7682,9 +8199,10 @@
           <a:p>
             <a:pPr algn="ctr"/>
             <a:r>
-              <a:rPr lang="pl-PL" dirty="0"/>
-              <a:t>Nazewnictwo</a:t>
-            </a:r>
+              <a:rPr lang="pl-PL" dirty="0" err="1"/>
+              <a:t>Shouldly</a:t>
+            </a:r>
+            <a:endParaRPr lang="pl-PL" dirty="0"/>
           </a:p>
         </p:txBody>
       </p:sp>
@@ -7693,7 +8211,7 @@
           <p:cNvPr id="3" name="Symbol zastępczy zawartości 2">
             <a:extLst>
               <a:ext uri="{FF2B5EF4-FFF2-40B4-BE49-F238E27FC236}">
-                <a16:creationId xmlns:a16="http://schemas.microsoft.com/office/drawing/2014/main" id="{20B3FF83-FC9A-41B1-9C62-C7DF22465989}"/>
+                <a16:creationId xmlns:a16="http://schemas.microsoft.com/office/drawing/2014/main" id="{00681E0D-570B-4872-8B28-90972EE357E7}"/>
               </a:ext>
             </a:extLst>
           </p:cNvPr>
@@ -7707,219 +8225,151 @@
         <p:spPr/>
         <p:txBody>
           <a:bodyPr anchor="t">
-            <a:normAutofit fontScale="47500" lnSpcReduction="20000"/>
+            <a:normAutofit/>
           </a:bodyPr>
           <a:lstStyle/>
           <a:p>
-            <a:r>
-              <a:rPr lang="pl-PL" sz="2900" dirty="0"/>
-              <a:t>musi nieść informację</a:t>
-            </a:r>
-          </a:p>
-          <a:p>
-            <a:endParaRPr lang="pl-PL" dirty="0"/>
-          </a:p>
-          <a:p>
             <a:pPr marL="0" indent="0">
-              <a:lnSpc>
-                <a:spcPct val="120000"/>
-              </a:lnSpc>
               <a:buNone/>
             </a:pPr>
             <a:r>
               <a:rPr lang="pl-PL" dirty="0"/>
-              <a:t> [</a:t>
+              <a:t>      </a:t>
             </a:r>
             <a:r>
               <a:rPr lang="pl-PL" dirty="0" err="1"/>
-              <a:t>TestFixture</a:t>
-            </a:r>
-            <a:r>
-              <a:rPr lang="pl-PL" dirty="0"/>
-              <a:t>]</a:t>
+              <a:t>var</a:t>
+            </a:r>
+            <a:r>
+              <a:rPr lang="pl-PL" dirty="0"/>
+              <a:t> a = 1 * 3;</a:t>
             </a:r>
           </a:p>
           <a:p>
             <a:pPr marL="0" indent="0">
-              <a:lnSpc>
-                <a:spcPct val="120000"/>
-              </a:lnSpc>
               <a:buNone/>
             </a:pPr>
             <a:r>
               <a:rPr lang="pl-PL" dirty="0"/>
-              <a:t>  public </a:t>
+              <a:t>      </a:t>
             </a:r>
             <a:r>
               <a:rPr lang="pl-PL" dirty="0" err="1"/>
-              <a:t>class</a:t>
-            </a:r>
-            <a:r>
-              <a:rPr lang="pl-PL" dirty="0"/>
-              <a:t> </a:t>
-            </a:r>
-            <a:r>
-              <a:rPr lang="pl-PL" dirty="0" err="1"/>
-              <a:t>SuccessfulInvoiceAddTests</a:t>
-            </a:r>
-            <a:endParaRPr lang="pl-PL" dirty="0"/>
+              <a:t>var</a:t>
+            </a:r>
+            <a:r>
+              <a:rPr lang="pl-PL" dirty="0"/>
+              <a:t> b = 9/3;</a:t>
+            </a:r>
           </a:p>
           <a:p>
             <a:pPr marL="0" indent="0">
-              <a:lnSpc>
-                <a:spcPct val="120000"/>
-              </a:lnSpc>
-              <a:buNone/>
-            </a:pPr>
-            <a:r>
-              <a:rPr lang="pl-PL" dirty="0"/>
-              <a:t>  {</a:t>
-            </a:r>
-          </a:p>
-          <a:p>
-            <a:pPr marL="0" indent="0">
-              <a:lnSpc>
-                <a:spcPct val="120000"/>
-              </a:lnSpc>
-              <a:buNone/>
-            </a:pPr>
-            <a:r>
-              <a:rPr lang="pl-PL" dirty="0"/>
-              <a:t>    [Test]</a:t>
-            </a:r>
-          </a:p>
-          <a:p>
-            <a:pPr marL="0" indent="0">
-              <a:lnSpc>
-                <a:spcPct val="120000"/>
-              </a:lnSpc>
-              <a:buNone/>
-            </a:pPr>
-            <a:r>
-              <a:rPr lang="pl-PL" dirty="0"/>
-              <a:t>    public </a:t>
-            </a:r>
-            <a:r>
-              <a:rPr lang="pl-PL" dirty="0" err="1"/>
-              <a:t>void</a:t>
-            </a:r>
-            <a:r>
-              <a:rPr lang="pl-PL" dirty="0"/>
-              <a:t> </a:t>
-            </a:r>
-            <a:r>
-              <a:rPr lang="pl-PL" dirty="0" err="1"/>
-              <a:t>ShouldAddInvoice</a:t>
-            </a:r>
-            <a:r>
-              <a:rPr lang="pl-PL" dirty="0"/>
-              <a:t>()</a:t>
-            </a:r>
-          </a:p>
-          <a:p>
-            <a:pPr marL="0" indent="0">
-              <a:lnSpc>
-                <a:spcPct val="120000"/>
-              </a:lnSpc>
-              <a:buNone/>
-            </a:pPr>
-            <a:r>
-              <a:rPr lang="pl-PL" dirty="0"/>
-              <a:t>    {</a:t>
-            </a:r>
-          </a:p>
-          <a:p>
-            <a:pPr marL="0" indent="0">
-              <a:lnSpc>
-                <a:spcPct val="120000"/>
-              </a:lnSpc>
-              <a:buNone/>
-            </a:pPr>
-            <a:r>
-              <a:rPr lang="pl-PL" dirty="0"/>
-              <a:t>    }</a:t>
-            </a:r>
-          </a:p>
-          <a:p>
-            <a:pPr marL="0" indent="0">
-              <a:lnSpc>
-                <a:spcPct val="120000"/>
-              </a:lnSpc>
               <a:buNone/>
             </a:pPr>
             <a:endParaRPr lang="pl-PL" dirty="0"/>
           </a:p>
           <a:p>
             <a:pPr marL="0" indent="0">
-              <a:lnSpc>
-                <a:spcPct val="120000"/>
-              </a:lnSpc>
               <a:buNone/>
             </a:pPr>
             <a:r>
               <a:rPr lang="pl-PL" dirty="0"/>
-              <a:t>    </a:t>
-            </a:r>
+              <a:t>      </a:t>
+            </a:r>
+            <a:r>
+              <a:rPr lang="pl-PL" dirty="0" err="1"/>
+              <a:t>var</a:t>
+            </a:r>
+            <a:r>
+              <a:rPr lang="pl-PL" dirty="0"/>
+              <a:t> </a:t>
+            </a:r>
+            <a:r>
+              <a:rPr lang="pl-PL" dirty="0" err="1"/>
+              <a:t>value</a:t>
+            </a:r>
+            <a:r>
+              <a:rPr lang="pl-PL" dirty="0"/>
+              <a:t> = a == b;</a:t>
+            </a:r>
+          </a:p>
+          <a:p>
+            <a:pPr marL="0" indent="0">
+              <a:buNone/>
+            </a:pPr>
+            <a:endParaRPr lang="pl-PL" dirty="0"/>
+          </a:p>
+          <a:p>
+            <a:pPr marL="0" indent="0">
+              <a:buNone/>
+            </a:pPr>
+            <a:r>
+              <a:rPr lang="pl-PL" dirty="0"/>
+              <a:t>      </a:t>
+            </a:r>
+            <a:r>
+              <a:rPr lang="pl-PL" dirty="0" err="1"/>
+              <a:t>value.ShouldBe</a:t>
+            </a:r>
+            <a:r>
+              <a:rPr lang="pl-PL" dirty="0"/>
+              <a:t>(</a:t>
+            </a:r>
+            <a:r>
+              <a:rPr lang="pl-PL" dirty="0" err="1"/>
+              <a:t>true</a:t>
+            </a:r>
+            <a:r>
+              <a:rPr lang="pl-PL" dirty="0"/>
+              <a:t>);</a:t>
+            </a:r>
+          </a:p>
+          <a:p>
+            <a:pPr marL="0" indent="0">
+              <a:buNone/>
+            </a:pPr>
             <a:r>
               <a:rPr lang="en-US" dirty="0"/>
-              <a:t>[Test]</a:t>
+              <a:t>      Action </a:t>
+            </a:r>
+            <a:r>
+              <a:rPr lang="en-US" dirty="0" err="1"/>
+              <a:t>action</a:t>
+            </a:r>
+            <a:r>
+              <a:rPr lang="en-US" dirty="0"/>
+              <a:t> = () =&gt; { throw new Exception();};</a:t>
             </a:r>
           </a:p>
           <a:p>
             <a:pPr marL="0" indent="0">
-              <a:lnSpc>
-                <a:spcPct val="120000"/>
-              </a:lnSpc>
               <a:buNone/>
             </a:pPr>
-            <a:r>
-              <a:rPr lang="en-US" dirty="0"/>
-              <a:t>    public void </a:t>
-            </a:r>
-            <a:r>
-              <a:rPr lang="en-US" dirty="0" err="1"/>
-              <a:t>AddInvoice_CorrectInvoice_ShouldAdd</a:t>
-            </a:r>
-            <a:r>
-              <a:rPr lang="en-US" dirty="0"/>
-              <a:t>()</a:t>
-            </a:r>
+            <a:endParaRPr lang="pl-PL" dirty="0"/>
           </a:p>
           <a:p>
             <a:pPr marL="0" indent="0">
-              <a:lnSpc>
-                <a:spcPct val="120000"/>
-              </a:lnSpc>
               <a:buNone/>
             </a:pPr>
             <a:r>
-              <a:rPr lang="en-US" dirty="0"/>
-              <a:t>    {      </a:t>
-            </a:r>
-          </a:p>
-          <a:p>
-            <a:pPr marL="0" indent="0">
-              <a:lnSpc>
-                <a:spcPct val="120000"/>
-              </a:lnSpc>
-              <a:buNone/>
-            </a:pPr>
-            <a:r>
-              <a:rPr lang="en-US" dirty="0"/>
-              <a:t>    }</a:t>
-            </a:r>
-            <a:endParaRPr lang="pl-PL" dirty="0"/>
-          </a:p>
-          <a:p>
-            <a:pPr marL="0" indent="0">
-              <a:lnSpc>
-                <a:spcPct val="120000"/>
-              </a:lnSpc>
-              <a:buNone/>
-            </a:pPr>
-            <a:r>
-              <a:rPr lang="pl-PL" dirty="0"/>
-              <a:t>  }</a:t>
+              <a:rPr lang="pl-PL" dirty="0"/>
+              <a:t>      </a:t>
+            </a:r>
+            <a:r>
+              <a:rPr lang="pl-PL" dirty="0" err="1"/>
+              <a:t>action.ShouldThrow</a:t>
+            </a:r>
+            <a:r>
+              <a:rPr lang="pl-PL" dirty="0"/>
+              <a:t>&lt;</a:t>
+            </a:r>
+            <a:r>
+              <a:rPr lang="pl-PL" dirty="0" err="1"/>
+              <a:t>Exception</a:t>
+            </a:r>
+            <a:r>
+              <a:rPr lang="pl-PL" dirty="0"/>
+              <a:t>&gt;();</a:t>
             </a:r>
           </a:p>
         </p:txBody>
@@ -7927,7 +8377,7 @@
     </p:spTree>
     <p:extLst>
       <p:ext uri="{BB962C8B-B14F-4D97-AF65-F5344CB8AC3E}">
-        <p14:creationId xmlns:p14="http://schemas.microsoft.com/office/powerpoint/2010/main" val="742992233"/>
+        <p14:creationId xmlns:p14="http://schemas.microsoft.com/office/powerpoint/2010/main" val="897431209"/>
       </p:ext>
     </p:extLst>
   </p:cSld>
@@ -7980,7 +8430,7 @@
             <a:pPr algn="ctr"/>
             <a:r>
               <a:rPr lang="pl-PL" sz="4400" dirty="0"/>
-              <a:t>Kiedy pisać testy jednostkowe</a:t>
+              <a:t>Kiedy pisać testy jednostkowe?</a:t>
             </a:r>
           </a:p>
         </p:txBody>
@@ -8005,25 +8455,6 @@
         <p:txBody>
           <a:bodyPr/>
           <a:lstStyle/>
-          <a:p>
-            <a:pPr marL="0" indent="0" algn="ctr">
-              <a:buNone/>
-            </a:pPr>
-            <a:endParaRPr lang="pl-PL" sz="3600" dirty="0"/>
-          </a:p>
-          <a:p>
-            <a:pPr marL="0" indent="0" algn="ctr">
-              <a:buNone/>
-            </a:pPr>
-            <a:r>
-              <a:rPr lang="pl-PL" sz="8800" dirty="0">
-                <a:solidFill>
-                  <a:schemeClr val="tx1"/>
-                </a:solidFill>
-              </a:rPr>
-              <a:t>zawsze!</a:t>
-            </a:r>
-          </a:p>
           <a:p>
             <a:endParaRPr lang="pl-PL" dirty="0"/>
           </a:p>
@@ -8140,21 +8571,8 @@
                   <a:schemeClr val="tx1"/>
                 </a:solidFill>
               </a:rPr>
-              <a:t>Uruchamianie </a:t>
-            </a:r>
-            <a:r>
-              <a:rPr lang="pl-PL" sz="3200">
-                <a:solidFill>
-                  <a:schemeClr val="tx1"/>
-                </a:solidFill>
-              </a:rPr>
-              <a:t>pełnej aplikacji?</a:t>
-            </a:r>
-            <a:endParaRPr lang="pl-PL" sz="3200" dirty="0">
-              <a:solidFill>
-                <a:schemeClr val="tx1"/>
-              </a:solidFill>
-            </a:endParaRPr>
+              <a:t>Uruchamianie pełnej aplikacji?</a:t>
+            </a:r>
           </a:p>
         </p:txBody>
       </p:sp>
@@ -8213,6 +8631,111 @@
           <a:p>
             <a:pPr algn="ctr"/>
             <a:r>
+              <a:rPr lang="pl-PL" sz="4400" dirty="0"/>
+              <a:t>Kiedy pisać testy jednostkowe</a:t>
+            </a:r>
+          </a:p>
+        </p:txBody>
+      </p:sp>
+      <p:sp>
+        <p:nvSpPr>
+          <p:cNvPr id="3" name="Symbol zastępczy zawartości 2">
+            <a:extLst>
+              <a:ext uri="{FF2B5EF4-FFF2-40B4-BE49-F238E27FC236}">
+                <a16:creationId xmlns:a16="http://schemas.microsoft.com/office/drawing/2014/main" id="{7E313087-0B09-4CF6-AA8E-E917DD2C5751}"/>
+              </a:ext>
+            </a:extLst>
+          </p:cNvPr>
+          <p:cNvSpPr>
+            <a:spLocks noGrp="1"/>
+          </p:cNvSpPr>
+          <p:nvPr>
+            <p:ph idx="1"/>
+          </p:nvPr>
+        </p:nvSpPr>
+        <p:spPr/>
+        <p:txBody>
+          <a:bodyPr/>
+          <a:lstStyle/>
+          <a:p>
+            <a:pPr marL="0" indent="0" algn="ctr">
+              <a:buNone/>
+            </a:pPr>
+            <a:endParaRPr lang="pl-PL" sz="3600" dirty="0"/>
+          </a:p>
+          <a:p>
+            <a:pPr marL="0" indent="0" algn="ctr">
+              <a:buNone/>
+            </a:pPr>
+            <a:r>
+              <a:rPr lang="pl-PL" sz="8800" dirty="0">
+                <a:solidFill>
+                  <a:schemeClr val="tx1"/>
+                </a:solidFill>
+              </a:rPr>
+              <a:t>zawsze!</a:t>
+            </a:r>
+          </a:p>
+          <a:p>
+            <a:endParaRPr lang="pl-PL" dirty="0"/>
+          </a:p>
+        </p:txBody>
+      </p:sp>
+    </p:spTree>
+    <p:extLst>
+      <p:ext uri="{BB962C8B-B14F-4D97-AF65-F5344CB8AC3E}">
+        <p14:creationId xmlns:p14="http://schemas.microsoft.com/office/powerpoint/2010/main" val="1431967116"/>
+      </p:ext>
+    </p:extLst>
+  </p:cSld>
+  <p:clrMapOvr>
+    <a:masterClrMapping/>
+  </p:clrMapOvr>
+</p:sld>
+</file>
+
+<file path=ppt/slides/slide21.xml><?xml version="1.0" encoding="utf-8"?>
+<p:sld xmlns:a="http://schemas.openxmlformats.org/drawingml/2006/main" xmlns:r="http://schemas.openxmlformats.org/officeDocument/2006/relationships" xmlns:p="http://schemas.openxmlformats.org/presentationml/2006/main">
+  <p:cSld>
+    <p:spTree>
+      <p:nvGrpSpPr>
+        <p:cNvPr id="1" name=""/>
+        <p:cNvGrpSpPr/>
+        <p:nvPr/>
+      </p:nvGrpSpPr>
+      <p:grpSpPr>
+        <a:xfrm>
+          <a:off x="0" y="0"/>
+          <a:ext cx="0" cy="0"/>
+          <a:chOff x="0" y="0"/>
+          <a:chExt cx="0" cy="0"/>
+        </a:xfrm>
+      </p:grpSpPr>
+      <p:sp>
+        <p:nvSpPr>
+          <p:cNvPr id="2" name="Tytuł 1">
+            <a:extLst>
+              <a:ext uri="{FF2B5EF4-FFF2-40B4-BE49-F238E27FC236}">
+                <a16:creationId xmlns:a16="http://schemas.microsoft.com/office/drawing/2014/main" id="{32F114C4-5237-4EFD-BF4D-E7C9058A99A3}"/>
+              </a:ext>
+            </a:extLst>
+          </p:cNvPr>
+          <p:cNvSpPr>
+            <a:spLocks noGrp="1"/>
+          </p:cNvSpPr>
+          <p:nvPr>
+            <p:ph type="title"/>
+          </p:nvPr>
+        </p:nvSpPr>
+        <p:spPr/>
+        <p:txBody>
+          <a:bodyPr>
+            <a:normAutofit/>
+          </a:bodyPr>
+          <a:lstStyle/>
+          <a:p>
+            <a:pPr algn="ctr"/>
+            <a:r>
               <a:rPr lang="pl-PL" sz="4800" dirty="0"/>
               <a:t>Kiedy pisać testy jednostkowe</a:t>
             </a:r>
@@ -8300,6 +8823,981 @@
 </file>
 
 <file path=ppt/slides/slide3.xml><?xml version="1.0" encoding="utf-8"?>
+<p:sld xmlns:a="http://schemas.openxmlformats.org/drawingml/2006/main" xmlns:r="http://schemas.openxmlformats.org/officeDocument/2006/relationships" xmlns:p="http://schemas.openxmlformats.org/presentationml/2006/main">
+  <p:cSld>
+    <p:spTree>
+      <p:nvGrpSpPr>
+        <p:cNvPr id="1" name=""/>
+        <p:cNvGrpSpPr/>
+        <p:nvPr/>
+      </p:nvGrpSpPr>
+      <p:grpSpPr>
+        <a:xfrm>
+          <a:off x="0" y="0"/>
+          <a:ext cx="0" cy="0"/>
+          <a:chOff x="0" y="0"/>
+          <a:chExt cx="0" cy="0"/>
+        </a:xfrm>
+      </p:grpSpPr>
+      <p:sp>
+        <p:nvSpPr>
+          <p:cNvPr id="2" name="Tytuł 1">
+            <a:extLst>
+              <a:ext uri="{FF2B5EF4-FFF2-40B4-BE49-F238E27FC236}">
+                <a16:creationId xmlns:a16="http://schemas.microsoft.com/office/drawing/2014/main" id="{F3144CAC-B7A7-4FBC-91A7-686E1460329E}"/>
+              </a:ext>
+            </a:extLst>
+          </p:cNvPr>
+          <p:cNvSpPr>
+            <a:spLocks noGrp="1"/>
+          </p:cNvSpPr>
+          <p:nvPr>
+            <p:ph type="title"/>
+          </p:nvPr>
+        </p:nvSpPr>
+        <p:spPr/>
+        <p:txBody>
+          <a:bodyPr>
+            <a:normAutofit/>
+          </a:bodyPr>
+          <a:lstStyle/>
+          <a:p>
+            <a:pPr algn="ctr"/>
+            <a:r>
+              <a:rPr lang="pl-PL" sz="4400" dirty="0"/>
+              <a:t>CZYM SĄ Testy JEDNOSTKOWE?</a:t>
+            </a:r>
+          </a:p>
+        </p:txBody>
+      </p:sp>
+      <p:sp>
+        <p:nvSpPr>
+          <p:cNvPr id="3" name="Symbol zastępczy zawartości 2">
+            <a:extLst>
+              <a:ext uri="{FF2B5EF4-FFF2-40B4-BE49-F238E27FC236}">
+                <a16:creationId xmlns:a16="http://schemas.microsoft.com/office/drawing/2014/main" id="{B0338307-19BA-4D13-987C-9E4D3669AA0C}"/>
+              </a:ext>
+            </a:extLst>
+          </p:cNvPr>
+          <p:cNvSpPr>
+            <a:spLocks noGrp="1"/>
+          </p:cNvSpPr>
+          <p:nvPr>
+            <p:ph idx="1"/>
+          </p:nvPr>
+        </p:nvSpPr>
+        <p:spPr/>
+        <p:txBody>
+          <a:bodyPr>
+            <a:normAutofit/>
+          </a:bodyPr>
+          <a:lstStyle/>
+          <a:p>
+            <a:r>
+              <a:rPr lang="pl-PL" sz="3200" dirty="0">
+                <a:solidFill>
+                  <a:schemeClr val="tx1"/>
+                </a:solidFill>
+              </a:rPr>
+              <a:t>Kod, który wykonuje fragmenty aplikacji</a:t>
+            </a:r>
+          </a:p>
+          <a:p>
+            <a:r>
+              <a:rPr lang="pl-PL" sz="3200" dirty="0">
+                <a:solidFill>
+                  <a:schemeClr val="tx1"/>
+                </a:solidFill>
+              </a:rPr>
+              <a:t>Dostarczamy dane wejściowe </a:t>
+            </a:r>
+          </a:p>
+          <a:p>
+            <a:r>
+              <a:rPr lang="pl-PL" sz="3200" dirty="0">
+                <a:solidFill>
+                  <a:schemeClr val="tx1"/>
+                </a:solidFill>
+              </a:rPr>
+              <a:t>Wykonujemy instrukcje</a:t>
+            </a:r>
+          </a:p>
+          <a:p>
+            <a:r>
+              <a:rPr lang="pl-PL" sz="3200" dirty="0">
+                <a:solidFill>
+                  <a:schemeClr val="tx1"/>
+                </a:solidFill>
+              </a:rPr>
+              <a:t>Sprawdzamy czy rezultat jest równy oczekiwanej wartości</a:t>
+            </a:r>
+          </a:p>
+        </p:txBody>
+      </p:sp>
+    </p:spTree>
+    <p:extLst>
+      <p:ext uri="{BB962C8B-B14F-4D97-AF65-F5344CB8AC3E}">
+        <p14:creationId xmlns:p14="http://schemas.microsoft.com/office/powerpoint/2010/main" val="3775749762"/>
+      </p:ext>
+    </p:extLst>
+  </p:cSld>
+  <p:clrMapOvr>
+    <a:masterClrMapping/>
+  </p:clrMapOvr>
+</p:sld>
+</file>
+
+<file path=ppt/slides/slide4.xml><?xml version="1.0" encoding="utf-8"?>
+<p:sld xmlns:a="http://schemas.openxmlformats.org/drawingml/2006/main" xmlns:r="http://schemas.openxmlformats.org/officeDocument/2006/relationships" xmlns:p="http://schemas.openxmlformats.org/presentationml/2006/main">
+  <p:cSld>
+    <p:spTree>
+      <p:nvGrpSpPr>
+        <p:cNvPr id="1" name=""/>
+        <p:cNvGrpSpPr/>
+        <p:nvPr/>
+      </p:nvGrpSpPr>
+      <p:grpSpPr>
+        <a:xfrm>
+          <a:off x="0" y="0"/>
+          <a:ext cx="0" cy="0"/>
+          <a:chOff x="0" y="0"/>
+          <a:chExt cx="0" cy="0"/>
+        </a:xfrm>
+      </p:grpSpPr>
+      <p:sp>
+        <p:nvSpPr>
+          <p:cNvPr id="2" name="Tytuł 1">
+            <a:extLst>
+              <a:ext uri="{FF2B5EF4-FFF2-40B4-BE49-F238E27FC236}">
+                <a16:creationId xmlns:a16="http://schemas.microsoft.com/office/drawing/2014/main" id="{E77A7358-7BAC-45BD-8C7B-10DA851C3292}"/>
+              </a:ext>
+            </a:extLst>
+          </p:cNvPr>
+          <p:cNvSpPr>
+            <a:spLocks noGrp="1"/>
+          </p:cNvSpPr>
+          <p:nvPr>
+            <p:ph type="title"/>
+          </p:nvPr>
+        </p:nvSpPr>
+        <p:spPr/>
+        <p:txBody>
+          <a:bodyPr>
+            <a:normAutofit/>
+          </a:bodyPr>
+          <a:lstStyle/>
+          <a:p>
+            <a:r>
+              <a:rPr lang="pl-PL" sz="4400" dirty="0"/>
+              <a:t>PO CO STOSOWAĆ TESTY JEDNOSTKOWE?</a:t>
+            </a:r>
+          </a:p>
+        </p:txBody>
+      </p:sp>
+      <p:sp>
+        <p:nvSpPr>
+          <p:cNvPr id="3" name="Symbol zastępczy zawartości 2">
+            <a:extLst>
+              <a:ext uri="{FF2B5EF4-FFF2-40B4-BE49-F238E27FC236}">
+                <a16:creationId xmlns:a16="http://schemas.microsoft.com/office/drawing/2014/main" id="{B55EC79D-E274-459C-BC7C-2643113CE27A}"/>
+              </a:ext>
+            </a:extLst>
+          </p:cNvPr>
+          <p:cNvSpPr>
+            <a:spLocks noGrp="1"/>
+          </p:cNvSpPr>
+          <p:nvPr>
+            <p:ph idx="1"/>
+          </p:nvPr>
+        </p:nvSpPr>
+        <p:spPr/>
+        <p:txBody>
+          <a:bodyPr>
+            <a:normAutofit/>
+          </a:bodyPr>
+          <a:lstStyle/>
+          <a:p>
+            <a:r>
+              <a:rPr lang="pl-PL" sz="3600" dirty="0">
+                <a:solidFill>
+                  <a:schemeClr val="tx1"/>
+                </a:solidFill>
+              </a:rPr>
+              <a:t>Szybkie sprawdzenie działania naszego kodu</a:t>
+            </a:r>
+          </a:p>
+          <a:p>
+            <a:r>
+              <a:rPr lang="pl-PL" sz="3600" dirty="0">
+                <a:solidFill>
+                  <a:schemeClr val="tx1"/>
+                </a:solidFill>
+              </a:rPr>
+              <a:t>Stoją na straży testowanej funkcjonalności</a:t>
+            </a:r>
+          </a:p>
+          <a:p>
+            <a:r>
+              <a:rPr lang="pl-PL" sz="3600" dirty="0">
+                <a:solidFill>
+                  <a:schemeClr val="tx1"/>
+                </a:solidFill>
+              </a:rPr>
+              <a:t>Oszczędzamy czas			pieniądze</a:t>
+            </a:r>
+          </a:p>
+        </p:txBody>
+      </p:sp>
+      <p:sp>
+        <p:nvSpPr>
+          <p:cNvPr id="4" name="Strzałka: w prawo 3">
+            <a:extLst>
+              <a:ext uri="{FF2B5EF4-FFF2-40B4-BE49-F238E27FC236}">
+                <a16:creationId xmlns:a16="http://schemas.microsoft.com/office/drawing/2014/main" id="{DCC9EE3F-F902-4E04-B4B2-DB68614680E4}"/>
+              </a:ext>
+            </a:extLst>
+          </p:cNvPr>
+          <p:cNvSpPr/>
+          <p:nvPr/>
+        </p:nvSpPr>
+        <p:spPr>
+          <a:xfrm>
+            <a:off x="4554415" y="4642339"/>
+            <a:ext cx="931985" cy="298938"/>
+          </a:xfrm>
+          <a:prstGeom prst="rightArrow">
+            <a:avLst/>
+          </a:prstGeom>
+        </p:spPr>
+        <p:style>
+          <a:lnRef idx="2">
+            <a:schemeClr val="accent1">
+              <a:shade val="50000"/>
+            </a:schemeClr>
+          </a:lnRef>
+          <a:fillRef idx="1">
+            <a:schemeClr val="accent1"/>
+          </a:fillRef>
+          <a:effectRef idx="0">
+            <a:schemeClr val="accent1"/>
+          </a:effectRef>
+          <a:fontRef idx="minor">
+            <a:schemeClr val="lt1"/>
+          </a:fontRef>
+        </p:style>
+        <p:txBody>
+          <a:bodyPr rtlCol="0" anchor="ctr"/>
+          <a:lstStyle/>
+          <a:p>
+            <a:pPr algn="ctr"/>
+            <a:endParaRPr lang="pl-PL"/>
+          </a:p>
+        </p:txBody>
+      </p:sp>
+    </p:spTree>
+    <p:extLst>
+      <p:ext uri="{BB962C8B-B14F-4D97-AF65-F5344CB8AC3E}">
+        <p14:creationId xmlns:p14="http://schemas.microsoft.com/office/powerpoint/2010/main" val="4106534101"/>
+      </p:ext>
+    </p:extLst>
+  </p:cSld>
+  <p:clrMapOvr>
+    <a:masterClrMapping/>
+  </p:clrMapOvr>
+</p:sld>
+</file>
+
+<file path=ppt/slides/slide5.xml><?xml version="1.0" encoding="utf-8"?>
+<p:sld xmlns:a="http://schemas.openxmlformats.org/drawingml/2006/main" xmlns:r="http://schemas.openxmlformats.org/officeDocument/2006/relationships" xmlns:p="http://schemas.openxmlformats.org/presentationml/2006/main">
+  <p:cSld>
+    <p:spTree>
+      <p:nvGrpSpPr>
+        <p:cNvPr id="1" name=""/>
+        <p:cNvGrpSpPr/>
+        <p:nvPr/>
+      </p:nvGrpSpPr>
+      <p:grpSpPr>
+        <a:xfrm>
+          <a:off x="0" y="0"/>
+          <a:ext cx="0" cy="0"/>
+          <a:chOff x="0" y="0"/>
+          <a:chExt cx="0" cy="0"/>
+        </a:xfrm>
+      </p:grpSpPr>
+      <p:sp>
+        <p:nvSpPr>
+          <p:cNvPr id="2" name="Tytuł 1">
+            <a:extLst>
+              <a:ext uri="{FF2B5EF4-FFF2-40B4-BE49-F238E27FC236}">
+                <a16:creationId xmlns:a16="http://schemas.microsoft.com/office/drawing/2014/main" id="{970CB31F-FEF9-4639-AC4D-5CA4E95DFA84}"/>
+              </a:ext>
+            </a:extLst>
+          </p:cNvPr>
+          <p:cNvSpPr>
+            <a:spLocks noGrp="1"/>
+          </p:cNvSpPr>
+          <p:nvPr>
+            <p:ph type="title"/>
+          </p:nvPr>
+        </p:nvSpPr>
+        <p:spPr/>
+        <p:txBody>
+          <a:bodyPr>
+            <a:normAutofit/>
+          </a:bodyPr>
+          <a:lstStyle/>
+          <a:p>
+            <a:pPr algn="ctr"/>
+            <a:r>
+              <a:rPr lang="pl-PL" sz="4400" dirty="0"/>
+              <a:t>Dobre praktyki</a:t>
+            </a:r>
+          </a:p>
+        </p:txBody>
+      </p:sp>
+      <p:sp>
+        <p:nvSpPr>
+          <p:cNvPr id="3" name="Symbol zastępczy zawartości 2">
+            <a:extLst>
+              <a:ext uri="{FF2B5EF4-FFF2-40B4-BE49-F238E27FC236}">
+                <a16:creationId xmlns:a16="http://schemas.microsoft.com/office/drawing/2014/main" id="{2A888229-506E-4FFF-B857-515AC31E5DD0}"/>
+              </a:ext>
+            </a:extLst>
+          </p:cNvPr>
+          <p:cNvSpPr>
+            <a:spLocks noGrp="1"/>
+          </p:cNvSpPr>
+          <p:nvPr>
+            <p:ph idx="1"/>
+          </p:nvPr>
+        </p:nvSpPr>
+        <p:spPr/>
+        <p:txBody>
+          <a:bodyPr/>
+          <a:lstStyle/>
+          <a:p>
+            <a:r>
+              <a:rPr lang="pl-PL" sz="3200" dirty="0">
+                <a:solidFill>
+                  <a:schemeClr val="tx1"/>
+                </a:solidFill>
+              </a:rPr>
+              <a:t>Nazewnictwo</a:t>
+            </a:r>
+          </a:p>
+          <a:p>
+            <a:r>
+              <a:rPr lang="pl-PL" sz="3200" dirty="0">
+                <a:solidFill>
+                  <a:schemeClr val="tx1"/>
+                </a:solidFill>
+              </a:rPr>
+              <a:t>Podział </a:t>
+            </a:r>
+            <a:r>
+              <a:rPr lang="pl-PL" sz="3200">
+                <a:solidFill>
+                  <a:schemeClr val="tx1"/>
+                </a:solidFill>
+              </a:rPr>
+              <a:t>na obiekty</a:t>
+            </a:r>
+            <a:endParaRPr lang="pl-PL" sz="3200" dirty="0">
+              <a:solidFill>
+                <a:schemeClr val="tx1"/>
+              </a:solidFill>
+            </a:endParaRPr>
+          </a:p>
+          <a:p>
+            <a:r>
+              <a:rPr lang="pl-PL" sz="3200" dirty="0">
+                <a:solidFill>
+                  <a:schemeClr val="tx1"/>
+                </a:solidFill>
+              </a:rPr>
+              <a:t>AAA/GWT</a:t>
+            </a:r>
+          </a:p>
+          <a:p>
+            <a:endParaRPr lang="pl-PL" dirty="0">
+              <a:solidFill>
+                <a:schemeClr val="tx1"/>
+              </a:solidFill>
+            </a:endParaRPr>
+          </a:p>
+          <a:p>
+            <a:endParaRPr lang="pl-PL" dirty="0">
+              <a:solidFill>
+                <a:schemeClr val="tx1"/>
+              </a:solidFill>
+            </a:endParaRPr>
+          </a:p>
+        </p:txBody>
+      </p:sp>
+    </p:spTree>
+    <p:extLst>
+      <p:ext uri="{BB962C8B-B14F-4D97-AF65-F5344CB8AC3E}">
+        <p14:creationId xmlns:p14="http://schemas.microsoft.com/office/powerpoint/2010/main" val="2377181720"/>
+      </p:ext>
+    </p:extLst>
+  </p:cSld>
+  <p:clrMapOvr>
+    <a:masterClrMapping/>
+  </p:clrMapOvr>
+</p:sld>
+</file>
+
+<file path=ppt/slides/slide6.xml><?xml version="1.0" encoding="utf-8"?>
+<p:sld xmlns:a="http://schemas.openxmlformats.org/drawingml/2006/main" xmlns:r="http://schemas.openxmlformats.org/officeDocument/2006/relationships" xmlns:p="http://schemas.openxmlformats.org/presentationml/2006/main">
+  <p:cSld>
+    <p:spTree>
+      <p:nvGrpSpPr>
+        <p:cNvPr id="1" name=""/>
+        <p:cNvGrpSpPr/>
+        <p:nvPr/>
+      </p:nvGrpSpPr>
+      <p:grpSpPr>
+        <a:xfrm>
+          <a:off x="0" y="0"/>
+          <a:ext cx="0" cy="0"/>
+          <a:chOff x="0" y="0"/>
+          <a:chExt cx="0" cy="0"/>
+        </a:xfrm>
+      </p:grpSpPr>
+      <p:sp>
+        <p:nvSpPr>
+          <p:cNvPr id="2" name="Tytuł 1">
+            <a:extLst>
+              <a:ext uri="{FF2B5EF4-FFF2-40B4-BE49-F238E27FC236}">
+                <a16:creationId xmlns:a16="http://schemas.microsoft.com/office/drawing/2014/main" id="{D34EEC07-67A6-462E-AB32-8D4D7C18EE50}"/>
+              </a:ext>
+            </a:extLst>
+          </p:cNvPr>
+          <p:cNvSpPr>
+            <a:spLocks noGrp="1"/>
+          </p:cNvSpPr>
+          <p:nvPr>
+            <p:ph type="title"/>
+          </p:nvPr>
+        </p:nvSpPr>
+        <p:spPr/>
+        <p:txBody>
+          <a:bodyPr/>
+          <a:lstStyle/>
+          <a:p>
+            <a:pPr algn="ctr"/>
+            <a:r>
+              <a:rPr lang="pl-PL" dirty="0"/>
+              <a:t>AAA/GWT</a:t>
+            </a:r>
+          </a:p>
+        </p:txBody>
+      </p:sp>
+      <p:sp>
+        <p:nvSpPr>
+          <p:cNvPr id="3" name="Symbol zastępczy zawartości 2">
+            <a:extLst>
+              <a:ext uri="{FF2B5EF4-FFF2-40B4-BE49-F238E27FC236}">
+                <a16:creationId xmlns:a16="http://schemas.microsoft.com/office/drawing/2014/main" id="{FE21FA29-87A5-4248-8579-0429EAE4E5D0}"/>
+              </a:ext>
+            </a:extLst>
+          </p:cNvPr>
+          <p:cNvSpPr>
+            <a:spLocks noGrp="1"/>
+          </p:cNvSpPr>
+          <p:nvPr>
+            <p:ph idx="1"/>
+          </p:nvPr>
+        </p:nvSpPr>
+        <p:spPr/>
+        <p:txBody>
+          <a:bodyPr anchor="t"/>
+          <a:lstStyle/>
+          <a:p>
+            <a:r>
+              <a:rPr lang="pl-PL" dirty="0"/>
+              <a:t>AAA</a:t>
+            </a:r>
+          </a:p>
+          <a:p>
+            <a:pPr lvl="1"/>
+            <a:r>
+              <a:rPr lang="pl-PL" dirty="0" err="1"/>
+              <a:t>Arrange</a:t>
+            </a:r>
+            <a:r>
+              <a:rPr lang="pl-PL" dirty="0"/>
+              <a:t>, </a:t>
+            </a:r>
+          </a:p>
+          <a:p>
+            <a:pPr lvl="1"/>
+            <a:r>
+              <a:rPr lang="pl-PL" dirty="0" err="1"/>
+              <a:t>Act</a:t>
+            </a:r>
+            <a:r>
+              <a:rPr lang="pl-PL" dirty="0"/>
+              <a:t>, </a:t>
+            </a:r>
+          </a:p>
+          <a:p>
+            <a:pPr lvl="1"/>
+            <a:r>
+              <a:rPr lang="pl-PL" dirty="0" err="1"/>
+              <a:t>Assert</a:t>
+            </a:r>
+            <a:endParaRPr lang="pl-PL" dirty="0"/>
+          </a:p>
+          <a:p>
+            <a:r>
+              <a:rPr lang="pl-PL" dirty="0"/>
+              <a:t>GWT </a:t>
+            </a:r>
+          </a:p>
+          <a:p>
+            <a:pPr lvl="1"/>
+            <a:r>
+              <a:rPr lang="pl-PL" dirty="0" err="1"/>
+              <a:t>Given</a:t>
+            </a:r>
+            <a:r>
+              <a:rPr lang="pl-PL" dirty="0"/>
+              <a:t> </a:t>
+            </a:r>
+          </a:p>
+          <a:p>
+            <a:pPr lvl="1"/>
+            <a:r>
+              <a:rPr lang="pl-PL" dirty="0" err="1"/>
+              <a:t>When</a:t>
+            </a:r>
+            <a:r>
+              <a:rPr lang="pl-PL" dirty="0"/>
+              <a:t> </a:t>
+            </a:r>
+          </a:p>
+          <a:p>
+            <a:pPr lvl="1"/>
+            <a:r>
+              <a:rPr lang="pl-PL" dirty="0"/>
+              <a:t>Then</a:t>
+            </a:r>
+          </a:p>
+        </p:txBody>
+      </p:sp>
+    </p:spTree>
+    <p:extLst>
+      <p:ext uri="{BB962C8B-B14F-4D97-AF65-F5344CB8AC3E}">
+        <p14:creationId xmlns:p14="http://schemas.microsoft.com/office/powerpoint/2010/main" val="724341989"/>
+      </p:ext>
+    </p:extLst>
+  </p:cSld>
+  <p:clrMapOvr>
+    <a:masterClrMapping/>
+  </p:clrMapOvr>
+</p:sld>
+</file>
+
+<file path=ppt/slides/slide7.xml><?xml version="1.0" encoding="utf-8"?>
+<p:sld xmlns:a="http://schemas.openxmlformats.org/drawingml/2006/main" xmlns:r="http://schemas.openxmlformats.org/officeDocument/2006/relationships" xmlns:p="http://schemas.openxmlformats.org/presentationml/2006/main">
+  <p:cSld>
+    <p:spTree>
+      <p:nvGrpSpPr>
+        <p:cNvPr id="1" name=""/>
+        <p:cNvGrpSpPr/>
+        <p:nvPr/>
+      </p:nvGrpSpPr>
+      <p:grpSpPr>
+        <a:xfrm>
+          <a:off x="0" y="0"/>
+          <a:ext cx="0" cy="0"/>
+          <a:chOff x="0" y="0"/>
+          <a:chExt cx="0" cy="0"/>
+        </a:xfrm>
+      </p:grpSpPr>
+      <p:sp>
+        <p:nvSpPr>
+          <p:cNvPr id="2" name="Tytuł 1">
+            <a:extLst>
+              <a:ext uri="{FF2B5EF4-FFF2-40B4-BE49-F238E27FC236}">
+                <a16:creationId xmlns:a16="http://schemas.microsoft.com/office/drawing/2014/main" id="{6907A675-BBFF-49F5-A87B-33713128512C}"/>
+              </a:ext>
+            </a:extLst>
+          </p:cNvPr>
+          <p:cNvSpPr>
+            <a:spLocks noGrp="1"/>
+          </p:cNvSpPr>
+          <p:nvPr>
+            <p:ph type="title"/>
+          </p:nvPr>
+        </p:nvSpPr>
+        <p:spPr/>
+        <p:txBody>
+          <a:bodyPr/>
+          <a:lstStyle/>
+          <a:p>
+            <a:pPr algn="ctr"/>
+            <a:r>
+              <a:rPr lang="pl-PL" dirty="0"/>
+              <a:t>Nazewnictwo</a:t>
+            </a:r>
+          </a:p>
+        </p:txBody>
+      </p:sp>
+      <p:sp>
+        <p:nvSpPr>
+          <p:cNvPr id="3" name="Symbol zastępczy zawartości 2">
+            <a:extLst>
+              <a:ext uri="{FF2B5EF4-FFF2-40B4-BE49-F238E27FC236}">
+                <a16:creationId xmlns:a16="http://schemas.microsoft.com/office/drawing/2014/main" id="{B4308AD1-49F1-4A96-8281-9F1DB2654796}"/>
+              </a:ext>
+            </a:extLst>
+          </p:cNvPr>
+          <p:cNvSpPr>
+            <a:spLocks noGrp="1"/>
+          </p:cNvSpPr>
+          <p:nvPr>
+            <p:ph idx="1"/>
+          </p:nvPr>
+        </p:nvSpPr>
+        <p:spPr/>
+        <p:txBody>
+          <a:bodyPr anchor="t"/>
+          <a:lstStyle/>
+          <a:p>
+            <a:r>
+              <a:rPr lang="pl-PL" strike="sngStrike" dirty="0"/>
+              <a:t>Test1()</a:t>
+            </a:r>
+          </a:p>
+          <a:p>
+            <a:r>
+              <a:rPr lang="pl-PL" strike="sngStrike" dirty="0"/>
+              <a:t>Test2()</a:t>
+            </a:r>
+          </a:p>
+          <a:p>
+            <a:r>
+              <a:rPr lang="pl-PL" strike="sngStrike" dirty="0" err="1"/>
+              <a:t>TestDodawaniaFaktury</a:t>
+            </a:r>
+            <a:endParaRPr lang="pl-PL" strike="sngStrike" dirty="0"/>
+          </a:p>
+          <a:p>
+            <a:endParaRPr lang="pl-PL" dirty="0"/>
+          </a:p>
+        </p:txBody>
+      </p:sp>
+    </p:spTree>
+    <p:extLst>
+      <p:ext uri="{BB962C8B-B14F-4D97-AF65-F5344CB8AC3E}">
+        <p14:creationId xmlns:p14="http://schemas.microsoft.com/office/powerpoint/2010/main" val="855337638"/>
+      </p:ext>
+    </p:extLst>
+  </p:cSld>
+  <p:clrMapOvr>
+    <a:masterClrMapping/>
+  </p:clrMapOvr>
+</p:sld>
+</file>
+
+<file path=ppt/slides/slide8.xml><?xml version="1.0" encoding="utf-8"?>
+<p:sld xmlns:a="http://schemas.openxmlformats.org/drawingml/2006/main" xmlns:r="http://schemas.openxmlformats.org/officeDocument/2006/relationships" xmlns:p="http://schemas.openxmlformats.org/presentationml/2006/main">
+  <p:cSld>
+    <p:spTree>
+      <p:nvGrpSpPr>
+        <p:cNvPr id="1" name=""/>
+        <p:cNvGrpSpPr/>
+        <p:nvPr/>
+      </p:nvGrpSpPr>
+      <p:grpSpPr>
+        <a:xfrm>
+          <a:off x="0" y="0"/>
+          <a:ext cx="0" cy="0"/>
+          <a:chOff x="0" y="0"/>
+          <a:chExt cx="0" cy="0"/>
+        </a:xfrm>
+      </p:grpSpPr>
+      <p:sp>
+        <p:nvSpPr>
+          <p:cNvPr id="2" name="Tytuł 1">
+            <a:extLst>
+              <a:ext uri="{FF2B5EF4-FFF2-40B4-BE49-F238E27FC236}">
+                <a16:creationId xmlns:a16="http://schemas.microsoft.com/office/drawing/2014/main" id="{280506CA-C1C9-4D15-847D-6E20886C902E}"/>
+              </a:ext>
+            </a:extLst>
+          </p:cNvPr>
+          <p:cNvSpPr>
+            <a:spLocks noGrp="1"/>
+          </p:cNvSpPr>
+          <p:nvPr>
+            <p:ph type="title"/>
+          </p:nvPr>
+        </p:nvSpPr>
+        <p:spPr/>
+        <p:txBody>
+          <a:bodyPr/>
+          <a:lstStyle/>
+          <a:p>
+            <a:pPr algn="ctr"/>
+            <a:r>
+              <a:rPr lang="pl-PL" dirty="0"/>
+              <a:t>Nazewnictwo</a:t>
+            </a:r>
+          </a:p>
+        </p:txBody>
+      </p:sp>
+      <p:sp>
+        <p:nvSpPr>
+          <p:cNvPr id="3" name="Symbol zastępczy zawartości 2">
+            <a:extLst>
+              <a:ext uri="{FF2B5EF4-FFF2-40B4-BE49-F238E27FC236}">
+                <a16:creationId xmlns:a16="http://schemas.microsoft.com/office/drawing/2014/main" id="{20B3FF83-FC9A-41B1-9C62-C7DF22465989}"/>
+              </a:ext>
+            </a:extLst>
+          </p:cNvPr>
+          <p:cNvSpPr>
+            <a:spLocks noGrp="1"/>
+          </p:cNvSpPr>
+          <p:nvPr>
+            <p:ph idx="1"/>
+          </p:nvPr>
+        </p:nvSpPr>
+        <p:spPr/>
+        <p:txBody>
+          <a:bodyPr anchor="t">
+            <a:normAutofit fontScale="47500" lnSpcReduction="20000"/>
+          </a:bodyPr>
+          <a:lstStyle/>
+          <a:p>
+            <a:r>
+              <a:rPr lang="pl-PL" sz="2900" dirty="0"/>
+              <a:t>musi nieść informację</a:t>
+            </a:r>
+          </a:p>
+          <a:p>
+            <a:endParaRPr lang="pl-PL" dirty="0"/>
+          </a:p>
+          <a:p>
+            <a:pPr marL="0" indent="0">
+              <a:lnSpc>
+                <a:spcPct val="120000"/>
+              </a:lnSpc>
+              <a:buNone/>
+            </a:pPr>
+            <a:r>
+              <a:rPr lang="pl-PL" dirty="0"/>
+              <a:t> [</a:t>
+            </a:r>
+            <a:r>
+              <a:rPr lang="pl-PL" dirty="0" err="1"/>
+              <a:t>TestFixture</a:t>
+            </a:r>
+            <a:r>
+              <a:rPr lang="pl-PL" dirty="0"/>
+              <a:t>]</a:t>
+            </a:r>
+          </a:p>
+          <a:p>
+            <a:pPr marL="0" indent="0">
+              <a:lnSpc>
+                <a:spcPct val="120000"/>
+              </a:lnSpc>
+              <a:buNone/>
+            </a:pPr>
+            <a:r>
+              <a:rPr lang="pl-PL" dirty="0"/>
+              <a:t>  public </a:t>
+            </a:r>
+            <a:r>
+              <a:rPr lang="pl-PL" dirty="0" err="1"/>
+              <a:t>class</a:t>
+            </a:r>
+            <a:r>
+              <a:rPr lang="pl-PL" dirty="0"/>
+              <a:t> </a:t>
+            </a:r>
+            <a:r>
+              <a:rPr lang="pl-PL" dirty="0" err="1"/>
+              <a:t>SuccessfulInvoiceAddTests</a:t>
+            </a:r>
+            <a:endParaRPr lang="pl-PL" dirty="0"/>
+          </a:p>
+          <a:p>
+            <a:pPr marL="0" indent="0">
+              <a:lnSpc>
+                <a:spcPct val="120000"/>
+              </a:lnSpc>
+              <a:buNone/>
+            </a:pPr>
+            <a:r>
+              <a:rPr lang="pl-PL" dirty="0"/>
+              <a:t>  {</a:t>
+            </a:r>
+          </a:p>
+          <a:p>
+            <a:pPr marL="0" indent="0">
+              <a:lnSpc>
+                <a:spcPct val="120000"/>
+              </a:lnSpc>
+              <a:buNone/>
+            </a:pPr>
+            <a:r>
+              <a:rPr lang="pl-PL" dirty="0"/>
+              <a:t>    [Test]</a:t>
+            </a:r>
+          </a:p>
+          <a:p>
+            <a:pPr marL="0" indent="0">
+              <a:lnSpc>
+                <a:spcPct val="120000"/>
+              </a:lnSpc>
+              <a:buNone/>
+            </a:pPr>
+            <a:r>
+              <a:rPr lang="pl-PL" dirty="0"/>
+              <a:t>    public </a:t>
+            </a:r>
+            <a:r>
+              <a:rPr lang="pl-PL" dirty="0" err="1"/>
+              <a:t>void</a:t>
+            </a:r>
+            <a:r>
+              <a:rPr lang="pl-PL" dirty="0"/>
+              <a:t> </a:t>
+            </a:r>
+            <a:r>
+              <a:rPr lang="pl-PL" dirty="0" err="1"/>
+              <a:t>ShouldAddInvoice</a:t>
+            </a:r>
+            <a:r>
+              <a:rPr lang="pl-PL" dirty="0"/>
+              <a:t>()</a:t>
+            </a:r>
+          </a:p>
+          <a:p>
+            <a:pPr marL="0" indent="0">
+              <a:lnSpc>
+                <a:spcPct val="120000"/>
+              </a:lnSpc>
+              <a:buNone/>
+            </a:pPr>
+            <a:r>
+              <a:rPr lang="pl-PL" dirty="0"/>
+              <a:t>    {</a:t>
+            </a:r>
+          </a:p>
+          <a:p>
+            <a:pPr marL="0" indent="0">
+              <a:lnSpc>
+                <a:spcPct val="120000"/>
+              </a:lnSpc>
+              <a:buNone/>
+            </a:pPr>
+            <a:r>
+              <a:rPr lang="pl-PL" dirty="0"/>
+              <a:t>    }</a:t>
+            </a:r>
+          </a:p>
+          <a:p>
+            <a:pPr marL="0" indent="0">
+              <a:lnSpc>
+                <a:spcPct val="120000"/>
+              </a:lnSpc>
+              <a:buNone/>
+            </a:pPr>
+            <a:endParaRPr lang="pl-PL" dirty="0"/>
+          </a:p>
+          <a:p>
+            <a:pPr marL="0" indent="0">
+              <a:lnSpc>
+                <a:spcPct val="120000"/>
+              </a:lnSpc>
+              <a:buNone/>
+            </a:pPr>
+            <a:r>
+              <a:rPr lang="pl-PL" dirty="0"/>
+              <a:t>    </a:t>
+            </a:r>
+            <a:r>
+              <a:rPr lang="en-US" dirty="0"/>
+              <a:t>[Test]</a:t>
+            </a:r>
+          </a:p>
+          <a:p>
+            <a:pPr marL="0" indent="0">
+              <a:lnSpc>
+                <a:spcPct val="120000"/>
+              </a:lnSpc>
+              <a:buNone/>
+            </a:pPr>
+            <a:r>
+              <a:rPr lang="en-US" dirty="0"/>
+              <a:t>    public void </a:t>
+            </a:r>
+            <a:r>
+              <a:rPr lang="en-US" dirty="0" err="1"/>
+              <a:t>AddInvoice_CorrectInvoice_ShouldAdd</a:t>
+            </a:r>
+            <a:r>
+              <a:rPr lang="en-US" dirty="0"/>
+              <a:t>()</a:t>
+            </a:r>
+          </a:p>
+          <a:p>
+            <a:pPr marL="0" indent="0">
+              <a:lnSpc>
+                <a:spcPct val="120000"/>
+              </a:lnSpc>
+              <a:buNone/>
+            </a:pPr>
+            <a:r>
+              <a:rPr lang="en-US" dirty="0"/>
+              <a:t>    {      </a:t>
+            </a:r>
+          </a:p>
+          <a:p>
+            <a:pPr marL="0" indent="0">
+              <a:lnSpc>
+                <a:spcPct val="120000"/>
+              </a:lnSpc>
+              <a:buNone/>
+            </a:pPr>
+            <a:r>
+              <a:rPr lang="en-US" dirty="0"/>
+              <a:t>    }</a:t>
+            </a:r>
+            <a:endParaRPr lang="pl-PL" dirty="0"/>
+          </a:p>
+          <a:p>
+            <a:pPr marL="0" indent="0">
+              <a:lnSpc>
+                <a:spcPct val="120000"/>
+              </a:lnSpc>
+              <a:buNone/>
+            </a:pPr>
+            <a:r>
+              <a:rPr lang="pl-PL" dirty="0"/>
+              <a:t>  }</a:t>
+            </a:r>
+          </a:p>
+        </p:txBody>
+      </p:sp>
+    </p:spTree>
+    <p:extLst>
+      <p:ext uri="{BB962C8B-B14F-4D97-AF65-F5344CB8AC3E}">
+        <p14:creationId xmlns:p14="http://schemas.microsoft.com/office/powerpoint/2010/main" val="742992233"/>
+      </p:ext>
+    </p:extLst>
+  </p:cSld>
+  <p:clrMapOvr>
+    <a:masterClrMapping/>
+  </p:clrMapOvr>
+</p:sld>
+</file>
+
+<file path=ppt/slides/slide9.xml><?xml version="1.0" encoding="utf-8"?>
 <p:sld xmlns:a="http://schemas.openxmlformats.org/drawingml/2006/main" xmlns:r="http://schemas.openxmlformats.org/officeDocument/2006/relationships" xmlns:p="http://schemas.openxmlformats.org/presentationml/2006/main">
   <p:cSld>
     <p:spTree>
@@ -8460,1346 +9958,6 @@
     <p:extLst>
       <p:ext uri="{BB962C8B-B14F-4D97-AF65-F5344CB8AC3E}">
         <p14:creationId xmlns:p14="http://schemas.microsoft.com/office/powerpoint/2010/main" val="1337315304"/>
-      </p:ext>
-    </p:extLst>
-  </p:cSld>
-  <p:clrMapOvr>
-    <a:masterClrMapping/>
-  </p:clrMapOvr>
-</p:sld>
-</file>
-
-<file path=ppt/slides/slide4.xml><?xml version="1.0" encoding="utf-8"?>
-<p:sld xmlns:a="http://schemas.openxmlformats.org/drawingml/2006/main" xmlns:r="http://schemas.openxmlformats.org/officeDocument/2006/relationships" xmlns:p="http://schemas.openxmlformats.org/presentationml/2006/main">
-  <p:cSld>
-    <p:spTree>
-      <p:nvGrpSpPr>
-        <p:cNvPr id="1" name=""/>
-        <p:cNvGrpSpPr/>
-        <p:nvPr/>
-      </p:nvGrpSpPr>
-      <p:grpSpPr>
-        <a:xfrm>
-          <a:off x="0" y="0"/>
-          <a:ext cx="0" cy="0"/>
-          <a:chOff x="0" y="0"/>
-          <a:chExt cx="0" cy="0"/>
-        </a:xfrm>
-      </p:grpSpPr>
-      <p:sp>
-        <p:nvSpPr>
-          <p:cNvPr id="2" name="Tytuł 1">
-            <a:extLst>
-              <a:ext uri="{FF2B5EF4-FFF2-40B4-BE49-F238E27FC236}">
-                <a16:creationId xmlns:a16="http://schemas.microsoft.com/office/drawing/2014/main" id="{F3144CAC-B7A7-4FBC-91A7-686E1460329E}"/>
-              </a:ext>
-            </a:extLst>
-          </p:cNvPr>
-          <p:cNvSpPr>
-            <a:spLocks noGrp="1"/>
-          </p:cNvSpPr>
-          <p:nvPr>
-            <p:ph type="title"/>
-          </p:nvPr>
-        </p:nvSpPr>
-        <p:spPr/>
-        <p:txBody>
-          <a:bodyPr>
-            <a:normAutofit/>
-          </a:bodyPr>
-          <a:lstStyle/>
-          <a:p>
-            <a:pPr algn="ctr"/>
-            <a:r>
-              <a:rPr lang="pl-PL" sz="4400" dirty="0"/>
-              <a:t>CZYM SĄ Testy JEDNOSTKOWE?</a:t>
-            </a:r>
-          </a:p>
-        </p:txBody>
-      </p:sp>
-      <p:sp>
-        <p:nvSpPr>
-          <p:cNvPr id="3" name="Symbol zastępczy zawartości 2">
-            <a:extLst>
-              <a:ext uri="{FF2B5EF4-FFF2-40B4-BE49-F238E27FC236}">
-                <a16:creationId xmlns:a16="http://schemas.microsoft.com/office/drawing/2014/main" id="{B0338307-19BA-4D13-987C-9E4D3669AA0C}"/>
-              </a:ext>
-            </a:extLst>
-          </p:cNvPr>
-          <p:cNvSpPr>
-            <a:spLocks noGrp="1"/>
-          </p:cNvSpPr>
-          <p:nvPr>
-            <p:ph idx="1"/>
-          </p:nvPr>
-        </p:nvSpPr>
-        <p:spPr/>
-        <p:txBody>
-          <a:bodyPr>
-            <a:normAutofit/>
-          </a:bodyPr>
-          <a:lstStyle/>
-          <a:p>
-            <a:r>
-              <a:rPr lang="pl-PL" sz="3200" dirty="0">
-                <a:solidFill>
-                  <a:schemeClr val="tx1"/>
-                </a:solidFill>
-              </a:rPr>
-              <a:t>Kod, który wykonuje fragmenty aplikacji</a:t>
-            </a:r>
-          </a:p>
-          <a:p>
-            <a:r>
-              <a:rPr lang="pl-PL" sz="3200" dirty="0">
-                <a:solidFill>
-                  <a:schemeClr val="tx1"/>
-                </a:solidFill>
-              </a:rPr>
-              <a:t>Dostarczamy dane wejściowe </a:t>
-            </a:r>
-          </a:p>
-          <a:p>
-            <a:r>
-              <a:rPr lang="pl-PL" sz="3200" dirty="0">
-                <a:solidFill>
-                  <a:schemeClr val="tx1"/>
-                </a:solidFill>
-              </a:rPr>
-              <a:t>Wykonujemy instrukcje</a:t>
-            </a:r>
-          </a:p>
-          <a:p>
-            <a:r>
-              <a:rPr lang="pl-PL" sz="3200" dirty="0">
-                <a:solidFill>
-                  <a:schemeClr val="tx1"/>
-                </a:solidFill>
-              </a:rPr>
-              <a:t>Sprawdzamy czy rezultat jest równy oczekiwanej wartości</a:t>
-            </a:r>
-          </a:p>
-        </p:txBody>
-      </p:sp>
-    </p:spTree>
-    <p:extLst>
-      <p:ext uri="{BB962C8B-B14F-4D97-AF65-F5344CB8AC3E}">
-        <p14:creationId xmlns:p14="http://schemas.microsoft.com/office/powerpoint/2010/main" val="3775749762"/>
-      </p:ext>
-    </p:extLst>
-  </p:cSld>
-  <p:clrMapOvr>
-    <a:masterClrMapping/>
-  </p:clrMapOvr>
-</p:sld>
-</file>
-
-<file path=ppt/slides/slide5.xml><?xml version="1.0" encoding="utf-8"?>
-<p:sld xmlns:a="http://schemas.openxmlformats.org/drawingml/2006/main" xmlns:r="http://schemas.openxmlformats.org/officeDocument/2006/relationships" xmlns:p="http://schemas.openxmlformats.org/presentationml/2006/main">
-  <p:cSld>
-    <p:spTree>
-      <p:nvGrpSpPr>
-        <p:cNvPr id="1" name=""/>
-        <p:cNvGrpSpPr/>
-        <p:nvPr/>
-      </p:nvGrpSpPr>
-      <p:grpSpPr>
-        <a:xfrm>
-          <a:off x="0" y="0"/>
-          <a:ext cx="0" cy="0"/>
-          <a:chOff x="0" y="0"/>
-          <a:chExt cx="0" cy="0"/>
-        </a:xfrm>
-      </p:grpSpPr>
-      <p:sp>
-        <p:nvSpPr>
-          <p:cNvPr id="2" name="Tytuł 1">
-            <a:extLst>
-              <a:ext uri="{FF2B5EF4-FFF2-40B4-BE49-F238E27FC236}">
-                <a16:creationId xmlns:a16="http://schemas.microsoft.com/office/drawing/2014/main" id="{E77A7358-7BAC-45BD-8C7B-10DA851C3292}"/>
-              </a:ext>
-            </a:extLst>
-          </p:cNvPr>
-          <p:cNvSpPr>
-            <a:spLocks noGrp="1"/>
-          </p:cNvSpPr>
-          <p:nvPr>
-            <p:ph type="title"/>
-          </p:nvPr>
-        </p:nvSpPr>
-        <p:spPr/>
-        <p:txBody>
-          <a:bodyPr>
-            <a:normAutofit/>
-          </a:bodyPr>
-          <a:lstStyle/>
-          <a:p>
-            <a:r>
-              <a:rPr lang="pl-PL" sz="4400" dirty="0"/>
-              <a:t>PO CO STOSOWAĆ TESTY JEDNOSTKOWE?</a:t>
-            </a:r>
-          </a:p>
-        </p:txBody>
-      </p:sp>
-      <p:sp>
-        <p:nvSpPr>
-          <p:cNvPr id="3" name="Symbol zastępczy zawartości 2">
-            <a:extLst>
-              <a:ext uri="{FF2B5EF4-FFF2-40B4-BE49-F238E27FC236}">
-                <a16:creationId xmlns:a16="http://schemas.microsoft.com/office/drawing/2014/main" id="{B55EC79D-E274-459C-BC7C-2643113CE27A}"/>
-              </a:ext>
-            </a:extLst>
-          </p:cNvPr>
-          <p:cNvSpPr>
-            <a:spLocks noGrp="1"/>
-          </p:cNvSpPr>
-          <p:nvPr>
-            <p:ph idx="1"/>
-          </p:nvPr>
-        </p:nvSpPr>
-        <p:spPr/>
-        <p:txBody>
-          <a:bodyPr>
-            <a:normAutofit/>
-          </a:bodyPr>
-          <a:lstStyle/>
-          <a:p>
-            <a:r>
-              <a:rPr lang="pl-PL" sz="3600" dirty="0">
-                <a:solidFill>
-                  <a:schemeClr val="tx1"/>
-                </a:solidFill>
-              </a:rPr>
-              <a:t>Szybkie sprawdzenie działania naszego kodu</a:t>
-            </a:r>
-          </a:p>
-          <a:p>
-            <a:r>
-              <a:rPr lang="pl-PL" sz="3600" dirty="0">
-                <a:solidFill>
-                  <a:schemeClr val="tx1"/>
-                </a:solidFill>
-              </a:rPr>
-              <a:t>Stoją na straży testowanej funkcjonalności</a:t>
-            </a:r>
-          </a:p>
-          <a:p>
-            <a:r>
-              <a:rPr lang="pl-PL" sz="3600" dirty="0">
-                <a:solidFill>
-                  <a:schemeClr val="tx1"/>
-                </a:solidFill>
-              </a:rPr>
-              <a:t>Oszczędzamy czas			pieniądze</a:t>
-            </a:r>
-          </a:p>
-        </p:txBody>
-      </p:sp>
-      <p:sp>
-        <p:nvSpPr>
-          <p:cNvPr id="4" name="Strzałka: w prawo 3">
-            <a:extLst>
-              <a:ext uri="{FF2B5EF4-FFF2-40B4-BE49-F238E27FC236}">
-                <a16:creationId xmlns:a16="http://schemas.microsoft.com/office/drawing/2014/main" id="{DCC9EE3F-F902-4E04-B4B2-DB68614680E4}"/>
-              </a:ext>
-            </a:extLst>
-          </p:cNvPr>
-          <p:cNvSpPr/>
-          <p:nvPr/>
-        </p:nvSpPr>
-        <p:spPr>
-          <a:xfrm>
-            <a:off x="4554415" y="4642339"/>
-            <a:ext cx="931985" cy="298938"/>
-          </a:xfrm>
-          <a:prstGeom prst="rightArrow">
-            <a:avLst/>
-          </a:prstGeom>
-        </p:spPr>
-        <p:style>
-          <a:lnRef idx="2">
-            <a:schemeClr val="accent1">
-              <a:shade val="50000"/>
-            </a:schemeClr>
-          </a:lnRef>
-          <a:fillRef idx="1">
-            <a:schemeClr val="accent1"/>
-          </a:fillRef>
-          <a:effectRef idx="0">
-            <a:schemeClr val="accent1"/>
-          </a:effectRef>
-          <a:fontRef idx="minor">
-            <a:schemeClr val="lt1"/>
-          </a:fontRef>
-        </p:style>
-        <p:txBody>
-          <a:bodyPr rtlCol="0" anchor="ctr"/>
-          <a:lstStyle/>
-          <a:p>
-            <a:pPr algn="ctr"/>
-            <a:endParaRPr lang="pl-PL"/>
-          </a:p>
-        </p:txBody>
-      </p:sp>
-    </p:spTree>
-    <p:extLst>
-      <p:ext uri="{BB962C8B-B14F-4D97-AF65-F5344CB8AC3E}">
-        <p14:creationId xmlns:p14="http://schemas.microsoft.com/office/powerpoint/2010/main" val="4106534101"/>
-      </p:ext>
-    </p:extLst>
-  </p:cSld>
-  <p:clrMapOvr>
-    <a:masterClrMapping/>
-  </p:clrMapOvr>
-</p:sld>
-</file>
-
-<file path=ppt/slides/slide6.xml><?xml version="1.0" encoding="utf-8"?>
-<p:sld xmlns:a="http://schemas.openxmlformats.org/drawingml/2006/main" xmlns:r="http://schemas.openxmlformats.org/officeDocument/2006/relationships" xmlns:p="http://schemas.openxmlformats.org/presentationml/2006/main">
-  <p:cSld>
-    <p:spTree>
-      <p:nvGrpSpPr>
-        <p:cNvPr id="1" name=""/>
-        <p:cNvGrpSpPr/>
-        <p:nvPr/>
-      </p:nvGrpSpPr>
-      <p:grpSpPr>
-        <a:xfrm>
-          <a:off x="0" y="0"/>
-          <a:ext cx="0" cy="0"/>
-          <a:chOff x="0" y="0"/>
-          <a:chExt cx="0" cy="0"/>
-        </a:xfrm>
-      </p:grpSpPr>
-      <p:sp>
-        <p:nvSpPr>
-          <p:cNvPr id="3" name="Symbol zastępczy zawartości 2">
-            <a:extLst>
-              <a:ext uri="{FF2B5EF4-FFF2-40B4-BE49-F238E27FC236}">
-                <a16:creationId xmlns:a16="http://schemas.microsoft.com/office/drawing/2014/main" id="{253AF384-3D02-41E3-B964-58AF2254452C}"/>
-              </a:ext>
-            </a:extLst>
-          </p:cNvPr>
-          <p:cNvSpPr>
-            <a:spLocks noGrp="1"/>
-          </p:cNvSpPr>
-          <p:nvPr>
-            <p:ph idx="4294967295"/>
-          </p:nvPr>
-        </p:nvSpPr>
-        <p:spPr>
-          <a:xfrm>
-            <a:off x="371475" y="2505289"/>
-            <a:ext cx="11029950" cy="3678238"/>
-          </a:xfrm>
-        </p:spPr>
-        <p:txBody>
-          <a:bodyPr/>
-          <a:lstStyle/>
-          <a:p>
-            <a:pPr fontAlgn="ctr"/>
-            <a:r>
-              <a:rPr lang="pl-PL" sz="2800" dirty="0">
-                <a:solidFill>
-                  <a:schemeClr val="tx1"/>
-                </a:solidFill>
-              </a:rPr>
-              <a:t>Początkowo klon </a:t>
-            </a:r>
-            <a:r>
-              <a:rPr lang="pl-PL" sz="2800" dirty="0" err="1">
-                <a:solidFill>
-                  <a:schemeClr val="tx1"/>
-                </a:solidFill>
-              </a:rPr>
-              <a:t>jUnit</a:t>
-            </a:r>
-            <a:endParaRPr lang="pl-PL" sz="2800" dirty="0">
-              <a:solidFill>
-                <a:schemeClr val="tx1"/>
-              </a:solidFill>
-            </a:endParaRPr>
-          </a:p>
-          <a:p>
-            <a:pPr fontAlgn="ctr"/>
-            <a:r>
-              <a:rPr lang="pl-PL" sz="2800" dirty="0">
-                <a:solidFill>
-                  <a:schemeClr val="tx1"/>
-                </a:solidFill>
-              </a:rPr>
-              <a:t>Nie jest domyślnie wspierany przez Visual Studio</a:t>
-            </a:r>
-          </a:p>
-          <a:p>
-            <a:pPr fontAlgn="ctr"/>
-            <a:r>
-              <a:rPr lang="pl-PL" sz="2800" dirty="0">
-                <a:solidFill>
-                  <a:schemeClr val="tx1"/>
-                </a:solidFill>
-              </a:rPr>
-              <a:t>Wymagany dodatkowy test </a:t>
-            </a:r>
-            <a:r>
-              <a:rPr lang="pl-PL" sz="2800" dirty="0" err="1">
-                <a:solidFill>
-                  <a:schemeClr val="tx1"/>
-                </a:solidFill>
-              </a:rPr>
-              <a:t>runner</a:t>
-            </a:r>
-            <a:endParaRPr lang="pl-PL" sz="2800" dirty="0">
-              <a:solidFill>
-                <a:schemeClr val="tx1"/>
-              </a:solidFill>
-            </a:endParaRPr>
-          </a:p>
-          <a:p>
-            <a:pPr fontAlgn="ctr"/>
-            <a:r>
-              <a:rPr lang="pl-PL" sz="2800" dirty="0">
-                <a:solidFill>
-                  <a:schemeClr val="tx1"/>
-                </a:solidFill>
-              </a:rPr>
-              <a:t>Atrybuty </a:t>
-            </a:r>
-            <a:r>
-              <a:rPr lang="pl-PL" sz="2800" dirty="0" err="1">
-                <a:solidFill>
-                  <a:schemeClr val="tx1"/>
-                </a:solidFill>
-              </a:rPr>
-              <a:t>TestFixture</a:t>
-            </a:r>
-            <a:r>
-              <a:rPr lang="pl-PL" sz="2800" dirty="0">
-                <a:solidFill>
-                  <a:schemeClr val="tx1"/>
-                </a:solidFill>
-              </a:rPr>
-              <a:t>, Test</a:t>
-            </a:r>
-          </a:p>
-          <a:p>
-            <a:endParaRPr lang="pl-PL" dirty="0"/>
-          </a:p>
-        </p:txBody>
-      </p:sp>
-      <p:pic>
-        <p:nvPicPr>
-          <p:cNvPr id="5" name="Obraz 4">
-            <a:extLst>
-              <a:ext uri="{FF2B5EF4-FFF2-40B4-BE49-F238E27FC236}">
-                <a16:creationId xmlns:a16="http://schemas.microsoft.com/office/drawing/2014/main" id="{078CE39F-3B80-4B45-AB59-F925BDB2A674}"/>
-              </a:ext>
-            </a:extLst>
-          </p:cNvPr>
-          <p:cNvPicPr>
-            <a:picLocks noChangeAspect="1"/>
-          </p:cNvPicPr>
-          <p:nvPr/>
-        </p:nvPicPr>
-        <p:blipFill>
-          <a:blip r:embed="rId3">
-            <a:extLst>
-              <a:ext uri="{28A0092B-C50C-407E-A947-70E740481C1C}">
-                <a14:useLocalDpi xmlns:a14="http://schemas.microsoft.com/office/drawing/2010/main" val="0"/>
-              </a:ext>
-            </a:extLst>
-          </a:blip>
-          <a:stretch>
-            <a:fillRect/>
-          </a:stretch>
-        </p:blipFill>
-        <p:spPr>
-          <a:xfrm>
-            <a:off x="4378214" y="926887"/>
-            <a:ext cx="3794235" cy="1578402"/>
-          </a:xfrm>
-          <a:prstGeom prst="rect">
-            <a:avLst/>
-          </a:prstGeom>
-        </p:spPr>
-      </p:pic>
-    </p:spTree>
-    <p:extLst>
-      <p:ext uri="{BB962C8B-B14F-4D97-AF65-F5344CB8AC3E}">
-        <p14:creationId xmlns:p14="http://schemas.microsoft.com/office/powerpoint/2010/main" val="1936917198"/>
-      </p:ext>
-    </p:extLst>
-  </p:cSld>
-  <p:clrMapOvr>
-    <a:masterClrMapping/>
-  </p:clrMapOvr>
-</p:sld>
-</file>
-
-<file path=ppt/slides/slide7.xml><?xml version="1.0" encoding="utf-8"?>
-<p:sld xmlns:a="http://schemas.openxmlformats.org/drawingml/2006/main" xmlns:r="http://schemas.openxmlformats.org/officeDocument/2006/relationships" xmlns:p="http://schemas.openxmlformats.org/presentationml/2006/main">
-  <p:cSld>
-    <p:spTree>
-      <p:nvGrpSpPr>
-        <p:cNvPr id="1" name=""/>
-        <p:cNvGrpSpPr/>
-        <p:nvPr/>
-      </p:nvGrpSpPr>
-      <p:grpSpPr>
-        <a:xfrm>
-          <a:off x="0" y="0"/>
-          <a:ext cx="0" cy="0"/>
-          <a:chOff x="0" y="0"/>
-          <a:chExt cx="0" cy="0"/>
-        </a:xfrm>
-      </p:grpSpPr>
-      <p:sp>
-        <p:nvSpPr>
-          <p:cNvPr id="2" name="Tytuł 1">
-            <a:extLst>
-              <a:ext uri="{FF2B5EF4-FFF2-40B4-BE49-F238E27FC236}">
-                <a16:creationId xmlns:a16="http://schemas.microsoft.com/office/drawing/2014/main" id="{3A30D208-9FEB-46FC-AA3E-D160C4A68700}"/>
-              </a:ext>
-            </a:extLst>
-          </p:cNvPr>
-          <p:cNvSpPr>
-            <a:spLocks noGrp="1"/>
-          </p:cNvSpPr>
-          <p:nvPr>
-            <p:ph type="title"/>
-          </p:nvPr>
-        </p:nvSpPr>
-        <p:spPr/>
-        <p:txBody>
-          <a:bodyPr/>
-          <a:lstStyle/>
-          <a:p>
-            <a:pPr algn="ctr"/>
-            <a:r>
-              <a:rPr lang="pl-PL" dirty="0"/>
-              <a:t>Przykład</a:t>
-            </a:r>
-          </a:p>
-        </p:txBody>
-      </p:sp>
-      <p:sp>
-        <p:nvSpPr>
-          <p:cNvPr id="3" name="Symbol zastępczy zawartości 2">
-            <a:extLst>
-              <a:ext uri="{FF2B5EF4-FFF2-40B4-BE49-F238E27FC236}">
-                <a16:creationId xmlns:a16="http://schemas.microsoft.com/office/drawing/2014/main" id="{0B7AEE14-4BD5-4620-BE2E-0FAE1CB56EED}"/>
-              </a:ext>
-            </a:extLst>
-          </p:cNvPr>
-          <p:cNvSpPr>
-            <a:spLocks noGrp="1"/>
-          </p:cNvSpPr>
-          <p:nvPr>
-            <p:ph idx="1"/>
-          </p:nvPr>
-        </p:nvSpPr>
-        <p:spPr/>
-        <p:txBody>
-          <a:bodyPr>
-            <a:normAutofit fontScale="62500" lnSpcReduction="20000"/>
-          </a:bodyPr>
-          <a:lstStyle/>
-          <a:p>
-            <a:pPr marL="0" indent="0">
-              <a:buNone/>
-            </a:pPr>
-            <a:r>
-              <a:rPr lang="pl-PL" dirty="0"/>
-              <a:t> [</a:t>
-            </a:r>
-            <a:r>
-              <a:rPr lang="pl-PL" dirty="0" err="1"/>
-              <a:t>TestFixture</a:t>
-            </a:r>
-            <a:r>
-              <a:rPr lang="pl-PL" dirty="0"/>
-              <a:t>]</a:t>
-            </a:r>
-          </a:p>
-          <a:p>
-            <a:pPr marL="0" indent="0">
-              <a:buNone/>
-            </a:pPr>
-            <a:r>
-              <a:rPr lang="pl-PL" dirty="0"/>
-              <a:t>  public </a:t>
-            </a:r>
-            <a:r>
-              <a:rPr lang="pl-PL" dirty="0" err="1"/>
-              <a:t>class</a:t>
-            </a:r>
-            <a:r>
-              <a:rPr lang="pl-PL" dirty="0"/>
-              <a:t> </a:t>
-            </a:r>
-            <a:r>
-              <a:rPr lang="pl-PL" dirty="0" err="1"/>
-              <a:t>VatValueCalculatorTests</a:t>
-            </a:r>
-            <a:endParaRPr lang="pl-PL" dirty="0"/>
-          </a:p>
-          <a:p>
-            <a:pPr marL="0" indent="0">
-              <a:buNone/>
-            </a:pPr>
-            <a:r>
-              <a:rPr lang="pl-PL" dirty="0"/>
-              <a:t>  {</a:t>
-            </a:r>
-          </a:p>
-          <a:p>
-            <a:pPr marL="0" indent="0">
-              <a:buNone/>
-            </a:pPr>
-            <a:r>
-              <a:rPr lang="pl-PL" dirty="0"/>
-              <a:t>    [Test]</a:t>
-            </a:r>
-          </a:p>
-          <a:p>
-            <a:pPr marL="0" indent="0">
-              <a:buNone/>
-            </a:pPr>
-            <a:r>
-              <a:rPr lang="pl-PL" dirty="0"/>
-              <a:t>    public </a:t>
-            </a:r>
-            <a:r>
-              <a:rPr lang="pl-PL" dirty="0" err="1"/>
-              <a:t>void</a:t>
-            </a:r>
-            <a:r>
-              <a:rPr lang="pl-PL" dirty="0"/>
-              <a:t> </a:t>
-            </a:r>
-            <a:r>
-              <a:rPr lang="pl-PL" dirty="0" err="1"/>
-              <a:t>should_calculate_proper_value</a:t>
-            </a:r>
-            <a:r>
-              <a:rPr lang="pl-PL" dirty="0"/>
-              <a:t>()</a:t>
-            </a:r>
-          </a:p>
-          <a:p>
-            <a:pPr marL="0" indent="0">
-              <a:buNone/>
-            </a:pPr>
-            <a:r>
-              <a:rPr lang="pl-PL" dirty="0"/>
-              <a:t>    {</a:t>
-            </a:r>
-          </a:p>
-          <a:p>
-            <a:pPr marL="0" indent="0">
-              <a:buNone/>
-            </a:pPr>
-            <a:r>
-              <a:rPr lang="pl-PL" dirty="0"/>
-              <a:t>      </a:t>
-            </a:r>
-            <a:r>
-              <a:rPr lang="pl-PL" dirty="0" err="1"/>
-              <a:t>const</a:t>
-            </a:r>
-            <a:r>
-              <a:rPr lang="pl-PL" dirty="0"/>
-              <a:t> </a:t>
-            </a:r>
-            <a:r>
-              <a:rPr lang="pl-PL" dirty="0" err="1"/>
-              <a:t>decimal</a:t>
-            </a:r>
-            <a:r>
-              <a:rPr lang="pl-PL" dirty="0"/>
-              <a:t> </a:t>
-            </a:r>
-            <a:r>
-              <a:rPr lang="pl-PL" dirty="0" err="1"/>
-              <a:t>netValue</a:t>
-            </a:r>
-            <a:r>
-              <a:rPr lang="pl-PL" dirty="0"/>
-              <a:t> = 15;</a:t>
-            </a:r>
-          </a:p>
-          <a:p>
-            <a:pPr marL="0" indent="0">
-              <a:buNone/>
-            </a:pPr>
-            <a:endParaRPr lang="pl-PL" dirty="0"/>
-          </a:p>
-          <a:p>
-            <a:pPr marL="0" indent="0">
-              <a:buNone/>
-            </a:pPr>
-            <a:r>
-              <a:rPr lang="pl-PL" dirty="0"/>
-              <a:t>      </a:t>
-            </a:r>
-            <a:r>
-              <a:rPr lang="pl-PL" dirty="0" err="1"/>
-              <a:t>var</a:t>
-            </a:r>
-            <a:r>
-              <a:rPr lang="pl-PL" dirty="0"/>
-              <a:t> </a:t>
-            </a:r>
-            <a:r>
-              <a:rPr lang="pl-PL" dirty="0" err="1"/>
-              <a:t>expectedValue</a:t>
-            </a:r>
-            <a:r>
-              <a:rPr lang="pl-PL" dirty="0"/>
-              <a:t> = 18.45M;</a:t>
-            </a:r>
-          </a:p>
-          <a:p>
-            <a:pPr marL="0" indent="0">
-              <a:buNone/>
-            </a:pPr>
-            <a:endParaRPr lang="pl-PL" dirty="0"/>
-          </a:p>
-          <a:p>
-            <a:pPr marL="0" indent="0">
-              <a:buNone/>
-            </a:pPr>
-            <a:r>
-              <a:rPr lang="pl-PL" dirty="0"/>
-              <a:t>      </a:t>
-            </a:r>
-            <a:r>
-              <a:rPr lang="pl-PL" dirty="0" err="1"/>
-              <a:t>var</a:t>
-            </a:r>
-            <a:r>
-              <a:rPr lang="pl-PL" dirty="0"/>
-              <a:t> </a:t>
-            </a:r>
-            <a:r>
-              <a:rPr lang="pl-PL" dirty="0" err="1"/>
-              <a:t>calculatedValue</a:t>
-            </a:r>
-            <a:r>
-              <a:rPr lang="pl-PL" dirty="0"/>
-              <a:t> = </a:t>
-            </a:r>
-            <a:r>
-              <a:rPr lang="pl-PL" dirty="0" err="1"/>
-              <a:t>VatValueCalculator.CalculateGrossValue</a:t>
-            </a:r>
-            <a:r>
-              <a:rPr lang="pl-PL" dirty="0"/>
-              <a:t>(</a:t>
-            </a:r>
-            <a:r>
-              <a:rPr lang="pl-PL" dirty="0" err="1"/>
-              <a:t>netValue</a:t>
-            </a:r>
-            <a:r>
-              <a:rPr lang="pl-PL" dirty="0"/>
-              <a:t>);</a:t>
-            </a:r>
-          </a:p>
-          <a:p>
-            <a:pPr marL="0" indent="0">
-              <a:buNone/>
-            </a:pPr>
-            <a:endParaRPr lang="pl-PL" dirty="0"/>
-          </a:p>
-          <a:p>
-            <a:pPr marL="0" indent="0">
-              <a:buNone/>
-            </a:pPr>
-            <a:r>
-              <a:rPr lang="pl-PL" dirty="0"/>
-              <a:t>      </a:t>
-            </a:r>
-            <a:r>
-              <a:rPr lang="pl-PL" dirty="0" err="1"/>
-              <a:t>Assert.That</a:t>
-            </a:r>
-            <a:r>
-              <a:rPr lang="pl-PL" dirty="0"/>
-              <a:t>(</a:t>
-            </a:r>
-            <a:r>
-              <a:rPr lang="pl-PL" dirty="0" err="1"/>
-              <a:t>expectedValue</a:t>
-            </a:r>
-            <a:r>
-              <a:rPr lang="pl-PL" dirty="0"/>
-              <a:t>, </a:t>
-            </a:r>
-            <a:r>
-              <a:rPr lang="pl-PL" dirty="0" err="1"/>
-              <a:t>Is.EqualTo</a:t>
-            </a:r>
-            <a:r>
-              <a:rPr lang="pl-PL" dirty="0"/>
-              <a:t>(</a:t>
-            </a:r>
-            <a:r>
-              <a:rPr lang="pl-PL" dirty="0" err="1"/>
-              <a:t>calculatedValue</a:t>
-            </a:r>
-            <a:r>
-              <a:rPr lang="pl-PL" dirty="0"/>
-              <a:t>));</a:t>
-            </a:r>
-          </a:p>
-          <a:p>
-            <a:pPr marL="0" indent="0">
-              <a:buNone/>
-            </a:pPr>
-            <a:r>
-              <a:rPr lang="pl-PL" dirty="0"/>
-              <a:t>    }</a:t>
-            </a:r>
-          </a:p>
-          <a:p>
-            <a:pPr marL="0" indent="0">
-              <a:buNone/>
-            </a:pPr>
-            <a:r>
-              <a:rPr lang="pl-PL" dirty="0"/>
-              <a:t>  }</a:t>
-            </a:r>
-          </a:p>
-        </p:txBody>
-      </p:sp>
-    </p:spTree>
-    <p:extLst>
-      <p:ext uri="{BB962C8B-B14F-4D97-AF65-F5344CB8AC3E}">
-        <p14:creationId xmlns:p14="http://schemas.microsoft.com/office/powerpoint/2010/main" val="4260571391"/>
-      </p:ext>
-    </p:extLst>
-  </p:cSld>
-  <p:clrMapOvr>
-    <a:masterClrMapping/>
-  </p:clrMapOvr>
-</p:sld>
-</file>
-
-<file path=ppt/slides/slide8.xml><?xml version="1.0" encoding="utf-8"?>
-<p:sld xmlns:a="http://schemas.openxmlformats.org/drawingml/2006/main" xmlns:r="http://schemas.openxmlformats.org/officeDocument/2006/relationships" xmlns:p="http://schemas.openxmlformats.org/presentationml/2006/main">
-  <p:cSld>
-    <p:spTree>
-      <p:nvGrpSpPr>
-        <p:cNvPr id="1" name=""/>
-        <p:cNvGrpSpPr/>
-        <p:nvPr/>
-      </p:nvGrpSpPr>
-      <p:grpSpPr>
-        <a:xfrm>
-          <a:off x="0" y="0"/>
-          <a:ext cx="0" cy="0"/>
-          <a:chOff x="0" y="0"/>
-          <a:chExt cx="0" cy="0"/>
-        </a:xfrm>
-      </p:grpSpPr>
-      <p:sp>
-        <p:nvSpPr>
-          <p:cNvPr id="3" name="Symbol zastępczy zawartości 2">
-            <a:extLst>
-              <a:ext uri="{FF2B5EF4-FFF2-40B4-BE49-F238E27FC236}">
-                <a16:creationId xmlns:a16="http://schemas.microsoft.com/office/drawing/2014/main" id="{5D3A5E2D-B3EA-41BC-BE6F-2717F0497445}"/>
-              </a:ext>
-            </a:extLst>
-          </p:cNvPr>
-          <p:cNvSpPr>
-            <a:spLocks noGrp="1"/>
-          </p:cNvSpPr>
-          <p:nvPr>
-            <p:ph idx="4294967295"/>
-          </p:nvPr>
-        </p:nvSpPr>
-        <p:spPr>
-          <a:xfrm>
-            <a:off x="476250" y="2362200"/>
-            <a:ext cx="11029950" cy="3678238"/>
-          </a:xfrm>
-        </p:spPr>
-        <p:txBody>
-          <a:bodyPr/>
-          <a:lstStyle/>
-          <a:p>
-            <a:pPr fontAlgn="ctr"/>
-            <a:r>
-              <a:rPr lang="pl-PL" sz="2800" dirty="0">
-                <a:solidFill>
-                  <a:schemeClr val="tx1"/>
-                </a:solidFill>
-              </a:rPr>
-              <a:t>Napisany przez autora </a:t>
-            </a:r>
-            <a:r>
-              <a:rPr lang="pl-PL" sz="2800" dirty="0" err="1">
-                <a:solidFill>
-                  <a:schemeClr val="tx1"/>
-                </a:solidFill>
-              </a:rPr>
-              <a:t>nUnit</a:t>
-            </a:r>
-            <a:r>
-              <a:rPr lang="pl-PL" sz="2800" dirty="0">
-                <a:solidFill>
-                  <a:schemeClr val="tx1"/>
-                </a:solidFill>
-              </a:rPr>
-              <a:t> v2</a:t>
-            </a:r>
-          </a:p>
-          <a:p>
-            <a:pPr fontAlgn="ctr"/>
-            <a:r>
-              <a:rPr lang="pl-PL" sz="2800" dirty="0">
-                <a:solidFill>
-                  <a:schemeClr val="tx1"/>
-                </a:solidFill>
-              </a:rPr>
-              <a:t>Podobnie jak </a:t>
-            </a:r>
-            <a:r>
-              <a:rPr lang="pl-PL" sz="2800" dirty="0" err="1">
-                <a:solidFill>
-                  <a:schemeClr val="tx1"/>
-                </a:solidFill>
-              </a:rPr>
-              <a:t>nUnit</a:t>
-            </a:r>
-            <a:r>
-              <a:rPr lang="pl-PL" sz="2800" dirty="0">
-                <a:solidFill>
-                  <a:schemeClr val="tx1"/>
-                </a:solidFill>
-              </a:rPr>
-              <a:t> wymaga doinstalowania test </a:t>
-            </a:r>
-            <a:r>
-              <a:rPr lang="pl-PL" sz="2800" dirty="0" err="1">
-                <a:solidFill>
-                  <a:schemeClr val="tx1"/>
-                </a:solidFill>
-              </a:rPr>
-              <a:t>runnera</a:t>
-            </a:r>
-            <a:endParaRPr lang="pl-PL" sz="2800" dirty="0">
-              <a:solidFill>
-                <a:schemeClr val="tx1"/>
-              </a:solidFill>
-            </a:endParaRPr>
-          </a:p>
-          <a:p>
-            <a:pPr fontAlgn="ctr"/>
-            <a:r>
-              <a:rPr lang="pl-PL" sz="2800" dirty="0">
-                <a:solidFill>
-                  <a:schemeClr val="tx1"/>
-                </a:solidFill>
-              </a:rPr>
-              <a:t>Atrybut [</a:t>
-            </a:r>
-            <a:r>
-              <a:rPr lang="pl-PL" sz="2800" dirty="0" err="1">
-                <a:solidFill>
-                  <a:schemeClr val="tx1"/>
-                </a:solidFill>
-              </a:rPr>
-              <a:t>Fact</a:t>
-            </a:r>
-            <a:r>
-              <a:rPr lang="pl-PL" sz="2800" dirty="0">
-                <a:solidFill>
-                  <a:schemeClr val="tx1"/>
-                </a:solidFill>
-              </a:rPr>
-              <a:t>]</a:t>
-            </a:r>
-          </a:p>
-          <a:p>
-            <a:endParaRPr lang="pl-PL" dirty="0"/>
-          </a:p>
-        </p:txBody>
-      </p:sp>
-      <p:pic>
-        <p:nvPicPr>
-          <p:cNvPr id="5" name="Obraz 4">
-            <a:extLst>
-              <a:ext uri="{FF2B5EF4-FFF2-40B4-BE49-F238E27FC236}">
-                <a16:creationId xmlns:a16="http://schemas.microsoft.com/office/drawing/2014/main" id="{5F605400-CA31-46F9-90E6-E32796B88884}"/>
-              </a:ext>
-            </a:extLst>
-          </p:cNvPr>
-          <p:cNvPicPr>
-            <a:picLocks noChangeAspect="1"/>
-          </p:cNvPicPr>
-          <p:nvPr/>
-        </p:nvPicPr>
-        <p:blipFill>
-          <a:blip r:embed="rId3">
-            <a:extLst>
-              <a:ext uri="{28A0092B-C50C-407E-A947-70E740481C1C}">
-                <a14:useLocalDpi xmlns:a14="http://schemas.microsoft.com/office/drawing/2010/main" val="0"/>
-              </a:ext>
-            </a:extLst>
-          </a:blip>
-          <a:stretch>
-            <a:fillRect/>
-          </a:stretch>
-        </p:blipFill>
-        <p:spPr>
-          <a:xfrm>
-            <a:off x="3886200" y="1075596"/>
-            <a:ext cx="4210050" cy="1104900"/>
-          </a:xfrm>
-          <a:prstGeom prst="rect">
-            <a:avLst/>
-          </a:prstGeom>
-        </p:spPr>
-      </p:pic>
-    </p:spTree>
-    <p:extLst>
-      <p:ext uri="{BB962C8B-B14F-4D97-AF65-F5344CB8AC3E}">
-        <p14:creationId xmlns:p14="http://schemas.microsoft.com/office/powerpoint/2010/main" val="137465057"/>
-      </p:ext>
-    </p:extLst>
-  </p:cSld>
-  <p:clrMapOvr>
-    <a:masterClrMapping/>
-  </p:clrMapOvr>
-</p:sld>
-</file>
-
-<file path=ppt/slides/slide9.xml><?xml version="1.0" encoding="utf-8"?>
-<p:sld xmlns:a="http://schemas.openxmlformats.org/drawingml/2006/main" xmlns:r="http://schemas.openxmlformats.org/officeDocument/2006/relationships" xmlns:p="http://schemas.openxmlformats.org/presentationml/2006/main">
-  <p:cSld>
-    <p:spTree>
-      <p:nvGrpSpPr>
-        <p:cNvPr id="1" name=""/>
-        <p:cNvGrpSpPr/>
-        <p:nvPr/>
-      </p:nvGrpSpPr>
-      <p:grpSpPr>
-        <a:xfrm>
-          <a:off x="0" y="0"/>
-          <a:ext cx="0" cy="0"/>
-          <a:chOff x="0" y="0"/>
-          <a:chExt cx="0" cy="0"/>
-        </a:xfrm>
-      </p:grpSpPr>
-      <p:sp>
-        <p:nvSpPr>
-          <p:cNvPr id="2" name="Tytuł 1">
-            <a:extLst>
-              <a:ext uri="{FF2B5EF4-FFF2-40B4-BE49-F238E27FC236}">
-                <a16:creationId xmlns:a16="http://schemas.microsoft.com/office/drawing/2014/main" id="{3A30D208-9FEB-46FC-AA3E-D160C4A68700}"/>
-              </a:ext>
-            </a:extLst>
-          </p:cNvPr>
-          <p:cNvSpPr>
-            <a:spLocks noGrp="1"/>
-          </p:cNvSpPr>
-          <p:nvPr>
-            <p:ph type="title"/>
-          </p:nvPr>
-        </p:nvSpPr>
-        <p:spPr/>
-        <p:txBody>
-          <a:bodyPr/>
-          <a:lstStyle/>
-          <a:p>
-            <a:pPr algn="ctr"/>
-            <a:r>
-              <a:rPr lang="pl-PL" dirty="0"/>
-              <a:t>Przykład</a:t>
-            </a:r>
-          </a:p>
-        </p:txBody>
-      </p:sp>
-      <p:sp>
-        <p:nvSpPr>
-          <p:cNvPr id="3" name="Symbol zastępczy zawartości 2">
-            <a:extLst>
-              <a:ext uri="{FF2B5EF4-FFF2-40B4-BE49-F238E27FC236}">
-                <a16:creationId xmlns:a16="http://schemas.microsoft.com/office/drawing/2014/main" id="{0B7AEE14-4BD5-4620-BE2E-0FAE1CB56EED}"/>
-              </a:ext>
-            </a:extLst>
-          </p:cNvPr>
-          <p:cNvSpPr>
-            <a:spLocks noGrp="1"/>
-          </p:cNvSpPr>
-          <p:nvPr>
-            <p:ph idx="1"/>
-          </p:nvPr>
-        </p:nvSpPr>
-        <p:spPr/>
-        <p:txBody>
-          <a:bodyPr>
-            <a:normAutofit fontScale="62500" lnSpcReduction="20000"/>
-          </a:bodyPr>
-          <a:lstStyle/>
-          <a:p>
-            <a:pPr marL="0" indent="0">
-              <a:buNone/>
-            </a:pPr>
-            <a:r>
-              <a:rPr lang="pl-PL" dirty="0"/>
-              <a:t> public </a:t>
-            </a:r>
-            <a:r>
-              <a:rPr lang="pl-PL" dirty="0" err="1"/>
-              <a:t>class</a:t>
-            </a:r>
-            <a:r>
-              <a:rPr lang="pl-PL" dirty="0"/>
-              <a:t> </a:t>
-            </a:r>
-            <a:r>
-              <a:rPr lang="pl-PL" dirty="0" err="1"/>
-              <a:t>VatValueCalculatorTests</a:t>
-            </a:r>
-            <a:endParaRPr lang="pl-PL" dirty="0"/>
-          </a:p>
-          <a:p>
-            <a:pPr marL="0" indent="0">
-              <a:buNone/>
-            </a:pPr>
-            <a:r>
-              <a:rPr lang="pl-PL" dirty="0"/>
-              <a:t>  {</a:t>
-            </a:r>
-          </a:p>
-          <a:p>
-            <a:pPr marL="0" indent="0">
-              <a:buNone/>
-            </a:pPr>
-            <a:r>
-              <a:rPr lang="pl-PL" dirty="0"/>
-              <a:t>    [</a:t>
-            </a:r>
-            <a:r>
-              <a:rPr lang="pl-PL" dirty="0" err="1"/>
-              <a:t>Fact</a:t>
-            </a:r>
-            <a:r>
-              <a:rPr lang="pl-PL" dirty="0"/>
-              <a:t>]</a:t>
-            </a:r>
-          </a:p>
-          <a:p>
-            <a:pPr marL="0" indent="0">
-              <a:buNone/>
-            </a:pPr>
-            <a:r>
-              <a:rPr lang="pl-PL" dirty="0"/>
-              <a:t>    public </a:t>
-            </a:r>
-            <a:r>
-              <a:rPr lang="pl-PL" dirty="0" err="1"/>
-              <a:t>void</a:t>
-            </a:r>
-            <a:r>
-              <a:rPr lang="pl-PL" dirty="0"/>
-              <a:t> </a:t>
-            </a:r>
-            <a:r>
-              <a:rPr lang="pl-PL" dirty="0" err="1"/>
-              <a:t>should_calculate_proper_value</a:t>
-            </a:r>
-            <a:r>
-              <a:rPr lang="pl-PL" dirty="0"/>
-              <a:t>()</a:t>
-            </a:r>
-          </a:p>
-          <a:p>
-            <a:pPr marL="0" indent="0">
-              <a:buNone/>
-            </a:pPr>
-            <a:r>
-              <a:rPr lang="pl-PL" dirty="0"/>
-              <a:t>    {</a:t>
-            </a:r>
-          </a:p>
-          <a:p>
-            <a:pPr marL="0" indent="0">
-              <a:buNone/>
-            </a:pPr>
-            <a:r>
-              <a:rPr lang="pl-PL" dirty="0"/>
-              <a:t>      </a:t>
-            </a:r>
-            <a:r>
-              <a:rPr lang="pl-PL" dirty="0" err="1"/>
-              <a:t>const</a:t>
-            </a:r>
-            <a:r>
-              <a:rPr lang="pl-PL" dirty="0"/>
-              <a:t> </a:t>
-            </a:r>
-            <a:r>
-              <a:rPr lang="pl-PL" dirty="0" err="1"/>
-              <a:t>decimal</a:t>
-            </a:r>
-            <a:r>
-              <a:rPr lang="pl-PL" dirty="0"/>
-              <a:t> </a:t>
-            </a:r>
-            <a:r>
-              <a:rPr lang="pl-PL" dirty="0" err="1"/>
-              <a:t>netValue</a:t>
-            </a:r>
-            <a:r>
-              <a:rPr lang="pl-PL" dirty="0"/>
-              <a:t> = 15;</a:t>
-            </a:r>
-          </a:p>
-          <a:p>
-            <a:pPr marL="0" indent="0">
-              <a:buNone/>
-            </a:pPr>
-            <a:endParaRPr lang="pl-PL" dirty="0"/>
-          </a:p>
-          <a:p>
-            <a:pPr marL="0" indent="0">
-              <a:buNone/>
-            </a:pPr>
-            <a:r>
-              <a:rPr lang="pl-PL" dirty="0"/>
-              <a:t>      </a:t>
-            </a:r>
-            <a:r>
-              <a:rPr lang="pl-PL" dirty="0" err="1"/>
-              <a:t>var</a:t>
-            </a:r>
-            <a:r>
-              <a:rPr lang="pl-PL" dirty="0"/>
-              <a:t> </a:t>
-            </a:r>
-            <a:r>
-              <a:rPr lang="pl-PL" dirty="0" err="1"/>
-              <a:t>expectedValue</a:t>
-            </a:r>
-            <a:r>
-              <a:rPr lang="pl-PL" dirty="0"/>
-              <a:t> = 18.45M;</a:t>
-            </a:r>
-          </a:p>
-          <a:p>
-            <a:pPr marL="0" indent="0">
-              <a:buNone/>
-            </a:pPr>
-            <a:endParaRPr lang="pl-PL" dirty="0"/>
-          </a:p>
-          <a:p>
-            <a:pPr marL="0" indent="0">
-              <a:buNone/>
-            </a:pPr>
-            <a:r>
-              <a:rPr lang="pl-PL" dirty="0"/>
-              <a:t>      </a:t>
-            </a:r>
-            <a:r>
-              <a:rPr lang="pl-PL" dirty="0" err="1"/>
-              <a:t>var</a:t>
-            </a:r>
-            <a:r>
-              <a:rPr lang="pl-PL" dirty="0"/>
-              <a:t> </a:t>
-            </a:r>
-            <a:r>
-              <a:rPr lang="pl-PL" dirty="0" err="1"/>
-              <a:t>calculatedValue</a:t>
-            </a:r>
-            <a:r>
-              <a:rPr lang="pl-PL" dirty="0"/>
-              <a:t> = </a:t>
-            </a:r>
-            <a:r>
-              <a:rPr lang="pl-PL" dirty="0" err="1"/>
-              <a:t>VatValueCalculator.CalculateGrossValue</a:t>
-            </a:r>
-            <a:r>
-              <a:rPr lang="pl-PL" dirty="0"/>
-              <a:t>(</a:t>
-            </a:r>
-            <a:r>
-              <a:rPr lang="pl-PL" dirty="0" err="1"/>
-              <a:t>netValue</a:t>
-            </a:r>
-            <a:r>
-              <a:rPr lang="pl-PL" dirty="0"/>
-              <a:t>);</a:t>
-            </a:r>
-          </a:p>
-          <a:p>
-            <a:pPr marL="0" indent="0">
-              <a:buNone/>
-            </a:pPr>
-            <a:endParaRPr lang="pl-PL" dirty="0"/>
-          </a:p>
-          <a:p>
-            <a:pPr marL="0" indent="0">
-              <a:buNone/>
-            </a:pPr>
-            <a:r>
-              <a:rPr lang="pl-PL" dirty="0"/>
-              <a:t>      </a:t>
-            </a:r>
-            <a:r>
-              <a:rPr lang="pl-PL" dirty="0" err="1"/>
-              <a:t>Assert.Equal</a:t>
-            </a:r>
-            <a:r>
-              <a:rPr lang="pl-PL" dirty="0"/>
-              <a:t>(</a:t>
-            </a:r>
-            <a:r>
-              <a:rPr lang="pl-PL" dirty="0" err="1"/>
-              <a:t>expectedValue</a:t>
-            </a:r>
-            <a:r>
-              <a:rPr lang="pl-PL" dirty="0"/>
-              <a:t>, </a:t>
-            </a:r>
-            <a:r>
-              <a:rPr lang="pl-PL" dirty="0" err="1"/>
-              <a:t>calculatedValue</a:t>
-            </a:r>
-            <a:r>
-              <a:rPr lang="pl-PL" dirty="0"/>
-              <a:t>);</a:t>
-            </a:r>
-          </a:p>
-          <a:p>
-            <a:pPr marL="0" indent="0">
-              <a:buNone/>
-            </a:pPr>
-            <a:r>
-              <a:rPr lang="pl-PL" dirty="0"/>
-              <a:t>    }</a:t>
-            </a:r>
-          </a:p>
-          <a:p>
-            <a:pPr marL="0" indent="0">
-              <a:buNone/>
-            </a:pPr>
-            <a:r>
-              <a:rPr lang="pl-PL" dirty="0"/>
-              <a:t>  }</a:t>
-            </a:r>
-          </a:p>
-        </p:txBody>
-      </p:sp>
-    </p:spTree>
-    <p:extLst>
-      <p:ext uri="{BB962C8B-B14F-4D97-AF65-F5344CB8AC3E}">
-        <p14:creationId xmlns:p14="http://schemas.microsoft.com/office/powerpoint/2010/main" val="2047853959"/>
       </p:ext>
     </p:extLst>
   </p:cSld>

--- a/docs/Testy jednostkowe.pptx
+++ b/docs/Testy jednostkowe.pptx
@@ -5,7 +5,7 @@
     <p:sldMasterId id="2147483672" r:id="rId1"/>
   </p:sldMasterIdLst>
   <p:notesMasterIdLst>
-    <p:notesMasterId r:id="rId23"/>
+    <p:notesMasterId r:id="rId25"/>
   </p:notesMasterIdLst>
   <p:sldIdLst>
     <p:sldId id="256" r:id="rId2"/>
@@ -13,22 +13,24 @@
     <p:sldId id="257" r:id="rId4"/>
     <p:sldId id="258" r:id="rId5"/>
     <p:sldId id="267" r:id="rId6"/>
-    <p:sldId id="275" r:id="rId7"/>
-    <p:sldId id="276" r:id="rId8"/>
-    <p:sldId id="277" r:id="rId9"/>
-    <p:sldId id="260" r:id="rId10"/>
-    <p:sldId id="261" r:id="rId11"/>
-    <p:sldId id="270" r:id="rId12"/>
-    <p:sldId id="264" r:id="rId13"/>
-    <p:sldId id="271" r:id="rId14"/>
-    <p:sldId id="265" r:id="rId15"/>
-    <p:sldId id="272" r:id="rId16"/>
-    <p:sldId id="266" r:id="rId17"/>
-    <p:sldId id="273" r:id="rId18"/>
-    <p:sldId id="274" r:id="rId19"/>
-    <p:sldId id="268" r:id="rId20"/>
-    <p:sldId id="278" r:id="rId21"/>
-    <p:sldId id="269" r:id="rId22"/>
+    <p:sldId id="279" r:id="rId7"/>
+    <p:sldId id="280" r:id="rId8"/>
+    <p:sldId id="276" r:id="rId9"/>
+    <p:sldId id="277" r:id="rId10"/>
+    <p:sldId id="260" r:id="rId11"/>
+    <p:sldId id="261" r:id="rId12"/>
+    <p:sldId id="270" r:id="rId13"/>
+    <p:sldId id="264" r:id="rId14"/>
+    <p:sldId id="271" r:id="rId15"/>
+    <p:sldId id="265" r:id="rId16"/>
+    <p:sldId id="272" r:id="rId17"/>
+    <p:sldId id="266" r:id="rId18"/>
+    <p:sldId id="273" r:id="rId19"/>
+    <p:sldId id="274" r:id="rId20"/>
+    <p:sldId id="268" r:id="rId21"/>
+    <p:sldId id="278" r:id="rId22"/>
+    <p:sldId id="269" r:id="rId23"/>
+    <p:sldId id="281" r:id="rId24"/>
   </p:sldIdLst>
   <p:sldSz cx="12192000" cy="6858000"/>
   <p:notesSz cx="6858000" cy="9144000"/>
@@ -646,7 +648,7 @@
     </p:spTree>
     <p:extLst>
       <p:ext uri="{BB962C8B-B14F-4D97-AF65-F5344CB8AC3E}">
-        <p14:creationId xmlns:p14="http://schemas.microsoft.com/office/powerpoint/2010/main" val="3520973205"/>
+        <p14:creationId xmlns:p14="http://schemas.microsoft.com/office/powerpoint/2010/main" val="3164897636"/>
       </p:ext>
     </p:extLst>
   </p:cSld>
@@ -730,7 +732,7 @@
     </p:spTree>
     <p:extLst>
       <p:ext uri="{BB962C8B-B14F-4D97-AF65-F5344CB8AC3E}">
-        <p14:creationId xmlns:p14="http://schemas.microsoft.com/office/powerpoint/2010/main" val="2258059390"/>
+        <p14:creationId xmlns:p14="http://schemas.microsoft.com/office/powerpoint/2010/main" val="3520973205"/>
       </p:ext>
     </p:extLst>
   </p:cSld>
@@ -814,7 +816,7 @@
     </p:spTree>
     <p:extLst>
       <p:ext uri="{BB962C8B-B14F-4D97-AF65-F5344CB8AC3E}">
-        <p14:creationId xmlns:p14="http://schemas.microsoft.com/office/powerpoint/2010/main" val="2234845205"/>
+        <p14:creationId xmlns:p14="http://schemas.microsoft.com/office/powerpoint/2010/main" val="2258059390"/>
       </p:ext>
     </p:extLst>
   </p:cSld>
@@ -898,7 +900,7 @@
     </p:spTree>
     <p:extLst>
       <p:ext uri="{BB962C8B-B14F-4D97-AF65-F5344CB8AC3E}">
-        <p14:creationId xmlns:p14="http://schemas.microsoft.com/office/powerpoint/2010/main" val="3526290230"/>
+        <p14:creationId xmlns:p14="http://schemas.microsoft.com/office/powerpoint/2010/main" val="2234845205"/>
       </p:ext>
     </p:extLst>
   </p:cSld>
@@ -982,7 +984,7 @@
     </p:spTree>
     <p:extLst>
       <p:ext uri="{BB962C8B-B14F-4D97-AF65-F5344CB8AC3E}">
-        <p14:creationId xmlns:p14="http://schemas.microsoft.com/office/powerpoint/2010/main" val="3677365108"/>
+        <p14:creationId xmlns:p14="http://schemas.microsoft.com/office/powerpoint/2010/main" val="3526290230"/>
       </p:ext>
     </p:extLst>
   </p:cSld>
@@ -1066,7 +1068,7 @@
     </p:spTree>
     <p:extLst>
       <p:ext uri="{BB962C8B-B14F-4D97-AF65-F5344CB8AC3E}">
-        <p14:creationId xmlns:p14="http://schemas.microsoft.com/office/powerpoint/2010/main" val="1636725447"/>
+        <p14:creationId xmlns:p14="http://schemas.microsoft.com/office/powerpoint/2010/main" val="3677365108"/>
       </p:ext>
     </p:extLst>
   </p:cSld>
@@ -1150,7 +1152,7 @@
     </p:spTree>
     <p:extLst>
       <p:ext uri="{BB962C8B-B14F-4D97-AF65-F5344CB8AC3E}">
-        <p14:creationId xmlns:p14="http://schemas.microsoft.com/office/powerpoint/2010/main" val="2543445122"/>
+        <p14:creationId xmlns:p14="http://schemas.microsoft.com/office/powerpoint/2010/main" val="1636725447"/>
       </p:ext>
     </p:extLst>
   </p:cSld>
@@ -1234,7 +1236,7 @@
     </p:spTree>
     <p:extLst>
       <p:ext uri="{BB962C8B-B14F-4D97-AF65-F5344CB8AC3E}">
-        <p14:creationId xmlns:p14="http://schemas.microsoft.com/office/powerpoint/2010/main" val="1102225941"/>
+        <p14:creationId xmlns:p14="http://schemas.microsoft.com/office/powerpoint/2010/main" val="2543445122"/>
       </p:ext>
     </p:extLst>
   </p:cSld>
@@ -1318,7 +1320,7 @@
     </p:spTree>
     <p:extLst>
       <p:ext uri="{BB962C8B-B14F-4D97-AF65-F5344CB8AC3E}">
-        <p14:creationId xmlns:p14="http://schemas.microsoft.com/office/powerpoint/2010/main" val="2696889387"/>
+        <p14:creationId xmlns:p14="http://schemas.microsoft.com/office/powerpoint/2010/main" val="1102225941"/>
       </p:ext>
     </p:extLst>
   </p:cSld>
@@ -1402,7 +1404,7 @@
     </p:spTree>
     <p:extLst>
       <p:ext uri="{BB962C8B-B14F-4D97-AF65-F5344CB8AC3E}">
-        <p14:creationId xmlns:p14="http://schemas.microsoft.com/office/powerpoint/2010/main" val="2319840739"/>
+        <p14:creationId xmlns:p14="http://schemas.microsoft.com/office/powerpoint/2010/main" val="2696889387"/>
       </p:ext>
     </p:extLst>
   </p:cSld>
@@ -1570,7 +1572,7 @@
     </p:spTree>
     <p:extLst>
       <p:ext uri="{BB962C8B-B14F-4D97-AF65-F5344CB8AC3E}">
-        <p14:creationId xmlns:p14="http://schemas.microsoft.com/office/powerpoint/2010/main" val="2958623070"/>
+        <p14:creationId xmlns:p14="http://schemas.microsoft.com/office/powerpoint/2010/main" val="2319840739"/>
       </p:ext>
     </p:extLst>
   </p:cSld>
@@ -1646,6 +1648,90 @@
             <a:fld id="{C7B87404-ADFE-4B48-97A5-00F9EDD3AA20}" type="slidenum">
               <a:rPr lang="pl-PL" smtClean="0"/>
               <a:t>21</a:t>
+            </a:fld>
+            <a:endParaRPr lang="pl-PL"/>
+          </a:p>
+        </p:txBody>
+      </p:sp>
+    </p:spTree>
+    <p:extLst>
+      <p:ext uri="{BB962C8B-B14F-4D97-AF65-F5344CB8AC3E}">
+        <p14:creationId xmlns:p14="http://schemas.microsoft.com/office/powerpoint/2010/main" val="2958623070"/>
+      </p:ext>
+    </p:extLst>
+  </p:cSld>
+  <p:clrMapOvr>
+    <a:masterClrMapping/>
+  </p:clrMapOvr>
+</p:notes>
+</file>
+
+<file path=ppt/notesSlides/notesSlide22.xml><?xml version="1.0" encoding="utf-8"?>
+<p:notes xmlns:a="http://schemas.openxmlformats.org/drawingml/2006/main" xmlns:r="http://schemas.openxmlformats.org/officeDocument/2006/relationships" xmlns:p="http://schemas.openxmlformats.org/presentationml/2006/main">
+  <p:cSld>
+    <p:spTree>
+      <p:nvGrpSpPr>
+        <p:cNvPr id="1" name=""/>
+        <p:cNvGrpSpPr/>
+        <p:nvPr/>
+      </p:nvGrpSpPr>
+      <p:grpSpPr>
+        <a:xfrm>
+          <a:off x="0" y="0"/>
+          <a:ext cx="0" cy="0"/>
+          <a:chOff x="0" y="0"/>
+          <a:chExt cx="0" cy="0"/>
+        </a:xfrm>
+      </p:grpSpPr>
+      <p:sp>
+        <p:nvSpPr>
+          <p:cNvPr id="2" name="Symbol zastępczy obrazu slajdu 1"/>
+          <p:cNvSpPr>
+            <a:spLocks noGrp="1" noRot="1" noChangeAspect="1"/>
+          </p:cNvSpPr>
+          <p:nvPr>
+            <p:ph type="sldImg"/>
+          </p:nvPr>
+        </p:nvSpPr>
+        <p:spPr/>
+      </p:sp>
+      <p:sp>
+        <p:nvSpPr>
+          <p:cNvPr id="3" name="Symbol zastępczy notatek 2"/>
+          <p:cNvSpPr>
+            <a:spLocks noGrp="1"/>
+          </p:cNvSpPr>
+          <p:nvPr>
+            <p:ph type="body" idx="1"/>
+          </p:nvPr>
+        </p:nvSpPr>
+        <p:spPr/>
+        <p:txBody>
+          <a:bodyPr/>
+          <a:lstStyle/>
+          <a:p>
+            <a:endParaRPr lang="pl-PL"/>
+          </a:p>
+        </p:txBody>
+      </p:sp>
+      <p:sp>
+        <p:nvSpPr>
+          <p:cNvPr id="4" name="Symbol zastępczy numeru slajdu 3"/>
+          <p:cNvSpPr>
+            <a:spLocks noGrp="1"/>
+          </p:cNvSpPr>
+          <p:nvPr>
+            <p:ph type="sldNum" sz="quarter" idx="10"/>
+          </p:nvPr>
+        </p:nvSpPr>
+        <p:spPr/>
+        <p:txBody>
+          <a:bodyPr/>
+          <a:lstStyle/>
+          <a:p>
+            <a:fld id="{C7B87404-ADFE-4B48-97A5-00F9EDD3AA20}" type="slidenum">
+              <a:rPr lang="pl-PL" smtClean="0"/>
+              <a:t>22</a:t>
             </a:fld>
             <a:endParaRPr lang="pl-PL"/>
           </a:p>
@@ -1990,7 +2076,7 @@
     </p:spTree>
     <p:extLst>
       <p:ext uri="{BB962C8B-B14F-4D97-AF65-F5344CB8AC3E}">
-        <p14:creationId xmlns:p14="http://schemas.microsoft.com/office/powerpoint/2010/main" val="1545718034"/>
+        <p14:creationId xmlns:p14="http://schemas.microsoft.com/office/powerpoint/2010/main" val="4011359029"/>
       </p:ext>
     </p:extLst>
   </p:cSld>
@@ -2074,7 +2160,7 @@
     </p:spTree>
     <p:extLst>
       <p:ext uri="{BB962C8B-B14F-4D97-AF65-F5344CB8AC3E}">
-        <p14:creationId xmlns:p14="http://schemas.microsoft.com/office/powerpoint/2010/main" val="924475175"/>
+        <p14:creationId xmlns:p14="http://schemas.microsoft.com/office/powerpoint/2010/main" val="868557428"/>
       </p:ext>
     </p:extLst>
   </p:cSld>
@@ -2158,7 +2244,7 @@
     </p:spTree>
     <p:extLst>
       <p:ext uri="{BB962C8B-B14F-4D97-AF65-F5344CB8AC3E}">
-        <p14:creationId xmlns:p14="http://schemas.microsoft.com/office/powerpoint/2010/main" val="4201002531"/>
+        <p14:creationId xmlns:p14="http://schemas.microsoft.com/office/powerpoint/2010/main" val="924475175"/>
       </p:ext>
     </p:extLst>
   </p:cSld>
@@ -2242,7 +2328,7 @@
     </p:spTree>
     <p:extLst>
       <p:ext uri="{BB962C8B-B14F-4D97-AF65-F5344CB8AC3E}">
-        <p14:creationId xmlns:p14="http://schemas.microsoft.com/office/powerpoint/2010/main" val="3164897636"/>
+        <p14:creationId xmlns:p14="http://schemas.microsoft.com/office/powerpoint/2010/main" val="4201002531"/>
       </p:ext>
     </p:extLst>
   </p:cSld>
@@ -6109,3713 +6195,6 @@
       </p:grpSpPr>
       <p:sp>
         <p:nvSpPr>
-          <p:cNvPr id="3" name="Symbol zastępczy zawartości 2">
-            <a:extLst>
-              <a:ext uri="{FF2B5EF4-FFF2-40B4-BE49-F238E27FC236}">
-                <a16:creationId xmlns:a16="http://schemas.microsoft.com/office/drawing/2014/main" id="{253AF384-3D02-41E3-B964-58AF2254452C}"/>
-              </a:ext>
-            </a:extLst>
-          </p:cNvPr>
-          <p:cNvSpPr>
-            <a:spLocks noGrp="1"/>
-          </p:cNvSpPr>
-          <p:nvPr>
-            <p:ph idx="4294967295"/>
-          </p:nvPr>
-        </p:nvSpPr>
-        <p:spPr>
-          <a:xfrm>
-            <a:off x="371475" y="2505289"/>
-            <a:ext cx="11029950" cy="3678238"/>
-          </a:xfrm>
-        </p:spPr>
-        <p:txBody>
-          <a:bodyPr/>
-          <a:lstStyle/>
-          <a:p>
-            <a:pPr fontAlgn="ctr"/>
-            <a:r>
-              <a:rPr lang="pl-PL" sz="2800" dirty="0">
-                <a:solidFill>
-                  <a:schemeClr val="tx1"/>
-                </a:solidFill>
-              </a:rPr>
-              <a:t>Początkowo klon </a:t>
-            </a:r>
-            <a:r>
-              <a:rPr lang="pl-PL" sz="2800" dirty="0" err="1">
-                <a:solidFill>
-                  <a:schemeClr val="tx1"/>
-                </a:solidFill>
-              </a:rPr>
-              <a:t>jUnit</a:t>
-            </a:r>
-            <a:endParaRPr lang="pl-PL" sz="2800" dirty="0">
-              <a:solidFill>
-                <a:schemeClr val="tx1"/>
-              </a:solidFill>
-            </a:endParaRPr>
-          </a:p>
-          <a:p>
-            <a:pPr fontAlgn="ctr"/>
-            <a:r>
-              <a:rPr lang="pl-PL" sz="2800" dirty="0">
-                <a:solidFill>
-                  <a:schemeClr val="tx1"/>
-                </a:solidFill>
-              </a:rPr>
-              <a:t>Nie jest domyślnie wspierany przez Visual Studio</a:t>
-            </a:r>
-          </a:p>
-          <a:p>
-            <a:pPr fontAlgn="ctr"/>
-            <a:r>
-              <a:rPr lang="pl-PL" sz="2800" dirty="0">
-                <a:solidFill>
-                  <a:schemeClr val="tx1"/>
-                </a:solidFill>
-              </a:rPr>
-              <a:t>Wymagany dodatkowy test </a:t>
-            </a:r>
-            <a:r>
-              <a:rPr lang="pl-PL" sz="2800" dirty="0" err="1">
-                <a:solidFill>
-                  <a:schemeClr val="tx1"/>
-                </a:solidFill>
-              </a:rPr>
-              <a:t>runner</a:t>
-            </a:r>
-            <a:endParaRPr lang="pl-PL" sz="2800" dirty="0">
-              <a:solidFill>
-                <a:schemeClr val="tx1"/>
-              </a:solidFill>
-            </a:endParaRPr>
-          </a:p>
-          <a:p>
-            <a:pPr fontAlgn="ctr"/>
-            <a:r>
-              <a:rPr lang="pl-PL" sz="2800" dirty="0">
-                <a:solidFill>
-                  <a:schemeClr val="tx1"/>
-                </a:solidFill>
-              </a:rPr>
-              <a:t>Atrybuty </a:t>
-            </a:r>
-            <a:r>
-              <a:rPr lang="pl-PL" sz="2800" dirty="0" err="1">
-                <a:solidFill>
-                  <a:schemeClr val="tx1"/>
-                </a:solidFill>
-              </a:rPr>
-              <a:t>TestFixture</a:t>
-            </a:r>
-            <a:r>
-              <a:rPr lang="pl-PL" sz="2800" dirty="0">
-                <a:solidFill>
-                  <a:schemeClr val="tx1"/>
-                </a:solidFill>
-              </a:rPr>
-              <a:t>, Test</a:t>
-            </a:r>
-          </a:p>
-          <a:p>
-            <a:endParaRPr lang="pl-PL" dirty="0"/>
-          </a:p>
-        </p:txBody>
-      </p:sp>
-      <p:pic>
-        <p:nvPicPr>
-          <p:cNvPr id="5" name="Obraz 4">
-            <a:extLst>
-              <a:ext uri="{FF2B5EF4-FFF2-40B4-BE49-F238E27FC236}">
-                <a16:creationId xmlns:a16="http://schemas.microsoft.com/office/drawing/2014/main" id="{078CE39F-3B80-4B45-AB59-F925BDB2A674}"/>
-              </a:ext>
-            </a:extLst>
-          </p:cNvPr>
-          <p:cNvPicPr>
-            <a:picLocks noChangeAspect="1"/>
-          </p:cNvPicPr>
-          <p:nvPr/>
-        </p:nvPicPr>
-        <p:blipFill>
-          <a:blip r:embed="rId3">
-            <a:extLst>
-              <a:ext uri="{28A0092B-C50C-407E-A947-70E740481C1C}">
-                <a14:useLocalDpi xmlns:a14="http://schemas.microsoft.com/office/drawing/2010/main" val="0"/>
-              </a:ext>
-            </a:extLst>
-          </a:blip>
-          <a:stretch>
-            <a:fillRect/>
-          </a:stretch>
-        </p:blipFill>
-        <p:spPr>
-          <a:xfrm>
-            <a:off x="4378214" y="926887"/>
-            <a:ext cx="3794235" cy="1578402"/>
-          </a:xfrm>
-          <a:prstGeom prst="rect">
-            <a:avLst/>
-          </a:prstGeom>
-        </p:spPr>
-      </p:pic>
-    </p:spTree>
-    <p:extLst>
-      <p:ext uri="{BB962C8B-B14F-4D97-AF65-F5344CB8AC3E}">
-        <p14:creationId xmlns:p14="http://schemas.microsoft.com/office/powerpoint/2010/main" val="1936917198"/>
-      </p:ext>
-    </p:extLst>
-  </p:cSld>
-  <p:clrMapOvr>
-    <a:masterClrMapping/>
-  </p:clrMapOvr>
-</p:sld>
-</file>
-
-<file path=ppt/slides/slide11.xml><?xml version="1.0" encoding="utf-8"?>
-<p:sld xmlns:a="http://schemas.openxmlformats.org/drawingml/2006/main" xmlns:r="http://schemas.openxmlformats.org/officeDocument/2006/relationships" xmlns:p="http://schemas.openxmlformats.org/presentationml/2006/main">
-  <p:cSld>
-    <p:spTree>
-      <p:nvGrpSpPr>
-        <p:cNvPr id="1" name=""/>
-        <p:cNvGrpSpPr/>
-        <p:nvPr/>
-      </p:nvGrpSpPr>
-      <p:grpSpPr>
-        <a:xfrm>
-          <a:off x="0" y="0"/>
-          <a:ext cx="0" cy="0"/>
-          <a:chOff x="0" y="0"/>
-          <a:chExt cx="0" cy="0"/>
-        </a:xfrm>
-      </p:grpSpPr>
-      <p:sp>
-        <p:nvSpPr>
-          <p:cNvPr id="2" name="Tytuł 1">
-            <a:extLst>
-              <a:ext uri="{FF2B5EF4-FFF2-40B4-BE49-F238E27FC236}">
-                <a16:creationId xmlns:a16="http://schemas.microsoft.com/office/drawing/2014/main" id="{3A30D208-9FEB-46FC-AA3E-D160C4A68700}"/>
-              </a:ext>
-            </a:extLst>
-          </p:cNvPr>
-          <p:cNvSpPr>
-            <a:spLocks noGrp="1"/>
-          </p:cNvSpPr>
-          <p:nvPr>
-            <p:ph type="title"/>
-          </p:nvPr>
-        </p:nvSpPr>
-        <p:spPr/>
-        <p:txBody>
-          <a:bodyPr/>
-          <a:lstStyle/>
-          <a:p>
-            <a:pPr algn="ctr"/>
-            <a:r>
-              <a:rPr lang="pl-PL" dirty="0"/>
-              <a:t>Przykład</a:t>
-            </a:r>
-          </a:p>
-        </p:txBody>
-      </p:sp>
-      <p:sp>
-        <p:nvSpPr>
-          <p:cNvPr id="3" name="Symbol zastępczy zawartości 2">
-            <a:extLst>
-              <a:ext uri="{FF2B5EF4-FFF2-40B4-BE49-F238E27FC236}">
-                <a16:creationId xmlns:a16="http://schemas.microsoft.com/office/drawing/2014/main" id="{0B7AEE14-4BD5-4620-BE2E-0FAE1CB56EED}"/>
-              </a:ext>
-            </a:extLst>
-          </p:cNvPr>
-          <p:cNvSpPr>
-            <a:spLocks noGrp="1"/>
-          </p:cNvSpPr>
-          <p:nvPr>
-            <p:ph idx="1"/>
-          </p:nvPr>
-        </p:nvSpPr>
-        <p:spPr/>
-        <p:txBody>
-          <a:bodyPr>
-            <a:normAutofit fontScale="62500" lnSpcReduction="20000"/>
-          </a:bodyPr>
-          <a:lstStyle/>
-          <a:p>
-            <a:pPr marL="0" indent="0">
-              <a:buNone/>
-            </a:pPr>
-            <a:r>
-              <a:rPr lang="pl-PL" dirty="0"/>
-              <a:t> [</a:t>
-            </a:r>
-            <a:r>
-              <a:rPr lang="pl-PL" dirty="0" err="1"/>
-              <a:t>TestFixture</a:t>
-            </a:r>
-            <a:r>
-              <a:rPr lang="pl-PL" dirty="0"/>
-              <a:t>]</a:t>
-            </a:r>
-          </a:p>
-          <a:p>
-            <a:pPr marL="0" indent="0">
-              <a:buNone/>
-            </a:pPr>
-            <a:r>
-              <a:rPr lang="pl-PL" dirty="0"/>
-              <a:t>  public </a:t>
-            </a:r>
-            <a:r>
-              <a:rPr lang="pl-PL" dirty="0" err="1"/>
-              <a:t>class</a:t>
-            </a:r>
-            <a:r>
-              <a:rPr lang="pl-PL" dirty="0"/>
-              <a:t> </a:t>
-            </a:r>
-            <a:r>
-              <a:rPr lang="pl-PL" dirty="0" err="1"/>
-              <a:t>VatValueCalculatorTests</a:t>
-            </a:r>
-            <a:endParaRPr lang="pl-PL" dirty="0"/>
-          </a:p>
-          <a:p>
-            <a:pPr marL="0" indent="0">
-              <a:buNone/>
-            </a:pPr>
-            <a:r>
-              <a:rPr lang="pl-PL" dirty="0"/>
-              <a:t>  {</a:t>
-            </a:r>
-          </a:p>
-          <a:p>
-            <a:pPr marL="0" indent="0">
-              <a:buNone/>
-            </a:pPr>
-            <a:r>
-              <a:rPr lang="pl-PL" dirty="0"/>
-              <a:t>    [Test]</a:t>
-            </a:r>
-          </a:p>
-          <a:p>
-            <a:pPr marL="0" indent="0">
-              <a:buNone/>
-            </a:pPr>
-            <a:r>
-              <a:rPr lang="pl-PL" dirty="0"/>
-              <a:t>    public </a:t>
-            </a:r>
-            <a:r>
-              <a:rPr lang="pl-PL" dirty="0" err="1"/>
-              <a:t>void</a:t>
-            </a:r>
-            <a:r>
-              <a:rPr lang="pl-PL" dirty="0"/>
-              <a:t> </a:t>
-            </a:r>
-            <a:r>
-              <a:rPr lang="pl-PL" dirty="0" err="1"/>
-              <a:t>should_calculate_proper_value</a:t>
-            </a:r>
-            <a:r>
-              <a:rPr lang="pl-PL" dirty="0"/>
-              <a:t>()</a:t>
-            </a:r>
-          </a:p>
-          <a:p>
-            <a:pPr marL="0" indent="0">
-              <a:buNone/>
-            </a:pPr>
-            <a:r>
-              <a:rPr lang="pl-PL" dirty="0"/>
-              <a:t>    {</a:t>
-            </a:r>
-          </a:p>
-          <a:p>
-            <a:pPr marL="0" indent="0">
-              <a:buNone/>
-            </a:pPr>
-            <a:r>
-              <a:rPr lang="pl-PL" dirty="0"/>
-              <a:t>      </a:t>
-            </a:r>
-            <a:r>
-              <a:rPr lang="pl-PL" dirty="0" err="1"/>
-              <a:t>const</a:t>
-            </a:r>
-            <a:r>
-              <a:rPr lang="pl-PL" dirty="0"/>
-              <a:t> </a:t>
-            </a:r>
-            <a:r>
-              <a:rPr lang="pl-PL" dirty="0" err="1"/>
-              <a:t>decimal</a:t>
-            </a:r>
-            <a:r>
-              <a:rPr lang="pl-PL" dirty="0"/>
-              <a:t> </a:t>
-            </a:r>
-            <a:r>
-              <a:rPr lang="pl-PL" dirty="0" err="1"/>
-              <a:t>netValue</a:t>
-            </a:r>
-            <a:r>
-              <a:rPr lang="pl-PL" dirty="0"/>
-              <a:t> = 15;</a:t>
-            </a:r>
-          </a:p>
-          <a:p>
-            <a:pPr marL="0" indent="0">
-              <a:buNone/>
-            </a:pPr>
-            <a:endParaRPr lang="pl-PL" dirty="0"/>
-          </a:p>
-          <a:p>
-            <a:pPr marL="0" indent="0">
-              <a:buNone/>
-            </a:pPr>
-            <a:r>
-              <a:rPr lang="pl-PL" dirty="0"/>
-              <a:t>      </a:t>
-            </a:r>
-            <a:r>
-              <a:rPr lang="pl-PL" dirty="0" err="1"/>
-              <a:t>var</a:t>
-            </a:r>
-            <a:r>
-              <a:rPr lang="pl-PL" dirty="0"/>
-              <a:t> </a:t>
-            </a:r>
-            <a:r>
-              <a:rPr lang="pl-PL" dirty="0" err="1"/>
-              <a:t>expectedValue</a:t>
-            </a:r>
-            <a:r>
-              <a:rPr lang="pl-PL" dirty="0"/>
-              <a:t> = 18.45M;</a:t>
-            </a:r>
-          </a:p>
-          <a:p>
-            <a:pPr marL="0" indent="0">
-              <a:buNone/>
-            </a:pPr>
-            <a:endParaRPr lang="pl-PL" dirty="0"/>
-          </a:p>
-          <a:p>
-            <a:pPr marL="0" indent="0">
-              <a:buNone/>
-            </a:pPr>
-            <a:r>
-              <a:rPr lang="pl-PL" dirty="0"/>
-              <a:t>      </a:t>
-            </a:r>
-            <a:r>
-              <a:rPr lang="pl-PL" dirty="0" err="1"/>
-              <a:t>var</a:t>
-            </a:r>
-            <a:r>
-              <a:rPr lang="pl-PL" dirty="0"/>
-              <a:t> </a:t>
-            </a:r>
-            <a:r>
-              <a:rPr lang="pl-PL" dirty="0" err="1"/>
-              <a:t>calculatedValue</a:t>
-            </a:r>
-            <a:r>
-              <a:rPr lang="pl-PL" dirty="0"/>
-              <a:t> = </a:t>
-            </a:r>
-            <a:r>
-              <a:rPr lang="pl-PL" dirty="0" err="1"/>
-              <a:t>VatValueCalculator.CalculateGrossValue</a:t>
-            </a:r>
-            <a:r>
-              <a:rPr lang="pl-PL" dirty="0"/>
-              <a:t>(</a:t>
-            </a:r>
-            <a:r>
-              <a:rPr lang="pl-PL" dirty="0" err="1"/>
-              <a:t>netValue</a:t>
-            </a:r>
-            <a:r>
-              <a:rPr lang="pl-PL" dirty="0"/>
-              <a:t>);</a:t>
-            </a:r>
-          </a:p>
-          <a:p>
-            <a:pPr marL="0" indent="0">
-              <a:buNone/>
-            </a:pPr>
-            <a:endParaRPr lang="pl-PL" dirty="0"/>
-          </a:p>
-          <a:p>
-            <a:pPr marL="0" indent="0">
-              <a:buNone/>
-            </a:pPr>
-            <a:r>
-              <a:rPr lang="pl-PL" dirty="0"/>
-              <a:t>      </a:t>
-            </a:r>
-            <a:r>
-              <a:rPr lang="pl-PL" dirty="0" err="1"/>
-              <a:t>Assert.That</a:t>
-            </a:r>
-            <a:r>
-              <a:rPr lang="pl-PL" dirty="0"/>
-              <a:t>(</a:t>
-            </a:r>
-            <a:r>
-              <a:rPr lang="pl-PL" dirty="0" err="1"/>
-              <a:t>expectedValue</a:t>
-            </a:r>
-            <a:r>
-              <a:rPr lang="pl-PL" dirty="0"/>
-              <a:t>, </a:t>
-            </a:r>
-            <a:r>
-              <a:rPr lang="pl-PL" dirty="0" err="1"/>
-              <a:t>Is.EqualTo</a:t>
-            </a:r>
-            <a:r>
-              <a:rPr lang="pl-PL" dirty="0"/>
-              <a:t>(</a:t>
-            </a:r>
-            <a:r>
-              <a:rPr lang="pl-PL" dirty="0" err="1"/>
-              <a:t>calculatedValue</a:t>
-            </a:r>
-            <a:r>
-              <a:rPr lang="pl-PL" dirty="0"/>
-              <a:t>));</a:t>
-            </a:r>
-          </a:p>
-          <a:p>
-            <a:pPr marL="0" indent="0">
-              <a:buNone/>
-            </a:pPr>
-            <a:r>
-              <a:rPr lang="pl-PL" dirty="0"/>
-              <a:t>    }</a:t>
-            </a:r>
-          </a:p>
-          <a:p>
-            <a:pPr marL="0" indent="0">
-              <a:buNone/>
-            </a:pPr>
-            <a:r>
-              <a:rPr lang="pl-PL" dirty="0"/>
-              <a:t>  }</a:t>
-            </a:r>
-          </a:p>
-        </p:txBody>
-      </p:sp>
-    </p:spTree>
-    <p:extLst>
-      <p:ext uri="{BB962C8B-B14F-4D97-AF65-F5344CB8AC3E}">
-        <p14:creationId xmlns:p14="http://schemas.microsoft.com/office/powerpoint/2010/main" val="4260571391"/>
-      </p:ext>
-    </p:extLst>
-  </p:cSld>
-  <p:clrMapOvr>
-    <a:masterClrMapping/>
-  </p:clrMapOvr>
-</p:sld>
-</file>
-
-<file path=ppt/slides/slide12.xml><?xml version="1.0" encoding="utf-8"?>
-<p:sld xmlns:a="http://schemas.openxmlformats.org/drawingml/2006/main" xmlns:r="http://schemas.openxmlformats.org/officeDocument/2006/relationships" xmlns:p="http://schemas.openxmlformats.org/presentationml/2006/main">
-  <p:cSld>
-    <p:spTree>
-      <p:nvGrpSpPr>
-        <p:cNvPr id="1" name=""/>
-        <p:cNvGrpSpPr/>
-        <p:nvPr/>
-      </p:nvGrpSpPr>
-      <p:grpSpPr>
-        <a:xfrm>
-          <a:off x="0" y="0"/>
-          <a:ext cx="0" cy="0"/>
-          <a:chOff x="0" y="0"/>
-          <a:chExt cx="0" cy="0"/>
-        </a:xfrm>
-      </p:grpSpPr>
-      <p:sp>
-        <p:nvSpPr>
-          <p:cNvPr id="3" name="Symbol zastępczy zawartości 2">
-            <a:extLst>
-              <a:ext uri="{FF2B5EF4-FFF2-40B4-BE49-F238E27FC236}">
-                <a16:creationId xmlns:a16="http://schemas.microsoft.com/office/drawing/2014/main" id="{5D3A5E2D-B3EA-41BC-BE6F-2717F0497445}"/>
-              </a:ext>
-            </a:extLst>
-          </p:cNvPr>
-          <p:cNvSpPr>
-            <a:spLocks noGrp="1"/>
-          </p:cNvSpPr>
-          <p:nvPr>
-            <p:ph idx="4294967295"/>
-          </p:nvPr>
-        </p:nvSpPr>
-        <p:spPr>
-          <a:xfrm>
-            <a:off x="476250" y="2362200"/>
-            <a:ext cx="11029950" cy="3678238"/>
-          </a:xfrm>
-        </p:spPr>
-        <p:txBody>
-          <a:bodyPr/>
-          <a:lstStyle/>
-          <a:p>
-            <a:pPr fontAlgn="ctr"/>
-            <a:r>
-              <a:rPr lang="pl-PL" sz="2800" dirty="0">
-                <a:solidFill>
-                  <a:schemeClr val="tx1"/>
-                </a:solidFill>
-              </a:rPr>
-              <a:t>Napisany przez autora </a:t>
-            </a:r>
-            <a:r>
-              <a:rPr lang="pl-PL" sz="2800" dirty="0" err="1">
-                <a:solidFill>
-                  <a:schemeClr val="tx1"/>
-                </a:solidFill>
-              </a:rPr>
-              <a:t>nUnit</a:t>
-            </a:r>
-            <a:r>
-              <a:rPr lang="pl-PL" sz="2800" dirty="0">
-                <a:solidFill>
-                  <a:schemeClr val="tx1"/>
-                </a:solidFill>
-              </a:rPr>
-              <a:t> v2</a:t>
-            </a:r>
-          </a:p>
-          <a:p>
-            <a:pPr fontAlgn="ctr"/>
-            <a:r>
-              <a:rPr lang="pl-PL" sz="2800" dirty="0">
-                <a:solidFill>
-                  <a:schemeClr val="tx1"/>
-                </a:solidFill>
-              </a:rPr>
-              <a:t>Podobnie jak </a:t>
-            </a:r>
-            <a:r>
-              <a:rPr lang="pl-PL" sz="2800" dirty="0" err="1">
-                <a:solidFill>
-                  <a:schemeClr val="tx1"/>
-                </a:solidFill>
-              </a:rPr>
-              <a:t>nUnit</a:t>
-            </a:r>
-            <a:r>
-              <a:rPr lang="pl-PL" sz="2800" dirty="0">
-                <a:solidFill>
-                  <a:schemeClr val="tx1"/>
-                </a:solidFill>
-              </a:rPr>
-              <a:t> wymaga doinstalowania test </a:t>
-            </a:r>
-            <a:r>
-              <a:rPr lang="pl-PL" sz="2800" dirty="0" err="1">
-                <a:solidFill>
-                  <a:schemeClr val="tx1"/>
-                </a:solidFill>
-              </a:rPr>
-              <a:t>runnera</a:t>
-            </a:r>
-            <a:endParaRPr lang="pl-PL" sz="2800" dirty="0">
-              <a:solidFill>
-                <a:schemeClr val="tx1"/>
-              </a:solidFill>
-            </a:endParaRPr>
-          </a:p>
-          <a:p>
-            <a:pPr fontAlgn="ctr"/>
-            <a:r>
-              <a:rPr lang="pl-PL" sz="2800" dirty="0">
-                <a:solidFill>
-                  <a:schemeClr val="tx1"/>
-                </a:solidFill>
-              </a:rPr>
-              <a:t>Atrybut [</a:t>
-            </a:r>
-            <a:r>
-              <a:rPr lang="pl-PL" sz="2800" dirty="0" err="1">
-                <a:solidFill>
-                  <a:schemeClr val="tx1"/>
-                </a:solidFill>
-              </a:rPr>
-              <a:t>Fact</a:t>
-            </a:r>
-            <a:r>
-              <a:rPr lang="pl-PL" sz="2800" dirty="0">
-                <a:solidFill>
-                  <a:schemeClr val="tx1"/>
-                </a:solidFill>
-              </a:rPr>
-              <a:t>]</a:t>
-            </a:r>
-          </a:p>
-          <a:p>
-            <a:endParaRPr lang="pl-PL" dirty="0"/>
-          </a:p>
-        </p:txBody>
-      </p:sp>
-      <p:pic>
-        <p:nvPicPr>
-          <p:cNvPr id="5" name="Obraz 4">
-            <a:extLst>
-              <a:ext uri="{FF2B5EF4-FFF2-40B4-BE49-F238E27FC236}">
-                <a16:creationId xmlns:a16="http://schemas.microsoft.com/office/drawing/2014/main" id="{5F605400-CA31-46F9-90E6-E32796B88884}"/>
-              </a:ext>
-            </a:extLst>
-          </p:cNvPr>
-          <p:cNvPicPr>
-            <a:picLocks noChangeAspect="1"/>
-          </p:cNvPicPr>
-          <p:nvPr/>
-        </p:nvPicPr>
-        <p:blipFill>
-          <a:blip r:embed="rId3">
-            <a:extLst>
-              <a:ext uri="{28A0092B-C50C-407E-A947-70E740481C1C}">
-                <a14:useLocalDpi xmlns:a14="http://schemas.microsoft.com/office/drawing/2010/main" val="0"/>
-              </a:ext>
-            </a:extLst>
-          </a:blip>
-          <a:stretch>
-            <a:fillRect/>
-          </a:stretch>
-        </p:blipFill>
-        <p:spPr>
-          <a:xfrm>
-            <a:off x="3886200" y="1075596"/>
-            <a:ext cx="4210050" cy="1104900"/>
-          </a:xfrm>
-          <a:prstGeom prst="rect">
-            <a:avLst/>
-          </a:prstGeom>
-        </p:spPr>
-      </p:pic>
-    </p:spTree>
-    <p:extLst>
-      <p:ext uri="{BB962C8B-B14F-4D97-AF65-F5344CB8AC3E}">
-        <p14:creationId xmlns:p14="http://schemas.microsoft.com/office/powerpoint/2010/main" val="137465057"/>
-      </p:ext>
-    </p:extLst>
-  </p:cSld>
-  <p:clrMapOvr>
-    <a:masterClrMapping/>
-  </p:clrMapOvr>
-</p:sld>
-</file>
-
-<file path=ppt/slides/slide13.xml><?xml version="1.0" encoding="utf-8"?>
-<p:sld xmlns:a="http://schemas.openxmlformats.org/drawingml/2006/main" xmlns:r="http://schemas.openxmlformats.org/officeDocument/2006/relationships" xmlns:p="http://schemas.openxmlformats.org/presentationml/2006/main">
-  <p:cSld>
-    <p:spTree>
-      <p:nvGrpSpPr>
-        <p:cNvPr id="1" name=""/>
-        <p:cNvGrpSpPr/>
-        <p:nvPr/>
-      </p:nvGrpSpPr>
-      <p:grpSpPr>
-        <a:xfrm>
-          <a:off x="0" y="0"/>
-          <a:ext cx="0" cy="0"/>
-          <a:chOff x="0" y="0"/>
-          <a:chExt cx="0" cy="0"/>
-        </a:xfrm>
-      </p:grpSpPr>
-      <p:sp>
-        <p:nvSpPr>
-          <p:cNvPr id="2" name="Tytuł 1">
-            <a:extLst>
-              <a:ext uri="{FF2B5EF4-FFF2-40B4-BE49-F238E27FC236}">
-                <a16:creationId xmlns:a16="http://schemas.microsoft.com/office/drawing/2014/main" id="{3A30D208-9FEB-46FC-AA3E-D160C4A68700}"/>
-              </a:ext>
-            </a:extLst>
-          </p:cNvPr>
-          <p:cNvSpPr>
-            <a:spLocks noGrp="1"/>
-          </p:cNvSpPr>
-          <p:nvPr>
-            <p:ph type="title"/>
-          </p:nvPr>
-        </p:nvSpPr>
-        <p:spPr/>
-        <p:txBody>
-          <a:bodyPr/>
-          <a:lstStyle/>
-          <a:p>
-            <a:pPr algn="ctr"/>
-            <a:r>
-              <a:rPr lang="pl-PL" dirty="0"/>
-              <a:t>Przykład</a:t>
-            </a:r>
-          </a:p>
-        </p:txBody>
-      </p:sp>
-      <p:sp>
-        <p:nvSpPr>
-          <p:cNvPr id="3" name="Symbol zastępczy zawartości 2">
-            <a:extLst>
-              <a:ext uri="{FF2B5EF4-FFF2-40B4-BE49-F238E27FC236}">
-                <a16:creationId xmlns:a16="http://schemas.microsoft.com/office/drawing/2014/main" id="{0B7AEE14-4BD5-4620-BE2E-0FAE1CB56EED}"/>
-              </a:ext>
-            </a:extLst>
-          </p:cNvPr>
-          <p:cNvSpPr>
-            <a:spLocks noGrp="1"/>
-          </p:cNvSpPr>
-          <p:nvPr>
-            <p:ph idx="1"/>
-          </p:nvPr>
-        </p:nvSpPr>
-        <p:spPr/>
-        <p:txBody>
-          <a:bodyPr>
-            <a:normAutofit fontScale="62500" lnSpcReduction="20000"/>
-          </a:bodyPr>
-          <a:lstStyle/>
-          <a:p>
-            <a:pPr marL="0" indent="0">
-              <a:buNone/>
-            </a:pPr>
-            <a:r>
-              <a:rPr lang="pl-PL" dirty="0"/>
-              <a:t> public </a:t>
-            </a:r>
-            <a:r>
-              <a:rPr lang="pl-PL" dirty="0" err="1"/>
-              <a:t>class</a:t>
-            </a:r>
-            <a:r>
-              <a:rPr lang="pl-PL" dirty="0"/>
-              <a:t> </a:t>
-            </a:r>
-            <a:r>
-              <a:rPr lang="pl-PL" dirty="0" err="1"/>
-              <a:t>VatValueCalculatorTests</a:t>
-            </a:r>
-            <a:endParaRPr lang="pl-PL" dirty="0"/>
-          </a:p>
-          <a:p>
-            <a:pPr marL="0" indent="0">
-              <a:buNone/>
-            </a:pPr>
-            <a:r>
-              <a:rPr lang="pl-PL" dirty="0"/>
-              <a:t>  {</a:t>
-            </a:r>
-          </a:p>
-          <a:p>
-            <a:pPr marL="0" indent="0">
-              <a:buNone/>
-            </a:pPr>
-            <a:r>
-              <a:rPr lang="pl-PL" dirty="0"/>
-              <a:t>    [</a:t>
-            </a:r>
-            <a:r>
-              <a:rPr lang="pl-PL" dirty="0" err="1"/>
-              <a:t>Fact</a:t>
-            </a:r>
-            <a:r>
-              <a:rPr lang="pl-PL" dirty="0"/>
-              <a:t>]</a:t>
-            </a:r>
-          </a:p>
-          <a:p>
-            <a:pPr marL="0" indent="0">
-              <a:buNone/>
-            </a:pPr>
-            <a:r>
-              <a:rPr lang="pl-PL" dirty="0"/>
-              <a:t>    public </a:t>
-            </a:r>
-            <a:r>
-              <a:rPr lang="pl-PL" dirty="0" err="1"/>
-              <a:t>void</a:t>
-            </a:r>
-            <a:r>
-              <a:rPr lang="pl-PL" dirty="0"/>
-              <a:t> </a:t>
-            </a:r>
-            <a:r>
-              <a:rPr lang="pl-PL" dirty="0" err="1"/>
-              <a:t>should_calculate_proper_value</a:t>
-            </a:r>
-            <a:r>
-              <a:rPr lang="pl-PL" dirty="0"/>
-              <a:t>()</a:t>
-            </a:r>
-          </a:p>
-          <a:p>
-            <a:pPr marL="0" indent="0">
-              <a:buNone/>
-            </a:pPr>
-            <a:r>
-              <a:rPr lang="pl-PL" dirty="0"/>
-              <a:t>    {</a:t>
-            </a:r>
-          </a:p>
-          <a:p>
-            <a:pPr marL="0" indent="0">
-              <a:buNone/>
-            </a:pPr>
-            <a:r>
-              <a:rPr lang="pl-PL" dirty="0"/>
-              <a:t>      </a:t>
-            </a:r>
-            <a:r>
-              <a:rPr lang="pl-PL" dirty="0" err="1"/>
-              <a:t>const</a:t>
-            </a:r>
-            <a:r>
-              <a:rPr lang="pl-PL" dirty="0"/>
-              <a:t> </a:t>
-            </a:r>
-            <a:r>
-              <a:rPr lang="pl-PL" dirty="0" err="1"/>
-              <a:t>decimal</a:t>
-            </a:r>
-            <a:r>
-              <a:rPr lang="pl-PL" dirty="0"/>
-              <a:t> </a:t>
-            </a:r>
-            <a:r>
-              <a:rPr lang="pl-PL" dirty="0" err="1"/>
-              <a:t>netValue</a:t>
-            </a:r>
-            <a:r>
-              <a:rPr lang="pl-PL" dirty="0"/>
-              <a:t> = 15;</a:t>
-            </a:r>
-          </a:p>
-          <a:p>
-            <a:pPr marL="0" indent="0">
-              <a:buNone/>
-            </a:pPr>
-            <a:endParaRPr lang="pl-PL" dirty="0"/>
-          </a:p>
-          <a:p>
-            <a:pPr marL="0" indent="0">
-              <a:buNone/>
-            </a:pPr>
-            <a:r>
-              <a:rPr lang="pl-PL" dirty="0"/>
-              <a:t>      </a:t>
-            </a:r>
-            <a:r>
-              <a:rPr lang="pl-PL" dirty="0" err="1"/>
-              <a:t>var</a:t>
-            </a:r>
-            <a:r>
-              <a:rPr lang="pl-PL" dirty="0"/>
-              <a:t> </a:t>
-            </a:r>
-            <a:r>
-              <a:rPr lang="pl-PL" dirty="0" err="1"/>
-              <a:t>expectedValue</a:t>
-            </a:r>
-            <a:r>
-              <a:rPr lang="pl-PL" dirty="0"/>
-              <a:t> = 18.45M;</a:t>
-            </a:r>
-          </a:p>
-          <a:p>
-            <a:pPr marL="0" indent="0">
-              <a:buNone/>
-            </a:pPr>
-            <a:endParaRPr lang="pl-PL" dirty="0"/>
-          </a:p>
-          <a:p>
-            <a:pPr marL="0" indent="0">
-              <a:buNone/>
-            </a:pPr>
-            <a:r>
-              <a:rPr lang="pl-PL" dirty="0"/>
-              <a:t>      </a:t>
-            </a:r>
-            <a:r>
-              <a:rPr lang="pl-PL" dirty="0" err="1"/>
-              <a:t>var</a:t>
-            </a:r>
-            <a:r>
-              <a:rPr lang="pl-PL" dirty="0"/>
-              <a:t> </a:t>
-            </a:r>
-            <a:r>
-              <a:rPr lang="pl-PL" dirty="0" err="1"/>
-              <a:t>calculatedValue</a:t>
-            </a:r>
-            <a:r>
-              <a:rPr lang="pl-PL" dirty="0"/>
-              <a:t> = </a:t>
-            </a:r>
-            <a:r>
-              <a:rPr lang="pl-PL" dirty="0" err="1"/>
-              <a:t>VatValueCalculator.CalculateGrossValue</a:t>
-            </a:r>
-            <a:r>
-              <a:rPr lang="pl-PL" dirty="0"/>
-              <a:t>(</a:t>
-            </a:r>
-            <a:r>
-              <a:rPr lang="pl-PL" dirty="0" err="1"/>
-              <a:t>netValue</a:t>
-            </a:r>
-            <a:r>
-              <a:rPr lang="pl-PL" dirty="0"/>
-              <a:t>);</a:t>
-            </a:r>
-          </a:p>
-          <a:p>
-            <a:pPr marL="0" indent="0">
-              <a:buNone/>
-            </a:pPr>
-            <a:endParaRPr lang="pl-PL" dirty="0"/>
-          </a:p>
-          <a:p>
-            <a:pPr marL="0" indent="0">
-              <a:buNone/>
-            </a:pPr>
-            <a:r>
-              <a:rPr lang="pl-PL" dirty="0"/>
-              <a:t>      </a:t>
-            </a:r>
-            <a:r>
-              <a:rPr lang="pl-PL" dirty="0" err="1"/>
-              <a:t>Assert.Equal</a:t>
-            </a:r>
-            <a:r>
-              <a:rPr lang="pl-PL" dirty="0"/>
-              <a:t>(</a:t>
-            </a:r>
-            <a:r>
-              <a:rPr lang="pl-PL" dirty="0" err="1"/>
-              <a:t>expectedValue</a:t>
-            </a:r>
-            <a:r>
-              <a:rPr lang="pl-PL" dirty="0"/>
-              <a:t>, </a:t>
-            </a:r>
-            <a:r>
-              <a:rPr lang="pl-PL" dirty="0" err="1"/>
-              <a:t>calculatedValue</a:t>
-            </a:r>
-            <a:r>
-              <a:rPr lang="pl-PL" dirty="0"/>
-              <a:t>);</a:t>
-            </a:r>
-          </a:p>
-          <a:p>
-            <a:pPr marL="0" indent="0">
-              <a:buNone/>
-            </a:pPr>
-            <a:r>
-              <a:rPr lang="pl-PL" dirty="0"/>
-              <a:t>    }</a:t>
-            </a:r>
-          </a:p>
-          <a:p>
-            <a:pPr marL="0" indent="0">
-              <a:buNone/>
-            </a:pPr>
-            <a:r>
-              <a:rPr lang="pl-PL" dirty="0"/>
-              <a:t>  }</a:t>
-            </a:r>
-          </a:p>
-        </p:txBody>
-      </p:sp>
-    </p:spTree>
-    <p:extLst>
-      <p:ext uri="{BB962C8B-B14F-4D97-AF65-F5344CB8AC3E}">
-        <p14:creationId xmlns:p14="http://schemas.microsoft.com/office/powerpoint/2010/main" val="2047853959"/>
-      </p:ext>
-    </p:extLst>
-  </p:cSld>
-  <p:clrMapOvr>
-    <a:masterClrMapping/>
-  </p:clrMapOvr>
-</p:sld>
-</file>
-
-<file path=ppt/slides/slide14.xml><?xml version="1.0" encoding="utf-8"?>
-<p:sld xmlns:a="http://schemas.openxmlformats.org/drawingml/2006/main" xmlns:r="http://schemas.openxmlformats.org/officeDocument/2006/relationships" xmlns:p="http://schemas.openxmlformats.org/presentationml/2006/main">
-  <p:cSld>
-    <p:spTree>
-      <p:nvGrpSpPr>
-        <p:cNvPr id="1" name=""/>
-        <p:cNvGrpSpPr/>
-        <p:nvPr/>
-      </p:nvGrpSpPr>
-      <p:grpSpPr>
-        <a:xfrm>
-          <a:off x="0" y="0"/>
-          <a:ext cx="0" cy="0"/>
-          <a:chOff x="0" y="0"/>
-          <a:chExt cx="0" cy="0"/>
-        </a:xfrm>
-      </p:grpSpPr>
-      <p:sp>
-        <p:nvSpPr>
-          <p:cNvPr id="2" name="Tytuł 1">
-            <a:extLst>
-              <a:ext uri="{FF2B5EF4-FFF2-40B4-BE49-F238E27FC236}">
-                <a16:creationId xmlns:a16="http://schemas.microsoft.com/office/drawing/2014/main" id="{165F0107-1BA4-421F-A5F7-D4A1F07FE77F}"/>
-              </a:ext>
-            </a:extLst>
-          </p:cNvPr>
-          <p:cNvSpPr>
-            <a:spLocks noGrp="1"/>
-          </p:cNvSpPr>
-          <p:nvPr>
-            <p:ph type="title"/>
-          </p:nvPr>
-        </p:nvSpPr>
-        <p:spPr/>
-        <p:txBody>
-          <a:bodyPr>
-            <a:normAutofit/>
-          </a:bodyPr>
-          <a:lstStyle/>
-          <a:p>
-            <a:pPr algn="ctr"/>
-            <a:r>
-              <a:rPr lang="pl-PL" sz="4000" dirty="0"/>
-              <a:t>Microsoft Unit Test Framework</a:t>
-            </a:r>
-          </a:p>
-        </p:txBody>
-      </p:sp>
-      <p:sp>
-        <p:nvSpPr>
-          <p:cNvPr id="3" name="Symbol zastępczy zawartości 2">
-            <a:extLst>
-              <a:ext uri="{FF2B5EF4-FFF2-40B4-BE49-F238E27FC236}">
-                <a16:creationId xmlns:a16="http://schemas.microsoft.com/office/drawing/2014/main" id="{5A1B9E0F-74CE-40C2-B1E9-C33ACD371F96}"/>
-              </a:ext>
-            </a:extLst>
-          </p:cNvPr>
-          <p:cNvSpPr>
-            <a:spLocks noGrp="1"/>
-          </p:cNvSpPr>
-          <p:nvPr>
-            <p:ph idx="1"/>
-          </p:nvPr>
-        </p:nvSpPr>
-        <p:spPr/>
-        <p:txBody>
-          <a:bodyPr/>
-          <a:lstStyle/>
-          <a:p>
-            <a:pPr fontAlgn="ctr"/>
-            <a:r>
-              <a:rPr lang="pl-PL" sz="2400" dirty="0">
-                <a:solidFill>
-                  <a:schemeClr val="tx1"/>
-                </a:solidFill>
-              </a:rPr>
-              <a:t>Wspierany przez Microsoft</a:t>
-            </a:r>
-          </a:p>
-          <a:p>
-            <a:pPr fontAlgn="ctr"/>
-            <a:r>
-              <a:rPr lang="pl-PL" sz="2400" dirty="0">
-                <a:solidFill>
-                  <a:schemeClr val="tx1"/>
-                </a:solidFill>
-              </a:rPr>
-              <a:t>Wbudowany w Visual Studio</a:t>
-            </a:r>
-          </a:p>
-          <a:p>
-            <a:pPr fontAlgn="ctr"/>
-            <a:r>
-              <a:rPr lang="pl-PL" sz="2400" dirty="0">
-                <a:solidFill>
-                  <a:schemeClr val="tx1"/>
-                </a:solidFill>
-              </a:rPr>
-              <a:t>Atrybuty </a:t>
-            </a:r>
-            <a:r>
-              <a:rPr lang="pl-PL" sz="2400" dirty="0" err="1">
-                <a:solidFill>
-                  <a:schemeClr val="tx1"/>
-                </a:solidFill>
-              </a:rPr>
-              <a:t>TestClass</a:t>
-            </a:r>
-            <a:r>
-              <a:rPr lang="pl-PL" sz="2400" dirty="0">
-                <a:solidFill>
-                  <a:schemeClr val="tx1"/>
-                </a:solidFill>
-              </a:rPr>
-              <a:t>, </a:t>
-            </a:r>
-            <a:r>
-              <a:rPr lang="pl-PL" sz="2400" dirty="0" err="1">
-                <a:solidFill>
-                  <a:schemeClr val="tx1"/>
-                </a:solidFill>
-              </a:rPr>
-              <a:t>TestMethod</a:t>
-            </a:r>
-            <a:endParaRPr lang="pl-PL" sz="2400" dirty="0">
-              <a:solidFill>
-                <a:schemeClr val="tx1"/>
-              </a:solidFill>
-            </a:endParaRPr>
-          </a:p>
-          <a:p>
-            <a:endParaRPr lang="pl-PL" dirty="0">
-              <a:solidFill>
-                <a:schemeClr val="tx1"/>
-              </a:solidFill>
-            </a:endParaRPr>
-          </a:p>
-        </p:txBody>
-      </p:sp>
-    </p:spTree>
-    <p:extLst>
-      <p:ext uri="{BB962C8B-B14F-4D97-AF65-F5344CB8AC3E}">
-        <p14:creationId xmlns:p14="http://schemas.microsoft.com/office/powerpoint/2010/main" val="1891818956"/>
-      </p:ext>
-    </p:extLst>
-  </p:cSld>
-  <p:clrMapOvr>
-    <a:masterClrMapping/>
-  </p:clrMapOvr>
-</p:sld>
-</file>
-
-<file path=ppt/slides/slide15.xml><?xml version="1.0" encoding="utf-8"?>
-<p:sld xmlns:a="http://schemas.openxmlformats.org/drawingml/2006/main" xmlns:r="http://schemas.openxmlformats.org/officeDocument/2006/relationships" xmlns:p="http://schemas.openxmlformats.org/presentationml/2006/main">
-  <p:cSld>
-    <p:spTree>
-      <p:nvGrpSpPr>
-        <p:cNvPr id="1" name=""/>
-        <p:cNvGrpSpPr/>
-        <p:nvPr/>
-      </p:nvGrpSpPr>
-      <p:grpSpPr>
-        <a:xfrm>
-          <a:off x="0" y="0"/>
-          <a:ext cx="0" cy="0"/>
-          <a:chOff x="0" y="0"/>
-          <a:chExt cx="0" cy="0"/>
-        </a:xfrm>
-      </p:grpSpPr>
-      <p:sp>
-        <p:nvSpPr>
-          <p:cNvPr id="2" name="Tytuł 1">
-            <a:extLst>
-              <a:ext uri="{FF2B5EF4-FFF2-40B4-BE49-F238E27FC236}">
-                <a16:creationId xmlns:a16="http://schemas.microsoft.com/office/drawing/2014/main" id="{3A30D208-9FEB-46FC-AA3E-D160C4A68700}"/>
-              </a:ext>
-            </a:extLst>
-          </p:cNvPr>
-          <p:cNvSpPr>
-            <a:spLocks noGrp="1"/>
-          </p:cNvSpPr>
-          <p:nvPr>
-            <p:ph type="title"/>
-          </p:nvPr>
-        </p:nvSpPr>
-        <p:spPr/>
-        <p:txBody>
-          <a:bodyPr/>
-          <a:lstStyle/>
-          <a:p>
-            <a:pPr algn="ctr"/>
-            <a:r>
-              <a:rPr lang="pl-PL" dirty="0"/>
-              <a:t>Przykład</a:t>
-            </a:r>
-          </a:p>
-        </p:txBody>
-      </p:sp>
-      <p:sp>
-        <p:nvSpPr>
-          <p:cNvPr id="3" name="Symbol zastępczy zawartości 2">
-            <a:extLst>
-              <a:ext uri="{FF2B5EF4-FFF2-40B4-BE49-F238E27FC236}">
-                <a16:creationId xmlns:a16="http://schemas.microsoft.com/office/drawing/2014/main" id="{0B7AEE14-4BD5-4620-BE2E-0FAE1CB56EED}"/>
-              </a:ext>
-            </a:extLst>
-          </p:cNvPr>
-          <p:cNvSpPr>
-            <a:spLocks noGrp="1"/>
-          </p:cNvSpPr>
-          <p:nvPr>
-            <p:ph idx="1"/>
-          </p:nvPr>
-        </p:nvSpPr>
-        <p:spPr/>
-        <p:txBody>
-          <a:bodyPr>
-            <a:normAutofit fontScale="62500" lnSpcReduction="20000"/>
-          </a:bodyPr>
-          <a:lstStyle/>
-          <a:p>
-            <a:pPr marL="0" indent="0">
-              <a:buNone/>
-            </a:pPr>
-            <a:r>
-              <a:rPr lang="pl-PL" dirty="0"/>
-              <a:t> [</a:t>
-            </a:r>
-            <a:r>
-              <a:rPr lang="pl-PL" dirty="0" err="1"/>
-              <a:t>TestClass</a:t>
-            </a:r>
-            <a:r>
-              <a:rPr lang="pl-PL" dirty="0"/>
-              <a:t>]</a:t>
-            </a:r>
-          </a:p>
-          <a:p>
-            <a:pPr marL="0" indent="0">
-              <a:buNone/>
-            </a:pPr>
-            <a:r>
-              <a:rPr lang="pl-PL" dirty="0"/>
-              <a:t>  public </a:t>
-            </a:r>
-            <a:r>
-              <a:rPr lang="pl-PL" dirty="0" err="1"/>
-              <a:t>class</a:t>
-            </a:r>
-            <a:r>
-              <a:rPr lang="pl-PL" dirty="0"/>
-              <a:t> </a:t>
-            </a:r>
-            <a:r>
-              <a:rPr lang="pl-PL" dirty="0" err="1"/>
-              <a:t>VatValueCalculatorTests</a:t>
-            </a:r>
-            <a:endParaRPr lang="pl-PL" dirty="0"/>
-          </a:p>
-          <a:p>
-            <a:pPr marL="0" indent="0">
-              <a:buNone/>
-            </a:pPr>
-            <a:r>
-              <a:rPr lang="pl-PL" dirty="0"/>
-              <a:t>  {</a:t>
-            </a:r>
-          </a:p>
-          <a:p>
-            <a:pPr marL="0" indent="0">
-              <a:buNone/>
-            </a:pPr>
-            <a:r>
-              <a:rPr lang="pl-PL" dirty="0"/>
-              <a:t>    [</a:t>
-            </a:r>
-            <a:r>
-              <a:rPr lang="pl-PL" dirty="0" err="1"/>
-              <a:t>TestMethod</a:t>
-            </a:r>
-            <a:r>
-              <a:rPr lang="pl-PL" dirty="0"/>
-              <a:t>]</a:t>
-            </a:r>
-          </a:p>
-          <a:p>
-            <a:pPr marL="0" indent="0">
-              <a:buNone/>
-            </a:pPr>
-            <a:r>
-              <a:rPr lang="pl-PL" dirty="0"/>
-              <a:t>    public </a:t>
-            </a:r>
-            <a:r>
-              <a:rPr lang="pl-PL" dirty="0" err="1"/>
-              <a:t>void</a:t>
-            </a:r>
-            <a:r>
-              <a:rPr lang="pl-PL" dirty="0"/>
-              <a:t> </a:t>
-            </a:r>
-            <a:r>
-              <a:rPr lang="pl-PL" dirty="0" err="1"/>
-              <a:t>should_calculate_proper_value</a:t>
-            </a:r>
-            <a:r>
-              <a:rPr lang="pl-PL" dirty="0"/>
-              <a:t>()</a:t>
-            </a:r>
-          </a:p>
-          <a:p>
-            <a:pPr marL="0" indent="0">
-              <a:buNone/>
-            </a:pPr>
-            <a:r>
-              <a:rPr lang="pl-PL" dirty="0"/>
-              <a:t>    {</a:t>
-            </a:r>
-          </a:p>
-          <a:p>
-            <a:pPr marL="0" indent="0">
-              <a:buNone/>
-            </a:pPr>
-            <a:r>
-              <a:rPr lang="pl-PL" dirty="0"/>
-              <a:t>      </a:t>
-            </a:r>
-            <a:r>
-              <a:rPr lang="pl-PL" dirty="0" err="1"/>
-              <a:t>const</a:t>
-            </a:r>
-            <a:r>
-              <a:rPr lang="pl-PL" dirty="0"/>
-              <a:t> </a:t>
-            </a:r>
-            <a:r>
-              <a:rPr lang="pl-PL" dirty="0" err="1"/>
-              <a:t>decimal</a:t>
-            </a:r>
-            <a:r>
-              <a:rPr lang="pl-PL" dirty="0"/>
-              <a:t> </a:t>
-            </a:r>
-            <a:r>
-              <a:rPr lang="pl-PL" dirty="0" err="1"/>
-              <a:t>netValue</a:t>
-            </a:r>
-            <a:r>
-              <a:rPr lang="pl-PL" dirty="0"/>
-              <a:t> = 15;</a:t>
-            </a:r>
-          </a:p>
-          <a:p>
-            <a:pPr marL="0" indent="0">
-              <a:buNone/>
-            </a:pPr>
-            <a:endParaRPr lang="pl-PL" dirty="0"/>
-          </a:p>
-          <a:p>
-            <a:pPr marL="0" indent="0">
-              <a:buNone/>
-            </a:pPr>
-            <a:r>
-              <a:rPr lang="pl-PL" dirty="0"/>
-              <a:t>      </a:t>
-            </a:r>
-            <a:r>
-              <a:rPr lang="pl-PL" dirty="0" err="1"/>
-              <a:t>var</a:t>
-            </a:r>
-            <a:r>
-              <a:rPr lang="pl-PL" dirty="0"/>
-              <a:t> </a:t>
-            </a:r>
-            <a:r>
-              <a:rPr lang="pl-PL" dirty="0" err="1"/>
-              <a:t>expectedValue</a:t>
-            </a:r>
-            <a:r>
-              <a:rPr lang="pl-PL" dirty="0"/>
-              <a:t> = 18.45M;</a:t>
-            </a:r>
-          </a:p>
-          <a:p>
-            <a:pPr marL="0" indent="0">
-              <a:buNone/>
-            </a:pPr>
-            <a:endParaRPr lang="pl-PL" dirty="0"/>
-          </a:p>
-          <a:p>
-            <a:pPr marL="0" indent="0">
-              <a:buNone/>
-            </a:pPr>
-            <a:r>
-              <a:rPr lang="pl-PL" dirty="0"/>
-              <a:t>      </a:t>
-            </a:r>
-            <a:r>
-              <a:rPr lang="pl-PL" dirty="0" err="1"/>
-              <a:t>var</a:t>
-            </a:r>
-            <a:r>
-              <a:rPr lang="pl-PL" dirty="0"/>
-              <a:t> </a:t>
-            </a:r>
-            <a:r>
-              <a:rPr lang="pl-PL" dirty="0" err="1"/>
-              <a:t>calculatedValue</a:t>
-            </a:r>
-            <a:r>
-              <a:rPr lang="pl-PL" dirty="0"/>
-              <a:t> = </a:t>
-            </a:r>
-            <a:r>
-              <a:rPr lang="pl-PL" dirty="0" err="1"/>
-              <a:t>VatValueCalculator.CalculateGrossValue</a:t>
-            </a:r>
-            <a:r>
-              <a:rPr lang="pl-PL" dirty="0"/>
-              <a:t>(</a:t>
-            </a:r>
-            <a:r>
-              <a:rPr lang="pl-PL" dirty="0" err="1"/>
-              <a:t>netValue</a:t>
-            </a:r>
-            <a:r>
-              <a:rPr lang="pl-PL" dirty="0"/>
-              <a:t>);</a:t>
-            </a:r>
-          </a:p>
-          <a:p>
-            <a:pPr marL="0" indent="0">
-              <a:buNone/>
-            </a:pPr>
-            <a:endParaRPr lang="pl-PL" dirty="0"/>
-          </a:p>
-          <a:p>
-            <a:pPr marL="0" indent="0">
-              <a:buNone/>
-            </a:pPr>
-            <a:r>
-              <a:rPr lang="pl-PL" dirty="0"/>
-              <a:t>      </a:t>
-            </a:r>
-            <a:r>
-              <a:rPr lang="pl-PL" dirty="0" err="1"/>
-              <a:t>Assert.AreEqual</a:t>
-            </a:r>
-            <a:r>
-              <a:rPr lang="pl-PL" dirty="0"/>
-              <a:t>(</a:t>
-            </a:r>
-            <a:r>
-              <a:rPr lang="pl-PL" dirty="0" err="1"/>
-              <a:t>expectedValue</a:t>
-            </a:r>
-            <a:r>
-              <a:rPr lang="pl-PL" dirty="0"/>
-              <a:t>, </a:t>
-            </a:r>
-            <a:r>
-              <a:rPr lang="pl-PL" dirty="0" err="1"/>
-              <a:t>calculatedValue</a:t>
-            </a:r>
-            <a:r>
-              <a:rPr lang="pl-PL" dirty="0"/>
-              <a:t>);</a:t>
-            </a:r>
-          </a:p>
-          <a:p>
-            <a:pPr marL="0" indent="0">
-              <a:buNone/>
-            </a:pPr>
-            <a:r>
-              <a:rPr lang="pl-PL" dirty="0"/>
-              <a:t>    }</a:t>
-            </a:r>
-          </a:p>
-          <a:p>
-            <a:pPr marL="0" indent="0">
-              <a:buNone/>
-            </a:pPr>
-            <a:r>
-              <a:rPr lang="pl-PL" dirty="0"/>
-              <a:t>  }</a:t>
-            </a:r>
-          </a:p>
-        </p:txBody>
-      </p:sp>
-    </p:spTree>
-    <p:extLst>
-      <p:ext uri="{BB962C8B-B14F-4D97-AF65-F5344CB8AC3E}">
-        <p14:creationId xmlns:p14="http://schemas.microsoft.com/office/powerpoint/2010/main" val="2710965677"/>
-      </p:ext>
-    </p:extLst>
-  </p:cSld>
-  <p:clrMapOvr>
-    <a:masterClrMapping/>
-  </p:clrMapOvr>
-</p:sld>
-</file>
-
-<file path=ppt/slides/slide16.xml><?xml version="1.0" encoding="utf-8"?>
-<p:sld xmlns:a="http://schemas.openxmlformats.org/drawingml/2006/main" xmlns:r="http://schemas.openxmlformats.org/officeDocument/2006/relationships" xmlns:p="http://schemas.openxmlformats.org/presentationml/2006/main">
-  <p:cSld>
-    <p:spTree>
-      <p:nvGrpSpPr>
-        <p:cNvPr id="1" name=""/>
-        <p:cNvGrpSpPr/>
-        <p:nvPr/>
-      </p:nvGrpSpPr>
-      <p:grpSpPr>
-        <a:xfrm>
-          <a:off x="0" y="0"/>
-          <a:ext cx="0" cy="0"/>
-          <a:chOff x="0" y="0"/>
-          <a:chExt cx="0" cy="0"/>
-        </a:xfrm>
-      </p:grpSpPr>
-      <p:sp>
-        <p:nvSpPr>
-          <p:cNvPr id="2" name="Tytuł 1">
-            <a:extLst>
-              <a:ext uri="{FF2B5EF4-FFF2-40B4-BE49-F238E27FC236}">
-                <a16:creationId xmlns:a16="http://schemas.microsoft.com/office/drawing/2014/main" id="{AA11F76F-3203-4B44-BA32-A0134C8CA848}"/>
-              </a:ext>
-            </a:extLst>
-          </p:cNvPr>
-          <p:cNvSpPr>
-            <a:spLocks noGrp="1"/>
-          </p:cNvSpPr>
-          <p:nvPr>
-            <p:ph type="title"/>
-          </p:nvPr>
-        </p:nvSpPr>
-        <p:spPr/>
-        <p:txBody>
-          <a:bodyPr>
-            <a:normAutofit/>
-          </a:bodyPr>
-          <a:lstStyle/>
-          <a:p>
-            <a:pPr algn="ctr"/>
-            <a:r>
-              <a:rPr lang="pl-PL" sz="4400" dirty="0"/>
-              <a:t>Przydatne narzędzia/biblioteki</a:t>
-            </a:r>
-          </a:p>
-        </p:txBody>
-      </p:sp>
-      <p:sp>
-        <p:nvSpPr>
-          <p:cNvPr id="3" name="Symbol zastępczy zawartości 2">
-            <a:extLst>
-              <a:ext uri="{FF2B5EF4-FFF2-40B4-BE49-F238E27FC236}">
-                <a16:creationId xmlns:a16="http://schemas.microsoft.com/office/drawing/2014/main" id="{B9B16BB4-B16B-4445-B60B-4E7A1D9E0118}"/>
-              </a:ext>
-            </a:extLst>
-          </p:cNvPr>
-          <p:cNvSpPr>
-            <a:spLocks noGrp="1"/>
-          </p:cNvSpPr>
-          <p:nvPr>
-            <p:ph idx="1"/>
-          </p:nvPr>
-        </p:nvSpPr>
-        <p:spPr/>
-        <p:txBody>
-          <a:bodyPr/>
-          <a:lstStyle/>
-          <a:p>
-            <a:pPr fontAlgn="ctr"/>
-            <a:r>
-              <a:rPr lang="pl-PL" sz="3200" dirty="0">
-                <a:solidFill>
-                  <a:schemeClr val="tx1"/>
-                </a:solidFill>
-              </a:rPr>
-              <a:t>R#</a:t>
-            </a:r>
-          </a:p>
-          <a:p>
-            <a:pPr fontAlgn="ctr"/>
-            <a:r>
-              <a:rPr lang="pl-PL" sz="3200" dirty="0">
-                <a:solidFill>
-                  <a:schemeClr val="tx1"/>
-                </a:solidFill>
-              </a:rPr>
-              <a:t>Test </a:t>
-            </a:r>
-            <a:r>
-              <a:rPr lang="pl-PL" sz="3200" dirty="0" err="1">
-                <a:solidFill>
-                  <a:schemeClr val="tx1"/>
-                </a:solidFill>
-              </a:rPr>
-              <a:t>runner</a:t>
-            </a:r>
-            <a:endParaRPr lang="pl-PL" sz="3200" dirty="0">
-              <a:solidFill>
-                <a:schemeClr val="tx1"/>
-              </a:solidFill>
-            </a:endParaRPr>
-          </a:p>
-          <a:p>
-            <a:pPr fontAlgn="ctr"/>
-            <a:r>
-              <a:rPr lang="pl-PL" sz="3200" dirty="0" err="1">
-                <a:solidFill>
-                  <a:schemeClr val="tx1"/>
-                </a:solidFill>
-              </a:rPr>
-              <a:t>Moq</a:t>
-            </a:r>
-            <a:r>
-              <a:rPr lang="pl-PL" sz="3200" dirty="0">
-                <a:solidFill>
-                  <a:schemeClr val="tx1"/>
-                </a:solidFill>
-              </a:rPr>
-              <a:t> / </a:t>
-            </a:r>
-            <a:r>
-              <a:rPr lang="pl-PL" sz="3200" dirty="0" err="1">
-                <a:solidFill>
-                  <a:schemeClr val="tx1"/>
-                </a:solidFill>
-              </a:rPr>
-              <a:t>Nsubstitute</a:t>
-            </a:r>
-            <a:r>
-              <a:rPr lang="pl-PL" sz="3200" dirty="0">
-                <a:solidFill>
-                  <a:schemeClr val="tx1"/>
-                </a:solidFill>
-              </a:rPr>
-              <a:t> </a:t>
-            </a:r>
-          </a:p>
-          <a:p>
-            <a:pPr fontAlgn="ctr"/>
-            <a:r>
-              <a:rPr lang="pl-PL" sz="3200" dirty="0" err="1">
-                <a:solidFill>
-                  <a:schemeClr val="tx1"/>
-                </a:solidFill>
-              </a:rPr>
-              <a:t>Shouldly</a:t>
-            </a:r>
-            <a:endParaRPr lang="pl-PL" sz="3200" dirty="0">
-              <a:solidFill>
-                <a:schemeClr val="tx1"/>
-              </a:solidFill>
-            </a:endParaRPr>
-          </a:p>
-          <a:p>
-            <a:endParaRPr lang="pl-PL" dirty="0">
-              <a:solidFill>
-                <a:schemeClr val="tx1"/>
-              </a:solidFill>
-            </a:endParaRPr>
-          </a:p>
-        </p:txBody>
-      </p:sp>
-    </p:spTree>
-    <p:extLst>
-      <p:ext uri="{BB962C8B-B14F-4D97-AF65-F5344CB8AC3E}">
-        <p14:creationId xmlns:p14="http://schemas.microsoft.com/office/powerpoint/2010/main" val="1148522495"/>
-      </p:ext>
-    </p:extLst>
-  </p:cSld>
-  <p:clrMapOvr>
-    <a:masterClrMapping/>
-  </p:clrMapOvr>
-</p:sld>
-</file>
-
-<file path=ppt/slides/slide17.xml><?xml version="1.0" encoding="utf-8"?>
-<p:sld xmlns:a="http://schemas.openxmlformats.org/drawingml/2006/main" xmlns:r="http://schemas.openxmlformats.org/officeDocument/2006/relationships" xmlns:p="http://schemas.openxmlformats.org/presentationml/2006/main">
-  <p:cSld>
-    <p:spTree>
-      <p:nvGrpSpPr>
-        <p:cNvPr id="1" name=""/>
-        <p:cNvGrpSpPr/>
-        <p:nvPr/>
-      </p:nvGrpSpPr>
-      <p:grpSpPr>
-        <a:xfrm>
-          <a:off x="0" y="0"/>
-          <a:ext cx="0" cy="0"/>
-          <a:chOff x="0" y="0"/>
-          <a:chExt cx="0" cy="0"/>
-        </a:xfrm>
-      </p:grpSpPr>
-      <p:sp>
-        <p:nvSpPr>
-          <p:cNvPr id="2" name="Tytuł 1">
-            <a:extLst>
-              <a:ext uri="{FF2B5EF4-FFF2-40B4-BE49-F238E27FC236}">
-                <a16:creationId xmlns:a16="http://schemas.microsoft.com/office/drawing/2014/main" id="{97EEBC33-F476-4CAA-BE80-AE0D3B9EF768}"/>
-              </a:ext>
-            </a:extLst>
-          </p:cNvPr>
-          <p:cNvSpPr>
-            <a:spLocks noGrp="1"/>
-          </p:cNvSpPr>
-          <p:nvPr>
-            <p:ph type="title"/>
-          </p:nvPr>
-        </p:nvSpPr>
-        <p:spPr/>
-        <p:txBody>
-          <a:bodyPr/>
-          <a:lstStyle/>
-          <a:p>
-            <a:pPr algn="ctr"/>
-            <a:r>
-              <a:rPr lang="pl-PL" dirty="0" err="1"/>
-              <a:t>Moq</a:t>
-            </a:r>
-            <a:endParaRPr lang="pl-PL" dirty="0"/>
-          </a:p>
-        </p:txBody>
-      </p:sp>
-      <p:sp>
-        <p:nvSpPr>
-          <p:cNvPr id="3" name="Symbol zastępczy zawartości 2">
-            <a:extLst>
-              <a:ext uri="{FF2B5EF4-FFF2-40B4-BE49-F238E27FC236}">
-                <a16:creationId xmlns:a16="http://schemas.microsoft.com/office/drawing/2014/main" id="{00681E0D-570B-4872-8B28-90972EE357E7}"/>
-              </a:ext>
-            </a:extLst>
-          </p:cNvPr>
-          <p:cNvSpPr>
-            <a:spLocks noGrp="1"/>
-          </p:cNvSpPr>
-          <p:nvPr>
-            <p:ph idx="1"/>
-          </p:nvPr>
-        </p:nvSpPr>
-        <p:spPr/>
-        <p:txBody>
-          <a:bodyPr anchor="t">
-            <a:normAutofit fontScale="92500" lnSpcReduction="10000"/>
-          </a:bodyPr>
-          <a:lstStyle/>
-          <a:p>
-            <a:pPr marL="0" indent="0">
-              <a:buNone/>
-            </a:pPr>
-            <a:r>
-              <a:rPr lang="pl-PL" dirty="0"/>
-              <a:t> </a:t>
-            </a:r>
-            <a:r>
-              <a:rPr lang="pl-PL" dirty="0" err="1"/>
-              <a:t>var</a:t>
-            </a:r>
-            <a:r>
-              <a:rPr lang="pl-PL" dirty="0"/>
-              <a:t> </a:t>
-            </a:r>
-            <a:r>
-              <a:rPr lang="pl-PL" dirty="0" err="1"/>
-              <a:t>mock</a:t>
-            </a:r>
-            <a:r>
-              <a:rPr lang="pl-PL" dirty="0"/>
-              <a:t> = </a:t>
-            </a:r>
-            <a:r>
-              <a:rPr lang="pl-PL" dirty="0" err="1"/>
-              <a:t>new</a:t>
-            </a:r>
-            <a:r>
-              <a:rPr lang="pl-PL" dirty="0"/>
-              <a:t> </a:t>
-            </a:r>
-            <a:r>
-              <a:rPr lang="pl-PL" dirty="0" err="1"/>
-              <a:t>Mock</a:t>
-            </a:r>
-            <a:r>
-              <a:rPr lang="pl-PL" dirty="0"/>
-              <a:t>&lt;</a:t>
-            </a:r>
-            <a:r>
-              <a:rPr lang="pl-PL" dirty="0" err="1"/>
-              <a:t>IInvoiceRepository</a:t>
-            </a:r>
-            <a:r>
-              <a:rPr lang="pl-PL" dirty="0"/>
-              <a:t>&gt;();</a:t>
-            </a:r>
-          </a:p>
-          <a:p>
-            <a:pPr marL="0" indent="0">
-              <a:buNone/>
-            </a:pPr>
-            <a:r>
-              <a:rPr lang="pl-PL" dirty="0"/>
-              <a:t>      </a:t>
-            </a:r>
-            <a:r>
-              <a:rPr lang="pl-PL" dirty="0" err="1"/>
-              <a:t>mock.Setup</a:t>
-            </a:r>
-            <a:r>
-              <a:rPr lang="pl-PL" dirty="0"/>
-              <a:t>(x =&gt; </a:t>
-            </a:r>
-            <a:r>
-              <a:rPr lang="pl-PL" dirty="0" err="1"/>
-              <a:t>x.GetAll</a:t>
-            </a:r>
-            <a:r>
-              <a:rPr lang="pl-PL" dirty="0"/>
-              <a:t>()).</a:t>
-            </a:r>
-            <a:r>
-              <a:rPr lang="pl-PL" dirty="0" err="1"/>
-              <a:t>Returns</a:t>
-            </a:r>
-            <a:r>
-              <a:rPr lang="pl-PL" dirty="0"/>
-              <a:t>(</a:t>
-            </a:r>
-            <a:r>
-              <a:rPr lang="pl-PL" dirty="0" err="1"/>
-              <a:t>new</a:t>
-            </a:r>
-            <a:r>
-              <a:rPr lang="pl-PL" dirty="0"/>
-              <a:t>[]</a:t>
-            </a:r>
-          </a:p>
-          <a:p>
-            <a:pPr marL="0" indent="0">
-              <a:buNone/>
-            </a:pPr>
-            <a:r>
-              <a:rPr lang="pl-PL" dirty="0"/>
-              <a:t>        {</a:t>
-            </a:r>
-          </a:p>
-          <a:p>
-            <a:pPr marL="0" indent="0">
-              <a:buNone/>
-            </a:pPr>
-            <a:r>
-              <a:rPr lang="pl-PL" dirty="0"/>
-              <a:t>          </a:t>
-            </a:r>
-            <a:r>
-              <a:rPr lang="pl-PL" dirty="0" err="1"/>
-              <a:t>new</a:t>
-            </a:r>
-            <a:r>
-              <a:rPr lang="pl-PL" dirty="0"/>
-              <a:t> </a:t>
-            </a:r>
-            <a:r>
-              <a:rPr lang="pl-PL" dirty="0" err="1"/>
-              <a:t>Invoice</a:t>
-            </a:r>
-            <a:r>
-              <a:rPr lang="pl-PL" dirty="0"/>
-              <a:t>() {Id = 1, </a:t>
-            </a:r>
-            <a:r>
-              <a:rPr lang="pl-PL" dirty="0" err="1"/>
-              <a:t>InvoiceNumber</a:t>
-            </a:r>
-            <a:r>
-              <a:rPr lang="pl-PL" dirty="0"/>
-              <a:t> = "FV/01/2017"}, </a:t>
-            </a:r>
-            <a:r>
-              <a:rPr lang="pl-PL" dirty="0" err="1"/>
-              <a:t>new</a:t>
-            </a:r>
-            <a:r>
-              <a:rPr lang="pl-PL" dirty="0"/>
-              <a:t> </a:t>
-            </a:r>
-            <a:r>
-              <a:rPr lang="pl-PL" dirty="0" err="1"/>
-              <a:t>Invoice</a:t>
-            </a:r>
-            <a:r>
-              <a:rPr lang="pl-PL" dirty="0"/>
-              <a:t>() {Id = 2, </a:t>
-            </a:r>
-            <a:r>
-              <a:rPr lang="pl-PL" dirty="0" err="1"/>
-              <a:t>InvoiceNumber</a:t>
-            </a:r>
-            <a:r>
-              <a:rPr lang="pl-PL" dirty="0"/>
-              <a:t> = "FV/02/2017"},</a:t>
-            </a:r>
-          </a:p>
-          <a:p>
-            <a:pPr marL="0" indent="0">
-              <a:buNone/>
-            </a:pPr>
-            <a:r>
-              <a:rPr lang="pl-PL" dirty="0"/>
-              <a:t>        })</a:t>
-            </a:r>
-          </a:p>
-          <a:p>
-            <a:pPr marL="0" indent="0">
-              <a:buNone/>
-            </a:pPr>
-            <a:r>
-              <a:rPr lang="pl-PL" dirty="0"/>
-              <a:t>        .</a:t>
-            </a:r>
-            <a:r>
-              <a:rPr lang="pl-PL" dirty="0" err="1"/>
-              <a:t>Verifiable</a:t>
-            </a:r>
-            <a:r>
-              <a:rPr lang="pl-PL" dirty="0"/>
-              <a:t>();</a:t>
-            </a:r>
-          </a:p>
-          <a:p>
-            <a:pPr marL="0" indent="0">
-              <a:buNone/>
-            </a:pPr>
-            <a:endParaRPr lang="pl-PL" dirty="0"/>
-          </a:p>
-          <a:p>
-            <a:pPr marL="0" indent="0">
-              <a:buNone/>
-            </a:pPr>
-            <a:r>
-              <a:rPr lang="pl-PL" dirty="0"/>
-              <a:t>      </a:t>
-            </a:r>
-            <a:r>
-              <a:rPr lang="pl-PL" dirty="0" err="1"/>
-              <a:t>Assert.That</a:t>
-            </a:r>
-            <a:r>
-              <a:rPr lang="pl-PL" dirty="0"/>
-              <a:t>(</a:t>
-            </a:r>
-            <a:r>
-              <a:rPr lang="pl-PL" dirty="0" err="1"/>
-              <a:t>mock.Object.GetAll</a:t>
-            </a:r>
-            <a:r>
-              <a:rPr lang="pl-PL" dirty="0"/>
-              <a:t>().</a:t>
-            </a:r>
-            <a:r>
-              <a:rPr lang="pl-PL" dirty="0" err="1"/>
-              <a:t>Count</a:t>
-            </a:r>
-            <a:r>
-              <a:rPr lang="pl-PL" dirty="0"/>
-              <a:t>(), </a:t>
-            </a:r>
-            <a:r>
-              <a:rPr lang="pl-PL" dirty="0" err="1"/>
-              <a:t>Is.EqualTo</a:t>
-            </a:r>
-            <a:r>
-              <a:rPr lang="pl-PL" dirty="0"/>
-              <a:t>(2));</a:t>
-            </a:r>
-          </a:p>
-          <a:p>
-            <a:pPr marL="0" indent="0">
-              <a:buNone/>
-            </a:pPr>
-            <a:endParaRPr lang="pl-PL" dirty="0"/>
-          </a:p>
-          <a:p>
-            <a:pPr marL="0" indent="0">
-              <a:buNone/>
-            </a:pPr>
-            <a:r>
-              <a:rPr lang="pl-PL" dirty="0"/>
-              <a:t>      </a:t>
-            </a:r>
-            <a:r>
-              <a:rPr lang="pl-PL" dirty="0" err="1"/>
-              <a:t>mock.Verify</a:t>
-            </a:r>
-            <a:r>
-              <a:rPr lang="pl-PL" dirty="0"/>
-              <a:t>();</a:t>
-            </a:r>
-          </a:p>
-        </p:txBody>
-      </p:sp>
-    </p:spTree>
-    <p:extLst>
-      <p:ext uri="{BB962C8B-B14F-4D97-AF65-F5344CB8AC3E}">
-        <p14:creationId xmlns:p14="http://schemas.microsoft.com/office/powerpoint/2010/main" val="634370889"/>
-      </p:ext>
-    </p:extLst>
-  </p:cSld>
-  <p:clrMapOvr>
-    <a:masterClrMapping/>
-  </p:clrMapOvr>
-</p:sld>
-</file>
-
-<file path=ppt/slides/slide18.xml><?xml version="1.0" encoding="utf-8"?>
-<p:sld xmlns:a="http://schemas.openxmlformats.org/drawingml/2006/main" xmlns:r="http://schemas.openxmlformats.org/officeDocument/2006/relationships" xmlns:p="http://schemas.openxmlformats.org/presentationml/2006/main">
-  <p:cSld>
-    <p:spTree>
-      <p:nvGrpSpPr>
-        <p:cNvPr id="1" name=""/>
-        <p:cNvGrpSpPr/>
-        <p:nvPr/>
-      </p:nvGrpSpPr>
-      <p:grpSpPr>
-        <a:xfrm>
-          <a:off x="0" y="0"/>
-          <a:ext cx="0" cy="0"/>
-          <a:chOff x="0" y="0"/>
-          <a:chExt cx="0" cy="0"/>
-        </a:xfrm>
-      </p:grpSpPr>
-      <p:sp>
-        <p:nvSpPr>
-          <p:cNvPr id="2" name="Tytuł 1">
-            <a:extLst>
-              <a:ext uri="{FF2B5EF4-FFF2-40B4-BE49-F238E27FC236}">
-                <a16:creationId xmlns:a16="http://schemas.microsoft.com/office/drawing/2014/main" id="{97EEBC33-F476-4CAA-BE80-AE0D3B9EF768}"/>
-              </a:ext>
-            </a:extLst>
-          </p:cNvPr>
-          <p:cNvSpPr>
-            <a:spLocks noGrp="1"/>
-          </p:cNvSpPr>
-          <p:nvPr>
-            <p:ph type="title"/>
-          </p:nvPr>
-        </p:nvSpPr>
-        <p:spPr/>
-        <p:txBody>
-          <a:bodyPr/>
-          <a:lstStyle/>
-          <a:p>
-            <a:pPr algn="ctr"/>
-            <a:r>
-              <a:rPr lang="pl-PL" dirty="0" err="1"/>
-              <a:t>Shouldly</a:t>
-            </a:r>
-            <a:endParaRPr lang="pl-PL" dirty="0"/>
-          </a:p>
-        </p:txBody>
-      </p:sp>
-      <p:sp>
-        <p:nvSpPr>
-          <p:cNvPr id="3" name="Symbol zastępczy zawartości 2">
-            <a:extLst>
-              <a:ext uri="{FF2B5EF4-FFF2-40B4-BE49-F238E27FC236}">
-                <a16:creationId xmlns:a16="http://schemas.microsoft.com/office/drawing/2014/main" id="{00681E0D-570B-4872-8B28-90972EE357E7}"/>
-              </a:ext>
-            </a:extLst>
-          </p:cNvPr>
-          <p:cNvSpPr>
-            <a:spLocks noGrp="1"/>
-          </p:cNvSpPr>
-          <p:nvPr>
-            <p:ph idx="1"/>
-          </p:nvPr>
-        </p:nvSpPr>
-        <p:spPr/>
-        <p:txBody>
-          <a:bodyPr anchor="t">
-            <a:normAutofit/>
-          </a:bodyPr>
-          <a:lstStyle/>
-          <a:p>
-            <a:pPr marL="0" indent="0">
-              <a:buNone/>
-            </a:pPr>
-            <a:r>
-              <a:rPr lang="pl-PL" dirty="0"/>
-              <a:t>      </a:t>
-            </a:r>
-            <a:r>
-              <a:rPr lang="pl-PL" dirty="0" err="1"/>
-              <a:t>var</a:t>
-            </a:r>
-            <a:r>
-              <a:rPr lang="pl-PL" dirty="0"/>
-              <a:t> a = 1 * 3;</a:t>
-            </a:r>
-          </a:p>
-          <a:p>
-            <a:pPr marL="0" indent="0">
-              <a:buNone/>
-            </a:pPr>
-            <a:r>
-              <a:rPr lang="pl-PL" dirty="0"/>
-              <a:t>      </a:t>
-            </a:r>
-            <a:r>
-              <a:rPr lang="pl-PL" dirty="0" err="1"/>
-              <a:t>var</a:t>
-            </a:r>
-            <a:r>
-              <a:rPr lang="pl-PL" dirty="0"/>
-              <a:t> b = 9/3;</a:t>
-            </a:r>
-          </a:p>
-          <a:p>
-            <a:pPr marL="0" indent="0">
-              <a:buNone/>
-            </a:pPr>
-            <a:endParaRPr lang="pl-PL" dirty="0"/>
-          </a:p>
-          <a:p>
-            <a:pPr marL="0" indent="0">
-              <a:buNone/>
-            </a:pPr>
-            <a:r>
-              <a:rPr lang="pl-PL" dirty="0"/>
-              <a:t>      </a:t>
-            </a:r>
-            <a:r>
-              <a:rPr lang="pl-PL" dirty="0" err="1"/>
-              <a:t>var</a:t>
-            </a:r>
-            <a:r>
-              <a:rPr lang="pl-PL" dirty="0"/>
-              <a:t> </a:t>
-            </a:r>
-            <a:r>
-              <a:rPr lang="pl-PL" dirty="0" err="1"/>
-              <a:t>value</a:t>
-            </a:r>
-            <a:r>
-              <a:rPr lang="pl-PL" dirty="0"/>
-              <a:t> = a == b;</a:t>
-            </a:r>
-          </a:p>
-          <a:p>
-            <a:pPr marL="0" indent="0">
-              <a:buNone/>
-            </a:pPr>
-            <a:endParaRPr lang="pl-PL" dirty="0"/>
-          </a:p>
-          <a:p>
-            <a:pPr marL="0" indent="0">
-              <a:buNone/>
-            </a:pPr>
-            <a:r>
-              <a:rPr lang="pl-PL" dirty="0"/>
-              <a:t>      </a:t>
-            </a:r>
-            <a:r>
-              <a:rPr lang="pl-PL" dirty="0" err="1"/>
-              <a:t>value.ShouldBe</a:t>
-            </a:r>
-            <a:r>
-              <a:rPr lang="pl-PL" dirty="0"/>
-              <a:t>(</a:t>
-            </a:r>
-            <a:r>
-              <a:rPr lang="pl-PL" dirty="0" err="1"/>
-              <a:t>true</a:t>
-            </a:r>
-            <a:r>
-              <a:rPr lang="pl-PL" dirty="0"/>
-              <a:t>);</a:t>
-            </a:r>
-          </a:p>
-          <a:p>
-            <a:pPr marL="0" indent="0">
-              <a:buNone/>
-            </a:pPr>
-            <a:r>
-              <a:rPr lang="en-US" dirty="0"/>
-              <a:t>      Action </a:t>
-            </a:r>
-            <a:r>
-              <a:rPr lang="en-US" dirty="0" err="1"/>
-              <a:t>action</a:t>
-            </a:r>
-            <a:r>
-              <a:rPr lang="en-US" dirty="0"/>
-              <a:t> = () =&gt; { throw new Exception();};</a:t>
-            </a:r>
-          </a:p>
-          <a:p>
-            <a:pPr marL="0" indent="0">
-              <a:buNone/>
-            </a:pPr>
-            <a:endParaRPr lang="pl-PL" dirty="0"/>
-          </a:p>
-          <a:p>
-            <a:pPr marL="0" indent="0">
-              <a:buNone/>
-            </a:pPr>
-            <a:r>
-              <a:rPr lang="pl-PL" dirty="0"/>
-              <a:t>      </a:t>
-            </a:r>
-            <a:r>
-              <a:rPr lang="pl-PL" dirty="0" err="1"/>
-              <a:t>action.ShouldThrow</a:t>
-            </a:r>
-            <a:r>
-              <a:rPr lang="pl-PL" dirty="0"/>
-              <a:t>&lt;</a:t>
-            </a:r>
-            <a:r>
-              <a:rPr lang="pl-PL" dirty="0" err="1"/>
-              <a:t>Exception</a:t>
-            </a:r>
-            <a:r>
-              <a:rPr lang="pl-PL" dirty="0"/>
-              <a:t>&gt;();</a:t>
-            </a:r>
-          </a:p>
-        </p:txBody>
-      </p:sp>
-    </p:spTree>
-    <p:extLst>
-      <p:ext uri="{BB962C8B-B14F-4D97-AF65-F5344CB8AC3E}">
-        <p14:creationId xmlns:p14="http://schemas.microsoft.com/office/powerpoint/2010/main" val="897431209"/>
-      </p:ext>
-    </p:extLst>
-  </p:cSld>
-  <p:clrMapOvr>
-    <a:masterClrMapping/>
-  </p:clrMapOvr>
-</p:sld>
-</file>
-
-<file path=ppt/slides/slide19.xml><?xml version="1.0" encoding="utf-8"?>
-<p:sld xmlns:a="http://schemas.openxmlformats.org/drawingml/2006/main" xmlns:r="http://schemas.openxmlformats.org/officeDocument/2006/relationships" xmlns:p="http://schemas.openxmlformats.org/presentationml/2006/main">
-  <p:cSld>
-    <p:spTree>
-      <p:nvGrpSpPr>
-        <p:cNvPr id="1" name=""/>
-        <p:cNvGrpSpPr/>
-        <p:nvPr/>
-      </p:nvGrpSpPr>
-      <p:grpSpPr>
-        <a:xfrm>
-          <a:off x="0" y="0"/>
-          <a:ext cx="0" cy="0"/>
-          <a:chOff x="0" y="0"/>
-          <a:chExt cx="0" cy="0"/>
-        </a:xfrm>
-      </p:grpSpPr>
-      <p:sp>
-        <p:nvSpPr>
-          <p:cNvPr id="2" name="Tytuł 1">
-            <a:extLst>
-              <a:ext uri="{FF2B5EF4-FFF2-40B4-BE49-F238E27FC236}">
-                <a16:creationId xmlns:a16="http://schemas.microsoft.com/office/drawing/2014/main" id="{32F114C4-5237-4EFD-BF4D-E7C9058A99A3}"/>
-              </a:ext>
-            </a:extLst>
-          </p:cNvPr>
-          <p:cNvSpPr>
-            <a:spLocks noGrp="1"/>
-          </p:cNvSpPr>
-          <p:nvPr>
-            <p:ph type="title"/>
-          </p:nvPr>
-        </p:nvSpPr>
-        <p:spPr/>
-        <p:txBody>
-          <a:bodyPr>
-            <a:normAutofit/>
-          </a:bodyPr>
-          <a:lstStyle/>
-          <a:p>
-            <a:pPr algn="ctr"/>
-            <a:r>
-              <a:rPr lang="pl-PL" sz="4400" dirty="0"/>
-              <a:t>Kiedy pisać testy jednostkowe?</a:t>
-            </a:r>
-          </a:p>
-        </p:txBody>
-      </p:sp>
-      <p:sp>
-        <p:nvSpPr>
-          <p:cNvPr id="3" name="Symbol zastępczy zawartości 2">
-            <a:extLst>
-              <a:ext uri="{FF2B5EF4-FFF2-40B4-BE49-F238E27FC236}">
-                <a16:creationId xmlns:a16="http://schemas.microsoft.com/office/drawing/2014/main" id="{7E313087-0B09-4CF6-AA8E-E917DD2C5751}"/>
-              </a:ext>
-            </a:extLst>
-          </p:cNvPr>
-          <p:cNvSpPr>
-            <a:spLocks noGrp="1"/>
-          </p:cNvSpPr>
-          <p:nvPr>
-            <p:ph idx="1"/>
-          </p:nvPr>
-        </p:nvSpPr>
-        <p:spPr/>
-        <p:txBody>
-          <a:bodyPr/>
-          <a:lstStyle/>
-          <a:p>
-            <a:endParaRPr lang="pl-PL" dirty="0"/>
-          </a:p>
-        </p:txBody>
-      </p:sp>
-    </p:spTree>
-    <p:extLst>
-      <p:ext uri="{BB962C8B-B14F-4D97-AF65-F5344CB8AC3E}">
-        <p14:creationId xmlns:p14="http://schemas.microsoft.com/office/powerpoint/2010/main" val="134294524"/>
-      </p:ext>
-    </p:extLst>
-  </p:cSld>
-  <p:clrMapOvr>
-    <a:masterClrMapping/>
-  </p:clrMapOvr>
-</p:sld>
-</file>
-
-<file path=ppt/slides/slide2.xml><?xml version="1.0" encoding="utf-8"?>
-<p:sld xmlns:a="http://schemas.openxmlformats.org/drawingml/2006/main" xmlns:r="http://schemas.openxmlformats.org/officeDocument/2006/relationships" xmlns:p="http://schemas.openxmlformats.org/presentationml/2006/main">
-  <p:cSld>
-    <p:spTree>
-      <p:nvGrpSpPr>
-        <p:cNvPr id="1" name=""/>
-        <p:cNvGrpSpPr/>
-        <p:nvPr/>
-      </p:nvGrpSpPr>
-      <p:grpSpPr>
-        <a:xfrm>
-          <a:off x="0" y="0"/>
-          <a:ext cx="0" cy="0"/>
-          <a:chOff x="0" y="0"/>
-          <a:chExt cx="0" cy="0"/>
-        </a:xfrm>
-      </p:grpSpPr>
-      <p:sp>
-        <p:nvSpPr>
-          <p:cNvPr id="2" name="Tytuł 1">
-            <a:extLst>
-              <a:ext uri="{FF2B5EF4-FFF2-40B4-BE49-F238E27FC236}">
-                <a16:creationId xmlns:a16="http://schemas.microsoft.com/office/drawing/2014/main" id="{1845038C-1A6B-4064-9C49-17B1E4780D3B}"/>
-              </a:ext>
-            </a:extLst>
-          </p:cNvPr>
-          <p:cNvSpPr>
-            <a:spLocks noGrp="1"/>
-          </p:cNvSpPr>
-          <p:nvPr>
-            <p:ph type="title"/>
-          </p:nvPr>
-        </p:nvSpPr>
-        <p:spPr>
-          <a:xfrm>
-            <a:off x="581192" y="596648"/>
-            <a:ext cx="11029616" cy="1013800"/>
-          </a:xfrm>
-        </p:spPr>
-        <p:txBody>
-          <a:bodyPr>
-            <a:normAutofit/>
-          </a:bodyPr>
-          <a:lstStyle/>
-          <a:p>
-            <a:pPr algn="ctr"/>
-            <a:r>
-              <a:rPr lang="pl-PL" sz="3200" dirty="0"/>
-              <a:t>JAK MOŻEMY SPRAWDZAĆ DZIAŁANIE APLIKACJI?</a:t>
-            </a:r>
-          </a:p>
-        </p:txBody>
-      </p:sp>
-      <p:sp>
-        <p:nvSpPr>
-          <p:cNvPr id="3" name="Symbol zastępczy zawartości 2">
-            <a:extLst>
-              <a:ext uri="{FF2B5EF4-FFF2-40B4-BE49-F238E27FC236}">
-                <a16:creationId xmlns:a16="http://schemas.microsoft.com/office/drawing/2014/main" id="{9B561308-36F4-4BD8-8388-287994948828}"/>
-              </a:ext>
-            </a:extLst>
-          </p:cNvPr>
-          <p:cNvSpPr>
-            <a:spLocks noGrp="1"/>
-          </p:cNvSpPr>
-          <p:nvPr>
-            <p:ph idx="1"/>
-          </p:nvPr>
-        </p:nvSpPr>
-        <p:spPr/>
-        <p:txBody>
-          <a:bodyPr>
-            <a:normAutofit/>
-          </a:bodyPr>
-          <a:lstStyle/>
-          <a:p>
-            <a:pPr marL="0" indent="0" algn="ctr">
-              <a:buNone/>
-            </a:pPr>
-            <a:r>
-              <a:rPr lang="pl-PL" sz="3200" dirty="0">
-                <a:solidFill>
-                  <a:schemeClr val="tx1"/>
-                </a:solidFill>
-              </a:rPr>
-              <a:t>Proste aplikacje konsolowe?</a:t>
-            </a:r>
-          </a:p>
-          <a:p>
-            <a:pPr marL="0" indent="0" algn="ctr">
-              <a:buNone/>
-            </a:pPr>
-            <a:r>
-              <a:rPr lang="pl-PL" sz="3200" dirty="0">
-                <a:solidFill>
-                  <a:schemeClr val="tx1"/>
-                </a:solidFill>
-              </a:rPr>
-              <a:t>Uruchamianie pełnej aplikacji?</a:t>
-            </a:r>
-          </a:p>
-        </p:txBody>
-      </p:sp>
-    </p:spTree>
-    <p:extLst>
-      <p:ext uri="{BB962C8B-B14F-4D97-AF65-F5344CB8AC3E}">
-        <p14:creationId xmlns:p14="http://schemas.microsoft.com/office/powerpoint/2010/main" val="4205978394"/>
-      </p:ext>
-    </p:extLst>
-  </p:cSld>
-  <p:clrMapOvr>
-    <a:masterClrMapping/>
-  </p:clrMapOvr>
-</p:sld>
-</file>
-
-<file path=ppt/slides/slide20.xml><?xml version="1.0" encoding="utf-8"?>
-<p:sld xmlns:a="http://schemas.openxmlformats.org/drawingml/2006/main" xmlns:r="http://schemas.openxmlformats.org/officeDocument/2006/relationships" xmlns:p="http://schemas.openxmlformats.org/presentationml/2006/main">
-  <p:cSld>
-    <p:spTree>
-      <p:nvGrpSpPr>
-        <p:cNvPr id="1" name=""/>
-        <p:cNvGrpSpPr/>
-        <p:nvPr/>
-      </p:nvGrpSpPr>
-      <p:grpSpPr>
-        <a:xfrm>
-          <a:off x="0" y="0"/>
-          <a:ext cx="0" cy="0"/>
-          <a:chOff x="0" y="0"/>
-          <a:chExt cx="0" cy="0"/>
-        </a:xfrm>
-      </p:grpSpPr>
-      <p:sp>
-        <p:nvSpPr>
-          <p:cNvPr id="2" name="Tytuł 1">
-            <a:extLst>
-              <a:ext uri="{FF2B5EF4-FFF2-40B4-BE49-F238E27FC236}">
-                <a16:creationId xmlns:a16="http://schemas.microsoft.com/office/drawing/2014/main" id="{32F114C4-5237-4EFD-BF4D-E7C9058A99A3}"/>
-              </a:ext>
-            </a:extLst>
-          </p:cNvPr>
-          <p:cNvSpPr>
-            <a:spLocks noGrp="1"/>
-          </p:cNvSpPr>
-          <p:nvPr>
-            <p:ph type="title"/>
-          </p:nvPr>
-        </p:nvSpPr>
-        <p:spPr/>
-        <p:txBody>
-          <a:bodyPr>
-            <a:normAutofit/>
-          </a:bodyPr>
-          <a:lstStyle/>
-          <a:p>
-            <a:pPr algn="ctr"/>
-            <a:r>
-              <a:rPr lang="pl-PL" sz="4400" dirty="0"/>
-              <a:t>Kiedy pisać testy jednostkowe</a:t>
-            </a:r>
-          </a:p>
-        </p:txBody>
-      </p:sp>
-      <p:sp>
-        <p:nvSpPr>
-          <p:cNvPr id="3" name="Symbol zastępczy zawartości 2">
-            <a:extLst>
-              <a:ext uri="{FF2B5EF4-FFF2-40B4-BE49-F238E27FC236}">
-                <a16:creationId xmlns:a16="http://schemas.microsoft.com/office/drawing/2014/main" id="{7E313087-0B09-4CF6-AA8E-E917DD2C5751}"/>
-              </a:ext>
-            </a:extLst>
-          </p:cNvPr>
-          <p:cNvSpPr>
-            <a:spLocks noGrp="1"/>
-          </p:cNvSpPr>
-          <p:nvPr>
-            <p:ph idx="1"/>
-          </p:nvPr>
-        </p:nvSpPr>
-        <p:spPr/>
-        <p:txBody>
-          <a:bodyPr/>
-          <a:lstStyle/>
-          <a:p>
-            <a:pPr marL="0" indent="0" algn="ctr">
-              <a:buNone/>
-            </a:pPr>
-            <a:endParaRPr lang="pl-PL" sz="3600" dirty="0"/>
-          </a:p>
-          <a:p>
-            <a:pPr marL="0" indent="0" algn="ctr">
-              <a:buNone/>
-            </a:pPr>
-            <a:r>
-              <a:rPr lang="pl-PL" sz="8800" dirty="0">
-                <a:solidFill>
-                  <a:schemeClr val="tx1"/>
-                </a:solidFill>
-              </a:rPr>
-              <a:t>zawsze!</a:t>
-            </a:r>
-          </a:p>
-          <a:p>
-            <a:endParaRPr lang="pl-PL" dirty="0"/>
-          </a:p>
-        </p:txBody>
-      </p:sp>
-    </p:spTree>
-    <p:extLst>
-      <p:ext uri="{BB962C8B-B14F-4D97-AF65-F5344CB8AC3E}">
-        <p14:creationId xmlns:p14="http://schemas.microsoft.com/office/powerpoint/2010/main" val="1431967116"/>
-      </p:ext>
-    </p:extLst>
-  </p:cSld>
-  <p:clrMapOvr>
-    <a:masterClrMapping/>
-  </p:clrMapOvr>
-</p:sld>
-</file>
-
-<file path=ppt/slides/slide21.xml><?xml version="1.0" encoding="utf-8"?>
-<p:sld xmlns:a="http://schemas.openxmlformats.org/drawingml/2006/main" xmlns:r="http://schemas.openxmlformats.org/officeDocument/2006/relationships" xmlns:p="http://schemas.openxmlformats.org/presentationml/2006/main">
-  <p:cSld>
-    <p:spTree>
-      <p:nvGrpSpPr>
-        <p:cNvPr id="1" name=""/>
-        <p:cNvGrpSpPr/>
-        <p:nvPr/>
-      </p:nvGrpSpPr>
-      <p:grpSpPr>
-        <a:xfrm>
-          <a:off x="0" y="0"/>
-          <a:ext cx="0" cy="0"/>
-          <a:chOff x="0" y="0"/>
-          <a:chExt cx="0" cy="0"/>
-        </a:xfrm>
-      </p:grpSpPr>
-      <p:sp>
-        <p:nvSpPr>
-          <p:cNvPr id="2" name="Tytuł 1">
-            <a:extLst>
-              <a:ext uri="{FF2B5EF4-FFF2-40B4-BE49-F238E27FC236}">
-                <a16:creationId xmlns:a16="http://schemas.microsoft.com/office/drawing/2014/main" id="{32F114C4-5237-4EFD-BF4D-E7C9058A99A3}"/>
-              </a:ext>
-            </a:extLst>
-          </p:cNvPr>
-          <p:cNvSpPr>
-            <a:spLocks noGrp="1"/>
-          </p:cNvSpPr>
-          <p:nvPr>
-            <p:ph type="title"/>
-          </p:nvPr>
-        </p:nvSpPr>
-        <p:spPr/>
-        <p:txBody>
-          <a:bodyPr>
-            <a:normAutofit/>
-          </a:bodyPr>
-          <a:lstStyle/>
-          <a:p>
-            <a:pPr algn="ctr"/>
-            <a:r>
-              <a:rPr lang="pl-PL" sz="4800" dirty="0"/>
-              <a:t>Kiedy pisać testy jednostkowe</a:t>
-            </a:r>
-          </a:p>
-        </p:txBody>
-      </p:sp>
-      <p:sp>
-        <p:nvSpPr>
-          <p:cNvPr id="3" name="Symbol zastępczy zawartości 2">
-            <a:extLst>
-              <a:ext uri="{FF2B5EF4-FFF2-40B4-BE49-F238E27FC236}">
-                <a16:creationId xmlns:a16="http://schemas.microsoft.com/office/drawing/2014/main" id="{7E313087-0B09-4CF6-AA8E-E917DD2C5751}"/>
-              </a:ext>
-            </a:extLst>
-          </p:cNvPr>
-          <p:cNvSpPr>
-            <a:spLocks noGrp="1"/>
-          </p:cNvSpPr>
-          <p:nvPr>
-            <p:ph idx="1"/>
-          </p:nvPr>
-        </p:nvSpPr>
-        <p:spPr/>
-        <p:txBody>
-          <a:bodyPr>
-            <a:normAutofit/>
-          </a:bodyPr>
-          <a:lstStyle/>
-          <a:p>
-            <a:r>
-              <a:rPr lang="pl-PL" sz="2800" dirty="0">
-                <a:solidFill>
-                  <a:schemeClr val="tx1"/>
-                </a:solidFill>
-              </a:rPr>
-              <a:t>Gdy dodajemy nową logikę do aplikacji</a:t>
-            </a:r>
-          </a:p>
-          <a:p>
-            <a:r>
-              <a:rPr lang="pl-PL" sz="2800" dirty="0">
-                <a:solidFill>
-                  <a:schemeClr val="tx1"/>
-                </a:solidFill>
-              </a:rPr>
-              <a:t>Podczas naprawy błędów</a:t>
-            </a:r>
-          </a:p>
-          <a:p>
-            <a:r>
-              <a:rPr lang="pl-PL" sz="2800" dirty="0">
-                <a:solidFill>
-                  <a:schemeClr val="tx1"/>
-                </a:solidFill>
-              </a:rPr>
-              <a:t>Przed </a:t>
-            </a:r>
-            <a:r>
-              <a:rPr lang="pl-PL" sz="2800" dirty="0" err="1">
-                <a:solidFill>
-                  <a:schemeClr val="tx1"/>
-                </a:solidFill>
-              </a:rPr>
-              <a:t>refactoringiem</a:t>
-            </a:r>
-            <a:endParaRPr lang="pl-PL" sz="2800" dirty="0">
-              <a:solidFill>
-                <a:schemeClr val="tx1"/>
-              </a:solidFill>
-            </a:endParaRPr>
-          </a:p>
-        </p:txBody>
-      </p:sp>
-    </p:spTree>
-    <p:extLst>
-      <p:ext uri="{BB962C8B-B14F-4D97-AF65-F5344CB8AC3E}">
-        <p14:creationId xmlns:p14="http://schemas.microsoft.com/office/powerpoint/2010/main" val="1660256164"/>
-      </p:ext>
-    </p:extLst>
-  </p:cSld>
-  <p:clrMapOvr>
-    <a:masterClrMapping/>
-  </p:clrMapOvr>
-</p:sld>
-</file>
-
-<file path=ppt/slides/slide3.xml><?xml version="1.0" encoding="utf-8"?>
-<p:sld xmlns:a="http://schemas.openxmlformats.org/drawingml/2006/main" xmlns:r="http://schemas.openxmlformats.org/officeDocument/2006/relationships" xmlns:p="http://schemas.openxmlformats.org/presentationml/2006/main">
-  <p:cSld>
-    <p:spTree>
-      <p:nvGrpSpPr>
-        <p:cNvPr id="1" name=""/>
-        <p:cNvGrpSpPr/>
-        <p:nvPr/>
-      </p:nvGrpSpPr>
-      <p:grpSpPr>
-        <a:xfrm>
-          <a:off x="0" y="0"/>
-          <a:ext cx="0" cy="0"/>
-          <a:chOff x="0" y="0"/>
-          <a:chExt cx="0" cy="0"/>
-        </a:xfrm>
-      </p:grpSpPr>
-      <p:sp>
-        <p:nvSpPr>
-          <p:cNvPr id="2" name="Tytuł 1">
-            <a:extLst>
-              <a:ext uri="{FF2B5EF4-FFF2-40B4-BE49-F238E27FC236}">
-                <a16:creationId xmlns:a16="http://schemas.microsoft.com/office/drawing/2014/main" id="{F3144CAC-B7A7-4FBC-91A7-686E1460329E}"/>
-              </a:ext>
-            </a:extLst>
-          </p:cNvPr>
-          <p:cNvSpPr>
-            <a:spLocks noGrp="1"/>
-          </p:cNvSpPr>
-          <p:nvPr>
-            <p:ph type="title"/>
-          </p:nvPr>
-        </p:nvSpPr>
-        <p:spPr/>
-        <p:txBody>
-          <a:bodyPr>
-            <a:normAutofit/>
-          </a:bodyPr>
-          <a:lstStyle/>
-          <a:p>
-            <a:pPr algn="ctr"/>
-            <a:r>
-              <a:rPr lang="pl-PL" sz="4400" dirty="0"/>
-              <a:t>CZYM SĄ Testy JEDNOSTKOWE?</a:t>
-            </a:r>
-          </a:p>
-        </p:txBody>
-      </p:sp>
-      <p:sp>
-        <p:nvSpPr>
-          <p:cNvPr id="3" name="Symbol zastępczy zawartości 2">
-            <a:extLst>
-              <a:ext uri="{FF2B5EF4-FFF2-40B4-BE49-F238E27FC236}">
-                <a16:creationId xmlns:a16="http://schemas.microsoft.com/office/drawing/2014/main" id="{B0338307-19BA-4D13-987C-9E4D3669AA0C}"/>
-              </a:ext>
-            </a:extLst>
-          </p:cNvPr>
-          <p:cNvSpPr>
-            <a:spLocks noGrp="1"/>
-          </p:cNvSpPr>
-          <p:nvPr>
-            <p:ph idx="1"/>
-          </p:nvPr>
-        </p:nvSpPr>
-        <p:spPr/>
-        <p:txBody>
-          <a:bodyPr>
-            <a:normAutofit/>
-          </a:bodyPr>
-          <a:lstStyle/>
-          <a:p>
-            <a:r>
-              <a:rPr lang="pl-PL" sz="3200" dirty="0">
-                <a:solidFill>
-                  <a:schemeClr val="tx1"/>
-                </a:solidFill>
-              </a:rPr>
-              <a:t>Kod, który wykonuje fragmenty aplikacji</a:t>
-            </a:r>
-          </a:p>
-          <a:p>
-            <a:r>
-              <a:rPr lang="pl-PL" sz="3200" dirty="0">
-                <a:solidFill>
-                  <a:schemeClr val="tx1"/>
-                </a:solidFill>
-              </a:rPr>
-              <a:t>Dostarczamy dane wejściowe </a:t>
-            </a:r>
-          </a:p>
-          <a:p>
-            <a:r>
-              <a:rPr lang="pl-PL" sz="3200" dirty="0">
-                <a:solidFill>
-                  <a:schemeClr val="tx1"/>
-                </a:solidFill>
-              </a:rPr>
-              <a:t>Wykonujemy instrukcje</a:t>
-            </a:r>
-          </a:p>
-          <a:p>
-            <a:r>
-              <a:rPr lang="pl-PL" sz="3200" dirty="0">
-                <a:solidFill>
-                  <a:schemeClr val="tx1"/>
-                </a:solidFill>
-              </a:rPr>
-              <a:t>Sprawdzamy czy rezultat jest równy oczekiwanej wartości</a:t>
-            </a:r>
-          </a:p>
-        </p:txBody>
-      </p:sp>
-    </p:spTree>
-    <p:extLst>
-      <p:ext uri="{BB962C8B-B14F-4D97-AF65-F5344CB8AC3E}">
-        <p14:creationId xmlns:p14="http://schemas.microsoft.com/office/powerpoint/2010/main" val="3775749762"/>
-      </p:ext>
-    </p:extLst>
-  </p:cSld>
-  <p:clrMapOvr>
-    <a:masterClrMapping/>
-  </p:clrMapOvr>
-</p:sld>
-</file>
-
-<file path=ppt/slides/slide4.xml><?xml version="1.0" encoding="utf-8"?>
-<p:sld xmlns:a="http://schemas.openxmlformats.org/drawingml/2006/main" xmlns:r="http://schemas.openxmlformats.org/officeDocument/2006/relationships" xmlns:p="http://schemas.openxmlformats.org/presentationml/2006/main">
-  <p:cSld>
-    <p:spTree>
-      <p:nvGrpSpPr>
-        <p:cNvPr id="1" name=""/>
-        <p:cNvGrpSpPr/>
-        <p:nvPr/>
-      </p:nvGrpSpPr>
-      <p:grpSpPr>
-        <a:xfrm>
-          <a:off x="0" y="0"/>
-          <a:ext cx="0" cy="0"/>
-          <a:chOff x="0" y="0"/>
-          <a:chExt cx="0" cy="0"/>
-        </a:xfrm>
-      </p:grpSpPr>
-      <p:sp>
-        <p:nvSpPr>
-          <p:cNvPr id="2" name="Tytuł 1">
-            <a:extLst>
-              <a:ext uri="{FF2B5EF4-FFF2-40B4-BE49-F238E27FC236}">
-                <a16:creationId xmlns:a16="http://schemas.microsoft.com/office/drawing/2014/main" id="{E77A7358-7BAC-45BD-8C7B-10DA851C3292}"/>
-              </a:ext>
-            </a:extLst>
-          </p:cNvPr>
-          <p:cNvSpPr>
-            <a:spLocks noGrp="1"/>
-          </p:cNvSpPr>
-          <p:nvPr>
-            <p:ph type="title"/>
-          </p:nvPr>
-        </p:nvSpPr>
-        <p:spPr/>
-        <p:txBody>
-          <a:bodyPr>
-            <a:normAutofit/>
-          </a:bodyPr>
-          <a:lstStyle/>
-          <a:p>
-            <a:r>
-              <a:rPr lang="pl-PL" sz="4400" dirty="0"/>
-              <a:t>PO CO STOSOWAĆ TESTY JEDNOSTKOWE?</a:t>
-            </a:r>
-          </a:p>
-        </p:txBody>
-      </p:sp>
-      <p:sp>
-        <p:nvSpPr>
-          <p:cNvPr id="3" name="Symbol zastępczy zawartości 2">
-            <a:extLst>
-              <a:ext uri="{FF2B5EF4-FFF2-40B4-BE49-F238E27FC236}">
-                <a16:creationId xmlns:a16="http://schemas.microsoft.com/office/drawing/2014/main" id="{B55EC79D-E274-459C-BC7C-2643113CE27A}"/>
-              </a:ext>
-            </a:extLst>
-          </p:cNvPr>
-          <p:cNvSpPr>
-            <a:spLocks noGrp="1"/>
-          </p:cNvSpPr>
-          <p:nvPr>
-            <p:ph idx="1"/>
-          </p:nvPr>
-        </p:nvSpPr>
-        <p:spPr/>
-        <p:txBody>
-          <a:bodyPr>
-            <a:normAutofit/>
-          </a:bodyPr>
-          <a:lstStyle/>
-          <a:p>
-            <a:r>
-              <a:rPr lang="pl-PL" sz="3600" dirty="0">
-                <a:solidFill>
-                  <a:schemeClr val="tx1"/>
-                </a:solidFill>
-              </a:rPr>
-              <a:t>Szybkie sprawdzenie działania naszego kodu</a:t>
-            </a:r>
-          </a:p>
-          <a:p>
-            <a:r>
-              <a:rPr lang="pl-PL" sz="3600" dirty="0">
-                <a:solidFill>
-                  <a:schemeClr val="tx1"/>
-                </a:solidFill>
-              </a:rPr>
-              <a:t>Stoją na straży testowanej funkcjonalności</a:t>
-            </a:r>
-          </a:p>
-          <a:p>
-            <a:r>
-              <a:rPr lang="pl-PL" sz="3600" dirty="0">
-                <a:solidFill>
-                  <a:schemeClr val="tx1"/>
-                </a:solidFill>
-              </a:rPr>
-              <a:t>Oszczędzamy czas			pieniądze</a:t>
-            </a:r>
-          </a:p>
-        </p:txBody>
-      </p:sp>
-      <p:sp>
-        <p:nvSpPr>
-          <p:cNvPr id="4" name="Strzałka: w prawo 3">
-            <a:extLst>
-              <a:ext uri="{FF2B5EF4-FFF2-40B4-BE49-F238E27FC236}">
-                <a16:creationId xmlns:a16="http://schemas.microsoft.com/office/drawing/2014/main" id="{DCC9EE3F-F902-4E04-B4B2-DB68614680E4}"/>
-              </a:ext>
-            </a:extLst>
-          </p:cNvPr>
-          <p:cNvSpPr/>
-          <p:nvPr/>
-        </p:nvSpPr>
-        <p:spPr>
-          <a:xfrm>
-            <a:off x="4554415" y="4642339"/>
-            <a:ext cx="931985" cy="298938"/>
-          </a:xfrm>
-          <a:prstGeom prst="rightArrow">
-            <a:avLst/>
-          </a:prstGeom>
-        </p:spPr>
-        <p:style>
-          <a:lnRef idx="2">
-            <a:schemeClr val="accent1">
-              <a:shade val="50000"/>
-            </a:schemeClr>
-          </a:lnRef>
-          <a:fillRef idx="1">
-            <a:schemeClr val="accent1"/>
-          </a:fillRef>
-          <a:effectRef idx="0">
-            <a:schemeClr val="accent1"/>
-          </a:effectRef>
-          <a:fontRef idx="minor">
-            <a:schemeClr val="lt1"/>
-          </a:fontRef>
-        </p:style>
-        <p:txBody>
-          <a:bodyPr rtlCol="0" anchor="ctr"/>
-          <a:lstStyle/>
-          <a:p>
-            <a:pPr algn="ctr"/>
-            <a:endParaRPr lang="pl-PL"/>
-          </a:p>
-        </p:txBody>
-      </p:sp>
-    </p:spTree>
-    <p:extLst>
-      <p:ext uri="{BB962C8B-B14F-4D97-AF65-F5344CB8AC3E}">
-        <p14:creationId xmlns:p14="http://schemas.microsoft.com/office/powerpoint/2010/main" val="4106534101"/>
-      </p:ext>
-    </p:extLst>
-  </p:cSld>
-  <p:clrMapOvr>
-    <a:masterClrMapping/>
-  </p:clrMapOvr>
-</p:sld>
-</file>
-
-<file path=ppt/slides/slide5.xml><?xml version="1.0" encoding="utf-8"?>
-<p:sld xmlns:a="http://schemas.openxmlformats.org/drawingml/2006/main" xmlns:r="http://schemas.openxmlformats.org/officeDocument/2006/relationships" xmlns:p="http://schemas.openxmlformats.org/presentationml/2006/main">
-  <p:cSld>
-    <p:spTree>
-      <p:nvGrpSpPr>
-        <p:cNvPr id="1" name=""/>
-        <p:cNvGrpSpPr/>
-        <p:nvPr/>
-      </p:nvGrpSpPr>
-      <p:grpSpPr>
-        <a:xfrm>
-          <a:off x="0" y="0"/>
-          <a:ext cx="0" cy="0"/>
-          <a:chOff x="0" y="0"/>
-          <a:chExt cx="0" cy="0"/>
-        </a:xfrm>
-      </p:grpSpPr>
-      <p:sp>
-        <p:nvSpPr>
-          <p:cNvPr id="2" name="Tytuł 1">
-            <a:extLst>
-              <a:ext uri="{FF2B5EF4-FFF2-40B4-BE49-F238E27FC236}">
-                <a16:creationId xmlns:a16="http://schemas.microsoft.com/office/drawing/2014/main" id="{970CB31F-FEF9-4639-AC4D-5CA4E95DFA84}"/>
-              </a:ext>
-            </a:extLst>
-          </p:cNvPr>
-          <p:cNvSpPr>
-            <a:spLocks noGrp="1"/>
-          </p:cNvSpPr>
-          <p:nvPr>
-            <p:ph type="title"/>
-          </p:nvPr>
-        </p:nvSpPr>
-        <p:spPr/>
-        <p:txBody>
-          <a:bodyPr>
-            <a:normAutofit/>
-          </a:bodyPr>
-          <a:lstStyle/>
-          <a:p>
-            <a:pPr algn="ctr"/>
-            <a:r>
-              <a:rPr lang="pl-PL" sz="4400" dirty="0"/>
-              <a:t>Dobre praktyki</a:t>
-            </a:r>
-          </a:p>
-        </p:txBody>
-      </p:sp>
-      <p:sp>
-        <p:nvSpPr>
-          <p:cNvPr id="3" name="Symbol zastępczy zawartości 2">
-            <a:extLst>
-              <a:ext uri="{FF2B5EF4-FFF2-40B4-BE49-F238E27FC236}">
-                <a16:creationId xmlns:a16="http://schemas.microsoft.com/office/drawing/2014/main" id="{2A888229-506E-4FFF-B857-515AC31E5DD0}"/>
-              </a:ext>
-            </a:extLst>
-          </p:cNvPr>
-          <p:cNvSpPr>
-            <a:spLocks noGrp="1"/>
-          </p:cNvSpPr>
-          <p:nvPr>
-            <p:ph idx="1"/>
-          </p:nvPr>
-        </p:nvSpPr>
-        <p:spPr/>
-        <p:txBody>
-          <a:bodyPr/>
-          <a:lstStyle/>
-          <a:p>
-            <a:r>
-              <a:rPr lang="pl-PL" sz="3200" dirty="0">
-                <a:solidFill>
-                  <a:schemeClr val="tx1"/>
-                </a:solidFill>
-              </a:rPr>
-              <a:t>Nazewnictwo</a:t>
-            </a:r>
-          </a:p>
-          <a:p>
-            <a:r>
-              <a:rPr lang="pl-PL" sz="3200" dirty="0">
-                <a:solidFill>
-                  <a:schemeClr val="tx1"/>
-                </a:solidFill>
-              </a:rPr>
-              <a:t>Podział </a:t>
-            </a:r>
-            <a:r>
-              <a:rPr lang="pl-PL" sz="3200">
-                <a:solidFill>
-                  <a:schemeClr val="tx1"/>
-                </a:solidFill>
-              </a:rPr>
-              <a:t>na obiekty</a:t>
-            </a:r>
-            <a:endParaRPr lang="pl-PL" sz="3200" dirty="0">
-              <a:solidFill>
-                <a:schemeClr val="tx1"/>
-              </a:solidFill>
-            </a:endParaRPr>
-          </a:p>
-          <a:p>
-            <a:r>
-              <a:rPr lang="pl-PL" sz="3200" dirty="0">
-                <a:solidFill>
-                  <a:schemeClr val="tx1"/>
-                </a:solidFill>
-              </a:rPr>
-              <a:t>AAA/GWT</a:t>
-            </a:r>
-          </a:p>
-          <a:p>
-            <a:endParaRPr lang="pl-PL" dirty="0">
-              <a:solidFill>
-                <a:schemeClr val="tx1"/>
-              </a:solidFill>
-            </a:endParaRPr>
-          </a:p>
-          <a:p>
-            <a:endParaRPr lang="pl-PL" dirty="0">
-              <a:solidFill>
-                <a:schemeClr val="tx1"/>
-              </a:solidFill>
-            </a:endParaRPr>
-          </a:p>
-        </p:txBody>
-      </p:sp>
-    </p:spTree>
-    <p:extLst>
-      <p:ext uri="{BB962C8B-B14F-4D97-AF65-F5344CB8AC3E}">
-        <p14:creationId xmlns:p14="http://schemas.microsoft.com/office/powerpoint/2010/main" val="2377181720"/>
-      </p:ext>
-    </p:extLst>
-  </p:cSld>
-  <p:clrMapOvr>
-    <a:masterClrMapping/>
-  </p:clrMapOvr>
-</p:sld>
-</file>
-
-<file path=ppt/slides/slide6.xml><?xml version="1.0" encoding="utf-8"?>
-<p:sld xmlns:a="http://schemas.openxmlformats.org/drawingml/2006/main" xmlns:r="http://schemas.openxmlformats.org/officeDocument/2006/relationships" xmlns:p="http://schemas.openxmlformats.org/presentationml/2006/main">
-  <p:cSld>
-    <p:spTree>
-      <p:nvGrpSpPr>
-        <p:cNvPr id="1" name=""/>
-        <p:cNvGrpSpPr/>
-        <p:nvPr/>
-      </p:nvGrpSpPr>
-      <p:grpSpPr>
-        <a:xfrm>
-          <a:off x="0" y="0"/>
-          <a:ext cx="0" cy="0"/>
-          <a:chOff x="0" y="0"/>
-          <a:chExt cx="0" cy="0"/>
-        </a:xfrm>
-      </p:grpSpPr>
-      <p:sp>
-        <p:nvSpPr>
-          <p:cNvPr id="2" name="Tytuł 1">
-            <a:extLst>
-              <a:ext uri="{FF2B5EF4-FFF2-40B4-BE49-F238E27FC236}">
-                <a16:creationId xmlns:a16="http://schemas.microsoft.com/office/drawing/2014/main" id="{D34EEC07-67A6-462E-AB32-8D4D7C18EE50}"/>
-              </a:ext>
-            </a:extLst>
-          </p:cNvPr>
-          <p:cNvSpPr>
-            <a:spLocks noGrp="1"/>
-          </p:cNvSpPr>
-          <p:nvPr>
-            <p:ph type="title"/>
-          </p:nvPr>
-        </p:nvSpPr>
-        <p:spPr/>
-        <p:txBody>
-          <a:bodyPr/>
-          <a:lstStyle/>
-          <a:p>
-            <a:pPr algn="ctr"/>
-            <a:r>
-              <a:rPr lang="pl-PL" dirty="0"/>
-              <a:t>AAA/GWT</a:t>
-            </a:r>
-          </a:p>
-        </p:txBody>
-      </p:sp>
-      <p:sp>
-        <p:nvSpPr>
-          <p:cNvPr id="3" name="Symbol zastępczy zawartości 2">
-            <a:extLst>
-              <a:ext uri="{FF2B5EF4-FFF2-40B4-BE49-F238E27FC236}">
-                <a16:creationId xmlns:a16="http://schemas.microsoft.com/office/drawing/2014/main" id="{FE21FA29-87A5-4248-8579-0429EAE4E5D0}"/>
-              </a:ext>
-            </a:extLst>
-          </p:cNvPr>
-          <p:cNvSpPr>
-            <a:spLocks noGrp="1"/>
-          </p:cNvSpPr>
-          <p:nvPr>
-            <p:ph idx="1"/>
-          </p:nvPr>
-        </p:nvSpPr>
-        <p:spPr/>
-        <p:txBody>
-          <a:bodyPr anchor="t"/>
-          <a:lstStyle/>
-          <a:p>
-            <a:r>
-              <a:rPr lang="pl-PL" dirty="0"/>
-              <a:t>AAA</a:t>
-            </a:r>
-          </a:p>
-          <a:p>
-            <a:pPr lvl="1"/>
-            <a:r>
-              <a:rPr lang="pl-PL" dirty="0" err="1"/>
-              <a:t>Arrange</a:t>
-            </a:r>
-            <a:r>
-              <a:rPr lang="pl-PL" dirty="0"/>
-              <a:t>, </a:t>
-            </a:r>
-          </a:p>
-          <a:p>
-            <a:pPr lvl="1"/>
-            <a:r>
-              <a:rPr lang="pl-PL" dirty="0" err="1"/>
-              <a:t>Act</a:t>
-            </a:r>
-            <a:r>
-              <a:rPr lang="pl-PL" dirty="0"/>
-              <a:t>, </a:t>
-            </a:r>
-          </a:p>
-          <a:p>
-            <a:pPr lvl="1"/>
-            <a:r>
-              <a:rPr lang="pl-PL" dirty="0" err="1"/>
-              <a:t>Assert</a:t>
-            </a:r>
-            <a:endParaRPr lang="pl-PL" dirty="0"/>
-          </a:p>
-          <a:p>
-            <a:r>
-              <a:rPr lang="pl-PL" dirty="0"/>
-              <a:t>GWT </a:t>
-            </a:r>
-          </a:p>
-          <a:p>
-            <a:pPr lvl="1"/>
-            <a:r>
-              <a:rPr lang="pl-PL" dirty="0" err="1"/>
-              <a:t>Given</a:t>
-            </a:r>
-            <a:r>
-              <a:rPr lang="pl-PL" dirty="0"/>
-              <a:t> </a:t>
-            </a:r>
-          </a:p>
-          <a:p>
-            <a:pPr lvl="1"/>
-            <a:r>
-              <a:rPr lang="pl-PL" dirty="0" err="1"/>
-              <a:t>When</a:t>
-            </a:r>
-            <a:r>
-              <a:rPr lang="pl-PL" dirty="0"/>
-              <a:t> </a:t>
-            </a:r>
-          </a:p>
-          <a:p>
-            <a:pPr lvl="1"/>
-            <a:r>
-              <a:rPr lang="pl-PL" dirty="0"/>
-              <a:t>Then</a:t>
-            </a:r>
-          </a:p>
-        </p:txBody>
-      </p:sp>
-    </p:spTree>
-    <p:extLst>
-      <p:ext uri="{BB962C8B-B14F-4D97-AF65-F5344CB8AC3E}">
-        <p14:creationId xmlns:p14="http://schemas.microsoft.com/office/powerpoint/2010/main" val="724341989"/>
-      </p:ext>
-    </p:extLst>
-  </p:cSld>
-  <p:clrMapOvr>
-    <a:masterClrMapping/>
-  </p:clrMapOvr>
-</p:sld>
-</file>
-
-<file path=ppt/slides/slide7.xml><?xml version="1.0" encoding="utf-8"?>
-<p:sld xmlns:a="http://schemas.openxmlformats.org/drawingml/2006/main" xmlns:r="http://schemas.openxmlformats.org/officeDocument/2006/relationships" xmlns:p="http://schemas.openxmlformats.org/presentationml/2006/main">
-  <p:cSld>
-    <p:spTree>
-      <p:nvGrpSpPr>
-        <p:cNvPr id="1" name=""/>
-        <p:cNvGrpSpPr/>
-        <p:nvPr/>
-      </p:nvGrpSpPr>
-      <p:grpSpPr>
-        <a:xfrm>
-          <a:off x="0" y="0"/>
-          <a:ext cx="0" cy="0"/>
-          <a:chOff x="0" y="0"/>
-          <a:chExt cx="0" cy="0"/>
-        </a:xfrm>
-      </p:grpSpPr>
-      <p:sp>
-        <p:nvSpPr>
-          <p:cNvPr id="2" name="Tytuł 1">
-            <a:extLst>
-              <a:ext uri="{FF2B5EF4-FFF2-40B4-BE49-F238E27FC236}">
-                <a16:creationId xmlns:a16="http://schemas.microsoft.com/office/drawing/2014/main" id="{6907A675-BBFF-49F5-A87B-33713128512C}"/>
-              </a:ext>
-            </a:extLst>
-          </p:cNvPr>
-          <p:cNvSpPr>
-            <a:spLocks noGrp="1"/>
-          </p:cNvSpPr>
-          <p:nvPr>
-            <p:ph type="title"/>
-          </p:nvPr>
-        </p:nvSpPr>
-        <p:spPr/>
-        <p:txBody>
-          <a:bodyPr/>
-          <a:lstStyle/>
-          <a:p>
-            <a:pPr algn="ctr"/>
-            <a:r>
-              <a:rPr lang="pl-PL" dirty="0"/>
-              <a:t>Nazewnictwo</a:t>
-            </a:r>
-          </a:p>
-        </p:txBody>
-      </p:sp>
-      <p:sp>
-        <p:nvSpPr>
-          <p:cNvPr id="3" name="Symbol zastępczy zawartości 2">
-            <a:extLst>
-              <a:ext uri="{FF2B5EF4-FFF2-40B4-BE49-F238E27FC236}">
-                <a16:creationId xmlns:a16="http://schemas.microsoft.com/office/drawing/2014/main" id="{B4308AD1-49F1-4A96-8281-9F1DB2654796}"/>
-              </a:ext>
-            </a:extLst>
-          </p:cNvPr>
-          <p:cNvSpPr>
-            <a:spLocks noGrp="1"/>
-          </p:cNvSpPr>
-          <p:nvPr>
-            <p:ph idx="1"/>
-          </p:nvPr>
-        </p:nvSpPr>
-        <p:spPr/>
-        <p:txBody>
-          <a:bodyPr anchor="t"/>
-          <a:lstStyle/>
-          <a:p>
-            <a:r>
-              <a:rPr lang="pl-PL" strike="sngStrike" dirty="0"/>
-              <a:t>Test1()</a:t>
-            </a:r>
-          </a:p>
-          <a:p>
-            <a:r>
-              <a:rPr lang="pl-PL" strike="sngStrike" dirty="0"/>
-              <a:t>Test2()</a:t>
-            </a:r>
-          </a:p>
-          <a:p>
-            <a:r>
-              <a:rPr lang="pl-PL" strike="sngStrike" dirty="0" err="1"/>
-              <a:t>TestDodawaniaFaktury</a:t>
-            </a:r>
-            <a:endParaRPr lang="pl-PL" strike="sngStrike" dirty="0"/>
-          </a:p>
-          <a:p>
-            <a:endParaRPr lang="pl-PL" dirty="0"/>
-          </a:p>
-        </p:txBody>
-      </p:sp>
-    </p:spTree>
-    <p:extLst>
-      <p:ext uri="{BB962C8B-B14F-4D97-AF65-F5344CB8AC3E}">
-        <p14:creationId xmlns:p14="http://schemas.microsoft.com/office/powerpoint/2010/main" val="855337638"/>
-      </p:ext>
-    </p:extLst>
-  </p:cSld>
-  <p:clrMapOvr>
-    <a:masterClrMapping/>
-  </p:clrMapOvr>
-</p:sld>
-</file>
-
-<file path=ppt/slides/slide8.xml><?xml version="1.0" encoding="utf-8"?>
-<p:sld xmlns:a="http://schemas.openxmlformats.org/drawingml/2006/main" xmlns:r="http://schemas.openxmlformats.org/officeDocument/2006/relationships" xmlns:p="http://schemas.openxmlformats.org/presentationml/2006/main">
-  <p:cSld>
-    <p:spTree>
-      <p:nvGrpSpPr>
-        <p:cNvPr id="1" name=""/>
-        <p:cNvGrpSpPr/>
-        <p:nvPr/>
-      </p:nvGrpSpPr>
-      <p:grpSpPr>
-        <a:xfrm>
-          <a:off x="0" y="0"/>
-          <a:ext cx="0" cy="0"/>
-          <a:chOff x="0" y="0"/>
-          <a:chExt cx="0" cy="0"/>
-        </a:xfrm>
-      </p:grpSpPr>
-      <p:sp>
-        <p:nvSpPr>
-          <p:cNvPr id="2" name="Tytuł 1">
-            <a:extLst>
-              <a:ext uri="{FF2B5EF4-FFF2-40B4-BE49-F238E27FC236}">
-                <a16:creationId xmlns:a16="http://schemas.microsoft.com/office/drawing/2014/main" id="{280506CA-C1C9-4D15-847D-6E20886C902E}"/>
-              </a:ext>
-            </a:extLst>
-          </p:cNvPr>
-          <p:cNvSpPr>
-            <a:spLocks noGrp="1"/>
-          </p:cNvSpPr>
-          <p:nvPr>
-            <p:ph type="title"/>
-          </p:nvPr>
-        </p:nvSpPr>
-        <p:spPr/>
-        <p:txBody>
-          <a:bodyPr/>
-          <a:lstStyle/>
-          <a:p>
-            <a:pPr algn="ctr"/>
-            <a:r>
-              <a:rPr lang="pl-PL" dirty="0"/>
-              <a:t>Nazewnictwo</a:t>
-            </a:r>
-          </a:p>
-        </p:txBody>
-      </p:sp>
-      <p:sp>
-        <p:nvSpPr>
-          <p:cNvPr id="3" name="Symbol zastępczy zawartości 2">
-            <a:extLst>
-              <a:ext uri="{FF2B5EF4-FFF2-40B4-BE49-F238E27FC236}">
-                <a16:creationId xmlns:a16="http://schemas.microsoft.com/office/drawing/2014/main" id="{20B3FF83-FC9A-41B1-9C62-C7DF22465989}"/>
-              </a:ext>
-            </a:extLst>
-          </p:cNvPr>
-          <p:cNvSpPr>
-            <a:spLocks noGrp="1"/>
-          </p:cNvSpPr>
-          <p:nvPr>
-            <p:ph idx="1"/>
-          </p:nvPr>
-        </p:nvSpPr>
-        <p:spPr/>
-        <p:txBody>
-          <a:bodyPr anchor="t">
-            <a:normAutofit fontScale="47500" lnSpcReduction="20000"/>
-          </a:bodyPr>
-          <a:lstStyle/>
-          <a:p>
-            <a:r>
-              <a:rPr lang="pl-PL" sz="2900" dirty="0"/>
-              <a:t>musi nieść informację</a:t>
-            </a:r>
-          </a:p>
-          <a:p>
-            <a:endParaRPr lang="pl-PL" dirty="0"/>
-          </a:p>
-          <a:p>
-            <a:pPr marL="0" indent="0">
-              <a:lnSpc>
-                <a:spcPct val="120000"/>
-              </a:lnSpc>
-              <a:buNone/>
-            </a:pPr>
-            <a:r>
-              <a:rPr lang="pl-PL" dirty="0"/>
-              <a:t> [</a:t>
-            </a:r>
-            <a:r>
-              <a:rPr lang="pl-PL" dirty="0" err="1"/>
-              <a:t>TestFixture</a:t>
-            </a:r>
-            <a:r>
-              <a:rPr lang="pl-PL" dirty="0"/>
-              <a:t>]</a:t>
-            </a:r>
-          </a:p>
-          <a:p>
-            <a:pPr marL="0" indent="0">
-              <a:lnSpc>
-                <a:spcPct val="120000"/>
-              </a:lnSpc>
-              <a:buNone/>
-            </a:pPr>
-            <a:r>
-              <a:rPr lang="pl-PL" dirty="0"/>
-              <a:t>  public </a:t>
-            </a:r>
-            <a:r>
-              <a:rPr lang="pl-PL" dirty="0" err="1"/>
-              <a:t>class</a:t>
-            </a:r>
-            <a:r>
-              <a:rPr lang="pl-PL" dirty="0"/>
-              <a:t> </a:t>
-            </a:r>
-            <a:r>
-              <a:rPr lang="pl-PL" dirty="0" err="1"/>
-              <a:t>SuccessfulInvoiceAddTests</a:t>
-            </a:r>
-            <a:endParaRPr lang="pl-PL" dirty="0"/>
-          </a:p>
-          <a:p>
-            <a:pPr marL="0" indent="0">
-              <a:lnSpc>
-                <a:spcPct val="120000"/>
-              </a:lnSpc>
-              <a:buNone/>
-            </a:pPr>
-            <a:r>
-              <a:rPr lang="pl-PL" dirty="0"/>
-              <a:t>  {</a:t>
-            </a:r>
-          </a:p>
-          <a:p>
-            <a:pPr marL="0" indent="0">
-              <a:lnSpc>
-                <a:spcPct val="120000"/>
-              </a:lnSpc>
-              <a:buNone/>
-            </a:pPr>
-            <a:r>
-              <a:rPr lang="pl-PL" dirty="0"/>
-              <a:t>    [Test]</a:t>
-            </a:r>
-          </a:p>
-          <a:p>
-            <a:pPr marL="0" indent="0">
-              <a:lnSpc>
-                <a:spcPct val="120000"/>
-              </a:lnSpc>
-              <a:buNone/>
-            </a:pPr>
-            <a:r>
-              <a:rPr lang="pl-PL" dirty="0"/>
-              <a:t>    public </a:t>
-            </a:r>
-            <a:r>
-              <a:rPr lang="pl-PL" dirty="0" err="1"/>
-              <a:t>void</a:t>
-            </a:r>
-            <a:r>
-              <a:rPr lang="pl-PL" dirty="0"/>
-              <a:t> </a:t>
-            </a:r>
-            <a:r>
-              <a:rPr lang="pl-PL" dirty="0" err="1"/>
-              <a:t>ShouldAddInvoice</a:t>
-            </a:r>
-            <a:r>
-              <a:rPr lang="pl-PL" dirty="0"/>
-              <a:t>()</a:t>
-            </a:r>
-          </a:p>
-          <a:p>
-            <a:pPr marL="0" indent="0">
-              <a:lnSpc>
-                <a:spcPct val="120000"/>
-              </a:lnSpc>
-              <a:buNone/>
-            </a:pPr>
-            <a:r>
-              <a:rPr lang="pl-PL" dirty="0"/>
-              <a:t>    {</a:t>
-            </a:r>
-          </a:p>
-          <a:p>
-            <a:pPr marL="0" indent="0">
-              <a:lnSpc>
-                <a:spcPct val="120000"/>
-              </a:lnSpc>
-              <a:buNone/>
-            </a:pPr>
-            <a:r>
-              <a:rPr lang="pl-PL" dirty="0"/>
-              <a:t>    }</a:t>
-            </a:r>
-          </a:p>
-          <a:p>
-            <a:pPr marL="0" indent="0">
-              <a:lnSpc>
-                <a:spcPct val="120000"/>
-              </a:lnSpc>
-              <a:buNone/>
-            </a:pPr>
-            <a:endParaRPr lang="pl-PL" dirty="0"/>
-          </a:p>
-          <a:p>
-            <a:pPr marL="0" indent="0">
-              <a:lnSpc>
-                <a:spcPct val="120000"/>
-              </a:lnSpc>
-              <a:buNone/>
-            </a:pPr>
-            <a:r>
-              <a:rPr lang="pl-PL" dirty="0"/>
-              <a:t>    </a:t>
-            </a:r>
-            <a:r>
-              <a:rPr lang="en-US" dirty="0"/>
-              <a:t>[Test]</a:t>
-            </a:r>
-          </a:p>
-          <a:p>
-            <a:pPr marL="0" indent="0">
-              <a:lnSpc>
-                <a:spcPct val="120000"/>
-              </a:lnSpc>
-              <a:buNone/>
-            </a:pPr>
-            <a:r>
-              <a:rPr lang="en-US" dirty="0"/>
-              <a:t>    public void </a:t>
-            </a:r>
-            <a:r>
-              <a:rPr lang="en-US" dirty="0" err="1"/>
-              <a:t>AddInvoice_CorrectInvoice_ShouldAdd</a:t>
-            </a:r>
-            <a:r>
-              <a:rPr lang="en-US" dirty="0"/>
-              <a:t>()</a:t>
-            </a:r>
-          </a:p>
-          <a:p>
-            <a:pPr marL="0" indent="0">
-              <a:lnSpc>
-                <a:spcPct val="120000"/>
-              </a:lnSpc>
-              <a:buNone/>
-            </a:pPr>
-            <a:r>
-              <a:rPr lang="en-US" dirty="0"/>
-              <a:t>    {      </a:t>
-            </a:r>
-          </a:p>
-          <a:p>
-            <a:pPr marL="0" indent="0">
-              <a:lnSpc>
-                <a:spcPct val="120000"/>
-              </a:lnSpc>
-              <a:buNone/>
-            </a:pPr>
-            <a:r>
-              <a:rPr lang="en-US" dirty="0"/>
-              <a:t>    }</a:t>
-            </a:r>
-            <a:endParaRPr lang="pl-PL" dirty="0"/>
-          </a:p>
-          <a:p>
-            <a:pPr marL="0" indent="0">
-              <a:lnSpc>
-                <a:spcPct val="120000"/>
-              </a:lnSpc>
-              <a:buNone/>
-            </a:pPr>
-            <a:r>
-              <a:rPr lang="pl-PL" dirty="0"/>
-              <a:t>  }</a:t>
-            </a:r>
-          </a:p>
-        </p:txBody>
-      </p:sp>
-    </p:spTree>
-    <p:extLst>
-      <p:ext uri="{BB962C8B-B14F-4D97-AF65-F5344CB8AC3E}">
-        <p14:creationId xmlns:p14="http://schemas.microsoft.com/office/powerpoint/2010/main" val="742992233"/>
-      </p:ext>
-    </p:extLst>
-  </p:cSld>
-  <p:clrMapOvr>
-    <a:masterClrMapping/>
-  </p:clrMapOvr>
-</p:sld>
-</file>
-
-<file path=ppt/slides/slide9.xml><?xml version="1.0" encoding="utf-8"?>
-<p:sld xmlns:a="http://schemas.openxmlformats.org/drawingml/2006/main" xmlns:r="http://schemas.openxmlformats.org/officeDocument/2006/relationships" xmlns:p="http://schemas.openxmlformats.org/presentationml/2006/main">
-  <p:cSld>
-    <p:spTree>
-      <p:nvGrpSpPr>
-        <p:cNvPr id="1" name=""/>
-        <p:cNvGrpSpPr/>
-        <p:nvPr/>
-      </p:nvGrpSpPr>
-      <p:grpSpPr>
-        <a:xfrm>
-          <a:off x="0" y="0"/>
-          <a:ext cx="0" cy="0"/>
-          <a:chOff x="0" y="0"/>
-          <a:chExt cx="0" cy="0"/>
-        </a:xfrm>
-      </p:grpSpPr>
-      <p:sp>
-        <p:nvSpPr>
           <p:cNvPr id="2" name="Tytuł 1">
             <a:extLst>
               <a:ext uri="{FF2B5EF4-FFF2-40B4-BE49-F238E27FC236}">
@@ -9958,6 +6337,5048 @@
     <p:extLst>
       <p:ext uri="{BB962C8B-B14F-4D97-AF65-F5344CB8AC3E}">
         <p14:creationId xmlns:p14="http://schemas.microsoft.com/office/powerpoint/2010/main" val="1337315304"/>
+      </p:ext>
+    </p:extLst>
+  </p:cSld>
+  <p:clrMapOvr>
+    <a:masterClrMapping/>
+  </p:clrMapOvr>
+</p:sld>
+</file>
+
+<file path=ppt/slides/slide11.xml><?xml version="1.0" encoding="utf-8"?>
+<p:sld xmlns:a="http://schemas.openxmlformats.org/drawingml/2006/main" xmlns:r="http://schemas.openxmlformats.org/officeDocument/2006/relationships" xmlns:p="http://schemas.openxmlformats.org/presentationml/2006/main">
+  <p:cSld>
+    <p:spTree>
+      <p:nvGrpSpPr>
+        <p:cNvPr id="1" name=""/>
+        <p:cNvGrpSpPr/>
+        <p:nvPr/>
+      </p:nvGrpSpPr>
+      <p:grpSpPr>
+        <a:xfrm>
+          <a:off x="0" y="0"/>
+          <a:ext cx="0" cy="0"/>
+          <a:chOff x="0" y="0"/>
+          <a:chExt cx="0" cy="0"/>
+        </a:xfrm>
+      </p:grpSpPr>
+      <p:sp>
+        <p:nvSpPr>
+          <p:cNvPr id="3" name="Symbol zastępczy zawartości 2">
+            <a:extLst>
+              <a:ext uri="{FF2B5EF4-FFF2-40B4-BE49-F238E27FC236}">
+                <a16:creationId xmlns:a16="http://schemas.microsoft.com/office/drawing/2014/main" id="{253AF384-3D02-41E3-B964-58AF2254452C}"/>
+              </a:ext>
+            </a:extLst>
+          </p:cNvPr>
+          <p:cNvSpPr>
+            <a:spLocks noGrp="1"/>
+          </p:cNvSpPr>
+          <p:nvPr>
+            <p:ph idx="4294967295"/>
+          </p:nvPr>
+        </p:nvSpPr>
+        <p:spPr>
+          <a:xfrm>
+            <a:off x="371475" y="2505289"/>
+            <a:ext cx="11029950" cy="3678238"/>
+          </a:xfrm>
+        </p:spPr>
+        <p:txBody>
+          <a:bodyPr/>
+          <a:lstStyle/>
+          <a:p>
+            <a:pPr fontAlgn="ctr"/>
+            <a:r>
+              <a:rPr lang="pl-PL" sz="2800" dirty="0">
+                <a:solidFill>
+                  <a:schemeClr val="tx1"/>
+                </a:solidFill>
+              </a:rPr>
+              <a:t>Początkowo klon </a:t>
+            </a:r>
+            <a:r>
+              <a:rPr lang="pl-PL" sz="2800" dirty="0" err="1">
+                <a:solidFill>
+                  <a:schemeClr val="tx1"/>
+                </a:solidFill>
+              </a:rPr>
+              <a:t>jUnit</a:t>
+            </a:r>
+            <a:endParaRPr lang="pl-PL" sz="2800" dirty="0">
+              <a:solidFill>
+                <a:schemeClr val="tx1"/>
+              </a:solidFill>
+            </a:endParaRPr>
+          </a:p>
+          <a:p>
+            <a:pPr fontAlgn="ctr"/>
+            <a:r>
+              <a:rPr lang="pl-PL" sz="2800" dirty="0">
+                <a:solidFill>
+                  <a:schemeClr val="tx1"/>
+                </a:solidFill>
+              </a:rPr>
+              <a:t>Nie jest domyślnie wspierany przez Visual Studio</a:t>
+            </a:r>
+          </a:p>
+          <a:p>
+            <a:pPr fontAlgn="ctr"/>
+            <a:r>
+              <a:rPr lang="pl-PL" sz="2800" dirty="0">
+                <a:solidFill>
+                  <a:schemeClr val="tx1"/>
+                </a:solidFill>
+              </a:rPr>
+              <a:t>Wymagany dodatkowy test </a:t>
+            </a:r>
+            <a:r>
+              <a:rPr lang="pl-PL" sz="2800" dirty="0" err="1">
+                <a:solidFill>
+                  <a:schemeClr val="tx1"/>
+                </a:solidFill>
+              </a:rPr>
+              <a:t>runner</a:t>
+            </a:r>
+            <a:endParaRPr lang="pl-PL" sz="2800" dirty="0">
+              <a:solidFill>
+                <a:schemeClr val="tx1"/>
+              </a:solidFill>
+            </a:endParaRPr>
+          </a:p>
+          <a:p>
+            <a:pPr fontAlgn="ctr"/>
+            <a:r>
+              <a:rPr lang="pl-PL" sz="2800" dirty="0">
+                <a:solidFill>
+                  <a:schemeClr val="tx1"/>
+                </a:solidFill>
+              </a:rPr>
+              <a:t>Atrybuty </a:t>
+            </a:r>
+            <a:r>
+              <a:rPr lang="pl-PL" sz="2800" dirty="0" err="1">
+                <a:solidFill>
+                  <a:schemeClr val="tx1"/>
+                </a:solidFill>
+              </a:rPr>
+              <a:t>TestFixture</a:t>
+            </a:r>
+            <a:r>
+              <a:rPr lang="pl-PL" sz="2800" dirty="0">
+                <a:solidFill>
+                  <a:schemeClr val="tx1"/>
+                </a:solidFill>
+              </a:rPr>
+              <a:t>, Test</a:t>
+            </a:r>
+          </a:p>
+          <a:p>
+            <a:endParaRPr lang="pl-PL" dirty="0"/>
+          </a:p>
+        </p:txBody>
+      </p:sp>
+      <p:pic>
+        <p:nvPicPr>
+          <p:cNvPr id="5" name="Obraz 4">
+            <a:extLst>
+              <a:ext uri="{FF2B5EF4-FFF2-40B4-BE49-F238E27FC236}">
+                <a16:creationId xmlns:a16="http://schemas.microsoft.com/office/drawing/2014/main" id="{078CE39F-3B80-4B45-AB59-F925BDB2A674}"/>
+              </a:ext>
+            </a:extLst>
+          </p:cNvPr>
+          <p:cNvPicPr>
+            <a:picLocks noChangeAspect="1"/>
+          </p:cNvPicPr>
+          <p:nvPr/>
+        </p:nvPicPr>
+        <p:blipFill>
+          <a:blip r:embed="rId3">
+            <a:extLst>
+              <a:ext uri="{28A0092B-C50C-407E-A947-70E740481C1C}">
+                <a14:useLocalDpi xmlns:a14="http://schemas.microsoft.com/office/drawing/2010/main" val="0"/>
+              </a:ext>
+            </a:extLst>
+          </a:blip>
+          <a:stretch>
+            <a:fillRect/>
+          </a:stretch>
+        </p:blipFill>
+        <p:spPr>
+          <a:xfrm>
+            <a:off x="4378214" y="926887"/>
+            <a:ext cx="3794235" cy="1578402"/>
+          </a:xfrm>
+          <a:prstGeom prst="rect">
+            <a:avLst/>
+          </a:prstGeom>
+        </p:spPr>
+      </p:pic>
+    </p:spTree>
+    <p:extLst>
+      <p:ext uri="{BB962C8B-B14F-4D97-AF65-F5344CB8AC3E}">
+        <p14:creationId xmlns:p14="http://schemas.microsoft.com/office/powerpoint/2010/main" val="1936917198"/>
+      </p:ext>
+    </p:extLst>
+  </p:cSld>
+  <p:clrMapOvr>
+    <a:masterClrMapping/>
+  </p:clrMapOvr>
+</p:sld>
+</file>
+
+<file path=ppt/slides/slide12.xml><?xml version="1.0" encoding="utf-8"?>
+<p:sld xmlns:a="http://schemas.openxmlformats.org/drawingml/2006/main" xmlns:r="http://schemas.openxmlformats.org/officeDocument/2006/relationships" xmlns:p="http://schemas.openxmlformats.org/presentationml/2006/main">
+  <p:cSld>
+    <p:spTree>
+      <p:nvGrpSpPr>
+        <p:cNvPr id="1" name=""/>
+        <p:cNvGrpSpPr/>
+        <p:nvPr/>
+      </p:nvGrpSpPr>
+      <p:grpSpPr>
+        <a:xfrm>
+          <a:off x="0" y="0"/>
+          <a:ext cx="0" cy="0"/>
+          <a:chOff x="0" y="0"/>
+          <a:chExt cx="0" cy="0"/>
+        </a:xfrm>
+      </p:grpSpPr>
+      <p:sp>
+        <p:nvSpPr>
+          <p:cNvPr id="2" name="Tytuł 1">
+            <a:extLst>
+              <a:ext uri="{FF2B5EF4-FFF2-40B4-BE49-F238E27FC236}">
+                <a16:creationId xmlns:a16="http://schemas.microsoft.com/office/drawing/2014/main" id="{3A30D208-9FEB-46FC-AA3E-D160C4A68700}"/>
+              </a:ext>
+            </a:extLst>
+          </p:cNvPr>
+          <p:cNvSpPr>
+            <a:spLocks noGrp="1"/>
+          </p:cNvSpPr>
+          <p:nvPr>
+            <p:ph type="title"/>
+          </p:nvPr>
+        </p:nvSpPr>
+        <p:spPr/>
+        <p:txBody>
+          <a:bodyPr/>
+          <a:lstStyle/>
+          <a:p>
+            <a:pPr algn="ctr"/>
+            <a:r>
+              <a:rPr lang="pl-PL" dirty="0"/>
+              <a:t>Przykład</a:t>
+            </a:r>
+          </a:p>
+        </p:txBody>
+      </p:sp>
+      <p:sp>
+        <p:nvSpPr>
+          <p:cNvPr id="3" name="Symbol zastępczy zawartości 2">
+            <a:extLst>
+              <a:ext uri="{FF2B5EF4-FFF2-40B4-BE49-F238E27FC236}">
+                <a16:creationId xmlns:a16="http://schemas.microsoft.com/office/drawing/2014/main" id="{0B7AEE14-4BD5-4620-BE2E-0FAE1CB56EED}"/>
+              </a:ext>
+            </a:extLst>
+          </p:cNvPr>
+          <p:cNvSpPr>
+            <a:spLocks noGrp="1"/>
+          </p:cNvSpPr>
+          <p:nvPr>
+            <p:ph idx="1"/>
+          </p:nvPr>
+        </p:nvSpPr>
+        <p:spPr>
+          <a:xfrm>
+            <a:off x="581192" y="2180496"/>
+            <a:ext cx="11029615" cy="4169029"/>
+          </a:xfrm>
+        </p:spPr>
+        <p:txBody>
+          <a:bodyPr>
+            <a:normAutofit lnSpcReduction="10000"/>
+          </a:bodyPr>
+          <a:lstStyle/>
+          <a:p>
+            <a:pPr marL="0" indent="0">
+              <a:buNone/>
+            </a:pPr>
+            <a:r>
+              <a:rPr lang="pl-PL" sz="1200" dirty="0"/>
+              <a:t> [</a:t>
+            </a:r>
+            <a:r>
+              <a:rPr lang="pl-PL" sz="1200" dirty="0" err="1"/>
+              <a:t>TestFixture</a:t>
+            </a:r>
+            <a:r>
+              <a:rPr lang="pl-PL" sz="1200" dirty="0"/>
+              <a:t>]</a:t>
+            </a:r>
+          </a:p>
+          <a:p>
+            <a:pPr marL="0" indent="0">
+              <a:buNone/>
+            </a:pPr>
+            <a:r>
+              <a:rPr lang="pl-PL" sz="1200" dirty="0"/>
+              <a:t>  public </a:t>
+            </a:r>
+            <a:r>
+              <a:rPr lang="pl-PL" sz="1200" dirty="0" err="1"/>
+              <a:t>class</a:t>
+            </a:r>
+            <a:r>
+              <a:rPr lang="pl-PL" sz="1200" dirty="0"/>
+              <a:t> </a:t>
+            </a:r>
+            <a:r>
+              <a:rPr lang="pl-PL" sz="1200" dirty="0" err="1"/>
+              <a:t>VatValueCalculatorTests</a:t>
+            </a:r>
+            <a:endParaRPr lang="pl-PL" sz="1200" dirty="0"/>
+          </a:p>
+          <a:p>
+            <a:pPr marL="0" indent="0">
+              <a:buNone/>
+            </a:pPr>
+            <a:r>
+              <a:rPr lang="pl-PL" sz="1200" dirty="0"/>
+              <a:t>  {</a:t>
+            </a:r>
+          </a:p>
+          <a:p>
+            <a:pPr marL="0" indent="0">
+              <a:buNone/>
+            </a:pPr>
+            <a:r>
+              <a:rPr lang="pl-PL" sz="1200" dirty="0"/>
+              <a:t>    [Test]</a:t>
+            </a:r>
+          </a:p>
+          <a:p>
+            <a:pPr marL="0" indent="0">
+              <a:buNone/>
+            </a:pPr>
+            <a:r>
+              <a:rPr lang="pl-PL" sz="1200" dirty="0"/>
+              <a:t>    public </a:t>
+            </a:r>
+            <a:r>
+              <a:rPr lang="pl-PL" sz="1200" dirty="0" err="1"/>
+              <a:t>void</a:t>
+            </a:r>
+            <a:r>
+              <a:rPr lang="pl-PL" sz="1200" dirty="0"/>
+              <a:t> </a:t>
+            </a:r>
+            <a:r>
+              <a:rPr lang="pl-PL" sz="1200" dirty="0" err="1"/>
+              <a:t>should_calculate_proper_value</a:t>
+            </a:r>
+            <a:r>
+              <a:rPr lang="pl-PL" sz="1200" dirty="0"/>
+              <a:t>()</a:t>
+            </a:r>
+          </a:p>
+          <a:p>
+            <a:pPr marL="0" indent="0">
+              <a:buNone/>
+            </a:pPr>
+            <a:r>
+              <a:rPr lang="pl-PL" sz="1200" dirty="0"/>
+              <a:t>    {</a:t>
+            </a:r>
+          </a:p>
+          <a:p>
+            <a:pPr marL="0" indent="0">
+              <a:buNone/>
+            </a:pPr>
+            <a:r>
+              <a:rPr lang="pl-PL" sz="1200" dirty="0"/>
+              <a:t>      </a:t>
+            </a:r>
+            <a:r>
+              <a:rPr lang="pl-PL" sz="1200" dirty="0" err="1"/>
+              <a:t>const</a:t>
+            </a:r>
+            <a:r>
+              <a:rPr lang="pl-PL" sz="1200" dirty="0"/>
+              <a:t> </a:t>
+            </a:r>
+            <a:r>
+              <a:rPr lang="pl-PL" sz="1200" dirty="0" err="1"/>
+              <a:t>decimal</a:t>
+            </a:r>
+            <a:r>
+              <a:rPr lang="pl-PL" sz="1200" dirty="0"/>
+              <a:t> </a:t>
+            </a:r>
+            <a:r>
+              <a:rPr lang="pl-PL" sz="1200" dirty="0" err="1"/>
+              <a:t>netValue</a:t>
+            </a:r>
+            <a:r>
+              <a:rPr lang="pl-PL" sz="1200" dirty="0"/>
+              <a:t> = 15;</a:t>
+            </a:r>
+          </a:p>
+          <a:p>
+            <a:pPr marL="0" indent="0">
+              <a:buNone/>
+            </a:pPr>
+            <a:endParaRPr lang="pl-PL" sz="1200" dirty="0"/>
+          </a:p>
+          <a:p>
+            <a:pPr marL="0" indent="0">
+              <a:buNone/>
+            </a:pPr>
+            <a:r>
+              <a:rPr lang="pl-PL" sz="1200" dirty="0"/>
+              <a:t>      </a:t>
+            </a:r>
+            <a:r>
+              <a:rPr lang="pl-PL" sz="1200" dirty="0" err="1"/>
+              <a:t>var</a:t>
+            </a:r>
+            <a:r>
+              <a:rPr lang="pl-PL" sz="1200" dirty="0"/>
+              <a:t> </a:t>
+            </a:r>
+            <a:r>
+              <a:rPr lang="pl-PL" sz="1200" dirty="0" err="1"/>
+              <a:t>expectedValue</a:t>
+            </a:r>
+            <a:r>
+              <a:rPr lang="pl-PL" sz="1200" dirty="0"/>
+              <a:t> = 18.45M;</a:t>
+            </a:r>
+          </a:p>
+          <a:p>
+            <a:pPr marL="0" indent="0">
+              <a:buNone/>
+            </a:pPr>
+            <a:endParaRPr lang="pl-PL" sz="1200" dirty="0"/>
+          </a:p>
+          <a:p>
+            <a:pPr marL="0" indent="0">
+              <a:buNone/>
+            </a:pPr>
+            <a:r>
+              <a:rPr lang="pl-PL" sz="1200" dirty="0"/>
+              <a:t>      </a:t>
+            </a:r>
+            <a:r>
+              <a:rPr lang="pl-PL" sz="1200" dirty="0" err="1"/>
+              <a:t>var</a:t>
+            </a:r>
+            <a:r>
+              <a:rPr lang="pl-PL" sz="1200" dirty="0"/>
+              <a:t> </a:t>
+            </a:r>
+            <a:r>
+              <a:rPr lang="pl-PL" sz="1200" dirty="0" err="1"/>
+              <a:t>calculatedValue</a:t>
+            </a:r>
+            <a:r>
+              <a:rPr lang="pl-PL" sz="1200" dirty="0"/>
+              <a:t> = </a:t>
+            </a:r>
+            <a:r>
+              <a:rPr lang="pl-PL" sz="1200" dirty="0" err="1"/>
+              <a:t>VatValueCalculator.CalculateGrossValue</a:t>
+            </a:r>
+            <a:r>
+              <a:rPr lang="pl-PL" sz="1200" dirty="0"/>
+              <a:t>(</a:t>
+            </a:r>
+            <a:r>
+              <a:rPr lang="pl-PL" sz="1200" dirty="0" err="1"/>
+              <a:t>netValue</a:t>
+            </a:r>
+            <a:r>
+              <a:rPr lang="pl-PL" sz="1200" dirty="0"/>
+              <a:t>);</a:t>
+            </a:r>
+          </a:p>
+          <a:p>
+            <a:pPr marL="0" indent="0">
+              <a:buNone/>
+            </a:pPr>
+            <a:endParaRPr lang="pl-PL" sz="1200" dirty="0"/>
+          </a:p>
+          <a:p>
+            <a:pPr marL="0" indent="0">
+              <a:buNone/>
+            </a:pPr>
+            <a:r>
+              <a:rPr lang="pl-PL" sz="1200" dirty="0"/>
+              <a:t>      </a:t>
+            </a:r>
+            <a:r>
+              <a:rPr lang="pl-PL" sz="1200" dirty="0" err="1"/>
+              <a:t>Assert.That</a:t>
+            </a:r>
+            <a:r>
+              <a:rPr lang="pl-PL" sz="1200" dirty="0"/>
+              <a:t>(</a:t>
+            </a:r>
+            <a:r>
+              <a:rPr lang="pl-PL" sz="1200" dirty="0" err="1"/>
+              <a:t>expectedValue</a:t>
+            </a:r>
+            <a:r>
+              <a:rPr lang="pl-PL" sz="1200" dirty="0"/>
+              <a:t>, </a:t>
+            </a:r>
+            <a:r>
+              <a:rPr lang="pl-PL" sz="1200" dirty="0" err="1"/>
+              <a:t>Is.EqualTo</a:t>
+            </a:r>
+            <a:r>
+              <a:rPr lang="pl-PL" sz="1200" dirty="0"/>
+              <a:t>(</a:t>
+            </a:r>
+            <a:r>
+              <a:rPr lang="pl-PL" sz="1200" dirty="0" err="1"/>
+              <a:t>calculatedValue</a:t>
+            </a:r>
+            <a:r>
+              <a:rPr lang="pl-PL" sz="1200" dirty="0"/>
+              <a:t>));</a:t>
+            </a:r>
+          </a:p>
+          <a:p>
+            <a:pPr marL="0" indent="0">
+              <a:buNone/>
+            </a:pPr>
+            <a:r>
+              <a:rPr lang="pl-PL" sz="1200" dirty="0"/>
+              <a:t>    }</a:t>
+            </a:r>
+          </a:p>
+          <a:p>
+            <a:pPr marL="0" indent="0">
+              <a:buNone/>
+            </a:pPr>
+            <a:r>
+              <a:rPr lang="pl-PL" sz="1200" dirty="0"/>
+              <a:t>  }</a:t>
+            </a:r>
+          </a:p>
+        </p:txBody>
+      </p:sp>
+    </p:spTree>
+    <p:extLst>
+      <p:ext uri="{BB962C8B-B14F-4D97-AF65-F5344CB8AC3E}">
+        <p14:creationId xmlns:p14="http://schemas.microsoft.com/office/powerpoint/2010/main" val="4260571391"/>
+      </p:ext>
+    </p:extLst>
+  </p:cSld>
+  <p:clrMapOvr>
+    <a:masterClrMapping/>
+  </p:clrMapOvr>
+</p:sld>
+</file>
+
+<file path=ppt/slides/slide13.xml><?xml version="1.0" encoding="utf-8"?>
+<p:sld xmlns:a="http://schemas.openxmlformats.org/drawingml/2006/main" xmlns:r="http://schemas.openxmlformats.org/officeDocument/2006/relationships" xmlns:p="http://schemas.openxmlformats.org/presentationml/2006/main">
+  <p:cSld>
+    <p:spTree>
+      <p:nvGrpSpPr>
+        <p:cNvPr id="1" name=""/>
+        <p:cNvGrpSpPr/>
+        <p:nvPr/>
+      </p:nvGrpSpPr>
+      <p:grpSpPr>
+        <a:xfrm>
+          <a:off x="0" y="0"/>
+          <a:ext cx="0" cy="0"/>
+          <a:chOff x="0" y="0"/>
+          <a:chExt cx="0" cy="0"/>
+        </a:xfrm>
+      </p:grpSpPr>
+      <p:sp>
+        <p:nvSpPr>
+          <p:cNvPr id="3" name="Symbol zastępczy zawartości 2">
+            <a:extLst>
+              <a:ext uri="{FF2B5EF4-FFF2-40B4-BE49-F238E27FC236}">
+                <a16:creationId xmlns:a16="http://schemas.microsoft.com/office/drawing/2014/main" id="{5D3A5E2D-B3EA-41BC-BE6F-2717F0497445}"/>
+              </a:ext>
+            </a:extLst>
+          </p:cNvPr>
+          <p:cNvSpPr>
+            <a:spLocks noGrp="1"/>
+          </p:cNvSpPr>
+          <p:nvPr>
+            <p:ph idx="4294967295"/>
+          </p:nvPr>
+        </p:nvSpPr>
+        <p:spPr>
+          <a:xfrm>
+            <a:off x="476250" y="2362200"/>
+            <a:ext cx="11029950" cy="3678238"/>
+          </a:xfrm>
+        </p:spPr>
+        <p:txBody>
+          <a:bodyPr/>
+          <a:lstStyle/>
+          <a:p>
+            <a:pPr fontAlgn="ctr"/>
+            <a:r>
+              <a:rPr lang="pl-PL" sz="2800" dirty="0">
+                <a:solidFill>
+                  <a:schemeClr val="tx1"/>
+                </a:solidFill>
+              </a:rPr>
+              <a:t>Napisany przez autora </a:t>
+            </a:r>
+            <a:r>
+              <a:rPr lang="pl-PL" sz="2800" dirty="0" err="1">
+                <a:solidFill>
+                  <a:schemeClr val="tx1"/>
+                </a:solidFill>
+              </a:rPr>
+              <a:t>nUnit</a:t>
+            </a:r>
+            <a:r>
+              <a:rPr lang="pl-PL" sz="2800" dirty="0">
+                <a:solidFill>
+                  <a:schemeClr val="tx1"/>
+                </a:solidFill>
+              </a:rPr>
+              <a:t> v2</a:t>
+            </a:r>
+          </a:p>
+          <a:p>
+            <a:pPr fontAlgn="ctr"/>
+            <a:r>
+              <a:rPr lang="pl-PL" sz="2800" dirty="0">
+                <a:solidFill>
+                  <a:schemeClr val="tx1"/>
+                </a:solidFill>
+              </a:rPr>
+              <a:t>Podobnie jak </a:t>
+            </a:r>
+            <a:r>
+              <a:rPr lang="pl-PL" sz="2800" dirty="0" err="1">
+                <a:solidFill>
+                  <a:schemeClr val="tx1"/>
+                </a:solidFill>
+              </a:rPr>
+              <a:t>nUnit</a:t>
+            </a:r>
+            <a:r>
+              <a:rPr lang="pl-PL" sz="2800" dirty="0">
+                <a:solidFill>
+                  <a:schemeClr val="tx1"/>
+                </a:solidFill>
+              </a:rPr>
+              <a:t> wymaga doinstalowania test </a:t>
+            </a:r>
+            <a:r>
+              <a:rPr lang="pl-PL" sz="2800" dirty="0" err="1">
+                <a:solidFill>
+                  <a:schemeClr val="tx1"/>
+                </a:solidFill>
+              </a:rPr>
+              <a:t>runnera</a:t>
+            </a:r>
+            <a:endParaRPr lang="pl-PL" sz="2800" dirty="0">
+              <a:solidFill>
+                <a:schemeClr val="tx1"/>
+              </a:solidFill>
+            </a:endParaRPr>
+          </a:p>
+          <a:p>
+            <a:pPr fontAlgn="ctr"/>
+            <a:r>
+              <a:rPr lang="pl-PL" sz="2800" dirty="0">
+                <a:solidFill>
+                  <a:schemeClr val="tx1"/>
+                </a:solidFill>
+              </a:rPr>
+              <a:t>Atrybut [</a:t>
+            </a:r>
+            <a:r>
+              <a:rPr lang="pl-PL" sz="2800" dirty="0" err="1">
+                <a:solidFill>
+                  <a:schemeClr val="tx1"/>
+                </a:solidFill>
+              </a:rPr>
+              <a:t>Fact</a:t>
+            </a:r>
+            <a:r>
+              <a:rPr lang="pl-PL" sz="2800" dirty="0">
+                <a:solidFill>
+                  <a:schemeClr val="tx1"/>
+                </a:solidFill>
+              </a:rPr>
+              <a:t>]</a:t>
+            </a:r>
+          </a:p>
+          <a:p>
+            <a:endParaRPr lang="pl-PL" dirty="0"/>
+          </a:p>
+        </p:txBody>
+      </p:sp>
+      <p:pic>
+        <p:nvPicPr>
+          <p:cNvPr id="5" name="Obraz 4">
+            <a:extLst>
+              <a:ext uri="{FF2B5EF4-FFF2-40B4-BE49-F238E27FC236}">
+                <a16:creationId xmlns:a16="http://schemas.microsoft.com/office/drawing/2014/main" id="{5F605400-CA31-46F9-90E6-E32796B88884}"/>
+              </a:ext>
+            </a:extLst>
+          </p:cNvPr>
+          <p:cNvPicPr>
+            <a:picLocks noChangeAspect="1"/>
+          </p:cNvPicPr>
+          <p:nvPr/>
+        </p:nvPicPr>
+        <p:blipFill>
+          <a:blip r:embed="rId3">
+            <a:extLst>
+              <a:ext uri="{28A0092B-C50C-407E-A947-70E740481C1C}">
+                <a14:useLocalDpi xmlns:a14="http://schemas.microsoft.com/office/drawing/2010/main" val="0"/>
+              </a:ext>
+            </a:extLst>
+          </a:blip>
+          <a:stretch>
+            <a:fillRect/>
+          </a:stretch>
+        </p:blipFill>
+        <p:spPr>
+          <a:xfrm>
+            <a:off x="3886200" y="1075596"/>
+            <a:ext cx="4210050" cy="1104900"/>
+          </a:xfrm>
+          <a:prstGeom prst="rect">
+            <a:avLst/>
+          </a:prstGeom>
+        </p:spPr>
+      </p:pic>
+    </p:spTree>
+    <p:extLst>
+      <p:ext uri="{BB962C8B-B14F-4D97-AF65-F5344CB8AC3E}">
+        <p14:creationId xmlns:p14="http://schemas.microsoft.com/office/powerpoint/2010/main" val="137465057"/>
+      </p:ext>
+    </p:extLst>
+  </p:cSld>
+  <p:clrMapOvr>
+    <a:masterClrMapping/>
+  </p:clrMapOvr>
+</p:sld>
+</file>
+
+<file path=ppt/slides/slide14.xml><?xml version="1.0" encoding="utf-8"?>
+<p:sld xmlns:a="http://schemas.openxmlformats.org/drawingml/2006/main" xmlns:r="http://schemas.openxmlformats.org/officeDocument/2006/relationships" xmlns:p="http://schemas.openxmlformats.org/presentationml/2006/main">
+  <p:cSld>
+    <p:spTree>
+      <p:nvGrpSpPr>
+        <p:cNvPr id="1" name=""/>
+        <p:cNvGrpSpPr/>
+        <p:nvPr/>
+      </p:nvGrpSpPr>
+      <p:grpSpPr>
+        <a:xfrm>
+          <a:off x="0" y="0"/>
+          <a:ext cx="0" cy="0"/>
+          <a:chOff x="0" y="0"/>
+          <a:chExt cx="0" cy="0"/>
+        </a:xfrm>
+      </p:grpSpPr>
+      <p:sp>
+        <p:nvSpPr>
+          <p:cNvPr id="2" name="Tytuł 1">
+            <a:extLst>
+              <a:ext uri="{FF2B5EF4-FFF2-40B4-BE49-F238E27FC236}">
+                <a16:creationId xmlns:a16="http://schemas.microsoft.com/office/drawing/2014/main" id="{3A30D208-9FEB-46FC-AA3E-D160C4A68700}"/>
+              </a:ext>
+            </a:extLst>
+          </p:cNvPr>
+          <p:cNvSpPr>
+            <a:spLocks noGrp="1"/>
+          </p:cNvSpPr>
+          <p:nvPr>
+            <p:ph type="title"/>
+          </p:nvPr>
+        </p:nvSpPr>
+        <p:spPr/>
+        <p:txBody>
+          <a:bodyPr/>
+          <a:lstStyle/>
+          <a:p>
+            <a:pPr algn="ctr"/>
+            <a:r>
+              <a:rPr lang="pl-PL" dirty="0"/>
+              <a:t>Przykład</a:t>
+            </a:r>
+          </a:p>
+        </p:txBody>
+      </p:sp>
+      <p:sp>
+        <p:nvSpPr>
+          <p:cNvPr id="3" name="Symbol zastępczy zawartości 2">
+            <a:extLst>
+              <a:ext uri="{FF2B5EF4-FFF2-40B4-BE49-F238E27FC236}">
+                <a16:creationId xmlns:a16="http://schemas.microsoft.com/office/drawing/2014/main" id="{0B7AEE14-4BD5-4620-BE2E-0FAE1CB56EED}"/>
+              </a:ext>
+            </a:extLst>
+          </p:cNvPr>
+          <p:cNvSpPr>
+            <a:spLocks noGrp="1"/>
+          </p:cNvSpPr>
+          <p:nvPr>
+            <p:ph idx="1"/>
+          </p:nvPr>
+        </p:nvSpPr>
+        <p:spPr/>
+        <p:txBody>
+          <a:bodyPr>
+            <a:normAutofit fontScale="62500" lnSpcReduction="20000"/>
+          </a:bodyPr>
+          <a:lstStyle/>
+          <a:p>
+            <a:pPr marL="0" indent="0">
+              <a:buNone/>
+            </a:pPr>
+            <a:r>
+              <a:rPr lang="pl-PL" dirty="0"/>
+              <a:t> public </a:t>
+            </a:r>
+            <a:r>
+              <a:rPr lang="pl-PL" dirty="0" err="1"/>
+              <a:t>class</a:t>
+            </a:r>
+            <a:r>
+              <a:rPr lang="pl-PL" dirty="0"/>
+              <a:t> </a:t>
+            </a:r>
+            <a:r>
+              <a:rPr lang="pl-PL" dirty="0" err="1"/>
+              <a:t>VatValueCalculatorTests</a:t>
+            </a:r>
+            <a:endParaRPr lang="pl-PL" dirty="0"/>
+          </a:p>
+          <a:p>
+            <a:pPr marL="0" indent="0">
+              <a:buNone/>
+            </a:pPr>
+            <a:r>
+              <a:rPr lang="pl-PL" dirty="0"/>
+              <a:t>  {</a:t>
+            </a:r>
+          </a:p>
+          <a:p>
+            <a:pPr marL="0" indent="0">
+              <a:buNone/>
+            </a:pPr>
+            <a:r>
+              <a:rPr lang="pl-PL" dirty="0"/>
+              <a:t>    [</a:t>
+            </a:r>
+            <a:r>
+              <a:rPr lang="pl-PL" dirty="0" err="1"/>
+              <a:t>Fact</a:t>
+            </a:r>
+            <a:r>
+              <a:rPr lang="pl-PL" dirty="0"/>
+              <a:t>]</a:t>
+            </a:r>
+          </a:p>
+          <a:p>
+            <a:pPr marL="0" indent="0">
+              <a:buNone/>
+            </a:pPr>
+            <a:r>
+              <a:rPr lang="pl-PL" dirty="0"/>
+              <a:t>    public </a:t>
+            </a:r>
+            <a:r>
+              <a:rPr lang="pl-PL" dirty="0" err="1"/>
+              <a:t>void</a:t>
+            </a:r>
+            <a:r>
+              <a:rPr lang="pl-PL" dirty="0"/>
+              <a:t> </a:t>
+            </a:r>
+            <a:r>
+              <a:rPr lang="pl-PL" dirty="0" err="1"/>
+              <a:t>should_calculate_proper_value</a:t>
+            </a:r>
+            <a:r>
+              <a:rPr lang="pl-PL" dirty="0"/>
+              <a:t>()</a:t>
+            </a:r>
+          </a:p>
+          <a:p>
+            <a:pPr marL="0" indent="0">
+              <a:buNone/>
+            </a:pPr>
+            <a:r>
+              <a:rPr lang="pl-PL" dirty="0"/>
+              <a:t>    {</a:t>
+            </a:r>
+          </a:p>
+          <a:p>
+            <a:pPr marL="0" indent="0">
+              <a:buNone/>
+            </a:pPr>
+            <a:r>
+              <a:rPr lang="pl-PL" dirty="0"/>
+              <a:t>      </a:t>
+            </a:r>
+            <a:r>
+              <a:rPr lang="pl-PL" dirty="0" err="1"/>
+              <a:t>const</a:t>
+            </a:r>
+            <a:r>
+              <a:rPr lang="pl-PL" dirty="0"/>
+              <a:t> </a:t>
+            </a:r>
+            <a:r>
+              <a:rPr lang="pl-PL" dirty="0" err="1"/>
+              <a:t>decimal</a:t>
+            </a:r>
+            <a:r>
+              <a:rPr lang="pl-PL" dirty="0"/>
+              <a:t> </a:t>
+            </a:r>
+            <a:r>
+              <a:rPr lang="pl-PL" dirty="0" err="1"/>
+              <a:t>netValue</a:t>
+            </a:r>
+            <a:r>
+              <a:rPr lang="pl-PL" dirty="0"/>
+              <a:t> = 15;</a:t>
+            </a:r>
+          </a:p>
+          <a:p>
+            <a:pPr marL="0" indent="0">
+              <a:buNone/>
+            </a:pPr>
+            <a:endParaRPr lang="pl-PL" dirty="0"/>
+          </a:p>
+          <a:p>
+            <a:pPr marL="0" indent="0">
+              <a:buNone/>
+            </a:pPr>
+            <a:r>
+              <a:rPr lang="pl-PL" dirty="0"/>
+              <a:t>      </a:t>
+            </a:r>
+            <a:r>
+              <a:rPr lang="pl-PL" dirty="0" err="1"/>
+              <a:t>var</a:t>
+            </a:r>
+            <a:r>
+              <a:rPr lang="pl-PL" dirty="0"/>
+              <a:t> </a:t>
+            </a:r>
+            <a:r>
+              <a:rPr lang="pl-PL" dirty="0" err="1"/>
+              <a:t>expectedValue</a:t>
+            </a:r>
+            <a:r>
+              <a:rPr lang="pl-PL" dirty="0"/>
+              <a:t> = 18.45M;</a:t>
+            </a:r>
+          </a:p>
+          <a:p>
+            <a:pPr marL="0" indent="0">
+              <a:buNone/>
+            </a:pPr>
+            <a:endParaRPr lang="pl-PL" dirty="0"/>
+          </a:p>
+          <a:p>
+            <a:pPr marL="0" indent="0">
+              <a:buNone/>
+            </a:pPr>
+            <a:r>
+              <a:rPr lang="pl-PL" dirty="0"/>
+              <a:t>      </a:t>
+            </a:r>
+            <a:r>
+              <a:rPr lang="pl-PL" dirty="0" err="1"/>
+              <a:t>var</a:t>
+            </a:r>
+            <a:r>
+              <a:rPr lang="pl-PL" dirty="0"/>
+              <a:t> </a:t>
+            </a:r>
+            <a:r>
+              <a:rPr lang="pl-PL" dirty="0" err="1"/>
+              <a:t>calculatedValue</a:t>
+            </a:r>
+            <a:r>
+              <a:rPr lang="pl-PL" dirty="0"/>
+              <a:t> = </a:t>
+            </a:r>
+            <a:r>
+              <a:rPr lang="pl-PL" dirty="0" err="1"/>
+              <a:t>VatValueCalculator.CalculateGrossValue</a:t>
+            </a:r>
+            <a:r>
+              <a:rPr lang="pl-PL" dirty="0"/>
+              <a:t>(</a:t>
+            </a:r>
+            <a:r>
+              <a:rPr lang="pl-PL" dirty="0" err="1"/>
+              <a:t>netValue</a:t>
+            </a:r>
+            <a:r>
+              <a:rPr lang="pl-PL" dirty="0"/>
+              <a:t>);</a:t>
+            </a:r>
+          </a:p>
+          <a:p>
+            <a:pPr marL="0" indent="0">
+              <a:buNone/>
+            </a:pPr>
+            <a:endParaRPr lang="pl-PL" dirty="0"/>
+          </a:p>
+          <a:p>
+            <a:pPr marL="0" indent="0">
+              <a:buNone/>
+            </a:pPr>
+            <a:r>
+              <a:rPr lang="pl-PL" dirty="0"/>
+              <a:t>      </a:t>
+            </a:r>
+            <a:r>
+              <a:rPr lang="pl-PL" dirty="0" err="1"/>
+              <a:t>Assert.Equal</a:t>
+            </a:r>
+            <a:r>
+              <a:rPr lang="pl-PL" dirty="0"/>
+              <a:t>(</a:t>
+            </a:r>
+            <a:r>
+              <a:rPr lang="pl-PL" dirty="0" err="1"/>
+              <a:t>expectedValue</a:t>
+            </a:r>
+            <a:r>
+              <a:rPr lang="pl-PL" dirty="0"/>
+              <a:t>, </a:t>
+            </a:r>
+            <a:r>
+              <a:rPr lang="pl-PL" dirty="0" err="1"/>
+              <a:t>calculatedValue</a:t>
+            </a:r>
+            <a:r>
+              <a:rPr lang="pl-PL" dirty="0"/>
+              <a:t>);</a:t>
+            </a:r>
+          </a:p>
+          <a:p>
+            <a:pPr marL="0" indent="0">
+              <a:buNone/>
+            </a:pPr>
+            <a:r>
+              <a:rPr lang="pl-PL" dirty="0"/>
+              <a:t>    }</a:t>
+            </a:r>
+          </a:p>
+          <a:p>
+            <a:pPr marL="0" indent="0">
+              <a:buNone/>
+            </a:pPr>
+            <a:r>
+              <a:rPr lang="pl-PL" dirty="0"/>
+              <a:t>  }</a:t>
+            </a:r>
+          </a:p>
+        </p:txBody>
+      </p:sp>
+    </p:spTree>
+    <p:extLst>
+      <p:ext uri="{BB962C8B-B14F-4D97-AF65-F5344CB8AC3E}">
+        <p14:creationId xmlns:p14="http://schemas.microsoft.com/office/powerpoint/2010/main" val="2047853959"/>
+      </p:ext>
+    </p:extLst>
+  </p:cSld>
+  <p:clrMapOvr>
+    <a:masterClrMapping/>
+  </p:clrMapOvr>
+</p:sld>
+</file>
+
+<file path=ppt/slides/slide15.xml><?xml version="1.0" encoding="utf-8"?>
+<p:sld xmlns:a="http://schemas.openxmlformats.org/drawingml/2006/main" xmlns:r="http://schemas.openxmlformats.org/officeDocument/2006/relationships" xmlns:p="http://schemas.openxmlformats.org/presentationml/2006/main">
+  <p:cSld>
+    <p:spTree>
+      <p:nvGrpSpPr>
+        <p:cNvPr id="1" name=""/>
+        <p:cNvGrpSpPr/>
+        <p:nvPr/>
+      </p:nvGrpSpPr>
+      <p:grpSpPr>
+        <a:xfrm>
+          <a:off x="0" y="0"/>
+          <a:ext cx="0" cy="0"/>
+          <a:chOff x="0" y="0"/>
+          <a:chExt cx="0" cy="0"/>
+        </a:xfrm>
+      </p:grpSpPr>
+      <p:sp>
+        <p:nvSpPr>
+          <p:cNvPr id="2" name="Tytuł 1">
+            <a:extLst>
+              <a:ext uri="{FF2B5EF4-FFF2-40B4-BE49-F238E27FC236}">
+                <a16:creationId xmlns:a16="http://schemas.microsoft.com/office/drawing/2014/main" id="{165F0107-1BA4-421F-A5F7-D4A1F07FE77F}"/>
+              </a:ext>
+            </a:extLst>
+          </p:cNvPr>
+          <p:cNvSpPr>
+            <a:spLocks noGrp="1"/>
+          </p:cNvSpPr>
+          <p:nvPr>
+            <p:ph type="title"/>
+          </p:nvPr>
+        </p:nvSpPr>
+        <p:spPr/>
+        <p:txBody>
+          <a:bodyPr>
+            <a:normAutofit/>
+          </a:bodyPr>
+          <a:lstStyle/>
+          <a:p>
+            <a:pPr algn="ctr"/>
+            <a:r>
+              <a:rPr lang="pl-PL" sz="4000" dirty="0"/>
+              <a:t>Microsoft Unit Test Framework</a:t>
+            </a:r>
+          </a:p>
+        </p:txBody>
+      </p:sp>
+      <p:sp>
+        <p:nvSpPr>
+          <p:cNvPr id="3" name="Symbol zastępczy zawartości 2">
+            <a:extLst>
+              <a:ext uri="{FF2B5EF4-FFF2-40B4-BE49-F238E27FC236}">
+                <a16:creationId xmlns:a16="http://schemas.microsoft.com/office/drawing/2014/main" id="{5A1B9E0F-74CE-40C2-B1E9-C33ACD371F96}"/>
+              </a:ext>
+            </a:extLst>
+          </p:cNvPr>
+          <p:cNvSpPr>
+            <a:spLocks noGrp="1"/>
+          </p:cNvSpPr>
+          <p:nvPr>
+            <p:ph idx="1"/>
+          </p:nvPr>
+        </p:nvSpPr>
+        <p:spPr/>
+        <p:txBody>
+          <a:bodyPr/>
+          <a:lstStyle/>
+          <a:p>
+            <a:pPr fontAlgn="ctr"/>
+            <a:r>
+              <a:rPr lang="pl-PL" sz="2400" dirty="0">
+                <a:solidFill>
+                  <a:schemeClr val="tx1"/>
+                </a:solidFill>
+              </a:rPr>
+              <a:t>Wspierany przez Microsoft</a:t>
+            </a:r>
+          </a:p>
+          <a:p>
+            <a:pPr fontAlgn="ctr"/>
+            <a:r>
+              <a:rPr lang="pl-PL" sz="2400" dirty="0">
+                <a:solidFill>
+                  <a:schemeClr val="tx1"/>
+                </a:solidFill>
+              </a:rPr>
+              <a:t>Wbudowany w Visual Studio</a:t>
+            </a:r>
+          </a:p>
+          <a:p>
+            <a:pPr fontAlgn="ctr"/>
+            <a:r>
+              <a:rPr lang="pl-PL" sz="2400" dirty="0">
+                <a:solidFill>
+                  <a:schemeClr val="tx1"/>
+                </a:solidFill>
+              </a:rPr>
+              <a:t>Atrybuty </a:t>
+            </a:r>
+            <a:r>
+              <a:rPr lang="pl-PL" sz="2400" dirty="0" err="1">
+                <a:solidFill>
+                  <a:schemeClr val="tx1"/>
+                </a:solidFill>
+              </a:rPr>
+              <a:t>TestClass</a:t>
+            </a:r>
+            <a:r>
+              <a:rPr lang="pl-PL" sz="2400" dirty="0">
+                <a:solidFill>
+                  <a:schemeClr val="tx1"/>
+                </a:solidFill>
+              </a:rPr>
+              <a:t>, </a:t>
+            </a:r>
+            <a:r>
+              <a:rPr lang="pl-PL" sz="2400" dirty="0" err="1">
+                <a:solidFill>
+                  <a:schemeClr val="tx1"/>
+                </a:solidFill>
+              </a:rPr>
+              <a:t>TestMethod</a:t>
+            </a:r>
+            <a:endParaRPr lang="pl-PL" sz="2400" dirty="0">
+              <a:solidFill>
+                <a:schemeClr val="tx1"/>
+              </a:solidFill>
+            </a:endParaRPr>
+          </a:p>
+          <a:p>
+            <a:endParaRPr lang="pl-PL" dirty="0">
+              <a:solidFill>
+                <a:schemeClr val="tx1"/>
+              </a:solidFill>
+            </a:endParaRPr>
+          </a:p>
+        </p:txBody>
+      </p:sp>
+    </p:spTree>
+    <p:extLst>
+      <p:ext uri="{BB962C8B-B14F-4D97-AF65-F5344CB8AC3E}">
+        <p14:creationId xmlns:p14="http://schemas.microsoft.com/office/powerpoint/2010/main" val="1891818956"/>
+      </p:ext>
+    </p:extLst>
+  </p:cSld>
+  <p:clrMapOvr>
+    <a:masterClrMapping/>
+  </p:clrMapOvr>
+</p:sld>
+</file>
+
+<file path=ppt/slides/slide16.xml><?xml version="1.0" encoding="utf-8"?>
+<p:sld xmlns:a="http://schemas.openxmlformats.org/drawingml/2006/main" xmlns:r="http://schemas.openxmlformats.org/officeDocument/2006/relationships" xmlns:p="http://schemas.openxmlformats.org/presentationml/2006/main">
+  <p:cSld>
+    <p:spTree>
+      <p:nvGrpSpPr>
+        <p:cNvPr id="1" name=""/>
+        <p:cNvGrpSpPr/>
+        <p:nvPr/>
+      </p:nvGrpSpPr>
+      <p:grpSpPr>
+        <a:xfrm>
+          <a:off x="0" y="0"/>
+          <a:ext cx="0" cy="0"/>
+          <a:chOff x="0" y="0"/>
+          <a:chExt cx="0" cy="0"/>
+        </a:xfrm>
+      </p:grpSpPr>
+      <p:sp>
+        <p:nvSpPr>
+          <p:cNvPr id="2" name="Tytuł 1">
+            <a:extLst>
+              <a:ext uri="{FF2B5EF4-FFF2-40B4-BE49-F238E27FC236}">
+                <a16:creationId xmlns:a16="http://schemas.microsoft.com/office/drawing/2014/main" id="{3A30D208-9FEB-46FC-AA3E-D160C4A68700}"/>
+              </a:ext>
+            </a:extLst>
+          </p:cNvPr>
+          <p:cNvSpPr>
+            <a:spLocks noGrp="1"/>
+          </p:cNvSpPr>
+          <p:nvPr>
+            <p:ph type="title"/>
+          </p:nvPr>
+        </p:nvSpPr>
+        <p:spPr/>
+        <p:txBody>
+          <a:bodyPr/>
+          <a:lstStyle/>
+          <a:p>
+            <a:pPr algn="ctr"/>
+            <a:r>
+              <a:rPr lang="pl-PL" dirty="0"/>
+              <a:t>Przykład</a:t>
+            </a:r>
+          </a:p>
+        </p:txBody>
+      </p:sp>
+      <p:sp>
+        <p:nvSpPr>
+          <p:cNvPr id="3" name="Symbol zastępczy zawartości 2">
+            <a:extLst>
+              <a:ext uri="{FF2B5EF4-FFF2-40B4-BE49-F238E27FC236}">
+                <a16:creationId xmlns:a16="http://schemas.microsoft.com/office/drawing/2014/main" id="{0B7AEE14-4BD5-4620-BE2E-0FAE1CB56EED}"/>
+              </a:ext>
+            </a:extLst>
+          </p:cNvPr>
+          <p:cNvSpPr>
+            <a:spLocks noGrp="1"/>
+          </p:cNvSpPr>
+          <p:nvPr>
+            <p:ph idx="1"/>
+          </p:nvPr>
+        </p:nvSpPr>
+        <p:spPr/>
+        <p:txBody>
+          <a:bodyPr>
+            <a:normAutofit fontScale="62500" lnSpcReduction="20000"/>
+          </a:bodyPr>
+          <a:lstStyle/>
+          <a:p>
+            <a:pPr marL="0" indent="0">
+              <a:buNone/>
+            </a:pPr>
+            <a:r>
+              <a:rPr lang="pl-PL" dirty="0"/>
+              <a:t> [</a:t>
+            </a:r>
+            <a:r>
+              <a:rPr lang="pl-PL" dirty="0" err="1"/>
+              <a:t>TestClass</a:t>
+            </a:r>
+            <a:r>
+              <a:rPr lang="pl-PL" dirty="0"/>
+              <a:t>]</a:t>
+            </a:r>
+          </a:p>
+          <a:p>
+            <a:pPr marL="0" indent="0">
+              <a:buNone/>
+            </a:pPr>
+            <a:r>
+              <a:rPr lang="pl-PL" dirty="0"/>
+              <a:t>  public </a:t>
+            </a:r>
+            <a:r>
+              <a:rPr lang="pl-PL" dirty="0" err="1"/>
+              <a:t>class</a:t>
+            </a:r>
+            <a:r>
+              <a:rPr lang="pl-PL" dirty="0"/>
+              <a:t> </a:t>
+            </a:r>
+            <a:r>
+              <a:rPr lang="pl-PL" dirty="0" err="1"/>
+              <a:t>VatValueCalculatorTests</a:t>
+            </a:r>
+            <a:endParaRPr lang="pl-PL" dirty="0"/>
+          </a:p>
+          <a:p>
+            <a:pPr marL="0" indent="0">
+              <a:buNone/>
+            </a:pPr>
+            <a:r>
+              <a:rPr lang="pl-PL" dirty="0"/>
+              <a:t>  {</a:t>
+            </a:r>
+          </a:p>
+          <a:p>
+            <a:pPr marL="0" indent="0">
+              <a:buNone/>
+            </a:pPr>
+            <a:r>
+              <a:rPr lang="pl-PL" dirty="0"/>
+              <a:t>    [</a:t>
+            </a:r>
+            <a:r>
+              <a:rPr lang="pl-PL" dirty="0" err="1"/>
+              <a:t>TestMethod</a:t>
+            </a:r>
+            <a:r>
+              <a:rPr lang="pl-PL" dirty="0"/>
+              <a:t>]</a:t>
+            </a:r>
+          </a:p>
+          <a:p>
+            <a:pPr marL="0" indent="0">
+              <a:buNone/>
+            </a:pPr>
+            <a:r>
+              <a:rPr lang="pl-PL" dirty="0"/>
+              <a:t>    public </a:t>
+            </a:r>
+            <a:r>
+              <a:rPr lang="pl-PL" dirty="0" err="1"/>
+              <a:t>void</a:t>
+            </a:r>
+            <a:r>
+              <a:rPr lang="pl-PL" dirty="0"/>
+              <a:t> </a:t>
+            </a:r>
+            <a:r>
+              <a:rPr lang="pl-PL" dirty="0" err="1"/>
+              <a:t>should_calculate_proper_value</a:t>
+            </a:r>
+            <a:r>
+              <a:rPr lang="pl-PL" dirty="0"/>
+              <a:t>()</a:t>
+            </a:r>
+          </a:p>
+          <a:p>
+            <a:pPr marL="0" indent="0">
+              <a:buNone/>
+            </a:pPr>
+            <a:r>
+              <a:rPr lang="pl-PL" dirty="0"/>
+              <a:t>    {</a:t>
+            </a:r>
+          </a:p>
+          <a:p>
+            <a:pPr marL="0" indent="0">
+              <a:buNone/>
+            </a:pPr>
+            <a:r>
+              <a:rPr lang="pl-PL" dirty="0"/>
+              <a:t>      </a:t>
+            </a:r>
+            <a:r>
+              <a:rPr lang="pl-PL" dirty="0" err="1"/>
+              <a:t>const</a:t>
+            </a:r>
+            <a:r>
+              <a:rPr lang="pl-PL" dirty="0"/>
+              <a:t> </a:t>
+            </a:r>
+            <a:r>
+              <a:rPr lang="pl-PL" dirty="0" err="1"/>
+              <a:t>decimal</a:t>
+            </a:r>
+            <a:r>
+              <a:rPr lang="pl-PL" dirty="0"/>
+              <a:t> </a:t>
+            </a:r>
+            <a:r>
+              <a:rPr lang="pl-PL" dirty="0" err="1"/>
+              <a:t>netValue</a:t>
+            </a:r>
+            <a:r>
+              <a:rPr lang="pl-PL" dirty="0"/>
+              <a:t> = 15;</a:t>
+            </a:r>
+          </a:p>
+          <a:p>
+            <a:pPr marL="0" indent="0">
+              <a:buNone/>
+            </a:pPr>
+            <a:endParaRPr lang="pl-PL" dirty="0"/>
+          </a:p>
+          <a:p>
+            <a:pPr marL="0" indent="0">
+              <a:buNone/>
+            </a:pPr>
+            <a:r>
+              <a:rPr lang="pl-PL" dirty="0"/>
+              <a:t>      </a:t>
+            </a:r>
+            <a:r>
+              <a:rPr lang="pl-PL" dirty="0" err="1"/>
+              <a:t>var</a:t>
+            </a:r>
+            <a:r>
+              <a:rPr lang="pl-PL" dirty="0"/>
+              <a:t> </a:t>
+            </a:r>
+            <a:r>
+              <a:rPr lang="pl-PL" dirty="0" err="1"/>
+              <a:t>expectedValue</a:t>
+            </a:r>
+            <a:r>
+              <a:rPr lang="pl-PL" dirty="0"/>
+              <a:t> = 18.45M;</a:t>
+            </a:r>
+          </a:p>
+          <a:p>
+            <a:pPr marL="0" indent="0">
+              <a:buNone/>
+            </a:pPr>
+            <a:endParaRPr lang="pl-PL" dirty="0"/>
+          </a:p>
+          <a:p>
+            <a:pPr marL="0" indent="0">
+              <a:buNone/>
+            </a:pPr>
+            <a:r>
+              <a:rPr lang="pl-PL" dirty="0"/>
+              <a:t>      </a:t>
+            </a:r>
+            <a:r>
+              <a:rPr lang="pl-PL" dirty="0" err="1"/>
+              <a:t>var</a:t>
+            </a:r>
+            <a:r>
+              <a:rPr lang="pl-PL" dirty="0"/>
+              <a:t> </a:t>
+            </a:r>
+            <a:r>
+              <a:rPr lang="pl-PL" dirty="0" err="1"/>
+              <a:t>calculatedValue</a:t>
+            </a:r>
+            <a:r>
+              <a:rPr lang="pl-PL" dirty="0"/>
+              <a:t> = </a:t>
+            </a:r>
+            <a:r>
+              <a:rPr lang="pl-PL" dirty="0" err="1"/>
+              <a:t>VatValueCalculator.CalculateGrossValue</a:t>
+            </a:r>
+            <a:r>
+              <a:rPr lang="pl-PL" dirty="0"/>
+              <a:t>(</a:t>
+            </a:r>
+            <a:r>
+              <a:rPr lang="pl-PL" dirty="0" err="1"/>
+              <a:t>netValue</a:t>
+            </a:r>
+            <a:r>
+              <a:rPr lang="pl-PL" dirty="0"/>
+              <a:t>);</a:t>
+            </a:r>
+          </a:p>
+          <a:p>
+            <a:pPr marL="0" indent="0">
+              <a:buNone/>
+            </a:pPr>
+            <a:endParaRPr lang="pl-PL" dirty="0"/>
+          </a:p>
+          <a:p>
+            <a:pPr marL="0" indent="0">
+              <a:buNone/>
+            </a:pPr>
+            <a:r>
+              <a:rPr lang="pl-PL" dirty="0"/>
+              <a:t>      </a:t>
+            </a:r>
+            <a:r>
+              <a:rPr lang="pl-PL" dirty="0" err="1"/>
+              <a:t>Assert.AreEqual</a:t>
+            </a:r>
+            <a:r>
+              <a:rPr lang="pl-PL" dirty="0"/>
+              <a:t>(</a:t>
+            </a:r>
+            <a:r>
+              <a:rPr lang="pl-PL" dirty="0" err="1"/>
+              <a:t>expectedValue</a:t>
+            </a:r>
+            <a:r>
+              <a:rPr lang="pl-PL" dirty="0"/>
+              <a:t>, </a:t>
+            </a:r>
+            <a:r>
+              <a:rPr lang="pl-PL" dirty="0" err="1"/>
+              <a:t>calculatedValue</a:t>
+            </a:r>
+            <a:r>
+              <a:rPr lang="pl-PL" dirty="0"/>
+              <a:t>);</a:t>
+            </a:r>
+          </a:p>
+          <a:p>
+            <a:pPr marL="0" indent="0">
+              <a:buNone/>
+            </a:pPr>
+            <a:r>
+              <a:rPr lang="pl-PL" dirty="0"/>
+              <a:t>    }</a:t>
+            </a:r>
+          </a:p>
+          <a:p>
+            <a:pPr marL="0" indent="0">
+              <a:buNone/>
+            </a:pPr>
+            <a:r>
+              <a:rPr lang="pl-PL" dirty="0"/>
+              <a:t>  }</a:t>
+            </a:r>
+          </a:p>
+        </p:txBody>
+      </p:sp>
+    </p:spTree>
+    <p:extLst>
+      <p:ext uri="{BB962C8B-B14F-4D97-AF65-F5344CB8AC3E}">
+        <p14:creationId xmlns:p14="http://schemas.microsoft.com/office/powerpoint/2010/main" val="2710965677"/>
+      </p:ext>
+    </p:extLst>
+  </p:cSld>
+  <p:clrMapOvr>
+    <a:masterClrMapping/>
+  </p:clrMapOvr>
+</p:sld>
+</file>
+
+<file path=ppt/slides/slide17.xml><?xml version="1.0" encoding="utf-8"?>
+<p:sld xmlns:a="http://schemas.openxmlformats.org/drawingml/2006/main" xmlns:r="http://schemas.openxmlformats.org/officeDocument/2006/relationships" xmlns:p="http://schemas.openxmlformats.org/presentationml/2006/main">
+  <p:cSld>
+    <p:spTree>
+      <p:nvGrpSpPr>
+        <p:cNvPr id="1" name=""/>
+        <p:cNvGrpSpPr/>
+        <p:nvPr/>
+      </p:nvGrpSpPr>
+      <p:grpSpPr>
+        <a:xfrm>
+          <a:off x="0" y="0"/>
+          <a:ext cx="0" cy="0"/>
+          <a:chOff x="0" y="0"/>
+          <a:chExt cx="0" cy="0"/>
+        </a:xfrm>
+      </p:grpSpPr>
+      <p:sp>
+        <p:nvSpPr>
+          <p:cNvPr id="2" name="Tytuł 1">
+            <a:extLst>
+              <a:ext uri="{FF2B5EF4-FFF2-40B4-BE49-F238E27FC236}">
+                <a16:creationId xmlns:a16="http://schemas.microsoft.com/office/drawing/2014/main" id="{AA11F76F-3203-4B44-BA32-A0134C8CA848}"/>
+              </a:ext>
+            </a:extLst>
+          </p:cNvPr>
+          <p:cNvSpPr>
+            <a:spLocks noGrp="1"/>
+          </p:cNvSpPr>
+          <p:nvPr>
+            <p:ph type="title"/>
+          </p:nvPr>
+        </p:nvSpPr>
+        <p:spPr/>
+        <p:txBody>
+          <a:bodyPr>
+            <a:normAutofit/>
+          </a:bodyPr>
+          <a:lstStyle/>
+          <a:p>
+            <a:pPr algn="ctr"/>
+            <a:r>
+              <a:rPr lang="pl-PL" sz="4400" dirty="0"/>
+              <a:t>Przydatne narzędzia/biblioteki</a:t>
+            </a:r>
+          </a:p>
+        </p:txBody>
+      </p:sp>
+      <p:sp>
+        <p:nvSpPr>
+          <p:cNvPr id="3" name="Symbol zastępczy zawartości 2">
+            <a:extLst>
+              <a:ext uri="{FF2B5EF4-FFF2-40B4-BE49-F238E27FC236}">
+                <a16:creationId xmlns:a16="http://schemas.microsoft.com/office/drawing/2014/main" id="{B9B16BB4-B16B-4445-B60B-4E7A1D9E0118}"/>
+              </a:ext>
+            </a:extLst>
+          </p:cNvPr>
+          <p:cNvSpPr>
+            <a:spLocks noGrp="1"/>
+          </p:cNvSpPr>
+          <p:nvPr>
+            <p:ph idx="1"/>
+          </p:nvPr>
+        </p:nvSpPr>
+        <p:spPr/>
+        <p:txBody>
+          <a:bodyPr/>
+          <a:lstStyle/>
+          <a:p>
+            <a:pPr fontAlgn="ctr"/>
+            <a:r>
+              <a:rPr lang="pl-PL" sz="3200" dirty="0">
+                <a:solidFill>
+                  <a:schemeClr val="tx1"/>
+                </a:solidFill>
+              </a:rPr>
+              <a:t>R#</a:t>
+            </a:r>
+          </a:p>
+          <a:p>
+            <a:pPr fontAlgn="ctr"/>
+            <a:r>
+              <a:rPr lang="pl-PL" sz="3200" dirty="0">
+                <a:solidFill>
+                  <a:schemeClr val="tx1"/>
+                </a:solidFill>
+              </a:rPr>
+              <a:t>Test </a:t>
+            </a:r>
+            <a:r>
+              <a:rPr lang="pl-PL" sz="3200" dirty="0" err="1">
+                <a:solidFill>
+                  <a:schemeClr val="tx1"/>
+                </a:solidFill>
+              </a:rPr>
+              <a:t>runner</a:t>
+            </a:r>
+            <a:endParaRPr lang="pl-PL" sz="3200" dirty="0">
+              <a:solidFill>
+                <a:schemeClr val="tx1"/>
+              </a:solidFill>
+            </a:endParaRPr>
+          </a:p>
+          <a:p>
+            <a:pPr fontAlgn="ctr"/>
+            <a:r>
+              <a:rPr lang="pl-PL" sz="3200" dirty="0" err="1">
+                <a:solidFill>
+                  <a:schemeClr val="tx1"/>
+                </a:solidFill>
+              </a:rPr>
+              <a:t>Moq</a:t>
+            </a:r>
+            <a:r>
+              <a:rPr lang="pl-PL" sz="3200" dirty="0">
+                <a:solidFill>
+                  <a:schemeClr val="tx1"/>
+                </a:solidFill>
+              </a:rPr>
+              <a:t> / </a:t>
+            </a:r>
+            <a:r>
+              <a:rPr lang="pl-PL" sz="3200" dirty="0" err="1">
+                <a:solidFill>
+                  <a:schemeClr val="tx1"/>
+                </a:solidFill>
+              </a:rPr>
+              <a:t>Nsubstitute</a:t>
+            </a:r>
+            <a:r>
+              <a:rPr lang="pl-PL" sz="3200" dirty="0">
+                <a:solidFill>
+                  <a:schemeClr val="tx1"/>
+                </a:solidFill>
+              </a:rPr>
+              <a:t> </a:t>
+            </a:r>
+          </a:p>
+          <a:p>
+            <a:pPr fontAlgn="ctr"/>
+            <a:r>
+              <a:rPr lang="pl-PL" sz="3200" dirty="0" err="1">
+                <a:solidFill>
+                  <a:schemeClr val="tx1"/>
+                </a:solidFill>
+              </a:rPr>
+              <a:t>Shouldly</a:t>
+            </a:r>
+            <a:endParaRPr lang="pl-PL" sz="3200" dirty="0">
+              <a:solidFill>
+                <a:schemeClr val="tx1"/>
+              </a:solidFill>
+            </a:endParaRPr>
+          </a:p>
+          <a:p>
+            <a:endParaRPr lang="pl-PL" dirty="0">
+              <a:solidFill>
+                <a:schemeClr val="tx1"/>
+              </a:solidFill>
+            </a:endParaRPr>
+          </a:p>
+        </p:txBody>
+      </p:sp>
+    </p:spTree>
+    <p:extLst>
+      <p:ext uri="{BB962C8B-B14F-4D97-AF65-F5344CB8AC3E}">
+        <p14:creationId xmlns:p14="http://schemas.microsoft.com/office/powerpoint/2010/main" val="1148522495"/>
+      </p:ext>
+    </p:extLst>
+  </p:cSld>
+  <p:clrMapOvr>
+    <a:masterClrMapping/>
+  </p:clrMapOvr>
+</p:sld>
+</file>
+
+<file path=ppt/slides/slide18.xml><?xml version="1.0" encoding="utf-8"?>
+<p:sld xmlns:a="http://schemas.openxmlformats.org/drawingml/2006/main" xmlns:r="http://schemas.openxmlformats.org/officeDocument/2006/relationships" xmlns:p="http://schemas.openxmlformats.org/presentationml/2006/main">
+  <p:cSld>
+    <p:spTree>
+      <p:nvGrpSpPr>
+        <p:cNvPr id="1" name=""/>
+        <p:cNvGrpSpPr/>
+        <p:nvPr/>
+      </p:nvGrpSpPr>
+      <p:grpSpPr>
+        <a:xfrm>
+          <a:off x="0" y="0"/>
+          <a:ext cx="0" cy="0"/>
+          <a:chOff x="0" y="0"/>
+          <a:chExt cx="0" cy="0"/>
+        </a:xfrm>
+      </p:grpSpPr>
+      <p:sp>
+        <p:nvSpPr>
+          <p:cNvPr id="2" name="Tytuł 1">
+            <a:extLst>
+              <a:ext uri="{FF2B5EF4-FFF2-40B4-BE49-F238E27FC236}">
+                <a16:creationId xmlns:a16="http://schemas.microsoft.com/office/drawing/2014/main" id="{97EEBC33-F476-4CAA-BE80-AE0D3B9EF768}"/>
+              </a:ext>
+            </a:extLst>
+          </p:cNvPr>
+          <p:cNvSpPr>
+            <a:spLocks noGrp="1"/>
+          </p:cNvSpPr>
+          <p:nvPr>
+            <p:ph type="title"/>
+          </p:nvPr>
+        </p:nvSpPr>
+        <p:spPr/>
+        <p:txBody>
+          <a:bodyPr/>
+          <a:lstStyle/>
+          <a:p>
+            <a:pPr algn="ctr"/>
+            <a:r>
+              <a:rPr lang="pl-PL" dirty="0" err="1"/>
+              <a:t>Moq</a:t>
+            </a:r>
+            <a:endParaRPr lang="pl-PL" dirty="0"/>
+          </a:p>
+        </p:txBody>
+      </p:sp>
+      <p:sp>
+        <p:nvSpPr>
+          <p:cNvPr id="3" name="Symbol zastępczy zawartości 2">
+            <a:extLst>
+              <a:ext uri="{FF2B5EF4-FFF2-40B4-BE49-F238E27FC236}">
+                <a16:creationId xmlns:a16="http://schemas.microsoft.com/office/drawing/2014/main" id="{00681E0D-570B-4872-8B28-90972EE357E7}"/>
+              </a:ext>
+            </a:extLst>
+          </p:cNvPr>
+          <p:cNvSpPr>
+            <a:spLocks noGrp="1"/>
+          </p:cNvSpPr>
+          <p:nvPr>
+            <p:ph idx="1"/>
+          </p:nvPr>
+        </p:nvSpPr>
+        <p:spPr/>
+        <p:txBody>
+          <a:bodyPr anchor="t">
+            <a:normAutofit fontScale="92500" lnSpcReduction="10000"/>
+          </a:bodyPr>
+          <a:lstStyle/>
+          <a:p>
+            <a:pPr marL="0" indent="0">
+              <a:buNone/>
+            </a:pPr>
+            <a:r>
+              <a:rPr lang="pl-PL" dirty="0"/>
+              <a:t> </a:t>
+            </a:r>
+            <a:r>
+              <a:rPr lang="pl-PL" dirty="0" err="1"/>
+              <a:t>var</a:t>
+            </a:r>
+            <a:r>
+              <a:rPr lang="pl-PL" dirty="0"/>
+              <a:t> </a:t>
+            </a:r>
+            <a:r>
+              <a:rPr lang="pl-PL" dirty="0" err="1"/>
+              <a:t>mock</a:t>
+            </a:r>
+            <a:r>
+              <a:rPr lang="pl-PL" dirty="0"/>
+              <a:t> = </a:t>
+            </a:r>
+            <a:r>
+              <a:rPr lang="pl-PL" dirty="0" err="1"/>
+              <a:t>new</a:t>
+            </a:r>
+            <a:r>
+              <a:rPr lang="pl-PL" dirty="0"/>
+              <a:t> </a:t>
+            </a:r>
+            <a:r>
+              <a:rPr lang="pl-PL" dirty="0" err="1"/>
+              <a:t>Mock</a:t>
+            </a:r>
+            <a:r>
+              <a:rPr lang="pl-PL" dirty="0"/>
+              <a:t>&lt;</a:t>
+            </a:r>
+            <a:r>
+              <a:rPr lang="pl-PL" dirty="0" err="1"/>
+              <a:t>IInvoiceRepository</a:t>
+            </a:r>
+            <a:r>
+              <a:rPr lang="pl-PL" dirty="0"/>
+              <a:t>&gt;();</a:t>
+            </a:r>
+          </a:p>
+          <a:p>
+            <a:pPr marL="0" indent="0">
+              <a:buNone/>
+            </a:pPr>
+            <a:r>
+              <a:rPr lang="pl-PL" dirty="0"/>
+              <a:t>      </a:t>
+            </a:r>
+            <a:r>
+              <a:rPr lang="pl-PL" dirty="0" err="1"/>
+              <a:t>mock.Setup</a:t>
+            </a:r>
+            <a:r>
+              <a:rPr lang="pl-PL" dirty="0"/>
+              <a:t>(x =&gt; </a:t>
+            </a:r>
+            <a:r>
+              <a:rPr lang="pl-PL" dirty="0" err="1"/>
+              <a:t>x.GetAll</a:t>
+            </a:r>
+            <a:r>
+              <a:rPr lang="pl-PL" dirty="0"/>
+              <a:t>()).</a:t>
+            </a:r>
+            <a:r>
+              <a:rPr lang="pl-PL" dirty="0" err="1"/>
+              <a:t>Returns</a:t>
+            </a:r>
+            <a:r>
+              <a:rPr lang="pl-PL" dirty="0"/>
+              <a:t>(</a:t>
+            </a:r>
+            <a:r>
+              <a:rPr lang="pl-PL" dirty="0" err="1"/>
+              <a:t>new</a:t>
+            </a:r>
+            <a:r>
+              <a:rPr lang="pl-PL" dirty="0"/>
+              <a:t>[]</a:t>
+            </a:r>
+          </a:p>
+          <a:p>
+            <a:pPr marL="0" indent="0">
+              <a:buNone/>
+            </a:pPr>
+            <a:r>
+              <a:rPr lang="pl-PL" dirty="0"/>
+              <a:t>        {</a:t>
+            </a:r>
+          </a:p>
+          <a:p>
+            <a:pPr marL="0" indent="0">
+              <a:buNone/>
+            </a:pPr>
+            <a:r>
+              <a:rPr lang="pl-PL" dirty="0"/>
+              <a:t>          </a:t>
+            </a:r>
+            <a:r>
+              <a:rPr lang="pl-PL" dirty="0" err="1"/>
+              <a:t>new</a:t>
+            </a:r>
+            <a:r>
+              <a:rPr lang="pl-PL" dirty="0"/>
+              <a:t> </a:t>
+            </a:r>
+            <a:r>
+              <a:rPr lang="pl-PL" dirty="0" err="1"/>
+              <a:t>Invoice</a:t>
+            </a:r>
+            <a:r>
+              <a:rPr lang="pl-PL" dirty="0"/>
+              <a:t>() {Id = 1, </a:t>
+            </a:r>
+            <a:r>
+              <a:rPr lang="pl-PL" dirty="0" err="1"/>
+              <a:t>InvoiceNumber</a:t>
+            </a:r>
+            <a:r>
+              <a:rPr lang="pl-PL" dirty="0"/>
+              <a:t> = "FV/01/2017"}, </a:t>
+            </a:r>
+            <a:r>
+              <a:rPr lang="pl-PL" dirty="0" err="1"/>
+              <a:t>new</a:t>
+            </a:r>
+            <a:r>
+              <a:rPr lang="pl-PL" dirty="0"/>
+              <a:t> </a:t>
+            </a:r>
+            <a:r>
+              <a:rPr lang="pl-PL" dirty="0" err="1"/>
+              <a:t>Invoice</a:t>
+            </a:r>
+            <a:r>
+              <a:rPr lang="pl-PL" dirty="0"/>
+              <a:t>() {Id = 2, </a:t>
+            </a:r>
+            <a:r>
+              <a:rPr lang="pl-PL" dirty="0" err="1"/>
+              <a:t>InvoiceNumber</a:t>
+            </a:r>
+            <a:r>
+              <a:rPr lang="pl-PL" dirty="0"/>
+              <a:t> = "FV/02/2017"},</a:t>
+            </a:r>
+          </a:p>
+          <a:p>
+            <a:pPr marL="0" indent="0">
+              <a:buNone/>
+            </a:pPr>
+            <a:r>
+              <a:rPr lang="pl-PL" dirty="0"/>
+              <a:t>        })</a:t>
+            </a:r>
+          </a:p>
+          <a:p>
+            <a:pPr marL="0" indent="0">
+              <a:buNone/>
+            </a:pPr>
+            <a:r>
+              <a:rPr lang="pl-PL" dirty="0"/>
+              <a:t>        .</a:t>
+            </a:r>
+            <a:r>
+              <a:rPr lang="pl-PL" dirty="0" err="1"/>
+              <a:t>Verifiable</a:t>
+            </a:r>
+            <a:r>
+              <a:rPr lang="pl-PL" dirty="0"/>
+              <a:t>();</a:t>
+            </a:r>
+          </a:p>
+          <a:p>
+            <a:pPr marL="0" indent="0">
+              <a:buNone/>
+            </a:pPr>
+            <a:endParaRPr lang="pl-PL" dirty="0"/>
+          </a:p>
+          <a:p>
+            <a:pPr marL="0" indent="0">
+              <a:buNone/>
+            </a:pPr>
+            <a:r>
+              <a:rPr lang="pl-PL" dirty="0"/>
+              <a:t>      </a:t>
+            </a:r>
+            <a:r>
+              <a:rPr lang="pl-PL" dirty="0" err="1"/>
+              <a:t>Assert.That</a:t>
+            </a:r>
+            <a:r>
+              <a:rPr lang="pl-PL" dirty="0"/>
+              <a:t>(</a:t>
+            </a:r>
+            <a:r>
+              <a:rPr lang="pl-PL" dirty="0" err="1"/>
+              <a:t>mock.Object.GetAll</a:t>
+            </a:r>
+            <a:r>
+              <a:rPr lang="pl-PL" dirty="0"/>
+              <a:t>().</a:t>
+            </a:r>
+            <a:r>
+              <a:rPr lang="pl-PL" dirty="0" err="1"/>
+              <a:t>Count</a:t>
+            </a:r>
+            <a:r>
+              <a:rPr lang="pl-PL" dirty="0"/>
+              <a:t>(), </a:t>
+            </a:r>
+            <a:r>
+              <a:rPr lang="pl-PL" dirty="0" err="1"/>
+              <a:t>Is.EqualTo</a:t>
+            </a:r>
+            <a:r>
+              <a:rPr lang="pl-PL" dirty="0"/>
+              <a:t>(2));</a:t>
+            </a:r>
+          </a:p>
+          <a:p>
+            <a:pPr marL="0" indent="0">
+              <a:buNone/>
+            </a:pPr>
+            <a:endParaRPr lang="pl-PL" dirty="0"/>
+          </a:p>
+          <a:p>
+            <a:pPr marL="0" indent="0">
+              <a:buNone/>
+            </a:pPr>
+            <a:r>
+              <a:rPr lang="pl-PL" dirty="0"/>
+              <a:t>      </a:t>
+            </a:r>
+            <a:r>
+              <a:rPr lang="pl-PL" dirty="0" err="1"/>
+              <a:t>mock.Verify</a:t>
+            </a:r>
+            <a:r>
+              <a:rPr lang="pl-PL" dirty="0"/>
+              <a:t>();</a:t>
+            </a:r>
+          </a:p>
+        </p:txBody>
+      </p:sp>
+    </p:spTree>
+    <p:extLst>
+      <p:ext uri="{BB962C8B-B14F-4D97-AF65-F5344CB8AC3E}">
+        <p14:creationId xmlns:p14="http://schemas.microsoft.com/office/powerpoint/2010/main" val="634370889"/>
+      </p:ext>
+    </p:extLst>
+  </p:cSld>
+  <p:clrMapOvr>
+    <a:masterClrMapping/>
+  </p:clrMapOvr>
+</p:sld>
+</file>
+
+<file path=ppt/slides/slide19.xml><?xml version="1.0" encoding="utf-8"?>
+<p:sld xmlns:a="http://schemas.openxmlformats.org/drawingml/2006/main" xmlns:r="http://schemas.openxmlformats.org/officeDocument/2006/relationships" xmlns:p="http://schemas.openxmlformats.org/presentationml/2006/main">
+  <p:cSld>
+    <p:spTree>
+      <p:nvGrpSpPr>
+        <p:cNvPr id="1" name=""/>
+        <p:cNvGrpSpPr/>
+        <p:nvPr/>
+      </p:nvGrpSpPr>
+      <p:grpSpPr>
+        <a:xfrm>
+          <a:off x="0" y="0"/>
+          <a:ext cx="0" cy="0"/>
+          <a:chOff x="0" y="0"/>
+          <a:chExt cx="0" cy="0"/>
+        </a:xfrm>
+      </p:grpSpPr>
+      <p:sp>
+        <p:nvSpPr>
+          <p:cNvPr id="2" name="Tytuł 1">
+            <a:extLst>
+              <a:ext uri="{FF2B5EF4-FFF2-40B4-BE49-F238E27FC236}">
+                <a16:creationId xmlns:a16="http://schemas.microsoft.com/office/drawing/2014/main" id="{97EEBC33-F476-4CAA-BE80-AE0D3B9EF768}"/>
+              </a:ext>
+            </a:extLst>
+          </p:cNvPr>
+          <p:cNvSpPr>
+            <a:spLocks noGrp="1"/>
+          </p:cNvSpPr>
+          <p:nvPr>
+            <p:ph type="title"/>
+          </p:nvPr>
+        </p:nvSpPr>
+        <p:spPr/>
+        <p:txBody>
+          <a:bodyPr/>
+          <a:lstStyle/>
+          <a:p>
+            <a:pPr algn="ctr"/>
+            <a:r>
+              <a:rPr lang="pl-PL" dirty="0" err="1"/>
+              <a:t>Shouldly</a:t>
+            </a:r>
+            <a:endParaRPr lang="pl-PL" dirty="0"/>
+          </a:p>
+        </p:txBody>
+      </p:sp>
+      <p:sp>
+        <p:nvSpPr>
+          <p:cNvPr id="3" name="Symbol zastępczy zawartości 2">
+            <a:extLst>
+              <a:ext uri="{FF2B5EF4-FFF2-40B4-BE49-F238E27FC236}">
+                <a16:creationId xmlns:a16="http://schemas.microsoft.com/office/drawing/2014/main" id="{00681E0D-570B-4872-8B28-90972EE357E7}"/>
+              </a:ext>
+            </a:extLst>
+          </p:cNvPr>
+          <p:cNvSpPr>
+            <a:spLocks noGrp="1"/>
+          </p:cNvSpPr>
+          <p:nvPr>
+            <p:ph idx="1"/>
+          </p:nvPr>
+        </p:nvSpPr>
+        <p:spPr/>
+        <p:txBody>
+          <a:bodyPr anchor="t">
+            <a:normAutofit/>
+          </a:bodyPr>
+          <a:lstStyle/>
+          <a:p>
+            <a:pPr marL="0" indent="0">
+              <a:buNone/>
+            </a:pPr>
+            <a:r>
+              <a:rPr lang="pl-PL" dirty="0"/>
+              <a:t>      </a:t>
+            </a:r>
+            <a:r>
+              <a:rPr lang="pl-PL" dirty="0" err="1"/>
+              <a:t>var</a:t>
+            </a:r>
+            <a:r>
+              <a:rPr lang="pl-PL" dirty="0"/>
+              <a:t> a = 1 * 3;</a:t>
+            </a:r>
+          </a:p>
+          <a:p>
+            <a:pPr marL="0" indent="0">
+              <a:buNone/>
+            </a:pPr>
+            <a:r>
+              <a:rPr lang="pl-PL" dirty="0"/>
+              <a:t>      </a:t>
+            </a:r>
+            <a:r>
+              <a:rPr lang="pl-PL" dirty="0" err="1"/>
+              <a:t>var</a:t>
+            </a:r>
+            <a:r>
+              <a:rPr lang="pl-PL" dirty="0"/>
+              <a:t> b = 9/3;</a:t>
+            </a:r>
+          </a:p>
+          <a:p>
+            <a:pPr marL="0" indent="0">
+              <a:buNone/>
+            </a:pPr>
+            <a:endParaRPr lang="pl-PL" dirty="0"/>
+          </a:p>
+          <a:p>
+            <a:pPr marL="0" indent="0">
+              <a:buNone/>
+            </a:pPr>
+            <a:r>
+              <a:rPr lang="pl-PL" dirty="0"/>
+              <a:t>      </a:t>
+            </a:r>
+            <a:r>
+              <a:rPr lang="pl-PL" dirty="0" err="1"/>
+              <a:t>var</a:t>
+            </a:r>
+            <a:r>
+              <a:rPr lang="pl-PL" dirty="0"/>
+              <a:t> </a:t>
+            </a:r>
+            <a:r>
+              <a:rPr lang="pl-PL" dirty="0" err="1"/>
+              <a:t>value</a:t>
+            </a:r>
+            <a:r>
+              <a:rPr lang="pl-PL" dirty="0"/>
+              <a:t> = a == b;</a:t>
+            </a:r>
+          </a:p>
+          <a:p>
+            <a:pPr marL="0" indent="0">
+              <a:buNone/>
+            </a:pPr>
+            <a:endParaRPr lang="pl-PL" dirty="0"/>
+          </a:p>
+          <a:p>
+            <a:pPr marL="0" indent="0">
+              <a:buNone/>
+            </a:pPr>
+            <a:r>
+              <a:rPr lang="pl-PL" dirty="0"/>
+              <a:t>      </a:t>
+            </a:r>
+            <a:r>
+              <a:rPr lang="pl-PL" dirty="0" err="1"/>
+              <a:t>value.ShouldBe</a:t>
+            </a:r>
+            <a:r>
+              <a:rPr lang="pl-PL" dirty="0"/>
+              <a:t>(</a:t>
+            </a:r>
+            <a:r>
+              <a:rPr lang="pl-PL" dirty="0" err="1"/>
+              <a:t>true</a:t>
+            </a:r>
+            <a:r>
+              <a:rPr lang="pl-PL" dirty="0"/>
+              <a:t>);</a:t>
+            </a:r>
+          </a:p>
+          <a:p>
+            <a:pPr marL="0" indent="0">
+              <a:buNone/>
+            </a:pPr>
+            <a:r>
+              <a:rPr lang="en-US" dirty="0"/>
+              <a:t>      Action </a:t>
+            </a:r>
+            <a:r>
+              <a:rPr lang="en-US" dirty="0" err="1"/>
+              <a:t>action</a:t>
+            </a:r>
+            <a:r>
+              <a:rPr lang="en-US" dirty="0"/>
+              <a:t> = () =&gt; { throw new Exception();};</a:t>
+            </a:r>
+          </a:p>
+          <a:p>
+            <a:pPr marL="0" indent="0">
+              <a:buNone/>
+            </a:pPr>
+            <a:endParaRPr lang="pl-PL" dirty="0"/>
+          </a:p>
+          <a:p>
+            <a:pPr marL="0" indent="0">
+              <a:buNone/>
+            </a:pPr>
+            <a:r>
+              <a:rPr lang="pl-PL" dirty="0"/>
+              <a:t>      </a:t>
+            </a:r>
+            <a:r>
+              <a:rPr lang="pl-PL" dirty="0" err="1"/>
+              <a:t>action.ShouldThrow</a:t>
+            </a:r>
+            <a:r>
+              <a:rPr lang="pl-PL" dirty="0"/>
+              <a:t>&lt;</a:t>
+            </a:r>
+            <a:r>
+              <a:rPr lang="pl-PL" dirty="0" err="1"/>
+              <a:t>Exception</a:t>
+            </a:r>
+            <a:r>
+              <a:rPr lang="pl-PL" dirty="0"/>
+              <a:t>&gt;();</a:t>
+            </a:r>
+          </a:p>
+        </p:txBody>
+      </p:sp>
+    </p:spTree>
+    <p:extLst>
+      <p:ext uri="{BB962C8B-B14F-4D97-AF65-F5344CB8AC3E}">
+        <p14:creationId xmlns:p14="http://schemas.microsoft.com/office/powerpoint/2010/main" val="897431209"/>
+      </p:ext>
+    </p:extLst>
+  </p:cSld>
+  <p:clrMapOvr>
+    <a:masterClrMapping/>
+  </p:clrMapOvr>
+</p:sld>
+</file>
+
+<file path=ppt/slides/slide2.xml><?xml version="1.0" encoding="utf-8"?>
+<p:sld xmlns:a="http://schemas.openxmlformats.org/drawingml/2006/main" xmlns:r="http://schemas.openxmlformats.org/officeDocument/2006/relationships" xmlns:p="http://schemas.openxmlformats.org/presentationml/2006/main">
+  <p:cSld>
+    <p:spTree>
+      <p:nvGrpSpPr>
+        <p:cNvPr id="1" name=""/>
+        <p:cNvGrpSpPr/>
+        <p:nvPr/>
+      </p:nvGrpSpPr>
+      <p:grpSpPr>
+        <a:xfrm>
+          <a:off x="0" y="0"/>
+          <a:ext cx="0" cy="0"/>
+          <a:chOff x="0" y="0"/>
+          <a:chExt cx="0" cy="0"/>
+        </a:xfrm>
+      </p:grpSpPr>
+      <p:sp>
+        <p:nvSpPr>
+          <p:cNvPr id="2" name="Tytuł 1">
+            <a:extLst>
+              <a:ext uri="{FF2B5EF4-FFF2-40B4-BE49-F238E27FC236}">
+                <a16:creationId xmlns:a16="http://schemas.microsoft.com/office/drawing/2014/main" id="{1845038C-1A6B-4064-9C49-17B1E4780D3B}"/>
+              </a:ext>
+            </a:extLst>
+          </p:cNvPr>
+          <p:cNvSpPr>
+            <a:spLocks noGrp="1"/>
+          </p:cNvSpPr>
+          <p:nvPr>
+            <p:ph type="title"/>
+          </p:nvPr>
+        </p:nvSpPr>
+        <p:spPr>
+          <a:xfrm>
+            <a:off x="581192" y="596648"/>
+            <a:ext cx="11029616" cy="1013800"/>
+          </a:xfrm>
+        </p:spPr>
+        <p:txBody>
+          <a:bodyPr>
+            <a:normAutofit/>
+          </a:bodyPr>
+          <a:lstStyle/>
+          <a:p>
+            <a:pPr algn="ctr"/>
+            <a:r>
+              <a:rPr lang="pl-PL" sz="3600" dirty="0"/>
+              <a:t>JAK MOŻEMY SPRAWDZAĆ DZIAŁANIE APLIKACJI?</a:t>
+            </a:r>
+          </a:p>
+        </p:txBody>
+      </p:sp>
+      <p:sp>
+        <p:nvSpPr>
+          <p:cNvPr id="3" name="Symbol zastępczy zawartości 2">
+            <a:extLst>
+              <a:ext uri="{FF2B5EF4-FFF2-40B4-BE49-F238E27FC236}">
+                <a16:creationId xmlns:a16="http://schemas.microsoft.com/office/drawing/2014/main" id="{9B561308-36F4-4BD8-8388-287994948828}"/>
+              </a:ext>
+            </a:extLst>
+          </p:cNvPr>
+          <p:cNvSpPr>
+            <a:spLocks noGrp="1"/>
+          </p:cNvSpPr>
+          <p:nvPr>
+            <p:ph idx="1"/>
+          </p:nvPr>
+        </p:nvSpPr>
+        <p:spPr/>
+        <p:txBody>
+          <a:bodyPr>
+            <a:normAutofit/>
+          </a:bodyPr>
+          <a:lstStyle/>
+          <a:p>
+            <a:pPr marL="0" indent="0" algn="ctr">
+              <a:buNone/>
+            </a:pPr>
+            <a:r>
+              <a:rPr lang="pl-PL" sz="3200" dirty="0">
+                <a:solidFill>
+                  <a:schemeClr val="tx1"/>
+                </a:solidFill>
+              </a:rPr>
+              <a:t>Proste aplikacje konsolowe?</a:t>
+            </a:r>
+          </a:p>
+          <a:p>
+            <a:pPr marL="0" indent="0" algn="ctr">
+              <a:buNone/>
+            </a:pPr>
+            <a:r>
+              <a:rPr lang="pl-PL" sz="3200" dirty="0">
+                <a:solidFill>
+                  <a:schemeClr val="tx1"/>
+                </a:solidFill>
+              </a:rPr>
+              <a:t>Uruchamianie pełnej aplikacji?</a:t>
+            </a:r>
+          </a:p>
+        </p:txBody>
+      </p:sp>
+    </p:spTree>
+    <p:extLst>
+      <p:ext uri="{BB962C8B-B14F-4D97-AF65-F5344CB8AC3E}">
+        <p14:creationId xmlns:p14="http://schemas.microsoft.com/office/powerpoint/2010/main" val="4205978394"/>
+      </p:ext>
+    </p:extLst>
+  </p:cSld>
+  <p:clrMapOvr>
+    <a:masterClrMapping/>
+  </p:clrMapOvr>
+</p:sld>
+</file>
+
+<file path=ppt/slides/slide20.xml><?xml version="1.0" encoding="utf-8"?>
+<p:sld xmlns:a="http://schemas.openxmlformats.org/drawingml/2006/main" xmlns:r="http://schemas.openxmlformats.org/officeDocument/2006/relationships" xmlns:p="http://schemas.openxmlformats.org/presentationml/2006/main">
+  <p:cSld>
+    <p:spTree>
+      <p:nvGrpSpPr>
+        <p:cNvPr id="1" name=""/>
+        <p:cNvGrpSpPr/>
+        <p:nvPr/>
+      </p:nvGrpSpPr>
+      <p:grpSpPr>
+        <a:xfrm>
+          <a:off x="0" y="0"/>
+          <a:ext cx="0" cy="0"/>
+          <a:chOff x="0" y="0"/>
+          <a:chExt cx="0" cy="0"/>
+        </a:xfrm>
+      </p:grpSpPr>
+      <p:sp>
+        <p:nvSpPr>
+          <p:cNvPr id="2" name="Tytuł 1">
+            <a:extLst>
+              <a:ext uri="{FF2B5EF4-FFF2-40B4-BE49-F238E27FC236}">
+                <a16:creationId xmlns:a16="http://schemas.microsoft.com/office/drawing/2014/main" id="{32F114C4-5237-4EFD-BF4D-E7C9058A99A3}"/>
+              </a:ext>
+            </a:extLst>
+          </p:cNvPr>
+          <p:cNvSpPr>
+            <a:spLocks noGrp="1"/>
+          </p:cNvSpPr>
+          <p:nvPr>
+            <p:ph type="title"/>
+          </p:nvPr>
+        </p:nvSpPr>
+        <p:spPr/>
+        <p:txBody>
+          <a:bodyPr>
+            <a:normAutofit/>
+          </a:bodyPr>
+          <a:lstStyle/>
+          <a:p>
+            <a:pPr algn="ctr"/>
+            <a:r>
+              <a:rPr lang="pl-PL" sz="4400" dirty="0"/>
+              <a:t>Kiedy pisać testy jednostkowe?</a:t>
+            </a:r>
+          </a:p>
+        </p:txBody>
+      </p:sp>
+      <p:sp>
+        <p:nvSpPr>
+          <p:cNvPr id="3" name="Symbol zastępczy zawartości 2">
+            <a:extLst>
+              <a:ext uri="{FF2B5EF4-FFF2-40B4-BE49-F238E27FC236}">
+                <a16:creationId xmlns:a16="http://schemas.microsoft.com/office/drawing/2014/main" id="{7E313087-0B09-4CF6-AA8E-E917DD2C5751}"/>
+              </a:ext>
+            </a:extLst>
+          </p:cNvPr>
+          <p:cNvSpPr>
+            <a:spLocks noGrp="1"/>
+          </p:cNvSpPr>
+          <p:nvPr>
+            <p:ph idx="1"/>
+          </p:nvPr>
+        </p:nvSpPr>
+        <p:spPr/>
+        <p:txBody>
+          <a:bodyPr/>
+          <a:lstStyle/>
+          <a:p>
+            <a:endParaRPr lang="pl-PL" dirty="0"/>
+          </a:p>
+        </p:txBody>
+      </p:sp>
+    </p:spTree>
+    <p:extLst>
+      <p:ext uri="{BB962C8B-B14F-4D97-AF65-F5344CB8AC3E}">
+        <p14:creationId xmlns:p14="http://schemas.microsoft.com/office/powerpoint/2010/main" val="134294524"/>
+      </p:ext>
+    </p:extLst>
+  </p:cSld>
+  <p:clrMapOvr>
+    <a:masterClrMapping/>
+  </p:clrMapOvr>
+</p:sld>
+</file>
+
+<file path=ppt/slides/slide21.xml><?xml version="1.0" encoding="utf-8"?>
+<p:sld xmlns:a="http://schemas.openxmlformats.org/drawingml/2006/main" xmlns:r="http://schemas.openxmlformats.org/officeDocument/2006/relationships" xmlns:p="http://schemas.openxmlformats.org/presentationml/2006/main">
+  <p:cSld>
+    <p:spTree>
+      <p:nvGrpSpPr>
+        <p:cNvPr id="1" name=""/>
+        <p:cNvGrpSpPr/>
+        <p:nvPr/>
+      </p:nvGrpSpPr>
+      <p:grpSpPr>
+        <a:xfrm>
+          <a:off x="0" y="0"/>
+          <a:ext cx="0" cy="0"/>
+          <a:chOff x="0" y="0"/>
+          <a:chExt cx="0" cy="0"/>
+        </a:xfrm>
+      </p:grpSpPr>
+      <p:sp>
+        <p:nvSpPr>
+          <p:cNvPr id="2" name="Tytuł 1">
+            <a:extLst>
+              <a:ext uri="{FF2B5EF4-FFF2-40B4-BE49-F238E27FC236}">
+                <a16:creationId xmlns:a16="http://schemas.microsoft.com/office/drawing/2014/main" id="{32F114C4-5237-4EFD-BF4D-E7C9058A99A3}"/>
+              </a:ext>
+            </a:extLst>
+          </p:cNvPr>
+          <p:cNvSpPr>
+            <a:spLocks noGrp="1"/>
+          </p:cNvSpPr>
+          <p:nvPr>
+            <p:ph type="title"/>
+          </p:nvPr>
+        </p:nvSpPr>
+        <p:spPr/>
+        <p:txBody>
+          <a:bodyPr>
+            <a:normAutofit/>
+          </a:bodyPr>
+          <a:lstStyle/>
+          <a:p>
+            <a:pPr algn="ctr"/>
+            <a:r>
+              <a:rPr lang="pl-PL" sz="4400" dirty="0"/>
+              <a:t>Kiedy pisać testy jednostkowe</a:t>
+            </a:r>
+          </a:p>
+        </p:txBody>
+      </p:sp>
+      <p:sp>
+        <p:nvSpPr>
+          <p:cNvPr id="3" name="Symbol zastępczy zawartości 2">
+            <a:extLst>
+              <a:ext uri="{FF2B5EF4-FFF2-40B4-BE49-F238E27FC236}">
+                <a16:creationId xmlns:a16="http://schemas.microsoft.com/office/drawing/2014/main" id="{7E313087-0B09-4CF6-AA8E-E917DD2C5751}"/>
+              </a:ext>
+            </a:extLst>
+          </p:cNvPr>
+          <p:cNvSpPr>
+            <a:spLocks noGrp="1"/>
+          </p:cNvSpPr>
+          <p:nvPr>
+            <p:ph idx="1"/>
+          </p:nvPr>
+        </p:nvSpPr>
+        <p:spPr/>
+        <p:txBody>
+          <a:bodyPr/>
+          <a:lstStyle/>
+          <a:p>
+            <a:pPr marL="0" indent="0" algn="ctr">
+              <a:buNone/>
+            </a:pPr>
+            <a:endParaRPr lang="pl-PL" sz="3600" dirty="0"/>
+          </a:p>
+          <a:p>
+            <a:pPr marL="0" indent="0" algn="ctr">
+              <a:buNone/>
+            </a:pPr>
+            <a:r>
+              <a:rPr lang="pl-PL" sz="8800" dirty="0">
+                <a:solidFill>
+                  <a:schemeClr val="tx1"/>
+                </a:solidFill>
+              </a:rPr>
+              <a:t>zawsze!</a:t>
+            </a:r>
+          </a:p>
+          <a:p>
+            <a:endParaRPr lang="pl-PL" dirty="0"/>
+          </a:p>
+        </p:txBody>
+      </p:sp>
+    </p:spTree>
+    <p:extLst>
+      <p:ext uri="{BB962C8B-B14F-4D97-AF65-F5344CB8AC3E}">
+        <p14:creationId xmlns:p14="http://schemas.microsoft.com/office/powerpoint/2010/main" val="1431967116"/>
+      </p:ext>
+    </p:extLst>
+  </p:cSld>
+  <p:clrMapOvr>
+    <a:masterClrMapping/>
+  </p:clrMapOvr>
+</p:sld>
+</file>
+
+<file path=ppt/slides/slide22.xml><?xml version="1.0" encoding="utf-8"?>
+<p:sld xmlns:a="http://schemas.openxmlformats.org/drawingml/2006/main" xmlns:r="http://schemas.openxmlformats.org/officeDocument/2006/relationships" xmlns:p="http://schemas.openxmlformats.org/presentationml/2006/main">
+  <p:cSld>
+    <p:spTree>
+      <p:nvGrpSpPr>
+        <p:cNvPr id="1" name=""/>
+        <p:cNvGrpSpPr/>
+        <p:nvPr/>
+      </p:nvGrpSpPr>
+      <p:grpSpPr>
+        <a:xfrm>
+          <a:off x="0" y="0"/>
+          <a:ext cx="0" cy="0"/>
+          <a:chOff x="0" y="0"/>
+          <a:chExt cx="0" cy="0"/>
+        </a:xfrm>
+      </p:grpSpPr>
+      <p:sp>
+        <p:nvSpPr>
+          <p:cNvPr id="2" name="Tytuł 1">
+            <a:extLst>
+              <a:ext uri="{FF2B5EF4-FFF2-40B4-BE49-F238E27FC236}">
+                <a16:creationId xmlns:a16="http://schemas.microsoft.com/office/drawing/2014/main" id="{32F114C4-5237-4EFD-BF4D-E7C9058A99A3}"/>
+              </a:ext>
+            </a:extLst>
+          </p:cNvPr>
+          <p:cNvSpPr>
+            <a:spLocks noGrp="1"/>
+          </p:cNvSpPr>
+          <p:nvPr>
+            <p:ph type="title"/>
+          </p:nvPr>
+        </p:nvSpPr>
+        <p:spPr/>
+        <p:txBody>
+          <a:bodyPr>
+            <a:normAutofit/>
+          </a:bodyPr>
+          <a:lstStyle/>
+          <a:p>
+            <a:pPr algn="ctr"/>
+            <a:r>
+              <a:rPr lang="pl-PL" sz="4800" dirty="0"/>
+              <a:t>Kiedy pisać testy jednostkowe</a:t>
+            </a:r>
+          </a:p>
+        </p:txBody>
+      </p:sp>
+      <p:sp>
+        <p:nvSpPr>
+          <p:cNvPr id="3" name="Symbol zastępczy zawartości 2">
+            <a:extLst>
+              <a:ext uri="{FF2B5EF4-FFF2-40B4-BE49-F238E27FC236}">
+                <a16:creationId xmlns:a16="http://schemas.microsoft.com/office/drawing/2014/main" id="{7E313087-0B09-4CF6-AA8E-E917DD2C5751}"/>
+              </a:ext>
+            </a:extLst>
+          </p:cNvPr>
+          <p:cNvSpPr>
+            <a:spLocks noGrp="1"/>
+          </p:cNvSpPr>
+          <p:nvPr>
+            <p:ph idx="1"/>
+          </p:nvPr>
+        </p:nvSpPr>
+        <p:spPr/>
+        <p:txBody>
+          <a:bodyPr>
+            <a:normAutofit/>
+          </a:bodyPr>
+          <a:lstStyle/>
+          <a:p>
+            <a:r>
+              <a:rPr lang="pl-PL" sz="2800" dirty="0">
+                <a:solidFill>
+                  <a:schemeClr val="tx1"/>
+                </a:solidFill>
+              </a:rPr>
+              <a:t>Gdy dodajemy nową logikę do aplikacji</a:t>
+            </a:r>
+          </a:p>
+          <a:p>
+            <a:r>
+              <a:rPr lang="pl-PL" sz="2800" dirty="0">
+                <a:solidFill>
+                  <a:schemeClr val="tx1"/>
+                </a:solidFill>
+              </a:rPr>
+              <a:t>Podczas naprawy błędów</a:t>
+            </a:r>
+          </a:p>
+          <a:p>
+            <a:r>
+              <a:rPr lang="pl-PL" sz="2800" dirty="0">
+                <a:solidFill>
+                  <a:schemeClr val="tx1"/>
+                </a:solidFill>
+              </a:rPr>
+              <a:t>Przed </a:t>
+            </a:r>
+            <a:r>
+              <a:rPr lang="pl-PL" sz="2800" dirty="0" err="1">
+                <a:solidFill>
+                  <a:schemeClr val="tx1"/>
+                </a:solidFill>
+              </a:rPr>
+              <a:t>refactoringiem</a:t>
+            </a:r>
+            <a:endParaRPr lang="pl-PL" sz="2800" dirty="0">
+              <a:solidFill>
+                <a:schemeClr val="tx1"/>
+              </a:solidFill>
+            </a:endParaRPr>
+          </a:p>
+        </p:txBody>
+      </p:sp>
+    </p:spTree>
+    <p:extLst>
+      <p:ext uri="{BB962C8B-B14F-4D97-AF65-F5344CB8AC3E}">
+        <p14:creationId xmlns:p14="http://schemas.microsoft.com/office/powerpoint/2010/main" val="1660256164"/>
+      </p:ext>
+    </p:extLst>
+  </p:cSld>
+  <p:clrMapOvr>
+    <a:masterClrMapping/>
+  </p:clrMapOvr>
+</p:sld>
+</file>
+
+<file path=ppt/slides/slide23.xml><?xml version="1.0" encoding="utf-8"?>
+<p:sld xmlns:a="http://schemas.openxmlformats.org/drawingml/2006/main" xmlns:r="http://schemas.openxmlformats.org/officeDocument/2006/relationships" xmlns:p="http://schemas.openxmlformats.org/presentationml/2006/main">
+  <p:cSld>
+    <p:spTree>
+      <p:nvGrpSpPr>
+        <p:cNvPr id="1" name=""/>
+        <p:cNvGrpSpPr/>
+        <p:nvPr/>
+      </p:nvGrpSpPr>
+      <p:grpSpPr>
+        <a:xfrm>
+          <a:off x="0" y="0"/>
+          <a:ext cx="0" cy="0"/>
+          <a:chOff x="0" y="0"/>
+          <a:chExt cx="0" cy="0"/>
+        </a:xfrm>
+      </p:grpSpPr>
+      <p:sp>
+        <p:nvSpPr>
+          <p:cNvPr id="2" name="Tytuł 1">
+            <a:extLst>
+              <a:ext uri="{FF2B5EF4-FFF2-40B4-BE49-F238E27FC236}">
+                <a16:creationId xmlns:a16="http://schemas.microsoft.com/office/drawing/2014/main" id="{D6A65D01-27A7-41FD-9C79-39EAD8145F7F}"/>
+              </a:ext>
+            </a:extLst>
+          </p:cNvPr>
+          <p:cNvSpPr>
+            <a:spLocks noGrp="1"/>
+          </p:cNvSpPr>
+          <p:nvPr>
+            <p:ph type="title"/>
+          </p:nvPr>
+        </p:nvSpPr>
+        <p:spPr/>
+        <p:txBody>
+          <a:bodyPr/>
+          <a:lstStyle/>
+          <a:p>
+            <a:pPr algn="ctr"/>
+            <a:r>
+              <a:rPr lang="pl-PL" dirty="0"/>
+              <a:t>Zakres testów</a:t>
+            </a:r>
+          </a:p>
+        </p:txBody>
+      </p:sp>
+      <p:sp>
+        <p:nvSpPr>
+          <p:cNvPr id="3" name="Symbol zastępczy zawartości 2">
+            <a:extLst>
+              <a:ext uri="{FF2B5EF4-FFF2-40B4-BE49-F238E27FC236}">
+                <a16:creationId xmlns:a16="http://schemas.microsoft.com/office/drawing/2014/main" id="{3847D862-3727-43A5-B4A7-D3B5C9423D80}"/>
+              </a:ext>
+            </a:extLst>
+          </p:cNvPr>
+          <p:cNvSpPr>
+            <a:spLocks noGrp="1"/>
+          </p:cNvSpPr>
+          <p:nvPr>
+            <p:ph idx="1"/>
+          </p:nvPr>
+        </p:nvSpPr>
+        <p:spPr/>
+        <p:txBody>
+          <a:bodyPr/>
+          <a:lstStyle/>
+          <a:p>
+            <a:endParaRPr lang="pl-PL" dirty="0"/>
+          </a:p>
+        </p:txBody>
+      </p:sp>
+    </p:spTree>
+    <p:extLst>
+      <p:ext uri="{BB962C8B-B14F-4D97-AF65-F5344CB8AC3E}">
+        <p14:creationId xmlns:p14="http://schemas.microsoft.com/office/powerpoint/2010/main" val="2118972372"/>
+      </p:ext>
+    </p:extLst>
+  </p:cSld>
+  <p:clrMapOvr>
+    <a:masterClrMapping/>
+  </p:clrMapOvr>
+</p:sld>
+</file>
+
+<file path=ppt/slides/slide3.xml><?xml version="1.0" encoding="utf-8"?>
+<p:sld xmlns:a="http://schemas.openxmlformats.org/drawingml/2006/main" xmlns:r="http://schemas.openxmlformats.org/officeDocument/2006/relationships" xmlns:p="http://schemas.openxmlformats.org/presentationml/2006/main">
+  <p:cSld>
+    <p:spTree>
+      <p:nvGrpSpPr>
+        <p:cNvPr id="1" name=""/>
+        <p:cNvGrpSpPr/>
+        <p:nvPr/>
+      </p:nvGrpSpPr>
+      <p:grpSpPr>
+        <a:xfrm>
+          <a:off x="0" y="0"/>
+          <a:ext cx="0" cy="0"/>
+          <a:chOff x="0" y="0"/>
+          <a:chExt cx="0" cy="0"/>
+        </a:xfrm>
+      </p:grpSpPr>
+      <p:sp>
+        <p:nvSpPr>
+          <p:cNvPr id="2" name="Tytuł 1">
+            <a:extLst>
+              <a:ext uri="{FF2B5EF4-FFF2-40B4-BE49-F238E27FC236}">
+                <a16:creationId xmlns:a16="http://schemas.microsoft.com/office/drawing/2014/main" id="{F3144CAC-B7A7-4FBC-91A7-686E1460329E}"/>
+              </a:ext>
+            </a:extLst>
+          </p:cNvPr>
+          <p:cNvSpPr>
+            <a:spLocks noGrp="1"/>
+          </p:cNvSpPr>
+          <p:nvPr>
+            <p:ph type="title"/>
+          </p:nvPr>
+        </p:nvSpPr>
+        <p:spPr/>
+        <p:txBody>
+          <a:bodyPr>
+            <a:normAutofit/>
+          </a:bodyPr>
+          <a:lstStyle/>
+          <a:p>
+            <a:pPr algn="ctr"/>
+            <a:r>
+              <a:rPr lang="pl-PL" sz="3600" dirty="0"/>
+              <a:t>CZYM SĄ Testy JEDNOSTKOWE?</a:t>
+            </a:r>
+          </a:p>
+        </p:txBody>
+      </p:sp>
+      <p:sp>
+        <p:nvSpPr>
+          <p:cNvPr id="3" name="Symbol zastępczy zawartości 2">
+            <a:extLst>
+              <a:ext uri="{FF2B5EF4-FFF2-40B4-BE49-F238E27FC236}">
+                <a16:creationId xmlns:a16="http://schemas.microsoft.com/office/drawing/2014/main" id="{B0338307-19BA-4D13-987C-9E4D3669AA0C}"/>
+              </a:ext>
+            </a:extLst>
+          </p:cNvPr>
+          <p:cNvSpPr>
+            <a:spLocks noGrp="1"/>
+          </p:cNvSpPr>
+          <p:nvPr>
+            <p:ph idx="1"/>
+          </p:nvPr>
+        </p:nvSpPr>
+        <p:spPr/>
+        <p:txBody>
+          <a:bodyPr>
+            <a:normAutofit/>
+          </a:bodyPr>
+          <a:lstStyle/>
+          <a:p>
+            <a:r>
+              <a:rPr lang="pl-PL" sz="3200" dirty="0">
+                <a:solidFill>
+                  <a:schemeClr val="tx1"/>
+                </a:solidFill>
+              </a:rPr>
+              <a:t>Kod, który wykonuje fragmenty aplikacji</a:t>
+            </a:r>
+          </a:p>
+          <a:p>
+            <a:r>
+              <a:rPr lang="pl-PL" sz="3200" dirty="0">
+                <a:solidFill>
+                  <a:schemeClr val="tx1"/>
+                </a:solidFill>
+              </a:rPr>
+              <a:t>Dostarczamy dane wejściowe </a:t>
+            </a:r>
+          </a:p>
+          <a:p>
+            <a:r>
+              <a:rPr lang="pl-PL" sz="3200" dirty="0">
+                <a:solidFill>
+                  <a:schemeClr val="tx1"/>
+                </a:solidFill>
+              </a:rPr>
+              <a:t>Wykonujemy instrukcje</a:t>
+            </a:r>
+          </a:p>
+          <a:p>
+            <a:r>
+              <a:rPr lang="pl-PL" sz="3200" dirty="0">
+                <a:solidFill>
+                  <a:schemeClr val="tx1"/>
+                </a:solidFill>
+              </a:rPr>
+              <a:t>Sprawdzamy czy rezultat jest równy oczekiwanej wartości</a:t>
+            </a:r>
+          </a:p>
+        </p:txBody>
+      </p:sp>
+    </p:spTree>
+    <p:extLst>
+      <p:ext uri="{BB962C8B-B14F-4D97-AF65-F5344CB8AC3E}">
+        <p14:creationId xmlns:p14="http://schemas.microsoft.com/office/powerpoint/2010/main" val="3775749762"/>
+      </p:ext>
+    </p:extLst>
+  </p:cSld>
+  <p:clrMapOvr>
+    <a:masterClrMapping/>
+  </p:clrMapOvr>
+</p:sld>
+</file>
+
+<file path=ppt/slides/slide4.xml><?xml version="1.0" encoding="utf-8"?>
+<p:sld xmlns:a="http://schemas.openxmlformats.org/drawingml/2006/main" xmlns:r="http://schemas.openxmlformats.org/officeDocument/2006/relationships" xmlns:p="http://schemas.openxmlformats.org/presentationml/2006/main">
+  <p:cSld>
+    <p:spTree>
+      <p:nvGrpSpPr>
+        <p:cNvPr id="1" name=""/>
+        <p:cNvGrpSpPr/>
+        <p:nvPr/>
+      </p:nvGrpSpPr>
+      <p:grpSpPr>
+        <a:xfrm>
+          <a:off x="0" y="0"/>
+          <a:ext cx="0" cy="0"/>
+          <a:chOff x="0" y="0"/>
+          <a:chExt cx="0" cy="0"/>
+        </a:xfrm>
+      </p:grpSpPr>
+      <p:sp>
+        <p:nvSpPr>
+          <p:cNvPr id="2" name="Tytuł 1">
+            <a:extLst>
+              <a:ext uri="{FF2B5EF4-FFF2-40B4-BE49-F238E27FC236}">
+                <a16:creationId xmlns:a16="http://schemas.microsoft.com/office/drawing/2014/main" id="{E77A7358-7BAC-45BD-8C7B-10DA851C3292}"/>
+              </a:ext>
+            </a:extLst>
+          </p:cNvPr>
+          <p:cNvSpPr>
+            <a:spLocks noGrp="1"/>
+          </p:cNvSpPr>
+          <p:nvPr>
+            <p:ph type="title"/>
+          </p:nvPr>
+        </p:nvSpPr>
+        <p:spPr/>
+        <p:txBody>
+          <a:bodyPr>
+            <a:normAutofit/>
+          </a:bodyPr>
+          <a:lstStyle/>
+          <a:p>
+            <a:pPr algn="ctr"/>
+            <a:r>
+              <a:rPr lang="pl-PL" sz="3600" dirty="0"/>
+              <a:t>PO CO STOSOWAĆ TESTY JEDNOSTKOWE?</a:t>
+            </a:r>
+          </a:p>
+        </p:txBody>
+      </p:sp>
+      <p:sp>
+        <p:nvSpPr>
+          <p:cNvPr id="3" name="Symbol zastępczy zawartości 2">
+            <a:extLst>
+              <a:ext uri="{FF2B5EF4-FFF2-40B4-BE49-F238E27FC236}">
+                <a16:creationId xmlns:a16="http://schemas.microsoft.com/office/drawing/2014/main" id="{B55EC79D-E274-459C-BC7C-2643113CE27A}"/>
+              </a:ext>
+            </a:extLst>
+          </p:cNvPr>
+          <p:cNvSpPr>
+            <a:spLocks noGrp="1"/>
+          </p:cNvSpPr>
+          <p:nvPr>
+            <p:ph idx="1"/>
+          </p:nvPr>
+        </p:nvSpPr>
+        <p:spPr/>
+        <p:txBody>
+          <a:bodyPr>
+            <a:normAutofit/>
+          </a:bodyPr>
+          <a:lstStyle/>
+          <a:p>
+            <a:r>
+              <a:rPr lang="pl-PL" sz="3600" dirty="0">
+                <a:solidFill>
+                  <a:schemeClr val="tx1"/>
+                </a:solidFill>
+              </a:rPr>
+              <a:t>Szybkie sprawdzenie działania naszego kodu</a:t>
+            </a:r>
+          </a:p>
+          <a:p>
+            <a:r>
+              <a:rPr lang="pl-PL" sz="3600" dirty="0">
+                <a:solidFill>
+                  <a:schemeClr val="tx1"/>
+                </a:solidFill>
+              </a:rPr>
+              <a:t>Stoją na straży testowanej funkcjonalności</a:t>
+            </a:r>
+          </a:p>
+          <a:p>
+            <a:r>
+              <a:rPr lang="pl-PL" sz="3600" dirty="0">
+                <a:solidFill>
+                  <a:schemeClr val="tx1"/>
+                </a:solidFill>
+              </a:rPr>
+              <a:t>Oszczędzamy czas			pieniądze</a:t>
+            </a:r>
+          </a:p>
+        </p:txBody>
+      </p:sp>
+      <p:sp>
+        <p:nvSpPr>
+          <p:cNvPr id="4" name="Strzałka: w prawo 3">
+            <a:extLst>
+              <a:ext uri="{FF2B5EF4-FFF2-40B4-BE49-F238E27FC236}">
+                <a16:creationId xmlns:a16="http://schemas.microsoft.com/office/drawing/2014/main" id="{DCC9EE3F-F902-4E04-B4B2-DB68614680E4}"/>
+              </a:ext>
+            </a:extLst>
+          </p:cNvPr>
+          <p:cNvSpPr/>
+          <p:nvPr/>
+        </p:nvSpPr>
+        <p:spPr>
+          <a:xfrm>
+            <a:off x="4554415" y="4642339"/>
+            <a:ext cx="931985" cy="298938"/>
+          </a:xfrm>
+          <a:prstGeom prst="rightArrow">
+            <a:avLst/>
+          </a:prstGeom>
+        </p:spPr>
+        <p:style>
+          <a:lnRef idx="2">
+            <a:schemeClr val="accent1">
+              <a:shade val="50000"/>
+            </a:schemeClr>
+          </a:lnRef>
+          <a:fillRef idx="1">
+            <a:schemeClr val="accent1"/>
+          </a:fillRef>
+          <a:effectRef idx="0">
+            <a:schemeClr val="accent1"/>
+          </a:effectRef>
+          <a:fontRef idx="minor">
+            <a:schemeClr val="lt1"/>
+          </a:fontRef>
+        </p:style>
+        <p:txBody>
+          <a:bodyPr rtlCol="0" anchor="ctr"/>
+          <a:lstStyle/>
+          <a:p>
+            <a:pPr algn="ctr"/>
+            <a:endParaRPr lang="pl-PL"/>
+          </a:p>
+        </p:txBody>
+      </p:sp>
+    </p:spTree>
+    <p:extLst>
+      <p:ext uri="{BB962C8B-B14F-4D97-AF65-F5344CB8AC3E}">
+        <p14:creationId xmlns:p14="http://schemas.microsoft.com/office/powerpoint/2010/main" val="4106534101"/>
+      </p:ext>
+    </p:extLst>
+  </p:cSld>
+  <p:clrMapOvr>
+    <a:masterClrMapping/>
+  </p:clrMapOvr>
+</p:sld>
+</file>
+
+<file path=ppt/slides/slide5.xml><?xml version="1.0" encoding="utf-8"?>
+<p:sld xmlns:a="http://schemas.openxmlformats.org/drawingml/2006/main" xmlns:r="http://schemas.openxmlformats.org/officeDocument/2006/relationships" xmlns:p="http://schemas.openxmlformats.org/presentationml/2006/main">
+  <p:cSld>
+    <p:spTree>
+      <p:nvGrpSpPr>
+        <p:cNvPr id="1" name=""/>
+        <p:cNvGrpSpPr/>
+        <p:nvPr/>
+      </p:nvGrpSpPr>
+      <p:grpSpPr>
+        <a:xfrm>
+          <a:off x="0" y="0"/>
+          <a:ext cx="0" cy="0"/>
+          <a:chOff x="0" y="0"/>
+          <a:chExt cx="0" cy="0"/>
+        </a:xfrm>
+      </p:grpSpPr>
+      <p:sp>
+        <p:nvSpPr>
+          <p:cNvPr id="2" name="Tytuł 1">
+            <a:extLst>
+              <a:ext uri="{FF2B5EF4-FFF2-40B4-BE49-F238E27FC236}">
+                <a16:creationId xmlns:a16="http://schemas.microsoft.com/office/drawing/2014/main" id="{970CB31F-FEF9-4639-AC4D-5CA4E95DFA84}"/>
+              </a:ext>
+            </a:extLst>
+          </p:cNvPr>
+          <p:cNvSpPr>
+            <a:spLocks noGrp="1"/>
+          </p:cNvSpPr>
+          <p:nvPr>
+            <p:ph type="title"/>
+          </p:nvPr>
+        </p:nvSpPr>
+        <p:spPr/>
+        <p:txBody>
+          <a:bodyPr>
+            <a:normAutofit/>
+          </a:bodyPr>
+          <a:lstStyle/>
+          <a:p>
+            <a:pPr algn="ctr"/>
+            <a:r>
+              <a:rPr lang="pl-PL" sz="3600" dirty="0"/>
+              <a:t>Dobre praktyki</a:t>
+            </a:r>
+          </a:p>
+        </p:txBody>
+      </p:sp>
+      <p:sp>
+        <p:nvSpPr>
+          <p:cNvPr id="3" name="Symbol zastępczy zawartości 2">
+            <a:extLst>
+              <a:ext uri="{FF2B5EF4-FFF2-40B4-BE49-F238E27FC236}">
+                <a16:creationId xmlns:a16="http://schemas.microsoft.com/office/drawing/2014/main" id="{2A888229-506E-4FFF-B857-515AC31E5DD0}"/>
+              </a:ext>
+            </a:extLst>
+          </p:cNvPr>
+          <p:cNvSpPr>
+            <a:spLocks noGrp="1"/>
+          </p:cNvSpPr>
+          <p:nvPr>
+            <p:ph idx="1"/>
+          </p:nvPr>
+        </p:nvSpPr>
+        <p:spPr/>
+        <p:txBody>
+          <a:bodyPr/>
+          <a:lstStyle/>
+          <a:p>
+            <a:r>
+              <a:rPr lang="pl-PL" sz="3200" dirty="0">
+                <a:solidFill>
+                  <a:schemeClr val="tx1"/>
+                </a:solidFill>
+              </a:rPr>
+              <a:t>AAA/GWT</a:t>
+            </a:r>
+          </a:p>
+          <a:p>
+            <a:r>
+              <a:rPr lang="pl-PL" sz="3200" dirty="0">
+                <a:solidFill>
+                  <a:schemeClr val="tx1"/>
+                </a:solidFill>
+              </a:rPr>
+              <a:t>Nazewnictwo</a:t>
+            </a:r>
+          </a:p>
+          <a:p>
+            <a:endParaRPr lang="pl-PL" dirty="0">
+              <a:solidFill>
+                <a:schemeClr val="tx1"/>
+              </a:solidFill>
+            </a:endParaRPr>
+          </a:p>
+          <a:p>
+            <a:endParaRPr lang="pl-PL" dirty="0">
+              <a:solidFill>
+                <a:schemeClr val="tx1"/>
+              </a:solidFill>
+            </a:endParaRPr>
+          </a:p>
+        </p:txBody>
+      </p:sp>
+    </p:spTree>
+    <p:extLst>
+      <p:ext uri="{BB962C8B-B14F-4D97-AF65-F5344CB8AC3E}">
+        <p14:creationId xmlns:p14="http://schemas.microsoft.com/office/powerpoint/2010/main" val="2377181720"/>
+      </p:ext>
+    </p:extLst>
+  </p:cSld>
+  <p:clrMapOvr>
+    <a:masterClrMapping/>
+  </p:clrMapOvr>
+</p:sld>
+</file>
+
+<file path=ppt/slides/slide6.xml><?xml version="1.0" encoding="utf-8"?>
+<p:sld xmlns:a="http://schemas.openxmlformats.org/drawingml/2006/main" xmlns:r="http://schemas.openxmlformats.org/officeDocument/2006/relationships" xmlns:p="http://schemas.openxmlformats.org/presentationml/2006/main">
+  <p:cSld>
+    <p:spTree>
+      <p:nvGrpSpPr>
+        <p:cNvPr id="1" name=""/>
+        <p:cNvGrpSpPr/>
+        <p:nvPr/>
+      </p:nvGrpSpPr>
+      <p:grpSpPr>
+        <a:xfrm>
+          <a:off x="0" y="0"/>
+          <a:ext cx="0" cy="0"/>
+          <a:chOff x="0" y="0"/>
+          <a:chExt cx="0" cy="0"/>
+        </a:xfrm>
+      </p:grpSpPr>
+      <p:sp>
+        <p:nvSpPr>
+          <p:cNvPr id="2" name="Tytuł 1">
+            <a:extLst>
+              <a:ext uri="{FF2B5EF4-FFF2-40B4-BE49-F238E27FC236}">
+                <a16:creationId xmlns:a16="http://schemas.microsoft.com/office/drawing/2014/main" id="{D34EEC07-67A6-462E-AB32-8D4D7C18EE50}"/>
+              </a:ext>
+            </a:extLst>
+          </p:cNvPr>
+          <p:cNvSpPr>
+            <a:spLocks noGrp="1"/>
+          </p:cNvSpPr>
+          <p:nvPr>
+            <p:ph type="title"/>
+          </p:nvPr>
+        </p:nvSpPr>
+        <p:spPr/>
+        <p:txBody>
+          <a:bodyPr>
+            <a:normAutofit/>
+          </a:bodyPr>
+          <a:lstStyle/>
+          <a:p>
+            <a:pPr algn="ctr"/>
+            <a:r>
+              <a:rPr lang="pl-PL" sz="3600" dirty="0"/>
+              <a:t>AAA/GWT</a:t>
+            </a:r>
+          </a:p>
+        </p:txBody>
+      </p:sp>
+      <p:sp>
+        <p:nvSpPr>
+          <p:cNvPr id="3" name="Symbol zastępczy zawartości 2">
+            <a:extLst>
+              <a:ext uri="{FF2B5EF4-FFF2-40B4-BE49-F238E27FC236}">
+                <a16:creationId xmlns:a16="http://schemas.microsoft.com/office/drawing/2014/main" id="{FE21FA29-87A5-4248-8579-0429EAE4E5D0}"/>
+              </a:ext>
+            </a:extLst>
+          </p:cNvPr>
+          <p:cNvSpPr>
+            <a:spLocks noGrp="1"/>
+          </p:cNvSpPr>
+          <p:nvPr>
+            <p:ph idx="1"/>
+          </p:nvPr>
+        </p:nvSpPr>
+        <p:spPr/>
+        <p:txBody>
+          <a:bodyPr anchor="t"/>
+          <a:lstStyle/>
+          <a:p>
+            <a:r>
+              <a:rPr lang="pl-PL" sz="2400" dirty="0"/>
+              <a:t>AAA</a:t>
+            </a:r>
+            <a:endParaRPr lang="pl-PL" sz="2000" dirty="0"/>
+          </a:p>
+          <a:p>
+            <a:pPr lvl="1"/>
+            <a:r>
+              <a:rPr lang="pl-PL" sz="2000" dirty="0" err="1"/>
+              <a:t>Arrange</a:t>
+            </a:r>
+            <a:r>
+              <a:rPr lang="pl-PL" sz="2000" dirty="0"/>
+              <a:t>, </a:t>
+            </a:r>
+          </a:p>
+          <a:p>
+            <a:pPr lvl="1"/>
+            <a:r>
+              <a:rPr lang="pl-PL" sz="2000" dirty="0" err="1"/>
+              <a:t>Act</a:t>
+            </a:r>
+            <a:r>
+              <a:rPr lang="pl-PL" sz="2000" dirty="0"/>
+              <a:t>, </a:t>
+            </a:r>
+          </a:p>
+          <a:p>
+            <a:pPr lvl="1"/>
+            <a:r>
+              <a:rPr lang="pl-PL" sz="2000" dirty="0" err="1"/>
+              <a:t>Assert</a:t>
+            </a:r>
+            <a:endParaRPr lang="pl-PL" sz="2000" dirty="0"/>
+          </a:p>
+          <a:p>
+            <a:r>
+              <a:rPr lang="pl-PL" sz="1600" dirty="0">
+                <a:solidFill>
+                  <a:schemeClr val="bg2">
+                    <a:lumMod val="90000"/>
+                  </a:schemeClr>
+                </a:solidFill>
+              </a:rPr>
+              <a:t>GWT </a:t>
+            </a:r>
+          </a:p>
+          <a:p>
+            <a:pPr lvl="1"/>
+            <a:r>
+              <a:rPr lang="pl-PL" sz="1400" dirty="0" err="1">
+                <a:solidFill>
+                  <a:schemeClr val="bg2">
+                    <a:lumMod val="90000"/>
+                  </a:schemeClr>
+                </a:solidFill>
+              </a:rPr>
+              <a:t>Given</a:t>
+            </a:r>
+            <a:r>
+              <a:rPr lang="pl-PL" sz="1400" dirty="0">
+                <a:solidFill>
+                  <a:schemeClr val="bg2">
+                    <a:lumMod val="90000"/>
+                  </a:schemeClr>
+                </a:solidFill>
+              </a:rPr>
+              <a:t> </a:t>
+            </a:r>
+          </a:p>
+          <a:p>
+            <a:pPr lvl="1"/>
+            <a:r>
+              <a:rPr lang="pl-PL" sz="1400" dirty="0" err="1">
+                <a:solidFill>
+                  <a:schemeClr val="bg2">
+                    <a:lumMod val="90000"/>
+                  </a:schemeClr>
+                </a:solidFill>
+              </a:rPr>
+              <a:t>When</a:t>
+            </a:r>
+            <a:r>
+              <a:rPr lang="pl-PL" sz="1400" dirty="0">
+                <a:solidFill>
+                  <a:schemeClr val="bg2">
+                    <a:lumMod val="90000"/>
+                  </a:schemeClr>
+                </a:solidFill>
+              </a:rPr>
+              <a:t> </a:t>
+            </a:r>
+          </a:p>
+          <a:p>
+            <a:pPr lvl="1"/>
+            <a:r>
+              <a:rPr lang="pl-PL" sz="1400" dirty="0">
+                <a:solidFill>
+                  <a:schemeClr val="bg2">
+                    <a:lumMod val="90000"/>
+                  </a:schemeClr>
+                </a:solidFill>
+              </a:rPr>
+              <a:t>Then</a:t>
+            </a:r>
+          </a:p>
+        </p:txBody>
+      </p:sp>
+      <p:sp>
+        <p:nvSpPr>
+          <p:cNvPr id="4" name="pole tekstowe 3">
+            <a:extLst>
+              <a:ext uri="{FF2B5EF4-FFF2-40B4-BE49-F238E27FC236}">
+                <a16:creationId xmlns:a16="http://schemas.microsoft.com/office/drawing/2014/main" id="{8AA0383C-5B9A-4D97-BF02-7DBCC6E220EC}"/>
+              </a:ext>
+            </a:extLst>
+          </p:cNvPr>
+          <p:cNvSpPr txBox="1"/>
+          <p:nvPr/>
+        </p:nvSpPr>
+        <p:spPr>
+          <a:xfrm>
+            <a:off x="2365131" y="1883010"/>
+            <a:ext cx="9328638" cy="4016484"/>
+          </a:xfrm>
+          <a:prstGeom prst="rect">
+            <a:avLst/>
+          </a:prstGeom>
+          <a:noFill/>
+        </p:spPr>
+        <p:txBody>
+          <a:bodyPr wrap="square" rtlCol="0">
+            <a:spAutoFit/>
+          </a:bodyPr>
+          <a:lstStyle/>
+          <a:p>
+            <a:r>
+              <a:rPr lang="pl-PL" sz="1700" dirty="0">
+                <a:latin typeface="Consolas" panose="020B0609020204030204" pitchFamily="49" charset="0"/>
+              </a:rPr>
+              <a:t>[Test]</a:t>
+            </a:r>
+          </a:p>
+          <a:p>
+            <a:r>
+              <a:rPr lang="en-US" sz="1700" dirty="0">
+                <a:latin typeface="Consolas" panose="020B0609020204030204" pitchFamily="49" charset="0"/>
+              </a:rPr>
+              <a:t>public void </a:t>
+            </a:r>
+            <a:r>
+              <a:rPr lang="en-US" sz="1700" dirty="0" err="1">
+                <a:latin typeface="Consolas" panose="020B0609020204030204" pitchFamily="49" charset="0"/>
+              </a:rPr>
+              <a:t>should_calculate_proper_value</a:t>
+            </a:r>
+            <a:r>
+              <a:rPr lang="en-US" sz="1700" dirty="0">
+                <a:latin typeface="Consolas" panose="020B0609020204030204" pitchFamily="49" charset="0"/>
+              </a:rPr>
+              <a:t>()</a:t>
+            </a:r>
+          </a:p>
+          <a:p>
+            <a:r>
+              <a:rPr lang="pl-PL" sz="1700" dirty="0">
+                <a:latin typeface="Consolas" panose="020B0609020204030204" pitchFamily="49" charset="0"/>
+              </a:rPr>
+              <a:t>{</a:t>
+            </a:r>
+          </a:p>
+          <a:p>
+            <a:r>
+              <a:rPr lang="pl-PL" sz="1700" dirty="0">
+                <a:latin typeface="Consolas" panose="020B0609020204030204" pitchFamily="49" charset="0"/>
+              </a:rPr>
+              <a:t>  </a:t>
+            </a:r>
+            <a:r>
+              <a:rPr lang="pl-PL" sz="1700" dirty="0" err="1">
+                <a:latin typeface="Consolas" panose="020B0609020204030204" pitchFamily="49" charset="0"/>
+              </a:rPr>
+              <a:t>var</a:t>
+            </a:r>
+            <a:r>
+              <a:rPr lang="pl-PL" sz="1700" dirty="0">
+                <a:latin typeface="Consolas" panose="020B0609020204030204" pitchFamily="49" charset="0"/>
+              </a:rPr>
+              <a:t> </a:t>
+            </a:r>
+            <a:r>
+              <a:rPr lang="pl-PL" sz="1700" dirty="0" err="1">
+                <a:latin typeface="Consolas" panose="020B0609020204030204" pitchFamily="49" charset="0"/>
+              </a:rPr>
+              <a:t>expectedValue</a:t>
+            </a:r>
+            <a:r>
+              <a:rPr lang="pl-PL" sz="1700" dirty="0">
+                <a:latin typeface="Consolas" panose="020B0609020204030204" pitchFamily="49" charset="0"/>
+              </a:rPr>
+              <a:t> = 18.45M;</a:t>
+            </a:r>
+          </a:p>
+          <a:p>
+            <a:endParaRPr lang="pl-PL" sz="1700" dirty="0">
+              <a:latin typeface="Consolas" panose="020B0609020204030204" pitchFamily="49" charset="0"/>
+            </a:endParaRPr>
+          </a:p>
+          <a:p>
+            <a:r>
+              <a:rPr lang="pl-PL" sz="1700" dirty="0">
+                <a:solidFill>
+                  <a:srgbClr val="FF0000"/>
+                </a:solidFill>
+                <a:latin typeface="Consolas" panose="020B0609020204030204" pitchFamily="49" charset="0"/>
+              </a:rPr>
+              <a:t>  // </a:t>
+            </a:r>
+            <a:r>
+              <a:rPr lang="pl-PL" sz="1700" dirty="0" err="1">
+                <a:solidFill>
+                  <a:srgbClr val="FF0000"/>
+                </a:solidFill>
+                <a:latin typeface="Consolas" panose="020B0609020204030204" pitchFamily="49" charset="0"/>
+              </a:rPr>
+              <a:t>Arrange</a:t>
+            </a:r>
+            <a:endParaRPr lang="pl-PL" sz="1700" dirty="0">
+              <a:latin typeface="Consolas" panose="020B0609020204030204" pitchFamily="49" charset="0"/>
+            </a:endParaRPr>
+          </a:p>
+          <a:p>
+            <a:r>
+              <a:rPr lang="pl-PL" sz="1700" dirty="0">
+                <a:solidFill>
+                  <a:srgbClr val="C00000"/>
+                </a:solidFill>
+                <a:latin typeface="Consolas" panose="020B0609020204030204" pitchFamily="49" charset="0"/>
+              </a:rPr>
+              <a:t>  </a:t>
+            </a:r>
+            <a:r>
+              <a:rPr lang="pl-PL" sz="1700" dirty="0" err="1">
+                <a:solidFill>
+                  <a:srgbClr val="C00000"/>
+                </a:solidFill>
+                <a:latin typeface="Consolas" panose="020B0609020204030204" pitchFamily="49" charset="0"/>
+              </a:rPr>
+              <a:t>decimal</a:t>
+            </a:r>
+            <a:r>
+              <a:rPr lang="pl-PL" sz="1700" dirty="0">
+                <a:solidFill>
+                  <a:srgbClr val="C00000"/>
+                </a:solidFill>
+                <a:latin typeface="Consolas" panose="020B0609020204030204" pitchFamily="49" charset="0"/>
+              </a:rPr>
+              <a:t> </a:t>
+            </a:r>
+            <a:r>
+              <a:rPr lang="pl-PL" sz="1700" dirty="0" err="1">
+                <a:solidFill>
+                  <a:srgbClr val="C00000"/>
+                </a:solidFill>
+                <a:latin typeface="Consolas" panose="020B0609020204030204" pitchFamily="49" charset="0"/>
+              </a:rPr>
+              <a:t>netValue</a:t>
+            </a:r>
+            <a:r>
+              <a:rPr lang="pl-PL" sz="1700" dirty="0">
+                <a:solidFill>
+                  <a:srgbClr val="C00000"/>
+                </a:solidFill>
+                <a:latin typeface="Consolas" panose="020B0609020204030204" pitchFamily="49" charset="0"/>
+              </a:rPr>
+              <a:t> = 15;</a:t>
+            </a:r>
+          </a:p>
+          <a:p>
+            <a:endParaRPr lang="pl-PL" sz="1700" dirty="0">
+              <a:latin typeface="Consolas" panose="020B0609020204030204" pitchFamily="49" charset="0"/>
+            </a:endParaRPr>
+          </a:p>
+          <a:p>
+            <a:r>
+              <a:rPr lang="pl-PL" sz="1700" dirty="0">
+                <a:latin typeface="Consolas" panose="020B0609020204030204" pitchFamily="49" charset="0"/>
+              </a:rPr>
+              <a:t>  </a:t>
+            </a:r>
+            <a:r>
+              <a:rPr lang="pl-PL" sz="1700" dirty="0">
+                <a:solidFill>
+                  <a:srgbClr val="FF0000"/>
+                </a:solidFill>
+                <a:latin typeface="Consolas" panose="020B0609020204030204" pitchFamily="49" charset="0"/>
+              </a:rPr>
+              <a:t>// </a:t>
+            </a:r>
+            <a:r>
+              <a:rPr lang="pl-PL" sz="1700" dirty="0" err="1">
+                <a:solidFill>
+                  <a:srgbClr val="FF0000"/>
+                </a:solidFill>
+                <a:latin typeface="Consolas" panose="020B0609020204030204" pitchFamily="49" charset="0"/>
+              </a:rPr>
+              <a:t>Act</a:t>
+            </a:r>
+            <a:endParaRPr lang="pl-PL" sz="1700" dirty="0">
+              <a:solidFill>
+                <a:srgbClr val="FF0000"/>
+              </a:solidFill>
+              <a:latin typeface="Consolas" panose="020B0609020204030204" pitchFamily="49" charset="0"/>
+            </a:endParaRPr>
+          </a:p>
+          <a:p>
+            <a:r>
+              <a:rPr lang="pl-PL" sz="1700" dirty="0">
+                <a:solidFill>
+                  <a:srgbClr val="C00000"/>
+                </a:solidFill>
+                <a:latin typeface="Consolas" panose="020B0609020204030204" pitchFamily="49" charset="0"/>
+              </a:rPr>
+              <a:t>  </a:t>
+            </a:r>
+            <a:r>
+              <a:rPr lang="pl-PL" sz="1700" dirty="0" err="1">
+                <a:solidFill>
+                  <a:srgbClr val="C00000"/>
+                </a:solidFill>
+                <a:latin typeface="Consolas" panose="020B0609020204030204" pitchFamily="49" charset="0"/>
+              </a:rPr>
+              <a:t>var</a:t>
+            </a:r>
+            <a:r>
+              <a:rPr lang="pl-PL" sz="1700" dirty="0">
+                <a:solidFill>
+                  <a:srgbClr val="C00000"/>
+                </a:solidFill>
+                <a:latin typeface="Consolas" panose="020B0609020204030204" pitchFamily="49" charset="0"/>
+              </a:rPr>
+              <a:t> </a:t>
+            </a:r>
+            <a:r>
+              <a:rPr lang="pl-PL" sz="1700" dirty="0" err="1">
+                <a:solidFill>
+                  <a:srgbClr val="C00000"/>
+                </a:solidFill>
+                <a:latin typeface="Consolas" panose="020B0609020204030204" pitchFamily="49" charset="0"/>
+              </a:rPr>
+              <a:t>calculatedValue</a:t>
+            </a:r>
+            <a:r>
+              <a:rPr lang="pl-PL" sz="1700" dirty="0">
+                <a:solidFill>
+                  <a:srgbClr val="C00000"/>
+                </a:solidFill>
+                <a:latin typeface="Consolas" panose="020B0609020204030204" pitchFamily="49" charset="0"/>
+              </a:rPr>
+              <a:t> = </a:t>
+            </a:r>
+            <a:r>
+              <a:rPr lang="pl-PL" sz="1700" dirty="0" err="1">
+                <a:solidFill>
+                  <a:srgbClr val="C00000"/>
+                </a:solidFill>
+                <a:latin typeface="Consolas" panose="020B0609020204030204" pitchFamily="49" charset="0"/>
+              </a:rPr>
+              <a:t>VatValueCalculator.CalculateGrossValue</a:t>
+            </a:r>
+            <a:r>
+              <a:rPr lang="pl-PL" sz="1700" dirty="0">
+                <a:solidFill>
+                  <a:srgbClr val="C00000"/>
+                </a:solidFill>
+                <a:latin typeface="Consolas" panose="020B0609020204030204" pitchFamily="49" charset="0"/>
+              </a:rPr>
+              <a:t>(</a:t>
+            </a:r>
+            <a:r>
+              <a:rPr lang="pl-PL" sz="1700" dirty="0" err="1">
+                <a:solidFill>
+                  <a:srgbClr val="C00000"/>
+                </a:solidFill>
+                <a:latin typeface="Consolas" panose="020B0609020204030204" pitchFamily="49" charset="0"/>
+              </a:rPr>
+              <a:t>netValue</a:t>
+            </a:r>
+            <a:r>
+              <a:rPr lang="pl-PL" sz="1700" dirty="0">
+                <a:solidFill>
+                  <a:srgbClr val="C00000"/>
+                </a:solidFill>
+                <a:latin typeface="Consolas" panose="020B0609020204030204" pitchFamily="49" charset="0"/>
+              </a:rPr>
+              <a:t>);</a:t>
+            </a:r>
+          </a:p>
+          <a:p>
+            <a:endParaRPr lang="pl-PL" sz="1700" dirty="0">
+              <a:latin typeface="Consolas" panose="020B0609020204030204" pitchFamily="49" charset="0"/>
+            </a:endParaRPr>
+          </a:p>
+          <a:p>
+            <a:endParaRPr lang="pl-PL" sz="1700" dirty="0">
+              <a:latin typeface="Consolas" panose="020B0609020204030204" pitchFamily="49" charset="0"/>
+            </a:endParaRPr>
+          </a:p>
+          <a:p>
+            <a:r>
+              <a:rPr lang="pl-PL" sz="1700" dirty="0">
+                <a:solidFill>
+                  <a:srgbClr val="FF0000"/>
+                </a:solidFill>
+                <a:latin typeface="Consolas" panose="020B0609020204030204" pitchFamily="49" charset="0"/>
+              </a:rPr>
+              <a:t>  // </a:t>
+            </a:r>
+            <a:r>
+              <a:rPr lang="pl-PL" sz="1700" dirty="0" err="1">
+                <a:solidFill>
+                  <a:srgbClr val="FF0000"/>
+                </a:solidFill>
+                <a:latin typeface="Consolas" panose="020B0609020204030204" pitchFamily="49" charset="0"/>
+              </a:rPr>
+              <a:t>Assert</a:t>
+            </a:r>
+            <a:endParaRPr lang="pl-PL" sz="1700" dirty="0">
+              <a:solidFill>
+                <a:srgbClr val="FF0000"/>
+              </a:solidFill>
+              <a:latin typeface="Consolas" panose="020B0609020204030204" pitchFamily="49" charset="0"/>
+            </a:endParaRPr>
+          </a:p>
+          <a:p>
+            <a:r>
+              <a:rPr lang="pl-PL" sz="1700" dirty="0">
+                <a:solidFill>
+                  <a:srgbClr val="C00000"/>
+                </a:solidFill>
+                <a:latin typeface="Consolas" panose="020B0609020204030204" pitchFamily="49" charset="0"/>
+              </a:rPr>
+              <a:t>  </a:t>
+            </a:r>
+            <a:r>
+              <a:rPr lang="en-US" sz="1700" dirty="0" err="1">
+                <a:solidFill>
+                  <a:srgbClr val="C00000"/>
+                </a:solidFill>
+                <a:latin typeface="Consolas" panose="020B0609020204030204" pitchFamily="49" charset="0"/>
+              </a:rPr>
+              <a:t>Assert.That</a:t>
+            </a:r>
+            <a:r>
+              <a:rPr lang="en-US" sz="1700" dirty="0">
+                <a:solidFill>
+                  <a:srgbClr val="C00000"/>
+                </a:solidFill>
+                <a:latin typeface="Consolas" panose="020B0609020204030204" pitchFamily="49" charset="0"/>
+              </a:rPr>
+              <a:t>(</a:t>
+            </a:r>
+            <a:r>
+              <a:rPr lang="en-US" sz="1700" dirty="0" err="1">
+                <a:solidFill>
+                  <a:srgbClr val="C00000"/>
+                </a:solidFill>
+                <a:latin typeface="Consolas" panose="020B0609020204030204" pitchFamily="49" charset="0"/>
+              </a:rPr>
+              <a:t>expectedValue</a:t>
+            </a:r>
+            <a:r>
+              <a:rPr lang="en-US" sz="1700" dirty="0">
+                <a:solidFill>
+                  <a:srgbClr val="C00000"/>
+                </a:solidFill>
+                <a:latin typeface="Consolas" panose="020B0609020204030204" pitchFamily="49" charset="0"/>
+              </a:rPr>
+              <a:t>, </a:t>
+            </a:r>
+            <a:r>
+              <a:rPr lang="en-US" sz="1700" dirty="0" err="1">
+                <a:solidFill>
+                  <a:srgbClr val="C00000"/>
+                </a:solidFill>
+                <a:latin typeface="Consolas" panose="020B0609020204030204" pitchFamily="49" charset="0"/>
+              </a:rPr>
+              <a:t>Is.EqualTo</a:t>
+            </a:r>
+            <a:r>
+              <a:rPr lang="en-US" sz="1700" dirty="0">
+                <a:solidFill>
+                  <a:srgbClr val="C00000"/>
+                </a:solidFill>
+                <a:latin typeface="Consolas" panose="020B0609020204030204" pitchFamily="49" charset="0"/>
+              </a:rPr>
+              <a:t>(</a:t>
+            </a:r>
+            <a:r>
+              <a:rPr lang="en-US" sz="1700" dirty="0" err="1">
+                <a:solidFill>
+                  <a:srgbClr val="C00000"/>
+                </a:solidFill>
+                <a:latin typeface="Consolas" panose="020B0609020204030204" pitchFamily="49" charset="0"/>
+              </a:rPr>
+              <a:t>calculatedValue</a:t>
+            </a:r>
+            <a:r>
+              <a:rPr lang="en-US" sz="1700" dirty="0">
+                <a:solidFill>
+                  <a:srgbClr val="C00000"/>
+                </a:solidFill>
+                <a:latin typeface="Consolas" panose="020B0609020204030204" pitchFamily="49" charset="0"/>
+              </a:rPr>
+              <a:t>));</a:t>
+            </a:r>
+            <a:endParaRPr lang="pl-PL" sz="1700" dirty="0">
+              <a:solidFill>
+                <a:srgbClr val="C00000"/>
+              </a:solidFill>
+              <a:latin typeface="Consolas" panose="020B0609020204030204" pitchFamily="49" charset="0"/>
+            </a:endParaRPr>
+          </a:p>
+          <a:p>
+            <a:r>
+              <a:rPr lang="pl-PL" sz="1700" dirty="0">
+                <a:latin typeface="Consolas" panose="020B0609020204030204" pitchFamily="49" charset="0"/>
+              </a:rPr>
+              <a:t>}</a:t>
+            </a:r>
+          </a:p>
+        </p:txBody>
+      </p:sp>
+    </p:spTree>
+    <p:extLst>
+      <p:ext uri="{BB962C8B-B14F-4D97-AF65-F5344CB8AC3E}">
+        <p14:creationId xmlns:p14="http://schemas.microsoft.com/office/powerpoint/2010/main" val="866894579"/>
+      </p:ext>
+    </p:extLst>
+  </p:cSld>
+  <p:clrMapOvr>
+    <a:masterClrMapping/>
+  </p:clrMapOvr>
+</p:sld>
+</file>
+
+<file path=ppt/slides/slide7.xml><?xml version="1.0" encoding="utf-8"?>
+<p:sld xmlns:a="http://schemas.openxmlformats.org/drawingml/2006/main" xmlns:r="http://schemas.openxmlformats.org/officeDocument/2006/relationships" xmlns:p="http://schemas.openxmlformats.org/presentationml/2006/main">
+  <p:cSld>
+    <p:spTree>
+      <p:nvGrpSpPr>
+        <p:cNvPr id="1" name=""/>
+        <p:cNvGrpSpPr/>
+        <p:nvPr/>
+      </p:nvGrpSpPr>
+      <p:grpSpPr>
+        <a:xfrm>
+          <a:off x="0" y="0"/>
+          <a:ext cx="0" cy="0"/>
+          <a:chOff x="0" y="0"/>
+          <a:chExt cx="0" cy="0"/>
+        </a:xfrm>
+      </p:grpSpPr>
+      <p:sp>
+        <p:nvSpPr>
+          <p:cNvPr id="2" name="Tytuł 1">
+            <a:extLst>
+              <a:ext uri="{FF2B5EF4-FFF2-40B4-BE49-F238E27FC236}">
+                <a16:creationId xmlns:a16="http://schemas.microsoft.com/office/drawing/2014/main" id="{D34EEC07-67A6-462E-AB32-8D4D7C18EE50}"/>
+              </a:ext>
+            </a:extLst>
+          </p:cNvPr>
+          <p:cNvSpPr>
+            <a:spLocks noGrp="1"/>
+          </p:cNvSpPr>
+          <p:nvPr>
+            <p:ph type="title"/>
+          </p:nvPr>
+        </p:nvSpPr>
+        <p:spPr/>
+        <p:txBody>
+          <a:bodyPr>
+            <a:normAutofit/>
+          </a:bodyPr>
+          <a:lstStyle/>
+          <a:p>
+            <a:pPr algn="ctr"/>
+            <a:r>
+              <a:rPr lang="pl-PL" sz="3600" dirty="0"/>
+              <a:t>AAA/GWT</a:t>
+            </a:r>
+          </a:p>
+        </p:txBody>
+      </p:sp>
+      <p:sp>
+        <p:nvSpPr>
+          <p:cNvPr id="3" name="Symbol zastępczy zawartości 2">
+            <a:extLst>
+              <a:ext uri="{FF2B5EF4-FFF2-40B4-BE49-F238E27FC236}">
+                <a16:creationId xmlns:a16="http://schemas.microsoft.com/office/drawing/2014/main" id="{FE21FA29-87A5-4248-8579-0429EAE4E5D0}"/>
+              </a:ext>
+            </a:extLst>
+          </p:cNvPr>
+          <p:cNvSpPr>
+            <a:spLocks noGrp="1"/>
+          </p:cNvSpPr>
+          <p:nvPr>
+            <p:ph idx="1"/>
+          </p:nvPr>
+        </p:nvSpPr>
+        <p:spPr/>
+        <p:txBody>
+          <a:bodyPr anchor="t"/>
+          <a:lstStyle/>
+          <a:p>
+            <a:r>
+              <a:rPr lang="pl-PL" sz="1600" dirty="0">
+                <a:solidFill>
+                  <a:schemeClr val="tx2">
+                    <a:lumMod val="20000"/>
+                    <a:lumOff val="80000"/>
+                  </a:schemeClr>
+                </a:solidFill>
+              </a:rPr>
+              <a:t>AAA</a:t>
+            </a:r>
+          </a:p>
+          <a:p>
+            <a:pPr lvl="1"/>
+            <a:r>
+              <a:rPr lang="pl-PL" sz="1400" dirty="0" err="1">
+                <a:solidFill>
+                  <a:schemeClr val="tx2">
+                    <a:lumMod val="20000"/>
+                    <a:lumOff val="80000"/>
+                  </a:schemeClr>
+                </a:solidFill>
+              </a:rPr>
+              <a:t>Arrange</a:t>
+            </a:r>
+            <a:r>
+              <a:rPr lang="pl-PL" sz="1400" dirty="0">
+                <a:solidFill>
+                  <a:schemeClr val="tx2">
+                    <a:lumMod val="20000"/>
+                    <a:lumOff val="80000"/>
+                  </a:schemeClr>
+                </a:solidFill>
+              </a:rPr>
+              <a:t>, </a:t>
+            </a:r>
+          </a:p>
+          <a:p>
+            <a:pPr lvl="1"/>
+            <a:r>
+              <a:rPr lang="pl-PL" sz="1400" dirty="0" err="1">
+                <a:solidFill>
+                  <a:schemeClr val="tx2">
+                    <a:lumMod val="20000"/>
+                    <a:lumOff val="80000"/>
+                  </a:schemeClr>
+                </a:solidFill>
+              </a:rPr>
+              <a:t>Act</a:t>
+            </a:r>
+            <a:r>
+              <a:rPr lang="pl-PL" sz="1400" dirty="0">
+                <a:solidFill>
+                  <a:schemeClr val="tx2">
+                    <a:lumMod val="20000"/>
+                    <a:lumOff val="80000"/>
+                  </a:schemeClr>
+                </a:solidFill>
+              </a:rPr>
+              <a:t>, </a:t>
+            </a:r>
+          </a:p>
+          <a:p>
+            <a:pPr lvl="1"/>
+            <a:r>
+              <a:rPr lang="pl-PL" sz="1400" dirty="0" err="1">
+                <a:solidFill>
+                  <a:schemeClr val="tx2">
+                    <a:lumMod val="20000"/>
+                    <a:lumOff val="80000"/>
+                  </a:schemeClr>
+                </a:solidFill>
+              </a:rPr>
+              <a:t>Assert</a:t>
+            </a:r>
+            <a:endParaRPr lang="pl-PL" sz="1400" dirty="0">
+              <a:solidFill>
+                <a:schemeClr val="tx2">
+                  <a:lumMod val="20000"/>
+                  <a:lumOff val="80000"/>
+                </a:schemeClr>
+              </a:solidFill>
+            </a:endParaRPr>
+          </a:p>
+          <a:p>
+            <a:r>
+              <a:rPr lang="pl-PL" sz="2400" dirty="0">
+                <a:solidFill>
+                  <a:schemeClr val="tx1"/>
+                </a:solidFill>
+              </a:rPr>
+              <a:t>GWT </a:t>
+            </a:r>
+          </a:p>
+          <a:p>
+            <a:pPr lvl="1"/>
+            <a:r>
+              <a:rPr lang="pl-PL" sz="2000" dirty="0" err="1">
+                <a:solidFill>
+                  <a:schemeClr val="tx1"/>
+                </a:solidFill>
+              </a:rPr>
+              <a:t>Given</a:t>
+            </a:r>
+            <a:r>
+              <a:rPr lang="pl-PL" sz="2000" dirty="0">
+                <a:solidFill>
+                  <a:schemeClr val="tx1"/>
+                </a:solidFill>
+              </a:rPr>
+              <a:t> </a:t>
+            </a:r>
+          </a:p>
+          <a:p>
+            <a:pPr lvl="1"/>
+            <a:r>
+              <a:rPr lang="pl-PL" sz="2000" dirty="0" err="1">
+                <a:solidFill>
+                  <a:schemeClr val="tx1"/>
+                </a:solidFill>
+              </a:rPr>
+              <a:t>When</a:t>
+            </a:r>
+            <a:r>
+              <a:rPr lang="pl-PL" sz="2000" dirty="0">
+                <a:solidFill>
+                  <a:schemeClr val="tx1"/>
+                </a:solidFill>
+              </a:rPr>
+              <a:t> </a:t>
+            </a:r>
+          </a:p>
+          <a:p>
+            <a:pPr lvl="1"/>
+            <a:r>
+              <a:rPr lang="pl-PL" sz="2000" dirty="0">
+                <a:solidFill>
+                  <a:schemeClr val="tx1"/>
+                </a:solidFill>
+              </a:rPr>
+              <a:t>Then</a:t>
+            </a:r>
+          </a:p>
+        </p:txBody>
+      </p:sp>
+      <p:sp>
+        <p:nvSpPr>
+          <p:cNvPr id="4" name="pole tekstowe 3">
+            <a:extLst>
+              <a:ext uri="{FF2B5EF4-FFF2-40B4-BE49-F238E27FC236}">
+                <a16:creationId xmlns:a16="http://schemas.microsoft.com/office/drawing/2014/main" id="{8AA0383C-5B9A-4D97-BF02-7DBCC6E220EC}"/>
+              </a:ext>
+            </a:extLst>
+          </p:cNvPr>
+          <p:cNvSpPr txBox="1"/>
+          <p:nvPr/>
+        </p:nvSpPr>
+        <p:spPr>
+          <a:xfrm>
+            <a:off x="2312377" y="1883010"/>
+            <a:ext cx="9381392" cy="4278094"/>
+          </a:xfrm>
+          <a:prstGeom prst="rect">
+            <a:avLst/>
+          </a:prstGeom>
+          <a:noFill/>
+        </p:spPr>
+        <p:txBody>
+          <a:bodyPr wrap="square" rtlCol="0">
+            <a:spAutoFit/>
+          </a:bodyPr>
+          <a:lstStyle/>
+          <a:p>
+            <a:r>
+              <a:rPr lang="pl-PL" sz="1700" dirty="0">
+                <a:latin typeface="Consolas" panose="020B0609020204030204" pitchFamily="49" charset="0"/>
+              </a:rPr>
+              <a:t>[Test]</a:t>
+            </a:r>
+          </a:p>
+          <a:p>
+            <a:r>
+              <a:rPr lang="en-US" sz="1700" dirty="0">
+                <a:latin typeface="Consolas" panose="020B0609020204030204" pitchFamily="49" charset="0"/>
+              </a:rPr>
+              <a:t>public void </a:t>
+            </a:r>
+            <a:r>
+              <a:rPr lang="en-US" sz="1700" dirty="0" err="1">
+                <a:latin typeface="Consolas" panose="020B0609020204030204" pitchFamily="49" charset="0"/>
+              </a:rPr>
+              <a:t>should_calculate_proper_value</a:t>
+            </a:r>
+            <a:r>
+              <a:rPr lang="en-US" sz="1700" dirty="0">
+                <a:latin typeface="Consolas" panose="020B0609020204030204" pitchFamily="49" charset="0"/>
+              </a:rPr>
+              <a:t>()</a:t>
+            </a:r>
+          </a:p>
+          <a:p>
+            <a:r>
+              <a:rPr lang="pl-PL" sz="1700" dirty="0">
+                <a:latin typeface="Consolas" panose="020B0609020204030204" pitchFamily="49" charset="0"/>
+              </a:rPr>
+              <a:t>{</a:t>
+            </a:r>
+          </a:p>
+          <a:p>
+            <a:r>
+              <a:rPr lang="pl-PL" sz="1700" dirty="0">
+                <a:latin typeface="Consolas" panose="020B0609020204030204" pitchFamily="49" charset="0"/>
+              </a:rPr>
+              <a:t>    </a:t>
+            </a:r>
+            <a:r>
+              <a:rPr lang="pl-PL" sz="1700" dirty="0" err="1">
+                <a:latin typeface="Consolas" panose="020B0609020204030204" pitchFamily="49" charset="0"/>
+              </a:rPr>
+              <a:t>var</a:t>
+            </a:r>
+            <a:r>
+              <a:rPr lang="pl-PL" sz="1700" dirty="0">
+                <a:latin typeface="Consolas" panose="020B0609020204030204" pitchFamily="49" charset="0"/>
+              </a:rPr>
+              <a:t> </a:t>
+            </a:r>
+            <a:r>
+              <a:rPr lang="pl-PL" sz="1700" dirty="0" err="1">
+                <a:latin typeface="Consolas" panose="020B0609020204030204" pitchFamily="49" charset="0"/>
+              </a:rPr>
+              <a:t>expectedValue</a:t>
+            </a:r>
+            <a:r>
+              <a:rPr lang="pl-PL" sz="1700" dirty="0">
+                <a:latin typeface="Consolas" panose="020B0609020204030204" pitchFamily="49" charset="0"/>
+              </a:rPr>
+              <a:t> = 18.45M;</a:t>
+            </a:r>
+          </a:p>
+          <a:p>
+            <a:endParaRPr lang="pl-PL" sz="1700" dirty="0">
+              <a:latin typeface="Consolas" panose="020B0609020204030204" pitchFamily="49" charset="0"/>
+            </a:endParaRPr>
+          </a:p>
+          <a:p>
+            <a:r>
+              <a:rPr lang="pl-PL" sz="1700" dirty="0">
+                <a:solidFill>
+                  <a:srgbClr val="FF0000"/>
+                </a:solidFill>
+                <a:latin typeface="Consolas" panose="020B0609020204030204" pitchFamily="49" charset="0"/>
+              </a:rPr>
+              <a:t>    // </a:t>
+            </a:r>
+            <a:r>
+              <a:rPr lang="pl-PL" sz="1700" dirty="0" err="1">
+                <a:solidFill>
+                  <a:srgbClr val="FF0000"/>
+                </a:solidFill>
+                <a:latin typeface="Consolas" panose="020B0609020204030204" pitchFamily="49" charset="0"/>
+              </a:rPr>
+              <a:t>Given</a:t>
+            </a:r>
+            <a:endParaRPr lang="pl-PL" sz="1700" dirty="0">
+              <a:latin typeface="Consolas" panose="020B0609020204030204" pitchFamily="49" charset="0"/>
+            </a:endParaRPr>
+          </a:p>
+          <a:p>
+            <a:r>
+              <a:rPr lang="pl-PL" sz="1700" dirty="0">
+                <a:latin typeface="Consolas" panose="020B0609020204030204" pitchFamily="49" charset="0"/>
+              </a:rPr>
+              <a:t>    </a:t>
+            </a:r>
+            <a:r>
+              <a:rPr lang="pl-PL" sz="1700" dirty="0" err="1">
+                <a:solidFill>
+                  <a:srgbClr val="C00000"/>
+                </a:solidFill>
+                <a:latin typeface="Consolas" panose="020B0609020204030204" pitchFamily="49" charset="0"/>
+              </a:rPr>
+              <a:t>decimal</a:t>
+            </a:r>
+            <a:r>
+              <a:rPr lang="pl-PL" sz="1700" dirty="0">
+                <a:solidFill>
+                  <a:srgbClr val="C00000"/>
+                </a:solidFill>
+                <a:latin typeface="Consolas" panose="020B0609020204030204" pitchFamily="49" charset="0"/>
+              </a:rPr>
+              <a:t> </a:t>
+            </a:r>
+            <a:r>
+              <a:rPr lang="pl-PL" sz="1700" dirty="0" err="1">
+                <a:solidFill>
+                  <a:srgbClr val="C00000"/>
+                </a:solidFill>
+                <a:latin typeface="Consolas" panose="020B0609020204030204" pitchFamily="49" charset="0"/>
+              </a:rPr>
+              <a:t>netValue</a:t>
+            </a:r>
+            <a:r>
+              <a:rPr lang="pl-PL" sz="1700" dirty="0">
+                <a:solidFill>
+                  <a:srgbClr val="C00000"/>
+                </a:solidFill>
+                <a:latin typeface="Consolas" panose="020B0609020204030204" pitchFamily="49" charset="0"/>
+              </a:rPr>
+              <a:t> = 15;</a:t>
+            </a:r>
+          </a:p>
+          <a:p>
+            <a:endParaRPr lang="pl-PL" sz="1700" dirty="0">
+              <a:latin typeface="Consolas" panose="020B0609020204030204" pitchFamily="49" charset="0"/>
+            </a:endParaRPr>
+          </a:p>
+          <a:p>
+            <a:endParaRPr lang="pl-PL" sz="1700" dirty="0">
+              <a:latin typeface="Consolas" panose="020B0609020204030204" pitchFamily="49" charset="0"/>
+            </a:endParaRPr>
+          </a:p>
+          <a:p>
+            <a:r>
+              <a:rPr lang="pl-PL" sz="1700" dirty="0">
+                <a:latin typeface="Consolas" panose="020B0609020204030204" pitchFamily="49" charset="0"/>
+              </a:rPr>
+              <a:t>    </a:t>
+            </a:r>
+            <a:r>
+              <a:rPr lang="pl-PL" sz="1700" dirty="0">
+                <a:solidFill>
+                  <a:srgbClr val="FF0000"/>
+                </a:solidFill>
+                <a:latin typeface="Consolas" panose="020B0609020204030204" pitchFamily="49" charset="0"/>
+              </a:rPr>
+              <a:t>// </a:t>
+            </a:r>
+            <a:r>
+              <a:rPr lang="pl-PL" sz="1700" dirty="0" err="1">
+                <a:solidFill>
+                  <a:srgbClr val="FF0000"/>
+                </a:solidFill>
+                <a:latin typeface="Consolas" panose="020B0609020204030204" pitchFamily="49" charset="0"/>
+              </a:rPr>
+              <a:t>When</a:t>
+            </a:r>
+            <a:endParaRPr lang="pl-PL" sz="1700" dirty="0">
+              <a:solidFill>
+                <a:srgbClr val="FF0000"/>
+              </a:solidFill>
+              <a:latin typeface="Consolas" panose="020B0609020204030204" pitchFamily="49" charset="0"/>
+            </a:endParaRPr>
+          </a:p>
+          <a:p>
+            <a:r>
+              <a:rPr lang="pl-PL" sz="1700" dirty="0">
+                <a:solidFill>
+                  <a:srgbClr val="C00000"/>
+                </a:solidFill>
+                <a:latin typeface="Consolas" panose="020B0609020204030204" pitchFamily="49" charset="0"/>
+              </a:rPr>
+              <a:t>    </a:t>
+            </a:r>
+            <a:r>
+              <a:rPr lang="pl-PL" sz="1700" dirty="0" err="1">
+                <a:solidFill>
+                  <a:srgbClr val="C00000"/>
+                </a:solidFill>
+                <a:latin typeface="Consolas" panose="020B0609020204030204" pitchFamily="49" charset="0"/>
+              </a:rPr>
+              <a:t>var</a:t>
+            </a:r>
+            <a:r>
+              <a:rPr lang="pl-PL" sz="1700" dirty="0">
+                <a:solidFill>
+                  <a:srgbClr val="C00000"/>
+                </a:solidFill>
+                <a:latin typeface="Consolas" panose="020B0609020204030204" pitchFamily="49" charset="0"/>
+              </a:rPr>
+              <a:t> </a:t>
+            </a:r>
+            <a:r>
+              <a:rPr lang="pl-PL" sz="1700" dirty="0" err="1">
+                <a:solidFill>
+                  <a:srgbClr val="C00000"/>
+                </a:solidFill>
+                <a:latin typeface="Consolas" panose="020B0609020204030204" pitchFamily="49" charset="0"/>
+              </a:rPr>
+              <a:t>calculatedValue</a:t>
+            </a:r>
+            <a:r>
+              <a:rPr lang="pl-PL" sz="1700" dirty="0">
+                <a:solidFill>
+                  <a:srgbClr val="C00000"/>
+                </a:solidFill>
+                <a:latin typeface="Consolas" panose="020B0609020204030204" pitchFamily="49" charset="0"/>
+              </a:rPr>
+              <a:t> = </a:t>
+            </a:r>
+            <a:r>
+              <a:rPr lang="pl-PL" sz="1700" dirty="0" err="1">
+                <a:solidFill>
+                  <a:srgbClr val="C00000"/>
+                </a:solidFill>
+                <a:latin typeface="Consolas" panose="020B0609020204030204" pitchFamily="49" charset="0"/>
+              </a:rPr>
+              <a:t>VatValueCalculator.CalculateGrossValue</a:t>
+            </a:r>
+            <a:r>
+              <a:rPr lang="pl-PL" sz="1700" dirty="0">
+                <a:solidFill>
+                  <a:srgbClr val="C00000"/>
+                </a:solidFill>
+                <a:latin typeface="Consolas" panose="020B0609020204030204" pitchFamily="49" charset="0"/>
+              </a:rPr>
+              <a:t>(</a:t>
+            </a:r>
+            <a:r>
+              <a:rPr lang="pl-PL" sz="1700" dirty="0" err="1">
+                <a:solidFill>
+                  <a:srgbClr val="C00000"/>
+                </a:solidFill>
+                <a:latin typeface="Consolas" panose="020B0609020204030204" pitchFamily="49" charset="0"/>
+              </a:rPr>
+              <a:t>netValue</a:t>
+            </a:r>
+            <a:r>
+              <a:rPr lang="pl-PL" sz="1700" dirty="0">
+                <a:solidFill>
+                  <a:srgbClr val="C00000"/>
+                </a:solidFill>
+                <a:latin typeface="Consolas" panose="020B0609020204030204" pitchFamily="49" charset="0"/>
+              </a:rPr>
+              <a:t>);</a:t>
+            </a:r>
+          </a:p>
+          <a:p>
+            <a:endParaRPr lang="pl-PL" sz="1700" dirty="0">
+              <a:latin typeface="Consolas" panose="020B0609020204030204" pitchFamily="49" charset="0"/>
+            </a:endParaRPr>
+          </a:p>
+          <a:p>
+            <a:endParaRPr lang="pl-PL" sz="1700" dirty="0">
+              <a:latin typeface="Consolas" panose="020B0609020204030204" pitchFamily="49" charset="0"/>
+            </a:endParaRPr>
+          </a:p>
+          <a:p>
+            <a:r>
+              <a:rPr lang="pl-PL" sz="1700" dirty="0">
+                <a:latin typeface="Consolas" panose="020B0609020204030204" pitchFamily="49" charset="0"/>
+              </a:rPr>
+              <a:t>    </a:t>
+            </a:r>
+            <a:r>
+              <a:rPr lang="pl-PL" sz="1700" dirty="0">
+                <a:solidFill>
+                  <a:srgbClr val="FF0000"/>
+                </a:solidFill>
+                <a:latin typeface="Consolas" panose="020B0609020204030204" pitchFamily="49" charset="0"/>
+              </a:rPr>
+              <a:t>// Then</a:t>
+            </a:r>
+          </a:p>
+          <a:p>
+            <a:r>
+              <a:rPr lang="en-US" sz="1700" dirty="0">
+                <a:solidFill>
+                  <a:srgbClr val="C00000"/>
+                </a:solidFill>
+                <a:latin typeface="Consolas" panose="020B0609020204030204" pitchFamily="49" charset="0"/>
+              </a:rPr>
+              <a:t>    </a:t>
+            </a:r>
+            <a:r>
+              <a:rPr lang="en-US" sz="1700" dirty="0" err="1">
+                <a:solidFill>
+                  <a:srgbClr val="C00000"/>
+                </a:solidFill>
+                <a:latin typeface="Consolas" panose="020B0609020204030204" pitchFamily="49" charset="0"/>
+              </a:rPr>
+              <a:t>Assert.That</a:t>
+            </a:r>
+            <a:r>
+              <a:rPr lang="en-US" sz="1700" dirty="0">
+                <a:solidFill>
+                  <a:srgbClr val="C00000"/>
+                </a:solidFill>
+                <a:latin typeface="Consolas" panose="020B0609020204030204" pitchFamily="49" charset="0"/>
+              </a:rPr>
+              <a:t>(</a:t>
+            </a:r>
+            <a:r>
+              <a:rPr lang="en-US" sz="1700" dirty="0" err="1">
+                <a:solidFill>
+                  <a:srgbClr val="C00000"/>
+                </a:solidFill>
+                <a:latin typeface="Consolas" panose="020B0609020204030204" pitchFamily="49" charset="0"/>
+              </a:rPr>
+              <a:t>expectedValue</a:t>
+            </a:r>
+            <a:r>
+              <a:rPr lang="en-US" sz="1700" dirty="0">
+                <a:solidFill>
+                  <a:srgbClr val="C00000"/>
+                </a:solidFill>
+                <a:latin typeface="Consolas" panose="020B0609020204030204" pitchFamily="49" charset="0"/>
+              </a:rPr>
+              <a:t>, </a:t>
+            </a:r>
+            <a:r>
+              <a:rPr lang="en-US" sz="1700" dirty="0" err="1">
+                <a:solidFill>
+                  <a:srgbClr val="C00000"/>
+                </a:solidFill>
+                <a:latin typeface="Consolas" panose="020B0609020204030204" pitchFamily="49" charset="0"/>
+              </a:rPr>
+              <a:t>Is.EqualTo</a:t>
+            </a:r>
+            <a:r>
+              <a:rPr lang="en-US" sz="1700" dirty="0">
+                <a:solidFill>
+                  <a:srgbClr val="C00000"/>
+                </a:solidFill>
+                <a:latin typeface="Consolas" panose="020B0609020204030204" pitchFamily="49" charset="0"/>
+              </a:rPr>
+              <a:t>(</a:t>
+            </a:r>
+            <a:r>
+              <a:rPr lang="en-US" sz="1700" dirty="0" err="1">
+                <a:solidFill>
+                  <a:srgbClr val="C00000"/>
+                </a:solidFill>
+                <a:latin typeface="Consolas" panose="020B0609020204030204" pitchFamily="49" charset="0"/>
+              </a:rPr>
+              <a:t>calculatedValue</a:t>
+            </a:r>
+            <a:r>
+              <a:rPr lang="en-US" sz="1700" dirty="0">
+                <a:solidFill>
+                  <a:srgbClr val="C00000"/>
+                </a:solidFill>
+                <a:latin typeface="Consolas" panose="020B0609020204030204" pitchFamily="49" charset="0"/>
+              </a:rPr>
+              <a:t>));</a:t>
+            </a:r>
+          </a:p>
+          <a:p>
+            <a:r>
+              <a:rPr lang="pl-PL" sz="1700" dirty="0">
+                <a:latin typeface="Consolas" panose="020B0609020204030204" pitchFamily="49" charset="0"/>
+              </a:rPr>
+              <a:t>}</a:t>
+            </a:r>
+          </a:p>
+        </p:txBody>
+      </p:sp>
+    </p:spTree>
+    <p:extLst>
+      <p:ext uri="{BB962C8B-B14F-4D97-AF65-F5344CB8AC3E}">
+        <p14:creationId xmlns:p14="http://schemas.microsoft.com/office/powerpoint/2010/main" val="1347601342"/>
+      </p:ext>
+    </p:extLst>
+  </p:cSld>
+  <p:clrMapOvr>
+    <a:masterClrMapping/>
+  </p:clrMapOvr>
+</p:sld>
+</file>
+
+<file path=ppt/slides/slide8.xml><?xml version="1.0" encoding="utf-8"?>
+<p:sld xmlns:a="http://schemas.openxmlformats.org/drawingml/2006/main" xmlns:r="http://schemas.openxmlformats.org/officeDocument/2006/relationships" xmlns:p="http://schemas.openxmlformats.org/presentationml/2006/main">
+  <p:cSld>
+    <p:spTree>
+      <p:nvGrpSpPr>
+        <p:cNvPr id="1" name=""/>
+        <p:cNvGrpSpPr/>
+        <p:nvPr/>
+      </p:nvGrpSpPr>
+      <p:grpSpPr>
+        <a:xfrm>
+          <a:off x="0" y="0"/>
+          <a:ext cx="0" cy="0"/>
+          <a:chOff x="0" y="0"/>
+          <a:chExt cx="0" cy="0"/>
+        </a:xfrm>
+      </p:grpSpPr>
+      <p:sp>
+        <p:nvSpPr>
+          <p:cNvPr id="2" name="Tytuł 1">
+            <a:extLst>
+              <a:ext uri="{FF2B5EF4-FFF2-40B4-BE49-F238E27FC236}">
+                <a16:creationId xmlns:a16="http://schemas.microsoft.com/office/drawing/2014/main" id="{6907A675-BBFF-49F5-A87B-33713128512C}"/>
+              </a:ext>
+            </a:extLst>
+          </p:cNvPr>
+          <p:cNvSpPr>
+            <a:spLocks noGrp="1"/>
+          </p:cNvSpPr>
+          <p:nvPr>
+            <p:ph type="title"/>
+          </p:nvPr>
+        </p:nvSpPr>
+        <p:spPr/>
+        <p:txBody>
+          <a:bodyPr>
+            <a:normAutofit/>
+          </a:bodyPr>
+          <a:lstStyle/>
+          <a:p>
+            <a:pPr algn="ctr"/>
+            <a:r>
+              <a:rPr lang="pl-PL" sz="3600" dirty="0"/>
+              <a:t>Nazewnictwo</a:t>
+            </a:r>
+          </a:p>
+        </p:txBody>
+      </p:sp>
+      <p:sp>
+        <p:nvSpPr>
+          <p:cNvPr id="3" name="Symbol zastępczy zawartości 2">
+            <a:extLst>
+              <a:ext uri="{FF2B5EF4-FFF2-40B4-BE49-F238E27FC236}">
+                <a16:creationId xmlns:a16="http://schemas.microsoft.com/office/drawing/2014/main" id="{B4308AD1-49F1-4A96-8281-9F1DB2654796}"/>
+              </a:ext>
+            </a:extLst>
+          </p:cNvPr>
+          <p:cNvSpPr>
+            <a:spLocks noGrp="1"/>
+          </p:cNvSpPr>
+          <p:nvPr>
+            <p:ph idx="1"/>
+          </p:nvPr>
+        </p:nvSpPr>
+        <p:spPr/>
+        <p:txBody>
+          <a:bodyPr anchor="t">
+            <a:normAutofit/>
+          </a:bodyPr>
+          <a:lstStyle/>
+          <a:p>
+            <a:pPr marL="0" indent="0">
+              <a:buNone/>
+            </a:pPr>
+            <a:r>
+              <a:rPr lang="pl-PL" dirty="0">
+                <a:latin typeface="Consolas" panose="020B0609020204030204" pitchFamily="49" charset="0"/>
+              </a:rPr>
+              <a:t> [</a:t>
+            </a:r>
+            <a:r>
+              <a:rPr lang="pl-PL" dirty="0" err="1">
+                <a:latin typeface="Consolas" panose="020B0609020204030204" pitchFamily="49" charset="0"/>
+              </a:rPr>
+              <a:t>TestFixture</a:t>
+            </a:r>
+            <a:r>
+              <a:rPr lang="pl-PL" dirty="0">
+                <a:latin typeface="Consolas" panose="020B0609020204030204" pitchFamily="49" charset="0"/>
+              </a:rPr>
+              <a:t>]</a:t>
+            </a:r>
+          </a:p>
+          <a:p>
+            <a:pPr marL="0" indent="0">
+              <a:buNone/>
+            </a:pPr>
+            <a:r>
+              <a:rPr lang="pl-PL" dirty="0">
+                <a:latin typeface="Consolas" panose="020B0609020204030204" pitchFamily="49" charset="0"/>
+              </a:rPr>
+              <a:t> public </a:t>
+            </a:r>
+            <a:r>
+              <a:rPr lang="pl-PL" dirty="0" err="1">
+                <a:latin typeface="Consolas" panose="020B0609020204030204" pitchFamily="49" charset="0"/>
+              </a:rPr>
+              <a:t>class</a:t>
+            </a:r>
+            <a:r>
+              <a:rPr lang="pl-PL" dirty="0">
+                <a:latin typeface="Consolas" panose="020B0609020204030204" pitchFamily="49" charset="0"/>
+              </a:rPr>
+              <a:t> </a:t>
+            </a:r>
+            <a:r>
+              <a:rPr lang="pl-PL" dirty="0" err="1">
+                <a:solidFill>
+                  <a:srgbClr val="FF0000"/>
+                </a:solidFill>
+                <a:latin typeface="Consolas" panose="020B0609020204030204" pitchFamily="49" charset="0"/>
+              </a:rPr>
+              <a:t>TestClass</a:t>
+            </a:r>
+            <a:endParaRPr lang="pl-PL" dirty="0">
+              <a:solidFill>
+                <a:srgbClr val="FF0000"/>
+              </a:solidFill>
+              <a:latin typeface="Consolas" panose="020B0609020204030204" pitchFamily="49" charset="0"/>
+            </a:endParaRPr>
+          </a:p>
+          <a:p>
+            <a:pPr marL="0" indent="0">
+              <a:buNone/>
+            </a:pPr>
+            <a:r>
+              <a:rPr lang="pl-PL" dirty="0">
+                <a:latin typeface="Consolas" panose="020B0609020204030204" pitchFamily="49" charset="0"/>
+              </a:rPr>
+              <a:t>  {</a:t>
+            </a:r>
+          </a:p>
+          <a:p>
+            <a:pPr marL="0" indent="0">
+              <a:buNone/>
+            </a:pPr>
+            <a:r>
+              <a:rPr lang="pl-PL" dirty="0">
+                <a:latin typeface="Consolas" panose="020B0609020204030204" pitchFamily="49" charset="0"/>
+              </a:rPr>
+              <a:t>    [Test]</a:t>
+            </a:r>
+          </a:p>
+          <a:p>
+            <a:pPr marL="0" indent="0">
+              <a:buNone/>
+            </a:pPr>
+            <a:r>
+              <a:rPr lang="pl-PL" dirty="0">
+                <a:latin typeface="Consolas" panose="020B0609020204030204" pitchFamily="49" charset="0"/>
+              </a:rPr>
+              <a:t>    public </a:t>
+            </a:r>
+            <a:r>
+              <a:rPr lang="pl-PL" dirty="0" err="1">
+                <a:latin typeface="Consolas" panose="020B0609020204030204" pitchFamily="49" charset="0"/>
+              </a:rPr>
+              <a:t>void</a:t>
+            </a:r>
+            <a:r>
+              <a:rPr lang="pl-PL" dirty="0">
+                <a:latin typeface="Consolas" panose="020B0609020204030204" pitchFamily="49" charset="0"/>
+              </a:rPr>
+              <a:t> </a:t>
+            </a:r>
+            <a:r>
+              <a:rPr lang="pl-PL" dirty="0">
+                <a:solidFill>
+                  <a:srgbClr val="FF0000"/>
+                </a:solidFill>
+                <a:latin typeface="Consolas" panose="020B0609020204030204" pitchFamily="49" charset="0"/>
+              </a:rPr>
+              <a:t>Test</a:t>
+            </a:r>
+            <a:r>
+              <a:rPr lang="pl-PL" dirty="0">
+                <a:latin typeface="Consolas" panose="020B0609020204030204" pitchFamily="49" charset="0"/>
+              </a:rPr>
+              <a:t>()</a:t>
+            </a:r>
+          </a:p>
+          <a:p>
+            <a:pPr marL="0" indent="0">
+              <a:buNone/>
+            </a:pPr>
+            <a:r>
+              <a:rPr lang="pl-PL" dirty="0">
+                <a:latin typeface="Consolas" panose="020B0609020204030204" pitchFamily="49" charset="0"/>
+              </a:rPr>
+              <a:t>    { … }</a:t>
+            </a:r>
+          </a:p>
+          <a:p>
+            <a:pPr marL="0" indent="0">
+              <a:buNone/>
+            </a:pPr>
+            <a:r>
+              <a:rPr lang="pl-PL" dirty="0">
+                <a:latin typeface="Consolas" panose="020B0609020204030204" pitchFamily="49" charset="0"/>
+              </a:rPr>
+              <a:t>  }</a:t>
+            </a:r>
+          </a:p>
+        </p:txBody>
+      </p:sp>
+    </p:spTree>
+    <p:extLst>
+      <p:ext uri="{BB962C8B-B14F-4D97-AF65-F5344CB8AC3E}">
+        <p14:creationId xmlns:p14="http://schemas.microsoft.com/office/powerpoint/2010/main" val="855337638"/>
+      </p:ext>
+    </p:extLst>
+  </p:cSld>
+  <p:clrMapOvr>
+    <a:masterClrMapping/>
+  </p:clrMapOvr>
+</p:sld>
+</file>
+
+<file path=ppt/slides/slide9.xml><?xml version="1.0" encoding="utf-8"?>
+<p:sld xmlns:a="http://schemas.openxmlformats.org/drawingml/2006/main" xmlns:r="http://schemas.openxmlformats.org/officeDocument/2006/relationships" xmlns:p="http://schemas.openxmlformats.org/presentationml/2006/main">
+  <p:cSld>
+    <p:spTree>
+      <p:nvGrpSpPr>
+        <p:cNvPr id="1" name=""/>
+        <p:cNvGrpSpPr/>
+        <p:nvPr/>
+      </p:nvGrpSpPr>
+      <p:grpSpPr>
+        <a:xfrm>
+          <a:off x="0" y="0"/>
+          <a:ext cx="0" cy="0"/>
+          <a:chOff x="0" y="0"/>
+          <a:chExt cx="0" cy="0"/>
+        </a:xfrm>
+      </p:grpSpPr>
+      <p:sp>
+        <p:nvSpPr>
+          <p:cNvPr id="2" name="Tytuł 1">
+            <a:extLst>
+              <a:ext uri="{FF2B5EF4-FFF2-40B4-BE49-F238E27FC236}">
+                <a16:creationId xmlns:a16="http://schemas.microsoft.com/office/drawing/2014/main" id="{280506CA-C1C9-4D15-847D-6E20886C902E}"/>
+              </a:ext>
+            </a:extLst>
+          </p:cNvPr>
+          <p:cNvSpPr>
+            <a:spLocks noGrp="1"/>
+          </p:cNvSpPr>
+          <p:nvPr>
+            <p:ph type="title"/>
+          </p:nvPr>
+        </p:nvSpPr>
+        <p:spPr/>
+        <p:txBody>
+          <a:bodyPr/>
+          <a:lstStyle/>
+          <a:p>
+            <a:pPr algn="ctr"/>
+            <a:r>
+              <a:rPr lang="pl-PL" dirty="0"/>
+              <a:t>Nazewnictwo</a:t>
+            </a:r>
+          </a:p>
+        </p:txBody>
+      </p:sp>
+      <p:sp>
+        <p:nvSpPr>
+          <p:cNvPr id="3" name="Symbol zastępczy zawartości 2">
+            <a:extLst>
+              <a:ext uri="{FF2B5EF4-FFF2-40B4-BE49-F238E27FC236}">
+                <a16:creationId xmlns:a16="http://schemas.microsoft.com/office/drawing/2014/main" id="{20B3FF83-FC9A-41B1-9C62-C7DF22465989}"/>
+              </a:ext>
+            </a:extLst>
+          </p:cNvPr>
+          <p:cNvSpPr>
+            <a:spLocks noGrp="1"/>
+          </p:cNvSpPr>
+          <p:nvPr>
+            <p:ph idx="1"/>
+          </p:nvPr>
+        </p:nvSpPr>
+        <p:spPr>
+          <a:xfrm>
+            <a:off x="581192" y="2180497"/>
+            <a:ext cx="11029615" cy="648162"/>
+          </a:xfrm>
+        </p:spPr>
+        <p:txBody>
+          <a:bodyPr anchor="t">
+            <a:normAutofit/>
+          </a:bodyPr>
+          <a:lstStyle/>
+          <a:p>
+            <a:r>
+              <a:rPr lang="pl-PL" sz="2900" dirty="0"/>
+              <a:t>musi nieść informację</a:t>
+            </a:r>
+          </a:p>
+          <a:p>
+            <a:endParaRPr lang="pl-PL" dirty="0"/>
+          </a:p>
+        </p:txBody>
+      </p:sp>
+      <p:sp>
+        <p:nvSpPr>
+          <p:cNvPr id="4" name="pole tekstowe 3">
+            <a:extLst>
+              <a:ext uri="{FF2B5EF4-FFF2-40B4-BE49-F238E27FC236}">
+                <a16:creationId xmlns:a16="http://schemas.microsoft.com/office/drawing/2014/main" id="{3C6BD12B-ED19-4A44-93FC-3E9C018B6F3E}"/>
+              </a:ext>
+            </a:extLst>
+          </p:cNvPr>
+          <p:cNvSpPr txBox="1"/>
+          <p:nvPr/>
+        </p:nvSpPr>
+        <p:spPr>
+          <a:xfrm>
+            <a:off x="675118" y="2828659"/>
+            <a:ext cx="7023076" cy="3859518"/>
+          </a:xfrm>
+          <a:prstGeom prst="rect">
+            <a:avLst/>
+          </a:prstGeom>
+          <a:noFill/>
+        </p:spPr>
+        <p:txBody>
+          <a:bodyPr wrap="none" rtlCol="0">
+            <a:spAutoFit/>
+          </a:bodyPr>
+          <a:lstStyle/>
+          <a:p>
+            <a:pPr>
+              <a:lnSpc>
+                <a:spcPct val="120000"/>
+              </a:lnSpc>
+            </a:pPr>
+            <a:r>
+              <a:rPr lang="pl-PL" dirty="0">
+                <a:latin typeface="Consolas" panose="020B0609020204030204" pitchFamily="49" charset="0"/>
+              </a:rPr>
+              <a:t>[</a:t>
+            </a:r>
+            <a:r>
+              <a:rPr lang="pl-PL" dirty="0" err="1">
+                <a:latin typeface="Consolas" panose="020B0609020204030204" pitchFamily="49" charset="0"/>
+              </a:rPr>
+              <a:t>TestFixture</a:t>
+            </a:r>
+            <a:r>
+              <a:rPr lang="pl-PL" dirty="0">
+                <a:latin typeface="Consolas" panose="020B0609020204030204" pitchFamily="49" charset="0"/>
+              </a:rPr>
+              <a:t>]</a:t>
+            </a:r>
+          </a:p>
+          <a:p>
+            <a:pPr>
+              <a:lnSpc>
+                <a:spcPct val="120000"/>
+              </a:lnSpc>
+            </a:pPr>
+            <a:r>
+              <a:rPr lang="pl-PL" dirty="0">
+                <a:latin typeface="Consolas" panose="020B0609020204030204" pitchFamily="49" charset="0"/>
+              </a:rPr>
+              <a:t>public </a:t>
+            </a:r>
+            <a:r>
+              <a:rPr lang="pl-PL" dirty="0" err="1">
+                <a:latin typeface="Consolas" panose="020B0609020204030204" pitchFamily="49" charset="0"/>
+              </a:rPr>
+              <a:t>class</a:t>
+            </a:r>
+            <a:r>
+              <a:rPr lang="pl-PL" dirty="0">
+                <a:latin typeface="Consolas" panose="020B0609020204030204" pitchFamily="49" charset="0"/>
+              </a:rPr>
+              <a:t> </a:t>
+            </a:r>
+            <a:r>
+              <a:rPr lang="pl-PL" dirty="0" err="1">
+                <a:solidFill>
+                  <a:srgbClr val="FF0000"/>
+                </a:solidFill>
+                <a:latin typeface="Consolas" panose="020B0609020204030204" pitchFamily="49" charset="0"/>
+              </a:rPr>
+              <a:t>VatValueCalculatorTests</a:t>
+            </a:r>
+            <a:endParaRPr lang="pl-PL" dirty="0">
+              <a:solidFill>
+                <a:srgbClr val="FF0000"/>
+              </a:solidFill>
+              <a:latin typeface="Consolas" panose="020B0609020204030204" pitchFamily="49" charset="0"/>
+            </a:endParaRPr>
+          </a:p>
+          <a:p>
+            <a:pPr>
+              <a:lnSpc>
+                <a:spcPct val="120000"/>
+              </a:lnSpc>
+            </a:pPr>
+            <a:r>
+              <a:rPr lang="pl-PL" dirty="0">
+                <a:latin typeface="Consolas" panose="020B0609020204030204" pitchFamily="49" charset="0"/>
+              </a:rPr>
+              <a:t>{</a:t>
+            </a:r>
+          </a:p>
+          <a:p>
+            <a:pPr>
+              <a:lnSpc>
+                <a:spcPct val="120000"/>
+              </a:lnSpc>
+            </a:pPr>
+            <a:r>
+              <a:rPr lang="pl-PL" dirty="0">
+                <a:latin typeface="Consolas" panose="020B0609020204030204" pitchFamily="49" charset="0"/>
+              </a:rPr>
+              <a:t>  [Test]</a:t>
+            </a:r>
+          </a:p>
+          <a:p>
+            <a:pPr>
+              <a:lnSpc>
+                <a:spcPct val="120000"/>
+              </a:lnSpc>
+            </a:pPr>
+            <a:r>
+              <a:rPr lang="pl-PL" dirty="0">
+                <a:latin typeface="Consolas" panose="020B0609020204030204" pitchFamily="49" charset="0"/>
+              </a:rPr>
+              <a:t>  public </a:t>
+            </a:r>
+            <a:r>
+              <a:rPr lang="pl-PL" dirty="0" err="1">
+                <a:latin typeface="Consolas" panose="020B0609020204030204" pitchFamily="49" charset="0"/>
+              </a:rPr>
+              <a:t>void</a:t>
+            </a:r>
+            <a:r>
+              <a:rPr lang="pl-PL" dirty="0">
+                <a:latin typeface="Consolas" panose="020B0609020204030204" pitchFamily="49" charset="0"/>
+              </a:rPr>
+              <a:t> </a:t>
+            </a:r>
+            <a:r>
+              <a:rPr lang="pl-PL" dirty="0">
+                <a:solidFill>
+                  <a:srgbClr val="FF0000"/>
+                </a:solidFill>
+                <a:latin typeface="Consolas" panose="020B0609020204030204" pitchFamily="49" charset="0"/>
+              </a:rPr>
+              <a:t>calculates_proper_value_for_23_percent</a:t>
+            </a:r>
+            <a:r>
+              <a:rPr lang="pl-PL" dirty="0">
+                <a:latin typeface="Consolas" panose="020B0609020204030204" pitchFamily="49" charset="0"/>
+              </a:rPr>
+              <a:t>()</a:t>
+            </a:r>
+          </a:p>
+          <a:p>
+            <a:pPr>
+              <a:lnSpc>
+                <a:spcPct val="120000"/>
+              </a:lnSpc>
+            </a:pPr>
+            <a:r>
+              <a:rPr lang="pl-PL" dirty="0">
+                <a:latin typeface="Consolas" panose="020B0609020204030204" pitchFamily="49" charset="0"/>
+              </a:rPr>
+              <a:t>  {…}</a:t>
+            </a:r>
+          </a:p>
+          <a:p>
+            <a:pPr>
+              <a:lnSpc>
+                <a:spcPct val="120000"/>
+              </a:lnSpc>
+            </a:pPr>
+            <a:endParaRPr lang="pl-PL" dirty="0">
+              <a:latin typeface="Consolas" panose="020B0609020204030204" pitchFamily="49" charset="0"/>
+            </a:endParaRPr>
+          </a:p>
+          <a:p>
+            <a:r>
+              <a:rPr lang="pl-PL" dirty="0">
+                <a:latin typeface="Consolas" panose="020B0609020204030204" pitchFamily="49" charset="0"/>
+              </a:rPr>
+              <a:t>  [Test]</a:t>
+            </a:r>
+          </a:p>
+          <a:p>
+            <a:r>
+              <a:rPr lang="en-US" dirty="0">
+                <a:latin typeface="Consolas" panose="020B0609020204030204" pitchFamily="49" charset="0"/>
+              </a:rPr>
+              <a:t>  public void </a:t>
+            </a:r>
+            <a:r>
+              <a:rPr lang="en-US" dirty="0" err="1">
+                <a:solidFill>
+                  <a:srgbClr val="FF0000"/>
+                </a:solidFill>
+                <a:latin typeface="Consolas" panose="020B0609020204030204" pitchFamily="49" charset="0"/>
+              </a:rPr>
+              <a:t>AddInvoice_CorrectInvoice_ShouldAdd</a:t>
+            </a:r>
+            <a:r>
+              <a:rPr lang="en-US" dirty="0">
+                <a:latin typeface="Consolas" panose="020B0609020204030204" pitchFamily="49" charset="0"/>
+              </a:rPr>
+              <a:t>()</a:t>
+            </a:r>
+          </a:p>
+          <a:p>
+            <a:r>
+              <a:rPr lang="pl-PL" dirty="0">
+                <a:latin typeface="Consolas" panose="020B0609020204030204" pitchFamily="49" charset="0"/>
+              </a:rPr>
+              <a:t>  {…}</a:t>
+            </a:r>
+          </a:p>
+          <a:p>
+            <a:pPr>
+              <a:lnSpc>
+                <a:spcPct val="120000"/>
+              </a:lnSpc>
+            </a:pPr>
+            <a:r>
+              <a:rPr lang="pl-PL" dirty="0">
+                <a:latin typeface="Consolas" panose="020B0609020204030204" pitchFamily="49" charset="0"/>
+              </a:rPr>
+              <a:t>}</a:t>
+            </a:r>
+          </a:p>
+          <a:p>
+            <a:endParaRPr lang="pl-PL" dirty="0"/>
+          </a:p>
+        </p:txBody>
+      </p:sp>
+    </p:spTree>
+    <p:extLst>
+      <p:ext uri="{BB962C8B-B14F-4D97-AF65-F5344CB8AC3E}">
+        <p14:creationId xmlns:p14="http://schemas.microsoft.com/office/powerpoint/2010/main" val="742992233"/>
       </p:ext>
     </p:extLst>
   </p:cSld>

--- a/docs/Testy jednostkowe.pptx
+++ b/docs/Testy jednostkowe.pptx
@@ -5,7 +5,7 @@
     <p:sldMasterId id="2147483672" r:id="rId1"/>
   </p:sldMasterIdLst>
   <p:notesMasterIdLst>
-    <p:notesMasterId r:id="rId25"/>
+    <p:notesMasterId r:id="rId26"/>
   </p:notesMasterIdLst>
   <p:sldIdLst>
     <p:sldId id="256" r:id="rId2"/>
@@ -28,9 +28,10 @@
     <p:sldId id="273" r:id="rId19"/>
     <p:sldId id="274" r:id="rId20"/>
     <p:sldId id="268" r:id="rId21"/>
-    <p:sldId id="278" r:id="rId22"/>
-    <p:sldId id="269" r:id="rId23"/>
-    <p:sldId id="281" r:id="rId24"/>
+    <p:sldId id="282" r:id="rId22"/>
+    <p:sldId id="278" r:id="rId23"/>
+    <p:sldId id="269" r:id="rId24"/>
+    <p:sldId id="281" r:id="rId25"/>
   </p:sldIdLst>
   <p:sldSz cx="12192000" cy="6858000"/>
   <p:notesSz cx="6858000" cy="9144000"/>
@@ -223,7 +224,7 @@
           <a:p>
             <a:fld id="{FD6B7073-9D6A-4FEB-B514-014FB5C3181D}" type="datetimeFigureOut">
               <a:rPr lang="pl-PL" smtClean="0"/>
-              <a:t>26.06.2017</a:t>
+              <a:t>27.06.2017</a:t>
             </a:fld>
             <a:endParaRPr lang="pl-PL"/>
           </a:p>
@@ -1656,7 +1657,7 @@
     </p:spTree>
     <p:extLst>
       <p:ext uri="{BB962C8B-B14F-4D97-AF65-F5344CB8AC3E}">
-        <p14:creationId xmlns:p14="http://schemas.microsoft.com/office/powerpoint/2010/main" val="2958623070"/>
+        <p14:creationId xmlns:p14="http://schemas.microsoft.com/office/powerpoint/2010/main" val="1153594511"/>
       </p:ext>
     </p:extLst>
   </p:cSld>
@@ -1732,6 +1733,90 @@
             <a:fld id="{C7B87404-ADFE-4B48-97A5-00F9EDD3AA20}" type="slidenum">
               <a:rPr lang="pl-PL" smtClean="0"/>
               <a:t>22</a:t>
+            </a:fld>
+            <a:endParaRPr lang="pl-PL"/>
+          </a:p>
+        </p:txBody>
+      </p:sp>
+    </p:spTree>
+    <p:extLst>
+      <p:ext uri="{BB962C8B-B14F-4D97-AF65-F5344CB8AC3E}">
+        <p14:creationId xmlns:p14="http://schemas.microsoft.com/office/powerpoint/2010/main" val="2958623070"/>
+      </p:ext>
+    </p:extLst>
+  </p:cSld>
+  <p:clrMapOvr>
+    <a:masterClrMapping/>
+  </p:clrMapOvr>
+</p:notes>
+</file>
+
+<file path=ppt/notesSlides/notesSlide23.xml><?xml version="1.0" encoding="utf-8"?>
+<p:notes xmlns:a="http://schemas.openxmlformats.org/drawingml/2006/main" xmlns:r="http://schemas.openxmlformats.org/officeDocument/2006/relationships" xmlns:p="http://schemas.openxmlformats.org/presentationml/2006/main">
+  <p:cSld>
+    <p:spTree>
+      <p:nvGrpSpPr>
+        <p:cNvPr id="1" name=""/>
+        <p:cNvGrpSpPr/>
+        <p:nvPr/>
+      </p:nvGrpSpPr>
+      <p:grpSpPr>
+        <a:xfrm>
+          <a:off x="0" y="0"/>
+          <a:ext cx="0" cy="0"/>
+          <a:chOff x="0" y="0"/>
+          <a:chExt cx="0" cy="0"/>
+        </a:xfrm>
+      </p:grpSpPr>
+      <p:sp>
+        <p:nvSpPr>
+          <p:cNvPr id="2" name="Symbol zastępczy obrazu slajdu 1"/>
+          <p:cNvSpPr>
+            <a:spLocks noGrp="1" noRot="1" noChangeAspect="1"/>
+          </p:cNvSpPr>
+          <p:nvPr>
+            <p:ph type="sldImg"/>
+          </p:nvPr>
+        </p:nvSpPr>
+        <p:spPr/>
+      </p:sp>
+      <p:sp>
+        <p:nvSpPr>
+          <p:cNvPr id="3" name="Symbol zastępczy notatek 2"/>
+          <p:cNvSpPr>
+            <a:spLocks noGrp="1"/>
+          </p:cNvSpPr>
+          <p:nvPr>
+            <p:ph type="body" idx="1"/>
+          </p:nvPr>
+        </p:nvSpPr>
+        <p:spPr/>
+        <p:txBody>
+          <a:bodyPr/>
+          <a:lstStyle/>
+          <a:p>
+            <a:endParaRPr lang="pl-PL"/>
+          </a:p>
+        </p:txBody>
+      </p:sp>
+      <p:sp>
+        <p:nvSpPr>
+          <p:cNvPr id="4" name="Symbol zastępczy numeru slajdu 3"/>
+          <p:cNvSpPr>
+            <a:spLocks noGrp="1"/>
+          </p:cNvSpPr>
+          <p:nvPr>
+            <p:ph type="sldNum" sz="quarter" idx="10"/>
+          </p:nvPr>
+        </p:nvSpPr>
+        <p:spPr/>
+        <p:txBody>
+          <a:bodyPr/>
+          <a:lstStyle/>
+          <a:p>
+            <a:fld id="{C7B87404-ADFE-4B48-97A5-00F9EDD3AA20}" type="slidenum">
+              <a:rPr lang="pl-PL" smtClean="0"/>
+              <a:t>23</a:t>
             </a:fld>
             <a:endParaRPr lang="pl-PL"/>
           </a:p>
@@ -2583,7 +2668,7 @@
           <a:p>
             <a:fld id="{54187E25-B117-416D-8A32-FE022F1E280E}" type="datetimeFigureOut">
               <a:rPr lang="pl-PL" smtClean="0"/>
-              <a:t>26.06.2017</a:t>
+              <a:t>27.06.2017</a:t>
             </a:fld>
             <a:endParaRPr lang="pl-PL"/>
           </a:p>
@@ -2845,7 +2930,7 @@
           <a:p>
             <a:fld id="{54187E25-B117-416D-8A32-FE022F1E280E}" type="datetimeFigureOut">
               <a:rPr lang="pl-PL" smtClean="0"/>
-              <a:t>26.06.2017</a:t>
+              <a:t>27.06.2017</a:t>
             </a:fld>
             <a:endParaRPr lang="pl-PL"/>
           </a:p>
@@ -3080,7 +3165,7 @@
           <a:p>
             <a:fld id="{54187E25-B117-416D-8A32-FE022F1E280E}" type="datetimeFigureOut">
               <a:rPr lang="pl-PL" smtClean="0"/>
-              <a:t>26.06.2017</a:t>
+              <a:t>27.06.2017</a:t>
             </a:fld>
             <a:endParaRPr lang="pl-PL"/>
           </a:p>
@@ -3320,7 +3405,7 @@
           <a:p>
             <a:fld id="{54187E25-B117-416D-8A32-FE022F1E280E}" type="datetimeFigureOut">
               <a:rPr lang="pl-PL" smtClean="0"/>
-              <a:t>26.06.2017</a:t>
+              <a:t>27.06.2017</a:t>
             </a:fld>
             <a:endParaRPr lang="pl-PL"/>
           </a:p>
@@ -3627,7 +3712,7 @@
           <a:p>
             <a:fld id="{54187E25-B117-416D-8A32-FE022F1E280E}" type="datetimeFigureOut">
               <a:rPr lang="pl-PL" smtClean="0"/>
-              <a:t>26.06.2017</a:t>
+              <a:t>27.06.2017</a:t>
             </a:fld>
             <a:endParaRPr lang="pl-PL"/>
           </a:p>
@@ -3929,7 +4014,7 @@
           <a:p>
             <a:fld id="{54187E25-B117-416D-8A32-FE022F1E280E}" type="datetimeFigureOut">
               <a:rPr lang="pl-PL" smtClean="0"/>
-              <a:t>26.06.2017</a:t>
+              <a:t>27.06.2017</a:t>
             </a:fld>
             <a:endParaRPr lang="pl-PL"/>
           </a:p>
@@ -4351,7 +4436,7 @@
           <a:p>
             <a:fld id="{54187E25-B117-416D-8A32-FE022F1E280E}" type="datetimeFigureOut">
               <a:rPr lang="pl-PL" smtClean="0"/>
-              <a:t>26.06.2017</a:t>
+              <a:t>27.06.2017</a:t>
             </a:fld>
             <a:endParaRPr lang="pl-PL"/>
           </a:p>
@@ -4446,7 +4531,7 @@
           <a:p>
             <a:fld id="{54187E25-B117-416D-8A32-FE022F1E280E}" type="datetimeFigureOut">
               <a:rPr lang="pl-PL" smtClean="0"/>
-              <a:t>26.06.2017</a:t>
+              <a:t>27.06.2017</a:t>
             </a:fld>
             <a:endParaRPr lang="pl-PL"/>
           </a:p>
@@ -4608,7 +4693,7 @@
           <a:p>
             <a:fld id="{54187E25-B117-416D-8A32-FE022F1E280E}" type="datetimeFigureOut">
               <a:rPr lang="pl-PL" smtClean="0"/>
-              <a:t>26.06.2017</a:t>
+              <a:t>27.06.2017</a:t>
             </a:fld>
             <a:endParaRPr lang="pl-PL"/>
           </a:p>
@@ -4986,7 +5071,7 @@
           <a:p>
             <a:fld id="{54187E25-B117-416D-8A32-FE022F1E280E}" type="datetimeFigureOut">
               <a:rPr lang="pl-PL" smtClean="0"/>
-              <a:t>26.06.2017</a:t>
+              <a:t>27.06.2017</a:t>
             </a:fld>
             <a:endParaRPr lang="pl-PL"/>
           </a:p>
@@ -5275,7 +5360,7 @@
           <a:p>
             <a:fld id="{54187E25-B117-416D-8A32-FE022F1E280E}" type="datetimeFigureOut">
               <a:rPr lang="pl-PL" smtClean="0"/>
-              <a:t>26.06.2017</a:t>
+              <a:t>27.06.2017</a:t>
             </a:fld>
             <a:endParaRPr lang="pl-PL"/>
           </a:p>
@@ -5486,7 +5571,7 @@
           <a:p>
             <a:fld id="{54187E25-B117-416D-8A32-FE022F1E280E}" type="datetimeFigureOut">
               <a:rPr lang="pl-PL" smtClean="0"/>
-              <a:t>26.06.2017</a:t>
+              <a:t>27.06.2017</a:t>
             </a:fld>
             <a:endParaRPr lang="pl-PL"/>
           </a:p>
@@ -6606,15 +6691,21 @@
               <a:buNone/>
             </a:pPr>
             <a:r>
-              <a:rPr lang="pl-PL" sz="1200" dirty="0"/>
+              <a:rPr lang="pl-PL" sz="1200" dirty="0">
+                <a:latin typeface="Consolas" panose="020B0609020204030204" pitchFamily="49" charset="0"/>
+              </a:rPr>
               <a:t> [</a:t>
             </a:r>
             <a:r>
-              <a:rPr lang="pl-PL" sz="1200" dirty="0" err="1"/>
+              <a:rPr lang="pl-PL" sz="1200" dirty="0" err="1">
+                <a:latin typeface="Consolas" panose="020B0609020204030204" pitchFamily="49" charset="0"/>
+              </a:rPr>
               <a:t>TestFixture</a:t>
             </a:r>
             <a:r>
-              <a:rPr lang="pl-PL" sz="1200" dirty="0"/>
+              <a:rPr lang="pl-PL" sz="1200" dirty="0">
+                <a:latin typeface="Consolas" panose="020B0609020204030204" pitchFamily="49" charset="0"/>
+              </a:rPr>
               <a:t>]</a:t>
             </a:r>
           </a:p>
@@ -6623,29 +6714,41 @@
               <a:buNone/>
             </a:pPr>
             <a:r>
-              <a:rPr lang="pl-PL" sz="1200" dirty="0"/>
+              <a:rPr lang="pl-PL" sz="1200" dirty="0">
+                <a:latin typeface="Consolas" panose="020B0609020204030204" pitchFamily="49" charset="0"/>
+              </a:rPr>
               <a:t>  public </a:t>
             </a:r>
             <a:r>
-              <a:rPr lang="pl-PL" sz="1200" dirty="0" err="1"/>
+              <a:rPr lang="pl-PL" sz="1200" dirty="0" err="1">
+                <a:latin typeface="Consolas" panose="020B0609020204030204" pitchFamily="49" charset="0"/>
+              </a:rPr>
               <a:t>class</a:t>
             </a:r>
             <a:r>
-              <a:rPr lang="pl-PL" sz="1200" dirty="0"/>
+              <a:rPr lang="pl-PL" sz="1200" dirty="0">
+                <a:latin typeface="Consolas" panose="020B0609020204030204" pitchFamily="49" charset="0"/>
+              </a:rPr>
               <a:t> </a:t>
             </a:r>
             <a:r>
-              <a:rPr lang="pl-PL" sz="1200" dirty="0" err="1"/>
+              <a:rPr lang="pl-PL" sz="1200" dirty="0" err="1">
+                <a:latin typeface="Consolas" panose="020B0609020204030204" pitchFamily="49" charset="0"/>
+              </a:rPr>
               <a:t>VatValueCalculatorTests</a:t>
             </a:r>
-            <a:endParaRPr lang="pl-PL" sz="1200" dirty="0"/>
+            <a:endParaRPr lang="pl-PL" sz="1200" dirty="0">
+              <a:latin typeface="Consolas" panose="020B0609020204030204" pitchFamily="49" charset="0"/>
+            </a:endParaRPr>
           </a:p>
           <a:p>
             <a:pPr marL="0" indent="0">
               <a:buNone/>
             </a:pPr>
             <a:r>
-              <a:rPr lang="pl-PL" sz="1200" dirty="0"/>
+              <a:rPr lang="pl-PL" sz="1200" dirty="0">
+                <a:latin typeface="Consolas" panose="020B0609020204030204" pitchFamily="49" charset="0"/>
+              </a:rPr>
               <a:t>  {</a:t>
             </a:r>
           </a:p>
@@ -6654,7 +6757,9 @@
               <a:buNone/>
             </a:pPr>
             <a:r>
-              <a:rPr lang="pl-PL" sz="1200" dirty="0"/>
+              <a:rPr lang="pl-PL" sz="1200" dirty="0">
+                <a:latin typeface="Consolas" panose="020B0609020204030204" pitchFamily="49" charset="0"/>
+              </a:rPr>
               <a:t>    [Test]</a:t>
             </a:r>
           </a:p>
@@ -6663,23 +6768,33 @@
               <a:buNone/>
             </a:pPr>
             <a:r>
-              <a:rPr lang="pl-PL" sz="1200" dirty="0"/>
+              <a:rPr lang="pl-PL" sz="1200" dirty="0">
+                <a:latin typeface="Consolas" panose="020B0609020204030204" pitchFamily="49" charset="0"/>
+              </a:rPr>
               <a:t>    public </a:t>
             </a:r>
             <a:r>
-              <a:rPr lang="pl-PL" sz="1200" dirty="0" err="1"/>
+              <a:rPr lang="pl-PL" sz="1200" dirty="0" err="1">
+                <a:latin typeface="Consolas" panose="020B0609020204030204" pitchFamily="49" charset="0"/>
+              </a:rPr>
               <a:t>void</a:t>
             </a:r>
             <a:r>
-              <a:rPr lang="pl-PL" sz="1200" dirty="0"/>
+              <a:rPr lang="pl-PL" sz="1200" dirty="0">
+                <a:latin typeface="Consolas" panose="020B0609020204030204" pitchFamily="49" charset="0"/>
+              </a:rPr>
               <a:t> </a:t>
             </a:r>
             <a:r>
-              <a:rPr lang="pl-PL" sz="1200" dirty="0" err="1"/>
+              <a:rPr lang="pl-PL" sz="1200" dirty="0" err="1">
+                <a:latin typeface="Consolas" panose="020B0609020204030204" pitchFamily="49" charset="0"/>
+              </a:rPr>
               <a:t>should_calculate_proper_value</a:t>
             </a:r>
             <a:r>
-              <a:rPr lang="pl-PL" sz="1200" dirty="0"/>
+              <a:rPr lang="pl-PL" sz="1200" dirty="0">
+                <a:latin typeface="Consolas" panose="020B0609020204030204" pitchFamily="49" charset="0"/>
+              </a:rPr>
               <a:t>()</a:t>
             </a:r>
           </a:p>
@@ -6688,7 +6803,9 @@
               <a:buNone/>
             </a:pPr>
             <a:r>
-              <a:rPr lang="pl-PL" sz="1200" dirty="0"/>
+              <a:rPr lang="pl-PL" sz="1200" dirty="0">
+                <a:latin typeface="Consolas" panose="020B0609020204030204" pitchFamily="49" charset="0"/>
+              </a:rPr>
               <a:t>    {</a:t>
             </a:r>
           </a:p>
@@ -6697,31 +6814,45 @@
               <a:buNone/>
             </a:pPr>
             <a:r>
-              <a:rPr lang="pl-PL" sz="1200" dirty="0"/>
+              <a:rPr lang="pl-PL" sz="1200" dirty="0">
+                <a:latin typeface="Consolas" panose="020B0609020204030204" pitchFamily="49" charset="0"/>
+              </a:rPr>
               <a:t>      </a:t>
             </a:r>
             <a:r>
-              <a:rPr lang="pl-PL" sz="1200" dirty="0" err="1"/>
+              <a:rPr lang="pl-PL" sz="1200" dirty="0" err="1">
+                <a:latin typeface="Consolas" panose="020B0609020204030204" pitchFamily="49" charset="0"/>
+              </a:rPr>
               <a:t>const</a:t>
             </a:r>
             <a:r>
-              <a:rPr lang="pl-PL" sz="1200" dirty="0"/>
+              <a:rPr lang="pl-PL" sz="1200" dirty="0">
+                <a:latin typeface="Consolas" panose="020B0609020204030204" pitchFamily="49" charset="0"/>
+              </a:rPr>
               <a:t> </a:t>
             </a:r>
             <a:r>
-              <a:rPr lang="pl-PL" sz="1200" dirty="0" err="1"/>
+              <a:rPr lang="pl-PL" sz="1200" dirty="0" err="1">
+                <a:latin typeface="Consolas" panose="020B0609020204030204" pitchFamily="49" charset="0"/>
+              </a:rPr>
               <a:t>decimal</a:t>
             </a:r>
             <a:r>
-              <a:rPr lang="pl-PL" sz="1200" dirty="0"/>
+              <a:rPr lang="pl-PL" sz="1200" dirty="0">
+                <a:latin typeface="Consolas" panose="020B0609020204030204" pitchFamily="49" charset="0"/>
+              </a:rPr>
               <a:t> </a:t>
             </a:r>
             <a:r>
-              <a:rPr lang="pl-PL" sz="1200" dirty="0" err="1"/>
+              <a:rPr lang="pl-PL" sz="1200" dirty="0" err="1">
+                <a:latin typeface="Consolas" panose="020B0609020204030204" pitchFamily="49" charset="0"/>
+              </a:rPr>
               <a:t>netValue</a:t>
             </a:r>
             <a:r>
-              <a:rPr lang="pl-PL" sz="1200" dirty="0"/>
+              <a:rPr lang="pl-PL" sz="1200" dirty="0">
+                <a:latin typeface="Consolas" panose="020B0609020204030204" pitchFamily="49" charset="0"/>
+              </a:rPr>
               <a:t> = 15;</a:t>
             </a:r>
           </a:p>
@@ -6729,30 +6860,42 @@
             <a:pPr marL="0" indent="0">
               <a:buNone/>
             </a:pPr>
-            <a:endParaRPr lang="pl-PL" sz="1200" dirty="0"/>
+            <a:endParaRPr lang="pl-PL" sz="1200" dirty="0">
+              <a:latin typeface="Consolas" panose="020B0609020204030204" pitchFamily="49" charset="0"/>
+            </a:endParaRPr>
           </a:p>
           <a:p>
             <a:pPr marL="0" indent="0">
               <a:buNone/>
             </a:pPr>
             <a:r>
-              <a:rPr lang="pl-PL" sz="1200" dirty="0"/>
+              <a:rPr lang="pl-PL" sz="1200" dirty="0">
+                <a:latin typeface="Consolas" panose="020B0609020204030204" pitchFamily="49" charset="0"/>
+              </a:rPr>
               <a:t>      </a:t>
             </a:r>
             <a:r>
-              <a:rPr lang="pl-PL" sz="1200" dirty="0" err="1"/>
+              <a:rPr lang="pl-PL" sz="1200" dirty="0" err="1">
+                <a:latin typeface="Consolas" panose="020B0609020204030204" pitchFamily="49" charset="0"/>
+              </a:rPr>
               <a:t>var</a:t>
             </a:r>
             <a:r>
-              <a:rPr lang="pl-PL" sz="1200" dirty="0"/>
+              <a:rPr lang="pl-PL" sz="1200" dirty="0">
+                <a:latin typeface="Consolas" panose="020B0609020204030204" pitchFamily="49" charset="0"/>
+              </a:rPr>
               <a:t> </a:t>
             </a:r>
             <a:r>
-              <a:rPr lang="pl-PL" sz="1200" dirty="0" err="1"/>
+              <a:rPr lang="pl-PL" sz="1200" dirty="0" err="1">
+                <a:latin typeface="Consolas" panose="020B0609020204030204" pitchFamily="49" charset="0"/>
+              </a:rPr>
               <a:t>expectedValue</a:t>
             </a:r>
             <a:r>
-              <a:rPr lang="pl-PL" sz="1200" dirty="0"/>
+              <a:rPr lang="pl-PL" sz="1200" dirty="0">
+                <a:latin typeface="Consolas" panose="020B0609020204030204" pitchFamily="49" charset="0"/>
+              </a:rPr>
               <a:t> = 18.45M;</a:t>
             </a:r>
           </a:p>
@@ -6760,46 +6903,66 @@
             <a:pPr marL="0" indent="0">
               <a:buNone/>
             </a:pPr>
-            <a:endParaRPr lang="pl-PL" sz="1200" dirty="0"/>
+            <a:endParaRPr lang="pl-PL" sz="1200" dirty="0">
+              <a:latin typeface="Consolas" panose="020B0609020204030204" pitchFamily="49" charset="0"/>
+            </a:endParaRPr>
           </a:p>
           <a:p>
             <a:pPr marL="0" indent="0">
               <a:buNone/>
             </a:pPr>
             <a:r>
-              <a:rPr lang="pl-PL" sz="1200" dirty="0"/>
+              <a:rPr lang="pl-PL" sz="1200" dirty="0">
+                <a:latin typeface="Consolas" panose="020B0609020204030204" pitchFamily="49" charset="0"/>
+              </a:rPr>
               <a:t>      </a:t>
             </a:r>
             <a:r>
-              <a:rPr lang="pl-PL" sz="1200" dirty="0" err="1"/>
+              <a:rPr lang="pl-PL" sz="1200" dirty="0" err="1">
+                <a:latin typeface="Consolas" panose="020B0609020204030204" pitchFamily="49" charset="0"/>
+              </a:rPr>
               <a:t>var</a:t>
             </a:r>
             <a:r>
-              <a:rPr lang="pl-PL" sz="1200" dirty="0"/>
+              <a:rPr lang="pl-PL" sz="1200" dirty="0">
+                <a:latin typeface="Consolas" panose="020B0609020204030204" pitchFamily="49" charset="0"/>
+              </a:rPr>
               <a:t> </a:t>
             </a:r>
             <a:r>
-              <a:rPr lang="pl-PL" sz="1200" dirty="0" err="1"/>
+              <a:rPr lang="pl-PL" sz="1200" dirty="0" err="1">
+                <a:latin typeface="Consolas" panose="020B0609020204030204" pitchFamily="49" charset="0"/>
+              </a:rPr>
               <a:t>calculatedValue</a:t>
             </a:r>
             <a:r>
-              <a:rPr lang="pl-PL" sz="1200" dirty="0"/>
+              <a:rPr lang="pl-PL" sz="1200" dirty="0">
+                <a:latin typeface="Consolas" panose="020B0609020204030204" pitchFamily="49" charset="0"/>
+              </a:rPr>
               <a:t> = </a:t>
             </a:r>
             <a:r>
-              <a:rPr lang="pl-PL" sz="1200" dirty="0" err="1"/>
+              <a:rPr lang="pl-PL" sz="1200" dirty="0" err="1">
+                <a:latin typeface="Consolas" panose="020B0609020204030204" pitchFamily="49" charset="0"/>
+              </a:rPr>
               <a:t>VatValueCalculator.CalculateGrossValue</a:t>
             </a:r>
             <a:r>
-              <a:rPr lang="pl-PL" sz="1200" dirty="0"/>
+              <a:rPr lang="pl-PL" sz="1200" dirty="0">
+                <a:latin typeface="Consolas" panose="020B0609020204030204" pitchFamily="49" charset="0"/>
+              </a:rPr>
               <a:t>(</a:t>
             </a:r>
             <a:r>
-              <a:rPr lang="pl-PL" sz="1200" dirty="0" err="1"/>
+              <a:rPr lang="pl-PL" sz="1200" dirty="0" err="1">
+                <a:latin typeface="Consolas" panose="020B0609020204030204" pitchFamily="49" charset="0"/>
+              </a:rPr>
               <a:t>netValue</a:t>
             </a:r>
             <a:r>
-              <a:rPr lang="pl-PL" sz="1200" dirty="0"/>
+              <a:rPr lang="pl-PL" sz="1200" dirty="0">
+                <a:latin typeface="Consolas" panose="020B0609020204030204" pitchFamily="49" charset="0"/>
+              </a:rPr>
               <a:t>);</a:t>
             </a:r>
           </a:p>
@@ -6807,46 +6970,66 @@
             <a:pPr marL="0" indent="0">
               <a:buNone/>
             </a:pPr>
-            <a:endParaRPr lang="pl-PL" sz="1200" dirty="0"/>
+            <a:endParaRPr lang="pl-PL" sz="1200" dirty="0">
+              <a:latin typeface="Consolas" panose="020B0609020204030204" pitchFamily="49" charset="0"/>
+            </a:endParaRPr>
           </a:p>
           <a:p>
             <a:pPr marL="0" indent="0">
               <a:buNone/>
             </a:pPr>
             <a:r>
-              <a:rPr lang="pl-PL" sz="1200" dirty="0"/>
+              <a:rPr lang="pl-PL" sz="1200" dirty="0">
+                <a:latin typeface="Consolas" panose="020B0609020204030204" pitchFamily="49" charset="0"/>
+              </a:rPr>
               <a:t>      </a:t>
             </a:r>
             <a:r>
-              <a:rPr lang="pl-PL" sz="1200" dirty="0" err="1"/>
+              <a:rPr lang="pl-PL" sz="1200" dirty="0" err="1">
+                <a:latin typeface="Consolas" panose="020B0609020204030204" pitchFamily="49" charset="0"/>
+              </a:rPr>
               <a:t>Assert.That</a:t>
             </a:r>
             <a:r>
-              <a:rPr lang="pl-PL" sz="1200" dirty="0"/>
+              <a:rPr lang="pl-PL" sz="1200" dirty="0">
+                <a:latin typeface="Consolas" panose="020B0609020204030204" pitchFamily="49" charset="0"/>
+              </a:rPr>
               <a:t>(</a:t>
             </a:r>
             <a:r>
-              <a:rPr lang="pl-PL" sz="1200" dirty="0" err="1"/>
+              <a:rPr lang="pl-PL" sz="1200" dirty="0" err="1">
+                <a:latin typeface="Consolas" panose="020B0609020204030204" pitchFamily="49" charset="0"/>
+              </a:rPr>
               <a:t>expectedValue</a:t>
             </a:r>
             <a:r>
-              <a:rPr lang="pl-PL" sz="1200" dirty="0"/>
+              <a:rPr lang="pl-PL" sz="1200" dirty="0">
+                <a:latin typeface="Consolas" panose="020B0609020204030204" pitchFamily="49" charset="0"/>
+              </a:rPr>
               <a:t>, </a:t>
             </a:r>
             <a:r>
-              <a:rPr lang="pl-PL" sz="1200" dirty="0" err="1"/>
+              <a:rPr lang="pl-PL" sz="1200" dirty="0" err="1">
+                <a:latin typeface="Consolas" panose="020B0609020204030204" pitchFamily="49" charset="0"/>
+              </a:rPr>
               <a:t>Is.EqualTo</a:t>
             </a:r>
             <a:r>
-              <a:rPr lang="pl-PL" sz="1200" dirty="0"/>
+              <a:rPr lang="pl-PL" sz="1200" dirty="0">
+                <a:latin typeface="Consolas" panose="020B0609020204030204" pitchFamily="49" charset="0"/>
+              </a:rPr>
               <a:t>(</a:t>
             </a:r>
             <a:r>
-              <a:rPr lang="pl-PL" sz="1200" dirty="0" err="1"/>
+              <a:rPr lang="pl-PL" sz="1200" dirty="0" err="1">
+                <a:latin typeface="Consolas" panose="020B0609020204030204" pitchFamily="49" charset="0"/>
+              </a:rPr>
               <a:t>calculatedValue</a:t>
             </a:r>
             <a:r>
-              <a:rPr lang="pl-PL" sz="1200" dirty="0"/>
+              <a:rPr lang="pl-PL" sz="1200" dirty="0">
+                <a:latin typeface="Consolas" panose="020B0609020204030204" pitchFamily="49" charset="0"/>
+              </a:rPr>
               <a:t>));</a:t>
             </a:r>
           </a:p>
@@ -6855,7 +7038,9 @@
               <a:buNone/>
             </a:pPr>
             <a:r>
-              <a:rPr lang="pl-PL" sz="1200" dirty="0"/>
+              <a:rPr lang="pl-PL" sz="1200" dirty="0">
+                <a:latin typeface="Consolas" panose="020B0609020204030204" pitchFamily="49" charset="0"/>
+              </a:rPr>
               <a:t>    }</a:t>
             </a:r>
           </a:p>
@@ -6864,7 +7049,9 @@
               <a:buNone/>
             </a:pPr>
             <a:r>
-              <a:rPr lang="pl-PL" sz="1200" dirty="0"/>
+              <a:rPr lang="pl-PL" sz="1200" dirty="0">
+                <a:latin typeface="Consolas" panose="020B0609020204030204" pitchFamily="49" charset="0"/>
+              </a:rPr>
               <a:t>  }</a:t>
             </a:r>
           </a:p>
@@ -7146,29 +7333,41 @@
               <a:buNone/>
             </a:pPr>
             <a:r>
-              <a:rPr lang="pl-PL" dirty="0"/>
+              <a:rPr lang="pl-PL" dirty="0">
+                <a:latin typeface="Consolas" panose="020B0609020204030204" pitchFamily="49" charset="0"/>
+              </a:rPr>
               <a:t> public </a:t>
             </a:r>
             <a:r>
-              <a:rPr lang="pl-PL" dirty="0" err="1"/>
+              <a:rPr lang="pl-PL" dirty="0" err="1">
+                <a:latin typeface="Consolas" panose="020B0609020204030204" pitchFamily="49" charset="0"/>
+              </a:rPr>
               <a:t>class</a:t>
             </a:r>
             <a:r>
-              <a:rPr lang="pl-PL" dirty="0"/>
+              <a:rPr lang="pl-PL" dirty="0">
+                <a:latin typeface="Consolas" panose="020B0609020204030204" pitchFamily="49" charset="0"/>
+              </a:rPr>
               <a:t> </a:t>
             </a:r>
             <a:r>
-              <a:rPr lang="pl-PL" dirty="0" err="1"/>
+              <a:rPr lang="pl-PL" dirty="0" err="1">
+                <a:latin typeface="Consolas" panose="020B0609020204030204" pitchFamily="49" charset="0"/>
+              </a:rPr>
               <a:t>VatValueCalculatorTests</a:t>
             </a:r>
-            <a:endParaRPr lang="pl-PL" dirty="0"/>
+            <a:endParaRPr lang="pl-PL" dirty="0">
+              <a:latin typeface="Consolas" panose="020B0609020204030204" pitchFamily="49" charset="0"/>
+            </a:endParaRPr>
           </a:p>
           <a:p>
             <a:pPr marL="0" indent="0">
               <a:buNone/>
             </a:pPr>
             <a:r>
-              <a:rPr lang="pl-PL" dirty="0"/>
+              <a:rPr lang="pl-PL" dirty="0">
+                <a:latin typeface="Consolas" panose="020B0609020204030204" pitchFamily="49" charset="0"/>
+              </a:rPr>
               <a:t>  {</a:t>
             </a:r>
           </a:p>
@@ -7177,15 +7376,21 @@
               <a:buNone/>
             </a:pPr>
             <a:r>
-              <a:rPr lang="pl-PL" dirty="0"/>
+              <a:rPr lang="pl-PL" dirty="0">
+                <a:latin typeface="Consolas" panose="020B0609020204030204" pitchFamily="49" charset="0"/>
+              </a:rPr>
               <a:t>    [</a:t>
             </a:r>
             <a:r>
-              <a:rPr lang="pl-PL" dirty="0" err="1"/>
+              <a:rPr lang="pl-PL" dirty="0" err="1">
+                <a:latin typeface="Consolas" panose="020B0609020204030204" pitchFamily="49" charset="0"/>
+              </a:rPr>
               <a:t>Fact</a:t>
             </a:r>
             <a:r>
-              <a:rPr lang="pl-PL" dirty="0"/>
+              <a:rPr lang="pl-PL" dirty="0">
+                <a:latin typeface="Consolas" panose="020B0609020204030204" pitchFamily="49" charset="0"/>
+              </a:rPr>
               <a:t>]</a:t>
             </a:r>
           </a:p>
@@ -7194,23 +7399,33 @@
               <a:buNone/>
             </a:pPr>
             <a:r>
-              <a:rPr lang="pl-PL" dirty="0"/>
+              <a:rPr lang="pl-PL" dirty="0">
+                <a:latin typeface="Consolas" panose="020B0609020204030204" pitchFamily="49" charset="0"/>
+              </a:rPr>
               <a:t>    public </a:t>
             </a:r>
             <a:r>
-              <a:rPr lang="pl-PL" dirty="0" err="1"/>
+              <a:rPr lang="pl-PL" dirty="0" err="1">
+                <a:latin typeface="Consolas" panose="020B0609020204030204" pitchFamily="49" charset="0"/>
+              </a:rPr>
               <a:t>void</a:t>
             </a:r>
             <a:r>
-              <a:rPr lang="pl-PL" dirty="0"/>
+              <a:rPr lang="pl-PL" dirty="0">
+                <a:latin typeface="Consolas" panose="020B0609020204030204" pitchFamily="49" charset="0"/>
+              </a:rPr>
               <a:t> </a:t>
             </a:r>
             <a:r>
-              <a:rPr lang="pl-PL" dirty="0" err="1"/>
+              <a:rPr lang="pl-PL" dirty="0" err="1">
+                <a:latin typeface="Consolas" panose="020B0609020204030204" pitchFamily="49" charset="0"/>
+              </a:rPr>
               <a:t>should_calculate_proper_value</a:t>
             </a:r>
             <a:r>
-              <a:rPr lang="pl-PL" dirty="0"/>
+              <a:rPr lang="pl-PL" dirty="0">
+                <a:latin typeface="Consolas" panose="020B0609020204030204" pitchFamily="49" charset="0"/>
+              </a:rPr>
               <a:t>()</a:t>
             </a:r>
           </a:p>
@@ -7219,7 +7434,9 @@
               <a:buNone/>
             </a:pPr>
             <a:r>
-              <a:rPr lang="pl-PL" dirty="0"/>
+              <a:rPr lang="pl-PL" dirty="0">
+                <a:latin typeface="Consolas" panose="020B0609020204030204" pitchFamily="49" charset="0"/>
+              </a:rPr>
               <a:t>    {</a:t>
             </a:r>
           </a:p>
@@ -7228,31 +7445,45 @@
               <a:buNone/>
             </a:pPr>
             <a:r>
-              <a:rPr lang="pl-PL" dirty="0"/>
+              <a:rPr lang="pl-PL" dirty="0">
+                <a:latin typeface="Consolas" panose="020B0609020204030204" pitchFamily="49" charset="0"/>
+              </a:rPr>
               <a:t>      </a:t>
             </a:r>
             <a:r>
-              <a:rPr lang="pl-PL" dirty="0" err="1"/>
+              <a:rPr lang="pl-PL" dirty="0" err="1">
+                <a:latin typeface="Consolas" panose="020B0609020204030204" pitchFamily="49" charset="0"/>
+              </a:rPr>
               <a:t>const</a:t>
             </a:r>
             <a:r>
-              <a:rPr lang="pl-PL" dirty="0"/>
+              <a:rPr lang="pl-PL" dirty="0">
+                <a:latin typeface="Consolas" panose="020B0609020204030204" pitchFamily="49" charset="0"/>
+              </a:rPr>
               <a:t> </a:t>
             </a:r>
             <a:r>
-              <a:rPr lang="pl-PL" dirty="0" err="1"/>
+              <a:rPr lang="pl-PL" dirty="0" err="1">
+                <a:latin typeface="Consolas" panose="020B0609020204030204" pitchFamily="49" charset="0"/>
+              </a:rPr>
               <a:t>decimal</a:t>
             </a:r>
             <a:r>
-              <a:rPr lang="pl-PL" dirty="0"/>
+              <a:rPr lang="pl-PL" dirty="0">
+                <a:latin typeface="Consolas" panose="020B0609020204030204" pitchFamily="49" charset="0"/>
+              </a:rPr>
               <a:t> </a:t>
             </a:r>
             <a:r>
-              <a:rPr lang="pl-PL" dirty="0" err="1"/>
+              <a:rPr lang="pl-PL" dirty="0" err="1">
+                <a:latin typeface="Consolas" panose="020B0609020204030204" pitchFamily="49" charset="0"/>
+              </a:rPr>
               <a:t>netValue</a:t>
             </a:r>
             <a:r>
-              <a:rPr lang="pl-PL" dirty="0"/>
+              <a:rPr lang="pl-PL" dirty="0">
+                <a:latin typeface="Consolas" panose="020B0609020204030204" pitchFamily="49" charset="0"/>
+              </a:rPr>
               <a:t> = 15;</a:t>
             </a:r>
           </a:p>
@@ -7260,30 +7491,42 @@
             <a:pPr marL="0" indent="0">
               <a:buNone/>
             </a:pPr>
-            <a:endParaRPr lang="pl-PL" dirty="0"/>
+            <a:endParaRPr lang="pl-PL" dirty="0">
+              <a:latin typeface="Consolas" panose="020B0609020204030204" pitchFamily="49" charset="0"/>
+            </a:endParaRPr>
           </a:p>
           <a:p>
             <a:pPr marL="0" indent="0">
               <a:buNone/>
             </a:pPr>
             <a:r>
-              <a:rPr lang="pl-PL" dirty="0"/>
+              <a:rPr lang="pl-PL" dirty="0">
+                <a:latin typeface="Consolas" panose="020B0609020204030204" pitchFamily="49" charset="0"/>
+              </a:rPr>
               <a:t>      </a:t>
             </a:r>
             <a:r>
-              <a:rPr lang="pl-PL" dirty="0" err="1"/>
+              <a:rPr lang="pl-PL" dirty="0" err="1">
+                <a:latin typeface="Consolas" panose="020B0609020204030204" pitchFamily="49" charset="0"/>
+              </a:rPr>
               <a:t>var</a:t>
             </a:r>
             <a:r>
-              <a:rPr lang="pl-PL" dirty="0"/>
+              <a:rPr lang="pl-PL" dirty="0">
+                <a:latin typeface="Consolas" panose="020B0609020204030204" pitchFamily="49" charset="0"/>
+              </a:rPr>
               <a:t> </a:t>
             </a:r>
             <a:r>
-              <a:rPr lang="pl-PL" dirty="0" err="1"/>
+              <a:rPr lang="pl-PL" dirty="0" err="1">
+                <a:latin typeface="Consolas" panose="020B0609020204030204" pitchFamily="49" charset="0"/>
+              </a:rPr>
               <a:t>expectedValue</a:t>
             </a:r>
             <a:r>
-              <a:rPr lang="pl-PL" dirty="0"/>
+              <a:rPr lang="pl-PL" dirty="0">
+                <a:latin typeface="Consolas" panose="020B0609020204030204" pitchFamily="49" charset="0"/>
+              </a:rPr>
               <a:t> = 18.45M;</a:t>
             </a:r>
           </a:p>
@@ -7291,46 +7534,66 @@
             <a:pPr marL="0" indent="0">
               <a:buNone/>
             </a:pPr>
-            <a:endParaRPr lang="pl-PL" dirty="0"/>
+            <a:endParaRPr lang="pl-PL" dirty="0">
+              <a:latin typeface="Consolas" panose="020B0609020204030204" pitchFamily="49" charset="0"/>
+            </a:endParaRPr>
           </a:p>
           <a:p>
             <a:pPr marL="0" indent="0">
               <a:buNone/>
             </a:pPr>
             <a:r>
-              <a:rPr lang="pl-PL" dirty="0"/>
+              <a:rPr lang="pl-PL" dirty="0">
+                <a:latin typeface="Consolas" panose="020B0609020204030204" pitchFamily="49" charset="0"/>
+              </a:rPr>
               <a:t>      </a:t>
             </a:r>
             <a:r>
-              <a:rPr lang="pl-PL" dirty="0" err="1"/>
+              <a:rPr lang="pl-PL" dirty="0" err="1">
+                <a:latin typeface="Consolas" panose="020B0609020204030204" pitchFamily="49" charset="0"/>
+              </a:rPr>
               <a:t>var</a:t>
             </a:r>
             <a:r>
-              <a:rPr lang="pl-PL" dirty="0"/>
+              <a:rPr lang="pl-PL" dirty="0">
+                <a:latin typeface="Consolas" panose="020B0609020204030204" pitchFamily="49" charset="0"/>
+              </a:rPr>
               <a:t> </a:t>
             </a:r>
             <a:r>
-              <a:rPr lang="pl-PL" dirty="0" err="1"/>
+              <a:rPr lang="pl-PL" dirty="0" err="1">
+                <a:latin typeface="Consolas" panose="020B0609020204030204" pitchFamily="49" charset="0"/>
+              </a:rPr>
               <a:t>calculatedValue</a:t>
             </a:r>
             <a:r>
-              <a:rPr lang="pl-PL" dirty="0"/>
+              <a:rPr lang="pl-PL" dirty="0">
+                <a:latin typeface="Consolas" panose="020B0609020204030204" pitchFamily="49" charset="0"/>
+              </a:rPr>
               <a:t> = </a:t>
             </a:r>
             <a:r>
-              <a:rPr lang="pl-PL" dirty="0" err="1"/>
+              <a:rPr lang="pl-PL" dirty="0" err="1">
+                <a:latin typeface="Consolas" panose="020B0609020204030204" pitchFamily="49" charset="0"/>
+              </a:rPr>
               <a:t>VatValueCalculator.CalculateGrossValue</a:t>
             </a:r>
             <a:r>
-              <a:rPr lang="pl-PL" dirty="0"/>
+              <a:rPr lang="pl-PL" dirty="0">
+                <a:latin typeface="Consolas" panose="020B0609020204030204" pitchFamily="49" charset="0"/>
+              </a:rPr>
               <a:t>(</a:t>
             </a:r>
             <a:r>
-              <a:rPr lang="pl-PL" dirty="0" err="1"/>
+              <a:rPr lang="pl-PL" dirty="0" err="1">
+                <a:latin typeface="Consolas" panose="020B0609020204030204" pitchFamily="49" charset="0"/>
+              </a:rPr>
               <a:t>netValue</a:t>
             </a:r>
             <a:r>
-              <a:rPr lang="pl-PL" dirty="0"/>
+              <a:rPr lang="pl-PL" dirty="0">
+                <a:latin typeface="Consolas" panose="020B0609020204030204" pitchFamily="49" charset="0"/>
+              </a:rPr>
               <a:t>);</a:t>
             </a:r>
           </a:p>
@@ -7338,38 +7601,54 @@
             <a:pPr marL="0" indent="0">
               <a:buNone/>
             </a:pPr>
-            <a:endParaRPr lang="pl-PL" dirty="0"/>
+            <a:endParaRPr lang="pl-PL" dirty="0">
+              <a:latin typeface="Consolas" panose="020B0609020204030204" pitchFamily="49" charset="0"/>
+            </a:endParaRPr>
           </a:p>
           <a:p>
             <a:pPr marL="0" indent="0">
               <a:buNone/>
             </a:pPr>
             <a:r>
-              <a:rPr lang="pl-PL" dirty="0"/>
+              <a:rPr lang="pl-PL" dirty="0">
+                <a:latin typeface="Consolas" panose="020B0609020204030204" pitchFamily="49" charset="0"/>
+              </a:rPr>
               <a:t>      </a:t>
             </a:r>
             <a:r>
-              <a:rPr lang="pl-PL" dirty="0" err="1"/>
+              <a:rPr lang="pl-PL" dirty="0" err="1">
+                <a:latin typeface="Consolas" panose="020B0609020204030204" pitchFamily="49" charset="0"/>
+              </a:rPr>
               <a:t>Assert.Equal</a:t>
             </a:r>
             <a:r>
-              <a:rPr lang="pl-PL" dirty="0"/>
+              <a:rPr lang="pl-PL" dirty="0">
+                <a:latin typeface="Consolas" panose="020B0609020204030204" pitchFamily="49" charset="0"/>
+              </a:rPr>
               <a:t>(</a:t>
             </a:r>
             <a:r>
-              <a:rPr lang="pl-PL" dirty="0" err="1"/>
+              <a:rPr lang="pl-PL" dirty="0" err="1">
+                <a:latin typeface="Consolas" panose="020B0609020204030204" pitchFamily="49" charset="0"/>
+              </a:rPr>
               <a:t>expectedValue</a:t>
             </a:r>
             <a:r>
-              <a:rPr lang="pl-PL" dirty="0"/>
+              <a:rPr lang="pl-PL" dirty="0">
+                <a:latin typeface="Consolas" panose="020B0609020204030204" pitchFamily="49" charset="0"/>
+              </a:rPr>
               <a:t>, </a:t>
             </a:r>
             <a:r>
-              <a:rPr lang="pl-PL" dirty="0" err="1"/>
+              <a:rPr lang="pl-PL" dirty="0" err="1">
+                <a:latin typeface="Consolas" panose="020B0609020204030204" pitchFamily="49" charset="0"/>
+              </a:rPr>
               <a:t>calculatedValue</a:t>
             </a:r>
             <a:r>
-              <a:rPr lang="pl-PL" dirty="0"/>
+              <a:rPr lang="pl-PL" dirty="0">
+                <a:latin typeface="Consolas" panose="020B0609020204030204" pitchFamily="49" charset="0"/>
+              </a:rPr>
               <a:t>);</a:t>
             </a:r>
           </a:p>
@@ -7378,7 +7657,9 @@
               <a:buNone/>
             </a:pPr>
             <a:r>
-              <a:rPr lang="pl-PL" dirty="0"/>
+              <a:rPr lang="pl-PL" dirty="0">
+                <a:latin typeface="Consolas" panose="020B0609020204030204" pitchFamily="49" charset="0"/>
+              </a:rPr>
               <a:t>    }</a:t>
             </a:r>
           </a:p>
@@ -7387,7 +7668,9 @@
               <a:buNone/>
             </a:pPr>
             <a:r>
-              <a:rPr lang="pl-PL" dirty="0"/>
+              <a:rPr lang="pl-PL" dirty="0">
+                <a:latin typeface="Consolas" panose="020B0609020204030204" pitchFamily="49" charset="0"/>
+              </a:rPr>
               <a:t>  }</a:t>
             </a:r>
           </a:p>
@@ -7520,7 +7803,7 @@
                   <a:schemeClr val="tx1"/>
                 </a:solidFill>
               </a:rPr>
-              <a:t>, </a:t>
+              <a:t>,  </a:t>
             </a:r>
             <a:r>
               <a:rPr lang="pl-PL" sz="2400" dirty="0" err="1">
@@ -7631,15 +7914,21 @@
               <a:buNone/>
             </a:pPr>
             <a:r>
-              <a:rPr lang="pl-PL" dirty="0"/>
+              <a:rPr lang="pl-PL" dirty="0">
+                <a:latin typeface="Consolas" panose="020B0609020204030204" pitchFamily="49" charset="0"/>
+              </a:rPr>
               <a:t> [</a:t>
             </a:r>
             <a:r>
-              <a:rPr lang="pl-PL" dirty="0" err="1"/>
+              <a:rPr lang="pl-PL" dirty="0" err="1">
+                <a:latin typeface="Consolas" panose="020B0609020204030204" pitchFamily="49" charset="0"/>
+              </a:rPr>
               <a:t>TestClass</a:t>
             </a:r>
             <a:r>
-              <a:rPr lang="pl-PL" dirty="0"/>
+              <a:rPr lang="pl-PL" dirty="0">
+                <a:latin typeface="Consolas" panose="020B0609020204030204" pitchFamily="49" charset="0"/>
+              </a:rPr>
               <a:t>]</a:t>
             </a:r>
           </a:p>
@@ -7648,29 +7937,41 @@
               <a:buNone/>
             </a:pPr>
             <a:r>
-              <a:rPr lang="pl-PL" dirty="0"/>
+              <a:rPr lang="pl-PL" dirty="0">
+                <a:latin typeface="Consolas" panose="020B0609020204030204" pitchFamily="49" charset="0"/>
+              </a:rPr>
               <a:t>  public </a:t>
             </a:r>
             <a:r>
-              <a:rPr lang="pl-PL" dirty="0" err="1"/>
+              <a:rPr lang="pl-PL" dirty="0" err="1">
+                <a:latin typeface="Consolas" panose="020B0609020204030204" pitchFamily="49" charset="0"/>
+              </a:rPr>
               <a:t>class</a:t>
             </a:r>
             <a:r>
-              <a:rPr lang="pl-PL" dirty="0"/>
+              <a:rPr lang="pl-PL" dirty="0">
+                <a:latin typeface="Consolas" panose="020B0609020204030204" pitchFamily="49" charset="0"/>
+              </a:rPr>
               <a:t> </a:t>
             </a:r>
             <a:r>
-              <a:rPr lang="pl-PL" dirty="0" err="1"/>
+              <a:rPr lang="pl-PL" dirty="0" err="1">
+                <a:latin typeface="Consolas" panose="020B0609020204030204" pitchFamily="49" charset="0"/>
+              </a:rPr>
               <a:t>VatValueCalculatorTests</a:t>
             </a:r>
-            <a:endParaRPr lang="pl-PL" dirty="0"/>
+            <a:endParaRPr lang="pl-PL" dirty="0">
+              <a:latin typeface="Consolas" panose="020B0609020204030204" pitchFamily="49" charset="0"/>
+            </a:endParaRPr>
           </a:p>
           <a:p>
             <a:pPr marL="0" indent="0">
               <a:buNone/>
             </a:pPr>
             <a:r>
-              <a:rPr lang="pl-PL" dirty="0"/>
+              <a:rPr lang="pl-PL" dirty="0">
+                <a:latin typeface="Consolas" panose="020B0609020204030204" pitchFamily="49" charset="0"/>
+              </a:rPr>
               <a:t>  {</a:t>
             </a:r>
           </a:p>
@@ -7679,15 +7980,21 @@
               <a:buNone/>
             </a:pPr>
             <a:r>
-              <a:rPr lang="pl-PL" dirty="0"/>
+              <a:rPr lang="pl-PL" dirty="0">
+                <a:latin typeface="Consolas" panose="020B0609020204030204" pitchFamily="49" charset="0"/>
+              </a:rPr>
               <a:t>    [</a:t>
             </a:r>
             <a:r>
-              <a:rPr lang="pl-PL" dirty="0" err="1"/>
+              <a:rPr lang="pl-PL" dirty="0" err="1">
+                <a:latin typeface="Consolas" panose="020B0609020204030204" pitchFamily="49" charset="0"/>
+              </a:rPr>
               <a:t>TestMethod</a:t>
             </a:r>
             <a:r>
-              <a:rPr lang="pl-PL" dirty="0"/>
+              <a:rPr lang="pl-PL" dirty="0">
+                <a:latin typeface="Consolas" panose="020B0609020204030204" pitchFamily="49" charset="0"/>
+              </a:rPr>
               <a:t>]</a:t>
             </a:r>
           </a:p>
@@ -7696,23 +8003,33 @@
               <a:buNone/>
             </a:pPr>
             <a:r>
-              <a:rPr lang="pl-PL" dirty="0"/>
+              <a:rPr lang="pl-PL" dirty="0">
+                <a:latin typeface="Consolas" panose="020B0609020204030204" pitchFamily="49" charset="0"/>
+              </a:rPr>
               <a:t>    public </a:t>
             </a:r>
             <a:r>
-              <a:rPr lang="pl-PL" dirty="0" err="1"/>
+              <a:rPr lang="pl-PL" dirty="0" err="1">
+                <a:latin typeface="Consolas" panose="020B0609020204030204" pitchFamily="49" charset="0"/>
+              </a:rPr>
               <a:t>void</a:t>
             </a:r>
             <a:r>
-              <a:rPr lang="pl-PL" dirty="0"/>
+              <a:rPr lang="pl-PL" dirty="0">
+                <a:latin typeface="Consolas" panose="020B0609020204030204" pitchFamily="49" charset="0"/>
+              </a:rPr>
               <a:t> </a:t>
             </a:r>
             <a:r>
-              <a:rPr lang="pl-PL" dirty="0" err="1"/>
+              <a:rPr lang="pl-PL" dirty="0" err="1">
+                <a:latin typeface="Consolas" panose="020B0609020204030204" pitchFamily="49" charset="0"/>
+              </a:rPr>
               <a:t>should_calculate_proper_value</a:t>
             </a:r>
             <a:r>
-              <a:rPr lang="pl-PL" dirty="0"/>
+              <a:rPr lang="pl-PL" dirty="0">
+                <a:latin typeface="Consolas" panose="020B0609020204030204" pitchFamily="49" charset="0"/>
+              </a:rPr>
               <a:t>()</a:t>
             </a:r>
           </a:p>
@@ -7721,7 +8038,9 @@
               <a:buNone/>
             </a:pPr>
             <a:r>
-              <a:rPr lang="pl-PL" dirty="0"/>
+              <a:rPr lang="pl-PL" dirty="0">
+                <a:latin typeface="Consolas" panose="020B0609020204030204" pitchFamily="49" charset="0"/>
+              </a:rPr>
               <a:t>    {</a:t>
             </a:r>
           </a:p>
@@ -7730,31 +8049,45 @@
               <a:buNone/>
             </a:pPr>
             <a:r>
-              <a:rPr lang="pl-PL" dirty="0"/>
+              <a:rPr lang="pl-PL" dirty="0">
+                <a:latin typeface="Consolas" panose="020B0609020204030204" pitchFamily="49" charset="0"/>
+              </a:rPr>
               <a:t>      </a:t>
             </a:r>
             <a:r>
-              <a:rPr lang="pl-PL" dirty="0" err="1"/>
+              <a:rPr lang="pl-PL" dirty="0" err="1">
+                <a:latin typeface="Consolas" panose="020B0609020204030204" pitchFamily="49" charset="0"/>
+              </a:rPr>
               <a:t>const</a:t>
             </a:r>
             <a:r>
-              <a:rPr lang="pl-PL" dirty="0"/>
+              <a:rPr lang="pl-PL" dirty="0">
+                <a:latin typeface="Consolas" panose="020B0609020204030204" pitchFamily="49" charset="0"/>
+              </a:rPr>
               <a:t> </a:t>
             </a:r>
             <a:r>
-              <a:rPr lang="pl-PL" dirty="0" err="1"/>
+              <a:rPr lang="pl-PL" dirty="0" err="1">
+                <a:latin typeface="Consolas" panose="020B0609020204030204" pitchFamily="49" charset="0"/>
+              </a:rPr>
               <a:t>decimal</a:t>
             </a:r>
             <a:r>
-              <a:rPr lang="pl-PL" dirty="0"/>
+              <a:rPr lang="pl-PL" dirty="0">
+                <a:latin typeface="Consolas" panose="020B0609020204030204" pitchFamily="49" charset="0"/>
+              </a:rPr>
               <a:t> </a:t>
             </a:r>
             <a:r>
-              <a:rPr lang="pl-PL" dirty="0" err="1"/>
+              <a:rPr lang="pl-PL" dirty="0" err="1">
+                <a:latin typeface="Consolas" panose="020B0609020204030204" pitchFamily="49" charset="0"/>
+              </a:rPr>
               <a:t>netValue</a:t>
             </a:r>
             <a:r>
-              <a:rPr lang="pl-PL" dirty="0"/>
+              <a:rPr lang="pl-PL" dirty="0">
+                <a:latin typeface="Consolas" panose="020B0609020204030204" pitchFamily="49" charset="0"/>
+              </a:rPr>
               <a:t> = 15;</a:t>
             </a:r>
           </a:p>
@@ -7762,30 +8095,42 @@
             <a:pPr marL="0" indent="0">
               <a:buNone/>
             </a:pPr>
-            <a:endParaRPr lang="pl-PL" dirty="0"/>
+            <a:endParaRPr lang="pl-PL" dirty="0">
+              <a:latin typeface="Consolas" panose="020B0609020204030204" pitchFamily="49" charset="0"/>
+            </a:endParaRPr>
           </a:p>
           <a:p>
             <a:pPr marL="0" indent="0">
               <a:buNone/>
             </a:pPr>
             <a:r>
-              <a:rPr lang="pl-PL" dirty="0"/>
+              <a:rPr lang="pl-PL" dirty="0">
+                <a:latin typeface="Consolas" panose="020B0609020204030204" pitchFamily="49" charset="0"/>
+              </a:rPr>
               <a:t>      </a:t>
             </a:r>
             <a:r>
-              <a:rPr lang="pl-PL" dirty="0" err="1"/>
+              <a:rPr lang="pl-PL" dirty="0" err="1">
+                <a:latin typeface="Consolas" panose="020B0609020204030204" pitchFamily="49" charset="0"/>
+              </a:rPr>
               <a:t>var</a:t>
             </a:r>
             <a:r>
-              <a:rPr lang="pl-PL" dirty="0"/>
+              <a:rPr lang="pl-PL" dirty="0">
+                <a:latin typeface="Consolas" panose="020B0609020204030204" pitchFamily="49" charset="0"/>
+              </a:rPr>
               <a:t> </a:t>
             </a:r>
             <a:r>
-              <a:rPr lang="pl-PL" dirty="0" err="1"/>
+              <a:rPr lang="pl-PL" dirty="0" err="1">
+                <a:latin typeface="Consolas" panose="020B0609020204030204" pitchFamily="49" charset="0"/>
+              </a:rPr>
               <a:t>expectedValue</a:t>
             </a:r>
             <a:r>
-              <a:rPr lang="pl-PL" dirty="0"/>
+              <a:rPr lang="pl-PL" dirty="0">
+                <a:latin typeface="Consolas" panose="020B0609020204030204" pitchFamily="49" charset="0"/>
+              </a:rPr>
               <a:t> = 18.45M;</a:t>
             </a:r>
           </a:p>
@@ -7793,46 +8138,66 @@
             <a:pPr marL="0" indent="0">
               <a:buNone/>
             </a:pPr>
-            <a:endParaRPr lang="pl-PL" dirty="0"/>
+            <a:endParaRPr lang="pl-PL" dirty="0">
+              <a:latin typeface="Consolas" panose="020B0609020204030204" pitchFamily="49" charset="0"/>
+            </a:endParaRPr>
           </a:p>
           <a:p>
             <a:pPr marL="0" indent="0">
               <a:buNone/>
             </a:pPr>
             <a:r>
-              <a:rPr lang="pl-PL" dirty="0"/>
+              <a:rPr lang="pl-PL" dirty="0">
+                <a:latin typeface="Consolas" panose="020B0609020204030204" pitchFamily="49" charset="0"/>
+              </a:rPr>
               <a:t>      </a:t>
             </a:r>
             <a:r>
-              <a:rPr lang="pl-PL" dirty="0" err="1"/>
+              <a:rPr lang="pl-PL" dirty="0" err="1">
+                <a:latin typeface="Consolas" panose="020B0609020204030204" pitchFamily="49" charset="0"/>
+              </a:rPr>
               <a:t>var</a:t>
             </a:r>
             <a:r>
-              <a:rPr lang="pl-PL" dirty="0"/>
+              <a:rPr lang="pl-PL" dirty="0">
+                <a:latin typeface="Consolas" panose="020B0609020204030204" pitchFamily="49" charset="0"/>
+              </a:rPr>
               <a:t> </a:t>
             </a:r>
             <a:r>
-              <a:rPr lang="pl-PL" dirty="0" err="1"/>
+              <a:rPr lang="pl-PL" dirty="0" err="1">
+                <a:latin typeface="Consolas" panose="020B0609020204030204" pitchFamily="49" charset="0"/>
+              </a:rPr>
               <a:t>calculatedValue</a:t>
             </a:r>
             <a:r>
-              <a:rPr lang="pl-PL" dirty="0"/>
+              <a:rPr lang="pl-PL" dirty="0">
+                <a:latin typeface="Consolas" panose="020B0609020204030204" pitchFamily="49" charset="0"/>
+              </a:rPr>
               <a:t> = </a:t>
             </a:r>
             <a:r>
-              <a:rPr lang="pl-PL" dirty="0" err="1"/>
+              <a:rPr lang="pl-PL" dirty="0" err="1">
+                <a:latin typeface="Consolas" panose="020B0609020204030204" pitchFamily="49" charset="0"/>
+              </a:rPr>
               <a:t>VatValueCalculator.CalculateGrossValue</a:t>
             </a:r>
             <a:r>
-              <a:rPr lang="pl-PL" dirty="0"/>
+              <a:rPr lang="pl-PL" dirty="0">
+                <a:latin typeface="Consolas" panose="020B0609020204030204" pitchFamily="49" charset="0"/>
+              </a:rPr>
               <a:t>(</a:t>
             </a:r>
             <a:r>
-              <a:rPr lang="pl-PL" dirty="0" err="1"/>
+              <a:rPr lang="pl-PL" dirty="0" err="1">
+                <a:latin typeface="Consolas" panose="020B0609020204030204" pitchFamily="49" charset="0"/>
+              </a:rPr>
               <a:t>netValue</a:t>
             </a:r>
             <a:r>
-              <a:rPr lang="pl-PL" dirty="0"/>
+              <a:rPr lang="pl-PL" dirty="0">
+                <a:latin typeface="Consolas" panose="020B0609020204030204" pitchFamily="49" charset="0"/>
+              </a:rPr>
               <a:t>);</a:t>
             </a:r>
           </a:p>
@@ -7840,38 +8205,54 @@
             <a:pPr marL="0" indent="0">
               <a:buNone/>
             </a:pPr>
-            <a:endParaRPr lang="pl-PL" dirty="0"/>
+            <a:endParaRPr lang="pl-PL" dirty="0">
+              <a:latin typeface="Consolas" panose="020B0609020204030204" pitchFamily="49" charset="0"/>
+            </a:endParaRPr>
           </a:p>
           <a:p>
             <a:pPr marL="0" indent="0">
               <a:buNone/>
             </a:pPr>
             <a:r>
-              <a:rPr lang="pl-PL" dirty="0"/>
+              <a:rPr lang="pl-PL" dirty="0">
+                <a:latin typeface="Consolas" panose="020B0609020204030204" pitchFamily="49" charset="0"/>
+              </a:rPr>
               <a:t>      </a:t>
             </a:r>
             <a:r>
-              <a:rPr lang="pl-PL" dirty="0" err="1"/>
+              <a:rPr lang="pl-PL" dirty="0" err="1">
+                <a:latin typeface="Consolas" panose="020B0609020204030204" pitchFamily="49" charset="0"/>
+              </a:rPr>
               <a:t>Assert.AreEqual</a:t>
             </a:r>
             <a:r>
-              <a:rPr lang="pl-PL" dirty="0"/>
+              <a:rPr lang="pl-PL" dirty="0">
+                <a:latin typeface="Consolas" panose="020B0609020204030204" pitchFamily="49" charset="0"/>
+              </a:rPr>
               <a:t>(</a:t>
             </a:r>
             <a:r>
-              <a:rPr lang="pl-PL" dirty="0" err="1"/>
+              <a:rPr lang="pl-PL" dirty="0" err="1">
+                <a:latin typeface="Consolas" panose="020B0609020204030204" pitchFamily="49" charset="0"/>
+              </a:rPr>
               <a:t>expectedValue</a:t>
             </a:r>
             <a:r>
-              <a:rPr lang="pl-PL" dirty="0"/>
+              <a:rPr lang="pl-PL" dirty="0">
+                <a:latin typeface="Consolas" panose="020B0609020204030204" pitchFamily="49" charset="0"/>
+              </a:rPr>
               <a:t>, </a:t>
             </a:r>
             <a:r>
-              <a:rPr lang="pl-PL" dirty="0" err="1"/>
+              <a:rPr lang="pl-PL" dirty="0" err="1">
+                <a:latin typeface="Consolas" panose="020B0609020204030204" pitchFamily="49" charset="0"/>
+              </a:rPr>
               <a:t>calculatedValue</a:t>
             </a:r>
             <a:r>
-              <a:rPr lang="pl-PL" dirty="0"/>
+              <a:rPr lang="pl-PL" dirty="0">
+                <a:latin typeface="Consolas" panose="020B0609020204030204" pitchFamily="49" charset="0"/>
+              </a:rPr>
               <a:t>);</a:t>
             </a:r>
           </a:p>
@@ -7880,7 +8261,9 @@
               <a:buNone/>
             </a:pPr>
             <a:r>
-              <a:rPr lang="pl-PL" dirty="0"/>
+              <a:rPr lang="pl-PL" dirty="0">
+                <a:latin typeface="Consolas" panose="020B0609020204030204" pitchFamily="49" charset="0"/>
+              </a:rPr>
               <a:t>    }</a:t>
             </a:r>
           </a:p>
@@ -7889,7 +8272,9 @@
               <a:buNone/>
             </a:pPr>
             <a:r>
-              <a:rPr lang="pl-PL" dirty="0"/>
+              <a:rPr lang="pl-PL" dirty="0">
+                <a:latin typeface="Consolas" panose="020B0609020204030204" pitchFamily="49" charset="0"/>
+              </a:rPr>
               <a:t>  }</a:t>
             </a:r>
           </a:p>
@@ -7984,26 +8369,15 @@
                   <a:schemeClr val="tx1"/>
                 </a:solidFill>
               </a:rPr>
-              <a:t>R#</a:t>
-            </a:r>
-          </a:p>
-          <a:p>
-            <a:pPr fontAlgn="ctr"/>
-            <a:r>
-              <a:rPr lang="pl-PL" sz="3200" dirty="0">
+              <a:t>R# / Test </a:t>
+            </a:r>
+            <a:r>
+              <a:rPr lang="pl-PL" sz="3200" dirty="0" err="1">
                 <a:solidFill>
                   <a:schemeClr val="tx1"/>
                 </a:solidFill>
               </a:rPr>
-              <a:t>Test </a:t>
-            </a:r>
-            <a:r>
-              <a:rPr lang="pl-PL" sz="3200" dirty="0" err="1">
-                <a:solidFill>
-                  <a:schemeClr val="tx1"/>
-                </a:solidFill>
-              </a:rPr>
-              <a:t>runner</a:t>
+              <a:t>Runner</a:t>
             </a:r>
             <a:endParaRPr lang="pl-PL" sz="3200" dirty="0">
               <a:solidFill>
@@ -8150,7 +8524,7 @@
         <p:spPr/>
         <p:txBody>
           <a:bodyPr anchor="t">
-            <a:normAutofit fontScale="92500" lnSpcReduction="10000"/>
+            <a:normAutofit fontScale="92500" lnSpcReduction="20000"/>
           </a:bodyPr>
           <a:lstStyle/>
           <a:p>
@@ -8158,47 +8532,69 @@
               <a:buNone/>
             </a:pPr>
             <a:r>
-              <a:rPr lang="pl-PL" dirty="0"/>
+              <a:rPr lang="pl-PL" dirty="0">
+                <a:latin typeface="Consolas" panose="020B0609020204030204" pitchFamily="49" charset="0"/>
+              </a:rPr>
               <a:t> </a:t>
             </a:r>
             <a:r>
-              <a:rPr lang="pl-PL" dirty="0" err="1"/>
+              <a:rPr lang="pl-PL" dirty="0" err="1">
+                <a:latin typeface="Consolas" panose="020B0609020204030204" pitchFamily="49" charset="0"/>
+              </a:rPr>
               <a:t>var</a:t>
             </a:r>
             <a:r>
-              <a:rPr lang="pl-PL" dirty="0"/>
+              <a:rPr lang="pl-PL" dirty="0">
+                <a:latin typeface="Consolas" panose="020B0609020204030204" pitchFamily="49" charset="0"/>
+              </a:rPr>
               <a:t> </a:t>
             </a:r>
             <a:r>
-              <a:rPr lang="pl-PL" dirty="0" err="1"/>
+              <a:rPr lang="pl-PL" dirty="0" err="1">
+                <a:latin typeface="Consolas" panose="020B0609020204030204" pitchFamily="49" charset="0"/>
+              </a:rPr>
               <a:t>mock</a:t>
             </a:r>
             <a:r>
-              <a:rPr lang="pl-PL" dirty="0"/>
+              <a:rPr lang="pl-PL" dirty="0">
+                <a:latin typeface="Consolas" panose="020B0609020204030204" pitchFamily="49" charset="0"/>
+              </a:rPr>
               <a:t> = </a:t>
             </a:r>
             <a:r>
-              <a:rPr lang="pl-PL" dirty="0" err="1"/>
+              <a:rPr lang="pl-PL" dirty="0" err="1">
+                <a:latin typeface="Consolas" panose="020B0609020204030204" pitchFamily="49" charset="0"/>
+              </a:rPr>
               <a:t>new</a:t>
             </a:r>
             <a:r>
-              <a:rPr lang="pl-PL" dirty="0"/>
+              <a:rPr lang="pl-PL" dirty="0">
+                <a:latin typeface="Consolas" panose="020B0609020204030204" pitchFamily="49" charset="0"/>
+              </a:rPr>
               <a:t> </a:t>
             </a:r>
             <a:r>
-              <a:rPr lang="pl-PL" dirty="0" err="1"/>
+              <a:rPr lang="pl-PL" dirty="0" err="1">
+                <a:latin typeface="Consolas" panose="020B0609020204030204" pitchFamily="49" charset="0"/>
+              </a:rPr>
               <a:t>Mock</a:t>
             </a:r>
             <a:r>
-              <a:rPr lang="pl-PL" dirty="0"/>
+              <a:rPr lang="pl-PL" dirty="0">
+                <a:latin typeface="Consolas" panose="020B0609020204030204" pitchFamily="49" charset="0"/>
+              </a:rPr>
               <a:t>&lt;</a:t>
             </a:r>
             <a:r>
-              <a:rPr lang="pl-PL" dirty="0" err="1"/>
+              <a:rPr lang="pl-PL" dirty="0" err="1">
+                <a:latin typeface="Consolas" panose="020B0609020204030204" pitchFamily="49" charset="0"/>
+              </a:rPr>
               <a:t>IInvoiceRepository</a:t>
             </a:r>
             <a:r>
-              <a:rPr lang="pl-PL" dirty="0"/>
+              <a:rPr lang="pl-PL" dirty="0">
+                <a:latin typeface="Consolas" panose="020B0609020204030204" pitchFamily="49" charset="0"/>
+              </a:rPr>
               <a:t>&gt;();</a:t>
             </a:r>
           </a:p>
@@ -8207,39 +8603,57 @@
               <a:buNone/>
             </a:pPr>
             <a:r>
-              <a:rPr lang="pl-PL" dirty="0"/>
+              <a:rPr lang="pl-PL" dirty="0">
+                <a:latin typeface="Consolas" panose="020B0609020204030204" pitchFamily="49" charset="0"/>
+              </a:rPr>
               <a:t>      </a:t>
             </a:r>
             <a:r>
-              <a:rPr lang="pl-PL" dirty="0" err="1"/>
+              <a:rPr lang="pl-PL" dirty="0" err="1">
+                <a:latin typeface="Consolas" panose="020B0609020204030204" pitchFamily="49" charset="0"/>
+              </a:rPr>
               <a:t>mock.Setup</a:t>
             </a:r>
             <a:r>
-              <a:rPr lang="pl-PL" dirty="0"/>
+              <a:rPr lang="pl-PL" dirty="0">
+                <a:latin typeface="Consolas" panose="020B0609020204030204" pitchFamily="49" charset="0"/>
+              </a:rPr>
               <a:t>(x =&gt; </a:t>
             </a:r>
             <a:r>
-              <a:rPr lang="pl-PL" dirty="0" err="1"/>
+              <a:rPr lang="pl-PL" dirty="0" err="1">
+                <a:latin typeface="Consolas" panose="020B0609020204030204" pitchFamily="49" charset="0"/>
+              </a:rPr>
               <a:t>x.GetAll</a:t>
             </a:r>
             <a:r>
-              <a:rPr lang="pl-PL" dirty="0"/>
+              <a:rPr lang="pl-PL" dirty="0">
+                <a:latin typeface="Consolas" panose="020B0609020204030204" pitchFamily="49" charset="0"/>
+              </a:rPr>
               <a:t>()).</a:t>
             </a:r>
             <a:r>
-              <a:rPr lang="pl-PL" dirty="0" err="1"/>
+              <a:rPr lang="pl-PL" dirty="0" err="1">
+                <a:latin typeface="Consolas" panose="020B0609020204030204" pitchFamily="49" charset="0"/>
+              </a:rPr>
               <a:t>Returns</a:t>
             </a:r>
             <a:r>
-              <a:rPr lang="pl-PL" dirty="0"/>
+              <a:rPr lang="pl-PL" dirty="0">
+                <a:latin typeface="Consolas" panose="020B0609020204030204" pitchFamily="49" charset="0"/>
+              </a:rPr>
               <a:t>(</a:t>
             </a:r>
             <a:r>
-              <a:rPr lang="pl-PL" dirty="0" err="1"/>
+              <a:rPr lang="pl-PL" dirty="0" err="1">
+                <a:latin typeface="Consolas" panose="020B0609020204030204" pitchFamily="49" charset="0"/>
+              </a:rPr>
               <a:t>new</a:t>
             </a:r>
             <a:r>
-              <a:rPr lang="pl-PL" dirty="0"/>
+              <a:rPr lang="pl-PL" dirty="0">
+                <a:latin typeface="Consolas" panose="020B0609020204030204" pitchFamily="49" charset="0"/>
+              </a:rPr>
               <a:t>[]</a:t>
             </a:r>
           </a:p>
@@ -8248,7 +8662,9 @@
               <a:buNone/>
             </a:pPr>
             <a:r>
-              <a:rPr lang="pl-PL" dirty="0"/>
+              <a:rPr lang="pl-PL" dirty="0">
+                <a:latin typeface="Consolas" panose="020B0609020204030204" pitchFamily="49" charset="0"/>
+              </a:rPr>
               <a:t>        {</a:t>
             </a:r>
           </a:p>
@@ -8257,55 +8673,81 @@
               <a:buNone/>
             </a:pPr>
             <a:r>
-              <a:rPr lang="pl-PL" dirty="0"/>
+              <a:rPr lang="pl-PL" dirty="0">
+                <a:latin typeface="Consolas" panose="020B0609020204030204" pitchFamily="49" charset="0"/>
+              </a:rPr>
               <a:t>          </a:t>
             </a:r>
             <a:r>
-              <a:rPr lang="pl-PL" dirty="0" err="1"/>
+              <a:rPr lang="pl-PL" dirty="0" err="1">
+                <a:latin typeface="Consolas" panose="020B0609020204030204" pitchFamily="49" charset="0"/>
+              </a:rPr>
               <a:t>new</a:t>
             </a:r>
             <a:r>
-              <a:rPr lang="pl-PL" dirty="0"/>
+              <a:rPr lang="pl-PL" dirty="0">
+                <a:latin typeface="Consolas" panose="020B0609020204030204" pitchFamily="49" charset="0"/>
+              </a:rPr>
               <a:t> </a:t>
             </a:r>
             <a:r>
-              <a:rPr lang="pl-PL" dirty="0" err="1"/>
+              <a:rPr lang="pl-PL" dirty="0" err="1">
+                <a:latin typeface="Consolas" panose="020B0609020204030204" pitchFamily="49" charset="0"/>
+              </a:rPr>
               <a:t>Invoice</a:t>
             </a:r>
             <a:r>
-              <a:rPr lang="pl-PL" dirty="0"/>
+              <a:rPr lang="pl-PL" dirty="0">
+                <a:latin typeface="Consolas" panose="020B0609020204030204" pitchFamily="49" charset="0"/>
+              </a:rPr>
               <a:t>() {Id = 1, </a:t>
             </a:r>
             <a:r>
-              <a:rPr lang="pl-PL" dirty="0" err="1"/>
+              <a:rPr lang="pl-PL" dirty="0" err="1">
+                <a:latin typeface="Consolas" panose="020B0609020204030204" pitchFamily="49" charset="0"/>
+              </a:rPr>
               <a:t>InvoiceNumber</a:t>
             </a:r>
             <a:r>
-              <a:rPr lang="pl-PL" dirty="0"/>
+              <a:rPr lang="pl-PL" dirty="0">
+                <a:latin typeface="Consolas" panose="020B0609020204030204" pitchFamily="49" charset="0"/>
+              </a:rPr>
               <a:t> = "FV/01/2017"}, </a:t>
             </a:r>
             <a:r>
-              <a:rPr lang="pl-PL" dirty="0" err="1"/>
+              <a:rPr lang="pl-PL" dirty="0" err="1">
+                <a:latin typeface="Consolas" panose="020B0609020204030204" pitchFamily="49" charset="0"/>
+              </a:rPr>
               <a:t>new</a:t>
             </a:r>
             <a:r>
-              <a:rPr lang="pl-PL" dirty="0"/>
+              <a:rPr lang="pl-PL" dirty="0">
+                <a:latin typeface="Consolas" panose="020B0609020204030204" pitchFamily="49" charset="0"/>
+              </a:rPr>
               <a:t> </a:t>
             </a:r>
             <a:r>
-              <a:rPr lang="pl-PL" dirty="0" err="1"/>
+              <a:rPr lang="pl-PL" dirty="0" err="1">
+                <a:latin typeface="Consolas" panose="020B0609020204030204" pitchFamily="49" charset="0"/>
+              </a:rPr>
               <a:t>Invoice</a:t>
             </a:r>
             <a:r>
-              <a:rPr lang="pl-PL" dirty="0"/>
+              <a:rPr lang="pl-PL" dirty="0">
+                <a:latin typeface="Consolas" panose="020B0609020204030204" pitchFamily="49" charset="0"/>
+              </a:rPr>
               <a:t>() {Id = 2, </a:t>
             </a:r>
             <a:r>
-              <a:rPr lang="pl-PL" dirty="0" err="1"/>
+              <a:rPr lang="pl-PL" dirty="0" err="1">
+                <a:latin typeface="Consolas" panose="020B0609020204030204" pitchFamily="49" charset="0"/>
+              </a:rPr>
               <a:t>InvoiceNumber</a:t>
             </a:r>
             <a:r>
-              <a:rPr lang="pl-PL" dirty="0"/>
+              <a:rPr lang="pl-PL" dirty="0">
+                <a:latin typeface="Consolas" panose="020B0609020204030204" pitchFamily="49" charset="0"/>
+              </a:rPr>
               <a:t> = "FV/02/2017"},</a:t>
             </a:r>
           </a:p>
@@ -8314,7 +8756,9 @@
               <a:buNone/>
             </a:pPr>
             <a:r>
-              <a:rPr lang="pl-PL" dirty="0"/>
+              <a:rPr lang="pl-PL" dirty="0">
+                <a:latin typeface="Consolas" panose="020B0609020204030204" pitchFamily="49" charset="0"/>
+              </a:rPr>
               <a:t>        })</a:t>
             </a:r>
           </a:p>
@@ -8323,15 +8767,21 @@
               <a:buNone/>
             </a:pPr>
             <a:r>
-              <a:rPr lang="pl-PL" dirty="0"/>
+              <a:rPr lang="pl-PL" dirty="0">
+                <a:latin typeface="Consolas" panose="020B0609020204030204" pitchFamily="49" charset="0"/>
+              </a:rPr>
               <a:t>        .</a:t>
             </a:r>
             <a:r>
-              <a:rPr lang="pl-PL" dirty="0" err="1"/>
+              <a:rPr lang="pl-PL" dirty="0" err="1">
+                <a:latin typeface="Consolas" panose="020B0609020204030204" pitchFamily="49" charset="0"/>
+              </a:rPr>
               <a:t>Verifiable</a:t>
             </a:r>
             <a:r>
-              <a:rPr lang="pl-PL" dirty="0"/>
+              <a:rPr lang="pl-PL" dirty="0">
+                <a:latin typeface="Consolas" panose="020B0609020204030204" pitchFamily="49" charset="0"/>
+              </a:rPr>
               <a:t>();</a:t>
             </a:r>
           </a:p>
@@ -8339,46 +8789,66 @@
             <a:pPr marL="0" indent="0">
               <a:buNone/>
             </a:pPr>
-            <a:endParaRPr lang="pl-PL" dirty="0"/>
+            <a:endParaRPr lang="pl-PL" dirty="0">
+              <a:latin typeface="Consolas" panose="020B0609020204030204" pitchFamily="49" charset="0"/>
+            </a:endParaRPr>
           </a:p>
           <a:p>
             <a:pPr marL="0" indent="0">
               <a:buNone/>
             </a:pPr>
             <a:r>
-              <a:rPr lang="pl-PL" dirty="0"/>
+              <a:rPr lang="pl-PL" dirty="0">
+                <a:latin typeface="Consolas" panose="020B0609020204030204" pitchFamily="49" charset="0"/>
+              </a:rPr>
               <a:t>      </a:t>
             </a:r>
             <a:r>
-              <a:rPr lang="pl-PL" dirty="0" err="1"/>
+              <a:rPr lang="pl-PL" dirty="0" err="1">
+                <a:latin typeface="Consolas" panose="020B0609020204030204" pitchFamily="49" charset="0"/>
+              </a:rPr>
               <a:t>Assert.That</a:t>
             </a:r>
             <a:r>
-              <a:rPr lang="pl-PL" dirty="0"/>
+              <a:rPr lang="pl-PL" dirty="0">
+                <a:latin typeface="Consolas" panose="020B0609020204030204" pitchFamily="49" charset="0"/>
+              </a:rPr>
               <a:t>(</a:t>
             </a:r>
             <a:r>
-              <a:rPr lang="pl-PL" dirty="0" err="1"/>
+              <a:rPr lang="pl-PL" dirty="0" err="1">
+                <a:latin typeface="Consolas" panose="020B0609020204030204" pitchFamily="49" charset="0"/>
+              </a:rPr>
               <a:t>mock.Object.GetAll</a:t>
             </a:r>
             <a:r>
-              <a:rPr lang="pl-PL" dirty="0"/>
+              <a:rPr lang="pl-PL" dirty="0">
+                <a:latin typeface="Consolas" panose="020B0609020204030204" pitchFamily="49" charset="0"/>
+              </a:rPr>
               <a:t>().</a:t>
             </a:r>
             <a:r>
-              <a:rPr lang="pl-PL" dirty="0" err="1"/>
+              <a:rPr lang="pl-PL" dirty="0" err="1">
+                <a:latin typeface="Consolas" panose="020B0609020204030204" pitchFamily="49" charset="0"/>
+              </a:rPr>
               <a:t>Count</a:t>
             </a:r>
             <a:r>
-              <a:rPr lang="pl-PL" dirty="0"/>
+              <a:rPr lang="pl-PL" dirty="0">
+                <a:latin typeface="Consolas" panose="020B0609020204030204" pitchFamily="49" charset="0"/>
+              </a:rPr>
               <a:t>(), </a:t>
             </a:r>
             <a:r>
-              <a:rPr lang="pl-PL" dirty="0" err="1"/>
+              <a:rPr lang="pl-PL" dirty="0" err="1">
+                <a:latin typeface="Consolas" panose="020B0609020204030204" pitchFamily="49" charset="0"/>
+              </a:rPr>
               <a:t>Is.EqualTo</a:t>
             </a:r>
             <a:r>
-              <a:rPr lang="pl-PL" dirty="0"/>
+              <a:rPr lang="pl-PL" dirty="0">
+                <a:latin typeface="Consolas" panose="020B0609020204030204" pitchFamily="49" charset="0"/>
+              </a:rPr>
               <a:t>(2));</a:t>
             </a:r>
           </a:p>
@@ -8386,22 +8856,30 @@
             <a:pPr marL="0" indent="0">
               <a:buNone/>
             </a:pPr>
-            <a:endParaRPr lang="pl-PL" dirty="0"/>
+            <a:endParaRPr lang="pl-PL" dirty="0">
+              <a:latin typeface="Consolas" panose="020B0609020204030204" pitchFamily="49" charset="0"/>
+            </a:endParaRPr>
           </a:p>
           <a:p>
             <a:pPr marL="0" indent="0">
               <a:buNone/>
             </a:pPr>
             <a:r>
-              <a:rPr lang="pl-PL" dirty="0"/>
+              <a:rPr lang="pl-PL" dirty="0">
+                <a:latin typeface="Consolas" panose="020B0609020204030204" pitchFamily="49" charset="0"/>
+              </a:rPr>
               <a:t>      </a:t>
             </a:r>
             <a:r>
-              <a:rPr lang="pl-PL" dirty="0" err="1"/>
+              <a:rPr lang="pl-PL" dirty="0" err="1">
+                <a:latin typeface="Consolas" panose="020B0609020204030204" pitchFamily="49" charset="0"/>
+              </a:rPr>
               <a:t>mock.Verify</a:t>
             </a:r>
             <a:r>
-              <a:rPr lang="pl-PL" dirty="0"/>
+              <a:rPr lang="pl-PL" dirty="0">
+                <a:latin typeface="Consolas" panose="020B0609020204030204" pitchFamily="49" charset="0"/>
+              </a:rPr>
               <a:t>();</a:t>
             </a:r>
           </a:p>
@@ -8494,15 +8972,21 @@
               <a:buNone/>
             </a:pPr>
             <a:r>
-              <a:rPr lang="pl-PL" dirty="0"/>
+              <a:rPr lang="pl-PL" dirty="0">
+                <a:latin typeface="Consolas" panose="020B0609020204030204" pitchFamily="49" charset="0"/>
+              </a:rPr>
               <a:t>      </a:t>
             </a:r>
             <a:r>
-              <a:rPr lang="pl-PL" dirty="0" err="1"/>
+              <a:rPr lang="pl-PL" dirty="0" err="1">
+                <a:latin typeface="Consolas" panose="020B0609020204030204" pitchFamily="49" charset="0"/>
+              </a:rPr>
               <a:t>var</a:t>
             </a:r>
             <a:r>
-              <a:rPr lang="pl-PL" dirty="0"/>
+              <a:rPr lang="pl-PL" dirty="0">
+                <a:latin typeface="Consolas" panose="020B0609020204030204" pitchFamily="49" charset="0"/>
+              </a:rPr>
               <a:t> a = 1 * 3;</a:t>
             </a:r>
           </a:p>
@@ -8511,15 +8995,21 @@
               <a:buNone/>
             </a:pPr>
             <a:r>
-              <a:rPr lang="pl-PL" dirty="0"/>
+              <a:rPr lang="pl-PL" dirty="0">
+                <a:latin typeface="Consolas" panose="020B0609020204030204" pitchFamily="49" charset="0"/>
+              </a:rPr>
               <a:t>      </a:t>
             </a:r>
             <a:r>
-              <a:rPr lang="pl-PL" dirty="0" err="1"/>
+              <a:rPr lang="pl-PL" dirty="0" err="1">
+                <a:latin typeface="Consolas" panose="020B0609020204030204" pitchFamily="49" charset="0"/>
+              </a:rPr>
               <a:t>var</a:t>
             </a:r>
             <a:r>
-              <a:rPr lang="pl-PL" dirty="0"/>
+              <a:rPr lang="pl-PL" dirty="0">
+                <a:latin typeface="Consolas" panose="020B0609020204030204" pitchFamily="49" charset="0"/>
+              </a:rPr>
               <a:t> b = 9/3;</a:t>
             </a:r>
           </a:p>
@@ -8527,30 +9017,42 @@
             <a:pPr marL="0" indent="0">
               <a:buNone/>
             </a:pPr>
-            <a:endParaRPr lang="pl-PL" dirty="0"/>
+            <a:endParaRPr lang="pl-PL" dirty="0">
+              <a:latin typeface="Consolas" panose="020B0609020204030204" pitchFamily="49" charset="0"/>
+            </a:endParaRPr>
           </a:p>
           <a:p>
             <a:pPr marL="0" indent="0">
               <a:buNone/>
             </a:pPr>
             <a:r>
-              <a:rPr lang="pl-PL" dirty="0"/>
+              <a:rPr lang="pl-PL" dirty="0">
+                <a:latin typeface="Consolas" panose="020B0609020204030204" pitchFamily="49" charset="0"/>
+              </a:rPr>
               <a:t>      </a:t>
             </a:r>
             <a:r>
-              <a:rPr lang="pl-PL" dirty="0" err="1"/>
+              <a:rPr lang="pl-PL" dirty="0" err="1">
+                <a:latin typeface="Consolas" panose="020B0609020204030204" pitchFamily="49" charset="0"/>
+              </a:rPr>
               <a:t>var</a:t>
             </a:r>
             <a:r>
-              <a:rPr lang="pl-PL" dirty="0"/>
+              <a:rPr lang="pl-PL" dirty="0">
+                <a:latin typeface="Consolas" panose="020B0609020204030204" pitchFamily="49" charset="0"/>
+              </a:rPr>
               <a:t> </a:t>
             </a:r>
             <a:r>
-              <a:rPr lang="pl-PL" dirty="0" err="1"/>
+              <a:rPr lang="pl-PL" dirty="0" err="1">
+                <a:latin typeface="Consolas" panose="020B0609020204030204" pitchFamily="49" charset="0"/>
+              </a:rPr>
               <a:t>value</a:t>
             </a:r>
             <a:r>
-              <a:rPr lang="pl-PL" dirty="0"/>
+              <a:rPr lang="pl-PL" dirty="0">
+                <a:latin typeface="Consolas" panose="020B0609020204030204" pitchFamily="49" charset="0"/>
+              </a:rPr>
               <a:t> = a == b;</a:t>
             </a:r>
           </a:p>
@@ -8558,30 +9060,42 @@
             <a:pPr marL="0" indent="0">
               <a:buNone/>
             </a:pPr>
-            <a:endParaRPr lang="pl-PL" dirty="0"/>
+            <a:endParaRPr lang="pl-PL" dirty="0">
+              <a:latin typeface="Consolas" panose="020B0609020204030204" pitchFamily="49" charset="0"/>
+            </a:endParaRPr>
           </a:p>
           <a:p>
             <a:pPr marL="0" indent="0">
               <a:buNone/>
             </a:pPr>
             <a:r>
-              <a:rPr lang="pl-PL" dirty="0"/>
+              <a:rPr lang="pl-PL" dirty="0">
+                <a:latin typeface="Consolas" panose="020B0609020204030204" pitchFamily="49" charset="0"/>
+              </a:rPr>
               <a:t>      </a:t>
             </a:r>
             <a:r>
-              <a:rPr lang="pl-PL" dirty="0" err="1"/>
+              <a:rPr lang="pl-PL" dirty="0" err="1">
+                <a:latin typeface="Consolas" panose="020B0609020204030204" pitchFamily="49" charset="0"/>
+              </a:rPr>
               <a:t>value.ShouldBe</a:t>
             </a:r>
             <a:r>
-              <a:rPr lang="pl-PL" dirty="0"/>
+              <a:rPr lang="pl-PL" dirty="0">
+                <a:latin typeface="Consolas" panose="020B0609020204030204" pitchFamily="49" charset="0"/>
+              </a:rPr>
               <a:t>(</a:t>
             </a:r>
             <a:r>
-              <a:rPr lang="pl-PL" dirty="0" err="1"/>
+              <a:rPr lang="pl-PL" dirty="0" err="1">
+                <a:latin typeface="Consolas" panose="020B0609020204030204" pitchFamily="49" charset="0"/>
+              </a:rPr>
               <a:t>true</a:t>
             </a:r>
             <a:r>
-              <a:rPr lang="pl-PL" dirty="0"/>
+              <a:rPr lang="pl-PL" dirty="0">
+                <a:latin typeface="Consolas" panose="020B0609020204030204" pitchFamily="49" charset="0"/>
+              </a:rPr>
               <a:t>);</a:t>
             </a:r>
           </a:p>
@@ -8590,15 +9104,21 @@
               <a:buNone/>
             </a:pPr>
             <a:r>
-              <a:rPr lang="en-US" dirty="0"/>
+              <a:rPr lang="en-US" dirty="0">
+                <a:latin typeface="Consolas" panose="020B0609020204030204" pitchFamily="49" charset="0"/>
+              </a:rPr>
               <a:t>      Action </a:t>
             </a:r>
             <a:r>
-              <a:rPr lang="en-US" dirty="0" err="1"/>
+              <a:rPr lang="en-US" dirty="0" err="1">
+                <a:latin typeface="Consolas" panose="020B0609020204030204" pitchFamily="49" charset="0"/>
+              </a:rPr>
               <a:t>action</a:t>
             </a:r>
             <a:r>
-              <a:rPr lang="en-US" dirty="0"/>
+              <a:rPr lang="en-US" dirty="0">
+                <a:latin typeface="Consolas" panose="020B0609020204030204" pitchFamily="49" charset="0"/>
+              </a:rPr>
               <a:t> = () =&gt; { throw new Exception();};</a:t>
             </a:r>
           </a:p>
@@ -8606,30 +9126,42 @@
             <a:pPr marL="0" indent="0">
               <a:buNone/>
             </a:pPr>
-            <a:endParaRPr lang="pl-PL" dirty="0"/>
+            <a:endParaRPr lang="pl-PL" dirty="0">
+              <a:latin typeface="Consolas" panose="020B0609020204030204" pitchFamily="49" charset="0"/>
+            </a:endParaRPr>
           </a:p>
           <a:p>
             <a:pPr marL="0" indent="0">
               <a:buNone/>
             </a:pPr>
             <a:r>
-              <a:rPr lang="pl-PL" dirty="0"/>
+              <a:rPr lang="pl-PL" dirty="0">
+                <a:latin typeface="Consolas" panose="020B0609020204030204" pitchFamily="49" charset="0"/>
+              </a:rPr>
               <a:t>      </a:t>
             </a:r>
             <a:r>
-              <a:rPr lang="pl-PL" dirty="0" err="1"/>
+              <a:rPr lang="pl-PL" dirty="0" err="1">
+                <a:latin typeface="Consolas" panose="020B0609020204030204" pitchFamily="49" charset="0"/>
+              </a:rPr>
               <a:t>action.ShouldThrow</a:t>
             </a:r>
             <a:r>
-              <a:rPr lang="pl-PL" dirty="0"/>
+              <a:rPr lang="pl-PL" dirty="0">
+                <a:latin typeface="Consolas" panose="020B0609020204030204" pitchFamily="49" charset="0"/>
+              </a:rPr>
               <a:t>&lt;</a:t>
             </a:r>
             <a:r>
-              <a:rPr lang="pl-PL" dirty="0" err="1"/>
+              <a:rPr lang="pl-PL" dirty="0" err="1">
+                <a:latin typeface="Consolas" panose="020B0609020204030204" pitchFamily="49" charset="0"/>
+              </a:rPr>
               <a:t>Exception</a:t>
             </a:r>
             <a:r>
-              <a:rPr lang="pl-PL" dirty="0"/>
+              <a:rPr lang="pl-PL" dirty="0">
+                <a:latin typeface="Consolas" panose="020B0609020204030204" pitchFamily="49" charset="0"/>
+              </a:rPr>
               <a:t>&gt;();</a:t>
             </a:r>
           </a:p>
@@ -8733,19 +9265,6 @@
                   <a:schemeClr val="tx1"/>
                 </a:solidFill>
               </a:rPr>
-              <a:t>Proste aplikacje konsolowe?</a:t>
-            </a:r>
-          </a:p>
-          <a:p>
-            <a:pPr marL="0" indent="0" algn="ctr">
-              <a:buNone/>
-            </a:pPr>
-            <a:r>
-              <a:rPr lang="pl-PL" sz="3200" dirty="0">
-                <a:solidFill>
-                  <a:schemeClr val="tx1"/>
-                </a:solidFill>
-              </a:rPr>
               <a:t>Uruchamianie pełnej aplikacji?</a:t>
             </a:r>
           </a:p>
@@ -8934,7 +9453,7 @@
                   <a:schemeClr val="tx1"/>
                 </a:solidFill>
               </a:rPr>
-              <a:t>zawsze!</a:t>
+              <a:t>Zawsze?</a:t>
             </a:r>
           </a:p>
           <a:p>
@@ -8945,7 +9464,7 @@
     </p:spTree>
     <p:extLst>
       <p:ext uri="{BB962C8B-B14F-4D97-AF65-F5344CB8AC3E}">
-        <p14:creationId xmlns:p14="http://schemas.microsoft.com/office/powerpoint/2010/main" val="1431967116"/>
+        <p14:creationId xmlns:p14="http://schemas.microsoft.com/office/powerpoint/2010/main" val="2322262468"/>
       </p:ext>
     </p:extLst>
   </p:cSld>
@@ -8997,6 +9516,111 @@
           <a:p>
             <a:pPr algn="ctr"/>
             <a:r>
+              <a:rPr lang="pl-PL" sz="4400" dirty="0"/>
+              <a:t>Kiedy pisać testy jednostkowe</a:t>
+            </a:r>
+          </a:p>
+        </p:txBody>
+      </p:sp>
+      <p:sp>
+        <p:nvSpPr>
+          <p:cNvPr id="3" name="Symbol zastępczy zawartości 2">
+            <a:extLst>
+              <a:ext uri="{FF2B5EF4-FFF2-40B4-BE49-F238E27FC236}">
+                <a16:creationId xmlns:a16="http://schemas.microsoft.com/office/drawing/2014/main" id="{7E313087-0B09-4CF6-AA8E-E917DD2C5751}"/>
+              </a:ext>
+            </a:extLst>
+          </p:cNvPr>
+          <p:cNvSpPr>
+            <a:spLocks noGrp="1"/>
+          </p:cNvSpPr>
+          <p:nvPr>
+            <p:ph idx="1"/>
+          </p:nvPr>
+        </p:nvSpPr>
+        <p:spPr/>
+        <p:txBody>
+          <a:bodyPr/>
+          <a:lstStyle/>
+          <a:p>
+            <a:pPr marL="0" indent="0" algn="ctr">
+              <a:buNone/>
+            </a:pPr>
+            <a:endParaRPr lang="pl-PL" sz="3600" dirty="0"/>
+          </a:p>
+          <a:p>
+            <a:pPr marL="0" indent="0" algn="ctr">
+              <a:buNone/>
+            </a:pPr>
+            <a:r>
+              <a:rPr lang="pl-PL" sz="8800" dirty="0">
+                <a:solidFill>
+                  <a:schemeClr val="tx1"/>
+                </a:solidFill>
+              </a:rPr>
+              <a:t>(prawie)zawsze!</a:t>
+            </a:r>
+          </a:p>
+          <a:p>
+            <a:endParaRPr lang="pl-PL" dirty="0"/>
+          </a:p>
+        </p:txBody>
+      </p:sp>
+    </p:spTree>
+    <p:extLst>
+      <p:ext uri="{BB962C8B-B14F-4D97-AF65-F5344CB8AC3E}">
+        <p14:creationId xmlns:p14="http://schemas.microsoft.com/office/powerpoint/2010/main" val="1431967116"/>
+      </p:ext>
+    </p:extLst>
+  </p:cSld>
+  <p:clrMapOvr>
+    <a:masterClrMapping/>
+  </p:clrMapOvr>
+</p:sld>
+</file>
+
+<file path=ppt/slides/slide23.xml><?xml version="1.0" encoding="utf-8"?>
+<p:sld xmlns:a="http://schemas.openxmlformats.org/drawingml/2006/main" xmlns:r="http://schemas.openxmlformats.org/officeDocument/2006/relationships" xmlns:p="http://schemas.openxmlformats.org/presentationml/2006/main">
+  <p:cSld>
+    <p:spTree>
+      <p:nvGrpSpPr>
+        <p:cNvPr id="1" name=""/>
+        <p:cNvGrpSpPr/>
+        <p:nvPr/>
+      </p:nvGrpSpPr>
+      <p:grpSpPr>
+        <a:xfrm>
+          <a:off x="0" y="0"/>
+          <a:ext cx="0" cy="0"/>
+          <a:chOff x="0" y="0"/>
+          <a:chExt cx="0" cy="0"/>
+        </a:xfrm>
+      </p:grpSpPr>
+      <p:sp>
+        <p:nvSpPr>
+          <p:cNvPr id="2" name="Tytuł 1">
+            <a:extLst>
+              <a:ext uri="{FF2B5EF4-FFF2-40B4-BE49-F238E27FC236}">
+                <a16:creationId xmlns:a16="http://schemas.microsoft.com/office/drawing/2014/main" id="{32F114C4-5237-4EFD-BF4D-E7C9058A99A3}"/>
+              </a:ext>
+            </a:extLst>
+          </p:cNvPr>
+          <p:cNvSpPr>
+            <a:spLocks noGrp="1"/>
+          </p:cNvSpPr>
+          <p:nvPr>
+            <p:ph type="title"/>
+          </p:nvPr>
+        </p:nvSpPr>
+        <p:spPr/>
+        <p:txBody>
+          <a:bodyPr>
+            <a:normAutofit/>
+          </a:bodyPr>
+          <a:lstStyle/>
+          <a:p>
+            <a:pPr algn="ctr"/>
+            <a:r>
               <a:rPr lang="pl-PL" sz="4800" dirty="0"/>
               <a:t>Kiedy pisać testy jednostkowe</a:t>
             </a:r>
@@ -9083,7 +9707,7 @@
 </p:sld>
 </file>
 
-<file path=ppt/slides/slide23.xml><?xml version="1.0" encoding="utf-8"?>
+<file path=ppt/slides/slide24.xml><?xml version="1.0" encoding="utf-8"?>
 <p:sld xmlns:a="http://schemas.openxmlformats.org/drawingml/2006/main" xmlns:r="http://schemas.openxmlformats.org/officeDocument/2006/relationships" xmlns:p="http://schemas.openxmlformats.org/presentationml/2006/main">
   <p:cSld>
     <p:spTree>
